--- a/presentation.pptx
+++ b/presentation.pptx
@@ -5,38 +5,47 @@
     <p:sldMasterId id="2147483648" r:id="rId1"/>
   </p:sldMasterIdLst>
   <p:notesMasterIdLst>
-    <p:notesMasterId r:id="rId31"/>
+    <p:notesMasterId r:id="rId40"/>
   </p:notesMasterIdLst>
   <p:sldIdLst>
     <p:sldId id="286" r:id="rId2"/>
-    <p:sldId id="264" r:id="rId3"/>
-    <p:sldId id="263" r:id="rId4"/>
-    <p:sldId id="271" r:id="rId5"/>
-    <p:sldId id="272" r:id="rId6"/>
-    <p:sldId id="281" r:id="rId7"/>
-    <p:sldId id="285" r:id="rId8"/>
-    <p:sldId id="283" r:id="rId9"/>
-    <p:sldId id="289" r:id="rId10"/>
-    <p:sldId id="284" r:id="rId11"/>
-    <p:sldId id="287" r:id="rId12"/>
-    <p:sldId id="288" r:id="rId13"/>
-    <p:sldId id="274" r:id="rId14"/>
-    <p:sldId id="275" r:id="rId15"/>
-    <p:sldId id="277" r:id="rId16"/>
-    <p:sldId id="273" r:id="rId17"/>
-    <p:sldId id="291" r:id="rId18"/>
-    <p:sldId id="278" r:id="rId19"/>
-    <p:sldId id="290" r:id="rId20"/>
-    <p:sldId id="292" r:id="rId21"/>
-    <p:sldId id="266" r:id="rId22"/>
-    <p:sldId id="262" r:id="rId23"/>
-    <p:sldId id="265" r:id="rId24"/>
-    <p:sldId id="267" r:id="rId25"/>
-    <p:sldId id="269" r:id="rId26"/>
-    <p:sldId id="270" r:id="rId27"/>
-    <p:sldId id="276" r:id="rId28"/>
-    <p:sldId id="282" r:id="rId29"/>
-    <p:sldId id="279" r:id="rId30"/>
+    <p:sldId id="293" r:id="rId3"/>
+    <p:sldId id="264" r:id="rId4"/>
+    <p:sldId id="263" r:id="rId5"/>
+    <p:sldId id="271" r:id="rId6"/>
+    <p:sldId id="272" r:id="rId7"/>
+    <p:sldId id="281" r:id="rId8"/>
+    <p:sldId id="285" r:id="rId9"/>
+    <p:sldId id="283" r:id="rId10"/>
+    <p:sldId id="289" r:id="rId11"/>
+    <p:sldId id="284" r:id="rId12"/>
+    <p:sldId id="287" r:id="rId13"/>
+    <p:sldId id="288" r:id="rId14"/>
+    <p:sldId id="274" r:id="rId15"/>
+    <p:sldId id="275" r:id="rId16"/>
+    <p:sldId id="277" r:id="rId17"/>
+    <p:sldId id="273" r:id="rId18"/>
+    <p:sldId id="291" r:id="rId19"/>
+    <p:sldId id="278" r:id="rId20"/>
+    <p:sldId id="290" r:id="rId21"/>
+    <p:sldId id="302" r:id="rId22"/>
+    <p:sldId id="301" r:id="rId23"/>
+    <p:sldId id="300" r:id="rId24"/>
+    <p:sldId id="299" r:id="rId25"/>
+    <p:sldId id="298" r:id="rId26"/>
+    <p:sldId id="294" r:id="rId27"/>
+    <p:sldId id="297" r:id="rId28"/>
+    <p:sldId id="292" r:id="rId29"/>
+    <p:sldId id="296" r:id="rId30"/>
+    <p:sldId id="266" r:id="rId31"/>
+    <p:sldId id="262" r:id="rId32"/>
+    <p:sldId id="265" r:id="rId33"/>
+    <p:sldId id="267" r:id="rId34"/>
+    <p:sldId id="269" r:id="rId35"/>
+    <p:sldId id="270" r:id="rId36"/>
+    <p:sldId id="276" r:id="rId37"/>
+    <p:sldId id="282" r:id="rId38"/>
+    <p:sldId id="279" r:id="rId39"/>
   </p:sldIdLst>
   <p:sldSz cx="12192000" cy="6858000"/>
   <p:notesSz cx="6858000" cy="9144000"/>
@@ -225,7 +234,7 @@
           <a:p>
             <a:fld id="{CC7CB2C3-37B5-4BD6-986D-8040C072327A}" type="datetimeFigureOut">
               <a:rPr lang="fr-CA" smtClean="0"/>
-              <a:t>2022-10-14</a:t>
+              <a:t>2022-11-03</a:t>
             </a:fld>
             <a:endParaRPr lang="fr-CA"/>
           </a:p>
@@ -493,6 +502,93 @@
 </p:notesMaster>
 </file>
 
+<file path=ppt/notesSlides/notesSlide1.xml><?xml version="1.0" encoding="utf-8"?>
+<p:notes xmlns:a="http://schemas.openxmlformats.org/drawingml/2006/main" xmlns:r="http://schemas.openxmlformats.org/officeDocument/2006/relationships" xmlns:p="http://schemas.openxmlformats.org/presentationml/2006/main">
+  <p:cSld>
+    <p:spTree>
+      <p:nvGrpSpPr>
+        <p:cNvPr id="1" name=""/>
+        <p:cNvGrpSpPr/>
+        <p:nvPr/>
+      </p:nvGrpSpPr>
+      <p:grpSpPr>
+        <a:xfrm>
+          <a:off x="0" y="0"/>
+          <a:ext cx="0" cy="0"/>
+          <a:chOff x="0" y="0"/>
+          <a:chExt cx="0" cy="0"/>
+        </a:xfrm>
+      </p:grpSpPr>
+      <p:sp>
+        <p:nvSpPr>
+          <p:cNvPr id="2" name="幻灯片图像占位符 1"/>
+          <p:cNvSpPr>
+            <a:spLocks noGrp="1" noRot="1" noChangeAspect="1"/>
+          </p:cNvSpPr>
+          <p:nvPr>
+            <p:ph type="sldImg"/>
+          </p:nvPr>
+        </p:nvSpPr>
+        <p:spPr/>
+      </p:sp>
+      <p:sp>
+        <p:nvSpPr>
+          <p:cNvPr id="3" name="备注占位符 2"/>
+          <p:cNvSpPr>
+            <a:spLocks noGrp="1"/>
+          </p:cNvSpPr>
+          <p:nvPr>
+            <p:ph type="body" idx="1"/>
+          </p:nvPr>
+        </p:nvSpPr>
+        <p:spPr/>
+        <p:txBody>
+          <a:bodyPr/>
+          <a:lstStyle/>
+          <a:p>
+            <a:r>
+              <a:rPr lang="fr-CA" dirty="0"/>
+              <a:t>https://zhuanlan.zhihu.com/p/45392067</a:t>
+            </a:r>
+          </a:p>
+        </p:txBody>
+      </p:sp>
+      <p:sp>
+        <p:nvSpPr>
+          <p:cNvPr id="4" name="灯片编号占位符 3"/>
+          <p:cNvSpPr>
+            <a:spLocks noGrp="1"/>
+          </p:cNvSpPr>
+          <p:nvPr>
+            <p:ph type="sldNum" sz="quarter" idx="5"/>
+          </p:nvPr>
+        </p:nvSpPr>
+        <p:spPr/>
+        <p:txBody>
+          <a:bodyPr/>
+          <a:lstStyle/>
+          <a:p>
+            <a:fld id="{2C553ADB-DCF5-4083-B0C6-071B2F503C37}" type="slidenum">
+              <a:rPr lang="fr-CA" smtClean="0"/>
+              <a:t>2</a:t>
+            </a:fld>
+            <a:endParaRPr lang="fr-CA"/>
+          </a:p>
+        </p:txBody>
+      </p:sp>
+    </p:spTree>
+    <p:extLst>
+      <p:ext uri="{BB962C8B-B14F-4D97-AF65-F5344CB8AC3E}">
+        <p14:creationId xmlns:p14="http://schemas.microsoft.com/office/powerpoint/2010/main" val="2016954309"/>
+      </p:ext>
+    </p:extLst>
+  </p:cSld>
+  <p:clrMapOvr>
+    <a:masterClrMapping/>
+  </p:clrMapOvr>
+</p:notes>
+</file>
+
 <file path=ppt/slideLayouts/slideLayout1.xml><?xml version="1.0" encoding="utf-8"?>
 <p:sldLayout xmlns:a="http://schemas.openxmlformats.org/drawingml/2006/main" xmlns:r="http://schemas.openxmlformats.org/officeDocument/2006/relationships" xmlns:p="http://schemas.openxmlformats.org/presentationml/2006/main" type="title" preserve="1">
   <p:cSld name="标题幻灯片">
@@ -642,7 +738,7 @@
           <a:p>
             <a:fld id="{5890D0D9-284D-414C-A308-03C9872EF452}" type="datetimeFigureOut">
               <a:rPr lang="fr-CA" smtClean="0"/>
-              <a:t>2022-10-14</a:t>
+              <a:t>2022-11-03</a:t>
             </a:fld>
             <a:endParaRPr lang="fr-CA"/>
           </a:p>
@@ -842,7 +938,7 @@
           <a:p>
             <a:fld id="{5890D0D9-284D-414C-A308-03C9872EF452}" type="datetimeFigureOut">
               <a:rPr lang="fr-CA" smtClean="0"/>
-              <a:t>2022-10-14</a:t>
+              <a:t>2022-11-03</a:t>
             </a:fld>
             <a:endParaRPr lang="fr-CA"/>
           </a:p>
@@ -1052,7 +1148,7 @@
           <a:p>
             <a:fld id="{5890D0D9-284D-414C-A308-03C9872EF452}" type="datetimeFigureOut">
               <a:rPr lang="fr-CA" smtClean="0"/>
-              <a:t>2022-10-14</a:t>
+              <a:t>2022-11-03</a:t>
             </a:fld>
             <a:endParaRPr lang="fr-CA"/>
           </a:p>
@@ -1252,7 +1348,7 @@
           <a:p>
             <a:fld id="{5890D0D9-284D-414C-A308-03C9872EF452}" type="datetimeFigureOut">
               <a:rPr lang="fr-CA" smtClean="0"/>
-              <a:t>2022-10-14</a:t>
+              <a:t>2022-11-03</a:t>
             </a:fld>
             <a:endParaRPr lang="fr-CA"/>
           </a:p>
@@ -1528,7 +1624,7 @@
           <a:p>
             <a:fld id="{5890D0D9-284D-414C-A308-03C9872EF452}" type="datetimeFigureOut">
               <a:rPr lang="fr-CA" smtClean="0"/>
-              <a:t>2022-10-14</a:t>
+              <a:t>2022-11-03</a:t>
             </a:fld>
             <a:endParaRPr lang="fr-CA"/>
           </a:p>
@@ -1796,7 +1892,7 @@
           <a:p>
             <a:fld id="{5890D0D9-284D-414C-A308-03C9872EF452}" type="datetimeFigureOut">
               <a:rPr lang="fr-CA" smtClean="0"/>
-              <a:t>2022-10-14</a:t>
+              <a:t>2022-11-03</a:t>
             </a:fld>
             <a:endParaRPr lang="fr-CA"/>
           </a:p>
@@ -2211,7 +2307,7 @@
           <a:p>
             <a:fld id="{5890D0D9-284D-414C-A308-03C9872EF452}" type="datetimeFigureOut">
               <a:rPr lang="fr-CA" smtClean="0"/>
-              <a:t>2022-10-14</a:t>
+              <a:t>2022-11-03</a:t>
             </a:fld>
             <a:endParaRPr lang="fr-CA"/>
           </a:p>
@@ -2353,7 +2449,7 @@
           <a:p>
             <a:fld id="{5890D0D9-284D-414C-A308-03C9872EF452}" type="datetimeFigureOut">
               <a:rPr lang="fr-CA" smtClean="0"/>
-              <a:t>2022-10-14</a:t>
+              <a:t>2022-11-03</a:t>
             </a:fld>
             <a:endParaRPr lang="fr-CA"/>
           </a:p>
@@ -2466,7 +2562,7 @@
           <a:p>
             <a:fld id="{5890D0D9-284D-414C-A308-03C9872EF452}" type="datetimeFigureOut">
               <a:rPr lang="fr-CA" smtClean="0"/>
-              <a:t>2022-10-14</a:t>
+              <a:t>2022-11-03</a:t>
             </a:fld>
             <a:endParaRPr lang="fr-CA"/>
           </a:p>
@@ -2779,7 +2875,7 @@
           <a:p>
             <a:fld id="{5890D0D9-284D-414C-A308-03C9872EF452}" type="datetimeFigureOut">
               <a:rPr lang="fr-CA" smtClean="0"/>
-              <a:t>2022-10-14</a:t>
+              <a:t>2022-11-03</a:t>
             </a:fld>
             <a:endParaRPr lang="fr-CA"/>
           </a:p>
@@ -3068,7 +3164,7 @@
           <a:p>
             <a:fld id="{5890D0D9-284D-414C-A308-03C9872EF452}" type="datetimeFigureOut">
               <a:rPr lang="fr-CA" smtClean="0"/>
-              <a:t>2022-10-14</a:t>
+              <a:t>2022-11-03</a:t>
             </a:fld>
             <a:endParaRPr lang="fr-CA"/>
           </a:p>
@@ -3311,7 +3407,7 @@
           <a:p>
             <a:fld id="{5890D0D9-284D-414C-A308-03C9872EF452}" type="datetimeFigureOut">
               <a:rPr lang="fr-CA" smtClean="0"/>
-              <a:t>2022-10-14</a:t>
+              <a:t>2022-11-03</a:t>
             </a:fld>
             <a:endParaRPr lang="fr-CA"/>
           </a:p>
@@ -5354,6 +5450,120 @@
           <p:cNvPr id="2" name="标题 1">
             <a:extLst>
               <a:ext uri="{FF2B5EF4-FFF2-40B4-BE49-F238E27FC236}">
+                <a16:creationId xmlns:a16="http://schemas.microsoft.com/office/drawing/2014/main" id="{75DAE3FA-458C-874B-8CC2-44930AB6F259}"/>
+              </a:ext>
+            </a:extLst>
+          </p:cNvPr>
+          <p:cNvSpPr>
+            <a:spLocks noGrp="1"/>
+          </p:cNvSpPr>
+          <p:nvPr>
+            <p:ph type="title"/>
+          </p:nvPr>
+        </p:nvSpPr>
+        <p:spPr/>
+        <p:txBody>
+          <a:bodyPr/>
+          <a:lstStyle/>
+          <a:p>
+            <a:endParaRPr lang="fr-CA"/>
+          </a:p>
+        </p:txBody>
+      </p:sp>
+      <p:pic>
+        <p:nvPicPr>
+          <p:cNvPr id="4" name="图片 3">
+            <a:extLst>
+              <a:ext uri="{FF2B5EF4-FFF2-40B4-BE49-F238E27FC236}">
+                <a16:creationId xmlns:a16="http://schemas.microsoft.com/office/drawing/2014/main" id="{56AC2D80-8ABF-5B3B-7B85-BACEBE9F05F3}"/>
+              </a:ext>
+            </a:extLst>
+          </p:cNvPr>
+          <p:cNvPicPr>
+            <a:picLocks noChangeAspect="1"/>
+          </p:cNvPicPr>
+          <p:nvPr/>
+        </p:nvPicPr>
+        <p:blipFill>
+          <a:blip r:embed="rId2"/>
+          <a:stretch>
+            <a:fillRect/>
+          </a:stretch>
+        </p:blipFill>
+        <p:spPr>
+          <a:xfrm>
+            <a:off x="2553449" y="2078194"/>
+            <a:ext cx="6140730" cy="4168060"/>
+          </a:xfrm>
+          <a:prstGeom prst="rect">
+            <a:avLst/>
+          </a:prstGeom>
+        </p:spPr>
+      </p:pic>
+      <p:pic>
+        <p:nvPicPr>
+          <p:cNvPr id="5" name="图片 4">
+            <a:extLst>
+              <a:ext uri="{FF2B5EF4-FFF2-40B4-BE49-F238E27FC236}">
+                <a16:creationId xmlns:a16="http://schemas.microsoft.com/office/drawing/2014/main" id="{AC57B585-AD61-39F1-E7C5-92AFADF1EA0B}"/>
+              </a:ext>
+            </a:extLst>
+          </p:cNvPr>
+          <p:cNvPicPr>
+            <a:picLocks noChangeAspect="1"/>
+          </p:cNvPicPr>
+          <p:nvPr/>
+        </p:nvPicPr>
+        <p:blipFill rotWithShape="1">
+          <a:blip r:embed="rId3"/>
+          <a:srcRect t="7123"/>
+          <a:stretch/>
+        </p:blipFill>
+        <p:spPr>
+          <a:xfrm>
+            <a:off x="2499924" y="2163652"/>
+            <a:ext cx="6389448" cy="4262907"/>
+          </a:xfrm>
+          <a:prstGeom prst="rect">
+            <a:avLst/>
+          </a:prstGeom>
+        </p:spPr>
+      </p:pic>
+    </p:spTree>
+    <p:extLst>
+      <p:ext uri="{BB962C8B-B14F-4D97-AF65-F5344CB8AC3E}">
+        <p14:creationId xmlns:p14="http://schemas.microsoft.com/office/powerpoint/2010/main" val="3137794201"/>
+      </p:ext>
+    </p:extLst>
+  </p:cSld>
+  <p:clrMapOvr>
+    <a:masterClrMapping/>
+  </p:clrMapOvr>
+</p:sld>
+</file>
+
+<file path=ppt/slides/slide11.xml><?xml version="1.0" encoding="utf-8"?>
+<p:sld xmlns:a="http://schemas.openxmlformats.org/drawingml/2006/main" xmlns:r="http://schemas.openxmlformats.org/officeDocument/2006/relationships" xmlns:p="http://schemas.openxmlformats.org/presentationml/2006/main">
+  <p:cSld>
+    <p:spTree>
+      <p:nvGrpSpPr>
+        <p:cNvPr id="1" name=""/>
+        <p:cNvGrpSpPr/>
+        <p:nvPr/>
+      </p:nvGrpSpPr>
+      <p:grpSpPr>
+        <a:xfrm>
+          <a:off x="0" y="0"/>
+          <a:ext cx="0" cy="0"/>
+          <a:chOff x="0" y="0"/>
+          <a:chExt cx="0" cy="0"/>
+        </a:xfrm>
+      </p:grpSpPr>
+      <p:sp>
+        <p:nvSpPr>
+          <p:cNvPr id="2" name="标题 1">
+            <a:extLst>
+              <a:ext uri="{FF2B5EF4-FFF2-40B4-BE49-F238E27FC236}">
                 <a16:creationId xmlns:a16="http://schemas.microsoft.com/office/drawing/2014/main" id="{B574F081-54E5-17D9-E2C9-BBB44AFA2875}"/>
               </a:ext>
             </a:extLst>
@@ -5525,7 +5735,7 @@
 </p:sld>
 </file>
 
-<file path=ppt/slides/slide11.xml><?xml version="1.0" encoding="utf-8"?>
+<file path=ppt/slides/slide12.xml><?xml version="1.0" encoding="utf-8"?>
 <p:sld xmlns:a="http://schemas.openxmlformats.org/drawingml/2006/main" xmlns:r="http://schemas.openxmlformats.org/officeDocument/2006/relationships" xmlns:p="http://schemas.openxmlformats.org/presentationml/2006/main">
   <p:cSld>
     <p:spTree>
@@ -5675,7 +5885,7 @@
 </p:sld>
 </file>
 
-<file path=ppt/slides/slide12.xml><?xml version="1.0" encoding="utf-8"?>
+<file path=ppt/slides/slide13.xml><?xml version="1.0" encoding="utf-8"?>
 <p:sld xmlns:a="http://schemas.openxmlformats.org/drawingml/2006/main" xmlns:r="http://schemas.openxmlformats.org/officeDocument/2006/relationships" xmlns:p="http://schemas.openxmlformats.org/presentationml/2006/main">
   <p:cSld>
     <p:spTree>
@@ -5735,7 +5945,7 @@
 </p:sld>
 </file>
 
-<file path=ppt/slides/slide13.xml><?xml version="1.0" encoding="utf-8"?>
+<file path=ppt/slides/slide14.xml><?xml version="1.0" encoding="utf-8"?>
 <p:sld xmlns:a="http://schemas.openxmlformats.org/drawingml/2006/main" xmlns:r="http://schemas.openxmlformats.org/officeDocument/2006/relationships" xmlns:p="http://schemas.openxmlformats.org/presentationml/2006/main" show="0">
   <p:cSld>
     <p:spTree>
@@ -5795,7 +6005,7 @@
 </p:sld>
 </file>
 
-<file path=ppt/slides/slide14.xml><?xml version="1.0" encoding="utf-8"?>
+<file path=ppt/slides/slide15.xml><?xml version="1.0" encoding="utf-8"?>
 <p:sld xmlns:a="http://schemas.openxmlformats.org/drawingml/2006/main" xmlns:r="http://schemas.openxmlformats.org/officeDocument/2006/relationships" xmlns:p="http://schemas.openxmlformats.org/presentationml/2006/main" show="0">
   <p:cSld>
     <p:spTree>
@@ -5941,7 +6151,7 @@
 </p:sld>
 </file>
 
-<file path=ppt/slides/slide15.xml><?xml version="1.0" encoding="utf-8"?>
+<file path=ppt/slides/slide16.xml><?xml version="1.0" encoding="utf-8"?>
 <p:sld xmlns:a="http://schemas.openxmlformats.org/drawingml/2006/main" xmlns:r="http://schemas.openxmlformats.org/officeDocument/2006/relationships" xmlns:p="http://schemas.openxmlformats.org/presentationml/2006/main" show="0">
   <p:cSld>
     <p:spTree>
@@ -6062,7 +6272,7 @@
 </p:sld>
 </file>
 
-<file path=ppt/slides/slide16.xml><?xml version="1.0" encoding="utf-8"?>
+<file path=ppt/slides/slide17.xml><?xml version="1.0" encoding="utf-8"?>
 <p:sld xmlns:a="http://schemas.openxmlformats.org/drawingml/2006/main" xmlns:r="http://schemas.openxmlformats.org/officeDocument/2006/relationships" xmlns:p="http://schemas.openxmlformats.org/presentationml/2006/main" show="0">
   <p:cSld>
     <p:spTree>
@@ -6160,7 +6370,7 @@
 </p:sld>
 </file>
 
-<file path=ppt/slides/slide17.xml><?xml version="1.0" encoding="utf-8"?>
+<file path=ppt/slides/slide18.xml><?xml version="1.0" encoding="utf-8"?>
 <p:sld xmlns:a="http://schemas.openxmlformats.org/drawingml/2006/main" xmlns:r="http://schemas.openxmlformats.org/officeDocument/2006/relationships" xmlns:p="http://schemas.openxmlformats.org/presentationml/2006/main">
   <p:cSld>
     <p:spTree>
@@ -6262,7 +6472,7 @@
 </p:sld>
 </file>
 
-<file path=ppt/slides/slide18.xml><?xml version="1.0" encoding="utf-8"?>
+<file path=ppt/slides/slide19.xml><?xml version="1.0" encoding="utf-8"?>
 <p:sld xmlns:a="http://schemas.openxmlformats.org/drawingml/2006/main" xmlns:r="http://schemas.openxmlformats.org/officeDocument/2006/relationships" xmlns:p="http://schemas.openxmlformats.org/presentationml/2006/main">
   <p:cSld>
     <p:spTree>
@@ -6369,7 +6579,137 @@
 </p:sld>
 </file>
 
-<file path=ppt/slides/slide19.xml><?xml version="1.0" encoding="utf-8"?>
+<file path=ppt/slides/slide2.xml><?xml version="1.0" encoding="utf-8"?>
+<p:sld xmlns:a="http://schemas.openxmlformats.org/drawingml/2006/main" xmlns:r="http://schemas.openxmlformats.org/officeDocument/2006/relationships" xmlns:p="http://schemas.openxmlformats.org/presentationml/2006/main">
+  <p:cSld>
+    <p:spTree>
+      <p:nvGrpSpPr>
+        <p:cNvPr id="1" name=""/>
+        <p:cNvGrpSpPr/>
+        <p:nvPr/>
+      </p:nvGrpSpPr>
+      <p:grpSpPr>
+        <a:xfrm>
+          <a:off x="0" y="0"/>
+          <a:ext cx="0" cy="0"/>
+          <a:chOff x="0" y="0"/>
+          <a:chExt cx="0" cy="0"/>
+        </a:xfrm>
+      </p:grpSpPr>
+      <p:sp>
+        <p:nvSpPr>
+          <p:cNvPr id="2" name="标题 1">
+            <a:extLst>
+              <a:ext uri="{FF2B5EF4-FFF2-40B4-BE49-F238E27FC236}">
+                <a16:creationId xmlns:a16="http://schemas.microsoft.com/office/drawing/2014/main" id="{33C6FBAF-3EC0-0BE8-A5AB-38942BC68107}"/>
+              </a:ext>
+            </a:extLst>
+          </p:cNvPr>
+          <p:cNvSpPr>
+            <a:spLocks noGrp="1"/>
+          </p:cNvSpPr>
+          <p:nvPr>
+            <p:ph type="title"/>
+          </p:nvPr>
+        </p:nvSpPr>
+        <p:spPr/>
+        <p:txBody>
+          <a:bodyPr/>
+          <a:lstStyle/>
+          <a:p>
+            <a:r>
+              <a:rPr lang="fr-CA" dirty="0"/>
+              <a:t>M</a:t>
+            </a:r>
+            <a:r>
+              <a:rPr lang="en-US" altLang="zh-CN" dirty="0" err="1"/>
+              <a:t>ethodolody</a:t>
+            </a:r>
+            <a:endParaRPr lang="fr-CA" dirty="0"/>
+          </a:p>
+        </p:txBody>
+      </p:sp>
+      <p:sp>
+        <p:nvSpPr>
+          <p:cNvPr id="3" name="内容占位符 2">
+            <a:extLst>
+              <a:ext uri="{FF2B5EF4-FFF2-40B4-BE49-F238E27FC236}">
+                <a16:creationId xmlns:a16="http://schemas.microsoft.com/office/drawing/2014/main" id="{29A56D71-C518-3345-F24F-947A914F0C3E}"/>
+              </a:ext>
+            </a:extLst>
+          </p:cNvPr>
+          <p:cNvSpPr>
+            <a:spLocks noGrp="1"/>
+          </p:cNvSpPr>
+          <p:nvPr>
+            <p:ph idx="1"/>
+          </p:nvPr>
+        </p:nvSpPr>
+        <p:spPr/>
+        <p:txBody>
+          <a:bodyPr/>
+          <a:lstStyle/>
+          <a:p>
+            <a:r>
+              <a:rPr lang="fr-CA" dirty="0"/>
+              <a:t>Fingerprinting localization: requires heavy data collection and database maintenance; deterministic</a:t>
+            </a:r>
+          </a:p>
+          <a:p>
+            <a:r>
+              <a:rPr lang="fr-CA" dirty="0"/>
+              <a:t>RF geometrics localization (RSSI, ToA, TDoA, AoA)</a:t>
+            </a:r>
+          </a:p>
+          <a:p>
+            <a:endParaRPr lang="fr-CA" dirty="0"/>
+          </a:p>
+        </p:txBody>
+      </p:sp>
+      <p:pic>
+        <p:nvPicPr>
+          <p:cNvPr id="5" name="图片 4">
+            <a:extLst>
+              <a:ext uri="{FF2B5EF4-FFF2-40B4-BE49-F238E27FC236}">
+                <a16:creationId xmlns:a16="http://schemas.microsoft.com/office/drawing/2014/main" id="{64D2BD34-3060-6CB7-13DF-2BFCB0C843F9}"/>
+              </a:ext>
+            </a:extLst>
+          </p:cNvPr>
+          <p:cNvPicPr>
+            <a:picLocks noChangeAspect="1"/>
+          </p:cNvPicPr>
+          <p:nvPr/>
+        </p:nvPicPr>
+        <p:blipFill>
+          <a:blip r:embed="rId3"/>
+          <a:stretch>
+            <a:fillRect/>
+          </a:stretch>
+        </p:blipFill>
+        <p:spPr>
+          <a:xfrm>
+            <a:off x="4250028" y="3447569"/>
+            <a:ext cx="5152633" cy="3045306"/>
+          </a:xfrm>
+          <a:prstGeom prst="rect">
+            <a:avLst/>
+          </a:prstGeom>
+        </p:spPr>
+      </p:pic>
+    </p:spTree>
+    <p:extLst>
+      <p:ext uri="{BB962C8B-B14F-4D97-AF65-F5344CB8AC3E}">
+        <p14:creationId xmlns:p14="http://schemas.microsoft.com/office/powerpoint/2010/main" val="2464759535"/>
+      </p:ext>
+    </p:extLst>
+  </p:cSld>
+  <p:clrMapOvr>
+    <a:masterClrMapping/>
+  </p:clrMapOvr>
+</p:sld>
+</file>
+
+<file path=ppt/slides/slide20.xml><?xml version="1.0" encoding="utf-8"?>
 <p:sld xmlns:a="http://schemas.openxmlformats.org/drawingml/2006/main" xmlns:r="http://schemas.openxmlformats.org/officeDocument/2006/relationships" xmlns:p="http://schemas.openxmlformats.org/presentationml/2006/main">
   <p:cSld>
     <p:spTree>
@@ -6528,7 +6868,7 @@
         <p:spPr>
           <a:xfrm>
             <a:off x="838199" y="4153228"/>
-            <a:ext cx="6780727" cy="1200329"/>
+            <a:ext cx="10353542" cy="923330"/>
           </a:xfrm>
           <a:prstGeom prst="rect">
             <a:avLst/>
@@ -6590,7 +6930,5225 @@
 </p:sld>
 </file>
 
-<file path=ppt/slides/slide2.xml><?xml version="1.0" encoding="utf-8"?>
+<file path=ppt/slides/slide21.xml><?xml version="1.0" encoding="utf-8"?>
+<p:sld xmlns:a="http://schemas.openxmlformats.org/drawingml/2006/main" xmlns:r="http://schemas.openxmlformats.org/officeDocument/2006/relationships" xmlns:p="http://schemas.openxmlformats.org/presentationml/2006/main">
+  <p:cSld>
+    <p:spTree>
+      <p:nvGrpSpPr>
+        <p:cNvPr id="1" name=""/>
+        <p:cNvGrpSpPr/>
+        <p:nvPr/>
+      </p:nvGrpSpPr>
+      <p:grpSpPr>
+        <a:xfrm>
+          <a:off x="0" y="0"/>
+          <a:ext cx="0" cy="0"/>
+          <a:chOff x="0" y="0"/>
+          <a:chExt cx="0" cy="0"/>
+        </a:xfrm>
+      </p:grpSpPr>
+      <p:grpSp>
+        <p:nvGrpSpPr>
+          <p:cNvPr id="32" name="组合 31">
+            <a:extLst>
+              <a:ext uri="{FF2B5EF4-FFF2-40B4-BE49-F238E27FC236}">
+                <a16:creationId xmlns:a16="http://schemas.microsoft.com/office/drawing/2014/main" id="{BF2B3790-B2EA-71F8-03DD-8B3573EC7538}"/>
+              </a:ext>
+            </a:extLst>
+          </p:cNvPr>
+          <p:cNvGrpSpPr/>
+          <p:nvPr/>
+        </p:nvGrpSpPr>
+        <p:grpSpPr>
+          <a:xfrm>
+            <a:off x="1465926" y="944449"/>
+            <a:ext cx="8228646" cy="2675661"/>
+            <a:chOff x="1060241" y="1350134"/>
+            <a:chExt cx="8228646" cy="2675661"/>
+          </a:xfrm>
+        </p:grpSpPr>
+        <p:sp>
+          <p:nvSpPr>
+            <p:cNvPr id="3" name="矩形: 圆角 2">
+              <a:extLst>
+                <a:ext uri="{FF2B5EF4-FFF2-40B4-BE49-F238E27FC236}">
+                  <a16:creationId xmlns:a16="http://schemas.microsoft.com/office/drawing/2014/main" id="{EFB92063-6EAB-ECAE-4A7A-E8C8BF2D05AB}"/>
+                </a:ext>
+              </a:extLst>
+            </p:cNvPr>
+            <p:cNvSpPr/>
+            <p:nvPr/>
+          </p:nvSpPr>
+          <p:spPr>
+            <a:xfrm>
+              <a:off x="1060241" y="2495279"/>
+              <a:ext cx="1122688" cy="437881"/>
+            </a:xfrm>
+            <a:prstGeom prst="roundRect">
+              <a:avLst/>
+            </a:prstGeom>
+          </p:spPr>
+          <p:style>
+            <a:lnRef idx="2">
+              <a:schemeClr val="accent1">
+                <a:shade val="50000"/>
+              </a:schemeClr>
+            </a:lnRef>
+            <a:fillRef idx="1">
+              <a:schemeClr val="accent1"/>
+            </a:fillRef>
+            <a:effectRef idx="0">
+              <a:schemeClr val="accent1"/>
+            </a:effectRef>
+            <a:fontRef idx="minor">
+              <a:schemeClr val="lt1"/>
+            </a:fontRef>
+          </p:style>
+          <p:txBody>
+            <a:bodyPr rtlCol="0" anchor="ctr"/>
+            <a:lstStyle/>
+            <a:p>
+              <a:pPr algn="ctr"/>
+              <a:r>
+                <a:rPr lang="fr-CA" dirty="0">
+                  <a:latin typeface="Times New Roman" panose="02020603050405020304" pitchFamily="18" charset="0"/>
+                  <a:cs typeface="Times New Roman" panose="02020603050405020304" pitchFamily="18" charset="0"/>
+                </a:rPr>
+                <a:t>CIR</a:t>
+              </a:r>
+            </a:p>
+          </p:txBody>
+        </p:sp>
+        <p:sp>
+          <p:nvSpPr>
+            <p:cNvPr id="4" name="矩形 3">
+              <a:extLst>
+                <a:ext uri="{FF2B5EF4-FFF2-40B4-BE49-F238E27FC236}">
+                  <a16:creationId xmlns:a16="http://schemas.microsoft.com/office/drawing/2014/main" id="{FADAC763-EC73-C261-ED27-0377CDAC72A1}"/>
+                </a:ext>
+              </a:extLst>
+            </p:cNvPr>
+            <p:cNvSpPr/>
+            <p:nvPr/>
+          </p:nvSpPr>
+          <p:spPr>
+            <a:xfrm>
+              <a:off x="2833352" y="2163648"/>
+              <a:ext cx="1545465" cy="1101144"/>
+            </a:xfrm>
+            <a:prstGeom prst="rect">
+              <a:avLst/>
+            </a:prstGeom>
+            <a:solidFill>
+              <a:srgbClr val="00B050"/>
+            </a:solidFill>
+          </p:spPr>
+          <p:style>
+            <a:lnRef idx="2">
+              <a:schemeClr val="accent1">
+                <a:shade val="50000"/>
+              </a:schemeClr>
+            </a:lnRef>
+            <a:fillRef idx="1">
+              <a:schemeClr val="accent1"/>
+            </a:fillRef>
+            <a:effectRef idx="0">
+              <a:schemeClr val="accent1"/>
+            </a:effectRef>
+            <a:fontRef idx="minor">
+              <a:schemeClr val="lt1"/>
+            </a:fontRef>
+          </p:style>
+          <p:txBody>
+            <a:bodyPr rtlCol="0" anchor="ctr"/>
+            <a:lstStyle/>
+            <a:p>
+              <a:pPr algn="ctr"/>
+              <a:r>
+                <a:rPr lang="fr-CA" dirty="0">
+                  <a:latin typeface="Times New Roman" panose="02020603050405020304" pitchFamily="18" charset="0"/>
+                  <a:cs typeface="Times New Roman" panose="02020603050405020304" pitchFamily="18" charset="0"/>
+                </a:rPr>
+                <a:t>Regressor</a:t>
+              </a:r>
+            </a:p>
+          </p:txBody>
+        </p:sp>
+        <p:sp>
+          <p:nvSpPr>
+            <p:cNvPr id="5" name="矩形 4">
+              <a:extLst>
+                <a:ext uri="{FF2B5EF4-FFF2-40B4-BE49-F238E27FC236}">
+                  <a16:creationId xmlns:a16="http://schemas.microsoft.com/office/drawing/2014/main" id="{EAA2C583-C39E-4A74-8A75-66906B67EAA2}"/>
+                </a:ext>
+              </a:extLst>
+            </p:cNvPr>
+            <p:cNvSpPr/>
+            <p:nvPr/>
+          </p:nvSpPr>
+          <p:spPr>
+            <a:xfrm>
+              <a:off x="6038044" y="2163648"/>
+              <a:ext cx="1545465" cy="1101144"/>
+            </a:xfrm>
+            <a:prstGeom prst="rect">
+              <a:avLst/>
+            </a:prstGeom>
+            <a:solidFill>
+              <a:srgbClr val="00B050"/>
+            </a:solidFill>
+          </p:spPr>
+          <p:style>
+            <a:lnRef idx="2">
+              <a:schemeClr val="accent1">
+                <a:shade val="50000"/>
+              </a:schemeClr>
+            </a:lnRef>
+            <a:fillRef idx="1">
+              <a:schemeClr val="accent1"/>
+            </a:fillRef>
+            <a:effectRef idx="0">
+              <a:schemeClr val="accent1"/>
+            </a:effectRef>
+            <a:fontRef idx="minor">
+              <a:schemeClr val="lt1"/>
+            </a:fontRef>
+          </p:style>
+          <p:txBody>
+            <a:bodyPr rtlCol="0" anchor="ctr"/>
+            <a:lstStyle/>
+            <a:p>
+              <a:pPr algn="ctr"/>
+              <a:r>
+                <a:rPr lang="fr-CA" dirty="0">
+                  <a:latin typeface="Times New Roman" panose="02020603050405020304" pitchFamily="18" charset="0"/>
+                  <a:cs typeface="Times New Roman" panose="02020603050405020304" pitchFamily="18" charset="0"/>
+                </a:rPr>
+                <a:t>Optimizer</a:t>
+              </a:r>
+            </a:p>
+          </p:txBody>
+        </p:sp>
+        <p:sp>
+          <p:nvSpPr>
+            <p:cNvPr id="6" name="矩形: 圆角 5">
+              <a:extLst>
+                <a:ext uri="{FF2B5EF4-FFF2-40B4-BE49-F238E27FC236}">
+                  <a16:creationId xmlns:a16="http://schemas.microsoft.com/office/drawing/2014/main" id="{AC737E48-51C3-DA5E-978D-A7FF5F4D72E6}"/>
+                </a:ext>
+              </a:extLst>
+            </p:cNvPr>
+            <p:cNvSpPr/>
+            <p:nvPr/>
+          </p:nvSpPr>
+          <p:spPr>
+            <a:xfrm>
+              <a:off x="6249432" y="1350134"/>
+              <a:ext cx="1122688" cy="437881"/>
+            </a:xfrm>
+            <a:prstGeom prst="roundRect">
+              <a:avLst/>
+            </a:prstGeom>
+            <a:solidFill>
+              <a:schemeClr val="accent2"/>
+            </a:solidFill>
+          </p:spPr>
+          <p:style>
+            <a:lnRef idx="2">
+              <a:schemeClr val="accent1">
+                <a:shade val="50000"/>
+              </a:schemeClr>
+            </a:lnRef>
+            <a:fillRef idx="1">
+              <a:schemeClr val="accent1"/>
+            </a:fillRef>
+            <a:effectRef idx="0">
+              <a:schemeClr val="accent1"/>
+            </a:effectRef>
+            <a:fontRef idx="minor">
+              <a:schemeClr val="lt1"/>
+            </a:fontRef>
+          </p:style>
+          <p:txBody>
+            <a:bodyPr rtlCol="0" anchor="ctr"/>
+            <a:lstStyle/>
+            <a:p>
+              <a:pPr algn="ctr"/>
+              <a:r>
+                <a:rPr lang="fr-CA" dirty="0">
+                  <a:latin typeface="Times New Roman" panose="02020603050405020304" pitchFamily="18" charset="0"/>
+                  <a:cs typeface="Times New Roman" panose="02020603050405020304" pitchFamily="18" charset="0"/>
+                </a:rPr>
+                <a:t>Map info</a:t>
+              </a:r>
+            </a:p>
+          </p:txBody>
+        </p:sp>
+        <p:sp>
+          <p:nvSpPr>
+            <p:cNvPr id="8" name="椭圆 7">
+              <a:extLst>
+                <a:ext uri="{FF2B5EF4-FFF2-40B4-BE49-F238E27FC236}">
+                  <a16:creationId xmlns:a16="http://schemas.microsoft.com/office/drawing/2014/main" id="{2FC0C9E4-E179-ACFE-354A-AB3FA44017B2}"/>
+                </a:ext>
+              </a:extLst>
+            </p:cNvPr>
+            <p:cNvSpPr/>
+            <p:nvPr/>
+          </p:nvSpPr>
+          <p:spPr>
+            <a:xfrm>
+              <a:off x="4905777" y="2411565"/>
+              <a:ext cx="605307" cy="605307"/>
+            </a:xfrm>
+            <a:prstGeom prst="ellipse">
+              <a:avLst/>
+            </a:prstGeom>
+          </p:spPr>
+          <p:style>
+            <a:lnRef idx="2">
+              <a:schemeClr val="accent1">
+                <a:shade val="50000"/>
+              </a:schemeClr>
+            </a:lnRef>
+            <a:fillRef idx="1">
+              <a:schemeClr val="accent1"/>
+            </a:fillRef>
+            <a:effectRef idx="0">
+              <a:schemeClr val="accent1"/>
+            </a:effectRef>
+            <a:fontRef idx="minor">
+              <a:schemeClr val="lt1"/>
+            </a:fontRef>
+          </p:style>
+          <p:txBody>
+            <a:bodyPr rtlCol="0" anchor="ctr"/>
+            <a:lstStyle/>
+            <a:p>
+              <a:pPr algn="ctr"/>
+              <a:r>
+                <a:rPr lang="en-US" altLang="zh-CN" sz="1200" dirty="0" err="1">
+                  <a:latin typeface="Times New Roman" panose="02020603050405020304" pitchFamily="18" charset="0"/>
+                  <a:cs typeface="Times New Roman" panose="02020603050405020304" pitchFamily="18" charset="0"/>
+                </a:rPr>
+                <a:t>dist</a:t>
+              </a:r>
+              <a:endParaRPr lang="fr-CA" sz="1200" dirty="0">
+                <a:latin typeface="Times New Roman" panose="02020603050405020304" pitchFamily="18" charset="0"/>
+                <a:cs typeface="Times New Roman" panose="02020603050405020304" pitchFamily="18" charset="0"/>
+              </a:endParaRPr>
+            </a:p>
+          </p:txBody>
+        </p:sp>
+        <p:cxnSp>
+          <p:nvCxnSpPr>
+            <p:cNvPr id="10" name="直接箭头连接符 9">
+              <a:extLst>
+                <a:ext uri="{FF2B5EF4-FFF2-40B4-BE49-F238E27FC236}">
+                  <a16:creationId xmlns:a16="http://schemas.microsoft.com/office/drawing/2014/main" id="{2ABECB74-9516-6FC4-00CA-C28C67C826AD}"/>
+                </a:ext>
+              </a:extLst>
+            </p:cNvPr>
+            <p:cNvCxnSpPr>
+              <a:stCxn id="4" idx="3"/>
+              <a:endCxn id="8" idx="2"/>
+            </p:cNvCxnSpPr>
+            <p:nvPr/>
+          </p:nvCxnSpPr>
+          <p:spPr>
+            <a:xfrm flipV="1">
+              <a:off x="4378817" y="2714219"/>
+              <a:ext cx="526960" cy="1"/>
+            </a:xfrm>
+            <a:prstGeom prst="straightConnector1">
+              <a:avLst/>
+            </a:prstGeom>
+            <a:ln>
+              <a:tailEnd type="triangle"/>
+            </a:ln>
+          </p:spPr>
+          <p:style>
+            <a:lnRef idx="1">
+              <a:schemeClr val="dk1"/>
+            </a:lnRef>
+            <a:fillRef idx="0">
+              <a:schemeClr val="dk1"/>
+            </a:fillRef>
+            <a:effectRef idx="0">
+              <a:schemeClr val="dk1"/>
+            </a:effectRef>
+            <a:fontRef idx="minor">
+              <a:schemeClr val="tx1"/>
+            </a:fontRef>
+          </p:style>
+        </p:cxnSp>
+        <p:cxnSp>
+          <p:nvCxnSpPr>
+            <p:cNvPr id="11" name="直接箭头连接符 10">
+              <a:extLst>
+                <a:ext uri="{FF2B5EF4-FFF2-40B4-BE49-F238E27FC236}">
+                  <a16:creationId xmlns:a16="http://schemas.microsoft.com/office/drawing/2014/main" id="{A67EFA87-D11C-4CFE-A526-714C140B38E5}"/>
+                </a:ext>
+              </a:extLst>
+            </p:cNvPr>
+            <p:cNvCxnSpPr>
+              <a:cxnSpLocks/>
+              <a:stCxn id="3" idx="3"/>
+              <a:endCxn id="4" idx="1"/>
+            </p:cNvCxnSpPr>
+            <p:nvPr/>
+          </p:nvCxnSpPr>
+          <p:spPr>
+            <a:xfrm>
+              <a:off x="2182929" y="2714220"/>
+              <a:ext cx="650423" cy="0"/>
+            </a:xfrm>
+            <a:prstGeom prst="straightConnector1">
+              <a:avLst/>
+            </a:prstGeom>
+            <a:ln>
+              <a:tailEnd type="triangle"/>
+            </a:ln>
+          </p:spPr>
+          <p:style>
+            <a:lnRef idx="1">
+              <a:schemeClr val="dk1"/>
+            </a:lnRef>
+            <a:fillRef idx="0">
+              <a:schemeClr val="dk1"/>
+            </a:fillRef>
+            <a:effectRef idx="0">
+              <a:schemeClr val="dk1"/>
+            </a:effectRef>
+            <a:fontRef idx="minor">
+              <a:schemeClr val="tx1"/>
+            </a:fontRef>
+          </p:style>
+        </p:cxnSp>
+        <p:sp>
+          <p:nvSpPr>
+            <p:cNvPr id="15" name="椭圆 14">
+              <a:extLst>
+                <a:ext uri="{FF2B5EF4-FFF2-40B4-BE49-F238E27FC236}">
+                  <a16:creationId xmlns:a16="http://schemas.microsoft.com/office/drawing/2014/main" id="{3C0E8DC7-1DB8-7BE5-4F63-8AB324AF9EA0}"/>
+                </a:ext>
+              </a:extLst>
+            </p:cNvPr>
+            <p:cNvSpPr/>
+            <p:nvPr/>
+          </p:nvSpPr>
+          <p:spPr>
+            <a:xfrm>
+              <a:off x="8683580" y="2411564"/>
+              <a:ext cx="605307" cy="605307"/>
+            </a:xfrm>
+            <a:prstGeom prst="ellipse">
+              <a:avLst/>
+            </a:prstGeom>
+            <a:solidFill>
+              <a:srgbClr val="FF0000"/>
+            </a:solidFill>
+          </p:spPr>
+          <p:style>
+            <a:lnRef idx="2">
+              <a:schemeClr val="accent1">
+                <a:shade val="50000"/>
+              </a:schemeClr>
+            </a:lnRef>
+            <a:fillRef idx="1">
+              <a:schemeClr val="accent1"/>
+            </a:fillRef>
+            <a:effectRef idx="0">
+              <a:schemeClr val="accent1"/>
+            </a:effectRef>
+            <a:fontRef idx="minor">
+              <a:schemeClr val="lt1"/>
+            </a:fontRef>
+          </p:style>
+          <p:txBody>
+            <a:bodyPr rtlCol="0" anchor="ctr"/>
+            <a:lstStyle/>
+            <a:p>
+              <a:pPr algn="ctr"/>
+              <a:r>
+                <a:rPr lang="en-US" altLang="zh-CN" sz="1100" dirty="0">
+                  <a:latin typeface="Times New Roman" panose="02020603050405020304" pitchFamily="18" charset="0"/>
+                  <a:cs typeface="Times New Roman" panose="02020603050405020304" pitchFamily="18" charset="0"/>
+                </a:rPr>
+                <a:t>Lat</a:t>
+              </a:r>
+            </a:p>
+            <a:p>
+              <a:pPr algn="ctr"/>
+              <a:r>
+                <a:rPr lang="en-US" sz="1100" dirty="0">
+                  <a:latin typeface="Times New Roman" panose="02020603050405020304" pitchFamily="18" charset="0"/>
+                  <a:cs typeface="Times New Roman" panose="02020603050405020304" pitchFamily="18" charset="0"/>
+                </a:rPr>
+                <a:t>Lon</a:t>
+              </a:r>
+              <a:endParaRPr lang="fr-CA" sz="1100" dirty="0">
+                <a:latin typeface="Times New Roman" panose="02020603050405020304" pitchFamily="18" charset="0"/>
+                <a:cs typeface="Times New Roman" panose="02020603050405020304" pitchFamily="18" charset="0"/>
+              </a:endParaRPr>
+            </a:p>
+          </p:txBody>
+        </p:sp>
+        <p:cxnSp>
+          <p:nvCxnSpPr>
+            <p:cNvPr id="16" name="直接箭头连接符 15">
+              <a:extLst>
+                <a:ext uri="{FF2B5EF4-FFF2-40B4-BE49-F238E27FC236}">
+                  <a16:creationId xmlns:a16="http://schemas.microsoft.com/office/drawing/2014/main" id="{A95558BF-92BA-145F-339E-5E33A1426B5A}"/>
+                </a:ext>
+              </a:extLst>
+            </p:cNvPr>
+            <p:cNvCxnSpPr>
+              <a:cxnSpLocks/>
+              <a:stCxn id="8" idx="6"/>
+              <a:endCxn id="5" idx="1"/>
+            </p:cNvCxnSpPr>
+            <p:nvPr/>
+          </p:nvCxnSpPr>
+          <p:spPr>
+            <a:xfrm>
+              <a:off x="5511084" y="2714219"/>
+              <a:ext cx="526960" cy="1"/>
+            </a:xfrm>
+            <a:prstGeom prst="straightConnector1">
+              <a:avLst/>
+            </a:prstGeom>
+            <a:ln>
+              <a:tailEnd type="triangle"/>
+            </a:ln>
+          </p:spPr>
+          <p:style>
+            <a:lnRef idx="1">
+              <a:schemeClr val="dk1"/>
+            </a:lnRef>
+            <a:fillRef idx="0">
+              <a:schemeClr val="dk1"/>
+            </a:fillRef>
+            <a:effectRef idx="0">
+              <a:schemeClr val="dk1"/>
+            </a:effectRef>
+            <a:fontRef idx="minor">
+              <a:schemeClr val="tx1"/>
+            </a:fontRef>
+          </p:style>
+        </p:cxnSp>
+        <p:cxnSp>
+          <p:nvCxnSpPr>
+            <p:cNvPr id="19" name="直接箭头连接符 18">
+              <a:extLst>
+                <a:ext uri="{FF2B5EF4-FFF2-40B4-BE49-F238E27FC236}">
+                  <a16:creationId xmlns:a16="http://schemas.microsoft.com/office/drawing/2014/main" id="{C64577D5-93F5-81CA-2F27-7A40E9BBFCD6}"/>
+                </a:ext>
+              </a:extLst>
+            </p:cNvPr>
+            <p:cNvCxnSpPr>
+              <a:cxnSpLocks/>
+              <a:stCxn id="6" idx="2"/>
+              <a:endCxn id="5" idx="0"/>
+            </p:cNvCxnSpPr>
+            <p:nvPr/>
+          </p:nvCxnSpPr>
+          <p:spPr>
+            <a:xfrm>
+              <a:off x="6810776" y="1788015"/>
+              <a:ext cx="1" cy="375633"/>
+            </a:xfrm>
+            <a:prstGeom prst="straightConnector1">
+              <a:avLst/>
+            </a:prstGeom>
+            <a:ln>
+              <a:tailEnd type="triangle"/>
+            </a:ln>
+          </p:spPr>
+          <p:style>
+            <a:lnRef idx="1">
+              <a:schemeClr val="dk1"/>
+            </a:lnRef>
+            <a:fillRef idx="0">
+              <a:schemeClr val="dk1"/>
+            </a:fillRef>
+            <a:effectRef idx="0">
+              <a:schemeClr val="dk1"/>
+            </a:effectRef>
+            <a:fontRef idx="minor">
+              <a:schemeClr val="tx1"/>
+            </a:fontRef>
+          </p:style>
+        </p:cxnSp>
+        <p:cxnSp>
+          <p:nvCxnSpPr>
+            <p:cNvPr id="22" name="直接箭头连接符 21">
+              <a:extLst>
+                <a:ext uri="{FF2B5EF4-FFF2-40B4-BE49-F238E27FC236}">
+                  <a16:creationId xmlns:a16="http://schemas.microsoft.com/office/drawing/2014/main" id="{7D73D0BD-79FB-D27C-0743-5AE17A0E0223}"/>
+                </a:ext>
+              </a:extLst>
+            </p:cNvPr>
+            <p:cNvCxnSpPr>
+              <a:cxnSpLocks/>
+              <a:stCxn id="5" idx="3"/>
+              <a:endCxn id="15" idx="2"/>
+            </p:cNvCxnSpPr>
+            <p:nvPr/>
+          </p:nvCxnSpPr>
+          <p:spPr>
+            <a:xfrm flipV="1">
+              <a:off x="7583509" y="2714218"/>
+              <a:ext cx="1100071" cy="2"/>
+            </a:xfrm>
+            <a:prstGeom prst="straightConnector1">
+              <a:avLst/>
+            </a:prstGeom>
+            <a:ln>
+              <a:tailEnd type="triangle"/>
+            </a:ln>
+          </p:spPr>
+          <p:style>
+            <a:lnRef idx="1">
+              <a:schemeClr val="dk1"/>
+            </a:lnRef>
+            <a:fillRef idx="0">
+              <a:schemeClr val="dk1"/>
+            </a:fillRef>
+            <a:effectRef idx="0">
+              <a:schemeClr val="dk1"/>
+            </a:effectRef>
+            <a:fontRef idx="minor">
+              <a:schemeClr val="tx1"/>
+            </a:fontRef>
+          </p:style>
+        </p:cxnSp>
+        <p:sp>
+          <p:nvSpPr>
+            <p:cNvPr id="27" name="文本框 26">
+              <a:extLst>
+                <a:ext uri="{FF2B5EF4-FFF2-40B4-BE49-F238E27FC236}">
+                  <a16:creationId xmlns:a16="http://schemas.microsoft.com/office/drawing/2014/main" id="{E831ACF7-1BC7-40D0-7F78-F930C46749D6}"/>
+                </a:ext>
+              </a:extLst>
+            </p:cNvPr>
+            <p:cNvSpPr txBox="1"/>
+            <p:nvPr/>
+          </p:nvSpPr>
+          <p:spPr>
+            <a:xfrm>
+              <a:off x="3026535" y="3656463"/>
+              <a:ext cx="5402688" cy="369332"/>
+            </a:xfrm>
+            <a:prstGeom prst="rect">
+              <a:avLst/>
+            </a:prstGeom>
+            <a:noFill/>
+          </p:spPr>
+          <p:txBody>
+            <a:bodyPr wrap="square" rtlCol="0">
+              <a:spAutoFit/>
+            </a:bodyPr>
+            <a:lstStyle/>
+            <a:p>
+              <a:r>
+                <a:rPr lang="fr-CA" dirty="0">
+                  <a:latin typeface="Times New Roman" panose="02020603050405020304" pitchFamily="18" charset="0"/>
+                  <a:cs typeface="Times New Roman" panose="02020603050405020304" pitchFamily="18" charset="0"/>
+                </a:rPr>
+                <a:t>Learning &amp; encoding                     Transfering</a:t>
+              </a:r>
+            </a:p>
+          </p:txBody>
+        </p:sp>
+        <p:sp>
+          <p:nvSpPr>
+            <p:cNvPr id="28" name="左大括号 27">
+              <a:extLst>
+                <a:ext uri="{FF2B5EF4-FFF2-40B4-BE49-F238E27FC236}">
+                  <a16:creationId xmlns:a16="http://schemas.microsoft.com/office/drawing/2014/main" id="{EE97AB73-630E-4DAB-39CB-9E7F273F69DA}"/>
+                </a:ext>
+              </a:extLst>
+            </p:cNvPr>
+            <p:cNvSpPr/>
+            <p:nvPr/>
+          </p:nvSpPr>
+          <p:spPr>
+            <a:xfrm rot="16200000">
+              <a:off x="3453369" y="2126834"/>
+              <a:ext cx="305392" cy="2846271"/>
+            </a:xfrm>
+            <a:prstGeom prst="leftBrace">
+              <a:avLst/>
+            </a:prstGeom>
+          </p:spPr>
+          <p:style>
+            <a:lnRef idx="1">
+              <a:schemeClr val="dk1"/>
+            </a:lnRef>
+            <a:fillRef idx="0">
+              <a:schemeClr val="dk1"/>
+            </a:fillRef>
+            <a:effectRef idx="0">
+              <a:schemeClr val="dk1"/>
+            </a:effectRef>
+            <a:fontRef idx="minor">
+              <a:schemeClr val="tx1"/>
+            </a:fontRef>
+          </p:style>
+          <p:txBody>
+            <a:bodyPr rtlCol="0" anchor="ctr"/>
+            <a:lstStyle/>
+            <a:p>
+              <a:pPr algn="ctr"/>
+              <a:endParaRPr lang="fr-CA">
+                <a:latin typeface="Times New Roman" panose="02020603050405020304" pitchFamily="18" charset="0"/>
+                <a:cs typeface="Times New Roman" panose="02020603050405020304" pitchFamily="18" charset="0"/>
+              </a:endParaRPr>
+            </a:p>
+          </p:txBody>
+        </p:sp>
+        <p:sp>
+          <p:nvSpPr>
+            <p:cNvPr id="30" name="左大括号 29">
+              <a:extLst>
+                <a:ext uri="{FF2B5EF4-FFF2-40B4-BE49-F238E27FC236}">
+                  <a16:creationId xmlns:a16="http://schemas.microsoft.com/office/drawing/2014/main" id="{444451BD-B5EC-96F6-F7B3-5099DF2FD926}"/>
+                </a:ext>
+              </a:extLst>
+            </p:cNvPr>
+            <p:cNvSpPr/>
+            <p:nvPr/>
+          </p:nvSpPr>
+          <p:spPr>
+            <a:xfrm rot="16200000">
+              <a:off x="3453370" y="2126834"/>
+              <a:ext cx="305392" cy="2846271"/>
+            </a:xfrm>
+            <a:prstGeom prst="leftBrace">
+              <a:avLst/>
+            </a:prstGeom>
+          </p:spPr>
+          <p:style>
+            <a:lnRef idx="1">
+              <a:schemeClr val="dk1"/>
+            </a:lnRef>
+            <a:fillRef idx="0">
+              <a:schemeClr val="dk1"/>
+            </a:fillRef>
+            <a:effectRef idx="0">
+              <a:schemeClr val="dk1"/>
+            </a:effectRef>
+            <a:fontRef idx="minor">
+              <a:schemeClr val="tx1"/>
+            </a:fontRef>
+          </p:style>
+          <p:txBody>
+            <a:bodyPr rtlCol="0" anchor="ctr"/>
+            <a:lstStyle/>
+            <a:p>
+              <a:pPr algn="ctr"/>
+              <a:endParaRPr lang="fr-CA">
+                <a:latin typeface="Times New Roman" panose="02020603050405020304" pitchFamily="18" charset="0"/>
+                <a:cs typeface="Times New Roman" panose="02020603050405020304" pitchFamily="18" charset="0"/>
+              </a:endParaRPr>
+            </a:p>
+          </p:txBody>
+        </p:sp>
+        <p:sp>
+          <p:nvSpPr>
+            <p:cNvPr id="31" name="左大括号 30">
+              <a:extLst>
+                <a:ext uri="{FF2B5EF4-FFF2-40B4-BE49-F238E27FC236}">
+                  <a16:creationId xmlns:a16="http://schemas.microsoft.com/office/drawing/2014/main" id="{CDD611BA-1D68-0CED-365A-A00EEDFFAAD8}"/>
+                </a:ext>
+              </a:extLst>
+            </p:cNvPr>
+            <p:cNvSpPr/>
+            <p:nvPr/>
+          </p:nvSpPr>
+          <p:spPr>
+            <a:xfrm rot="16200000">
+              <a:off x="6879150" y="2080631"/>
+              <a:ext cx="305392" cy="2846271"/>
+            </a:xfrm>
+            <a:prstGeom prst="leftBrace">
+              <a:avLst/>
+            </a:prstGeom>
+          </p:spPr>
+          <p:style>
+            <a:lnRef idx="1">
+              <a:schemeClr val="dk1"/>
+            </a:lnRef>
+            <a:fillRef idx="0">
+              <a:schemeClr val="dk1"/>
+            </a:fillRef>
+            <a:effectRef idx="0">
+              <a:schemeClr val="dk1"/>
+            </a:effectRef>
+            <a:fontRef idx="minor">
+              <a:schemeClr val="tx1"/>
+            </a:fontRef>
+          </p:style>
+          <p:txBody>
+            <a:bodyPr rtlCol="0" anchor="ctr"/>
+            <a:lstStyle/>
+            <a:p>
+              <a:pPr algn="ctr"/>
+              <a:endParaRPr lang="fr-CA">
+                <a:latin typeface="Times New Roman" panose="02020603050405020304" pitchFamily="18" charset="0"/>
+                <a:cs typeface="Times New Roman" panose="02020603050405020304" pitchFamily="18" charset="0"/>
+              </a:endParaRPr>
+            </a:p>
+          </p:txBody>
+        </p:sp>
+      </p:grpSp>
+      <p:pic>
+        <p:nvPicPr>
+          <p:cNvPr id="76" name="图片 75">
+            <a:extLst>
+              <a:ext uri="{FF2B5EF4-FFF2-40B4-BE49-F238E27FC236}">
+                <a16:creationId xmlns:a16="http://schemas.microsoft.com/office/drawing/2014/main" id="{FF64FDD4-D306-188B-5CE1-3D15538C70E7}"/>
+              </a:ext>
+            </a:extLst>
+          </p:cNvPr>
+          <p:cNvPicPr>
+            <a:picLocks noChangeAspect="1"/>
+          </p:cNvPicPr>
+          <p:nvPr/>
+        </p:nvPicPr>
+        <p:blipFill>
+          <a:blip r:embed="rId2"/>
+          <a:stretch>
+            <a:fillRect/>
+          </a:stretch>
+        </p:blipFill>
+        <p:spPr>
+          <a:xfrm>
+            <a:off x="2969286" y="3933830"/>
+            <a:ext cx="5406879" cy="1979721"/>
+          </a:xfrm>
+          <a:prstGeom prst="rect">
+            <a:avLst/>
+          </a:prstGeom>
+        </p:spPr>
+      </p:pic>
+      <p:grpSp>
+        <p:nvGrpSpPr>
+          <p:cNvPr id="77" name="组合 76">
+            <a:extLst>
+              <a:ext uri="{FF2B5EF4-FFF2-40B4-BE49-F238E27FC236}">
+                <a16:creationId xmlns:a16="http://schemas.microsoft.com/office/drawing/2014/main" id="{981ED425-F2F7-4B02-6938-06450792D21D}"/>
+              </a:ext>
+            </a:extLst>
+          </p:cNvPr>
+          <p:cNvGrpSpPr/>
+          <p:nvPr/>
+        </p:nvGrpSpPr>
+        <p:grpSpPr>
+          <a:xfrm>
+            <a:off x="8659501" y="3964062"/>
+            <a:ext cx="2408066" cy="1964374"/>
+            <a:chOff x="7704786" y="4246815"/>
+            <a:chExt cx="2408066" cy="1964374"/>
+          </a:xfrm>
+        </p:grpSpPr>
+        <p:grpSp>
+          <p:nvGrpSpPr>
+            <p:cNvPr id="78" name="组合 77">
+              <a:extLst>
+                <a:ext uri="{FF2B5EF4-FFF2-40B4-BE49-F238E27FC236}">
+                  <a16:creationId xmlns:a16="http://schemas.microsoft.com/office/drawing/2014/main" id="{E004A6E9-7F80-5F99-D18F-39E2FBBA6287}"/>
+                </a:ext>
+              </a:extLst>
+            </p:cNvPr>
+            <p:cNvGrpSpPr/>
+            <p:nvPr/>
+          </p:nvGrpSpPr>
+          <p:grpSpPr>
+            <a:xfrm>
+              <a:off x="7704786" y="4246815"/>
+              <a:ext cx="2057400" cy="1964374"/>
+              <a:chOff x="8999113" y="4788794"/>
+              <a:chExt cx="1020650" cy="974501"/>
+            </a:xfrm>
+          </p:grpSpPr>
+          <p:grpSp>
+            <p:nvGrpSpPr>
+              <p:cNvPr id="87" name="组合 86">
+                <a:extLst>
+                  <a:ext uri="{FF2B5EF4-FFF2-40B4-BE49-F238E27FC236}">
+                    <a16:creationId xmlns:a16="http://schemas.microsoft.com/office/drawing/2014/main" id="{2C2A3A97-A661-9B52-9AB1-7BEA41CE74F6}"/>
+                  </a:ext>
+                </a:extLst>
+              </p:cNvPr>
+              <p:cNvGrpSpPr/>
+              <p:nvPr/>
+            </p:nvGrpSpPr>
+            <p:grpSpPr>
+              <a:xfrm>
+                <a:off x="8999113" y="4788794"/>
+                <a:ext cx="1020650" cy="974501"/>
+                <a:chOff x="8999113" y="4788794"/>
+                <a:chExt cx="1020650" cy="974501"/>
+              </a:xfrm>
+            </p:grpSpPr>
+            <p:sp>
+              <p:nvSpPr>
+                <p:cNvPr id="97" name="椭圆 96">
+                  <a:extLst>
+                    <a:ext uri="{FF2B5EF4-FFF2-40B4-BE49-F238E27FC236}">
+                      <a16:creationId xmlns:a16="http://schemas.microsoft.com/office/drawing/2014/main" id="{08FDCC71-CCC9-DE9B-0941-EE9B1FDF2386}"/>
+                    </a:ext>
+                  </a:extLst>
+                </p:cNvPr>
+                <p:cNvSpPr/>
+                <p:nvPr/>
+              </p:nvSpPr>
+              <p:spPr>
+                <a:xfrm>
+                  <a:off x="9929611" y="4788794"/>
+                  <a:ext cx="90152" cy="90152"/>
+                </a:xfrm>
+                <a:prstGeom prst="ellipse">
+                  <a:avLst/>
+                </a:prstGeom>
+                <a:solidFill>
+                  <a:schemeClr val="accent2"/>
+                </a:solidFill>
+              </p:spPr>
+              <p:style>
+                <a:lnRef idx="2">
+                  <a:schemeClr val="accent1">
+                    <a:shade val="50000"/>
+                  </a:schemeClr>
+                </a:lnRef>
+                <a:fillRef idx="1">
+                  <a:schemeClr val="accent1"/>
+                </a:fillRef>
+                <a:effectRef idx="0">
+                  <a:schemeClr val="accent1"/>
+                </a:effectRef>
+                <a:fontRef idx="minor">
+                  <a:schemeClr val="lt1"/>
+                </a:fontRef>
+              </p:style>
+              <p:txBody>
+                <a:bodyPr rtlCol="0" anchor="ctr"/>
+                <a:lstStyle/>
+                <a:p>
+                  <a:pPr algn="ctr"/>
+                  <a:endParaRPr lang="fr-CA">
+                    <a:latin typeface="Times New Roman" panose="02020603050405020304" pitchFamily="18" charset="0"/>
+                    <a:cs typeface="Times New Roman" panose="02020603050405020304" pitchFamily="18" charset="0"/>
+                  </a:endParaRPr>
+                </a:p>
+              </p:txBody>
+            </p:sp>
+            <p:sp>
+              <p:nvSpPr>
+                <p:cNvPr id="98" name="椭圆 97">
+                  <a:extLst>
+                    <a:ext uri="{FF2B5EF4-FFF2-40B4-BE49-F238E27FC236}">
+                      <a16:creationId xmlns:a16="http://schemas.microsoft.com/office/drawing/2014/main" id="{33E2D191-E3DC-494D-F6E8-0B93B76023C6}"/>
+                    </a:ext>
+                  </a:extLst>
+                </p:cNvPr>
+                <p:cNvSpPr/>
+                <p:nvPr/>
+              </p:nvSpPr>
+              <p:spPr>
+                <a:xfrm>
+                  <a:off x="9553979" y="5267459"/>
+                  <a:ext cx="90152" cy="90152"/>
+                </a:xfrm>
+                <a:prstGeom prst="ellipse">
+                  <a:avLst/>
+                </a:prstGeom>
+                <a:solidFill>
+                  <a:srgbClr val="FF0000"/>
+                </a:solidFill>
+              </p:spPr>
+              <p:style>
+                <a:lnRef idx="2">
+                  <a:schemeClr val="accent1">
+                    <a:shade val="50000"/>
+                  </a:schemeClr>
+                </a:lnRef>
+                <a:fillRef idx="1">
+                  <a:schemeClr val="accent1"/>
+                </a:fillRef>
+                <a:effectRef idx="0">
+                  <a:schemeClr val="accent1"/>
+                </a:effectRef>
+                <a:fontRef idx="minor">
+                  <a:schemeClr val="lt1"/>
+                </a:fontRef>
+              </p:style>
+              <p:txBody>
+                <a:bodyPr rtlCol="0" anchor="ctr"/>
+                <a:lstStyle/>
+                <a:p>
+                  <a:pPr algn="ctr"/>
+                  <a:endParaRPr lang="fr-CA" dirty="0">
+                    <a:latin typeface="Times New Roman" panose="02020603050405020304" pitchFamily="18" charset="0"/>
+                    <a:cs typeface="Times New Roman" panose="02020603050405020304" pitchFamily="18" charset="0"/>
+                  </a:endParaRPr>
+                </a:p>
+              </p:txBody>
+            </p:sp>
+            <p:sp>
+              <p:nvSpPr>
+                <p:cNvPr id="99" name="椭圆 98">
+                  <a:extLst>
+                    <a:ext uri="{FF2B5EF4-FFF2-40B4-BE49-F238E27FC236}">
+                      <a16:creationId xmlns:a16="http://schemas.microsoft.com/office/drawing/2014/main" id="{07A9C085-39C5-3787-5C70-DC8903F16E4E}"/>
+                    </a:ext>
+                  </a:extLst>
+                </p:cNvPr>
+                <p:cNvSpPr/>
+                <p:nvPr/>
+              </p:nvSpPr>
+              <p:spPr>
+                <a:xfrm>
+                  <a:off x="8999113" y="4788794"/>
+                  <a:ext cx="90152" cy="90152"/>
+                </a:xfrm>
+                <a:prstGeom prst="ellipse">
+                  <a:avLst/>
+                </a:prstGeom>
+                <a:solidFill>
+                  <a:schemeClr val="accent2"/>
+                </a:solidFill>
+              </p:spPr>
+              <p:style>
+                <a:lnRef idx="2">
+                  <a:schemeClr val="accent1">
+                    <a:shade val="50000"/>
+                  </a:schemeClr>
+                </a:lnRef>
+                <a:fillRef idx="1">
+                  <a:schemeClr val="accent1"/>
+                </a:fillRef>
+                <a:effectRef idx="0">
+                  <a:schemeClr val="accent1"/>
+                </a:effectRef>
+                <a:fontRef idx="minor">
+                  <a:schemeClr val="lt1"/>
+                </a:fontRef>
+              </p:style>
+              <p:txBody>
+                <a:bodyPr rtlCol="0" anchor="ctr"/>
+                <a:lstStyle/>
+                <a:p>
+                  <a:pPr algn="ctr"/>
+                  <a:endParaRPr lang="fr-CA">
+                    <a:latin typeface="Times New Roman" panose="02020603050405020304" pitchFamily="18" charset="0"/>
+                    <a:cs typeface="Times New Roman" panose="02020603050405020304" pitchFamily="18" charset="0"/>
+                  </a:endParaRPr>
+                </a:p>
+              </p:txBody>
+            </p:sp>
+            <p:sp>
+              <p:nvSpPr>
+                <p:cNvPr id="100" name="椭圆 99">
+                  <a:extLst>
+                    <a:ext uri="{FF2B5EF4-FFF2-40B4-BE49-F238E27FC236}">
+                      <a16:creationId xmlns:a16="http://schemas.microsoft.com/office/drawing/2014/main" id="{ADC39F87-CF1E-3A10-63CB-DF934B00226F}"/>
+                    </a:ext>
+                  </a:extLst>
+                </p:cNvPr>
+                <p:cNvSpPr/>
+                <p:nvPr/>
+              </p:nvSpPr>
+              <p:spPr>
+                <a:xfrm>
+                  <a:off x="8999113" y="5673143"/>
+                  <a:ext cx="90152" cy="90152"/>
+                </a:xfrm>
+                <a:prstGeom prst="ellipse">
+                  <a:avLst/>
+                </a:prstGeom>
+                <a:solidFill>
+                  <a:schemeClr val="accent2"/>
+                </a:solidFill>
+              </p:spPr>
+              <p:style>
+                <a:lnRef idx="2">
+                  <a:schemeClr val="accent1">
+                    <a:shade val="50000"/>
+                  </a:schemeClr>
+                </a:lnRef>
+                <a:fillRef idx="1">
+                  <a:schemeClr val="accent1"/>
+                </a:fillRef>
+                <a:effectRef idx="0">
+                  <a:schemeClr val="accent1"/>
+                </a:effectRef>
+                <a:fontRef idx="minor">
+                  <a:schemeClr val="lt1"/>
+                </a:fontRef>
+              </p:style>
+              <p:txBody>
+                <a:bodyPr rtlCol="0" anchor="ctr"/>
+                <a:lstStyle/>
+                <a:p>
+                  <a:pPr algn="ctr"/>
+                  <a:endParaRPr lang="fr-CA">
+                    <a:latin typeface="Times New Roman" panose="02020603050405020304" pitchFamily="18" charset="0"/>
+                    <a:cs typeface="Times New Roman" panose="02020603050405020304" pitchFamily="18" charset="0"/>
+                  </a:endParaRPr>
+                </a:p>
+              </p:txBody>
+            </p:sp>
+            <p:sp>
+              <p:nvSpPr>
+                <p:cNvPr id="101" name="椭圆 100">
+                  <a:extLst>
+                    <a:ext uri="{FF2B5EF4-FFF2-40B4-BE49-F238E27FC236}">
+                      <a16:creationId xmlns:a16="http://schemas.microsoft.com/office/drawing/2014/main" id="{A7374428-F75E-5912-11DF-CA228165330E}"/>
+                    </a:ext>
+                  </a:extLst>
+                </p:cNvPr>
+                <p:cNvSpPr/>
+                <p:nvPr/>
+              </p:nvSpPr>
+              <p:spPr>
+                <a:xfrm>
+                  <a:off x="9929611" y="5628067"/>
+                  <a:ext cx="90152" cy="90152"/>
+                </a:xfrm>
+                <a:prstGeom prst="ellipse">
+                  <a:avLst/>
+                </a:prstGeom>
+                <a:solidFill>
+                  <a:schemeClr val="accent2"/>
+                </a:solidFill>
+              </p:spPr>
+              <p:style>
+                <a:lnRef idx="2">
+                  <a:schemeClr val="accent1">
+                    <a:shade val="50000"/>
+                  </a:schemeClr>
+                </a:lnRef>
+                <a:fillRef idx="1">
+                  <a:schemeClr val="accent1"/>
+                </a:fillRef>
+                <a:effectRef idx="0">
+                  <a:schemeClr val="accent1"/>
+                </a:effectRef>
+                <a:fontRef idx="minor">
+                  <a:schemeClr val="lt1"/>
+                </a:fontRef>
+              </p:style>
+              <p:txBody>
+                <a:bodyPr rtlCol="0" anchor="ctr"/>
+                <a:lstStyle/>
+                <a:p>
+                  <a:pPr algn="ctr"/>
+                  <a:endParaRPr lang="fr-CA">
+                    <a:latin typeface="Times New Roman" panose="02020603050405020304" pitchFamily="18" charset="0"/>
+                    <a:cs typeface="Times New Roman" panose="02020603050405020304" pitchFamily="18" charset="0"/>
+                  </a:endParaRPr>
+                </a:p>
+              </p:txBody>
+            </p:sp>
+          </p:grpSp>
+          <p:cxnSp>
+            <p:nvCxnSpPr>
+              <p:cNvPr id="88" name="直接连接符 87">
+                <a:extLst>
+                  <a:ext uri="{FF2B5EF4-FFF2-40B4-BE49-F238E27FC236}">
+                    <a16:creationId xmlns:a16="http://schemas.microsoft.com/office/drawing/2014/main" id="{C01C3040-7277-B21C-25AB-91D5B393D44B}"/>
+                  </a:ext>
+                </a:extLst>
+              </p:cNvPr>
+              <p:cNvCxnSpPr>
+                <a:cxnSpLocks/>
+                <a:stCxn id="99" idx="5"/>
+                <a:endCxn id="98" idx="1"/>
+              </p:cNvCxnSpPr>
+              <p:nvPr/>
+            </p:nvCxnSpPr>
+            <p:spPr>
+              <a:xfrm>
+                <a:off x="9076063" y="4865744"/>
+                <a:ext cx="491118" cy="414917"/>
+              </a:xfrm>
+              <a:prstGeom prst="line">
+                <a:avLst/>
+              </a:prstGeom>
+              <a:ln w="19050">
+                <a:prstDash val="dashDot"/>
+              </a:ln>
+            </p:spPr>
+            <p:style>
+              <a:lnRef idx="1">
+                <a:schemeClr val="dk1"/>
+              </a:lnRef>
+              <a:fillRef idx="0">
+                <a:schemeClr val="dk1"/>
+              </a:fillRef>
+              <a:effectRef idx="0">
+                <a:schemeClr val="dk1"/>
+              </a:effectRef>
+              <a:fontRef idx="minor">
+                <a:schemeClr val="tx1"/>
+              </a:fontRef>
+            </p:style>
+          </p:cxnSp>
+          <p:cxnSp>
+            <p:nvCxnSpPr>
+              <p:cNvPr id="89" name="直接连接符 88">
+                <a:extLst>
+                  <a:ext uri="{FF2B5EF4-FFF2-40B4-BE49-F238E27FC236}">
+                    <a16:creationId xmlns:a16="http://schemas.microsoft.com/office/drawing/2014/main" id="{A676B94E-A6AF-884E-7671-992D6A5635F6}"/>
+                  </a:ext>
+                </a:extLst>
+              </p:cNvPr>
+              <p:cNvCxnSpPr>
+                <a:cxnSpLocks/>
+                <a:stCxn id="100" idx="6"/>
+                <a:endCxn id="98" idx="3"/>
+              </p:cNvCxnSpPr>
+              <p:nvPr/>
+            </p:nvCxnSpPr>
+            <p:spPr>
+              <a:xfrm flipV="1">
+                <a:off x="9089265" y="5344409"/>
+                <a:ext cx="477916" cy="373810"/>
+              </a:xfrm>
+              <a:prstGeom prst="line">
+                <a:avLst/>
+              </a:prstGeom>
+              <a:ln w="19050">
+                <a:prstDash val="dashDot"/>
+              </a:ln>
+            </p:spPr>
+            <p:style>
+              <a:lnRef idx="1">
+                <a:schemeClr val="dk1"/>
+              </a:lnRef>
+              <a:fillRef idx="0">
+                <a:schemeClr val="dk1"/>
+              </a:fillRef>
+              <a:effectRef idx="0">
+                <a:schemeClr val="dk1"/>
+              </a:effectRef>
+              <a:fontRef idx="minor">
+                <a:schemeClr val="tx1"/>
+              </a:fontRef>
+            </p:style>
+          </p:cxnSp>
+          <p:cxnSp>
+            <p:nvCxnSpPr>
+              <p:cNvPr id="90" name="直接连接符 89">
+                <a:extLst>
+                  <a:ext uri="{FF2B5EF4-FFF2-40B4-BE49-F238E27FC236}">
+                    <a16:creationId xmlns:a16="http://schemas.microsoft.com/office/drawing/2014/main" id="{2E3FF508-F5BC-F72B-0977-07D746E346E3}"/>
+                  </a:ext>
+                </a:extLst>
+              </p:cNvPr>
+              <p:cNvCxnSpPr>
+                <a:cxnSpLocks/>
+                <a:stCxn id="98" idx="0"/>
+                <a:endCxn id="97" idx="3"/>
+              </p:cNvCxnSpPr>
+              <p:nvPr/>
+            </p:nvCxnSpPr>
+            <p:spPr>
+              <a:xfrm flipV="1">
+                <a:off x="9599055" y="4865744"/>
+                <a:ext cx="343758" cy="401715"/>
+              </a:xfrm>
+              <a:prstGeom prst="line">
+                <a:avLst/>
+              </a:prstGeom>
+              <a:ln w="19050">
+                <a:prstDash val="dashDot"/>
+              </a:ln>
+            </p:spPr>
+            <p:style>
+              <a:lnRef idx="1">
+                <a:schemeClr val="dk1"/>
+              </a:lnRef>
+              <a:fillRef idx="0">
+                <a:schemeClr val="dk1"/>
+              </a:fillRef>
+              <a:effectRef idx="0">
+                <a:schemeClr val="dk1"/>
+              </a:effectRef>
+              <a:fontRef idx="minor">
+                <a:schemeClr val="tx1"/>
+              </a:fontRef>
+            </p:style>
+          </p:cxnSp>
+          <p:cxnSp>
+            <p:nvCxnSpPr>
+              <p:cNvPr id="91" name="直接连接符 90">
+                <a:extLst>
+                  <a:ext uri="{FF2B5EF4-FFF2-40B4-BE49-F238E27FC236}">
+                    <a16:creationId xmlns:a16="http://schemas.microsoft.com/office/drawing/2014/main" id="{2617C7F2-8AD9-AC92-F59E-7C2A790E7D0A}"/>
+                  </a:ext>
+                </a:extLst>
+              </p:cNvPr>
+              <p:cNvCxnSpPr>
+                <a:cxnSpLocks/>
+                <a:stCxn id="98" idx="6"/>
+                <a:endCxn id="101" idx="0"/>
+              </p:cNvCxnSpPr>
+              <p:nvPr/>
+            </p:nvCxnSpPr>
+            <p:spPr>
+              <a:xfrm>
+                <a:off x="9644131" y="5312535"/>
+                <a:ext cx="330556" cy="315532"/>
+              </a:xfrm>
+              <a:prstGeom prst="line">
+                <a:avLst/>
+              </a:prstGeom>
+              <a:ln w="19050">
+                <a:prstDash val="dashDot"/>
+              </a:ln>
+            </p:spPr>
+            <p:style>
+              <a:lnRef idx="1">
+                <a:schemeClr val="dk1"/>
+              </a:lnRef>
+              <a:fillRef idx="0">
+                <a:schemeClr val="dk1"/>
+              </a:fillRef>
+              <a:effectRef idx="0">
+                <a:schemeClr val="dk1"/>
+              </a:effectRef>
+              <a:fontRef idx="minor">
+                <a:schemeClr val="tx1"/>
+              </a:fontRef>
+            </p:style>
+          </p:cxnSp>
+        </p:grpSp>
+        <p:sp>
+          <p:nvSpPr>
+            <p:cNvPr id="79" name="文本框 78">
+              <a:extLst>
+                <a:ext uri="{FF2B5EF4-FFF2-40B4-BE49-F238E27FC236}">
+                  <a16:creationId xmlns:a16="http://schemas.microsoft.com/office/drawing/2014/main" id="{B9397E36-7079-3EC0-0188-7B31CAFB1838}"/>
+                </a:ext>
+              </a:extLst>
+            </p:cNvPr>
+            <p:cNvSpPr txBox="1"/>
+            <p:nvPr/>
+          </p:nvSpPr>
+          <p:spPr>
+            <a:xfrm>
+              <a:off x="8214202" y="5701224"/>
+              <a:ext cx="856445" cy="307777"/>
+            </a:xfrm>
+            <a:prstGeom prst="rect">
+              <a:avLst/>
+            </a:prstGeom>
+            <a:noFill/>
+          </p:spPr>
+          <p:txBody>
+            <a:bodyPr wrap="square" rtlCol="0">
+              <a:spAutoFit/>
+            </a:bodyPr>
+            <a:lstStyle/>
+            <a:p>
+              <a:r>
+                <a:rPr lang="fr-CA" sz="1400" dirty="0"/>
+                <a:t>d</a:t>
+              </a:r>
+              <a:r>
+                <a:rPr lang="fr-CA" sz="1400" baseline="30000" dirty="0"/>
+                <a:t>*</a:t>
+              </a:r>
+              <a:r>
+                <a:rPr lang="fr-CA" sz="1400" baseline="-25000" dirty="0"/>
+                <a:t>3</a:t>
+              </a:r>
+            </a:p>
+          </p:txBody>
+        </p:sp>
+        <p:sp>
+          <p:nvSpPr>
+            <p:cNvPr id="84" name="文本框 83">
+              <a:extLst>
+                <a:ext uri="{FF2B5EF4-FFF2-40B4-BE49-F238E27FC236}">
+                  <a16:creationId xmlns:a16="http://schemas.microsoft.com/office/drawing/2014/main" id="{63EA62A1-EA74-7CFF-395A-B2D1B751952B}"/>
+                </a:ext>
+              </a:extLst>
+            </p:cNvPr>
+            <p:cNvSpPr txBox="1"/>
+            <p:nvPr/>
+          </p:nvSpPr>
+          <p:spPr>
+            <a:xfrm>
+              <a:off x="7939974" y="4652925"/>
+              <a:ext cx="856445" cy="307777"/>
+            </a:xfrm>
+            <a:prstGeom prst="rect">
+              <a:avLst/>
+            </a:prstGeom>
+            <a:noFill/>
+          </p:spPr>
+          <p:txBody>
+            <a:bodyPr wrap="square" rtlCol="0">
+              <a:spAutoFit/>
+            </a:bodyPr>
+            <a:lstStyle/>
+            <a:p>
+              <a:r>
+                <a:rPr lang="fr-CA" sz="1400" dirty="0"/>
+                <a:t>d</a:t>
+              </a:r>
+              <a:r>
+                <a:rPr lang="fr-CA" sz="1400" baseline="30000" dirty="0"/>
+                <a:t>*</a:t>
+              </a:r>
+              <a:r>
+                <a:rPr lang="fr-CA" sz="1400" baseline="-25000" dirty="0"/>
+                <a:t>1</a:t>
+              </a:r>
+            </a:p>
+          </p:txBody>
+        </p:sp>
+        <p:sp>
+          <p:nvSpPr>
+            <p:cNvPr id="85" name="文本框 84">
+              <a:extLst>
+                <a:ext uri="{FF2B5EF4-FFF2-40B4-BE49-F238E27FC236}">
+                  <a16:creationId xmlns:a16="http://schemas.microsoft.com/office/drawing/2014/main" id="{2B2176A1-1734-AE6B-6A98-118B0577ED75}"/>
+                </a:ext>
+              </a:extLst>
+            </p:cNvPr>
+            <p:cNvSpPr txBox="1"/>
+            <p:nvPr/>
+          </p:nvSpPr>
+          <p:spPr>
+            <a:xfrm>
+              <a:off x="9256407" y="4578658"/>
+              <a:ext cx="856445" cy="307777"/>
+            </a:xfrm>
+            <a:prstGeom prst="rect">
+              <a:avLst/>
+            </a:prstGeom>
+            <a:noFill/>
+          </p:spPr>
+          <p:txBody>
+            <a:bodyPr wrap="square" rtlCol="0">
+              <a:spAutoFit/>
+            </a:bodyPr>
+            <a:lstStyle/>
+            <a:p>
+              <a:r>
+                <a:rPr lang="fr-CA" sz="1400" dirty="0"/>
+                <a:t>d</a:t>
+              </a:r>
+              <a:r>
+                <a:rPr lang="fr-CA" sz="1400" baseline="30000" dirty="0"/>
+                <a:t>*</a:t>
+              </a:r>
+              <a:r>
+                <a:rPr lang="fr-CA" sz="1400" baseline="-25000" dirty="0"/>
+                <a:t>2</a:t>
+              </a:r>
+            </a:p>
+          </p:txBody>
+        </p:sp>
+        <p:sp>
+          <p:nvSpPr>
+            <p:cNvPr id="86" name="文本框 85">
+              <a:extLst>
+                <a:ext uri="{FF2B5EF4-FFF2-40B4-BE49-F238E27FC236}">
+                  <a16:creationId xmlns:a16="http://schemas.microsoft.com/office/drawing/2014/main" id="{4514ECB5-84A7-C808-FEFE-5F2A24BD45F3}"/>
+                </a:ext>
+              </a:extLst>
+            </p:cNvPr>
+            <p:cNvSpPr txBox="1"/>
+            <p:nvPr/>
+          </p:nvSpPr>
+          <p:spPr>
+            <a:xfrm>
+              <a:off x="8942763" y="5428562"/>
+              <a:ext cx="856445" cy="307777"/>
+            </a:xfrm>
+            <a:prstGeom prst="rect">
+              <a:avLst/>
+            </a:prstGeom>
+            <a:noFill/>
+          </p:spPr>
+          <p:txBody>
+            <a:bodyPr wrap="square" rtlCol="0">
+              <a:spAutoFit/>
+            </a:bodyPr>
+            <a:lstStyle/>
+            <a:p>
+              <a:r>
+                <a:rPr lang="fr-CA" sz="1400" dirty="0"/>
+                <a:t>d</a:t>
+              </a:r>
+              <a:r>
+                <a:rPr lang="fr-CA" sz="1400" baseline="30000" dirty="0"/>
+                <a:t>*</a:t>
+              </a:r>
+              <a:r>
+                <a:rPr lang="fr-CA" sz="1400" baseline="-25000" dirty="0"/>
+                <a:t>4</a:t>
+              </a:r>
+            </a:p>
+          </p:txBody>
+        </p:sp>
+      </p:grpSp>
+    </p:spTree>
+    <p:extLst>
+      <p:ext uri="{BB962C8B-B14F-4D97-AF65-F5344CB8AC3E}">
+        <p14:creationId xmlns:p14="http://schemas.microsoft.com/office/powerpoint/2010/main" val="4067522273"/>
+      </p:ext>
+    </p:extLst>
+  </p:cSld>
+  <p:clrMapOvr>
+    <a:masterClrMapping/>
+  </p:clrMapOvr>
+</p:sld>
+</file>
+
+<file path=ppt/slides/slide22.xml><?xml version="1.0" encoding="utf-8"?>
+<p:sld xmlns:a="http://schemas.openxmlformats.org/drawingml/2006/main" xmlns:r="http://schemas.openxmlformats.org/officeDocument/2006/relationships" xmlns:p="http://schemas.openxmlformats.org/presentationml/2006/main">
+  <p:cSld>
+    <p:spTree>
+      <p:nvGrpSpPr>
+        <p:cNvPr id="1" name=""/>
+        <p:cNvGrpSpPr/>
+        <p:nvPr/>
+      </p:nvGrpSpPr>
+      <p:grpSpPr>
+        <a:xfrm>
+          <a:off x="0" y="0"/>
+          <a:ext cx="0" cy="0"/>
+          <a:chOff x="0" y="0"/>
+          <a:chExt cx="0" cy="0"/>
+        </a:xfrm>
+      </p:grpSpPr>
+      <p:grpSp>
+        <p:nvGrpSpPr>
+          <p:cNvPr id="32" name="组合 31">
+            <a:extLst>
+              <a:ext uri="{FF2B5EF4-FFF2-40B4-BE49-F238E27FC236}">
+                <a16:creationId xmlns:a16="http://schemas.microsoft.com/office/drawing/2014/main" id="{BF2B3790-B2EA-71F8-03DD-8B3573EC7538}"/>
+              </a:ext>
+            </a:extLst>
+          </p:cNvPr>
+          <p:cNvGrpSpPr/>
+          <p:nvPr/>
+        </p:nvGrpSpPr>
+        <p:grpSpPr>
+          <a:xfrm>
+            <a:off x="1465926" y="948445"/>
+            <a:ext cx="8228646" cy="2671665"/>
+            <a:chOff x="1060241" y="1354130"/>
+            <a:chExt cx="8228646" cy="2671665"/>
+          </a:xfrm>
+        </p:grpSpPr>
+        <p:sp>
+          <p:nvSpPr>
+            <p:cNvPr id="3" name="矩形: 圆角 2">
+              <a:extLst>
+                <a:ext uri="{FF2B5EF4-FFF2-40B4-BE49-F238E27FC236}">
+                  <a16:creationId xmlns:a16="http://schemas.microsoft.com/office/drawing/2014/main" id="{EFB92063-6EAB-ECAE-4A7A-E8C8BF2D05AB}"/>
+                </a:ext>
+              </a:extLst>
+            </p:cNvPr>
+            <p:cNvSpPr/>
+            <p:nvPr/>
+          </p:nvSpPr>
+          <p:spPr>
+            <a:xfrm>
+              <a:off x="1060241" y="2495279"/>
+              <a:ext cx="1122688" cy="437881"/>
+            </a:xfrm>
+            <a:prstGeom prst="roundRect">
+              <a:avLst/>
+            </a:prstGeom>
+          </p:spPr>
+          <p:style>
+            <a:lnRef idx="2">
+              <a:schemeClr val="accent1">
+                <a:shade val="50000"/>
+              </a:schemeClr>
+            </a:lnRef>
+            <a:fillRef idx="1">
+              <a:schemeClr val="accent1"/>
+            </a:fillRef>
+            <a:effectRef idx="0">
+              <a:schemeClr val="accent1"/>
+            </a:effectRef>
+            <a:fontRef idx="minor">
+              <a:schemeClr val="lt1"/>
+            </a:fontRef>
+          </p:style>
+          <p:txBody>
+            <a:bodyPr rtlCol="0" anchor="ctr"/>
+            <a:lstStyle/>
+            <a:p>
+              <a:pPr algn="ctr"/>
+              <a:r>
+                <a:rPr lang="fr-CA" dirty="0">
+                  <a:latin typeface="Times New Roman" panose="02020603050405020304" pitchFamily="18" charset="0"/>
+                  <a:cs typeface="Times New Roman" panose="02020603050405020304" pitchFamily="18" charset="0"/>
+                </a:rPr>
+                <a:t>CIR</a:t>
+              </a:r>
+            </a:p>
+          </p:txBody>
+        </p:sp>
+        <p:sp>
+          <p:nvSpPr>
+            <p:cNvPr id="4" name="矩形 3">
+              <a:extLst>
+                <a:ext uri="{FF2B5EF4-FFF2-40B4-BE49-F238E27FC236}">
+                  <a16:creationId xmlns:a16="http://schemas.microsoft.com/office/drawing/2014/main" id="{FADAC763-EC73-C261-ED27-0377CDAC72A1}"/>
+                </a:ext>
+              </a:extLst>
+            </p:cNvPr>
+            <p:cNvSpPr/>
+            <p:nvPr/>
+          </p:nvSpPr>
+          <p:spPr>
+            <a:xfrm>
+              <a:off x="2833352" y="2163648"/>
+              <a:ext cx="1545465" cy="1101144"/>
+            </a:xfrm>
+            <a:prstGeom prst="rect">
+              <a:avLst/>
+            </a:prstGeom>
+            <a:solidFill>
+              <a:srgbClr val="00B050"/>
+            </a:solidFill>
+          </p:spPr>
+          <p:style>
+            <a:lnRef idx="2">
+              <a:schemeClr val="accent1">
+                <a:shade val="50000"/>
+              </a:schemeClr>
+            </a:lnRef>
+            <a:fillRef idx="1">
+              <a:schemeClr val="accent1"/>
+            </a:fillRef>
+            <a:effectRef idx="0">
+              <a:schemeClr val="accent1"/>
+            </a:effectRef>
+            <a:fontRef idx="minor">
+              <a:schemeClr val="lt1"/>
+            </a:fontRef>
+          </p:style>
+          <p:txBody>
+            <a:bodyPr rtlCol="0" anchor="ctr"/>
+            <a:lstStyle/>
+            <a:p>
+              <a:pPr algn="ctr"/>
+              <a:r>
+                <a:rPr lang="fr-CA" dirty="0">
+                  <a:latin typeface="Times New Roman" panose="02020603050405020304" pitchFamily="18" charset="0"/>
+                  <a:cs typeface="Times New Roman" panose="02020603050405020304" pitchFamily="18" charset="0"/>
+                </a:rPr>
+                <a:t>Regressor</a:t>
+              </a:r>
+            </a:p>
+          </p:txBody>
+        </p:sp>
+        <p:sp>
+          <p:nvSpPr>
+            <p:cNvPr id="5" name="矩形 4">
+              <a:extLst>
+                <a:ext uri="{FF2B5EF4-FFF2-40B4-BE49-F238E27FC236}">
+                  <a16:creationId xmlns:a16="http://schemas.microsoft.com/office/drawing/2014/main" id="{EAA2C583-C39E-4A74-8A75-66906B67EAA2}"/>
+                </a:ext>
+              </a:extLst>
+            </p:cNvPr>
+            <p:cNvSpPr/>
+            <p:nvPr/>
+          </p:nvSpPr>
+          <p:spPr>
+            <a:xfrm>
+              <a:off x="6038044" y="2163648"/>
+              <a:ext cx="1545465" cy="1101144"/>
+            </a:xfrm>
+            <a:prstGeom prst="rect">
+              <a:avLst/>
+            </a:prstGeom>
+            <a:solidFill>
+              <a:srgbClr val="00B050"/>
+            </a:solidFill>
+          </p:spPr>
+          <p:style>
+            <a:lnRef idx="2">
+              <a:schemeClr val="accent1">
+                <a:shade val="50000"/>
+              </a:schemeClr>
+            </a:lnRef>
+            <a:fillRef idx="1">
+              <a:schemeClr val="accent1"/>
+            </a:fillRef>
+            <a:effectRef idx="0">
+              <a:schemeClr val="accent1"/>
+            </a:effectRef>
+            <a:fontRef idx="minor">
+              <a:schemeClr val="lt1"/>
+            </a:fontRef>
+          </p:style>
+          <p:txBody>
+            <a:bodyPr rtlCol="0" anchor="ctr"/>
+            <a:lstStyle/>
+            <a:p>
+              <a:pPr algn="ctr"/>
+              <a:r>
+                <a:rPr lang="fr-CA" dirty="0">
+                  <a:latin typeface="Times New Roman" panose="02020603050405020304" pitchFamily="18" charset="0"/>
+                  <a:cs typeface="Times New Roman" panose="02020603050405020304" pitchFamily="18" charset="0"/>
+                </a:rPr>
+                <a:t>Optimizer</a:t>
+              </a:r>
+            </a:p>
+          </p:txBody>
+        </p:sp>
+        <p:sp>
+          <p:nvSpPr>
+            <p:cNvPr id="6" name="矩形: 圆角 5">
+              <a:extLst>
+                <a:ext uri="{FF2B5EF4-FFF2-40B4-BE49-F238E27FC236}">
+                  <a16:creationId xmlns:a16="http://schemas.microsoft.com/office/drawing/2014/main" id="{AC737E48-51C3-DA5E-978D-A7FF5F4D72E6}"/>
+                </a:ext>
+              </a:extLst>
+            </p:cNvPr>
+            <p:cNvSpPr/>
+            <p:nvPr/>
+          </p:nvSpPr>
+          <p:spPr>
+            <a:xfrm>
+              <a:off x="6249432" y="1354130"/>
+              <a:ext cx="1122688" cy="437881"/>
+            </a:xfrm>
+            <a:prstGeom prst="roundRect">
+              <a:avLst/>
+            </a:prstGeom>
+            <a:solidFill>
+              <a:schemeClr val="accent2"/>
+            </a:solidFill>
+          </p:spPr>
+          <p:style>
+            <a:lnRef idx="2">
+              <a:schemeClr val="accent1">
+                <a:shade val="50000"/>
+              </a:schemeClr>
+            </a:lnRef>
+            <a:fillRef idx="1">
+              <a:schemeClr val="accent1"/>
+            </a:fillRef>
+            <a:effectRef idx="0">
+              <a:schemeClr val="accent1"/>
+            </a:effectRef>
+            <a:fontRef idx="minor">
+              <a:schemeClr val="lt1"/>
+            </a:fontRef>
+          </p:style>
+          <p:txBody>
+            <a:bodyPr rtlCol="0" anchor="ctr"/>
+            <a:lstStyle/>
+            <a:p>
+              <a:pPr algn="ctr"/>
+              <a:r>
+                <a:rPr lang="fr-CA" dirty="0">
+                  <a:latin typeface="Times New Roman" panose="02020603050405020304" pitchFamily="18" charset="0"/>
+                  <a:cs typeface="Times New Roman" panose="02020603050405020304" pitchFamily="18" charset="0"/>
+                </a:rPr>
+                <a:t>Map info</a:t>
+              </a:r>
+            </a:p>
+          </p:txBody>
+        </p:sp>
+        <p:sp>
+          <p:nvSpPr>
+            <p:cNvPr id="8" name="椭圆 7">
+              <a:extLst>
+                <a:ext uri="{FF2B5EF4-FFF2-40B4-BE49-F238E27FC236}">
+                  <a16:creationId xmlns:a16="http://schemas.microsoft.com/office/drawing/2014/main" id="{2FC0C9E4-E179-ACFE-354A-AB3FA44017B2}"/>
+                </a:ext>
+              </a:extLst>
+            </p:cNvPr>
+            <p:cNvSpPr/>
+            <p:nvPr/>
+          </p:nvSpPr>
+          <p:spPr>
+            <a:xfrm>
+              <a:off x="4905777" y="2411564"/>
+              <a:ext cx="605307" cy="605307"/>
+            </a:xfrm>
+            <a:prstGeom prst="ellipse">
+              <a:avLst/>
+            </a:prstGeom>
+          </p:spPr>
+          <p:style>
+            <a:lnRef idx="2">
+              <a:schemeClr val="accent1">
+                <a:shade val="50000"/>
+              </a:schemeClr>
+            </a:lnRef>
+            <a:fillRef idx="1">
+              <a:schemeClr val="accent1"/>
+            </a:fillRef>
+            <a:effectRef idx="0">
+              <a:schemeClr val="accent1"/>
+            </a:effectRef>
+            <a:fontRef idx="minor">
+              <a:schemeClr val="lt1"/>
+            </a:fontRef>
+          </p:style>
+          <p:txBody>
+            <a:bodyPr rtlCol="0" anchor="ctr"/>
+            <a:lstStyle/>
+            <a:p>
+              <a:pPr algn="ctr"/>
+              <a:r>
+                <a:rPr lang="en-US" altLang="zh-CN" sz="1200" dirty="0" err="1">
+                  <a:latin typeface="Times New Roman" panose="02020603050405020304" pitchFamily="18" charset="0"/>
+                  <a:cs typeface="Times New Roman" panose="02020603050405020304" pitchFamily="18" charset="0"/>
+                </a:rPr>
+                <a:t>dist</a:t>
+              </a:r>
+              <a:endParaRPr lang="fr-CA" sz="1200" dirty="0">
+                <a:latin typeface="Times New Roman" panose="02020603050405020304" pitchFamily="18" charset="0"/>
+                <a:cs typeface="Times New Roman" panose="02020603050405020304" pitchFamily="18" charset="0"/>
+              </a:endParaRPr>
+            </a:p>
+          </p:txBody>
+        </p:sp>
+        <p:cxnSp>
+          <p:nvCxnSpPr>
+            <p:cNvPr id="10" name="直接箭头连接符 9">
+              <a:extLst>
+                <a:ext uri="{FF2B5EF4-FFF2-40B4-BE49-F238E27FC236}">
+                  <a16:creationId xmlns:a16="http://schemas.microsoft.com/office/drawing/2014/main" id="{2ABECB74-9516-6FC4-00CA-C28C67C826AD}"/>
+                </a:ext>
+              </a:extLst>
+            </p:cNvPr>
+            <p:cNvCxnSpPr>
+              <a:stCxn id="4" idx="3"/>
+              <a:endCxn id="8" idx="2"/>
+            </p:cNvCxnSpPr>
+            <p:nvPr/>
+          </p:nvCxnSpPr>
+          <p:spPr>
+            <a:xfrm flipV="1">
+              <a:off x="4378817" y="2714218"/>
+              <a:ext cx="526960" cy="2"/>
+            </a:xfrm>
+            <a:prstGeom prst="straightConnector1">
+              <a:avLst/>
+            </a:prstGeom>
+            <a:ln>
+              <a:tailEnd type="triangle"/>
+            </a:ln>
+          </p:spPr>
+          <p:style>
+            <a:lnRef idx="1">
+              <a:schemeClr val="dk1"/>
+            </a:lnRef>
+            <a:fillRef idx="0">
+              <a:schemeClr val="dk1"/>
+            </a:fillRef>
+            <a:effectRef idx="0">
+              <a:schemeClr val="dk1"/>
+            </a:effectRef>
+            <a:fontRef idx="minor">
+              <a:schemeClr val="tx1"/>
+            </a:fontRef>
+          </p:style>
+        </p:cxnSp>
+        <p:cxnSp>
+          <p:nvCxnSpPr>
+            <p:cNvPr id="11" name="直接箭头连接符 10">
+              <a:extLst>
+                <a:ext uri="{FF2B5EF4-FFF2-40B4-BE49-F238E27FC236}">
+                  <a16:creationId xmlns:a16="http://schemas.microsoft.com/office/drawing/2014/main" id="{A67EFA87-D11C-4CFE-A526-714C140B38E5}"/>
+                </a:ext>
+              </a:extLst>
+            </p:cNvPr>
+            <p:cNvCxnSpPr>
+              <a:cxnSpLocks/>
+              <a:stCxn id="3" idx="3"/>
+              <a:endCxn id="4" idx="1"/>
+            </p:cNvCxnSpPr>
+            <p:nvPr/>
+          </p:nvCxnSpPr>
+          <p:spPr>
+            <a:xfrm>
+              <a:off x="2182929" y="2714220"/>
+              <a:ext cx="650423" cy="0"/>
+            </a:xfrm>
+            <a:prstGeom prst="straightConnector1">
+              <a:avLst/>
+            </a:prstGeom>
+            <a:ln>
+              <a:tailEnd type="triangle"/>
+            </a:ln>
+          </p:spPr>
+          <p:style>
+            <a:lnRef idx="1">
+              <a:schemeClr val="dk1"/>
+            </a:lnRef>
+            <a:fillRef idx="0">
+              <a:schemeClr val="dk1"/>
+            </a:fillRef>
+            <a:effectRef idx="0">
+              <a:schemeClr val="dk1"/>
+            </a:effectRef>
+            <a:fontRef idx="minor">
+              <a:schemeClr val="tx1"/>
+            </a:fontRef>
+          </p:style>
+        </p:cxnSp>
+        <p:sp>
+          <p:nvSpPr>
+            <p:cNvPr id="15" name="椭圆 14">
+              <a:extLst>
+                <a:ext uri="{FF2B5EF4-FFF2-40B4-BE49-F238E27FC236}">
+                  <a16:creationId xmlns:a16="http://schemas.microsoft.com/office/drawing/2014/main" id="{3C0E8DC7-1DB8-7BE5-4F63-8AB324AF9EA0}"/>
+                </a:ext>
+              </a:extLst>
+            </p:cNvPr>
+            <p:cNvSpPr/>
+            <p:nvPr/>
+          </p:nvSpPr>
+          <p:spPr>
+            <a:xfrm>
+              <a:off x="8683580" y="2411564"/>
+              <a:ext cx="605307" cy="605307"/>
+            </a:xfrm>
+            <a:prstGeom prst="ellipse">
+              <a:avLst/>
+            </a:prstGeom>
+            <a:solidFill>
+              <a:srgbClr val="FF0000"/>
+            </a:solidFill>
+          </p:spPr>
+          <p:style>
+            <a:lnRef idx="2">
+              <a:schemeClr val="accent1">
+                <a:shade val="50000"/>
+              </a:schemeClr>
+            </a:lnRef>
+            <a:fillRef idx="1">
+              <a:schemeClr val="accent1"/>
+            </a:fillRef>
+            <a:effectRef idx="0">
+              <a:schemeClr val="accent1"/>
+            </a:effectRef>
+            <a:fontRef idx="minor">
+              <a:schemeClr val="lt1"/>
+            </a:fontRef>
+          </p:style>
+          <p:txBody>
+            <a:bodyPr rtlCol="0" anchor="ctr"/>
+            <a:lstStyle/>
+            <a:p>
+              <a:pPr algn="ctr"/>
+              <a:r>
+                <a:rPr lang="en-US" altLang="zh-CN" sz="1100" dirty="0">
+                  <a:latin typeface="Times New Roman" panose="02020603050405020304" pitchFamily="18" charset="0"/>
+                  <a:cs typeface="Times New Roman" panose="02020603050405020304" pitchFamily="18" charset="0"/>
+                </a:rPr>
+                <a:t>Lat</a:t>
+              </a:r>
+            </a:p>
+            <a:p>
+              <a:pPr algn="ctr"/>
+              <a:r>
+                <a:rPr lang="en-US" sz="1100" dirty="0">
+                  <a:latin typeface="Times New Roman" panose="02020603050405020304" pitchFamily="18" charset="0"/>
+                  <a:cs typeface="Times New Roman" panose="02020603050405020304" pitchFamily="18" charset="0"/>
+                </a:rPr>
+                <a:t>Lon</a:t>
+              </a:r>
+              <a:endParaRPr lang="fr-CA" sz="1100" dirty="0">
+                <a:latin typeface="Times New Roman" panose="02020603050405020304" pitchFamily="18" charset="0"/>
+                <a:cs typeface="Times New Roman" panose="02020603050405020304" pitchFamily="18" charset="0"/>
+              </a:endParaRPr>
+            </a:p>
+          </p:txBody>
+        </p:sp>
+        <p:cxnSp>
+          <p:nvCxnSpPr>
+            <p:cNvPr id="16" name="直接箭头连接符 15">
+              <a:extLst>
+                <a:ext uri="{FF2B5EF4-FFF2-40B4-BE49-F238E27FC236}">
+                  <a16:creationId xmlns:a16="http://schemas.microsoft.com/office/drawing/2014/main" id="{A95558BF-92BA-145F-339E-5E33A1426B5A}"/>
+                </a:ext>
+              </a:extLst>
+            </p:cNvPr>
+            <p:cNvCxnSpPr>
+              <a:cxnSpLocks/>
+              <a:stCxn id="8" idx="6"/>
+              <a:endCxn id="5" idx="1"/>
+            </p:cNvCxnSpPr>
+            <p:nvPr/>
+          </p:nvCxnSpPr>
+          <p:spPr>
+            <a:xfrm>
+              <a:off x="5511084" y="2714218"/>
+              <a:ext cx="526960" cy="2"/>
+            </a:xfrm>
+            <a:prstGeom prst="straightConnector1">
+              <a:avLst/>
+            </a:prstGeom>
+            <a:ln>
+              <a:tailEnd type="triangle"/>
+            </a:ln>
+          </p:spPr>
+          <p:style>
+            <a:lnRef idx="1">
+              <a:schemeClr val="dk1"/>
+            </a:lnRef>
+            <a:fillRef idx="0">
+              <a:schemeClr val="dk1"/>
+            </a:fillRef>
+            <a:effectRef idx="0">
+              <a:schemeClr val="dk1"/>
+            </a:effectRef>
+            <a:fontRef idx="minor">
+              <a:schemeClr val="tx1"/>
+            </a:fontRef>
+          </p:style>
+        </p:cxnSp>
+        <p:cxnSp>
+          <p:nvCxnSpPr>
+            <p:cNvPr id="19" name="直接箭头连接符 18">
+              <a:extLst>
+                <a:ext uri="{FF2B5EF4-FFF2-40B4-BE49-F238E27FC236}">
+                  <a16:creationId xmlns:a16="http://schemas.microsoft.com/office/drawing/2014/main" id="{C64577D5-93F5-81CA-2F27-7A40E9BBFCD6}"/>
+                </a:ext>
+              </a:extLst>
+            </p:cNvPr>
+            <p:cNvCxnSpPr>
+              <a:cxnSpLocks/>
+              <a:stCxn id="6" idx="2"/>
+              <a:endCxn id="5" idx="0"/>
+            </p:cNvCxnSpPr>
+            <p:nvPr/>
+          </p:nvCxnSpPr>
+          <p:spPr>
+            <a:xfrm>
+              <a:off x="6810776" y="1792011"/>
+              <a:ext cx="1" cy="371637"/>
+            </a:xfrm>
+            <a:prstGeom prst="straightConnector1">
+              <a:avLst/>
+            </a:prstGeom>
+            <a:ln>
+              <a:tailEnd type="triangle"/>
+            </a:ln>
+          </p:spPr>
+          <p:style>
+            <a:lnRef idx="1">
+              <a:schemeClr val="dk1"/>
+            </a:lnRef>
+            <a:fillRef idx="0">
+              <a:schemeClr val="dk1"/>
+            </a:fillRef>
+            <a:effectRef idx="0">
+              <a:schemeClr val="dk1"/>
+            </a:effectRef>
+            <a:fontRef idx="minor">
+              <a:schemeClr val="tx1"/>
+            </a:fontRef>
+          </p:style>
+        </p:cxnSp>
+        <p:cxnSp>
+          <p:nvCxnSpPr>
+            <p:cNvPr id="22" name="直接箭头连接符 21">
+              <a:extLst>
+                <a:ext uri="{FF2B5EF4-FFF2-40B4-BE49-F238E27FC236}">
+                  <a16:creationId xmlns:a16="http://schemas.microsoft.com/office/drawing/2014/main" id="{7D73D0BD-79FB-D27C-0743-5AE17A0E0223}"/>
+                </a:ext>
+              </a:extLst>
+            </p:cNvPr>
+            <p:cNvCxnSpPr>
+              <a:cxnSpLocks/>
+              <a:stCxn id="5" idx="3"/>
+              <a:endCxn id="15" idx="2"/>
+            </p:cNvCxnSpPr>
+            <p:nvPr/>
+          </p:nvCxnSpPr>
+          <p:spPr>
+            <a:xfrm flipV="1">
+              <a:off x="7583509" y="2714218"/>
+              <a:ext cx="1100071" cy="2"/>
+            </a:xfrm>
+            <a:prstGeom prst="straightConnector1">
+              <a:avLst/>
+            </a:prstGeom>
+            <a:ln>
+              <a:tailEnd type="triangle"/>
+            </a:ln>
+          </p:spPr>
+          <p:style>
+            <a:lnRef idx="1">
+              <a:schemeClr val="dk1"/>
+            </a:lnRef>
+            <a:fillRef idx="0">
+              <a:schemeClr val="dk1"/>
+            </a:fillRef>
+            <a:effectRef idx="0">
+              <a:schemeClr val="dk1"/>
+            </a:effectRef>
+            <a:fontRef idx="minor">
+              <a:schemeClr val="tx1"/>
+            </a:fontRef>
+          </p:style>
+        </p:cxnSp>
+        <p:sp>
+          <p:nvSpPr>
+            <p:cNvPr id="27" name="文本框 26">
+              <a:extLst>
+                <a:ext uri="{FF2B5EF4-FFF2-40B4-BE49-F238E27FC236}">
+                  <a16:creationId xmlns:a16="http://schemas.microsoft.com/office/drawing/2014/main" id="{E831ACF7-1BC7-40D0-7F78-F930C46749D6}"/>
+                </a:ext>
+              </a:extLst>
+            </p:cNvPr>
+            <p:cNvSpPr txBox="1"/>
+            <p:nvPr/>
+          </p:nvSpPr>
+          <p:spPr>
+            <a:xfrm>
+              <a:off x="3026535" y="3656463"/>
+              <a:ext cx="5402688" cy="369332"/>
+            </a:xfrm>
+            <a:prstGeom prst="rect">
+              <a:avLst/>
+            </a:prstGeom>
+            <a:noFill/>
+          </p:spPr>
+          <p:txBody>
+            <a:bodyPr wrap="square" rtlCol="0">
+              <a:spAutoFit/>
+            </a:bodyPr>
+            <a:lstStyle/>
+            <a:p>
+              <a:r>
+                <a:rPr lang="fr-CA" dirty="0">
+                  <a:latin typeface="Times New Roman" panose="02020603050405020304" pitchFamily="18" charset="0"/>
+                  <a:cs typeface="Times New Roman" panose="02020603050405020304" pitchFamily="18" charset="0"/>
+                </a:rPr>
+                <a:t>Learning &amp; encoding                     Transfering</a:t>
+              </a:r>
+            </a:p>
+          </p:txBody>
+        </p:sp>
+        <p:sp>
+          <p:nvSpPr>
+            <p:cNvPr id="28" name="左大括号 27">
+              <a:extLst>
+                <a:ext uri="{FF2B5EF4-FFF2-40B4-BE49-F238E27FC236}">
+                  <a16:creationId xmlns:a16="http://schemas.microsoft.com/office/drawing/2014/main" id="{EE97AB73-630E-4DAB-39CB-9E7F273F69DA}"/>
+                </a:ext>
+              </a:extLst>
+            </p:cNvPr>
+            <p:cNvSpPr/>
+            <p:nvPr/>
+          </p:nvSpPr>
+          <p:spPr>
+            <a:xfrm rot="16200000">
+              <a:off x="3453369" y="2126834"/>
+              <a:ext cx="305392" cy="2846271"/>
+            </a:xfrm>
+            <a:prstGeom prst="leftBrace">
+              <a:avLst/>
+            </a:prstGeom>
+          </p:spPr>
+          <p:style>
+            <a:lnRef idx="1">
+              <a:schemeClr val="dk1"/>
+            </a:lnRef>
+            <a:fillRef idx="0">
+              <a:schemeClr val="dk1"/>
+            </a:fillRef>
+            <a:effectRef idx="0">
+              <a:schemeClr val="dk1"/>
+            </a:effectRef>
+            <a:fontRef idx="minor">
+              <a:schemeClr val="tx1"/>
+            </a:fontRef>
+          </p:style>
+          <p:txBody>
+            <a:bodyPr rtlCol="0" anchor="ctr"/>
+            <a:lstStyle/>
+            <a:p>
+              <a:pPr algn="ctr"/>
+              <a:endParaRPr lang="fr-CA">
+                <a:latin typeface="Times New Roman" panose="02020603050405020304" pitchFamily="18" charset="0"/>
+                <a:cs typeface="Times New Roman" panose="02020603050405020304" pitchFamily="18" charset="0"/>
+              </a:endParaRPr>
+            </a:p>
+          </p:txBody>
+        </p:sp>
+        <p:sp>
+          <p:nvSpPr>
+            <p:cNvPr id="30" name="左大括号 29">
+              <a:extLst>
+                <a:ext uri="{FF2B5EF4-FFF2-40B4-BE49-F238E27FC236}">
+                  <a16:creationId xmlns:a16="http://schemas.microsoft.com/office/drawing/2014/main" id="{444451BD-B5EC-96F6-F7B3-5099DF2FD926}"/>
+                </a:ext>
+              </a:extLst>
+            </p:cNvPr>
+            <p:cNvSpPr/>
+            <p:nvPr/>
+          </p:nvSpPr>
+          <p:spPr>
+            <a:xfrm rot="16200000">
+              <a:off x="3453370" y="2126834"/>
+              <a:ext cx="305392" cy="2846271"/>
+            </a:xfrm>
+            <a:prstGeom prst="leftBrace">
+              <a:avLst/>
+            </a:prstGeom>
+          </p:spPr>
+          <p:style>
+            <a:lnRef idx="1">
+              <a:schemeClr val="dk1"/>
+            </a:lnRef>
+            <a:fillRef idx="0">
+              <a:schemeClr val="dk1"/>
+            </a:fillRef>
+            <a:effectRef idx="0">
+              <a:schemeClr val="dk1"/>
+            </a:effectRef>
+            <a:fontRef idx="minor">
+              <a:schemeClr val="tx1"/>
+            </a:fontRef>
+          </p:style>
+          <p:txBody>
+            <a:bodyPr rtlCol="0" anchor="ctr"/>
+            <a:lstStyle/>
+            <a:p>
+              <a:pPr algn="ctr"/>
+              <a:endParaRPr lang="fr-CA">
+                <a:latin typeface="Times New Roman" panose="02020603050405020304" pitchFamily="18" charset="0"/>
+                <a:cs typeface="Times New Roman" panose="02020603050405020304" pitchFamily="18" charset="0"/>
+              </a:endParaRPr>
+            </a:p>
+          </p:txBody>
+        </p:sp>
+        <p:sp>
+          <p:nvSpPr>
+            <p:cNvPr id="31" name="左大括号 30">
+              <a:extLst>
+                <a:ext uri="{FF2B5EF4-FFF2-40B4-BE49-F238E27FC236}">
+                  <a16:creationId xmlns:a16="http://schemas.microsoft.com/office/drawing/2014/main" id="{CDD611BA-1D68-0CED-365A-A00EEDFFAAD8}"/>
+                </a:ext>
+              </a:extLst>
+            </p:cNvPr>
+            <p:cNvSpPr/>
+            <p:nvPr/>
+          </p:nvSpPr>
+          <p:spPr>
+            <a:xfrm rot="16200000">
+              <a:off x="6879150" y="2080631"/>
+              <a:ext cx="305392" cy="2846271"/>
+            </a:xfrm>
+            <a:prstGeom prst="leftBrace">
+              <a:avLst/>
+            </a:prstGeom>
+          </p:spPr>
+          <p:style>
+            <a:lnRef idx="1">
+              <a:schemeClr val="dk1"/>
+            </a:lnRef>
+            <a:fillRef idx="0">
+              <a:schemeClr val="dk1"/>
+            </a:fillRef>
+            <a:effectRef idx="0">
+              <a:schemeClr val="dk1"/>
+            </a:effectRef>
+            <a:fontRef idx="minor">
+              <a:schemeClr val="tx1"/>
+            </a:fontRef>
+          </p:style>
+          <p:txBody>
+            <a:bodyPr rtlCol="0" anchor="ctr"/>
+            <a:lstStyle/>
+            <a:p>
+              <a:pPr algn="ctr"/>
+              <a:endParaRPr lang="fr-CA">
+                <a:latin typeface="Times New Roman" panose="02020603050405020304" pitchFamily="18" charset="0"/>
+                <a:cs typeface="Times New Roman" panose="02020603050405020304" pitchFamily="18" charset="0"/>
+              </a:endParaRPr>
+            </a:p>
+          </p:txBody>
+        </p:sp>
+      </p:grpSp>
+      <p:grpSp>
+        <p:nvGrpSpPr>
+          <p:cNvPr id="20" name="组合 19">
+            <a:extLst>
+              <a:ext uri="{FF2B5EF4-FFF2-40B4-BE49-F238E27FC236}">
+                <a16:creationId xmlns:a16="http://schemas.microsoft.com/office/drawing/2014/main" id="{8CDB2F09-3ADA-D202-A622-4FA96DE36964}"/>
+              </a:ext>
+            </a:extLst>
+          </p:cNvPr>
+          <p:cNvGrpSpPr/>
+          <p:nvPr/>
+        </p:nvGrpSpPr>
+        <p:grpSpPr>
+          <a:xfrm>
+            <a:off x="2474729" y="4361848"/>
+            <a:ext cx="4694349" cy="2071698"/>
+            <a:chOff x="2319964" y="4125704"/>
+            <a:chExt cx="4694349" cy="2071698"/>
+          </a:xfrm>
+        </p:grpSpPr>
+        <p:pic>
+          <p:nvPicPr>
+            <p:cNvPr id="2" name="图片 1">
+              <a:extLst>
+                <a:ext uri="{FF2B5EF4-FFF2-40B4-BE49-F238E27FC236}">
+                  <a16:creationId xmlns:a16="http://schemas.microsoft.com/office/drawing/2014/main" id="{8D35648D-46D1-3FC1-4278-A49CA0A6A458}"/>
+                </a:ext>
+              </a:extLst>
+            </p:cNvPr>
+            <p:cNvPicPr>
+              <a:picLocks noChangeAspect="1"/>
+            </p:cNvPicPr>
+            <p:nvPr/>
+          </p:nvPicPr>
+          <p:blipFill>
+            <a:blip r:embed="rId2"/>
+            <a:stretch>
+              <a:fillRect/>
+            </a:stretch>
+          </p:blipFill>
+          <p:spPr>
+            <a:xfrm>
+              <a:off x="5608087" y="4358595"/>
+              <a:ext cx="560071" cy="1566125"/>
+            </a:xfrm>
+            <a:prstGeom prst="rect">
+              <a:avLst/>
+            </a:prstGeom>
+          </p:spPr>
+        </p:pic>
+        <p:pic>
+          <p:nvPicPr>
+            <p:cNvPr id="7" name="图片 6">
+              <a:extLst>
+                <a:ext uri="{FF2B5EF4-FFF2-40B4-BE49-F238E27FC236}">
+                  <a16:creationId xmlns:a16="http://schemas.microsoft.com/office/drawing/2014/main" id="{EF502F2C-48C1-DF12-A161-12E074F7603A}"/>
+                </a:ext>
+              </a:extLst>
+            </p:cNvPr>
+            <p:cNvPicPr>
+              <a:picLocks noChangeAspect="1"/>
+            </p:cNvPicPr>
+            <p:nvPr/>
+          </p:nvPicPr>
+          <p:blipFill>
+            <a:blip r:embed="rId3"/>
+            <a:stretch>
+              <a:fillRect/>
+            </a:stretch>
+          </p:blipFill>
+          <p:spPr>
+            <a:xfrm>
+              <a:off x="2920622" y="4293288"/>
+              <a:ext cx="2186441" cy="1515014"/>
+            </a:xfrm>
+            <a:prstGeom prst="rect">
+              <a:avLst/>
+            </a:prstGeom>
+          </p:spPr>
+        </p:pic>
+        <p:sp>
+          <p:nvSpPr>
+            <p:cNvPr id="9" name="椭圆 8">
+              <a:extLst>
+                <a:ext uri="{FF2B5EF4-FFF2-40B4-BE49-F238E27FC236}">
+                  <a16:creationId xmlns:a16="http://schemas.microsoft.com/office/drawing/2014/main" id="{D1CED5D4-4B4A-82A6-BECC-E33482DA2C85}"/>
+                </a:ext>
+              </a:extLst>
+            </p:cNvPr>
+            <p:cNvSpPr/>
+            <p:nvPr/>
+          </p:nvSpPr>
+          <p:spPr>
+            <a:xfrm>
+              <a:off x="2319964" y="4125704"/>
+              <a:ext cx="4694349" cy="2071698"/>
+            </a:xfrm>
+            <a:prstGeom prst="ellipse">
+              <a:avLst/>
+            </a:prstGeom>
+            <a:noFill/>
+            <a:ln>
+              <a:solidFill>
+                <a:schemeClr val="tx1"/>
+              </a:solidFill>
+              <a:prstDash val="dash"/>
+            </a:ln>
+          </p:spPr>
+          <p:style>
+            <a:lnRef idx="2">
+              <a:schemeClr val="accent1">
+                <a:shade val="50000"/>
+              </a:schemeClr>
+            </a:lnRef>
+            <a:fillRef idx="1">
+              <a:schemeClr val="accent1"/>
+            </a:fillRef>
+            <a:effectRef idx="0">
+              <a:schemeClr val="accent1"/>
+            </a:effectRef>
+            <a:fontRef idx="minor">
+              <a:schemeClr val="lt1"/>
+            </a:fontRef>
+          </p:style>
+          <p:txBody>
+            <a:bodyPr rtlCol="0" anchor="ctr"/>
+            <a:lstStyle/>
+            <a:p>
+              <a:pPr algn="ctr"/>
+              <a:endParaRPr lang="fr-CA"/>
+            </a:p>
+          </p:txBody>
+        </p:sp>
+      </p:grpSp>
+      <p:cxnSp>
+        <p:nvCxnSpPr>
+          <p:cNvPr id="23" name="直接箭头连接符 22">
+            <a:extLst>
+              <a:ext uri="{FF2B5EF4-FFF2-40B4-BE49-F238E27FC236}">
+                <a16:creationId xmlns:a16="http://schemas.microsoft.com/office/drawing/2014/main" id="{FB9C8E23-0A2E-7723-222B-3FDC939A57CD}"/>
+              </a:ext>
+            </a:extLst>
+          </p:cNvPr>
+          <p:cNvCxnSpPr>
+            <a:stCxn id="8" idx="4"/>
+          </p:cNvCxnSpPr>
+          <p:nvPr/>
+        </p:nvCxnSpPr>
+        <p:spPr>
+          <a:xfrm flipH="1">
+            <a:off x="5434886" y="2611186"/>
+            <a:ext cx="179230" cy="1581834"/>
+          </a:xfrm>
+          <a:prstGeom prst="straightConnector1">
+            <a:avLst/>
+          </a:prstGeom>
+          <a:ln w="12700">
+            <a:tailEnd type="triangle"/>
+          </a:ln>
+        </p:spPr>
+        <p:style>
+          <a:lnRef idx="1">
+            <a:schemeClr val="dk1"/>
+          </a:lnRef>
+          <a:fillRef idx="0">
+            <a:schemeClr val="dk1"/>
+          </a:fillRef>
+          <a:effectRef idx="0">
+            <a:schemeClr val="dk1"/>
+          </a:effectRef>
+          <a:fontRef idx="minor">
+            <a:schemeClr val="tx1"/>
+          </a:fontRef>
+        </p:style>
+      </p:cxnSp>
+      <p:grpSp>
+        <p:nvGrpSpPr>
+          <p:cNvPr id="49" name="组合 48">
+            <a:extLst>
+              <a:ext uri="{FF2B5EF4-FFF2-40B4-BE49-F238E27FC236}">
+                <a16:creationId xmlns:a16="http://schemas.microsoft.com/office/drawing/2014/main" id="{CAFF9FFA-3115-4873-E575-F578FE553DD8}"/>
+              </a:ext>
+            </a:extLst>
+          </p:cNvPr>
+          <p:cNvGrpSpPr/>
+          <p:nvPr/>
+        </p:nvGrpSpPr>
+        <p:grpSpPr>
+          <a:xfrm>
+            <a:off x="8147008" y="4262371"/>
+            <a:ext cx="2489819" cy="2049136"/>
+            <a:chOff x="7704786" y="4162053"/>
+            <a:chExt cx="2489819" cy="2049136"/>
+          </a:xfrm>
+        </p:grpSpPr>
+        <p:grpSp>
+          <p:nvGrpSpPr>
+            <p:cNvPr id="72" name="组合 71">
+              <a:extLst>
+                <a:ext uri="{FF2B5EF4-FFF2-40B4-BE49-F238E27FC236}">
+                  <a16:creationId xmlns:a16="http://schemas.microsoft.com/office/drawing/2014/main" id="{C0262512-AF8F-B682-7149-E6274142AB04}"/>
+                </a:ext>
+              </a:extLst>
+            </p:cNvPr>
+            <p:cNvGrpSpPr/>
+            <p:nvPr/>
+          </p:nvGrpSpPr>
+          <p:grpSpPr>
+            <a:xfrm>
+              <a:off x="7704786" y="4246815"/>
+              <a:ext cx="2057400" cy="1964374"/>
+              <a:chOff x="8999113" y="4788794"/>
+              <a:chExt cx="1020650" cy="974501"/>
+            </a:xfrm>
+          </p:grpSpPr>
+          <p:grpSp>
+            <p:nvGrpSpPr>
+              <p:cNvPr id="39" name="组合 38">
+                <a:extLst>
+                  <a:ext uri="{FF2B5EF4-FFF2-40B4-BE49-F238E27FC236}">
+                    <a16:creationId xmlns:a16="http://schemas.microsoft.com/office/drawing/2014/main" id="{19C62FE0-9C22-1FD5-3080-2B586312AF06}"/>
+                  </a:ext>
+                </a:extLst>
+              </p:cNvPr>
+              <p:cNvGrpSpPr/>
+              <p:nvPr/>
+            </p:nvGrpSpPr>
+            <p:grpSpPr>
+              <a:xfrm>
+                <a:off x="8999113" y="4788794"/>
+                <a:ext cx="1020650" cy="974501"/>
+                <a:chOff x="8999113" y="4788794"/>
+                <a:chExt cx="1020650" cy="974501"/>
+              </a:xfrm>
+            </p:grpSpPr>
+            <p:sp>
+              <p:nvSpPr>
+                <p:cNvPr id="33" name="椭圆 32">
+                  <a:extLst>
+                    <a:ext uri="{FF2B5EF4-FFF2-40B4-BE49-F238E27FC236}">
+                      <a16:creationId xmlns:a16="http://schemas.microsoft.com/office/drawing/2014/main" id="{145C3180-EDF2-8821-295C-C174ABAC51AA}"/>
+                    </a:ext>
+                  </a:extLst>
+                </p:cNvPr>
+                <p:cNvSpPr/>
+                <p:nvPr/>
+              </p:nvSpPr>
+              <p:spPr>
+                <a:xfrm>
+                  <a:off x="9929611" y="4788794"/>
+                  <a:ext cx="90152" cy="90152"/>
+                </a:xfrm>
+                <a:prstGeom prst="ellipse">
+                  <a:avLst/>
+                </a:prstGeom>
+                <a:solidFill>
+                  <a:schemeClr val="accent2"/>
+                </a:solidFill>
+              </p:spPr>
+              <p:style>
+                <a:lnRef idx="2">
+                  <a:schemeClr val="accent1">
+                    <a:shade val="50000"/>
+                  </a:schemeClr>
+                </a:lnRef>
+                <a:fillRef idx="1">
+                  <a:schemeClr val="accent1"/>
+                </a:fillRef>
+                <a:effectRef idx="0">
+                  <a:schemeClr val="accent1"/>
+                </a:effectRef>
+                <a:fontRef idx="minor">
+                  <a:schemeClr val="lt1"/>
+                </a:fontRef>
+              </p:style>
+              <p:txBody>
+                <a:bodyPr rtlCol="0" anchor="ctr"/>
+                <a:lstStyle/>
+                <a:p>
+                  <a:pPr algn="ctr"/>
+                  <a:endParaRPr lang="fr-CA">
+                    <a:latin typeface="Times New Roman" panose="02020603050405020304" pitchFamily="18" charset="0"/>
+                    <a:cs typeface="Times New Roman" panose="02020603050405020304" pitchFamily="18" charset="0"/>
+                  </a:endParaRPr>
+                </a:p>
+              </p:txBody>
+            </p:sp>
+            <p:sp>
+              <p:nvSpPr>
+                <p:cNvPr id="34" name="椭圆 33">
+                  <a:extLst>
+                    <a:ext uri="{FF2B5EF4-FFF2-40B4-BE49-F238E27FC236}">
+                      <a16:creationId xmlns:a16="http://schemas.microsoft.com/office/drawing/2014/main" id="{AE96AAAF-BBF0-AF68-20A4-44EF3DD73126}"/>
+                    </a:ext>
+                  </a:extLst>
+                </p:cNvPr>
+                <p:cNvSpPr/>
+                <p:nvPr/>
+              </p:nvSpPr>
+              <p:spPr>
+                <a:xfrm>
+                  <a:off x="9553979" y="5267459"/>
+                  <a:ext cx="90152" cy="90152"/>
+                </a:xfrm>
+                <a:prstGeom prst="ellipse">
+                  <a:avLst/>
+                </a:prstGeom>
+                <a:solidFill>
+                  <a:srgbClr val="FF0000"/>
+                </a:solidFill>
+              </p:spPr>
+              <p:style>
+                <a:lnRef idx="2">
+                  <a:schemeClr val="accent1">
+                    <a:shade val="50000"/>
+                  </a:schemeClr>
+                </a:lnRef>
+                <a:fillRef idx="1">
+                  <a:schemeClr val="accent1"/>
+                </a:fillRef>
+                <a:effectRef idx="0">
+                  <a:schemeClr val="accent1"/>
+                </a:effectRef>
+                <a:fontRef idx="minor">
+                  <a:schemeClr val="lt1"/>
+                </a:fontRef>
+              </p:style>
+              <p:txBody>
+                <a:bodyPr rtlCol="0" anchor="ctr"/>
+                <a:lstStyle/>
+                <a:p>
+                  <a:pPr algn="ctr"/>
+                  <a:endParaRPr lang="fr-CA" dirty="0">
+                    <a:latin typeface="Times New Roman" panose="02020603050405020304" pitchFamily="18" charset="0"/>
+                    <a:cs typeface="Times New Roman" panose="02020603050405020304" pitchFamily="18" charset="0"/>
+                  </a:endParaRPr>
+                </a:p>
+              </p:txBody>
+            </p:sp>
+            <p:sp>
+              <p:nvSpPr>
+                <p:cNvPr id="35" name="椭圆 34">
+                  <a:extLst>
+                    <a:ext uri="{FF2B5EF4-FFF2-40B4-BE49-F238E27FC236}">
+                      <a16:creationId xmlns:a16="http://schemas.microsoft.com/office/drawing/2014/main" id="{81B5D085-FAFF-D60B-610C-331F7968F134}"/>
+                    </a:ext>
+                  </a:extLst>
+                </p:cNvPr>
+                <p:cNvSpPr/>
+                <p:nvPr/>
+              </p:nvSpPr>
+              <p:spPr>
+                <a:xfrm>
+                  <a:off x="8999113" y="4788794"/>
+                  <a:ext cx="90152" cy="90152"/>
+                </a:xfrm>
+                <a:prstGeom prst="ellipse">
+                  <a:avLst/>
+                </a:prstGeom>
+                <a:solidFill>
+                  <a:schemeClr val="accent2"/>
+                </a:solidFill>
+              </p:spPr>
+              <p:style>
+                <a:lnRef idx="2">
+                  <a:schemeClr val="accent1">
+                    <a:shade val="50000"/>
+                  </a:schemeClr>
+                </a:lnRef>
+                <a:fillRef idx="1">
+                  <a:schemeClr val="accent1"/>
+                </a:fillRef>
+                <a:effectRef idx="0">
+                  <a:schemeClr val="accent1"/>
+                </a:effectRef>
+                <a:fontRef idx="minor">
+                  <a:schemeClr val="lt1"/>
+                </a:fontRef>
+              </p:style>
+              <p:txBody>
+                <a:bodyPr rtlCol="0" anchor="ctr"/>
+                <a:lstStyle/>
+                <a:p>
+                  <a:pPr algn="ctr"/>
+                  <a:endParaRPr lang="fr-CA">
+                    <a:latin typeface="Times New Roman" panose="02020603050405020304" pitchFamily="18" charset="0"/>
+                    <a:cs typeface="Times New Roman" panose="02020603050405020304" pitchFamily="18" charset="0"/>
+                  </a:endParaRPr>
+                </a:p>
+              </p:txBody>
+            </p:sp>
+            <p:sp>
+              <p:nvSpPr>
+                <p:cNvPr id="36" name="椭圆 35">
+                  <a:extLst>
+                    <a:ext uri="{FF2B5EF4-FFF2-40B4-BE49-F238E27FC236}">
+                      <a16:creationId xmlns:a16="http://schemas.microsoft.com/office/drawing/2014/main" id="{F8C2B528-143B-30DE-F327-4168CD09AB28}"/>
+                    </a:ext>
+                  </a:extLst>
+                </p:cNvPr>
+                <p:cNvSpPr/>
+                <p:nvPr/>
+              </p:nvSpPr>
+              <p:spPr>
+                <a:xfrm>
+                  <a:off x="8999113" y="5673143"/>
+                  <a:ext cx="90152" cy="90152"/>
+                </a:xfrm>
+                <a:prstGeom prst="ellipse">
+                  <a:avLst/>
+                </a:prstGeom>
+                <a:solidFill>
+                  <a:schemeClr val="accent2"/>
+                </a:solidFill>
+              </p:spPr>
+              <p:style>
+                <a:lnRef idx="2">
+                  <a:schemeClr val="accent1">
+                    <a:shade val="50000"/>
+                  </a:schemeClr>
+                </a:lnRef>
+                <a:fillRef idx="1">
+                  <a:schemeClr val="accent1"/>
+                </a:fillRef>
+                <a:effectRef idx="0">
+                  <a:schemeClr val="accent1"/>
+                </a:effectRef>
+                <a:fontRef idx="minor">
+                  <a:schemeClr val="lt1"/>
+                </a:fontRef>
+              </p:style>
+              <p:txBody>
+                <a:bodyPr rtlCol="0" anchor="ctr"/>
+                <a:lstStyle/>
+                <a:p>
+                  <a:pPr algn="ctr"/>
+                  <a:endParaRPr lang="fr-CA">
+                    <a:latin typeface="Times New Roman" panose="02020603050405020304" pitchFamily="18" charset="0"/>
+                    <a:cs typeface="Times New Roman" panose="02020603050405020304" pitchFamily="18" charset="0"/>
+                  </a:endParaRPr>
+                </a:p>
+              </p:txBody>
+            </p:sp>
+            <p:sp>
+              <p:nvSpPr>
+                <p:cNvPr id="37" name="椭圆 36">
+                  <a:extLst>
+                    <a:ext uri="{FF2B5EF4-FFF2-40B4-BE49-F238E27FC236}">
+                      <a16:creationId xmlns:a16="http://schemas.microsoft.com/office/drawing/2014/main" id="{A297CFF0-31B3-187F-70BC-E70B29697420}"/>
+                    </a:ext>
+                  </a:extLst>
+                </p:cNvPr>
+                <p:cNvSpPr/>
+                <p:nvPr/>
+              </p:nvSpPr>
+              <p:spPr>
+                <a:xfrm>
+                  <a:off x="9929611" y="5628067"/>
+                  <a:ext cx="90152" cy="90152"/>
+                </a:xfrm>
+                <a:prstGeom prst="ellipse">
+                  <a:avLst/>
+                </a:prstGeom>
+                <a:solidFill>
+                  <a:schemeClr val="accent2"/>
+                </a:solidFill>
+              </p:spPr>
+              <p:style>
+                <a:lnRef idx="2">
+                  <a:schemeClr val="accent1">
+                    <a:shade val="50000"/>
+                  </a:schemeClr>
+                </a:lnRef>
+                <a:fillRef idx="1">
+                  <a:schemeClr val="accent1"/>
+                </a:fillRef>
+                <a:effectRef idx="0">
+                  <a:schemeClr val="accent1"/>
+                </a:effectRef>
+                <a:fontRef idx="minor">
+                  <a:schemeClr val="lt1"/>
+                </a:fontRef>
+              </p:style>
+              <p:txBody>
+                <a:bodyPr rtlCol="0" anchor="ctr"/>
+                <a:lstStyle/>
+                <a:p>
+                  <a:pPr algn="ctr"/>
+                  <a:endParaRPr lang="fr-CA">
+                    <a:latin typeface="Times New Roman" panose="02020603050405020304" pitchFamily="18" charset="0"/>
+                    <a:cs typeface="Times New Roman" panose="02020603050405020304" pitchFamily="18" charset="0"/>
+                  </a:endParaRPr>
+                </a:p>
+              </p:txBody>
+            </p:sp>
+          </p:grpSp>
+          <p:cxnSp>
+            <p:nvCxnSpPr>
+              <p:cNvPr id="41" name="直接连接符 40">
+                <a:extLst>
+                  <a:ext uri="{FF2B5EF4-FFF2-40B4-BE49-F238E27FC236}">
+                    <a16:creationId xmlns:a16="http://schemas.microsoft.com/office/drawing/2014/main" id="{58132C23-D744-3DB7-FF5A-4F5F780C042C}"/>
+                  </a:ext>
+                </a:extLst>
+              </p:cNvPr>
+              <p:cNvCxnSpPr>
+                <a:cxnSpLocks/>
+                <a:stCxn id="35" idx="5"/>
+                <a:endCxn id="34" idx="1"/>
+              </p:cNvCxnSpPr>
+              <p:nvPr/>
+            </p:nvCxnSpPr>
+            <p:spPr>
+              <a:xfrm>
+                <a:off x="9076063" y="4865744"/>
+                <a:ext cx="491118" cy="414917"/>
+              </a:xfrm>
+              <a:prstGeom prst="line">
+                <a:avLst/>
+              </a:prstGeom>
+              <a:ln w="19050">
+                <a:prstDash val="dashDot"/>
+              </a:ln>
+            </p:spPr>
+            <p:style>
+              <a:lnRef idx="1">
+                <a:schemeClr val="dk1"/>
+              </a:lnRef>
+              <a:fillRef idx="0">
+                <a:schemeClr val="dk1"/>
+              </a:fillRef>
+              <a:effectRef idx="0">
+                <a:schemeClr val="dk1"/>
+              </a:effectRef>
+              <a:fontRef idx="minor">
+                <a:schemeClr val="tx1"/>
+              </a:fontRef>
+            </p:style>
+          </p:cxnSp>
+          <p:cxnSp>
+            <p:nvCxnSpPr>
+              <p:cNvPr id="44" name="直接连接符 43">
+                <a:extLst>
+                  <a:ext uri="{FF2B5EF4-FFF2-40B4-BE49-F238E27FC236}">
+                    <a16:creationId xmlns:a16="http://schemas.microsoft.com/office/drawing/2014/main" id="{0F08C335-A244-B815-E32A-30A6223E8B76}"/>
+                  </a:ext>
+                </a:extLst>
+              </p:cNvPr>
+              <p:cNvCxnSpPr>
+                <a:cxnSpLocks/>
+                <a:stCxn id="36" idx="6"/>
+                <a:endCxn id="34" idx="3"/>
+              </p:cNvCxnSpPr>
+              <p:nvPr/>
+            </p:nvCxnSpPr>
+            <p:spPr>
+              <a:xfrm flipV="1">
+                <a:off x="9089265" y="5344409"/>
+                <a:ext cx="477916" cy="373810"/>
+              </a:xfrm>
+              <a:prstGeom prst="line">
+                <a:avLst/>
+              </a:prstGeom>
+              <a:ln w="19050">
+                <a:prstDash val="dashDot"/>
+              </a:ln>
+            </p:spPr>
+            <p:style>
+              <a:lnRef idx="1">
+                <a:schemeClr val="dk1"/>
+              </a:lnRef>
+              <a:fillRef idx="0">
+                <a:schemeClr val="dk1"/>
+              </a:fillRef>
+              <a:effectRef idx="0">
+                <a:schemeClr val="dk1"/>
+              </a:effectRef>
+              <a:fontRef idx="minor">
+                <a:schemeClr val="tx1"/>
+              </a:fontRef>
+            </p:style>
+          </p:cxnSp>
+          <p:cxnSp>
+            <p:nvCxnSpPr>
+              <p:cNvPr id="47" name="直接连接符 46">
+                <a:extLst>
+                  <a:ext uri="{FF2B5EF4-FFF2-40B4-BE49-F238E27FC236}">
+                    <a16:creationId xmlns:a16="http://schemas.microsoft.com/office/drawing/2014/main" id="{06BE9194-D59D-8639-AC7B-D18B528B1D7A}"/>
+                  </a:ext>
+                </a:extLst>
+              </p:cNvPr>
+              <p:cNvCxnSpPr>
+                <a:cxnSpLocks/>
+                <a:stCxn id="34" idx="0"/>
+                <a:endCxn id="33" idx="3"/>
+              </p:cNvCxnSpPr>
+              <p:nvPr/>
+            </p:nvCxnSpPr>
+            <p:spPr>
+              <a:xfrm flipV="1">
+                <a:off x="9599055" y="4865744"/>
+                <a:ext cx="343758" cy="401715"/>
+              </a:xfrm>
+              <a:prstGeom prst="line">
+                <a:avLst/>
+              </a:prstGeom>
+              <a:ln w="19050">
+                <a:prstDash val="dashDot"/>
+              </a:ln>
+            </p:spPr>
+            <p:style>
+              <a:lnRef idx="1">
+                <a:schemeClr val="dk1"/>
+              </a:lnRef>
+              <a:fillRef idx="0">
+                <a:schemeClr val="dk1"/>
+              </a:fillRef>
+              <a:effectRef idx="0">
+                <a:schemeClr val="dk1"/>
+              </a:effectRef>
+              <a:fontRef idx="minor">
+                <a:schemeClr val="tx1"/>
+              </a:fontRef>
+            </p:style>
+          </p:cxnSp>
+          <p:cxnSp>
+            <p:nvCxnSpPr>
+              <p:cNvPr id="50" name="直接连接符 49">
+                <a:extLst>
+                  <a:ext uri="{FF2B5EF4-FFF2-40B4-BE49-F238E27FC236}">
+                    <a16:creationId xmlns:a16="http://schemas.microsoft.com/office/drawing/2014/main" id="{E2DD1DAE-83BE-D902-3298-D3CB88E83F61}"/>
+                  </a:ext>
+                </a:extLst>
+              </p:cNvPr>
+              <p:cNvCxnSpPr>
+                <a:cxnSpLocks/>
+                <a:stCxn id="34" idx="6"/>
+                <a:endCxn id="37" idx="0"/>
+              </p:cNvCxnSpPr>
+              <p:nvPr/>
+            </p:nvCxnSpPr>
+            <p:spPr>
+              <a:xfrm>
+                <a:off x="9644131" y="5312535"/>
+                <a:ext cx="330556" cy="315532"/>
+              </a:xfrm>
+              <a:prstGeom prst="line">
+                <a:avLst/>
+              </a:prstGeom>
+              <a:ln w="19050">
+                <a:prstDash val="dashDot"/>
+              </a:ln>
+            </p:spPr>
+            <p:style>
+              <a:lnRef idx="1">
+                <a:schemeClr val="dk1"/>
+              </a:lnRef>
+              <a:fillRef idx="0">
+                <a:schemeClr val="dk1"/>
+              </a:fillRef>
+              <a:effectRef idx="0">
+                <a:schemeClr val="dk1"/>
+              </a:effectRef>
+              <a:fontRef idx="minor">
+                <a:schemeClr val="tx1"/>
+              </a:fontRef>
+            </p:style>
+          </p:cxnSp>
+          <p:sp>
+            <p:nvSpPr>
+              <p:cNvPr id="59" name="椭圆 58">
+                <a:extLst>
+                  <a:ext uri="{FF2B5EF4-FFF2-40B4-BE49-F238E27FC236}">
+                    <a16:creationId xmlns:a16="http://schemas.microsoft.com/office/drawing/2014/main" id="{9D7B204C-216D-3520-F532-41779B716A1F}"/>
+                  </a:ext>
+                </a:extLst>
+              </p:cNvPr>
+              <p:cNvSpPr/>
+              <p:nvPr/>
+            </p:nvSpPr>
+            <p:spPr>
+              <a:xfrm>
+                <a:off x="9538042" y="4960513"/>
+                <a:ext cx="90152" cy="90152"/>
+              </a:xfrm>
+              <a:prstGeom prst="ellipse">
+                <a:avLst/>
+              </a:prstGeom>
+              <a:solidFill>
+                <a:srgbClr val="FFFF00"/>
+              </a:solidFill>
+            </p:spPr>
+            <p:style>
+              <a:lnRef idx="2">
+                <a:schemeClr val="accent1">
+                  <a:shade val="50000"/>
+                </a:schemeClr>
+              </a:lnRef>
+              <a:fillRef idx="1">
+                <a:schemeClr val="accent1"/>
+              </a:fillRef>
+              <a:effectRef idx="0">
+                <a:schemeClr val="accent1"/>
+              </a:effectRef>
+              <a:fontRef idx="minor">
+                <a:schemeClr val="lt1"/>
+              </a:fontRef>
+            </p:style>
+            <p:txBody>
+              <a:bodyPr rtlCol="0" anchor="ctr"/>
+              <a:lstStyle/>
+              <a:p>
+                <a:pPr algn="ctr"/>
+                <a:endParaRPr lang="fr-CA">
+                  <a:latin typeface="Times New Roman" panose="02020603050405020304" pitchFamily="18" charset="0"/>
+                  <a:cs typeface="Times New Roman" panose="02020603050405020304" pitchFamily="18" charset="0"/>
+                </a:endParaRPr>
+              </a:p>
+            </p:txBody>
+          </p:sp>
+          <p:cxnSp>
+            <p:nvCxnSpPr>
+              <p:cNvPr id="60" name="直接连接符 59">
+                <a:extLst>
+                  <a:ext uri="{FF2B5EF4-FFF2-40B4-BE49-F238E27FC236}">
+                    <a16:creationId xmlns:a16="http://schemas.microsoft.com/office/drawing/2014/main" id="{ECA02655-42DE-9E6F-081B-FE181AC28EFF}"/>
+                  </a:ext>
+                </a:extLst>
+              </p:cNvPr>
+              <p:cNvCxnSpPr>
+                <a:cxnSpLocks/>
+                <a:stCxn id="35" idx="6"/>
+                <a:endCxn id="59" idx="1"/>
+              </p:cNvCxnSpPr>
+              <p:nvPr/>
+            </p:nvCxnSpPr>
+            <p:spPr>
+              <a:xfrm>
+                <a:off x="9089265" y="4833870"/>
+                <a:ext cx="461979" cy="139845"/>
+              </a:xfrm>
+              <a:prstGeom prst="line">
+                <a:avLst/>
+              </a:prstGeom>
+              <a:ln w="19050">
+                <a:solidFill>
+                  <a:srgbClr val="00B050"/>
+                </a:solidFill>
+                <a:prstDash val="dashDot"/>
+              </a:ln>
+            </p:spPr>
+            <p:style>
+              <a:lnRef idx="1">
+                <a:schemeClr val="dk1"/>
+              </a:lnRef>
+              <a:fillRef idx="0">
+                <a:schemeClr val="dk1"/>
+              </a:fillRef>
+              <a:effectRef idx="0">
+                <a:schemeClr val="dk1"/>
+              </a:effectRef>
+              <a:fontRef idx="minor">
+                <a:schemeClr val="tx1"/>
+              </a:fontRef>
+            </p:style>
+          </p:cxnSp>
+          <p:cxnSp>
+            <p:nvCxnSpPr>
+              <p:cNvPr id="63" name="直接连接符 62">
+                <a:extLst>
+                  <a:ext uri="{FF2B5EF4-FFF2-40B4-BE49-F238E27FC236}">
+                    <a16:creationId xmlns:a16="http://schemas.microsoft.com/office/drawing/2014/main" id="{563020BA-75CE-87ED-E830-16FA5CE12427}"/>
+                  </a:ext>
+                </a:extLst>
+              </p:cNvPr>
+              <p:cNvCxnSpPr>
+                <a:cxnSpLocks/>
+                <a:stCxn id="36" idx="7"/>
+                <a:endCxn id="59" idx="4"/>
+              </p:cNvCxnSpPr>
+              <p:nvPr/>
+            </p:nvCxnSpPr>
+            <p:spPr>
+              <a:xfrm flipV="1">
+                <a:off x="9076063" y="5050665"/>
+                <a:ext cx="507055" cy="635680"/>
+              </a:xfrm>
+              <a:prstGeom prst="line">
+                <a:avLst/>
+              </a:prstGeom>
+              <a:ln w="19050">
+                <a:solidFill>
+                  <a:srgbClr val="00B050"/>
+                </a:solidFill>
+                <a:prstDash val="dashDot"/>
+              </a:ln>
+            </p:spPr>
+            <p:style>
+              <a:lnRef idx="1">
+                <a:schemeClr val="dk1"/>
+              </a:lnRef>
+              <a:fillRef idx="0">
+                <a:schemeClr val="dk1"/>
+              </a:fillRef>
+              <a:effectRef idx="0">
+                <a:schemeClr val="dk1"/>
+              </a:effectRef>
+              <a:fontRef idx="minor">
+                <a:schemeClr val="tx1"/>
+              </a:fontRef>
+            </p:style>
+          </p:cxnSp>
+          <p:cxnSp>
+            <p:nvCxnSpPr>
+              <p:cNvPr id="66" name="直接连接符 65">
+                <a:extLst>
+                  <a:ext uri="{FF2B5EF4-FFF2-40B4-BE49-F238E27FC236}">
+                    <a16:creationId xmlns:a16="http://schemas.microsoft.com/office/drawing/2014/main" id="{E8365AC6-4139-D814-56A7-ACDE3622615F}"/>
+                  </a:ext>
+                </a:extLst>
+              </p:cNvPr>
+              <p:cNvCxnSpPr>
+                <a:cxnSpLocks/>
+                <a:stCxn id="37" idx="0"/>
+                <a:endCxn id="59" idx="6"/>
+              </p:cNvCxnSpPr>
+              <p:nvPr/>
+            </p:nvCxnSpPr>
+            <p:spPr>
+              <a:xfrm flipH="1" flipV="1">
+                <a:off x="9628194" y="5005589"/>
+                <a:ext cx="346493" cy="622478"/>
+              </a:xfrm>
+              <a:prstGeom prst="line">
+                <a:avLst/>
+              </a:prstGeom>
+              <a:ln w="19050">
+                <a:solidFill>
+                  <a:srgbClr val="00B050"/>
+                </a:solidFill>
+                <a:prstDash val="dashDot"/>
+              </a:ln>
+            </p:spPr>
+            <p:style>
+              <a:lnRef idx="1">
+                <a:schemeClr val="dk1"/>
+              </a:lnRef>
+              <a:fillRef idx="0">
+                <a:schemeClr val="dk1"/>
+              </a:fillRef>
+              <a:effectRef idx="0">
+                <a:schemeClr val="dk1"/>
+              </a:effectRef>
+              <a:fontRef idx="minor">
+                <a:schemeClr val="tx1"/>
+              </a:fontRef>
+            </p:style>
+          </p:cxnSp>
+          <p:cxnSp>
+            <p:nvCxnSpPr>
+              <p:cNvPr id="69" name="直接连接符 68">
+                <a:extLst>
+                  <a:ext uri="{FF2B5EF4-FFF2-40B4-BE49-F238E27FC236}">
+                    <a16:creationId xmlns:a16="http://schemas.microsoft.com/office/drawing/2014/main" id="{5BD99CB5-804A-F328-073F-6BE7FB02D9E6}"/>
+                  </a:ext>
+                </a:extLst>
+              </p:cNvPr>
+              <p:cNvCxnSpPr>
+                <a:cxnSpLocks/>
+                <a:stCxn id="33" idx="2"/>
+                <a:endCxn id="59" idx="7"/>
+              </p:cNvCxnSpPr>
+              <p:nvPr/>
+            </p:nvCxnSpPr>
+            <p:spPr>
+              <a:xfrm flipH="1">
+                <a:off x="9614992" y="4833870"/>
+                <a:ext cx="314619" cy="139845"/>
+              </a:xfrm>
+              <a:prstGeom prst="line">
+                <a:avLst/>
+              </a:prstGeom>
+              <a:ln w="19050">
+                <a:solidFill>
+                  <a:srgbClr val="00B050"/>
+                </a:solidFill>
+                <a:prstDash val="dashDot"/>
+              </a:ln>
+            </p:spPr>
+            <p:style>
+              <a:lnRef idx="1">
+                <a:schemeClr val="dk1"/>
+              </a:lnRef>
+              <a:fillRef idx="0">
+                <a:schemeClr val="dk1"/>
+              </a:fillRef>
+              <a:effectRef idx="0">
+                <a:schemeClr val="dk1"/>
+              </a:effectRef>
+              <a:fontRef idx="minor">
+                <a:schemeClr val="tx1"/>
+              </a:fontRef>
+            </p:style>
+          </p:cxnSp>
+        </p:grpSp>
+        <p:sp>
+          <p:nvSpPr>
+            <p:cNvPr id="25" name="文本框 24">
+              <a:extLst>
+                <a:ext uri="{FF2B5EF4-FFF2-40B4-BE49-F238E27FC236}">
+                  <a16:creationId xmlns:a16="http://schemas.microsoft.com/office/drawing/2014/main" id="{E8BEC0D0-D151-7220-BBDA-490F14BBA530}"/>
+                </a:ext>
+              </a:extLst>
+            </p:cNvPr>
+            <p:cNvSpPr txBox="1"/>
+            <p:nvPr/>
+          </p:nvSpPr>
+          <p:spPr>
+            <a:xfrm>
+              <a:off x="8214202" y="5701224"/>
+              <a:ext cx="856445" cy="307777"/>
+            </a:xfrm>
+            <a:prstGeom prst="rect">
+              <a:avLst/>
+            </a:prstGeom>
+            <a:noFill/>
+          </p:spPr>
+          <p:txBody>
+            <a:bodyPr wrap="square" rtlCol="0">
+              <a:spAutoFit/>
+            </a:bodyPr>
+            <a:lstStyle/>
+            <a:p>
+              <a:r>
+                <a:rPr lang="fr-CA" sz="1400" dirty="0"/>
+                <a:t>d</a:t>
+              </a:r>
+              <a:r>
+                <a:rPr lang="fr-CA" sz="1400" baseline="30000" dirty="0"/>
+                <a:t>*</a:t>
+              </a:r>
+              <a:r>
+                <a:rPr lang="fr-CA" sz="1400" baseline="-25000" dirty="0"/>
+                <a:t>3</a:t>
+              </a:r>
+            </a:p>
+          </p:txBody>
+        </p:sp>
+        <p:sp>
+          <p:nvSpPr>
+            <p:cNvPr id="38" name="文本框 37">
+              <a:extLst>
+                <a:ext uri="{FF2B5EF4-FFF2-40B4-BE49-F238E27FC236}">
+                  <a16:creationId xmlns:a16="http://schemas.microsoft.com/office/drawing/2014/main" id="{CECBF6C7-F6E4-006F-B301-45A9677025B1}"/>
+                </a:ext>
+              </a:extLst>
+            </p:cNvPr>
+            <p:cNvSpPr txBox="1"/>
+            <p:nvPr/>
+          </p:nvSpPr>
+          <p:spPr>
+            <a:xfrm>
+              <a:off x="8994698" y="4162053"/>
+              <a:ext cx="856445" cy="307777"/>
+            </a:xfrm>
+            <a:prstGeom prst="rect">
+              <a:avLst/>
+            </a:prstGeom>
+            <a:noFill/>
+          </p:spPr>
+          <p:txBody>
+            <a:bodyPr wrap="square" rtlCol="0">
+              <a:spAutoFit/>
+            </a:bodyPr>
+            <a:lstStyle/>
+            <a:p>
+              <a:r>
+                <a:rPr lang="fr-CA" sz="1400" dirty="0">
+                  <a:solidFill>
+                    <a:srgbClr val="00B050"/>
+                  </a:solidFill>
+                </a:rPr>
+                <a:t>d</a:t>
+              </a:r>
+              <a:r>
+                <a:rPr lang="fr-CA" sz="1400" baseline="-25000" dirty="0">
+                  <a:solidFill>
+                    <a:srgbClr val="00B050"/>
+                  </a:solidFill>
+                </a:rPr>
+                <a:t>2</a:t>
+              </a:r>
+            </a:p>
+          </p:txBody>
+        </p:sp>
+        <p:sp>
+          <p:nvSpPr>
+            <p:cNvPr id="40" name="文本框 39">
+              <a:extLst>
+                <a:ext uri="{FF2B5EF4-FFF2-40B4-BE49-F238E27FC236}">
+                  <a16:creationId xmlns:a16="http://schemas.microsoft.com/office/drawing/2014/main" id="{079E8D10-AB60-6963-D72A-102AF05C2DDA}"/>
+                </a:ext>
+              </a:extLst>
+            </p:cNvPr>
+            <p:cNvSpPr txBox="1"/>
+            <p:nvPr/>
+          </p:nvSpPr>
+          <p:spPr>
+            <a:xfrm>
+              <a:off x="8303876" y="4193021"/>
+              <a:ext cx="856445" cy="307777"/>
+            </a:xfrm>
+            <a:prstGeom prst="rect">
+              <a:avLst/>
+            </a:prstGeom>
+            <a:noFill/>
+          </p:spPr>
+          <p:txBody>
+            <a:bodyPr wrap="square" rtlCol="0">
+              <a:spAutoFit/>
+            </a:bodyPr>
+            <a:lstStyle/>
+            <a:p>
+              <a:r>
+                <a:rPr lang="fr-CA" sz="1400" dirty="0">
+                  <a:solidFill>
+                    <a:srgbClr val="00B050"/>
+                  </a:solidFill>
+                </a:rPr>
+                <a:t>d</a:t>
+              </a:r>
+              <a:r>
+                <a:rPr lang="fr-CA" sz="1400" baseline="-25000" dirty="0">
+                  <a:solidFill>
+                    <a:srgbClr val="00B050"/>
+                  </a:solidFill>
+                </a:rPr>
+                <a:t>1</a:t>
+              </a:r>
+            </a:p>
+          </p:txBody>
+        </p:sp>
+        <p:sp>
+          <p:nvSpPr>
+            <p:cNvPr id="42" name="文本框 41">
+              <a:extLst>
+                <a:ext uri="{FF2B5EF4-FFF2-40B4-BE49-F238E27FC236}">
+                  <a16:creationId xmlns:a16="http://schemas.microsoft.com/office/drawing/2014/main" id="{4439CDD7-5A79-4EC7-CF53-BD49F8BC5C8E}"/>
+                </a:ext>
+              </a:extLst>
+            </p:cNvPr>
+            <p:cNvSpPr txBox="1"/>
+            <p:nvPr/>
+          </p:nvSpPr>
+          <p:spPr>
+            <a:xfrm>
+              <a:off x="7989194" y="5226448"/>
+              <a:ext cx="856445" cy="307777"/>
+            </a:xfrm>
+            <a:prstGeom prst="rect">
+              <a:avLst/>
+            </a:prstGeom>
+            <a:noFill/>
+          </p:spPr>
+          <p:txBody>
+            <a:bodyPr wrap="square" rtlCol="0">
+              <a:spAutoFit/>
+            </a:bodyPr>
+            <a:lstStyle/>
+            <a:p>
+              <a:r>
+                <a:rPr lang="fr-CA" sz="1400" dirty="0">
+                  <a:solidFill>
+                    <a:srgbClr val="00B050"/>
+                  </a:solidFill>
+                </a:rPr>
+                <a:t>d</a:t>
+              </a:r>
+              <a:r>
+                <a:rPr lang="fr-CA" sz="1400" baseline="-25000" dirty="0">
+                  <a:solidFill>
+                    <a:srgbClr val="00B050"/>
+                  </a:solidFill>
+                </a:rPr>
+                <a:t>3</a:t>
+              </a:r>
+            </a:p>
+          </p:txBody>
+        </p:sp>
+        <p:sp>
+          <p:nvSpPr>
+            <p:cNvPr id="43" name="文本框 42">
+              <a:extLst>
+                <a:ext uri="{FF2B5EF4-FFF2-40B4-BE49-F238E27FC236}">
+                  <a16:creationId xmlns:a16="http://schemas.microsoft.com/office/drawing/2014/main" id="{2CC5B9B4-E2E3-C8B1-B435-E56AC9B86D71}"/>
+                </a:ext>
+              </a:extLst>
+            </p:cNvPr>
+            <p:cNvSpPr txBox="1"/>
+            <p:nvPr/>
+          </p:nvSpPr>
+          <p:spPr>
+            <a:xfrm>
+              <a:off x="9338160" y="5068311"/>
+              <a:ext cx="856445" cy="307777"/>
+            </a:xfrm>
+            <a:prstGeom prst="rect">
+              <a:avLst/>
+            </a:prstGeom>
+            <a:noFill/>
+          </p:spPr>
+          <p:txBody>
+            <a:bodyPr wrap="square" rtlCol="0">
+              <a:spAutoFit/>
+            </a:bodyPr>
+            <a:lstStyle/>
+            <a:p>
+              <a:r>
+                <a:rPr lang="fr-CA" sz="1400" dirty="0">
+                  <a:solidFill>
+                    <a:srgbClr val="00B050"/>
+                  </a:solidFill>
+                </a:rPr>
+                <a:t>d</a:t>
+              </a:r>
+              <a:r>
+                <a:rPr lang="fr-CA" sz="1400" baseline="-25000" dirty="0">
+                  <a:solidFill>
+                    <a:srgbClr val="00B050"/>
+                  </a:solidFill>
+                </a:rPr>
+                <a:t>4</a:t>
+              </a:r>
+            </a:p>
+          </p:txBody>
+        </p:sp>
+        <p:sp>
+          <p:nvSpPr>
+            <p:cNvPr id="45" name="文本框 44">
+              <a:extLst>
+                <a:ext uri="{FF2B5EF4-FFF2-40B4-BE49-F238E27FC236}">
+                  <a16:creationId xmlns:a16="http://schemas.microsoft.com/office/drawing/2014/main" id="{5157EC50-7719-DF42-DBB0-C1E25CCF89E4}"/>
+                </a:ext>
+              </a:extLst>
+            </p:cNvPr>
+            <p:cNvSpPr txBox="1"/>
+            <p:nvPr/>
+          </p:nvSpPr>
+          <p:spPr>
+            <a:xfrm>
+              <a:off x="7939974" y="4652925"/>
+              <a:ext cx="856445" cy="307777"/>
+            </a:xfrm>
+            <a:prstGeom prst="rect">
+              <a:avLst/>
+            </a:prstGeom>
+            <a:noFill/>
+          </p:spPr>
+          <p:txBody>
+            <a:bodyPr wrap="square" rtlCol="0">
+              <a:spAutoFit/>
+            </a:bodyPr>
+            <a:lstStyle/>
+            <a:p>
+              <a:r>
+                <a:rPr lang="fr-CA" sz="1400" dirty="0"/>
+                <a:t>d</a:t>
+              </a:r>
+              <a:r>
+                <a:rPr lang="fr-CA" sz="1400" baseline="30000" dirty="0"/>
+                <a:t>*</a:t>
+              </a:r>
+              <a:r>
+                <a:rPr lang="fr-CA" sz="1400" baseline="-25000" dirty="0"/>
+                <a:t>1</a:t>
+              </a:r>
+            </a:p>
+          </p:txBody>
+        </p:sp>
+        <p:sp>
+          <p:nvSpPr>
+            <p:cNvPr id="46" name="文本框 45">
+              <a:extLst>
+                <a:ext uri="{FF2B5EF4-FFF2-40B4-BE49-F238E27FC236}">
+                  <a16:creationId xmlns:a16="http://schemas.microsoft.com/office/drawing/2014/main" id="{73FAD883-1649-62BE-8045-96E738624B7B}"/>
+                </a:ext>
+              </a:extLst>
+            </p:cNvPr>
+            <p:cNvSpPr txBox="1"/>
+            <p:nvPr/>
+          </p:nvSpPr>
+          <p:spPr>
+            <a:xfrm>
+              <a:off x="9256407" y="4578658"/>
+              <a:ext cx="856445" cy="307777"/>
+            </a:xfrm>
+            <a:prstGeom prst="rect">
+              <a:avLst/>
+            </a:prstGeom>
+            <a:noFill/>
+          </p:spPr>
+          <p:txBody>
+            <a:bodyPr wrap="square" rtlCol="0">
+              <a:spAutoFit/>
+            </a:bodyPr>
+            <a:lstStyle/>
+            <a:p>
+              <a:r>
+                <a:rPr lang="fr-CA" sz="1400" dirty="0"/>
+                <a:t>d</a:t>
+              </a:r>
+              <a:r>
+                <a:rPr lang="fr-CA" sz="1400" baseline="30000" dirty="0"/>
+                <a:t>*</a:t>
+              </a:r>
+              <a:r>
+                <a:rPr lang="fr-CA" sz="1400" baseline="-25000" dirty="0"/>
+                <a:t>2</a:t>
+              </a:r>
+            </a:p>
+          </p:txBody>
+        </p:sp>
+        <p:sp>
+          <p:nvSpPr>
+            <p:cNvPr id="48" name="文本框 47">
+              <a:extLst>
+                <a:ext uri="{FF2B5EF4-FFF2-40B4-BE49-F238E27FC236}">
+                  <a16:creationId xmlns:a16="http://schemas.microsoft.com/office/drawing/2014/main" id="{08A4F015-73EB-5258-3672-8B08E348A020}"/>
+                </a:ext>
+              </a:extLst>
+            </p:cNvPr>
+            <p:cNvSpPr txBox="1"/>
+            <p:nvPr/>
+          </p:nvSpPr>
+          <p:spPr>
+            <a:xfrm>
+              <a:off x="8942763" y="5428562"/>
+              <a:ext cx="856445" cy="307777"/>
+            </a:xfrm>
+            <a:prstGeom prst="rect">
+              <a:avLst/>
+            </a:prstGeom>
+            <a:noFill/>
+          </p:spPr>
+          <p:txBody>
+            <a:bodyPr wrap="square" rtlCol="0">
+              <a:spAutoFit/>
+            </a:bodyPr>
+            <a:lstStyle/>
+            <a:p>
+              <a:r>
+                <a:rPr lang="fr-CA" sz="1400" dirty="0"/>
+                <a:t>d</a:t>
+              </a:r>
+              <a:r>
+                <a:rPr lang="fr-CA" sz="1400" baseline="30000" dirty="0"/>
+                <a:t>*</a:t>
+              </a:r>
+              <a:r>
+                <a:rPr lang="fr-CA" sz="1400" baseline="-25000" dirty="0"/>
+                <a:t>4</a:t>
+              </a:r>
+            </a:p>
+          </p:txBody>
+        </p:sp>
+      </p:grpSp>
+    </p:spTree>
+    <p:extLst>
+      <p:ext uri="{BB962C8B-B14F-4D97-AF65-F5344CB8AC3E}">
+        <p14:creationId xmlns:p14="http://schemas.microsoft.com/office/powerpoint/2010/main" val="3056135643"/>
+      </p:ext>
+    </p:extLst>
+  </p:cSld>
+  <p:clrMapOvr>
+    <a:masterClrMapping/>
+  </p:clrMapOvr>
+</p:sld>
+</file>
+
+<file path=ppt/slides/slide23.xml><?xml version="1.0" encoding="utf-8"?>
+<p:sld xmlns:a="http://schemas.openxmlformats.org/drawingml/2006/main" xmlns:r="http://schemas.openxmlformats.org/officeDocument/2006/relationships" xmlns:p="http://schemas.openxmlformats.org/presentationml/2006/main">
+  <p:cSld>
+    <p:spTree>
+      <p:nvGrpSpPr>
+        <p:cNvPr id="1" name=""/>
+        <p:cNvGrpSpPr/>
+        <p:nvPr/>
+      </p:nvGrpSpPr>
+      <p:grpSpPr>
+        <a:xfrm>
+          <a:off x="0" y="0"/>
+          <a:ext cx="0" cy="0"/>
+          <a:chOff x="0" y="0"/>
+          <a:chExt cx="0" cy="0"/>
+        </a:xfrm>
+      </p:grpSpPr>
+      <p:grpSp>
+        <p:nvGrpSpPr>
+          <p:cNvPr id="32" name="组合 31">
+            <a:extLst>
+              <a:ext uri="{FF2B5EF4-FFF2-40B4-BE49-F238E27FC236}">
+                <a16:creationId xmlns:a16="http://schemas.microsoft.com/office/drawing/2014/main" id="{BF2B3790-B2EA-71F8-03DD-8B3573EC7538}"/>
+              </a:ext>
+            </a:extLst>
+          </p:cNvPr>
+          <p:cNvGrpSpPr/>
+          <p:nvPr/>
+        </p:nvGrpSpPr>
+        <p:grpSpPr>
+          <a:xfrm>
+            <a:off x="2588614" y="940070"/>
+            <a:ext cx="7105958" cy="2675661"/>
+            <a:chOff x="2182929" y="1350134"/>
+            <a:chExt cx="7105958" cy="2675661"/>
+          </a:xfrm>
+        </p:grpSpPr>
+        <p:sp>
+          <p:nvSpPr>
+            <p:cNvPr id="4" name="矩形 3">
+              <a:extLst>
+                <a:ext uri="{FF2B5EF4-FFF2-40B4-BE49-F238E27FC236}">
+                  <a16:creationId xmlns:a16="http://schemas.microsoft.com/office/drawing/2014/main" id="{FADAC763-EC73-C261-ED27-0377CDAC72A1}"/>
+                </a:ext>
+              </a:extLst>
+            </p:cNvPr>
+            <p:cNvSpPr/>
+            <p:nvPr/>
+          </p:nvSpPr>
+          <p:spPr>
+            <a:xfrm>
+              <a:off x="2833352" y="2163648"/>
+              <a:ext cx="1545465" cy="1101144"/>
+            </a:xfrm>
+            <a:prstGeom prst="rect">
+              <a:avLst/>
+            </a:prstGeom>
+            <a:solidFill>
+              <a:srgbClr val="00B050"/>
+            </a:solidFill>
+          </p:spPr>
+          <p:style>
+            <a:lnRef idx="2">
+              <a:schemeClr val="accent1">
+                <a:shade val="50000"/>
+              </a:schemeClr>
+            </a:lnRef>
+            <a:fillRef idx="1">
+              <a:schemeClr val="accent1"/>
+            </a:fillRef>
+            <a:effectRef idx="0">
+              <a:schemeClr val="accent1"/>
+            </a:effectRef>
+            <a:fontRef idx="minor">
+              <a:schemeClr val="lt1"/>
+            </a:fontRef>
+          </p:style>
+          <p:txBody>
+            <a:bodyPr rtlCol="0" anchor="ctr"/>
+            <a:lstStyle/>
+            <a:p>
+              <a:pPr algn="ctr"/>
+              <a:r>
+                <a:rPr lang="fr-CA" dirty="0">
+                  <a:latin typeface="Times New Roman" panose="02020603050405020304" pitchFamily="18" charset="0"/>
+                  <a:cs typeface="Times New Roman" panose="02020603050405020304" pitchFamily="18" charset="0"/>
+                </a:rPr>
+                <a:t>Regressor</a:t>
+              </a:r>
+            </a:p>
+          </p:txBody>
+        </p:sp>
+        <p:sp>
+          <p:nvSpPr>
+            <p:cNvPr id="5" name="矩形 4">
+              <a:extLst>
+                <a:ext uri="{FF2B5EF4-FFF2-40B4-BE49-F238E27FC236}">
+                  <a16:creationId xmlns:a16="http://schemas.microsoft.com/office/drawing/2014/main" id="{EAA2C583-C39E-4A74-8A75-66906B67EAA2}"/>
+                </a:ext>
+              </a:extLst>
+            </p:cNvPr>
+            <p:cNvSpPr/>
+            <p:nvPr/>
+          </p:nvSpPr>
+          <p:spPr>
+            <a:xfrm>
+              <a:off x="6038044" y="2163648"/>
+              <a:ext cx="1545465" cy="1101144"/>
+            </a:xfrm>
+            <a:prstGeom prst="rect">
+              <a:avLst/>
+            </a:prstGeom>
+            <a:solidFill>
+              <a:srgbClr val="00B050"/>
+            </a:solidFill>
+          </p:spPr>
+          <p:style>
+            <a:lnRef idx="2">
+              <a:schemeClr val="accent1">
+                <a:shade val="50000"/>
+              </a:schemeClr>
+            </a:lnRef>
+            <a:fillRef idx="1">
+              <a:schemeClr val="accent1"/>
+            </a:fillRef>
+            <a:effectRef idx="0">
+              <a:schemeClr val="accent1"/>
+            </a:effectRef>
+            <a:fontRef idx="minor">
+              <a:schemeClr val="lt1"/>
+            </a:fontRef>
+          </p:style>
+          <p:txBody>
+            <a:bodyPr rtlCol="0" anchor="ctr"/>
+            <a:lstStyle/>
+            <a:p>
+              <a:pPr algn="ctr"/>
+              <a:r>
+                <a:rPr lang="fr-CA" dirty="0">
+                  <a:latin typeface="Times New Roman" panose="02020603050405020304" pitchFamily="18" charset="0"/>
+                  <a:cs typeface="Times New Roman" panose="02020603050405020304" pitchFamily="18" charset="0"/>
+                </a:rPr>
+                <a:t>Optimizer</a:t>
+              </a:r>
+            </a:p>
+          </p:txBody>
+        </p:sp>
+        <p:sp>
+          <p:nvSpPr>
+            <p:cNvPr id="6" name="矩形: 圆角 5">
+              <a:extLst>
+                <a:ext uri="{FF2B5EF4-FFF2-40B4-BE49-F238E27FC236}">
+                  <a16:creationId xmlns:a16="http://schemas.microsoft.com/office/drawing/2014/main" id="{AC737E48-51C3-DA5E-978D-A7FF5F4D72E6}"/>
+                </a:ext>
+              </a:extLst>
+            </p:cNvPr>
+            <p:cNvSpPr/>
+            <p:nvPr/>
+          </p:nvSpPr>
+          <p:spPr>
+            <a:xfrm>
+              <a:off x="6249432" y="1350134"/>
+              <a:ext cx="1122688" cy="437881"/>
+            </a:xfrm>
+            <a:prstGeom prst="roundRect">
+              <a:avLst/>
+            </a:prstGeom>
+            <a:solidFill>
+              <a:schemeClr val="accent2"/>
+            </a:solidFill>
+          </p:spPr>
+          <p:style>
+            <a:lnRef idx="2">
+              <a:schemeClr val="accent1">
+                <a:shade val="50000"/>
+              </a:schemeClr>
+            </a:lnRef>
+            <a:fillRef idx="1">
+              <a:schemeClr val="accent1"/>
+            </a:fillRef>
+            <a:effectRef idx="0">
+              <a:schemeClr val="accent1"/>
+            </a:effectRef>
+            <a:fontRef idx="minor">
+              <a:schemeClr val="lt1"/>
+            </a:fontRef>
+          </p:style>
+          <p:txBody>
+            <a:bodyPr rtlCol="0" anchor="ctr"/>
+            <a:lstStyle/>
+            <a:p>
+              <a:pPr algn="ctr"/>
+              <a:r>
+                <a:rPr lang="fr-CA" dirty="0">
+                  <a:latin typeface="Times New Roman" panose="02020603050405020304" pitchFamily="18" charset="0"/>
+                  <a:cs typeface="Times New Roman" panose="02020603050405020304" pitchFamily="18" charset="0"/>
+                </a:rPr>
+                <a:t>Map info</a:t>
+              </a:r>
+            </a:p>
+          </p:txBody>
+        </p:sp>
+        <p:sp>
+          <p:nvSpPr>
+            <p:cNvPr id="8" name="椭圆 7">
+              <a:extLst>
+                <a:ext uri="{FF2B5EF4-FFF2-40B4-BE49-F238E27FC236}">
+                  <a16:creationId xmlns:a16="http://schemas.microsoft.com/office/drawing/2014/main" id="{2FC0C9E4-E179-ACFE-354A-AB3FA44017B2}"/>
+                </a:ext>
+              </a:extLst>
+            </p:cNvPr>
+            <p:cNvSpPr/>
+            <p:nvPr/>
+          </p:nvSpPr>
+          <p:spPr>
+            <a:xfrm>
+              <a:off x="4905777" y="2411565"/>
+              <a:ext cx="605307" cy="605307"/>
+            </a:xfrm>
+            <a:prstGeom prst="ellipse">
+              <a:avLst/>
+            </a:prstGeom>
+          </p:spPr>
+          <p:style>
+            <a:lnRef idx="2">
+              <a:schemeClr val="accent1">
+                <a:shade val="50000"/>
+              </a:schemeClr>
+            </a:lnRef>
+            <a:fillRef idx="1">
+              <a:schemeClr val="accent1"/>
+            </a:fillRef>
+            <a:effectRef idx="0">
+              <a:schemeClr val="accent1"/>
+            </a:effectRef>
+            <a:fontRef idx="minor">
+              <a:schemeClr val="lt1"/>
+            </a:fontRef>
+          </p:style>
+          <p:txBody>
+            <a:bodyPr rtlCol="0" anchor="ctr"/>
+            <a:lstStyle/>
+            <a:p>
+              <a:pPr algn="ctr"/>
+              <a:r>
+                <a:rPr lang="en-US" altLang="zh-CN" sz="1200" dirty="0" err="1">
+                  <a:latin typeface="Times New Roman" panose="02020603050405020304" pitchFamily="18" charset="0"/>
+                  <a:cs typeface="Times New Roman" panose="02020603050405020304" pitchFamily="18" charset="0"/>
+                </a:rPr>
+                <a:t>dist</a:t>
+              </a:r>
+              <a:endParaRPr lang="fr-CA" sz="1200" dirty="0">
+                <a:latin typeface="Times New Roman" panose="02020603050405020304" pitchFamily="18" charset="0"/>
+                <a:cs typeface="Times New Roman" panose="02020603050405020304" pitchFamily="18" charset="0"/>
+              </a:endParaRPr>
+            </a:p>
+          </p:txBody>
+        </p:sp>
+        <p:cxnSp>
+          <p:nvCxnSpPr>
+            <p:cNvPr id="10" name="直接箭头连接符 9">
+              <a:extLst>
+                <a:ext uri="{FF2B5EF4-FFF2-40B4-BE49-F238E27FC236}">
+                  <a16:creationId xmlns:a16="http://schemas.microsoft.com/office/drawing/2014/main" id="{2ABECB74-9516-6FC4-00CA-C28C67C826AD}"/>
+                </a:ext>
+              </a:extLst>
+            </p:cNvPr>
+            <p:cNvCxnSpPr>
+              <a:stCxn id="4" idx="3"/>
+              <a:endCxn id="8" idx="2"/>
+            </p:cNvCxnSpPr>
+            <p:nvPr/>
+          </p:nvCxnSpPr>
+          <p:spPr>
+            <a:xfrm flipV="1">
+              <a:off x="4378817" y="2714219"/>
+              <a:ext cx="526960" cy="1"/>
+            </a:xfrm>
+            <a:prstGeom prst="straightConnector1">
+              <a:avLst/>
+            </a:prstGeom>
+            <a:ln w="12700">
+              <a:tailEnd type="triangle"/>
+            </a:ln>
+          </p:spPr>
+          <p:style>
+            <a:lnRef idx="1">
+              <a:schemeClr val="dk1"/>
+            </a:lnRef>
+            <a:fillRef idx="0">
+              <a:schemeClr val="dk1"/>
+            </a:fillRef>
+            <a:effectRef idx="0">
+              <a:schemeClr val="dk1"/>
+            </a:effectRef>
+            <a:fontRef idx="minor">
+              <a:schemeClr val="tx1"/>
+            </a:fontRef>
+          </p:style>
+        </p:cxnSp>
+        <p:sp>
+          <p:nvSpPr>
+            <p:cNvPr id="15" name="椭圆 14">
+              <a:extLst>
+                <a:ext uri="{FF2B5EF4-FFF2-40B4-BE49-F238E27FC236}">
+                  <a16:creationId xmlns:a16="http://schemas.microsoft.com/office/drawing/2014/main" id="{3C0E8DC7-1DB8-7BE5-4F63-8AB324AF9EA0}"/>
+                </a:ext>
+              </a:extLst>
+            </p:cNvPr>
+            <p:cNvSpPr/>
+            <p:nvPr/>
+          </p:nvSpPr>
+          <p:spPr>
+            <a:xfrm>
+              <a:off x="8683580" y="2411564"/>
+              <a:ext cx="605307" cy="605307"/>
+            </a:xfrm>
+            <a:prstGeom prst="ellipse">
+              <a:avLst/>
+            </a:prstGeom>
+            <a:solidFill>
+              <a:srgbClr val="FF0000"/>
+            </a:solidFill>
+          </p:spPr>
+          <p:style>
+            <a:lnRef idx="2">
+              <a:schemeClr val="accent1">
+                <a:shade val="50000"/>
+              </a:schemeClr>
+            </a:lnRef>
+            <a:fillRef idx="1">
+              <a:schemeClr val="accent1"/>
+            </a:fillRef>
+            <a:effectRef idx="0">
+              <a:schemeClr val="accent1"/>
+            </a:effectRef>
+            <a:fontRef idx="minor">
+              <a:schemeClr val="lt1"/>
+            </a:fontRef>
+          </p:style>
+          <p:txBody>
+            <a:bodyPr rtlCol="0" anchor="ctr"/>
+            <a:lstStyle/>
+            <a:p>
+              <a:pPr algn="ctr"/>
+              <a:r>
+                <a:rPr lang="en-US" altLang="zh-CN" sz="1100" dirty="0">
+                  <a:latin typeface="Times New Roman" panose="02020603050405020304" pitchFamily="18" charset="0"/>
+                  <a:cs typeface="Times New Roman" panose="02020603050405020304" pitchFamily="18" charset="0"/>
+                </a:rPr>
+                <a:t>Lat</a:t>
+              </a:r>
+            </a:p>
+            <a:p>
+              <a:pPr algn="ctr"/>
+              <a:r>
+                <a:rPr lang="en-US" sz="1100" dirty="0">
+                  <a:latin typeface="Times New Roman" panose="02020603050405020304" pitchFamily="18" charset="0"/>
+                  <a:cs typeface="Times New Roman" panose="02020603050405020304" pitchFamily="18" charset="0"/>
+                </a:rPr>
+                <a:t>Lon</a:t>
+              </a:r>
+              <a:endParaRPr lang="fr-CA" sz="1100" dirty="0">
+                <a:latin typeface="Times New Roman" panose="02020603050405020304" pitchFamily="18" charset="0"/>
+                <a:cs typeface="Times New Roman" panose="02020603050405020304" pitchFamily="18" charset="0"/>
+              </a:endParaRPr>
+            </a:p>
+          </p:txBody>
+        </p:sp>
+        <p:cxnSp>
+          <p:nvCxnSpPr>
+            <p:cNvPr id="16" name="直接箭头连接符 15">
+              <a:extLst>
+                <a:ext uri="{FF2B5EF4-FFF2-40B4-BE49-F238E27FC236}">
+                  <a16:creationId xmlns:a16="http://schemas.microsoft.com/office/drawing/2014/main" id="{A95558BF-92BA-145F-339E-5E33A1426B5A}"/>
+                </a:ext>
+              </a:extLst>
+            </p:cNvPr>
+            <p:cNvCxnSpPr>
+              <a:cxnSpLocks/>
+              <a:stCxn id="8" idx="6"/>
+              <a:endCxn id="5" idx="1"/>
+            </p:cNvCxnSpPr>
+            <p:nvPr/>
+          </p:nvCxnSpPr>
+          <p:spPr>
+            <a:xfrm>
+              <a:off x="5511084" y="2714219"/>
+              <a:ext cx="526960" cy="1"/>
+            </a:xfrm>
+            <a:prstGeom prst="straightConnector1">
+              <a:avLst/>
+            </a:prstGeom>
+            <a:ln w="12700">
+              <a:tailEnd type="triangle"/>
+            </a:ln>
+          </p:spPr>
+          <p:style>
+            <a:lnRef idx="1">
+              <a:schemeClr val="dk1"/>
+            </a:lnRef>
+            <a:fillRef idx="0">
+              <a:schemeClr val="dk1"/>
+            </a:fillRef>
+            <a:effectRef idx="0">
+              <a:schemeClr val="dk1"/>
+            </a:effectRef>
+            <a:fontRef idx="minor">
+              <a:schemeClr val="tx1"/>
+            </a:fontRef>
+          </p:style>
+        </p:cxnSp>
+        <p:cxnSp>
+          <p:nvCxnSpPr>
+            <p:cNvPr id="19" name="直接箭头连接符 18">
+              <a:extLst>
+                <a:ext uri="{FF2B5EF4-FFF2-40B4-BE49-F238E27FC236}">
+                  <a16:creationId xmlns:a16="http://schemas.microsoft.com/office/drawing/2014/main" id="{C64577D5-93F5-81CA-2F27-7A40E9BBFCD6}"/>
+                </a:ext>
+              </a:extLst>
+            </p:cNvPr>
+            <p:cNvCxnSpPr>
+              <a:cxnSpLocks/>
+              <a:stCxn id="6" idx="2"/>
+              <a:endCxn id="5" idx="0"/>
+            </p:cNvCxnSpPr>
+            <p:nvPr/>
+          </p:nvCxnSpPr>
+          <p:spPr>
+            <a:xfrm>
+              <a:off x="6810776" y="1788015"/>
+              <a:ext cx="1" cy="375633"/>
+            </a:xfrm>
+            <a:prstGeom prst="straightConnector1">
+              <a:avLst/>
+            </a:prstGeom>
+            <a:ln w="12700">
+              <a:tailEnd type="triangle"/>
+            </a:ln>
+          </p:spPr>
+          <p:style>
+            <a:lnRef idx="1">
+              <a:schemeClr val="dk1"/>
+            </a:lnRef>
+            <a:fillRef idx="0">
+              <a:schemeClr val="dk1"/>
+            </a:fillRef>
+            <a:effectRef idx="0">
+              <a:schemeClr val="dk1"/>
+            </a:effectRef>
+            <a:fontRef idx="minor">
+              <a:schemeClr val="tx1"/>
+            </a:fontRef>
+          </p:style>
+        </p:cxnSp>
+        <p:cxnSp>
+          <p:nvCxnSpPr>
+            <p:cNvPr id="22" name="直接箭头连接符 21">
+              <a:extLst>
+                <a:ext uri="{FF2B5EF4-FFF2-40B4-BE49-F238E27FC236}">
+                  <a16:creationId xmlns:a16="http://schemas.microsoft.com/office/drawing/2014/main" id="{7D73D0BD-79FB-D27C-0743-5AE17A0E0223}"/>
+                </a:ext>
+              </a:extLst>
+            </p:cNvPr>
+            <p:cNvCxnSpPr>
+              <a:cxnSpLocks/>
+              <a:stCxn id="5" idx="3"/>
+              <a:endCxn id="15" idx="2"/>
+            </p:cNvCxnSpPr>
+            <p:nvPr/>
+          </p:nvCxnSpPr>
+          <p:spPr>
+            <a:xfrm flipV="1">
+              <a:off x="7583509" y="2714218"/>
+              <a:ext cx="1100071" cy="2"/>
+            </a:xfrm>
+            <a:prstGeom prst="straightConnector1">
+              <a:avLst/>
+            </a:prstGeom>
+            <a:ln w="12700">
+              <a:tailEnd type="triangle"/>
+            </a:ln>
+          </p:spPr>
+          <p:style>
+            <a:lnRef idx="1">
+              <a:schemeClr val="dk1"/>
+            </a:lnRef>
+            <a:fillRef idx="0">
+              <a:schemeClr val="dk1"/>
+            </a:fillRef>
+            <a:effectRef idx="0">
+              <a:schemeClr val="dk1"/>
+            </a:effectRef>
+            <a:fontRef idx="minor">
+              <a:schemeClr val="tx1"/>
+            </a:fontRef>
+          </p:style>
+        </p:cxnSp>
+        <p:sp>
+          <p:nvSpPr>
+            <p:cNvPr id="27" name="文本框 26">
+              <a:extLst>
+                <a:ext uri="{FF2B5EF4-FFF2-40B4-BE49-F238E27FC236}">
+                  <a16:creationId xmlns:a16="http://schemas.microsoft.com/office/drawing/2014/main" id="{E831ACF7-1BC7-40D0-7F78-F930C46749D6}"/>
+                </a:ext>
+              </a:extLst>
+            </p:cNvPr>
+            <p:cNvSpPr txBox="1"/>
+            <p:nvPr/>
+          </p:nvSpPr>
+          <p:spPr>
+            <a:xfrm>
+              <a:off x="3026535" y="3656463"/>
+              <a:ext cx="5402688" cy="369332"/>
+            </a:xfrm>
+            <a:prstGeom prst="rect">
+              <a:avLst/>
+            </a:prstGeom>
+            <a:noFill/>
+          </p:spPr>
+          <p:txBody>
+            <a:bodyPr wrap="square" rtlCol="0">
+              <a:spAutoFit/>
+            </a:bodyPr>
+            <a:lstStyle/>
+            <a:p>
+              <a:r>
+                <a:rPr lang="fr-CA" dirty="0">
+                  <a:latin typeface="Times New Roman" panose="02020603050405020304" pitchFamily="18" charset="0"/>
+                  <a:cs typeface="Times New Roman" panose="02020603050405020304" pitchFamily="18" charset="0"/>
+                </a:rPr>
+                <a:t>Learning &amp; encoding                     Transfering</a:t>
+              </a:r>
+            </a:p>
+          </p:txBody>
+        </p:sp>
+        <p:sp>
+          <p:nvSpPr>
+            <p:cNvPr id="28" name="左大括号 27">
+              <a:extLst>
+                <a:ext uri="{FF2B5EF4-FFF2-40B4-BE49-F238E27FC236}">
+                  <a16:creationId xmlns:a16="http://schemas.microsoft.com/office/drawing/2014/main" id="{EE97AB73-630E-4DAB-39CB-9E7F273F69DA}"/>
+                </a:ext>
+              </a:extLst>
+            </p:cNvPr>
+            <p:cNvSpPr/>
+            <p:nvPr/>
+          </p:nvSpPr>
+          <p:spPr>
+            <a:xfrm rot="16200000">
+              <a:off x="3453369" y="2126834"/>
+              <a:ext cx="305392" cy="2846271"/>
+            </a:xfrm>
+            <a:prstGeom prst="leftBrace">
+              <a:avLst/>
+            </a:prstGeom>
+          </p:spPr>
+          <p:style>
+            <a:lnRef idx="1">
+              <a:schemeClr val="dk1"/>
+            </a:lnRef>
+            <a:fillRef idx="0">
+              <a:schemeClr val="dk1"/>
+            </a:fillRef>
+            <a:effectRef idx="0">
+              <a:schemeClr val="dk1"/>
+            </a:effectRef>
+            <a:fontRef idx="minor">
+              <a:schemeClr val="tx1"/>
+            </a:fontRef>
+          </p:style>
+          <p:txBody>
+            <a:bodyPr rtlCol="0" anchor="ctr"/>
+            <a:lstStyle/>
+            <a:p>
+              <a:pPr algn="ctr"/>
+              <a:endParaRPr lang="fr-CA">
+                <a:latin typeface="Times New Roman" panose="02020603050405020304" pitchFamily="18" charset="0"/>
+                <a:cs typeface="Times New Roman" panose="02020603050405020304" pitchFamily="18" charset="0"/>
+              </a:endParaRPr>
+            </a:p>
+          </p:txBody>
+        </p:sp>
+        <p:sp>
+          <p:nvSpPr>
+            <p:cNvPr id="30" name="左大括号 29">
+              <a:extLst>
+                <a:ext uri="{FF2B5EF4-FFF2-40B4-BE49-F238E27FC236}">
+                  <a16:creationId xmlns:a16="http://schemas.microsoft.com/office/drawing/2014/main" id="{444451BD-B5EC-96F6-F7B3-5099DF2FD926}"/>
+                </a:ext>
+              </a:extLst>
+            </p:cNvPr>
+            <p:cNvSpPr/>
+            <p:nvPr/>
+          </p:nvSpPr>
+          <p:spPr>
+            <a:xfrm rot="16200000">
+              <a:off x="3453370" y="2126834"/>
+              <a:ext cx="305392" cy="2846271"/>
+            </a:xfrm>
+            <a:prstGeom prst="leftBrace">
+              <a:avLst/>
+            </a:prstGeom>
+          </p:spPr>
+          <p:style>
+            <a:lnRef idx="1">
+              <a:schemeClr val="dk1"/>
+            </a:lnRef>
+            <a:fillRef idx="0">
+              <a:schemeClr val="dk1"/>
+            </a:fillRef>
+            <a:effectRef idx="0">
+              <a:schemeClr val="dk1"/>
+            </a:effectRef>
+            <a:fontRef idx="minor">
+              <a:schemeClr val="tx1"/>
+            </a:fontRef>
+          </p:style>
+          <p:txBody>
+            <a:bodyPr rtlCol="0" anchor="ctr"/>
+            <a:lstStyle/>
+            <a:p>
+              <a:pPr algn="ctr"/>
+              <a:endParaRPr lang="fr-CA">
+                <a:latin typeface="Times New Roman" panose="02020603050405020304" pitchFamily="18" charset="0"/>
+                <a:cs typeface="Times New Roman" panose="02020603050405020304" pitchFamily="18" charset="0"/>
+              </a:endParaRPr>
+            </a:p>
+          </p:txBody>
+        </p:sp>
+        <p:sp>
+          <p:nvSpPr>
+            <p:cNvPr id="31" name="左大括号 30">
+              <a:extLst>
+                <a:ext uri="{FF2B5EF4-FFF2-40B4-BE49-F238E27FC236}">
+                  <a16:creationId xmlns:a16="http://schemas.microsoft.com/office/drawing/2014/main" id="{CDD611BA-1D68-0CED-365A-A00EEDFFAAD8}"/>
+                </a:ext>
+              </a:extLst>
+            </p:cNvPr>
+            <p:cNvSpPr/>
+            <p:nvPr/>
+          </p:nvSpPr>
+          <p:spPr>
+            <a:xfrm rot="16200000">
+              <a:off x="6879150" y="2080631"/>
+              <a:ext cx="305392" cy="2846271"/>
+            </a:xfrm>
+            <a:prstGeom prst="leftBrace">
+              <a:avLst/>
+            </a:prstGeom>
+          </p:spPr>
+          <p:style>
+            <a:lnRef idx="1">
+              <a:schemeClr val="dk1"/>
+            </a:lnRef>
+            <a:fillRef idx="0">
+              <a:schemeClr val="dk1"/>
+            </a:fillRef>
+            <a:effectRef idx="0">
+              <a:schemeClr val="dk1"/>
+            </a:effectRef>
+            <a:fontRef idx="minor">
+              <a:schemeClr val="tx1"/>
+            </a:fontRef>
+          </p:style>
+          <p:txBody>
+            <a:bodyPr rtlCol="0" anchor="ctr"/>
+            <a:lstStyle/>
+            <a:p>
+              <a:pPr algn="ctr"/>
+              <a:endParaRPr lang="fr-CA">
+                <a:latin typeface="Times New Roman" panose="02020603050405020304" pitchFamily="18" charset="0"/>
+                <a:cs typeface="Times New Roman" panose="02020603050405020304" pitchFamily="18" charset="0"/>
+              </a:endParaRPr>
+            </a:p>
+          </p:txBody>
+        </p:sp>
+      </p:grpSp>
+      <p:grpSp>
+        <p:nvGrpSpPr>
+          <p:cNvPr id="121" name="组合 120">
+            <a:extLst>
+              <a:ext uri="{FF2B5EF4-FFF2-40B4-BE49-F238E27FC236}">
+                <a16:creationId xmlns:a16="http://schemas.microsoft.com/office/drawing/2014/main" id="{26E4F6A7-3116-8C1D-D2A7-6D8CC7E16668}"/>
+              </a:ext>
+            </a:extLst>
+          </p:cNvPr>
+          <p:cNvGrpSpPr/>
+          <p:nvPr/>
+        </p:nvGrpSpPr>
+        <p:grpSpPr>
+          <a:xfrm>
+            <a:off x="1297711" y="480947"/>
+            <a:ext cx="1300766" cy="1455407"/>
+            <a:chOff x="1655483" y="4259701"/>
+            <a:chExt cx="1300766" cy="1455407"/>
+          </a:xfrm>
+        </p:grpSpPr>
+        <p:sp>
+          <p:nvSpPr>
+            <p:cNvPr id="110" name="矩形: 圆角 109">
+              <a:extLst>
+                <a:ext uri="{FF2B5EF4-FFF2-40B4-BE49-F238E27FC236}">
+                  <a16:creationId xmlns:a16="http://schemas.microsoft.com/office/drawing/2014/main" id="{CC364171-A287-88B8-1AEE-0033CD8873CB}"/>
+                </a:ext>
+              </a:extLst>
+            </p:cNvPr>
+            <p:cNvSpPr/>
+            <p:nvPr/>
+          </p:nvSpPr>
+          <p:spPr>
+            <a:xfrm>
+              <a:off x="1744522" y="5203090"/>
+              <a:ext cx="1122688" cy="435232"/>
+            </a:xfrm>
+            <a:prstGeom prst="roundRect">
+              <a:avLst/>
+            </a:prstGeom>
+          </p:spPr>
+          <p:style>
+            <a:lnRef idx="2">
+              <a:schemeClr val="accent1">
+                <a:shade val="50000"/>
+              </a:schemeClr>
+            </a:lnRef>
+            <a:fillRef idx="1">
+              <a:schemeClr val="accent1"/>
+            </a:fillRef>
+            <a:effectRef idx="0">
+              <a:schemeClr val="accent1"/>
+            </a:effectRef>
+            <a:fontRef idx="minor">
+              <a:schemeClr val="lt1"/>
+            </a:fontRef>
+          </p:style>
+          <p:txBody>
+            <a:bodyPr rtlCol="0" anchor="ctr"/>
+            <a:lstStyle/>
+            <a:p>
+              <a:pPr algn="ctr"/>
+              <a:r>
+                <a:rPr lang="fr-CA" dirty="0">
+                  <a:latin typeface="Times New Roman" panose="02020603050405020304" pitchFamily="18" charset="0"/>
+                  <a:cs typeface="Times New Roman" panose="02020603050405020304" pitchFamily="18" charset="0"/>
+                </a:rPr>
+                <a:t>Target</a:t>
+              </a:r>
+            </a:p>
+          </p:txBody>
+        </p:sp>
+        <p:sp>
+          <p:nvSpPr>
+            <p:cNvPr id="111" name="矩形: 圆角 110">
+              <a:extLst>
+                <a:ext uri="{FF2B5EF4-FFF2-40B4-BE49-F238E27FC236}">
+                  <a16:creationId xmlns:a16="http://schemas.microsoft.com/office/drawing/2014/main" id="{441B9AD3-7420-5E50-50F1-F24A526953BA}"/>
+                </a:ext>
+              </a:extLst>
+            </p:cNvPr>
+            <p:cNvSpPr/>
+            <p:nvPr/>
+          </p:nvSpPr>
+          <p:spPr>
+            <a:xfrm>
+              <a:off x="1744522" y="4259701"/>
+              <a:ext cx="1122688" cy="492686"/>
+            </a:xfrm>
+            <a:prstGeom prst="roundRect">
+              <a:avLst/>
+            </a:prstGeom>
+          </p:spPr>
+          <p:style>
+            <a:lnRef idx="2">
+              <a:schemeClr val="accent1">
+                <a:shade val="50000"/>
+              </a:schemeClr>
+            </a:lnRef>
+            <a:fillRef idx="1">
+              <a:schemeClr val="accent1"/>
+            </a:fillRef>
+            <a:effectRef idx="0">
+              <a:schemeClr val="accent1"/>
+            </a:effectRef>
+            <a:fontRef idx="minor">
+              <a:schemeClr val="lt1"/>
+            </a:fontRef>
+          </p:style>
+          <p:txBody>
+            <a:bodyPr rtlCol="0" anchor="ctr"/>
+            <a:lstStyle/>
+            <a:p>
+              <a:pPr algn="ctr"/>
+              <a:r>
+                <a:rPr lang="fr-CA" sz="1400" dirty="0">
+                  <a:latin typeface="Times New Roman" panose="02020603050405020304" pitchFamily="18" charset="0"/>
+                  <a:cs typeface="Times New Roman" panose="02020603050405020304" pitchFamily="18" charset="0"/>
+                </a:rPr>
+                <a:t>Source</a:t>
+              </a:r>
+              <a:r>
+                <a:rPr lang="fr-CA" sz="1400" baseline="-25000" dirty="0">
+                  <a:latin typeface="Times New Roman" panose="02020603050405020304" pitchFamily="18" charset="0"/>
+                  <a:cs typeface="Times New Roman" panose="02020603050405020304" pitchFamily="18" charset="0"/>
+                </a:rPr>
+                <a:t>Train</a:t>
+              </a:r>
+            </a:p>
+          </p:txBody>
+        </p:sp>
+        <p:sp>
+          <p:nvSpPr>
+            <p:cNvPr id="112" name="矩形: 圆角 111">
+              <a:extLst>
+                <a:ext uri="{FF2B5EF4-FFF2-40B4-BE49-F238E27FC236}">
+                  <a16:creationId xmlns:a16="http://schemas.microsoft.com/office/drawing/2014/main" id="{FC1663F2-CDB9-25A4-8A61-F40460322E87}"/>
+                </a:ext>
+              </a:extLst>
+            </p:cNvPr>
+            <p:cNvSpPr/>
+            <p:nvPr/>
+          </p:nvSpPr>
+          <p:spPr>
+            <a:xfrm>
+              <a:off x="1747430" y="4829686"/>
+              <a:ext cx="1122688" cy="241452"/>
+            </a:xfrm>
+            <a:prstGeom prst="roundRect">
+              <a:avLst/>
+            </a:prstGeom>
+          </p:spPr>
+          <p:style>
+            <a:lnRef idx="2">
+              <a:schemeClr val="accent1">
+                <a:shade val="50000"/>
+              </a:schemeClr>
+            </a:lnRef>
+            <a:fillRef idx="1">
+              <a:schemeClr val="accent1"/>
+            </a:fillRef>
+            <a:effectRef idx="0">
+              <a:schemeClr val="accent1"/>
+            </a:effectRef>
+            <a:fontRef idx="minor">
+              <a:schemeClr val="lt1"/>
+            </a:fontRef>
+          </p:style>
+          <p:txBody>
+            <a:bodyPr rtlCol="0" anchor="ctr"/>
+            <a:lstStyle/>
+            <a:p>
+              <a:pPr algn="ctr"/>
+              <a:r>
+                <a:rPr lang="fr-CA" sz="1400" dirty="0">
+                  <a:latin typeface="Times New Roman" panose="02020603050405020304" pitchFamily="18" charset="0"/>
+                  <a:cs typeface="Times New Roman" panose="02020603050405020304" pitchFamily="18" charset="0"/>
+                </a:rPr>
+                <a:t>Source</a:t>
+              </a:r>
+              <a:r>
+                <a:rPr lang="fr-CA" sz="1400" baseline="-25000" dirty="0">
+                  <a:latin typeface="Times New Roman" panose="02020603050405020304" pitchFamily="18" charset="0"/>
+                  <a:cs typeface="Times New Roman" panose="02020603050405020304" pitchFamily="18" charset="0"/>
+                </a:rPr>
+                <a:t>Test</a:t>
+              </a:r>
+            </a:p>
+          </p:txBody>
+        </p:sp>
+        <p:sp>
+          <p:nvSpPr>
+            <p:cNvPr id="117" name="矩形: 圆角 116">
+              <a:extLst>
+                <a:ext uri="{FF2B5EF4-FFF2-40B4-BE49-F238E27FC236}">
+                  <a16:creationId xmlns:a16="http://schemas.microsoft.com/office/drawing/2014/main" id="{F0FC14C3-9D38-7D09-01A0-87808F24559A}"/>
+                </a:ext>
+              </a:extLst>
+            </p:cNvPr>
+            <p:cNvSpPr/>
+            <p:nvPr/>
+          </p:nvSpPr>
+          <p:spPr>
+            <a:xfrm>
+              <a:off x="1655483" y="4778144"/>
+              <a:ext cx="1300766" cy="936964"/>
+            </a:xfrm>
+            <a:prstGeom prst="roundRect">
+              <a:avLst/>
+            </a:prstGeom>
+            <a:noFill/>
+          </p:spPr>
+          <p:style>
+            <a:lnRef idx="2">
+              <a:schemeClr val="accent1">
+                <a:shade val="50000"/>
+              </a:schemeClr>
+            </a:lnRef>
+            <a:fillRef idx="1">
+              <a:schemeClr val="accent1"/>
+            </a:fillRef>
+            <a:effectRef idx="0">
+              <a:schemeClr val="accent1"/>
+            </a:effectRef>
+            <a:fontRef idx="minor">
+              <a:schemeClr val="lt1"/>
+            </a:fontRef>
+          </p:style>
+          <p:txBody>
+            <a:bodyPr rtlCol="0" anchor="ctr"/>
+            <a:lstStyle/>
+            <a:p>
+              <a:pPr algn="ctr"/>
+              <a:endParaRPr lang="fr-CA"/>
+            </a:p>
+          </p:txBody>
+        </p:sp>
+      </p:grpSp>
+      <p:cxnSp>
+        <p:nvCxnSpPr>
+          <p:cNvPr id="129" name="连接符: 肘形 128">
+            <a:extLst>
+              <a:ext uri="{FF2B5EF4-FFF2-40B4-BE49-F238E27FC236}">
+                <a16:creationId xmlns:a16="http://schemas.microsoft.com/office/drawing/2014/main" id="{57B5221E-6F73-62D5-FA94-075D19ED303D}"/>
+              </a:ext>
+            </a:extLst>
+          </p:cNvPr>
+          <p:cNvCxnSpPr>
+            <a:stCxn id="117" idx="2"/>
+            <a:endCxn id="4" idx="1"/>
+          </p:cNvCxnSpPr>
+          <p:nvPr/>
+        </p:nvCxnSpPr>
+        <p:spPr>
+          <a:xfrm rot="16200000" flipH="1">
+            <a:off x="2409664" y="1474783"/>
+            <a:ext cx="367802" cy="1290943"/>
+          </a:xfrm>
+          <a:prstGeom prst="bentConnector2">
+            <a:avLst/>
+          </a:prstGeom>
+          <a:ln w="12700">
+            <a:tailEnd type="triangle"/>
+          </a:ln>
+        </p:spPr>
+        <p:style>
+          <a:lnRef idx="1">
+            <a:schemeClr val="dk1"/>
+          </a:lnRef>
+          <a:fillRef idx="0">
+            <a:schemeClr val="dk1"/>
+          </a:fillRef>
+          <a:effectRef idx="0">
+            <a:schemeClr val="dk1"/>
+          </a:effectRef>
+          <a:fontRef idx="minor">
+            <a:schemeClr val="tx1"/>
+          </a:fontRef>
+        </p:style>
+      </p:cxnSp>
+      <p:cxnSp>
+        <p:nvCxnSpPr>
+          <p:cNvPr id="135" name="连接符: 肘形 134">
+            <a:extLst>
+              <a:ext uri="{FF2B5EF4-FFF2-40B4-BE49-F238E27FC236}">
+                <a16:creationId xmlns:a16="http://schemas.microsoft.com/office/drawing/2014/main" id="{2A7AE53E-3210-9B65-39F7-DBE85B3F5792}"/>
+              </a:ext>
+            </a:extLst>
+          </p:cNvPr>
+          <p:cNvCxnSpPr>
+            <a:stCxn id="111" idx="3"/>
+            <a:endCxn id="4" idx="0"/>
+          </p:cNvCxnSpPr>
+          <p:nvPr/>
+        </p:nvCxnSpPr>
+        <p:spPr>
+          <a:xfrm>
+            <a:off x="2509438" y="727290"/>
+            <a:ext cx="1502332" cy="1026294"/>
+          </a:xfrm>
+          <a:prstGeom prst="bentConnector2">
+            <a:avLst/>
+          </a:prstGeom>
+          <a:ln w="12700">
+            <a:tailEnd type="triangle"/>
+          </a:ln>
+        </p:spPr>
+        <p:style>
+          <a:lnRef idx="1">
+            <a:schemeClr val="dk1"/>
+          </a:lnRef>
+          <a:fillRef idx="0">
+            <a:schemeClr val="dk1"/>
+          </a:fillRef>
+          <a:effectRef idx="0">
+            <a:schemeClr val="dk1"/>
+          </a:effectRef>
+          <a:fontRef idx="minor">
+            <a:schemeClr val="tx1"/>
+          </a:fontRef>
+        </p:style>
+      </p:cxnSp>
+      <p:sp>
+        <p:nvSpPr>
+          <p:cNvPr id="136" name="文本框 135">
+            <a:extLst>
+              <a:ext uri="{FF2B5EF4-FFF2-40B4-BE49-F238E27FC236}">
+                <a16:creationId xmlns:a16="http://schemas.microsoft.com/office/drawing/2014/main" id="{2FB62D2C-BCE5-AB1A-9E38-20A01CF88595}"/>
+              </a:ext>
+            </a:extLst>
+          </p:cNvPr>
+          <p:cNvSpPr txBox="1"/>
+          <p:nvPr/>
+        </p:nvSpPr>
+        <p:spPr>
+          <a:xfrm>
+            <a:off x="2794697" y="389928"/>
+            <a:ext cx="1236372" cy="369332"/>
+          </a:xfrm>
+          <a:prstGeom prst="rect">
+            <a:avLst/>
+          </a:prstGeom>
+          <a:noFill/>
+        </p:spPr>
+        <p:txBody>
+          <a:bodyPr wrap="square" rtlCol="0">
+            <a:spAutoFit/>
+          </a:bodyPr>
+          <a:lstStyle/>
+          <a:p>
+            <a:r>
+              <a:rPr lang="fr-CA" dirty="0">
+                <a:latin typeface="Times New Roman" panose="02020603050405020304" pitchFamily="18" charset="0"/>
+                <a:cs typeface="Times New Roman" panose="02020603050405020304" pitchFamily="18" charset="0"/>
+              </a:rPr>
+              <a:t>T</a:t>
+            </a:r>
+            <a:r>
+              <a:rPr lang="en-US" altLang="zh-CN" dirty="0">
+                <a:latin typeface="Times New Roman" panose="02020603050405020304" pitchFamily="18" charset="0"/>
+                <a:cs typeface="Times New Roman" panose="02020603050405020304" pitchFamily="18" charset="0"/>
+              </a:rPr>
+              <a:t>raining</a:t>
+            </a:r>
+            <a:endParaRPr lang="fr-CA" dirty="0">
+              <a:latin typeface="Times New Roman" panose="02020603050405020304" pitchFamily="18" charset="0"/>
+              <a:cs typeface="Times New Roman" panose="02020603050405020304" pitchFamily="18" charset="0"/>
+            </a:endParaRPr>
+          </a:p>
+        </p:txBody>
+      </p:sp>
+    </p:spTree>
+    <p:extLst>
+      <p:ext uri="{BB962C8B-B14F-4D97-AF65-F5344CB8AC3E}">
+        <p14:creationId xmlns:p14="http://schemas.microsoft.com/office/powerpoint/2010/main" val="2241241598"/>
+      </p:ext>
+    </p:extLst>
+  </p:cSld>
+  <p:clrMapOvr>
+    <a:masterClrMapping/>
+  </p:clrMapOvr>
+</p:sld>
+</file>
+
+<file path=ppt/slides/slide24.xml><?xml version="1.0" encoding="utf-8"?>
+<p:sld xmlns:a="http://schemas.openxmlformats.org/drawingml/2006/main" xmlns:r="http://schemas.openxmlformats.org/officeDocument/2006/relationships" xmlns:p="http://schemas.openxmlformats.org/presentationml/2006/main">
+  <p:cSld>
+    <p:spTree>
+      <p:nvGrpSpPr>
+        <p:cNvPr id="1" name=""/>
+        <p:cNvGrpSpPr/>
+        <p:nvPr/>
+      </p:nvGrpSpPr>
+      <p:grpSpPr>
+        <a:xfrm>
+          <a:off x="0" y="0"/>
+          <a:ext cx="0" cy="0"/>
+          <a:chOff x="0" y="0"/>
+          <a:chExt cx="0" cy="0"/>
+        </a:xfrm>
+      </p:grpSpPr>
+      <p:pic>
+        <p:nvPicPr>
+          <p:cNvPr id="3" name="图片 2">
+            <a:extLst>
+              <a:ext uri="{FF2B5EF4-FFF2-40B4-BE49-F238E27FC236}">
+                <a16:creationId xmlns:a16="http://schemas.microsoft.com/office/drawing/2014/main" id="{4A40A4FD-A618-B54F-C765-CFB4F57BBA6E}"/>
+              </a:ext>
+            </a:extLst>
+          </p:cNvPr>
+          <p:cNvPicPr>
+            <a:picLocks noChangeAspect="1"/>
+          </p:cNvPicPr>
+          <p:nvPr/>
+        </p:nvPicPr>
+        <p:blipFill>
+          <a:blip r:embed="rId2"/>
+          <a:stretch>
+            <a:fillRect/>
+          </a:stretch>
+        </p:blipFill>
+        <p:spPr>
+          <a:xfrm>
+            <a:off x="4422956" y="1960071"/>
+            <a:ext cx="3676650" cy="2647950"/>
+          </a:xfrm>
+          <a:prstGeom prst="rect">
+            <a:avLst/>
+          </a:prstGeom>
+        </p:spPr>
+      </p:pic>
+      <p:sp>
+        <p:nvSpPr>
+          <p:cNvPr id="4" name="文本框 3">
+            <a:extLst>
+              <a:ext uri="{FF2B5EF4-FFF2-40B4-BE49-F238E27FC236}">
+                <a16:creationId xmlns:a16="http://schemas.microsoft.com/office/drawing/2014/main" id="{23DD1BFA-B140-F010-14D0-31BE46849CD2}"/>
+              </a:ext>
+            </a:extLst>
+          </p:cNvPr>
+          <p:cNvSpPr txBox="1"/>
+          <p:nvPr/>
+        </p:nvSpPr>
+        <p:spPr>
+          <a:xfrm>
+            <a:off x="2208727" y="2822381"/>
+            <a:ext cx="3721994" cy="923330"/>
+          </a:xfrm>
+          <a:prstGeom prst="rect">
+            <a:avLst/>
+          </a:prstGeom>
+          <a:noFill/>
+        </p:spPr>
+        <p:txBody>
+          <a:bodyPr wrap="square" rtlCol="0">
+            <a:spAutoFit/>
+          </a:bodyPr>
+          <a:lstStyle/>
+          <a:p>
+            <a:r>
+              <a:rPr lang="fr-CA" dirty="0">
+                <a:latin typeface="Times New Roman" panose="02020603050405020304" pitchFamily="18" charset="0"/>
+                <a:cs typeface="Times New Roman" panose="02020603050405020304" pitchFamily="18" charset="0"/>
+              </a:rPr>
+              <a:t>Grid size: 50m</a:t>
+            </a:r>
+          </a:p>
+          <a:p>
+            <a:r>
+              <a:rPr lang="fr-CA" dirty="0">
+                <a:latin typeface="Times New Roman" panose="02020603050405020304" pitchFamily="18" charset="0"/>
+                <a:cs typeface="Times New Roman" panose="02020603050405020304" pitchFamily="18" charset="0"/>
+              </a:rPr>
+              <a:t>Source: London</a:t>
+            </a:r>
+          </a:p>
+          <a:p>
+            <a:r>
+              <a:rPr lang="fr-CA" dirty="0">
+                <a:latin typeface="Times New Roman" panose="02020603050405020304" pitchFamily="18" charset="0"/>
+                <a:cs typeface="Times New Roman" panose="02020603050405020304" pitchFamily="18" charset="0"/>
+              </a:rPr>
+              <a:t>Target: Paris</a:t>
+            </a:r>
+          </a:p>
+        </p:txBody>
+      </p:sp>
+    </p:spTree>
+    <p:extLst>
+      <p:ext uri="{BB962C8B-B14F-4D97-AF65-F5344CB8AC3E}">
+        <p14:creationId xmlns:p14="http://schemas.microsoft.com/office/powerpoint/2010/main" val="2785282011"/>
+      </p:ext>
+    </p:extLst>
+  </p:cSld>
+  <p:clrMapOvr>
+    <a:masterClrMapping/>
+  </p:clrMapOvr>
+</p:sld>
+</file>
+
+<file path=ppt/slides/slide25.xml><?xml version="1.0" encoding="utf-8"?>
+<p:sld xmlns:a="http://schemas.openxmlformats.org/drawingml/2006/main" xmlns:r="http://schemas.openxmlformats.org/officeDocument/2006/relationships" xmlns:p="http://schemas.openxmlformats.org/presentationml/2006/main">
+  <p:cSld>
+    <p:spTree>
+      <p:nvGrpSpPr>
+        <p:cNvPr id="1" name=""/>
+        <p:cNvGrpSpPr/>
+        <p:nvPr/>
+      </p:nvGrpSpPr>
+      <p:grpSpPr>
+        <a:xfrm>
+          <a:off x="0" y="0"/>
+          <a:ext cx="0" cy="0"/>
+          <a:chOff x="0" y="0"/>
+          <a:chExt cx="0" cy="0"/>
+        </a:xfrm>
+      </p:grpSpPr>
+      <p:pic>
+        <p:nvPicPr>
+          <p:cNvPr id="10" name="图片 9">
+            <a:extLst>
+              <a:ext uri="{FF2B5EF4-FFF2-40B4-BE49-F238E27FC236}">
+                <a16:creationId xmlns:a16="http://schemas.microsoft.com/office/drawing/2014/main" id="{1C40BAB4-1046-462D-B3DD-6CF021C33BD7}"/>
+              </a:ext>
+            </a:extLst>
+          </p:cNvPr>
+          <p:cNvPicPr>
+            <a:picLocks noChangeAspect="1"/>
+          </p:cNvPicPr>
+          <p:nvPr/>
+        </p:nvPicPr>
+        <p:blipFill>
+          <a:blip r:embed="rId2"/>
+          <a:stretch>
+            <a:fillRect/>
+          </a:stretch>
+        </p:blipFill>
+        <p:spPr>
+          <a:xfrm>
+            <a:off x="3075561" y="2391647"/>
+            <a:ext cx="5667375" cy="2886075"/>
+          </a:xfrm>
+          <a:prstGeom prst="rect">
+            <a:avLst/>
+          </a:prstGeom>
+        </p:spPr>
+      </p:pic>
+      <p:pic>
+        <p:nvPicPr>
+          <p:cNvPr id="12" name="图片 11">
+            <a:extLst>
+              <a:ext uri="{FF2B5EF4-FFF2-40B4-BE49-F238E27FC236}">
+                <a16:creationId xmlns:a16="http://schemas.microsoft.com/office/drawing/2014/main" id="{D1209AEF-740E-F73D-739B-19FB71E71092}"/>
+              </a:ext>
+            </a:extLst>
+          </p:cNvPr>
+          <p:cNvPicPr>
+            <a:picLocks noChangeAspect="1"/>
+          </p:cNvPicPr>
+          <p:nvPr/>
+        </p:nvPicPr>
+        <p:blipFill>
+          <a:blip r:embed="rId3"/>
+          <a:stretch>
+            <a:fillRect/>
+          </a:stretch>
+        </p:blipFill>
+        <p:spPr>
+          <a:xfrm>
+            <a:off x="2659479" y="2167809"/>
+            <a:ext cx="6308837" cy="3449660"/>
+          </a:xfrm>
+          <a:prstGeom prst="rect">
+            <a:avLst/>
+          </a:prstGeom>
+        </p:spPr>
+      </p:pic>
+    </p:spTree>
+    <p:extLst>
+      <p:ext uri="{BB962C8B-B14F-4D97-AF65-F5344CB8AC3E}">
+        <p14:creationId xmlns:p14="http://schemas.microsoft.com/office/powerpoint/2010/main" val="1259530043"/>
+      </p:ext>
+    </p:extLst>
+  </p:cSld>
+  <p:clrMapOvr>
+    <a:masterClrMapping/>
+  </p:clrMapOvr>
+</p:sld>
+</file>
+
+<file path=ppt/slides/slide26.xml><?xml version="1.0" encoding="utf-8"?>
+<p:sld xmlns:a="http://schemas.openxmlformats.org/drawingml/2006/main" xmlns:r="http://schemas.openxmlformats.org/officeDocument/2006/relationships" xmlns:p="http://schemas.openxmlformats.org/presentationml/2006/main">
+  <p:cSld>
+    <p:spTree>
+      <p:nvGrpSpPr>
+        <p:cNvPr id="1" name=""/>
+        <p:cNvGrpSpPr/>
+        <p:nvPr/>
+      </p:nvGrpSpPr>
+      <p:grpSpPr>
+        <a:xfrm>
+          <a:off x="0" y="0"/>
+          <a:ext cx="0" cy="0"/>
+          <a:chOff x="0" y="0"/>
+          <a:chExt cx="0" cy="0"/>
+        </a:xfrm>
+      </p:grpSpPr>
+      <p:pic>
+        <p:nvPicPr>
+          <p:cNvPr id="6" name="图片 5">
+            <a:extLst>
+              <a:ext uri="{FF2B5EF4-FFF2-40B4-BE49-F238E27FC236}">
+                <a16:creationId xmlns:a16="http://schemas.microsoft.com/office/drawing/2014/main" id="{FEB34E2A-3D00-2D58-8FD1-E3D521CDA93E}"/>
+              </a:ext>
+            </a:extLst>
+          </p:cNvPr>
+          <p:cNvPicPr>
+            <a:picLocks noChangeAspect="1"/>
+          </p:cNvPicPr>
+          <p:nvPr/>
+        </p:nvPicPr>
+        <p:blipFill>
+          <a:blip r:embed="rId2"/>
+          <a:stretch>
+            <a:fillRect/>
+          </a:stretch>
+        </p:blipFill>
+        <p:spPr>
+          <a:xfrm>
+            <a:off x="1007639" y="1279100"/>
+            <a:ext cx="2114550" cy="3552825"/>
+          </a:xfrm>
+          <a:prstGeom prst="rect">
+            <a:avLst/>
+          </a:prstGeom>
+        </p:spPr>
+      </p:pic>
+      <p:pic>
+        <p:nvPicPr>
+          <p:cNvPr id="10" name="图片 9">
+            <a:extLst>
+              <a:ext uri="{FF2B5EF4-FFF2-40B4-BE49-F238E27FC236}">
+                <a16:creationId xmlns:a16="http://schemas.microsoft.com/office/drawing/2014/main" id="{E61F9493-D4E4-7BC6-AB8E-6009AE274E57}"/>
+              </a:ext>
+            </a:extLst>
+          </p:cNvPr>
+          <p:cNvPicPr>
+            <a:picLocks noChangeAspect="1"/>
+          </p:cNvPicPr>
+          <p:nvPr/>
+        </p:nvPicPr>
+        <p:blipFill>
+          <a:blip r:embed="rId3"/>
+          <a:stretch>
+            <a:fillRect/>
+          </a:stretch>
+        </p:blipFill>
+        <p:spPr>
+          <a:xfrm>
+            <a:off x="4332600" y="256236"/>
+            <a:ext cx="2057400" cy="5753100"/>
+          </a:xfrm>
+          <a:prstGeom prst="rect">
+            <a:avLst/>
+          </a:prstGeom>
+        </p:spPr>
+      </p:pic>
+      <p:pic>
+        <p:nvPicPr>
+          <p:cNvPr id="12" name="图片 11">
+            <a:extLst>
+              <a:ext uri="{FF2B5EF4-FFF2-40B4-BE49-F238E27FC236}">
+                <a16:creationId xmlns:a16="http://schemas.microsoft.com/office/drawing/2014/main" id="{18744EC5-04B6-2F0C-C537-235D7908379F}"/>
+              </a:ext>
+            </a:extLst>
+          </p:cNvPr>
+          <p:cNvPicPr>
+            <a:picLocks noChangeAspect="1"/>
+          </p:cNvPicPr>
+          <p:nvPr/>
+        </p:nvPicPr>
+        <p:blipFill>
+          <a:blip r:embed="rId4"/>
+          <a:stretch>
+            <a:fillRect/>
+          </a:stretch>
+        </p:blipFill>
+        <p:spPr>
+          <a:xfrm>
+            <a:off x="7201167" y="1798212"/>
+            <a:ext cx="3629025" cy="2514600"/>
+          </a:xfrm>
+          <a:prstGeom prst="rect">
+            <a:avLst/>
+          </a:prstGeom>
+        </p:spPr>
+      </p:pic>
+    </p:spTree>
+    <p:extLst>
+      <p:ext uri="{BB962C8B-B14F-4D97-AF65-F5344CB8AC3E}">
+        <p14:creationId xmlns:p14="http://schemas.microsoft.com/office/powerpoint/2010/main" val="266770974"/>
+      </p:ext>
+    </p:extLst>
+  </p:cSld>
+  <p:clrMapOvr>
+    <a:masterClrMapping/>
+  </p:clrMapOvr>
+</p:sld>
+</file>
+
+<file path=ppt/slides/slide27.xml><?xml version="1.0" encoding="utf-8"?>
+<p:sld xmlns:a="http://schemas.openxmlformats.org/drawingml/2006/main" xmlns:r="http://schemas.openxmlformats.org/officeDocument/2006/relationships" xmlns:p="http://schemas.openxmlformats.org/presentationml/2006/main">
+  <p:cSld>
+    <p:spTree>
+      <p:nvGrpSpPr>
+        <p:cNvPr id="1" name=""/>
+        <p:cNvGrpSpPr/>
+        <p:nvPr/>
+      </p:nvGrpSpPr>
+      <p:grpSpPr>
+        <a:xfrm>
+          <a:off x="0" y="0"/>
+          <a:ext cx="0" cy="0"/>
+          <a:chOff x="0" y="0"/>
+          <a:chExt cx="0" cy="0"/>
+        </a:xfrm>
+      </p:grpSpPr>
+      <p:sp>
+        <p:nvSpPr>
+          <p:cNvPr id="2" name="标题 1">
+            <a:extLst>
+              <a:ext uri="{FF2B5EF4-FFF2-40B4-BE49-F238E27FC236}">
+                <a16:creationId xmlns:a16="http://schemas.microsoft.com/office/drawing/2014/main" id="{4D82A063-255C-B5EC-BD91-255BADEDCD94}"/>
+              </a:ext>
+            </a:extLst>
+          </p:cNvPr>
+          <p:cNvSpPr>
+            <a:spLocks noGrp="1"/>
+          </p:cNvSpPr>
+          <p:nvPr>
+            <p:ph type="title"/>
+          </p:nvPr>
+        </p:nvSpPr>
+        <p:spPr/>
+        <p:txBody>
+          <a:bodyPr/>
+          <a:lstStyle/>
+          <a:p>
+            <a:r>
+              <a:rPr lang="fr-CA" dirty="0">
+                <a:latin typeface="Times New Roman" panose="02020603050405020304" pitchFamily="18" charset="0"/>
+                <a:cs typeface="Times New Roman" panose="02020603050405020304" pitchFamily="18" charset="0"/>
+              </a:rPr>
+              <a:t>Further improvement</a:t>
+            </a:r>
+          </a:p>
+        </p:txBody>
+      </p:sp>
+      <p:sp>
+        <p:nvSpPr>
+          <p:cNvPr id="3" name="内容占位符 2">
+            <a:extLst>
+              <a:ext uri="{FF2B5EF4-FFF2-40B4-BE49-F238E27FC236}">
+                <a16:creationId xmlns:a16="http://schemas.microsoft.com/office/drawing/2014/main" id="{F8198554-EB31-C632-9142-535220206D4F}"/>
+              </a:ext>
+            </a:extLst>
+          </p:cNvPr>
+          <p:cNvSpPr>
+            <a:spLocks noGrp="1"/>
+          </p:cNvSpPr>
+          <p:nvPr>
+            <p:ph idx="1"/>
+          </p:nvPr>
+        </p:nvSpPr>
+        <p:spPr/>
+        <p:txBody>
+          <a:bodyPr/>
+          <a:lstStyle/>
+          <a:p>
+            <a:r>
+              <a:rPr lang="fr-CA" dirty="0">
+                <a:latin typeface="Times New Roman" panose="02020603050405020304" pitchFamily="18" charset="0"/>
+                <a:cs typeface="Times New Roman" panose="02020603050405020304" pitchFamily="18" charset="0"/>
+              </a:rPr>
+              <a:t>More realistic scenario (noisy signal, indoor+outdoor transmission etc)</a:t>
+            </a:r>
+          </a:p>
+          <a:p>
+            <a:r>
+              <a:rPr lang="fr-CA" dirty="0">
+                <a:latin typeface="Times New Roman" panose="02020603050405020304" pitchFamily="18" charset="0"/>
+                <a:cs typeface="Times New Roman" panose="02020603050405020304" pitchFamily="18" charset="0"/>
+              </a:rPr>
+              <a:t>Adaptive transfer learning (known few target data)</a:t>
+            </a:r>
+          </a:p>
+          <a:p>
+            <a:r>
+              <a:rPr lang="fr-CA" dirty="0">
+                <a:latin typeface="Times New Roman" panose="02020603050405020304" pitchFamily="18" charset="0"/>
+                <a:cs typeface="Times New Roman" panose="02020603050405020304" pitchFamily="18" charset="0"/>
+              </a:rPr>
+              <a:t>More tests, bigger dataset</a:t>
+            </a:r>
+          </a:p>
+          <a:p>
+            <a:r>
+              <a:rPr lang="fr-CA" dirty="0">
+                <a:latin typeface="Times New Roman" panose="02020603050405020304" pitchFamily="18" charset="0"/>
+                <a:cs typeface="Times New Roman" panose="02020603050405020304" pitchFamily="18" charset="0"/>
+              </a:rPr>
+              <a:t>Self supervised learning</a:t>
+            </a:r>
+          </a:p>
+          <a:p>
+            <a:r>
+              <a:rPr lang="fr-CA" dirty="0">
+                <a:latin typeface="Times New Roman" panose="02020603050405020304" pitchFamily="18" charset="0"/>
+                <a:cs typeface="Times New Roman" panose="02020603050405020304" pitchFamily="18" charset="0"/>
+              </a:rPr>
+              <a:t>Algorithm improvement (Optimization  part)</a:t>
+            </a:r>
+          </a:p>
+        </p:txBody>
+      </p:sp>
+    </p:spTree>
+    <p:extLst>
+      <p:ext uri="{BB962C8B-B14F-4D97-AF65-F5344CB8AC3E}">
+        <p14:creationId xmlns:p14="http://schemas.microsoft.com/office/powerpoint/2010/main" val="1696212926"/>
+      </p:ext>
+    </p:extLst>
+  </p:cSld>
+  <p:clrMapOvr>
+    <a:masterClrMapping/>
+  </p:clrMapOvr>
+</p:sld>
+</file>
+
+<file path=ppt/slides/slide28.xml><?xml version="1.0" encoding="utf-8"?>
+<p:sld xmlns:a="http://schemas.openxmlformats.org/drawingml/2006/main" xmlns:r="http://schemas.openxmlformats.org/officeDocument/2006/relationships" xmlns:p="http://schemas.openxmlformats.org/presentationml/2006/main">
+  <p:cSld>
+    <p:spTree>
+      <p:nvGrpSpPr>
+        <p:cNvPr id="1" name=""/>
+        <p:cNvGrpSpPr/>
+        <p:nvPr/>
+      </p:nvGrpSpPr>
+      <p:grpSpPr>
+        <a:xfrm>
+          <a:off x="0" y="0"/>
+          <a:ext cx="0" cy="0"/>
+          <a:chOff x="0" y="0"/>
+          <a:chExt cx="0" cy="0"/>
+        </a:xfrm>
+      </p:grpSpPr>
+      <p:sp>
+        <p:nvSpPr>
+          <p:cNvPr id="2" name="标题 1">
+            <a:extLst>
+              <a:ext uri="{FF2B5EF4-FFF2-40B4-BE49-F238E27FC236}">
+                <a16:creationId xmlns:a16="http://schemas.microsoft.com/office/drawing/2014/main" id="{15126F8B-0AE9-A50B-78E7-FA7B753BECC2}"/>
+              </a:ext>
+            </a:extLst>
+          </p:cNvPr>
+          <p:cNvSpPr>
+            <a:spLocks noGrp="1"/>
+          </p:cNvSpPr>
+          <p:nvPr>
+            <p:ph type="title"/>
+          </p:nvPr>
+        </p:nvSpPr>
+        <p:spPr/>
+        <p:txBody>
+          <a:bodyPr/>
+          <a:lstStyle/>
+          <a:p>
+            <a:r>
+              <a:rPr lang="en-US" dirty="0">
+                <a:latin typeface="Times New Roman" panose="02020603050405020304" pitchFamily="18" charset="0"/>
+                <a:cs typeface="Times New Roman" panose="02020603050405020304" pitchFamily="18" charset="0"/>
+              </a:rPr>
+              <a:t>Reference</a:t>
+            </a:r>
+            <a:endParaRPr lang="fr-CA" dirty="0">
+              <a:latin typeface="Times New Roman" panose="02020603050405020304" pitchFamily="18" charset="0"/>
+              <a:cs typeface="Times New Roman" panose="02020603050405020304" pitchFamily="18" charset="0"/>
+            </a:endParaRPr>
+          </a:p>
+        </p:txBody>
+      </p:sp>
+      <p:sp>
+        <p:nvSpPr>
+          <p:cNvPr id="4" name="文本框 3">
+            <a:extLst>
+              <a:ext uri="{FF2B5EF4-FFF2-40B4-BE49-F238E27FC236}">
+                <a16:creationId xmlns:a16="http://schemas.microsoft.com/office/drawing/2014/main" id="{743E5E28-46F9-7AF9-C75E-FA15A653B302}"/>
+              </a:ext>
+            </a:extLst>
+          </p:cNvPr>
+          <p:cNvSpPr txBox="1"/>
+          <p:nvPr/>
+        </p:nvSpPr>
+        <p:spPr>
+          <a:xfrm>
+            <a:off x="838199" y="1814572"/>
+            <a:ext cx="10945969" cy="923330"/>
+          </a:xfrm>
+          <a:prstGeom prst="rect">
+            <a:avLst/>
+          </a:prstGeom>
+          <a:noFill/>
+        </p:spPr>
+        <p:txBody>
+          <a:bodyPr wrap="square">
+            <a:spAutoFit/>
+          </a:bodyPr>
+          <a:lstStyle/>
+          <a:p>
+            <a:r>
+              <a:rPr lang="fr-CA" altLang="zh-CN" dirty="0">
+                <a:latin typeface="Times New Roman" panose="02020603050405020304" pitchFamily="18" charset="0"/>
+                <a:cs typeface="Times New Roman" panose="02020603050405020304" pitchFamily="18" charset="0"/>
+              </a:rPr>
+              <a:t>[1] Z. Yu, Z. Liu, F. Meyer, A. Conti and M. Z. Win, "Localization Based on Channel Impulse Response Estimates," 2020 IEEE/ION Position, Location and Navigation Symposium (PLANS), 2020, pp. 1014-1021, doi: 10.1109/PLANS46316.2020.9110161.</a:t>
+            </a:r>
+            <a:endParaRPr lang="fr-CA" dirty="0">
+              <a:latin typeface="Times New Roman" panose="02020603050405020304" pitchFamily="18" charset="0"/>
+              <a:cs typeface="Times New Roman" panose="02020603050405020304" pitchFamily="18" charset="0"/>
+            </a:endParaRPr>
+          </a:p>
+        </p:txBody>
+      </p:sp>
+    </p:spTree>
+    <p:extLst>
+      <p:ext uri="{BB962C8B-B14F-4D97-AF65-F5344CB8AC3E}">
+        <p14:creationId xmlns:p14="http://schemas.microsoft.com/office/powerpoint/2010/main" val="173249459"/>
+      </p:ext>
+    </p:extLst>
+  </p:cSld>
+  <p:clrMapOvr>
+    <a:masterClrMapping/>
+  </p:clrMapOvr>
+</p:sld>
+</file>
+
+<file path=ppt/slides/slide29.xml><?xml version="1.0" encoding="utf-8"?>
+<p:sld xmlns:a="http://schemas.openxmlformats.org/drawingml/2006/main" xmlns:r="http://schemas.openxmlformats.org/officeDocument/2006/relationships" xmlns:p="http://schemas.openxmlformats.org/presentationml/2006/main">
+  <p:cSld>
+    <p:spTree>
+      <p:nvGrpSpPr>
+        <p:cNvPr id="1" name=""/>
+        <p:cNvGrpSpPr/>
+        <p:nvPr/>
+      </p:nvGrpSpPr>
+      <p:grpSpPr>
+        <a:xfrm>
+          <a:off x="0" y="0"/>
+          <a:ext cx="0" cy="0"/>
+          <a:chOff x="0" y="0"/>
+          <a:chExt cx="0" cy="0"/>
+        </a:xfrm>
+      </p:grpSpPr>
+      <p:pic>
+        <p:nvPicPr>
+          <p:cNvPr id="4" name="图片 3">
+            <a:extLst>
+              <a:ext uri="{FF2B5EF4-FFF2-40B4-BE49-F238E27FC236}">
+                <a16:creationId xmlns:a16="http://schemas.microsoft.com/office/drawing/2014/main" id="{7003EEEC-DCF6-99AC-B247-DB95EBDA9540}"/>
+              </a:ext>
+            </a:extLst>
+          </p:cNvPr>
+          <p:cNvPicPr>
+            <a:picLocks noChangeAspect="1"/>
+          </p:cNvPicPr>
+          <p:nvPr/>
+        </p:nvPicPr>
+        <p:blipFill>
+          <a:blip r:embed="rId2"/>
+          <a:stretch>
+            <a:fillRect/>
+          </a:stretch>
+        </p:blipFill>
+        <p:spPr>
+          <a:xfrm>
+            <a:off x="1793315" y="2189945"/>
+            <a:ext cx="3724275" cy="2362200"/>
+          </a:xfrm>
+          <a:prstGeom prst="rect">
+            <a:avLst/>
+          </a:prstGeom>
+        </p:spPr>
+      </p:pic>
+    </p:spTree>
+    <p:extLst>
+      <p:ext uri="{BB962C8B-B14F-4D97-AF65-F5344CB8AC3E}">
+        <p14:creationId xmlns:p14="http://schemas.microsoft.com/office/powerpoint/2010/main" val="4191976539"/>
+      </p:ext>
+    </p:extLst>
+  </p:cSld>
+  <p:clrMapOvr>
+    <a:masterClrMapping/>
+  </p:clrMapOvr>
+</p:sld>
+</file>
+
+<file path=ppt/slides/slide3.xml><?xml version="1.0" encoding="utf-8"?>
 <p:sld xmlns:a="http://schemas.openxmlformats.org/drawingml/2006/main" xmlns:r="http://schemas.openxmlformats.org/officeDocument/2006/relationships" xmlns:p="http://schemas.openxmlformats.org/presentationml/2006/main">
   <p:cSld>
     <p:spTree>
@@ -9637,114 +15195,7 @@
 </p:sld>
 </file>
 
-<file path=ppt/slides/slide20.xml><?xml version="1.0" encoding="utf-8"?>
-<p:sld xmlns:a="http://schemas.openxmlformats.org/drawingml/2006/main" xmlns:r="http://schemas.openxmlformats.org/officeDocument/2006/relationships" xmlns:p="http://schemas.openxmlformats.org/presentationml/2006/main">
-  <p:cSld>
-    <p:spTree>
-      <p:nvGrpSpPr>
-        <p:cNvPr id="1" name=""/>
-        <p:cNvGrpSpPr/>
-        <p:nvPr/>
-      </p:nvGrpSpPr>
-      <p:grpSpPr>
-        <a:xfrm>
-          <a:off x="0" y="0"/>
-          <a:ext cx="0" cy="0"/>
-          <a:chOff x="0" y="0"/>
-          <a:chExt cx="0" cy="0"/>
-        </a:xfrm>
-      </p:grpSpPr>
-      <p:sp>
-        <p:nvSpPr>
-          <p:cNvPr id="2" name="标题 1">
-            <a:extLst>
-              <a:ext uri="{FF2B5EF4-FFF2-40B4-BE49-F238E27FC236}">
-                <a16:creationId xmlns:a16="http://schemas.microsoft.com/office/drawing/2014/main" id="{15126F8B-0AE9-A50B-78E7-FA7B753BECC2}"/>
-              </a:ext>
-            </a:extLst>
-          </p:cNvPr>
-          <p:cNvSpPr>
-            <a:spLocks noGrp="1"/>
-          </p:cNvSpPr>
-          <p:nvPr>
-            <p:ph type="title"/>
-          </p:nvPr>
-        </p:nvSpPr>
-        <p:spPr/>
-        <p:txBody>
-          <a:bodyPr/>
-          <a:lstStyle/>
-          <a:p>
-            <a:r>
-              <a:rPr lang="en-US" dirty="0">
-                <a:latin typeface="Times New Roman" panose="02020603050405020304" pitchFamily="18" charset="0"/>
-                <a:cs typeface="Times New Roman" panose="02020603050405020304" pitchFamily="18" charset="0"/>
-              </a:rPr>
-              <a:t>Reference</a:t>
-            </a:r>
-            <a:endParaRPr lang="fr-CA" dirty="0">
-              <a:latin typeface="Times New Roman" panose="02020603050405020304" pitchFamily="18" charset="0"/>
-              <a:cs typeface="Times New Roman" panose="02020603050405020304" pitchFamily="18" charset="0"/>
-            </a:endParaRPr>
-          </a:p>
-        </p:txBody>
-      </p:sp>
-      <p:sp>
-        <p:nvSpPr>
-          <p:cNvPr id="4" name="文本框 3">
-            <a:extLst>
-              <a:ext uri="{FF2B5EF4-FFF2-40B4-BE49-F238E27FC236}">
-                <a16:creationId xmlns:a16="http://schemas.microsoft.com/office/drawing/2014/main" id="{743E5E28-46F9-7AF9-C75E-FA15A653B302}"/>
-              </a:ext>
-            </a:extLst>
-          </p:cNvPr>
-          <p:cNvSpPr txBox="1"/>
-          <p:nvPr/>
-        </p:nvSpPr>
-        <p:spPr>
-          <a:xfrm>
-            <a:off x="838199" y="1814572"/>
-            <a:ext cx="10945969" cy="923330"/>
-          </a:xfrm>
-          <a:prstGeom prst="rect">
-            <a:avLst/>
-          </a:prstGeom>
-          <a:noFill/>
-        </p:spPr>
-        <p:txBody>
-          <a:bodyPr wrap="square">
-            <a:spAutoFit/>
-          </a:bodyPr>
-          <a:lstStyle/>
-          <a:p>
-            <a:r>
-              <a:rPr lang="fr-CA" altLang="zh-CN" dirty="0">
-                <a:latin typeface="Times New Roman" panose="02020603050405020304" pitchFamily="18" charset="0"/>
-                <a:cs typeface="Times New Roman" panose="02020603050405020304" pitchFamily="18" charset="0"/>
-              </a:rPr>
-              <a:t>[1] Z. Yu, Z. Liu, F. Meyer, A. Conti and M. Z. Win, "Localization Based on Channel Impulse Response Estimates," 2020 IEEE/ION Position, Location and Navigation Symposium (PLANS), 2020, pp. 1014-1021, doi: 10.1109/PLANS46316.2020.9110161.</a:t>
-            </a:r>
-            <a:endParaRPr lang="fr-CA" dirty="0">
-              <a:latin typeface="Times New Roman" panose="02020603050405020304" pitchFamily="18" charset="0"/>
-              <a:cs typeface="Times New Roman" panose="02020603050405020304" pitchFamily="18" charset="0"/>
-            </a:endParaRPr>
-          </a:p>
-        </p:txBody>
-      </p:sp>
-    </p:spTree>
-    <p:extLst>
-      <p:ext uri="{BB962C8B-B14F-4D97-AF65-F5344CB8AC3E}">
-        <p14:creationId xmlns:p14="http://schemas.microsoft.com/office/powerpoint/2010/main" val="173249459"/>
-      </p:ext>
-    </p:extLst>
-  </p:cSld>
-  <p:clrMapOvr>
-    <a:masterClrMapping/>
-  </p:clrMapOvr>
-</p:sld>
-</file>
-
-<file path=ppt/slides/slide21.xml><?xml version="1.0" encoding="utf-8"?>
+<file path=ppt/slides/slide30.xml><?xml version="1.0" encoding="utf-8"?>
 <p:sld xmlns:a="http://schemas.openxmlformats.org/drawingml/2006/main" xmlns:r="http://schemas.openxmlformats.org/officeDocument/2006/relationships" xmlns:p="http://schemas.openxmlformats.org/presentationml/2006/main" show="0">
   <p:cSld>
     <p:spTree>
@@ -9981,7 +15432,7 @@
 </p:sld>
 </file>
 
-<file path=ppt/slides/slide22.xml><?xml version="1.0" encoding="utf-8"?>
+<file path=ppt/slides/slide31.xml><?xml version="1.0" encoding="utf-8"?>
 <p:sld xmlns:a="http://schemas.openxmlformats.org/drawingml/2006/main" xmlns:r="http://schemas.openxmlformats.org/officeDocument/2006/relationships" xmlns:p="http://schemas.openxmlformats.org/presentationml/2006/main" show="0">
   <p:cSld>
     <p:spTree>
@@ -10200,7 +15651,7 @@
 </p:sld>
 </file>
 
-<file path=ppt/slides/slide23.xml><?xml version="1.0" encoding="utf-8"?>
+<file path=ppt/slides/slide32.xml><?xml version="1.0" encoding="utf-8"?>
 <p:sld xmlns:a="http://schemas.openxmlformats.org/drawingml/2006/main" xmlns:r="http://schemas.openxmlformats.org/officeDocument/2006/relationships" xmlns:p="http://schemas.openxmlformats.org/presentationml/2006/main">
   <p:cSld>
     <p:spTree>
@@ -10419,7 +15870,7 @@
 </p:sld>
 </file>
 
-<file path=ppt/slides/slide24.xml><?xml version="1.0" encoding="utf-8"?>
+<file path=ppt/slides/slide33.xml><?xml version="1.0" encoding="utf-8"?>
 <p:sld xmlns:a="http://schemas.openxmlformats.org/drawingml/2006/main" xmlns:r="http://schemas.openxmlformats.org/officeDocument/2006/relationships" xmlns:p="http://schemas.openxmlformats.org/presentationml/2006/main">
   <p:cSld>
     <p:spTree>
@@ -10668,7 +16119,7 @@
 </p:sld>
 </file>
 
-<file path=ppt/slides/slide25.xml><?xml version="1.0" encoding="utf-8"?>
+<file path=ppt/slides/slide34.xml><?xml version="1.0" encoding="utf-8"?>
 <p:sld xmlns:a="http://schemas.openxmlformats.org/drawingml/2006/main" xmlns:r="http://schemas.openxmlformats.org/officeDocument/2006/relationships" xmlns:p="http://schemas.openxmlformats.org/presentationml/2006/main">
   <p:cSld>
     <p:spTree>
@@ -10819,7 +16270,7 @@
 </p:sld>
 </file>
 
-<file path=ppt/slides/slide26.xml><?xml version="1.0" encoding="utf-8"?>
+<file path=ppt/slides/slide35.xml><?xml version="1.0" encoding="utf-8"?>
 <p:sld xmlns:a="http://schemas.openxmlformats.org/drawingml/2006/main" xmlns:r="http://schemas.openxmlformats.org/officeDocument/2006/relationships" xmlns:p="http://schemas.openxmlformats.org/presentationml/2006/main">
   <p:cSld>
     <p:spTree>
@@ -11026,7 +16477,7 @@
 </p:sld>
 </file>
 
-<file path=ppt/slides/slide27.xml><?xml version="1.0" encoding="utf-8"?>
+<file path=ppt/slides/slide36.xml><?xml version="1.0" encoding="utf-8"?>
 <p:sld xmlns:a="http://schemas.openxmlformats.org/drawingml/2006/main" xmlns:r="http://schemas.openxmlformats.org/officeDocument/2006/relationships" xmlns:p="http://schemas.openxmlformats.org/presentationml/2006/main">
   <p:cSld>
     <p:spTree>
@@ -11086,7 +16537,7 @@
 </p:sld>
 </file>
 
-<file path=ppt/slides/slide28.xml><?xml version="1.0" encoding="utf-8"?>
+<file path=ppt/slides/slide37.xml><?xml version="1.0" encoding="utf-8"?>
 <p:sld xmlns:a="http://schemas.openxmlformats.org/drawingml/2006/main" xmlns:r="http://schemas.openxmlformats.org/officeDocument/2006/relationships" xmlns:p="http://schemas.openxmlformats.org/presentationml/2006/main">
   <p:cSld>
     <p:spTree>
@@ -11264,7 +16715,7 @@
 </p:sld>
 </file>
 
-<file path=ppt/slides/slide29.xml><?xml version="1.0" encoding="utf-8"?>
+<file path=ppt/slides/slide38.xml><?xml version="1.0" encoding="utf-8"?>
 <p:sld xmlns:a="http://schemas.openxmlformats.org/drawingml/2006/main" xmlns:r="http://schemas.openxmlformats.org/officeDocument/2006/relationships" xmlns:p="http://schemas.openxmlformats.org/presentationml/2006/main">
   <p:cSld>
     <p:spTree>
@@ -11324,7 +16775,7 @@
 </p:sld>
 </file>
 
-<file path=ppt/slides/slide3.xml><?xml version="1.0" encoding="utf-8"?>
+<file path=ppt/slides/slide4.xml><?xml version="1.0" encoding="utf-8"?>
 <p:sld xmlns:a="http://schemas.openxmlformats.org/drawingml/2006/main" xmlns:r="http://schemas.openxmlformats.org/officeDocument/2006/relationships" xmlns:p="http://schemas.openxmlformats.org/presentationml/2006/main" show="0">
   <p:cSld>
     <p:spTree>
@@ -11554,7 +17005,7 @@
 </p:sld>
 </file>
 
-<file path=ppt/slides/slide4.xml><?xml version="1.0" encoding="utf-8"?>
+<file path=ppt/slides/slide5.xml><?xml version="1.0" encoding="utf-8"?>
 <p:sld xmlns:a="http://schemas.openxmlformats.org/drawingml/2006/main" xmlns:r="http://schemas.openxmlformats.org/officeDocument/2006/relationships" xmlns:p="http://schemas.openxmlformats.org/presentationml/2006/main">
   <p:cSld>
     <p:spTree>
@@ -11761,7 +17212,7 @@
 </p:sld>
 </file>
 
-<file path=ppt/slides/slide5.xml><?xml version="1.0" encoding="utf-8"?>
+<file path=ppt/slides/slide6.xml><?xml version="1.0" encoding="utf-8"?>
 <p:sld xmlns:a="http://schemas.openxmlformats.org/drawingml/2006/main" xmlns:r="http://schemas.openxmlformats.org/officeDocument/2006/relationships" xmlns:p="http://schemas.openxmlformats.org/presentationml/2006/main">
   <p:cSld>
     <p:spTree>
@@ -11968,7 +17419,7 @@
 </p:sld>
 </file>
 
-<file path=ppt/slides/slide6.xml><?xml version="1.0" encoding="utf-8"?>
+<file path=ppt/slides/slide7.xml><?xml version="1.0" encoding="utf-8"?>
 <p:sld xmlns:a="http://schemas.openxmlformats.org/drawingml/2006/main" xmlns:r="http://schemas.openxmlformats.org/officeDocument/2006/relationships" xmlns:p="http://schemas.openxmlformats.org/presentationml/2006/main">
   <p:cSld>
     <p:spTree>
@@ -12028,7 +17479,7 @@
 </p:sld>
 </file>
 
-<file path=ppt/slides/slide7.xml><?xml version="1.0" encoding="utf-8"?>
+<file path=ppt/slides/slide8.xml><?xml version="1.0" encoding="utf-8"?>
 <p:sld xmlns:a="http://schemas.openxmlformats.org/drawingml/2006/main" xmlns:r="http://schemas.openxmlformats.org/officeDocument/2006/relationships" xmlns:p="http://schemas.openxmlformats.org/presentationml/2006/main">
   <p:cSld>
     <p:spTree>
@@ -12088,7 +17539,7 @@
 </p:sld>
 </file>
 
-<file path=ppt/slides/slide8.xml><?xml version="1.0" encoding="utf-8"?>
+<file path=ppt/slides/slide9.xml><?xml version="1.0" encoding="utf-8"?>
 <p:sld xmlns:a="http://schemas.openxmlformats.org/drawingml/2006/main" xmlns:r="http://schemas.openxmlformats.org/officeDocument/2006/relationships" xmlns:p="http://schemas.openxmlformats.org/presentationml/2006/main">
   <p:cSld>
     <p:spTree>
@@ -12167,91 +17618,6 @@
     <p:extLst>
       <p:ext uri="{BB962C8B-B14F-4D97-AF65-F5344CB8AC3E}">
         <p14:creationId xmlns:p14="http://schemas.microsoft.com/office/powerpoint/2010/main" val="3344157482"/>
-      </p:ext>
-    </p:extLst>
-  </p:cSld>
-  <p:clrMapOvr>
-    <a:masterClrMapping/>
-  </p:clrMapOvr>
-</p:sld>
-</file>
-
-<file path=ppt/slides/slide9.xml><?xml version="1.0" encoding="utf-8"?>
-<p:sld xmlns:a="http://schemas.openxmlformats.org/drawingml/2006/main" xmlns:r="http://schemas.openxmlformats.org/officeDocument/2006/relationships" xmlns:p="http://schemas.openxmlformats.org/presentationml/2006/main">
-  <p:cSld>
-    <p:spTree>
-      <p:nvGrpSpPr>
-        <p:cNvPr id="1" name=""/>
-        <p:cNvGrpSpPr/>
-        <p:nvPr/>
-      </p:nvGrpSpPr>
-      <p:grpSpPr>
-        <a:xfrm>
-          <a:off x="0" y="0"/>
-          <a:ext cx="0" cy="0"/>
-          <a:chOff x="0" y="0"/>
-          <a:chExt cx="0" cy="0"/>
-        </a:xfrm>
-      </p:grpSpPr>
-      <p:sp>
-        <p:nvSpPr>
-          <p:cNvPr id="2" name="标题 1">
-            <a:extLst>
-              <a:ext uri="{FF2B5EF4-FFF2-40B4-BE49-F238E27FC236}">
-                <a16:creationId xmlns:a16="http://schemas.microsoft.com/office/drawing/2014/main" id="{75DAE3FA-458C-874B-8CC2-44930AB6F259}"/>
-              </a:ext>
-            </a:extLst>
-          </p:cNvPr>
-          <p:cNvSpPr>
-            <a:spLocks noGrp="1"/>
-          </p:cNvSpPr>
-          <p:nvPr>
-            <p:ph type="title"/>
-          </p:nvPr>
-        </p:nvSpPr>
-        <p:spPr/>
-        <p:txBody>
-          <a:bodyPr/>
-          <a:lstStyle/>
-          <a:p>
-            <a:endParaRPr lang="fr-CA"/>
-          </a:p>
-        </p:txBody>
-      </p:sp>
-      <p:pic>
-        <p:nvPicPr>
-          <p:cNvPr id="4" name="图片 3">
-            <a:extLst>
-              <a:ext uri="{FF2B5EF4-FFF2-40B4-BE49-F238E27FC236}">
-                <a16:creationId xmlns:a16="http://schemas.microsoft.com/office/drawing/2014/main" id="{56AC2D80-8ABF-5B3B-7B85-BACEBE9F05F3}"/>
-              </a:ext>
-            </a:extLst>
-          </p:cNvPr>
-          <p:cNvPicPr>
-            <a:picLocks noChangeAspect="1"/>
-          </p:cNvPicPr>
-          <p:nvPr/>
-        </p:nvPicPr>
-        <p:blipFill>
-          <a:blip r:embed="rId2"/>
-          <a:stretch>
-            <a:fillRect/>
-          </a:stretch>
-        </p:blipFill>
-        <p:spPr>
-          <a:xfrm>
-            <a:off x="2553449" y="2078194"/>
-            <a:ext cx="6140730" cy="4168060"/>
-          </a:xfrm>
-          <a:prstGeom prst="rect">
-            <a:avLst/>
-          </a:prstGeom>
-        </p:spPr>
-      </p:pic>
-    </p:spTree>
-    <p:extLst>
-      <p:ext uri="{BB962C8B-B14F-4D97-AF65-F5344CB8AC3E}">
-        <p14:creationId xmlns:p14="http://schemas.microsoft.com/office/powerpoint/2010/main" val="3137794201"/>
       </p:ext>
     </p:extLst>
   </p:cSld>

--- a/presentation.pptx
+++ b/presentation.pptx
@@ -5,7 +5,7 @@
     <p:sldMasterId id="2147483648" r:id="rId1"/>
   </p:sldMasterIdLst>
   <p:notesMasterIdLst>
-    <p:notesMasterId r:id="rId40"/>
+    <p:notesMasterId r:id="rId38"/>
   </p:notesMasterIdLst>
   <p:sldIdLst>
     <p:sldId id="286" r:id="rId2"/>
@@ -31,21 +31,19 @@
     <p:sldId id="302" r:id="rId22"/>
     <p:sldId id="301" r:id="rId23"/>
     <p:sldId id="300" r:id="rId24"/>
-    <p:sldId id="299" r:id="rId25"/>
-    <p:sldId id="298" r:id="rId26"/>
-    <p:sldId id="294" r:id="rId27"/>
-    <p:sldId id="297" r:id="rId28"/>
-    <p:sldId id="292" r:id="rId29"/>
-    <p:sldId id="296" r:id="rId30"/>
-    <p:sldId id="266" r:id="rId31"/>
-    <p:sldId id="262" r:id="rId32"/>
-    <p:sldId id="265" r:id="rId33"/>
-    <p:sldId id="267" r:id="rId34"/>
-    <p:sldId id="269" r:id="rId35"/>
-    <p:sldId id="270" r:id="rId36"/>
-    <p:sldId id="276" r:id="rId37"/>
-    <p:sldId id="282" r:id="rId38"/>
-    <p:sldId id="279" r:id="rId39"/>
+    <p:sldId id="298" r:id="rId25"/>
+    <p:sldId id="297" r:id="rId26"/>
+    <p:sldId id="292" r:id="rId27"/>
+    <p:sldId id="296" r:id="rId28"/>
+    <p:sldId id="266" r:id="rId29"/>
+    <p:sldId id="262" r:id="rId30"/>
+    <p:sldId id="265" r:id="rId31"/>
+    <p:sldId id="267" r:id="rId32"/>
+    <p:sldId id="269" r:id="rId33"/>
+    <p:sldId id="270" r:id="rId34"/>
+    <p:sldId id="276" r:id="rId35"/>
+    <p:sldId id="282" r:id="rId36"/>
+    <p:sldId id="279" r:id="rId37"/>
   </p:sldIdLst>
   <p:sldSz cx="12192000" cy="6858000"/>
   <p:notesSz cx="6858000" cy="9144000"/>
@@ -234,7 +232,7 @@
           <a:p>
             <a:fld id="{CC7CB2C3-37B5-4BD6-986D-8040C072327A}" type="datetimeFigureOut">
               <a:rPr lang="fr-CA" smtClean="0"/>
-              <a:t>2022-11-03</a:t>
+              <a:t>2022-11-04</a:t>
             </a:fld>
             <a:endParaRPr lang="fr-CA"/>
           </a:p>
@@ -738,7 +736,7 @@
           <a:p>
             <a:fld id="{5890D0D9-284D-414C-A308-03C9872EF452}" type="datetimeFigureOut">
               <a:rPr lang="fr-CA" smtClean="0"/>
-              <a:t>2022-11-03</a:t>
+              <a:t>2022-11-04</a:t>
             </a:fld>
             <a:endParaRPr lang="fr-CA"/>
           </a:p>
@@ -938,7 +936,7 @@
           <a:p>
             <a:fld id="{5890D0D9-284D-414C-A308-03C9872EF452}" type="datetimeFigureOut">
               <a:rPr lang="fr-CA" smtClean="0"/>
-              <a:t>2022-11-03</a:t>
+              <a:t>2022-11-04</a:t>
             </a:fld>
             <a:endParaRPr lang="fr-CA"/>
           </a:p>
@@ -1148,7 +1146,7 @@
           <a:p>
             <a:fld id="{5890D0D9-284D-414C-A308-03C9872EF452}" type="datetimeFigureOut">
               <a:rPr lang="fr-CA" smtClean="0"/>
-              <a:t>2022-11-03</a:t>
+              <a:t>2022-11-04</a:t>
             </a:fld>
             <a:endParaRPr lang="fr-CA"/>
           </a:p>
@@ -1348,7 +1346,7 @@
           <a:p>
             <a:fld id="{5890D0D9-284D-414C-A308-03C9872EF452}" type="datetimeFigureOut">
               <a:rPr lang="fr-CA" smtClean="0"/>
-              <a:t>2022-11-03</a:t>
+              <a:t>2022-11-04</a:t>
             </a:fld>
             <a:endParaRPr lang="fr-CA"/>
           </a:p>
@@ -1624,7 +1622,7 @@
           <a:p>
             <a:fld id="{5890D0D9-284D-414C-A308-03C9872EF452}" type="datetimeFigureOut">
               <a:rPr lang="fr-CA" smtClean="0"/>
-              <a:t>2022-11-03</a:t>
+              <a:t>2022-11-04</a:t>
             </a:fld>
             <a:endParaRPr lang="fr-CA"/>
           </a:p>
@@ -1892,7 +1890,7 @@
           <a:p>
             <a:fld id="{5890D0D9-284D-414C-A308-03C9872EF452}" type="datetimeFigureOut">
               <a:rPr lang="fr-CA" smtClean="0"/>
-              <a:t>2022-11-03</a:t>
+              <a:t>2022-11-04</a:t>
             </a:fld>
             <a:endParaRPr lang="fr-CA"/>
           </a:p>
@@ -2307,7 +2305,7 @@
           <a:p>
             <a:fld id="{5890D0D9-284D-414C-A308-03C9872EF452}" type="datetimeFigureOut">
               <a:rPr lang="fr-CA" smtClean="0"/>
-              <a:t>2022-11-03</a:t>
+              <a:t>2022-11-04</a:t>
             </a:fld>
             <a:endParaRPr lang="fr-CA"/>
           </a:p>
@@ -2449,7 +2447,7 @@
           <a:p>
             <a:fld id="{5890D0D9-284D-414C-A308-03C9872EF452}" type="datetimeFigureOut">
               <a:rPr lang="fr-CA" smtClean="0"/>
-              <a:t>2022-11-03</a:t>
+              <a:t>2022-11-04</a:t>
             </a:fld>
             <a:endParaRPr lang="fr-CA"/>
           </a:p>
@@ -2562,7 +2560,7 @@
           <a:p>
             <a:fld id="{5890D0D9-284D-414C-A308-03C9872EF452}" type="datetimeFigureOut">
               <a:rPr lang="fr-CA" smtClean="0"/>
-              <a:t>2022-11-03</a:t>
+              <a:t>2022-11-04</a:t>
             </a:fld>
             <a:endParaRPr lang="fr-CA"/>
           </a:p>
@@ -2875,7 +2873,7 @@
           <a:p>
             <a:fld id="{5890D0D9-284D-414C-A308-03C9872EF452}" type="datetimeFigureOut">
               <a:rPr lang="fr-CA" smtClean="0"/>
-              <a:t>2022-11-03</a:t>
+              <a:t>2022-11-04</a:t>
             </a:fld>
             <a:endParaRPr lang="fr-CA"/>
           </a:p>
@@ -3164,7 +3162,7 @@
           <a:p>
             <a:fld id="{5890D0D9-284D-414C-A308-03C9872EF452}" type="datetimeFigureOut">
               <a:rPr lang="fr-CA" smtClean="0"/>
-              <a:t>2022-11-03</a:t>
+              <a:t>2022-11-04</a:t>
             </a:fld>
             <a:endParaRPr lang="fr-CA"/>
           </a:p>
@@ -3407,7 +3405,7 @@
           <a:p>
             <a:fld id="{5890D0D9-284D-414C-A308-03C9872EF452}" type="datetimeFigureOut">
               <a:rPr lang="fr-CA" smtClean="0"/>
-              <a:t>2022-11-03</a:t>
+              <a:t>2022-11-04</a:t>
             </a:fld>
             <a:endParaRPr lang="fr-CA"/>
           </a:p>
@@ -11546,10 +11544,10 @@
       </p:grpSpPr>
       <p:pic>
         <p:nvPicPr>
-          <p:cNvPr id="3" name="图片 2">
-            <a:extLst>
-              <a:ext uri="{FF2B5EF4-FFF2-40B4-BE49-F238E27FC236}">
-                <a16:creationId xmlns:a16="http://schemas.microsoft.com/office/drawing/2014/main" id="{4A40A4FD-A618-B54F-C765-CFB4F57BBA6E}"/>
+          <p:cNvPr id="5" name="图片 4">
+            <a:extLst>
+              <a:ext uri="{FF2B5EF4-FFF2-40B4-BE49-F238E27FC236}">
+                <a16:creationId xmlns:a16="http://schemas.microsoft.com/office/drawing/2014/main" id="{61749D3B-8441-61AA-3BE5-96E33E047DAE}"/>
               </a:ext>
             </a:extLst>
           </p:cNvPr>
@@ -11566,7 +11564,97 @@
         </p:blipFill>
         <p:spPr>
           <a:xfrm>
-            <a:off x="4422956" y="1960071"/>
+            <a:off x="4672414" y="714844"/>
+            <a:ext cx="3676650" cy="2647950"/>
+          </a:xfrm>
+          <a:prstGeom prst="rect">
+            <a:avLst/>
+          </a:prstGeom>
+        </p:spPr>
+      </p:pic>
+      <p:pic>
+        <p:nvPicPr>
+          <p:cNvPr id="7" name="图片 6">
+            <a:extLst>
+              <a:ext uri="{FF2B5EF4-FFF2-40B4-BE49-F238E27FC236}">
+                <a16:creationId xmlns:a16="http://schemas.microsoft.com/office/drawing/2014/main" id="{AC442A71-C5BB-9911-7270-6008E5A9E18B}"/>
+              </a:ext>
+            </a:extLst>
+          </p:cNvPr>
+          <p:cNvPicPr>
+            <a:picLocks noChangeAspect="1"/>
+          </p:cNvPicPr>
+          <p:nvPr/>
+        </p:nvPicPr>
+        <p:blipFill>
+          <a:blip r:embed="rId3"/>
+          <a:stretch>
+            <a:fillRect/>
+          </a:stretch>
+        </p:blipFill>
+        <p:spPr>
+          <a:xfrm>
+            <a:off x="8266417" y="714843"/>
+            <a:ext cx="3676650" cy="2647950"/>
+          </a:xfrm>
+          <a:prstGeom prst="rect">
+            <a:avLst/>
+          </a:prstGeom>
+        </p:spPr>
+      </p:pic>
+      <p:pic>
+        <p:nvPicPr>
+          <p:cNvPr id="9" name="图片 8">
+            <a:extLst>
+              <a:ext uri="{FF2B5EF4-FFF2-40B4-BE49-F238E27FC236}">
+                <a16:creationId xmlns:a16="http://schemas.microsoft.com/office/drawing/2014/main" id="{F706B88C-D5D9-80D0-AFA2-28EA1F990B1D}"/>
+              </a:ext>
+            </a:extLst>
+          </p:cNvPr>
+          <p:cNvPicPr>
+            <a:picLocks noChangeAspect="1"/>
+          </p:cNvPicPr>
+          <p:nvPr/>
+        </p:nvPicPr>
+        <p:blipFill>
+          <a:blip r:embed="rId4"/>
+          <a:stretch>
+            <a:fillRect/>
+          </a:stretch>
+        </p:blipFill>
+        <p:spPr>
+          <a:xfrm>
+            <a:off x="6142342" y="3429000"/>
+            <a:ext cx="5800725" cy="3171825"/>
+          </a:xfrm>
+          <a:prstGeom prst="rect">
+            <a:avLst/>
+          </a:prstGeom>
+        </p:spPr>
+      </p:pic>
+      <p:pic>
+        <p:nvPicPr>
+          <p:cNvPr id="11" name="图片 10">
+            <a:extLst>
+              <a:ext uri="{FF2B5EF4-FFF2-40B4-BE49-F238E27FC236}">
+                <a16:creationId xmlns:a16="http://schemas.microsoft.com/office/drawing/2014/main" id="{47B0DD88-F603-A844-F5ED-7AD19F3AB75F}"/>
+              </a:ext>
+            </a:extLst>
+          </p:cNvPr>
+          <p:cNvPicPr>
+            <a:picLocks noChangeAspect="1"/>
+          </p:cNvPicPr>
+          <p:nvPr/>
+        </p:nvPicPr>
+        <p:blipFill>
+          <a:blip r:embed="rId5"/>
+          <a:stretch>
+            <a:fillRect/>
+          </a:stretch>
+        </p:blipFill>
+        <p:spPr>
+          <a:xfrm>
+            <a:off x="819016" y="636096"/>
             <a:ext cx="3676650" cy="2647950"/>
           </a:xfrm>
           <a:prstGeom prst="rect">
@@ -11576,10 +11664,10 @@
       </p:pic>
       <p:sp>
         <p:nvSpPr>
-          <p:cNvPr id="4" name="文本框 3">
-            <a:extLst>
-              <a:ext uri="{FF2B5EF4-FFF2-40B4-BE49-F238E27FC236}">
-                <a16:creationId xmlns:a16="http://schemas.microsoft.com/office/drawing/2014/main" id="{23DD1BFA-B140-F010-14D0-31BE46849CD2}"/>
+          <p:cNvPr id="13" name="文本框 12">
+            <a:extLst>
+              <a:ext uri="{FF2B5EF4-FFF2-40B4-BE49-F238E27FC236}">
+                <a16:creationId xmlns:a16="http://schemas.microsoft.com/office/drawing/2014/main" id="{DDDE11C0-7147-E6F6-67EE-572C1B756792}"/>
               </a:ext>
             </a:extLst>
           </p:cNvPr>
@@ -11588,7 +11676,7 @@
         </p:nvSpPr>
         <p:spPr>
           <a:xfrm>
-            <a:off x="2208727" y="2822381"/>
+            <a:off x="1983347" y="4354967"/>
             <a:ext cx="3721994" cy="923330"/>
           </a:xfrm>
           <a:prstGeom prst="rect">
@@ -11627,45 +11715,26 @@
               </a:rPr>
               <a:t>Target: Paris</a:t>
             </a:r>
+            <a:r>
+              <a:rPr lang="en-US" dirty="0">
+                <a:latin typeface="Times New Roman" panose="02020603050405020304" pitchFamily="18" charset="0"/>
+                <a:cs typeface="Times New Roman" panose="02020603050405020304" pitchFamily="18" charset="0"/>
+              </a:rPr>
+              <a:t>, Toulouse</a:t>
+            </a:r>
+            <a:endParaRPr lang="fr-CA" dirty="0">
+              <a:latin typeface="Times New Roman" panose="02020603050405020304" pitchFamily="18" charset="0"/>
+              <a:cs typeface="Times New Roman" panose="02020603050405020304" pitchFamily="18" charset="0"/>
+            </a:endParaRPr>
           </a:p>
         </p:txBody>
       </p:sp>
-    </p:spTree>
-    <p:extLst>
-      <p:ext uri="{BB962C8B-B14F-4D97-AF65-F5344CB8AC3E}">
-        <p14:creationId xmlns:p14="http://schemas.microsoft.com/office/powerpoint/2010/main" val="2785282011"/>
-      </p:ext>
-    </p:extLst>
-  </p:cSld>
-  <p:clrMapOvr>
-    <a:masterClrMapping/>
-  </p:clrMapOvr>
-</p:sld>
-</file>
-
-<file path=ppt/slides/slide25.xml><?xml version="1.0" encoding="utf-8"?>
-<p:sld xmlns:a="http://schemas.openxmlformats.org/drawingml/2006/main" xmlns:r="http://schemas.openxmlformats.org/officeDocument/2006/relationships" xmlns:p="http://schemas.openxmlformats.org/presentationml/2006/main">
-  <p:cSld>
-    <p:spTree>
-      <p:nvGrpSpPr>
-        <p:cNvPr id="1" name=""/>
-        <p:cNvGrpSpPr/>
-        <p:nvPr/>
-      </p:nvGrpSpPr>
-      <p:grpSpPr>
-        <a:xfrm>
-          <a:off x="0" y="0"/>
-          <a:ext cx="0" cy="0"/>
-          <a:chOff x="0" y="0"/>
-          <a:chExt cx="0" cy="0"/>
-        </a:xfrm>
-      </p:grpSpPr>
       <p:pic>
         <p:nvPicPr>
-          <p:cNvPr id="10" name="图片 9">
-            <a:extLst>
-              <a:ext uri="{FF2B5EF4-FFF2-40B4-BE49-F238E27FC236}">
-                <a16:creationId xmlns:a16="http://schemas.microsoft.com/office/drawing/2014/main" id="{1C40BAB4-1046-462D-B3DD-6CF021C33BD7}"/>
+          <p:cNvPr id="15" name="图片 14">
+            <a:extLst>
+              <a:ext uri="{FF2B5EF4-FFF2-40B4-BE49-F238E27FC236}">
+                <a16:creationId xmlns:a16="http://schemas.microsoft.com/office/drawing/2014/main" id="{4B100AC5-0892-70A7-61FC-A9882DED30F2}"/>
               </a:ext>
             </a:extLst>
           </p:cNvPr>
@@ -11675,45 +11744,15 @@
           <p:nvPr/>
         </p:nvPicPr>
         <p:blipFill>
-          <a:blip r:embed="rId2"/>
+          <a:blip r:embed="rId6"/>
           <a:stretch>
             <a:fillRect/>
           </a:stretch>
         </p:blipFill>
         <p:spPr>
           <a:xfrm>
-            <a:off x="3075561" y="2391647"/>
-            <a:ext cx="5667375" cy="2886075"/>
-          </a:xfrm>
-          <a:prstGeom prst="rect">
-            <a:avLst/>
-          </a:prstGeom>
-        </p:spPr>
-      </p:pic>
-      <p:pic>
-        <p:nvPicPr>
-          <p:cNvPr id="12" name="图片 11">
-            <a:extLst>
-              <a:ext uri="{FF2B5EF4-FFF2-40B4-BE49-F238E27FC236}">
-                <a16:creationId xmlns:a16="http://schemas.microsoft.com/office/drawing/2014/main" id="{D1209AEF-740E-F73D-739B-19FB71E71092}"/>
-              </a:ext>
-            </a:extLst>
-          </p:cNvPr>
-          <p:cNvPicPr>
-            <a:picLocks noChangeAspect="1"/>
-          </p:cNvPicPr>
-          <p:nvPr/>
-        </p:nvPicPr>
-        <p:blipFill>
-          <a:blip r:embed="rId3"/>
-          <a:stretch>
-            <a:fillRect/>
-          </a:stretch>
-        </p:blipFill>
-        <p:spPr>
-          <a:xfrm>
-            <a:off x="2659479" y="2167809"/>
-            <a:ext cx="6308837" cy="3449660"/>
+            <a:off x="664469" y="4081932"/>
+            <a:ext cx="3676650" cy="2647950"/>
           </a:xfrm>
           <a:prstGeom prst="rect">
             <a:avLst/>
@@ -11733,127 +11772,7 @@
 </p:sld>
 </file>
 
-<file path=ppt/slides/slide26.xml><?xml version="1.0" encoding="utf-8"?>
-<p:sld xmlns:a="http://schemas.openxmlformats.org/drawingml/2006/main" xmlns:r="http://schemas.openxmlformats.org/officeDocument/2006/relationships" xmlns:p="http://schemas.openxmlformats.org/presentationml/2006/main">
-  <p:cSld>
-    <p:spTree>
-      <p:nvGrpSpPr>
-        <p:cNvPr id="1" name=""/>
-        <p:cNvGrpSpPr/>
-        <p:nvPr/>
-      </p:nvGrpSpPr>
-      <p:grpSpPr>
-        <a:xfrm>
-          <a:off x="0" y="0"/>
-          <a:ext cx="0" cy="0"/>
-          <a:chOff x="0" y="0"/>
-          <a:chExt cx="0" cy="0"/>
-        </a:xfrm>
-      </p:grpSpPr>
-      <p:pic>
-        <p:nvPicPr>
-          <p:cNvPr id="6" name="图片 5">
-            <a:extLst>
-              <a:ext uri="{FF2B5EF4-FFF2-40B4-BE49-F238E27FC236}">
-                <a16:creationId xmlns:a16="http://schemas.microsoft.com/office/drawing/2014/main" id="{FEB34E2A-3D00-2D58-8FD1-E3D521CDA93E}"/>
-              </a:ext>
-            </a:extLst>
-          </p:cNvPr>
-          <p:cNvPicPr>
-            <a:picLocks noChangeAspect="1"/>
-          </p:cNvPicPr>
-          <p:nvPr/>
-        </p:nvPicPr>
-        <p:blipFill>
-          <a:blip r:embed="rId2"/>
-          <a:stretch>
-            <a:fillRect/>
-          </a:stretch>
-        </p:blipFill>
-        <p:spPr>
-          <a:xfrm>
-            <a:off x="1007639" y="1279100"/>
-            <a:ext cx="2114550" cy="3552825"/>
-          </a:xfrm>
-          <a:prstGeom prst="rect">
-            <a:avLst/>
-          </a:prstGeom>
-        </p:spPr>
-      </p:pic>
-      <p:pic>
-        <p:nvPicPr>
-          <p:cNvPr id="10" name="图片 9">
-            <a:extLst>
-              <a:ext uri="{FF2B5EF4-FFF2-40B4-BE49-F238E27FC236}">
-                <a16:creationId xmlns:a16="http://schemas.microsoft.com/office/drawing/2014/main" id="{E61F9493-D4E4-7BC6-AB8E-6009AE274E57}"/>
-              </a:ext>
-            </a:extLst>
-          </p:cNvPr>
-          <p:cNvPicPr>
-            <a:picLocks noChangeAspect="1"/>
-          </p:cNvPicPr>
-          <p:nvPr/>
-        </p:nvPicPr>
-        <p:blipFill>
-          <a:blip r:embed="rId3"/>
-          <a:stretch>
-            <a:fillRect/>
-          </a:stretch>
-        </p:blipFill>
-        <p:spPr>
-          <a:xfrm>
-            <a:off x="4332600" y="256236"/>
-            <a:ext cx="2057400" cy="5753100"/>
-          </a:xfrm>
-          <a:prstGeom prst="rect">
-            <a:avLst/>
-          </a:prstGeom>
-        </p:spPr>
-      </p:pic>
-      <p:pic>
-        <p:nvPicPr>
-          <p:cNvPr id="12" name="图片 11">
-            <a:extLst>
-              <a:ext uri="{FF2B5EF4-FFF2-40B4-BE49-F238E27FC236}">
-                <a16:creationId xmlns:a16="http://schemas.microsoft.com/office/drawing/2014/main" id="{18744EC5-04B6-2F0C-C537-235D7908379F}"/>
-              </a:ext>
-            </a:extLst>
-          </p:cNvPr>
-          <p:cNvPicPr>
-            <a:picLocks noChangeAspect="1"/>
-          </p:cNvPicPr>
-          <p:nvPr/>
-        </p:nvPicPr>
-        <p:blipFill>
-          <a:blip r:embed="rId4"/>
-          <a:stretch>
-            <a:fillRect/>
-          </a:stretch>
-        </p:blipFill>
-        <p:spPr>
-          <a:xfrm>
-            <a:off x="7201167" y="1798212"/>
-            <a:ext cx="3629025" cy="2514600"/>
-          </a:xfrm>
-          <a:prstGeom prst="rect">
-            <a:avLst/>
-          </a:prstGeom>
-        </p:spPr>
-      </p:pic>
-    </p:spTree>
-    <p:extLst>
-      <p:ext uri="{BB962C8B-B14F-4D97-AF65-F5344CB8AC3E}">
-        <p14:creationId xmlns:p14="http://schemas.microsoft.com/office/powerpoint/2010/main" val="266770974"/>
-      </p:ext>
-    </p:extLst>
-  </p:cSld>
-  <p:clrMapOvr>
-    <a:masterClrMapping/>
-  </p:clrMapOvr>
-</p:sld>
-</file>
-
-<file path=ppt/slides/slide27.xml><?xml version="1.0" encoding="utf-8"?>
+<file path=ppt/slides/slide25.xml><?xml version="1.0" encoding="utf-8"?>
 <p:sld xmlns:a="http://schemas.openxmlformats.org/drawingml/2006/main" xmlns:r="http://schemas.openxmlformats.org/officeDocument/2006/relationships" xmlns:p="http://schemas.openxmlformats.org/presentationml/2006/main">
   <p:cSld>
     <p:spTree>
@@ -11981,7 +11900,7 @@
 </p:sld>
 </file>
 
-<file path=ppt/slides/slide28.xml><?xml version="1.0" encoding="utf-8"?>
+<file path=ppt/slides/slide26.xml><?xml version="1.0" encoding="utf-8"?>
 <p:sld xmlns:a="http://schemas.openxmlformats.org/drawingml/2006/main" xmlns:r="http://schemas.openxmlformats.org/officeDocument/2006/relationships" xmlns:p="http://schemas.openxmlformats.org/presentationml/2006/main">
   <p:cSld>
     <p:spTree>
@@ -12088,7 +12007,7 @@
 </p:sld>
 </file>
 
-<file path=ppt/slides/slide29.xml><?xml version="1.0" encoding="utf-8"?>
+<file path=ppt/slides/slide27.xml><?xml version="1.0" encoding="utf-8"?>
 <p:sld xmlns:a="http://schemas.openxmlformats.org/drawingml/2006/main" xmlns:r="http://schemas.openxmlformats.org/officeDocument/2006/relationships" xmlns:p="http://schemas.openxmlformats.org/presentationml/2006/main">
   <p:cSld>
     <p:spTree>
@@ -12139,6 +12058,462 @@
     <p:extLst>
       <p:ext uri="{BB962C8B-B14F-4D97-AF65-F5344CB8AC3E}">
         <p14:creationId xmlns:p14="http://schemas.microsoft.com/office/powerpoint/2010/main" val="4191976539"/>
+      </p:ext>
+    </p:extLst>
+  </p:cSld>
+  <p:clrMapOvr>
+    <a:masterClrMapping/>
+  </p:clrMapOvr>
+</p:sld>
+</file>
+
+<file path=ppt/slides/slide28.xml><?xml version="1.0" encoding="utf-8"?>
+<p:sld xmlns:a="http://schemas.openxmlformats.org/drawingml/2006/main" xmlns:r="http://schemas.openxmlformats.org/officeDocument/2006/relationships" xmlns:p="http://schemas.openxmlformats.org/presentationml/2006/main" show="0">
+  <p:cSld>
+    <p:spTree>
+      <p:nvGrpSpPr>
+        <p:cNvPr id="1" name=""/>
+        <p:cNvGrpSpPr/>
+        <p:nvPr/>
+      </p:nvGrpSpPr>
+      <p:grpSpPr>
+        <a:xfrm>
+          <a:off x="0" y="0"/>
+          <a:ext cx="0" cy="0"/>
+          <a:chOff x="0" y="0"/>
+          <a:chExt cx="0" cy="0"/>
+        </a:xfrm>
+      </p:grpSpPr>
+      <p:sp>
+        <p:nvSpPr>
+          <p:cNvPr id="2" name="标题 1">
+            <a:extLst>
+              <a:ext uri="{FF2B5EF4-FFF2-40B4-BE49-F238E27FC236}">
+                <a16:creationId xmlns:a16="http://schemas.microsoft.com/office/drawing/2014/main" id="{89F29298-542C-434C-7A99-A4FB69A09C79}"/>
+              </a:ext>
+            </a:extLst>
+          </p:cNvPr>
+          <p:cNvSpPr>
+            <a:spLocks noGrp="1"/>
+          </p:cNvSpPr>
+          <p:nvPr>
+            <p:ph type="title"/>
+          </p:nvPr>
+        </p:nvSpPr>
+        <p:spPr/>
+        <p:txBody>
+          <a:bodyPr/>
+          <a:lstStyle/>
+          <a:p>
+            <a:r>
+              <a:rPr lang="fr-CA" dirty="0">
+                <a:latin typeface="Times New Roman" panose="02020603050405020304" pitchFamily="18" charset="0"/>
+                <a:cs typeface="Times New Roman" panose="02020603050405020304" pitchFamily="18" charset="0"/>
+              </a:rPr>
+              <a:t>L</a:t>
+            </a:r>
+            <a:r>
+              <a:rPr lang="en-US" altLang="zh-CN" dirty="0" err="1">
+                <a:latin typeface="Times New Roman" panose="02020603050405020304" pitchFamily="18" charset="0"/>
+                <a:cs typeface="Times New Roman" panose="02020603050405020304" pitchFamily="18" charset="0"/>
+              </a:rPr>
+              <a:t>ondon</a:t>
+            </a:r>
+            <a:r>
+              <a:rPr lang="en-US" altLang="zh-CN" dirty="0">
+                <a:latin typeface="Times New Roman" panose="02020603050405020304" pitchFamily="18" charset="0"/>
+                <a:cs typeface="Times New Roman" panose="02020603050405020304" pitchFamily="18" charset="0"/>
+              </a:rPr>
+              <a:t> (Minimize propagation delay)</a:t>
+            </a:r>
+            <a:endParaRPr lang="fr-CA" dirty="0">
+              <a:latin typeface="Times New Roman" panose="02020603050405020304" pitchFamily="18" charset="0"/>
+              <a:cs typeface="Times New Roman" panose="02020603050405020304" pitchFamily="18" charset="0"/>
+            </a:endParaRPr>
+          </a:p>
+        </p:txBody>
+      </p:sp>
+      <p:pic>
+        <p:nvPicPr>
+          <p:cNvPr id="8" name="图片 7">
+            <a:extLst>
+              <a:ext uri="{FF2B5EF4-FFF2-40B4-BE49-F238E27FC236}">
+                <a16:creationId xmlns:a16="http://schemas.microsoft.com/office/drawing/2014/main" id="{ABC07FD8-01C9-1059-1951-85EB3C718555}"/>
+              </a:ext>
+            </a:extLst>
+          </p:cNvPr>
+          <p:cNvPicPr>
+            <a:picLocks noChangeAspect="1"/>
+          </p:cNvPicPr>
+          <p:nvPr/>
+        </p:nvPicPr>
+        <p:blipFill>
+          <a:blip r:embed="rId2"/>
+          <a:stretch>
+            <a:fillRect/>
+          </a:stretch>
+        </p:blipFill>
+        <p:spPr>
+          <a:xfrm>
+            <a:off x="4200525" y="1805660"/>
+            <a:ext cx="3790950" cy="2886075"/>
+          </a:xfrm>
+          <a:prstGeom prst="rect">
+            <a:avLst/>
+          </a:prstGeom>
+        </p:spPr>
+      </p:pic>
+      <p:pic>
+        <p:nvPicPr>
+          <p:cNvPr id="10" name="图片 9">
+            <a:extLst>
+              <a:ext uri="{FF2B5EF4-FFF2-40B4-BE49-F238E27FC236}">
+                <a16:creationId xmlns:a16="http://schemas.microsoft.com/office/drawing/2014/main" id="{DC16B4D0-67DF-9293-D1F1-6A62E318C9CF}"/>
+              </a:ext>
+            </a:extLst>
+          </p:cNvPr>
+          <p:cNvPicPr>
+            <a:picLocks noChangeAspect="1"/>
+          </p:cNvPicPr>
+          <p:nvPr/>
+        </p:nvPicPr>
+        <p:blipFill>
+          <a:blip r:embed="rId3"/>
+          <a:stretch>
+            <a:fillRect/>
+          </a:stretch>
+        </p:blipFill>
+        <p:spPr>
+          <a:xfrm>
+            <a:off x="7936605" y="1805660"/>
+            <a:ext cx="3505200" cy="2647950"/>
+          </a:xfrm>
+          <a:prstGeom prst="rect">
+            <a:avLst/>
+          </a:prstGeom>
+        </p:spPr>
+      </p:pic>
+      <p:pic>
+        <p:nvPicPr>
+          <p:cNvPr id="12" name="图片 11">
+            <a:extLst>
+              <a:ext uri="{FF2B5EF4-FFF2-40B4-BE49-F238E27FC236}">
+                <a16:creationId xmlns:a16="http://schemas.microsoft.com/office/drawing/2014/main" id="{3FD3D3ED-AE6E-8F1F-A5FC-57667C25C02B}"/>
+              </a:ext>
+            </a:extLst>
+          </p:cNvPr>
+          <p:cNvPicPr>
+            <a:picLocks noChangeAspect="1"/>
+          </p:cNvPicPr>
+          <p:nvPr/>
+        </p:nvPicPr>
+        <p:blipFill>
+          <a:blip r:embed="rId4"/>
+          <a:stretch>
+            <a:fillRect/>
+          </a:stretch>
+        </p:blipFill>
+        <p:spPr>
+          <a:xfrm>
+            <a:off x="584648" y="4203613"/>
+            <a:ext cx="3571875" cy="2647950"/>
+          </a:xfrm>
+          <a:prstGeom prst="rect">
+            <a:avLst/>
+          </a:prstGeom>
+        </p:spPr>
+      </p:pic>
+      <p:pic>
+        <p:nvPicPr>
+          <p:cNvPr id="14" name="图片 13">
+            <a:extLst>
+              <a:ext uri="{FF2B5EF4-FFF2-40B4-BE49-F238E27FC236}">
+                <a16:creationId xmlns:a16="http://schemas.microsoft.com/office/drawing/2014/main" id="{BAB8F56A-869B-AC21-1AF1-9CD534587771}"/>
+              </a:ext>
+            </a:extLst>
+          </p:cNvPr>
+          <p:cNvPicPr>
+            <a:picLocks noChangeAspect="1"/>
+          </p:cNvPicPr>
+          <p:nvPr/>
+        </p:nvPicPr>
+        <p:blipFill>
+          <a:blip r:embed="rId5"/>
+          <a:stretch>
+            <a:fillRect/>
+          </a:stretch>
+        </p:blipFill>
+        <p:spPr>
+          <a:xfrm>
+            <a:off x="508448" y="1805660"/>
+            <a:ext cx="3648075" cy="2638425"/>
+          </a:xfrm>
+          <a:prstGeom prst="rect">
+            <a:avLst/>
+          </a:prstGeom>
+        </p:spPr>
+      </p:pic>
+      <p:sp>
+        <p:nvSpPr>
+          <p:cNvPr id="16" name="文本框 15">
+            <a:extLst>
+              <a:ext uri="{FF2B5EF4-FFF2-40B4-BE49-F238E27FC236}">
+                <a16:creationId xmlns:a16="http://schemas.microsoft.com/office/drawing/2014/main" id="{FF1F2972-9821-A1D0-7171-D7802B8E5B38}"/>
+              </a:ext>
+            </a:extLst>
+          </p:cNvPr>
+          <p:cNvSpPr txBox="1"/>
+          <p:nvPr/>
+        </p:nvSpPr>
+        <p:spPr>
+          <a:xfrm>
+            <a:off x="8169096" y="4624387"/>
+            <a:ext cx="3272709" cy="369332"/>
+          </a:xfrm>
+          <a:prstGeom prst="rect">
+            <a:avLst/>
+          </a:prstGeom>
+          <a:noFill/>
+        </p:spPr>
+        <p:txBody>
+          <a:bodyPr wrap="square">
+            <a:spAutoFit/>
+          </a:bodyPr>
+          <a:lstStyle/>
+          <a:p>
+            <a:r>
+              <a:rPr lang="fr-CA" altLang="zh-CN" dirty="0">
+                <a:latin typeface="Times New Roman" panose="02020603050405020304" pitchFamily="18" charset="0"/>
+                <a:cs typeface="Times New Roman" panose="02020603050405020304" pitchFamily="18" charset="0"/>
+              </a:rPr>
+              <a:t>Grid size ~ 0.05 km by 0.14 km</a:t>
+            </a:r>
+          </a:p>
+        </p:txBody>
+      </p:sp>
+    </p:spTree>
+    <p:extLst>
+      <p:ext uri="{BB962C8B-B14F-4D97-AF65-F5344CB8AC3E}">
+        <p14:creationId xmlns:p14="http://schemas.microsoft.com/office/powerpoint/2010/main" val="4198413096"/>
+      </p:ext>
+    </p:extLst>
+  </p:cSld>
+  <p:clrMapOvr>
+    <a:masterClrMapping/>
+  </p:clrMapOvr>
+</p:sld>
+</file>
+
+<file path=ppt/slides/slide29.xml><?xml version="1.0" encoding="utf-8"?>
+<p:sld xmlns:a="http://schemas.openxmlformats.org/drawingml/2006/main" xmlns:r="http://schemas.openxmlformats.org/officeDocument/2006/relationships" xmlns:p="http://schemas.openxmlformats.org/presentationml/2006/main" show="0">
+  <p:cSld>
+    <p:spTree>
+      <p:nvGrpSpPr>
+        <p:cNvPr id="1" name=""/>
+        <p:cNvGrpSpPr/>
+        <p:nvPr/>
+      </p:nvGrpSpPr>
+      <p:grpSpPr>
+        <a:xfrm>
+          <a:off x="0" y="0"/>
+          <a:ext cx="0" cy="0"/>
+          <a:chOff x="0" y="0"/>
+          <a:chExt cx="0" cy="0"/>
+        </a:xfrm>
+      </p:grpSpPr>
+      <p:pic>
+        <p:nvPicPr>
+          <p:cNvPr id="5" name="图片 4">
+            <a:extLst>
+              <a:ext uri="{FF2B5EF4-FFF2-40B4-BE49-F238E27FC236}">
+                <a16:creationId xmlns:a16="http://schemas.microsoft.com/office/drawing/2014/main" id="{FB7C2258-73AE-D2CF-02AB-06C27012AD77}"/>
+              </a:ext>
+            </a:extLst>
+          </p:cNvPr>
+          <p:cNvPicPr>
+            <a:picLocks noChangeAspect="1"/>
+          </p:cNvPicPr>
+          <p:nvPr/>
+        </p:nvPicPr>
+        <p:blipFill>
+          <a:blip r:embed="rId2"/>
+          <a:stretch>
+            <a:fillRect/>
+          </a:stretch>
+        </p:blipFill>
+        <p:spPr>
+          <a:xfrm>
+            <a:off x="4487214" y="1571625"/>
+            <a:ext cx="3857625" cy="2886075"/>
+          </a:xfrm>
+          <a:prstGeom prst="rect">
+            <a:avLst/>
+          </a:prstGeom>
+        </p:spPr>
+      </p:pic>
+      <p:pic>
+        <p:nvPicPr>
+          <p:cNvPr id="7" name="图片 6">
+            <a:extLst>
+              <a:ext uri="{FF2B5EF4-FFF2-40B4-BE49-F238E27FC236}">
+                <a16:creationId xmlns:a16="http://schemas.microsoft.com/office/drawing/2014/main" id="{1348D4B9-8C20-D63F-39E5-AFADD9727C9E}"/>
+              </a:ext>
+            </a:extLst>
+          </p:cNvPr>
+          <p:cNvPicPr>
+            <a:picLocks noChangeAspect="1"/>
+          </p:cNvPicPr>
+          <p:nvPr/>
+        </p:nvPicPr>
+        <p:blipFill>
+          <a:blip r:embed="rId3"/>
+          <a:stretch>
+            <a:fillRect/>
+          </a:stretch>
+        </p:blipFill>
+        <p:spPr>
+          <a:xfrm>
+            <a:off x="838200" y="1571625"/>
+            <a:ext cx="3629025" cy="2638425"/>
+          </a:xfrm>
+          <a:prstGeom prst="rect">
+            <a:avLst/>
+          </a:prstGeom>
+        </p:spPr>
+      </p:pic>
+      <p:pic>
+        <p:nvPicPr>
+          <p:cNvPr id="9" name="图片 8">
+            <a:extLst>
+              <a:ext uri="{FF2B5EF4-FFF2-40B4-BE49-F238E27FC236}">
+                <a16:creationId xmlns:a16="http://schemas.microsoft.com/office/drawing/2014/main" id="{4F7E3452-743C-DD2B-D489-988F1FCD465F}"/>
+              </a:ext>
+            </a:extLst>
+          </p:cNvPr>
+          <p:cNvPicPr>
+            <a:picLocks noChangeAspect="1"/>
+          </p:cNvPicPr>
+          <p:nvPr/>
+        </p:nvPicPr>
+        <p:blipFill>
+          <a:blip r:embed="rId4"/>
+          <a:stretch>
+            <a:fillRect/>
+          </a:stretch>
+        </p:blipFill>
+        <p:spPr>
+          <a:xfrm>
+            <a:off x="866774" y="4092575"/>
+            <a:ext cx="3571875" cy="2647950"/>
+          </a:xfrm>
+          <a:prstGeom prst="rect">
+            <a:avLst/>
+          </a:prstGeom>
+        </p:spPr>
+      </p:pic>
+      <p:sp>
+        <p:nvSpPr>
+          <p:cNvPr id="10" name="标题 9">
+            <a:extLst>
+              <a:ext uri="{FF2B5EF4-FFF2-40B4-BE49-F238E27FC236}">
+                <a16:creationId xmlns:a16="http://schemas.microsoft.com/office/drawing/2014/main" id="{B93F8AA6-32C2-5BD7-054E-F282C6545631}"/>
+              </a:ext>
+            </a:extLst>
+          </p:cNvPr>
+          <p:cNvSpPr>
+            <a:spLocks noGrp="1"/>
+          </p:cNvSpPr>
+          <p:nvPr>
+            <p:ph type="title"/>
+          </p:nvPr>
+        </p:nvSpPr>
+        <p:spPr/>
+        <p:txBody>
+          <a:bodyPr/>
+          <a:lstStyle/>
+          <a:p>
+            <a:r>
+              <a:rPr lang="fr-CA" dirty="0">
+                <a:latin typeface="Times New Roman" panose="02020603050405020304" pitchFamily="18" charset="0"/>
+                <a:cs typeface="Times New Roman" panose="02020603050405020304" pitchFamily="18" charset="0"/>
+              </a:rPr>
+              <a:t>Sahara (Minimize propagation delay</a:t>
+            </a:r>
+          </a:p>
+        </p:txBody>
+      </p:sp>
+      <p:pic>
+        <p:nvPicPr>
+          <p:cNvPr id="12" name="图片 11">
+            <a:extLst>
+              <a:ext uri="{FF2B5EF4-FFF2-40B4-BE49-F238E27FC236}">
+                <a16:creationId xmlns:a16="http://schemas.microsoft.com/office/drawing/2014/main" id="{C555575D-2873-874E-C34E-FA10B059629A}"/>
+              </a:ext>
+            </a:extLst>
+          </p:cNvPr>
+          <p:cNvPicPr>
+            <a:picLocks noChangeAspect="1"/>
+          </p:cNvPicPr>
+          <p:nvPr/>
+        </p:nvPicPr>
+        <p:blipFill>
+          <a:blip r:embed="rId5"/>
+          <a:stretch>
+            <a:fillRect/>
+          </a:stretch>
+        </p:blipFill>
+        <p:spPr>
+          <a:xfrm>
+            <a:off x="8364156" y="1562100"/>
+            <a:ext cx="3600450" cy="2647950"/>
+          </a:xfrm>
+          <a:prstGeom prst="rect">
+            <a:avLst/>
+          </a:prstGeom>
+        </p:spPr>
+      </p:pic>
+      <p:sp>
+        <p:nvSpPr>
+          <p:cNvPr id="13" name="文本框 12">
+            <a:extLst>
+              <a:ext uri="{FF2B5EF4-FFF2-40B4-BE49-F238E27FC236}">
+                <a16:creationId xmlns:a16="http://schemas.microsoft.com/office/drawing/2014/main" id="{4F6C37EB-B1ED-14EE-0710-DFD39C43CBDB}"/>
+              </a:ext>
+            </a:extLst>
+          </p:cNvPr>
+          <p:cNvSpPr txBox="1"/>
+          <p:nvPr/>
+        </p:nvSpPr>
+        <p:spPr>
+          <a:xfrm>
+            <a:off x="8983014" y="4210050"/>
+            <a:ext cx="2981592" cy="369332"/>
+          </a:xfrm>
+          <a:prstGeom prst="rect">
+            <a:avLst/>
+          </a:prstGeom>
+          <a:noFill/>
+        </p:spPr>
+        <p:txBody>
+          <a:bodyPr wrap="square" rtlCol="0">
+            <a:spAutoFit/>
+          </a:bodyPr>
+          <a:lstStyle/>
+          <a:p>
+            <a:r>
+              <a:rPr lang="fr-CA" dirty="0">
+                <a:latin typeface="Times New Roman" panose="02020603050405020304" pitchFamily="18" charset="0"/>
+                <a:cs typeface="Times New Roman" panose="02020603050405020304" pitchFamily="18" charset="0"/>
+              </a:rPr>
+              <a:t>Grid size ~1.1 km by 1.7 km</a:t>
+            </a:r>
+          </a:p>
+        </p:txBody>
+      </p:sp>
+    </p:spTree>
+    <p:extLst>
+      <p:ext uri="{BB962C8B-B14F-4D97-AF65-F5344CB8AC3E}">
+        <p14:creationId xmlns:p14="http://schemas.microsoft.com/office/powerpoint/2010/main" val="3518597048"/>
       </p:ext>
     </p:extLst>
   </p:cSld>
@@ -15196,462 +15571,6 @@
 </file>
 
 <file path=ppt/slides/slide30.xml><?xml version="1.0" encoding="utf-8"?>
-<p:sld xmlns:a="http://schemas.openxmlformats.org/drawingml/2006/main" xmlns:r="http://schemas.openxmlformats.org/officeDocument/2006/relationships" xmlns:p="http://schemas.openxmlformats.org/presentationml/2006/main" show="0">
-  <p:cSld>
-    <p:spTree>
-      <p:nvGrpSpPr>
-        <p:cNvPr id="1" name=""/>
-        <p:cNvGrpSpPr/>
-        <p:nvPr/>
-      </p:nvGrpSpPr>
-      <p:grpSpPr>
-        <a:xfrm>
-          <a:off x="0" y="0"/>
-          <a:ext cx="0" cy="0"/>
-          <a:chOff x="0" y="0"/>
-          <a:chExt cx="0" cy="0"/>
-        </a:xfrm>
-      </p:grpSpPr>
-      <p:sp>
-        <p:nvSpPr>
-          <p:cNvPr id="2" name="标题 1">
-            <a:extLst>
-              <a:ext uri="{FF2B5EF4-FFF2-40B4-BE49-F238E27FC236}">
-                <a16:creationId xmlns:a16="http://schemas.microsoft.com/office/drawing/2014/main" id="{89F29298-542C-434C-7A99-A4FB69A09C79}"/>
-              </a:ext>
-            </a:extLst>
-          </p:cNvPr>
-          <p:cNvSpPr>
-            <a:spLocks noGrp="1"/>
-          </p:cNvSpPr>
-          <p:nvPr>
-            <p:ph type="title"/>
-          </p:nvPr>
-        </p:nvSpPr>
-        <p:spPr/>
-        <p:txBody>
-          <a:bodyPr/>
-          <a:lstStyle/>
-          <a:p>
-            <a:r>
-              <a:rPr lang="fr-CA" dirty="0">
-                <a:latin typeface="Times New Roman" panose="02020603050405020304" pitchFamily="18" charset="0"/>
-                <a:cs typeface="Times New Roman" panose="02020603050405020304" pitchFamily="18" charset="0"/>
-              </a:rPr>
-              <a:t>L</a:t>
-            </a:r>
-            <a:r>
-              <a:rPr lang="en-US" altLang="zh-CN" dirty="0" err="1">
-                <a:latin typeface="Times New Roman" panose="02020603050405020304" pitchFamily="18" charset="0"/>
-                <a:cs typeface="Times New Roman" panose="02020603050405020304" pitchFamily="18" charset="0"/>
-              </a:rPr>
-              <a:t>ondon</a:t>
-            </a:r>
-            <a:r>
-              <a:rPr lang="en-US" altLang="zh-CN" dirty="0">
-                <a:latin typeface="Times New Roman" panose="02020603050405020304" pitchFamily="18" charset="0"/>
-                <a:cs typeface="Times New Roman" panose="02020603050405020304" pitchFamily="18" charset="0"/>
-              </a:rPr>
-              <a:t> (Minimize propagation delay)</a:t>
-            </a:r>
-            <a:endParaRPr lang="fr-CA" dirty="0">
-              <a:latin typeface="Times New Roman" panose="02020603050405020304" pitchFamily="18" charset="0"/>
-              <a:cs typeface="Times New Roman" panose="02020603050405020304" pitchFamily="18" charset="0"/>
-            </a:endParaRPr>
-          </a:p>
-        </p:txBody>
-      </p:sp>
-      <p:pic>
-        <p:nvPicPr>
-          <p:cNvPr id="8" name="图片 7">
-            <a:extLst>
-              <a:ext uri="{FF2B5EF4-FFF2-40B4-BE49-F238E27FC236}">
-                <a16:creationId xmlns:a16="http://schemas.microsoft.com/office/drawing/2014/main" id="{ABC07FD8-01C9-1059-1951-85EB3C718555}"/>
-              </a:ext>
-            </a:extLst>
-          </p:cNvPr>
-          <p:cNvPicPr>
-            <a:picLocks noChangeAspect="1"/>
-          </p:cNvPicPr>
-          <p:nvPr/>
-        </p:nvPicPr>
-        <p:blipFill>
-          <a:blip r:embed="rId2"/>
-          <a:stretch>
-            <a:fillRect/>
-          </a:stretch>
-        </p:blipFill>
-        <p:spPr>
-          <a:xfrm>
-            <a:off x="4200525" y="1805660"/>
-            <a:ext cx="3790950" cy="2886075"/>
-          </a:xfrm>
-          <a:prstGeom prst="rect">
-            <a:avLst/>
-          </a:prstGeom>
-        </p:spPr>
-      </p:pic>
-      <p:pic>
-        <p:nvPicPr>
-          <p:cNvPr id="10" name="图片 9">
-            <a:extLst>
-              <a:ext uri="{FF2B5EF4-FFF2-40B4-BE49-F238E27FC236}">
-                <a16:creationId xmlns:a16="http://schemas.microsoft.com/office/drawing/2014/main" id="{DC16B4D0-67DF-9293-D1F1-6A62E318C9CF}"/>
-              </a:ext>
-            </a:extLst>
-          </p:cNvPr>
-          <p:cNvPicPr>
-            <a:picLocks noChangeAspect="1"/>
-          </p:cNvPicPr>
-          <p:nvPr/>
-        </p:nvPicPr>
-        <p:blipFill>
-          <a:blip r:embed="rId3"/>
-          <a:stretch>
-            <a:fillRect/>
-          </a:stretch>
-        </p:blipFill>
-        <p:spPr>
-          <a:xfrm>
-            <a:off x="7936605" y="1805660"/>
-            <a:ext cx="3505200" cy="2647950"/>
-          </a:xfrm>
-          <a:prstGeom prst="rect">
-            <a:avLst/>
-          </a:prstGeom>
-        </p:spPr>
-      </p:pic>
-      <p:pic>
-        <p:nvPicPr>
-          <p:cNvPr id="12" name="图片 11">
-            <a:extLst>
-              <a:ext uri="{FF2B5EF4-FFF2-40B4-BE49-F238E27FC236}">
-                <a16:creationId xmlns:a16="http://schemas.microsoft.com/office/drawing/2014/main" id="{3FD3D3ED-AE6E-8F1F-A5FC-57667C25C02B}"/>
-              </a:ext>
-            </a:extLst>
-          </p:cNvPr>
-          <p:cNvPicPr>
-            <a:picLocks noChangeAspect="1"/>
-          </p:cNvPicPr>
-          <p:nvPr/>
-        </p:nvPicPr>
-        <p:blipFill>
-          <a:blip r:embed="rId4"/>
-          <a:stretch>
-            <a:fillRect/>
-          </a:stretch>
-        </p:blipFill>
-        <p:spPr>
-          <a:xfrm>
-            <a:off x="584648" y="4203613"/>
-            <a:ext cx="3571875" cy="2647950"/>
-          </a:xfrm>
-          <a:prstGeom prst="rect">
-            <a:avLst/>
-          </a:prstGeom>
-        </p:spPr>
-      </p:pic>
-      <p:pic>
-        <p:nvPicPr>
-          <p:cNvPr id="14" name="图片 13">
-            <a:extLst>
-              <a:ext uri="{FF2B5EF4-FFF2-40B4-BE49-F238E27FC236}">
-                <a16:creationId xmlns:a16="http://schemas.microsoft.com/office/drawing/2014/main" id="{BAB8F56A-869B-AC21-1AF1-9CD534587771}"/>
-              </a:ext>
-            </a:extLst>
-          </p:cNvPr>
-          <p:cNvPicPr>
-            <a:picLocks noChangeAspect="1"/>
-          </p:cNvPicPr>
-          <p:nvPr/>
-        </p:nvPicPr>
-        <p:blipFill>
-          <a:blip r:embed="rId5"/>
-          <a:stretch>
-            <a:fillRect/>
-          </a:stretch>
-        </p:blipFill>
-        <p:spPr>
-          <a:xfrm>
-            <a:off x="508448" y="1805660"/>
-            <a:ext cx="3648075" cy="2638425"/>
-          </a:xfrm>
-          <a:prstGeom prst="rect">
-            <a:avLst/>
-          </a:prstGeom>
-        </p:spPr>
-      </p:pic>
-      <p:sp>
-        <p:nvSpPr>
-          <p:cNvPr id="16" name="文本框 15">
-            <a:extLst>
-              <a:ext uri="{FF2B5EF4-FFF2-40B4-BE49-F238E27FC236}">
-                <a16:creationId xmlns:a16="http://schemas.microsoft.com/office/drawing/2014/main" id="{FF1F2972-9821-A1D0-7171-D7802B8E5B38}"/>
-              </a:ext>
-            </a:extLst>
-          </p:cNvPr>
-          <p:cNvSpPr txBox="1"/>
-          <p:nvPr/>
-        </p:nvSpPr>
-        <p:spPr>
-          <a:xfrm>
-            <a:off x="8169096" y="4624387"/>
-            <a:ext cx="3272709" cy="369332"/>
-          </a:xfrm>
-          <a:prstGeom prst="rect">
-            <a:avLst/>
-          </a:prstGeom>
-          <a:noFill/>
-        </p:spPr>
-        <p:txBody>
-          <a:bodyPr wrap="square">
-            <a:spAutoFit/>
-          </a:bodyPr>
-          <a:lstStyle/>
-          <a:p>
-            <a:r>
-              <a:rPr lang="fr-CA" altLang="zh-CN" dirty="0">
-                <a:latin typeface="Times New Roman" panose="02020603050405020304" pitchFamily="18" charset="0"/>
-                <a:cs typeface="Times New Roman" panose="02020603050405020304" pitchFamily="18" charset="0"/>
-              </a:rPr>
-              <a:t>Grid size ~ 0.05 km by 0.14 km</a:t>
-            </a:r>
-          </a:p>
-        </p:txBody>
-      </p:sp>
-    </p:spTree>
-    <p:extLst>
-      <p:ext uri="{BB962C8B-B14F-4D97-AF65-F5344CB8AC3E}">
-        <p14:creationId xmlns:p14="http://schemas.microsoft.com/office/powerpoint/2010/main" val="4198413096"/>
-      </p:ext>
-    </p:extLst>
-  </p:cSld>
-  <p:clrMapOvr>
-    <a:masterClrMapping/>
-  </p:clrMapOvr>
-</p:sld>
-</file>
-
-<file path=ppt/slides/slide31.xml><?xml version="1.0" encoding="utf-8"?>
-<p:sld xmlns:a="http://schemas.openxmlformats.org/drawingml/2006/main" xmlns:r="http://schemas.openxmlformats.org/officeDocument/2006/relationships" xmlns:p="http://schemas.openxmlformats.org/presentationml/2006/main" show="0">
-  <p:cSld>
-    <p:spTree>
-      <p:nvGrpSpPr>
-        <p:cNvPr id="1" name=""/>
-        <p:cNvGrpSpPr/>
-        <p:nvPr/>
-      </p:nvGrpSpPr>
-      <p:grpSpPr>
-        <a:xfrm>
-          <a:off x="0" y="0"/>
-          <a:ext cx="0" cy="0"/>
-          <a:chOff x="0" y="0"/>
-          <a:chExt cx="0" cy="0"/>
-        </a:xfrm>
-      </p:grpSpPr>
-      <p:pic>
-        <p:nvPicPr>
-          <p:cNvPr id="5" name="图片 4">
-            <a:extLst>
-              <a:ext uri="{FF2B5EF4-FFF2-40B4-BE49-F238E27FC236}">
-                <a16:creationId xmlns:a16="http://schemas.microsoft.com/office/drawing/2014/main" id="{FB7C2258-73AE-D2CF-02AB-06C27012AD77}"/>
-              </a:ext>
-            </a:extLst>
-          </p:cNvPr>
-          <p:cNvPicPr>
-            <a:picLocks noChangeAspect="1"/>
-          </p:cNvPicPr>
-          <p:nvPr/>
-        </p:nvPicPr>
-        <p:blipFill>
-          <a:blip r:embed="rId2"/>
-          <a:stretch>
-            <a:fillRect/>
-          </a:stretch>
-        </p:blipFill>
-        <p:spPr>
-          <a:xfrm>
-            <a:off x="4487214" y="1571625"/>
-            <a:ext cx="3857625" cy="2886075"/>
-          </a:xfrm>
-          <a:prstGeom prst="rect">
-            <a:avLst/>
-          </a:prstGeom>
-        </p:spPr>
-      </p:pic>
-      <p:pic>
-        <p:nvPicPr>
-          <p:cNvPr id="7" name="图片 6">
-            <a:extLst>
-              <a:ext uri="{FF2B5EF4-FFF2-40B4-BE49-F238E27FC236}">
-                <a16:creationId xmlns:a16="http://schemas.microsoft.com/office/drawing/2014/main" id="{1348D4B9-8C20-D63F-39E5-AFADD9727C9E}"/>
-              </a:ext>
-            </a:extLst>
-          </p:cNvPr>
-          <p:cNvPicPr>
-            <a:picLocks noChangeAspect="1"/>
-          </p:cNvPicPr>
-          <p:nvPr/>
-        </p:nvPicPr>
-        <p:blipFill>
-          <a:blip r:embed="rId3"/>
-          <a:stretch>
-            <a:fillRect/>
-          </a:stretch>
-        </p:blipFill>
-        <p:spPr>
-          <a:xfrm>
-            <a:off x="838200" y="1571625"/>
-            <a:ext cx="3629025" cy="2638425"/>
-          </a:xfrm>
-          <a:prstGeom prst="rect">
-            <a:avLst/>
-          </a:prstGeom>
-        </p:spPr>
-      </p:pic>
-      <p:pic>
-        <p:nvPicPr>
-          <p:cNvPr id="9" name="图片 8">
-            <a:extLst>
-              <a:ext uri="{FF2B5EF4-FFF2-40B4-BE49-F238E27FC236}">
-                <a16:creationId xmlns:a16="http://schemas.microsoft.com/office/drawing/2014/main" id="{4F7E3452-743C-DD2B-D489-988F1FCD465F}"/>
-              </a:ext>
-            </a:extLst>
-          </p:cNvPr>
-          <p:cNvPicPr>
-            <a:picLocks noChangeAspect="1"/>
-          </p:cNvPicPr>
-          <p:nvPr/>
-        </p:nvPicPr>
-        <p:blipFill>
-          <a:blip r:embed="rId4"/>
-          <a:stretch>
-            <a:fillRect/>
-          </a:stretch>
-        </p:blipFill>
-        <p:spPr>
-          <a:xfrm>
-            <a:off x="866774" y="4092575"/>
-            <a:ext cx="3571875" cy="2647950"/>
-          </a:xfrm>
-          <a:prstGeom prst="rect">
-            <a:avLst/>
-          </a:prstGeom>
-        </p:spPr>
-      </p:pic>
-      <p:sp>
-        <p:nvSpPr>
-          <p:cNvPr id="10" name="标题 9">
-            <a:extLst>
-              <a:ext uri="{FF2B5EF4-FFF2-40B4-BE49-F238E27FC236}">
-                <a16:creationId xmlns:a16="http://schemas.microsoft.com/office/drawing/2014/main" id="{B93F8AA6-32C2-5BD7-054E-F282C6545631}"/>
-              </a:ext>
-            </a:extLst>
-          </p:cNvPr>
-          <p:cNvSpPr>
-            <a:spLocks noGrp="1"/>
-          </p:cNvSpPr>
-          <p:nvPr>
-            <p:ph type="title"/>
-          </p:nvPr>
-        </p:nvSpPr>
-        <p:spPr/>
-        <p:txBody>
-          <a:bodyPr/>
-          <a:lstStyle/>
-          <a:p>
-            <a:r>
-              <a:rPr lang="fr-CA" dirty="0">
-                <a:latin typeface="Times New Roman" panose="02020603050405020304" pitchFamily="18" charset="0"/>
-                <a:cs typeface="Times New Roman" panose="02020603050405020304" pitchFamily="18" charset="0"/>
-              </a:rPr>
-              <a:t>Sahara (Minimize propagation delay</a:t>
-            </a:r>
-          </a:p>
-        </p:txBody>
-      </p:sp>
-      <p:pic>
-        <p:nvPicPr>
-          <p:cNvPr id="12" name="图片 11">
-            <a:extLst>
-              <a:ext uri="{FF2B5EF4-FFF2-40B4-BE49-F238E27FC236}">
-                <a16:creationId xmlns:a16="http://schemas.microsoft.com/office/drawing/2014/main" id="{C555575D-2873-874E-C34E-FA10B059629A}"/>
-              </a:ext>
-            </a:extLst>
-          </p:cNvPr>
-          <p:cNvPicPr>
-            <a:picLocks noChangeAspect="1"/>
-          </p:cNvPicPr>
-          <p:nvPr/>
-        </p:nvPicPr>
-        <p:blipFill>
-          <a:blip r:embed="rId5"/>
-          <a:stretch>
-            <a:fillRect/>
-          </a:stretch>
-        </p:blipFill>
-        <p:spPr>
-          <a:xfrm>
-            <a:off x="8364156" y="1562100"/>
-            <a:ext cx="3600450" cy="2647950"/>
-          </a:xfrm>
-          <a:prstGeom prst="rect">
-            <a:avLst/>
-          </a:prstGeom>
-        </p:spPr>
-      </p:pic>
-      <p:sp>
-        <p:nvSpPr>
-          <p:cNvPr id="13" name="文本框 12">
-            <a:extLst>
-              <a:ext uri="{FF2B5EF4-FFF2-40B4-BE49-F238E27FC236}">
-                <a16:creationId xmlns:a16="http://schemas.microsoft.com/office/drawing/2014/main" id="{4F6C37EB-B1ED-14EE-0710-DFD39C43CBDB}"/>
-              </a:ext>
-            </a:extLst>
-          </p:cNvPr>
-          <p:cNvSpPr txBox="1"/>
-          <p:nvPr/>
-        </p:nvSpPr>
-        <p:spPr>
-          <a:xfrm>
-            <a:off x="8983014" y="4210050"/>
-            <a:ext cx="2981592" cy="369332"/>
-          </a:xfrm>
-          <a:prstGeom prst="rect">
-            <a:avLst/>
-          </a:prstGeom>
-          <a:noFill/>
-        </p:spPr>
-        <p:txBody>
-          <a:bodyPr wrap="square" rtlCol="0">
-            <a:spAutoFit/>
-          </a:bodyPr>
-          <a:lstStyle/>
-          <a:p>
-            <a:r>
-              <a:rPr lang="fr-CA" dirty="0">
-                <a:latin typeface="Times New Roman" panose="02020603050405020304" pitchFamily="18" charset="0"/>
-                <a:cs typeface="Times New Roman" panose="02020603050405020304" pitchFamily="18" charset="0"/>
-              </a:rPr>
-              <a:t>Grid size ~1.1 km by 1.7 km</a:t>
-            </a:r>
-          </a:p>
-        </p:txBody>
-      </p:sp>
-    </p:spTree>
-    <p:extLst>
-      <p:ext uri="{BB962C8B-B14F-4D97-AF65-F5344CB8AC3E}">
-        <p14:creationId xmlns:p14="http://schemas.microsoft.com/office/powerpoint/2010/main" val="3518597048"/>
-      </p:ext>
-    </p:extLst>
-  </p:cSld>
-  <p:clrMapOvr>
-    <a:masterClrMapping/>
-  </p:clrMapOvr>
-</p:sld>
-</file>
-
-<file path=ppt/slides/slide32.xml><?xml version="1.0" encoding="utf-8"?>
 <p:sld xmlns:a="http://schemas.openxmlformats.org/drawingml/2006/main" xmlns:r="http://schemas.openxmlformats.org/officeDocument/2006/relationships" xmlns:p="http://schemas.openxmlformats.org/presentationml/2006/main">
   <p:cSld>
     <p:spTree>
@@ -15870,7 +15789,7 @@
 </p:sld>
 </file>
 
-<file path=ppt/slides/slide33.xml><?xml version="1.0" encoding="utf-8"?>
+<file path=ppt/slides/slide31.xml><?xml version="1.0" encoding="utf-8"?>
 <p:sld xmlns:a="http://schemas.openxmlformats.org/drawingml/2006/main" xmlns:r="http://schemas.openxmlformats.org/officeDocument/2006/relationships" xmlns:p="http://schemas.openxmlformats.org/presentationml/2006/main">
   <p:cSld>
     <p:spTree>
@@ -16119,7 +16038,7 @@
 </p:sld>
 </file>
 
-<file path=ppt/slides/slide34.xml><?xml version="1.0" encoding="utf-8"?>
+<file path=ppt/slides/slide32.xml><?xml version="1.0" encoding="utf-8"?>
 <p:sld xmlns:a="http://schemas.openxmlformats.org/drawingml/2006/main" xmlns:r="http://schemas.openxmlformats.org/officeDocument/2006/relationships" xmlns:p="http://schemas.openxmlformats.org/presentationml/2006/main">
   <p:cSld>
     <p:spTree>
@@ -16270,7 +16189,7 @@
 </p:sld>
 </file>
 
-<file path=ppt/slides/slide35.xml><?xml version="1.0" encoding="utf-8"?>
+<file path=ppt/slides/slide33.xml><?xml version="1.0" encoding="utf-8"?>
 <p:sld xmlns:a="http://schemas.openxmlformats.org/drawingml/2006/main" xmlns:r="http://schemas.openxmlformats.org/officeDocument/2006/relationships" xmlns:p="http://schemas.openxmlformats.org/presentationml/2006/main">
   <p:cSld>
     <p:spTree>
@@ -16477,7 +16396,7 @@
 </p:sld>
 </file>
 
-<file path=ppt/slides/slide36.xml><?xml version="1.0" encoding="utf-8"?>
+<file path=ppt/slides/slide34.xml><?xml version="1.0" encoding="utf-8"?>
 <p:sld xmlns:a="http://schemas.openxmlformats.org/drawingml/2006/main" xmlns:r="http://schemas.openxmlformats.org/officeDocument/2006/relationships" xmlns:p="http://schemas.openxmlformats.org/presentationml/2006/main">
   <p:cSld>
     <p:spTree>
@@ -16537,7 +16456,7 @@
 </p:sld>
 </file>
 
-<file path=ppt/slides/slide37.xml><?xml version="1.0" encoding="utf-8"?>
+<file path=ppt/slides/slide35.xml><?xml version="1.0" encoding="utf-8"?>
 <p:sld xmlns:a="http://schemas.openxmlformats.org/drawingml/2006/main" xmlns:r="http://schemas.openxmlformats.org/officeDocument/2006/relationships" xmlns:p="http://schemas.openxmlformats.org/presentationml/2006/main">
   <p:cSld>
     <p:spTree>
@@ -16715,7 +16634,7 @@
 </p:sld>
 </file>
 
-<file path=ppt/slides/slide38.xml><?xml version="1.0" encoding="utf-8"?>
+<file path=ppt/slides/slide36.xml><?xml version="1.0" encoding="utf-8"?>
 <p:sld xmlns:a="http://schemas.openxmlformats.org/drawingml/2006/main" xmlns:r="http://schemas.openxmlformats.org/officeDocument/2006/relationships" xmlns:p="http://schemas.openxmlformats.org/presentationml/2006/main">
   <p:cSld>
     <p:spTree>

--- a/presentation.pptx
+++ b/presentation.pptx
@@ -5,45 +5,47 @@
     <p:sldMasterId id="2147483648" r:id="rId1"/>
   </p:sldMasterIdLst>
   <p:notesMasterIdLst>
-    <p:notesMasterId r:id="rId38"/>
+    <p:notesMasterId r:id="rId40"/>
   </p:notesMasterIdLst>
   <p:sldIdLst>
     <p:sldId id="286" r:id="rId2"/>
     <p:sldId id="293" r:id="rId3"/>
-    <p:sldId id="264" r:id="rId4"/>
-    <p:sldId id="263" r:id="rId5"/>
-    <p:sldId id="271" r:id="rId6"/>
-    <p:sldId id="272" r:id="rId7"/>
-    <p:sldId id="281" r:id="rId8"/>
-    <p:sldId id="285" r:id="rId9"/>
-    <p:sldId id="283" r:id="rId10"/>
-    <p:sldId id="289" r:id="rId11"/>
-    <p:sldId id="284" r:id="rId12"/>
-    <p:sldId id="287" r:id="rId13"/>
-    <p:sldId id="288" r:id="rId14"/>
-    <p:sldId id="274" r:id="rId15"/>
-    <p:sldId id="275" r:id="rId16"/>
-    <p:sldId id="277" r:id="rId17"/>
-    <p:sldId id="273" r:id="rId18"/>
-    <p:sldId id="291" r:id="rId19"/>
-    <p:sldId id="278" r:id="rId20"/>
-    <p:sldId id="290" r:id="rId21"/>
-    <p:sldId id="302" r:id="rId22"/>
-    <p:sldId id="301" r:id="rId23"/>
-    <p:sldId id="300" r:id="rId24"/>
-    <p:sldId id="298" r:id="rId25"/>
-    <p:sldId id="297" r:id="rId26"/>
-    <p:sldId id="292" r:id="rId27"/>
-    <p:sldId id="296" r:id="rId28"/>
-    <p:sldId id="266" r:id="rId29"/>
-    <p:sldId id="262" r:id="rId30"/>
-    <p:sldId id="265" r:id="rId31"/>
-    <p:sldId id="267" r:id="rId32"/>
-    <p:sldId id="269" r:id="rId33"/>
-    <p:sldId id="270" r:id="rId34"/>
-    <p:sldId id="276" r:id="rId35"/>
-    <p:sldId id="282" r:id="rId36"/>
-    <p:sldId id="279" r:id="rId37"/>
+    <p:sldId id="303" r:id="rId4"/>
+    <p:sldId id="264" r:id="rId5"/>
+    <p:sldId id="263" r:id="rId6"/>
+    <p:sldId id="271" r:id="rId7"/>
+    <p:sldId id="272" r:id="rId8"/>
+    <p:sldId id="281" r:id="rId9"/>
+    <p:sldId id="285" r:id="rId10"/>
+    <p:sldId id="283" r:id="rId11"/>
+    <p:sldId id="289" r:id="rId12"/>
+    <p:sldId id="284" r:id="rId13"/>
+    <p:sldId id="287" r:id="rId14"/>
+    <p:sldId id="288" r:id="rId15"/>
+    <p:sldId id="274" r:id="rId16"/>
+    <p:sldId id="275" r:id="rId17"/>
+    <p:sldId id="277" r:id="rId18"/>
+    <p:sldId id="273" r:id="rId19"/>
+    <p:sldId id="291" r:id="rId20"/>
+    <p:sldId id="278" r:id="rId21"/>
+    <p:sldId id="290" r:id="rId22"/>
+    <p:sldId id="302" r:id="rId23"/>
+    <p:sldId id="301" r:id="rId24"/>
+    <p:sldId id="300" r:id="rId25"/>
+    <p:sldId id="304" r:id="rId26"/>
+    <p:sldId id="298" r:id="rId27"/>
+    <p:sldId id="297" r:id="rId28"/>
+    <p:sldId id="292" r:id="rId29"/>
+    <p:sldId id="296" r:id="rId30"/>
+    <p:sldId id="266" r:id="rId31"/>
+    <p:sldId id="262" r:id="rId32"/>
+    <p:sldId id="265" r:id="rId33"/>
+    <p:sldId id="267" r:id="rId34"/>
+    <p:sldId id="269" r:id="rId35"/>
+    <p:sldId id="270" r:id="rId36"/>
+    <p:sldId id="276" r:id="rId37"/>
+    <p:sldId id="282" r:id="rId38"/>
+    <p:sldId id="279" r:id="rId39"/>
   </p:sldIdLst>
   <p:sldSz cx="12192000" cy="6858000"/>
   <p:notesSz cx="6858000" cy="9144000"/>
@@ -150,6 +152,4228 @@
 </p:presentation>
 </file>
 
+<file path=ppt/diagrams/colors1.xml><?xml version="1.0" encoding="utf-8"?>
+<dgm:colorsDef xmlns:dgm="http://schemas.openxmlformats.org/drawingml/2006/diagram" xmlns:a="http://schemas.openxmlformats.org/drawingml/2006/main" uniqueId="urn:microsoft.com/office/officeart/2005/8/colors/accent1_2">
+  <dgm:title val=""/>
+  <dgm:desc val=""/>
+  <dgm:catLst>
+    <dgm:cat type="accent1" pri="11200"/>
+  </dgm:catLst>
+  <dgm:styleLbl name="node0">
+    <dgm:fillClrLst meth="repeat">
+      <a:schemeClr val="accent1"/>
+    </dgm:fillClrLst>
+    <dgm:linClrLst meth="repeat">
+      <a:schemeClr val="lt1"/>
+    </dgm:linClrLst>
+    <dgm:effectClrLst/>
+    <dgm:txLinClrLst/>
+    <dgm:txFillClrLst/>
+    <dgm:txEffectClrLst/>
+  </dgm:styleLbl>
+  <dgm:styleLbl name="alignNode1">
+    <dgm:fillClrLst meth="repeat">
+      <a:schemeClr val="accent1"/>
+    </dgm:fillClrLst>
+    <dgm:linClrLst meth="repeat">
+      <a:schemeClr val="accent1"/>
+    </dgm:linClrLst>
+    <dgm:effectClrLst/>
+    <dgm:txLinClrLst/>
+    <dgm:txFillClrLst/>
+    <dgm:txEffectClrLst/>
+  </dgm:styleLbl>
+  <dgm:styleLbl name="node1">
+    <dgm:fillClrLst meth="repeat">
+      <a:schemeClr val="accent1"/>
+    </dgm:fillClrLst>
+    <dgm:linClrLst meth="repeat">
+      <a:schemeClr val="lt1"/>
+    </dgm:linClrLst>
+    <dgm:effectClrLst/>
+    <dgm:txLinClrLst/>
+    <dgm:txFillClrLst/>
+    <dgm:txEffectClrLst/>
+  </dgm:styleLbl>
+  <dgm:styleLbl name="lnNode1">
+    <dgm:fillClrLst meth="repeat">
+      <a:schemeClr val="accent1"/>
+    </dgm:fillClrLst>
+    <dgm:linClrLst meth="repeat">
+      <a:schemeClr val="lt1"/>
+    </dgm:linClrLst>
+    <dgm:effectClrLst/>
+    <dgm:txLinClrLst/>
+    <dgm:txFillClrLst/>
+    <dgm:txEffectClrLst/>
+  </dgm:styleLbl>
+  <dgm:styleLbl name="vennNode1">
+    <dgm:fillClrLst meth="repeat">
+      <a:schemeClr val="accent1">
+        <a:alpha val="50000"/>
+      </a:schemeClr>
+    </dgm:fillClrLst>
+    <dgm:linClrLst meth="repeat">
+      <a:schemeClr val="lt1"/>
+    </dgm:linClrLst>
+    <dgm:effectClrLst/>
+    <dgm:txLinClrLst/>
+    <dgm:txFillClrLst/>
+    <dgm:txEffectClrLst/>
+  </dgm:styleLbl>
+  <dgm:styleLbl name="node2">
+    <dgm:fillClrLst meth="repeat">
+      <a:schemeClr val="accent1"/>
+    </dgm:fillClrLst>
+    <dgm:linClrLst meth="repeat">
+      <a:schemeClr val="lt1"/>
+    </dgm:linClrLst>
+    <dgm:effectClrLst/>
+    <dgm:txLinClrLst/>
+    <dgm:txFillClrLst/>
+    <dgm:txEffectClrLst/>
+  </dgm:styleLbl>
+  <dgm:styleLbl name="node3">
+    <dgm:fillClrLst meth="repeat">
+      <a:schemeClr val="accent1"/>
+    </dgm:fillClrLst>
+    <dgm:linClrLst meth="repeat">
+      <a:schemeClr val="lt1"/>
+    </dgm:linClrLst>
+    <dgm:effectClrLst/>
+    <dgm:txLinClrLst/>
+    <dgm:txFillClrLst/>
+    <dgm:txEffectClrLst/>
+  </dgm:styleLbl>
+  <dgm:styleLbl name="node4">
+    <dgm:fillClrLst meth="repeat">
+      <a:schemeClr val="accent1"/>
+    </dgm:fillClrLst>
+    <dgm:linClrLst meth="repeat">
+      <a:schemeClr val="lt1"/>
+    </dgm:linClrLst>
+    <dgm:effectClrLst/>
+    <dgm:txLinClrLst/>
+    <dgm:txFillClrLst/>
+    <dgm:txEffectClrLst/>
+  </dgm:styleLbl>
+  <dgm:styleLbl name="fgImgPlace1">
+    <dgm:fillClrLst meth="repeat">
+      <a:schemeClr val="accent1">
+        <a:tint val="50000"/>
+      </a:schemeClr>
+    </dgm:fillClrLst>
+    <dgm:linClrLst meth="repeat">
+      <a:schemeClr val="lt1"/>
+    </dgm:linClrLst>
+    <dgm:effectClrLst/>
+    <dgm:txLinClrLst/>
+    <dgm:txFillClrLst meth="repeat">
+      <a:schemeClr val="lt1"/>
+    </dgm:txFillClrLst>
+    <dgm:txEffectClrLst/>
+  </dgm:styleLbl>
+  <dgm:styleLbl name="alignImgPlace1">
+    <dgm:fillClrLst meth="repeat">
+      <a:schemeClr val="accent1">
+        <a:tint val="50000"/>
+      </a:schemeClr>
+    </dgm:fillClrLst>
+    <dgm:linClrLst meth="repeat">
+      <a:schemeClr val="lt1"/>
+    </dgm:linClrLst>
+    <dgm:effectClrLst/>
+    <dgm:txLinClrLst/>
+    <dgm:txFillClrLst meth="repeat">
+      <a:schemeClr val="lt1"/>
+    </dgm:txFillClrLst>
+    <dgm:txEffectClrLst/>
+  </dgm:styleLbl>
+  <dgm:styleLbl name="bgImgPlace1">
+    <dgm:fillClrLst meth="repeat">
+      <a:schemeClr val="accent1">
+        <a:tint val="50000"/>
+      </a:schemeClr>
+    </dgm:fillClrLst>
+    <dgm:linClrLst meth="repeat">
+      <a:schemeClr val="lt1"/>
+    </dgm:linClrLst>
+    <dgm:effectClrLst/>
+    <dgm:txLinClrLst/>
+    <dgm:txFillClrLst meth="repeat">
+      <a:schemeClr val="lt1"/>
+    </dgm:txFillClrLst>
+    <dgm:txEffectClrLst/>
+  </dgm:styleLbl>
+  <dgm:styleLbl name="sibTrans2D1">
+    <dgm:fillClrLst meth="repeat">
+      <a:schemeClr val="accent1">
+        <a:tint val="60000"/>
+      </a:schemeClr>
+    </dgm:fillClrLst>
+    <dgm:linClrLst meth="repeat">
+      <a:schemeClr val="accent1">
+        <a:tint val="60000"/>
+      </a:schemeClr>
+    </dgm:linClrLst>
+    <dgm:effectClrLst/>
+    <dgm:txLinClrLst/>
+    <dgm:txFillClrLst/>
+    <dgm:txEffectClrLst/>
+  </dgm:styleLbl>
+  <dgm:styleLbl name="fgSibTrans2D1">
+    <dgm:fillClrLst meth="repeat">
+      <a:schemeClr val="accent1">
+        <a:tint val="60000"/>
+      </a:schemeClr>
+    </dgm:fillClrLst>
+    <dgm:linClrLst meth="repeat">
+      <a:schemeClr val="accent1">
+        <a:tint val="60000"/>
+      </a:schemeClr>
+    </dgm:linClrLst>
+    <dgm:effectClrLst/>
+    <dgm:txLinClrLst/>
+    <dgm:txFillClrLst/>
+    <dgm:txEffectClrLst/>
+  </dgm:styleLbl>
+  <dgm:styleLbl name="bgSibTrans2D1">
+    <dgm:fillClrLst meth="repeat">
+      <a:schemeClr val="accent1">
+        <a:tint val="60000"/>
+      </a:schemeClr>
+    </dgm:fillClrLst>
+    <dgm:linClrLst meth="repeat">
+      <a:schemeClr val="accent1">
+        <a:tint val="60000"/>
+      </a:schemeClr>
+    </dgm:linClrLst>
+    <dgm:effectClrLst/>
+    <dgm:txLinClrLst/>
+    <dgm:txFillClrLst/>
+    <dgm:txEffectClrLst/>
+  </dgm:styleLbl>
+  <dgm:styleLbl name="sibTrans1D1">
+    <dgm:fillClrLst meth="repeat">
+      <a:schemeClr val="accent1"/>
+    </dgm:fillClrLst>
+    <dgm:linClrLst meth="repeat">
+      <a:schemeClr val="accent1"/>
+    </dgm:linClrLst>
+    <dgm:effectClrLst/>
+    <dgm:txLinClrLst/>
+    <dgm:txFillClrLst meth="repeat">
+      <a:schemeClr val="tx1"/>
+    </dgm:txFillClrLst>
+    <dgm:txEffectClrLst/>
+  </dgm:styleLbl>
+  <dgm:styleLbl name="callout">
+    <dgm:fillClrLst meth="repeat">
+      <a:schemeClr val="accent1"/>
+    </dgm:fillClrLst>
+    <dgm:linClrLst meth="repeat">
+      <a:schemeClr val="accent1">
+        <a:tint val="50000"/>
+      </a:schemeClr>
+    </dgm:linClrLst>
+    <dgm:effectClrLst/>
+    <dgm:txLinClrLst/>
+    <dgm:txFillClrLst meth="repeat">
+      <a:schemeClr val="tx1"/>
+    </dgm:txFillClrLst>
+    <dgm:txEffectClrLst/>
+  </dgm:styleLbl>
+  <dgm:styleLbl name="asst0">
+    <dgm:fillClrLst meth="repeat">
+      <a:schemeClr val="accent1"/>
+    </dgm:fillClrLst>
+    <dgm:linClrLst meth="repeat">
+      <a:schemeClr val="lt1"/>
+    </dgm:linClrLst>
+    <dgm:effectClrLst/>
+    <dgm:txLinClrLst/>
+    <dgm:txFillClrLst/>
+    <dgm:txEffectClrLst/>
+  </dgm:styleLbl>
+  <dgm:styleLbl name="asst1">
+    <dgm:fillClrLst meth="repeat">
+      <a:schemeClr val="accent1"/>
+    </dgm:fillClrLst>
+    <dgm:linClrLst meth="repeat">
+      <a:schemeClr val="lt1"/>
+    </dgm:linClrLst>
+    <dgm:effectClrLst/>
+    <dgm:txLinClrLst/>
+    <dgm:txFillClrLst/>
+    <dgm:txEffectClrLst/>
+  </dgm:styleLbl>
+  <dgm:styleLbl name="asst2">
+    <dgm:fillClrLst meth="repeat">
+      <a:schemeClr val="accent1"/>
+    </dgm:fillClrLst>
+    <dgm:linClrLst meth="repeat">
+      <a:schemeClr val="lt1"/>
+    </dgm:linClrLst>
+    <dgm:effectClrLst/>
+    <dgm:txLinClrLst/>
+    <dgm:txFillClrLst/>
+    <dgm:txEffectClrLst/>
+  </dgm:styleLbl>
+  <dgm:styleLbl name="asst3">
+    <dgm:fillClrLst meth="repeat">
+      <a:schemeClr val="accent1"/>
+    </dgm:fillClrLst>
+    <dgm:linClrLst meth="repeat">
+      <a:schemeClr val="lt1"/>
+    </dgm:linClrLst>
+    <dgm:effectClrLst/>
+    <dgm:txLinClrLst/>
+    <dgm:txFillClrLst/>
+    <dgm:txEffectClrLst/>
+  </dgm:styleLbl>
+  <dgm:styleLbl name="asst4">
+    <dgm:fillClrLst meth="repeat">
+      <a:schemeClr val="accent1"/>
+    </dgm:fillClrLst>
+    <dgm:linClrLst meth="repeat">
+      <a:schemeClr val="lt1"/>
+    </dgm:linClrLst>
+    <dgm:effectClrLst/>
+    <dgm:txLinClrLst/>
+    <dgm:txFillClrLst/>
+    <dgm:txEffectClrLst/>
+  </dgm:styleLbl>
+  <dgm:styleLbl name="parChTrans2D1">
+    <dgm:fillClrLst meth="repeat">
+      <a:schemeClr val="accent1">
+        <a:tint val="60000"/>
+      </a:schemeClr>
+    </dgm:fillClrLst>
+    <dgm:linClrLst meth="repeat">
+      <a:schemeClr val="accent1">
+        <a:tint val="60000"/>
+      </a:schemeClr>
+    </dgm:linClrLst>
+    <dgm:effectClrLst/>
+    <dgm:txLinClrLst/>
+    <dgm:txFillClrLst meth="repeat">
+      <a:schemeClr val="lt1"/>
+    </dgm:txFillClrLst>
+    <dgm:txEffectClrLst/>
+  </dgm:styleLbl>
+  <dgm:styleLbl name="parChTrans2D2">
+    <dgm:fillClrLst meth="repeat">
+      <a:schemeClr val="accent1"/>
+    </dgm:fillClrLst>
+    <dgm:linClrLst meth="repeat">
+      <a:schemeClr val="accent1"/>
+    </dgm:linClrLst>
+    <dgm:effectClrLst/>
+    <dgm:txLinClrLst/>
+    <dgm:txFillClrLst meth="repeat">
+      <a:schemeClr val="lt1"/>
+    </dgm:txFillClrLst>
+    <dgm:txEffectClrLst/>
+  </dgm:styleLbl>
+  <dgm:styleLbl name="parChTrans2D3">
+    <dgm:fillClrLst meth="repeat">
+      <a:schemeClr val="accent1"/>
+    </dgm:fillClrLst>
+    <dgm:linClrLst meth="repeat">
+      <a:schemeClr val="accent1"/>
+    </dgm:linClrLst>
+    <dgm:effectClrLst/>
+    <dgm:txLinClrLst/>
+    <dgm:txFillClrLst meth="repeat">
+      <a:schemeClr val="lt1"/>
+    </dgm:txFillClrLst>
+    <dgm:txEffectClrLst/>
+  </dgm:styleLbl>
+  <dgm:styleLbl name="parChTrans2D4">
+    <dgm:fillClrLst meth="repeat">
+      <a:schemeClr val="accent1"/>
+    </dgm:fillClrLst>
+    <dgm:linClrLst meth="repeat">
+      <a:schemeClr val="accent1"/>
+    </dgm:linClrLst>
+    <dgm:effectClrLst/>
+    <dgm:txLinClrLst/>
+    <dgm:txFillClrLst meth="repeat">
+      <a:schemeClr val="lt1"/>
+    </dgm:txFillClrLst>
+    <dgm:txEffectClrLst/>
+  </dgm:styleLbl>
+  <dgm:styleLbl name="parChTrans1D1">
+    <dgm:fillClrLst meth="repeat">
+      <a:schemeClr val="accent1"/>
+    </dgm:fillClrLst>
+    <dgm:linClrLst meth="repeat">
+      <a:schemeClr val="accent1">
+        <a:shade val="60000"/>
+      </a:schemeClr>
+    </dgm:linClrLst>
+    <dgm:effectClrLst/>
+    <dgm:txLinClrLst/>
+    <dgm:txFillClrLst meth="repeat">
+      <a:schemeClr val="tx1"/>
+    </dgm:txFillClrLst>
+    <dgm:txEffectClrLst/>
+  </dgm:styleLbl>
+  <dgm:styleLbl name="parChTrans1D2">
+    <dgm:fillClrLst meth="repeat">
+      <a:schemeClr val="accent1"/>
+    </dgm:fillClrLst>
+    <dgm:linClrLst meth="repeat">
+      <a:schemeClr val="accent1">
+        <a:shade val="60000"/>
+      </a:schemeClr>
+    </dgm:linClrLst>
+    <dgm:effectClrLst/>
+    <dgm:txLinClrLst/>
+    <dgm:txFillClrLst meth="repeat">
+      <a:schemeClr val="tx1"/>
+    </dgm:txFillClrLst>
+    <dgm:txEffectClrLst/>
+  </dgm:styleLbl>
+  <dgm:styleLbl name="parChTrans1D3">
+    <dgm:fillClrLst meth="repeat">
+      <a:schemeClr val="accent1"/>
+    </dgm:fillClrLst>
+    <dgm:linClrLst meth="repeat">
+      <a:schemeClr val="accent1">
+        <a:shade val="80000"/>
+      </a:schemeClr>
+    </dgm:linClrLst>
+    <dgm:effectClrLst/>
+    <dgm:txLinClrLst/>
+    <dgm:txFillClrLst meth="repeat">
+      <a:schemeClr val="tx1"/>
+    </dgm:txFillClrLst>
+    <dgm:txEffectClrLst/>
+  </dgm:styleLbl>
+  <dgm:styleLbl name="parChTrans1D4">
+    <dgm:fillClrLst meth="repeat">
+      <a:schemeClr val="accent1"/>
+    </dgm:fillClrLst>
+    <dgm:linClrLst meth="repeat">
+      <a:schemeClr val="accent1">
+        <a:shade val="80000"/>
+      </a:schemeClr>
+    </dgm:linClrLst>
+    <dgm:effectClrLst/>
+    <dgm:txLinClrLst/>
+    <dgm:txFillClrLst meth="repeat">
+      <a:schemeClr val="tx1"/>
+    </dgm:txFillClrLst>
+    <dgm:txEffectClrLst/>
+  </dgm:styleLbl>
+  <dgm:styleLbl name="fgAcc1">
+    <dgm:fillClrLst meth="repeat">
+      <a:schemeClr val="lt1">
+        <a:alpha val="90000"/>
+      </a:schemeClr>
+    </dgm:fillClrLst>
+    <dgm:linClrLst meth="repeat">
+      <a:schemeClr val="accent1"/>
+    </dgm:linClrLst>
+    <dgm:effectClrLst/>
+    <dgm:txLinClrLst/>
+    <dgm:txFillClrLst meth="repeat">
+      <a:schemeClr val="dk1"/>
+    </dgm:txFillClrLst>
+    <dgm:txEffectClrLst/>
+  </dgm:styleLbl>
+  <dgm:styleLbl name="conFgAcc1">
+    <dgm:fillClrLst meth="repeat">
+      <a:schemeClr val="lt1">
+        <a:alpha val="90000"/>
+      </a:schemeClr>
+    </dgm:fillClrLst>
+    <dgm:linClrLst meth="repeat">
+      <a:schemeClr val="accent1"/>
+    </dgm:linClrLst>
+    <dgm:effectClrLst/>
+    <dgm:txLinClrLst/>
+    <dgm:txFillClrLst meth="repeat">
+      <a:schemeClr val="dk1"/>
+    </dgm:txFillClrLst>
+    <dgm:txEffectClrLst/>
+  </dgm:styleLbl>
+  <dgm:styleLbl name="alignAcc1">
+    <dgm:fillClrLst meth="repeat">
+      <a:schemeClr val="lt1">
+        <a:alpha val="90000"/>
+      </a:schemeClr>
+    </dgm:fillClrLst>
+    <dgm:linClrLst meth="repeat">
+      <a:schemeClr val="accent1"/>
+    </dgm:linClrLst>
+    <dgm:effectClrLst/>
+    <dgm:txLinClrLst/>
+    <dgm:txFillClrLst meth="repeat">
+      <a:schemeClr val="dk1"/>
+    </dgm:txFillClrLst>
+    <dgm:txEffectClrLst/>
+  </dgm:styleLbl>
+  <dgm:styleLbl name="trAlignAcc1">
+    <dgm:fillClrLst meth="repeat">
+      <a:schemeClr val="lt1">
+        <a:alpha val="40000"/>
+      </a:schemeClr>
+    </dgm:fillClrLst>
+    <dgm:linClrLst meth="repeat">
+      <a:schemeClr val="accent1"/>
+    </dgm:linClrLst>
+    <dgm:effectClrLst/>
+    <dgm:txLinClrLst/>
+    <dgm:txFillClrLst meth="repeat">
+      <a:schemeClr val="dk1"/>
+    </dgm:txFillClrLst>
+    <dgm:txEffectClrLst/>
+  </dgm:styleLbl>
+  <dgm:styleLbl name="bgAcc1">
+    <dgm:fillClrLst meth="repeat">
+      <a:schemeClr val="lt1">
+        <a:alpha val="90000"/>
+      </a:schemeClr>
+    </dgm:fillClrLst>
+    <dgm:linClrLst meth="repeat">
+      <a:schemeClr val="accent1"/>
+    </dgm:linClrLst>
+    <dgm:effectClrLst/>
+    <dgm:txLinClrLst/>
+    <dgm:txFillClrLst meth="repeat">
+      <a:schemeClr val="dk1"/>
+    </dgm:txFillClrLst>
+    <dgm:txEffectClrLst/>
+  </dgm:styleLbl>
+  <dgm:styleLbl name="solidFgAcc1">
+    <dgm:fillClrLst meth="repeat">
+      <a:schemeClr val="lt1"/>
+    </dgm:fillClrLst>
+    <dgm:linClrLst meth="repeat">
+      <a:schemeClr val="accent1"/>
+    </dgm:linClrLst>
+    <dgm:effectClrLst/>
+    <dgm:txLinClrLst/>
+    <dgm:txFillClrLst meth="repeat">
+      <a:schemeClr val="dk1"/>
+    </dgm:txFillClrLst>
+    <dgm:txEffectClrLst/>
+  </dgm:styleLbl>
+  <dgm:styleLbl name="solidAlignAcc1">
+    <dgm:fillClrLst meth="repeat">
+      <a:schemeClr val="lt1"/>
+    </dgm:fillClrLst>
+    <dgm:linClrLst meth="repeat">
+      <a:schemeClr val="accent1"/>
+    </dgm:linClrLst>
+    <dgm:effectClrLst/>
+    <dgm:txLinClrLst/>
+    <dgm:txFillClrLst meth="repeat">
+      <a:schemeClr val="dk1"/>
+    </dgm:txFillClrLst>
+    <dgm:txEffectClrLst/>
+  </dgm:styleLbl>
+  <dgm:styleLbl name="solidBgAcc1">
+    <dgm:fillClrLst meth="repeat">
+      <a:schemeClr val="lt1"/>
+    </dgm:fillClrLst>
+    <dgm:linClrLst meth="repeat">
+      <a:schemeClr val="accent1"/>
+    </dgm:linClrLst>
+    <dgm:effectClrLst/>
+    <dgm:txLinClrLst/>
+    <dgm:txFillClrLst meth="repeat">
+      <a:schemeClr val="dk1"/>
+    </dgm:txFillClrLst>
+    <dgm:txEffectClrLst/>
+  </dgm:styleLbl>
+  <dgm:styleLbl name="fgAccFollowNode1">
+    <dgm:fillClrLst meth="repeat">
+      <a:schemeClr val="accent1">
+        <a:alpha val="90000"/>
+        <a:tint val="40000"/>
+      </a:schemeClr>
+    </dgm:fillClrLst>
+    <dgm:linClrLst meth="repeat">
+      <a:schemeClr val="accent1">
+        <a:alpha val="90000"/>
+        <a:tint val="40000"/>
+      </a:schemeClr>
+    </dgm:linClrLst>
+    <dgm:effectClrLst/>
+    <dgm:txLinClrLst/>
+    <dgm:txFillClrLst meth="repeat">
+      <a:schemeClr val="dk1"/>
+    </dgm:txFillClrLst>
+    <dgm:txEffectClrLst/>
+  </dgm:styleLbl>
+  <dgm:styleLbl name="alignAccFollowNode1">
+    <dgm:fillClrLst meth="repeat">
+      <a:schemeClr val="accent1">
+        <a:alpha val="90000"/>
+        <a:tint val="40000"/>
+      </a:schemeClr>
+    </dgm:fillClrLst>
+    <dgm:linClrLst meth="repeat">
+      <a:schemeClr val="accent1">
+        <a:alpha val="90000"/>
+        <a:tint val="40000"/>
+      </a:schemeClr>
+    </dgm:linClrLst>
+    <dgm:effectClrLst/>
+    <dgm:txLinClrLst/>
+    <dgm:txFillClrLst meth="repeat">
+      <a:schemeClr val="dk1"/>
+    </dgm:txFillClrLst>
+    <dgm:txEffectClrLst/>
+  </dgm:styleLbl>
+  <dgm:styleLbl name="bgAccFollowNode1">
+    <dgm:fillClrLst meth="repeat">
+      <a:schemeClr val="accent1">
+        <a:alpha val="90000"/>
+        <a:tint val="40000"/>
+      </a:schemeClr>
+    </dgm:fillClrLst>
+    <dgm:linClrLst meth="repeat">
+      <a:schemeClr val="accent1">
+        <a:alpha val="90000"/>
+        <a:tint val="40000"/>
+      </a:schemeClr>
+    </dgm:linClrLst>
+    <dgm:effectClrLst/>
+    <dgm:txLinClrLst/>
+    <dgm:txFillClrLst meth="repeat">
+      <a:schemeClr val="dk1"/>
+    </dgm:txFillClrLst>
+    <dgm:txEffectClrLst/>
+  </dgm:styleLbl>
+  <dgm:styleLbl name="fgAcc0">
+    <dgm:fillClrLst meth="repeat">
+      <a:schemeClr val="lt1">
+        <a:alpha val="90000"/>
+      </a:schemeClr>
+    </dgm:fillClrLst>
+    <dgm:linClrLst meth="repeat">
+      <a:schemeClr val="accent1"/>
+    </dgm:linClrLst>
+    <dgm:effectClrLst/>
+    <dgm:txLinClrLst/>
+    <dgm:txFillClrLst meth="repeat">
+      <a:schemeClr val="dk1"/>
+    </dgm:txFillClrLst>
+    <dgm:txEffectClrLst/>
+  </dgm:styleLbl>
+  <dgm:styleLbl name="fgAcc2">
+    <dgm:fillClrLst meth="repeat">
+      <a:schemeClr val="lt1">
+        <a:alpha val="90000"/>
+      </a:schemeClr>
+    </dgm:fillClrLst>
+    <dgm:linClrLst meth="repeat">
+      <a:schemeClr val="accent1"/>
+    </dgm:linClrLst>
+    <dgm:effectClrLst/>
+    <dgm:txLinClrLst/>
+    <dgm:txFillClrLst meth="repeat">
+      <a:schemeClr val="dk1"/>
+    </dgm:txFillClrLst>
+    <dgm:txEffectClrLst/>
+  </dgm:styleLbl>
+  <dgm:styleLbl name="fgAcc3">
+    <dgm:fillClrLst meth="repeat">
+      <a:schemeClr val="lt1">
+        <a:alpha val="90000"/>
+      </a:schemeClr>
+    </dgm:fillClrLst>
+    <dgm:linClrLst meth="repeat">
+      <a:schemeClr val="accent1"/>
+    </dgm:linClrLst>
+    <dgm:effectClrLst/>
+    <dgm:txLinClrLst/>
+    <dgm:txFillClrLst meth="repeat">
+      <a:schemeClr val="dk1"/>
+    </dgm:txFillClrLst>
+    <dgm:txEffectClrLst/>
+  </dgm:styleLbl>
+  <dgm:styleLbl name="fgAcc4">
+    <dgm:fillClrLst meth="repeat">
+      <a:schemeClr val="lt1">
+        <a:alpha val="90000"/>
+      </a:schemeClr>
+    </dgm:fillClrLst>
+    <dgm:linClrLst meth="repeat">
+      <a:schemeClr val="accent1"/>
+    </dgm:linClrLst>
+    <dgm:effectClrLst/>
+    <dgm:txLinClrLst/>
+    <dgm:txFillClrLst meth="repeat">
+      <a:schemeClr val="dk1"/>
+    </dgm:txFillClrLst>
+    <dgm:txEffectClrLst/>
+  </dgm:styleLbl>
+  <dgm:styleLbl name="bgShp">
+    <dgm:fillClrLst meth="repeat">
+      <a:schemeClr val="accent1">
+        <a:tint val="40000"/>
+      </a:schemeClr>
+    </dgm:fillClrLst>
+    <dgm:linClrLst meth="repeat">
+      <a:schemeClr val="accent1"/>
+    </dgm:linClrLst>
+    <dgm:effectClrLst/>
+    <dgm:txLinClrLst/>
+    <dgm:txFillClrLst meth="repeat">
+      <a:schemeClr val="dk1"/>
+    </dgm:txFillClrLst>
+    <dgm:txEffectClrLst/>
+  </dgm:styleLbl>
+  <dgm:styleLbl name="dkBgShp">
+    <dgm:fillClrLst meth="repeat">
+      <a:schemeClr val="accent1">
+        <a:shade val="80000"/>
+      </a:schemeClr>
+    </dgm:fillClrLst>
+    <dgm:linClrLst meth="repeat">
+      <a:schemeClr val="accent1"/>
+    </dgm:linClrLst>
+    <dgm:effectClrLst/>
+    <dgm:txLinClrLst/>
+    <dgm:txFillClrLst meth="repeat">
+      <a:schemeClr val="lt1"/>
+    </dgm:txFillClrLst>
+    <dgm:txEffectClrLst/>
+  </dgm:styleLbl>
+  <dgm:styleLbl name="trBgShp">
+    <dgm:fillClrLst meth="repeat">
+      <a:schemeClr val="accent1">
+        <a:tint val="50000"/>
+        <a:alpha val="40000"/>
+      </a:schemeClr>
+    </dgm:fillClrLst>
+    <dgm:linClrLst meth="repeat">
+      <a:schemeClr val="accent1"/>
+    </dgm:linClrLst>
+    <dgm:effectClrLst/>
+    <dgm:txLinClrLst/>
+    <dgm:txFillClrLst meth="repeat">
+      <a:schemeClr val="lt1"/>
+    </dgm:txFillClrLst>
+    <dgm:txEffectClrLst/>
+  </dgm:styleLbl>
+  <dgm:styleLbl name="fgShp">
+    <dgm:fillClrLst meth="repeat">
+      <a:schemeClr val="accent1">
+        <a:tint val="60000"/>
+      </a:schemeClr>
+    </dgm:fillClrLst>
+    <dgm:linClrLst meth="repeat">
+      <a:schemeClr val="lt1"/>
+    </dgm:linClrLst>
+    <dgm:effectClrLst/>
+    <dgm:txLinClrLst/>
+    <dgm:txFillClrLst meth="repeat">
+      <a:schemeClr val="dk1"/>
+    </dgm:txFillClrLst>
+    <dgm:txEffectClrLst/>
+  </dgm:styleLbl>
+  <dgm:styleLbl name="revTx">
+    <dgm:fillClrLst meth="repeat">
+      <a:schemeClr val="lt1">
+        <a:alpha val="0"/>
+      </a:schemeClr>
+    </dgm:fillClrLst>
+    <dgm:linClrLst meth="repeat">
+      <a:schemeClr val="dk1">
+        <a:alpha val="0"/>
+      </a:schemeClr>
+    </dgm:linClrLst>
+    <dgm:effectClrLst/>
+    <dgm:txLinClrLst/>
+    <dgm:txFillClrLst meth="repeat">
+      <a:schemeClr val="tx1"/>
+    </dgm:txFillClrLst>
+    <dgm:txEffectClrLst/>
+  </dgm:styleLbl>
+</dgm:colorsDef>
+</file>
+
+<file path=ppt/diagrams/data1.xml><?xml version="1.0" encoding="utf-8"?>
+<dgm:dataModel xmlns:dgm="http://schemas.openxmlformats.org/drawingml/2006/diagram" xmlns:a="http://schemas.openxmlformats.org/drawingml/2006/main">
+  <dgm:ptLst>
+    <dgm:pt modelId="{4086B51F-094E-47A1-9172-18F9603B8278}" type="doc">
+      <dgm:prSet loTypeId="urn:microsoft.com/office/officeart/2005/8/layout/orgChart1" loCatId="hierarchy" qsTypeId="urn:microsoft.com/office/officeart/2005/8/quickstyle/simple1" qsCatId="simple" csTypeId="urn:microsoft.com/office/officeart/2005/8/colors/accent1_2" csCatId="accent1" phldr="1"/>
+      <dgm:spPr/>
+      <dgm:t>
+        <a:bodyPr/>
+        <a:lstStyle/>
+        <a:p>
+          <a:endParaRPr lang="fr-CA"/>
+        </a:p>
+      </dgm:t>
+    </dgm:pt>
+    <dgm:pt modelId="{54BAEB75-C2C0-4876-8C7C-37C286F694CB}">
+      <dgm:prSet phldrT="[文本]"/>
+      <dgm:spPr/>
+      <dgm:t>
+        <a:bodyPr/>
+        <a:lstStyle/>
+        <a:p>
+          <a:r>
+            <a:rPr lang="en-US" altLang="zh-CN" dirty="0"/>
+            <a:t>Localization method</a:t>
+          </a:r>
+          <a:endParaRPr lang="fr-CA" dirty="0"/>
+        </a:p>
+      </dgm:t>
+    </dgm:pt>
+    <dgm:pt modelId="{ED9DEE60-CB93-4D07-9355-D4A4DD883E70}" type="parTrans" cxnId="{2BB2B43D-A804-49AD-B369-B8DE23B71F4C}">
+      <dgm:prSet/>
+      <dgm:spPr/>
+      <dgm:t>
+        <a:bodyPr/>
+        <a:lstStyle/>
+        <a:p>
+          <a:endParaRPr lang="fr-CA"/>
+        </a:p>
+      </dgm:t>
+    </dgm:pt>
+    <dgm:pt modelId="{F6D0304F-43D5-426E-B120-BF3577407AC7}" type="sibTrans" cxnId="{2BB2B43D-A804-49AD-B369-B8DE23B71F4C}">
+      <dgm:prSet/>
+      <dgm:spPr/>
+      <dgm:t>
+        <a:bodyPr/>
+        <a:lstStyle/>
+        <a:p>
+          <a:endParaRPr lang="fr-CA"/>
+        </a:p>
+      </dgm:t>
+    </dgm:pt>
+    <dgm:pt modelId="{6C77C817-1EC9-49B3-BDA1-02BC6EF253A0}" type="asst">
+      <dgm:prSet phldrT="[文本]"/>
+      <dgm:spPr/>
+      <dgm:t>
+        <a:bodyPr/>
+        <a:lstStyle/>
+        <a:p>
+          <a:r>
+            <a:rPr lang="fr-CA" dirty="0"/>
+            <a:t>Range-free</a:t>
+          </a:r>
+        </a:p>
+      </dgm:t>
+    </dgm:pt>
+    <dgm:pt modelId="{818088EE-B6FF-4C1A-ABB0-98F8553691A6}" type="parTrans" cxnId="{35280971-1753-469E-A44E-1DA163B9D663}">
+      <dgm:prSet/>
+      <dgm:spPr/>
+      <dgm:t>
+        <a:bodyPr/>
+        <a:lstStyle/>
+        <a:p>
+          <a:endParaRPr lang="fr-CA"/>
+        </a:p>
+      </dgm:t>
+    </dgm:pt>
+    <dgm:pt modelId="{12A3E3E7-1267-494D-945B-C306E700F128}" type="sibTrans" cxnId="{35280971-1753-469E-A44E-1DA163B9D663}">
+      <dgm:prSet/>
+      <dgm:spPr/>
+      <dgm:t>
+        <a:bodyPr/>
+        <a:lstStyle/>
+        <a:p>
+          <a:endParaRPr lang="fr-CA"/>
+        </a:p>
+      </dgm:t>
+    </dgm:pt>
+    <dgm:pt modelId="{23400E73-E024-4FBE-A43E-AF0755CAFAEB}">
+      <dgm:prSet phldrT="[文本]" phldr="1"/>
+      <dgm:spPr/>
+      <dgm:t>
+        <a:bodyPr/>
+        <a:lstStyle/>
+        <a:p>
+          <a:endParaRPr lang="fr-CA"/>
+        </a:p>
+      </dgm:t>
+    </dgm:pt>
+    <dgm:pt modelId="{2D64325C-FE44-4CCC-ACFD-8B91E8C4A919}" type="parTrans" cxnId="{515046A1-BAA1-435A-9599-9F053DE4197D}">
+      <dgm:prSet/>
+      <dgm:spPr/>
+      <dgm:t>
+        <a:bodyPr/>
+        <a:lstStyle/>
+        <a:p>
+          <a:endParaRPr lang="fr-CA"/>
+        </a:p>
+      </dgm:t>
+    </dgm:pt>
+    <dgm:pt modelId="{74D73020-FA79-4A26-AA3F-20A74A4816A0}" type="sibTrans" cxnId="{515046A1-BAA1-435A-9599-9F053DE4197D}">
+      <dgm:prSet/>
+      <dgm:spPr/>
+      <dgm:t>
+        <a:bodyPr/>
+        <a:lstStyle/>
+        <a:p>
+          <a:endParaRPr lang="fr-CA"/>
+        </a:p>
+      </dgm:t>
+    </dgm:pt>
+    <dgm:pt modelId="{3D9C59B3-7BF2-4AAF-A734-7315B96EDF3F}">
+      <dgm:prSet phldrT="[文本]" phldr="1"/>
+      <dgm:spPr/>
+      <dgm:t>
+        <a:bodyPr/>
+        <a:lstStyle/>
+        <a:p>
+          <a:endParaRPr lang="fr-CA"/>
+        </a:p>
+      </dgm:t>
+    </dgm:pt>
+    <dgm:pt modelId="{1447F21D-85F0-41B8-AEFE-B37C7694BA86}" type="parTrans" cxnId="{A778D6BF-AC7F-48E4-9616-A341628EA92B}">
+      <dgm:prSet/>
+      <dgm:spPr/>
+      <dgm:t>
+        <a:bodyPr/>
+        <a:lstStyle/>
+        <a:p>
+          <a:endParaRPr lang="fr-CA"/>
+        </a:p>
+      </dgm:t>
+    </dgm:pt>
+    <dgm:pt modelId="{7F9AFB9F-44D0-4883-B728-74A08DF521B2}" type="sibTrans" cxnId="{A778D6BF-AC7F-48E4-9616-A341628EA92B}">
+      <dgm:prSet/>
+      <dgm:spPr/>
+      <dgm:t>
+        <a:bodyPr/>
+        <a:lstStyle/>
+        <a:p>
+          <a:endParaRPr lang="fr-CA"/>
+        </a:p>
+      </dgm:t>
+    </dgm:pt>
+    <dgm:pt modelId="{C6DB0526-BF83-4AFC-B1BF-66F14D151007}">
+      <dgm:prSet phldrT="[文本]" phldr="1"/>
+      <dgm:spPr/>
+      <dgm:t>
+        <a:bodyPr/>
+        <a:lstStyle/>
+        <a:p>
+          <a:endParaRPr lang="fr-CA"/>
+        </a:p>
+      </dgm:t>
+    </dgm:pt>
+    <dgm:pt modelId="{FE87EA1B-D716-4A67-AFA0-A7F46AFED444}" type="parTrans" cxnId="{4065F3DC-A98F-43DA-B1F1-59F1F838AF9E}">
+      <dgm:prSet/>
+      <dgm:spPr/>
+      <dgm:t>
+        <a:bodyPr/>
+        <a:lstStyle/>
+        <a:p>
+          <a:endParaRPr lang="fr-CA"/>
+        </a:p>
+      </dgm:t>
+    </dgm:pt>
+    <dgm:pt modelId="{ACB10522-3673-430E-9C59-7A4574B04CF8}" type="sibTrans" cxnId="{4065F3DC-A98F-43DA-B1F1-59F1F838AF9E}">
+      <dgm:prSet/>
+      <dgm:spPr/>
+      <dgm:t>
+        <a:bodyPr/>
+        <a:lstStyle/>
+        <a:p>
+          <a:endParaRPr lang="fr-CA"/>
+        </a:p>
+      </dgm:t>
+    </dgm:pt>
+    <dgm:pt modelId="{10E427C0-3FED-4904-9A6B-2E813C390229}" type="asst">
+      <dgm:prSet phldrT="[文本]"/>
+      <dgm:spPr/>
+      <dgm:t>
+        <a:bodyPr/>
+        <a:lstStyle/>
+        <a:p>
+          <a:r>
+            <a:rPr lang="fr-CA" dirty="0"/>
+            <a:t>Range based</a:t>
+          </a:r>
+        </a:p>
+      </dgm:t>
+    </dgm:pt>
+    <dgm:pt modelId="{8B0376A9-B826-4E29-817B-D17620730B99}" type="parTrans" cxnId="{D19C0616-0E2D-4FED-8E59-74182E0D70BF}">
+      <dgm:prSet/>
+      <dgm:spPr/>
+      <dgm:t>
+        <a:bodyPr/>
+        <a:lstStyle/>
+        <a:p>
+          <a:endParaRPr lang="fr-CA"/>
+        </a:p>
+      </dgm:t>
+    </dgm:pt>
+    <dgm:pt modelId="{82FF034F-274D-412C-9A8B-277D35380B97}" type="sibTrans" cxnId="{D19C0616-0E2D-4FED-8E59-74182E0D70BF}">
+      <dgm:prSet/>
+      <dgm:spPr/>
+      <dgm:t>
+        <a:bodyPr/>
+        <a:lstStyle/>
+        <a:p>
+          <a:endParaRPr lang="fr-CA"/>
+        </a:p>
+      </dgm:t>
+    </dgm:pt>
+    <dgm:pt modelId="{33599450-81E0-4221-B46D-A42183C8D8A4}" type="pres">
+      <dgm:prSet presAssocID="{4086B51F-094E-47A1-9172-18F9603B8278}" presName="hierChild1" presStyleCnt="0">
+        <dgm:presLayoutVars>
+          <dgm:orgChart val="1"/>
+          <dgm:chPref val="1"/>
+          <dgm:dir/>
+          <dgm:animOne val="branch"/>
+          <dgm:animLvl val="lvl"/>
+          <dgm:resizeHandles/>
+        </dgm:presLayoutVars>
+      </dgm:prSet>
+      <dgm:spPr/>
+    </dgm:pt>
+    <dgm:pt modelId="{CA016728-14C2-4D88-9871-E2EE57EF4782}" type="pres">
+      <dgm:prSet presAssocID="{54BAEB75-C2C0-4876-8C7C-37C286F694CB}" presName="hierRoot1" presStyleCnt="0">
+        <dgm:presLayoutVars>
+          <dgm:hierBranch val="init"/>
+        </dgm:presLayoutVars>
+      </dgm:prSet>
+      <dgm:spPr/>
+    </dgm:pt>
+    <dgm:pt modelId="{1685DE35-F49E-46D1-9485-F845E83019DA}" type="pres">
+      <dgm:prSet presAssocID="{54BAEB75-C2C0-4876-8C7C-37C286F694CB}" presName="rootComposite1" presStyleCnt="0"/>
+      <dgm:spPr/>
+    </dgm:pt>
+    <dgm:pt modelId="{0E9FC736-B33D-431A-B7F3-66710C8FB168}" type="pres">
+      <dgm:prSet presAssocID="{54BAEB75-C2C0-4876-8C7C-37C286F694CB}" presName="rootText1" presStyleLbl="node0" presStyleIdx="0" presStyleCnt="1">
+        <dgm:presLayoutVars>
+          <dgm:chPref val="3"/>
+        </dgm:presLayoutVars>
+      </dgm:prSet>
+      <dgm:spPr/>
+    </dgm:pt>
+    <dgm:pt modelId="{70EC49B3-DF65-4B64-84C7-1E4F9D0DC5EA}" type="pres">
+      <dgm:prSet presAssocID="{54BAEB75-C2C0-4876-8C7C-37C286F694CB}" presName="rootConnector1" presStyleLbl="node1" presStyleIdx="0" presStyleCnt="0"/>
+      <dgm:spPr/>
+    </dgm:pt>
+    <dgm:pt modelId="{E78353BD-77C3-472E-9CE4-9BA15CEE54CE}" type="pres">
+      <dgm:prSet presAssocID="{54BAEB75-C2C0-4876-8C7C-37C286F694CB}" presName="hierChild2" presStyleCnt="0"/>
+      <dgm:spPr/>
+    </dgm:pt>
+    <dgm:pt modelId="{E1BA1404-707D-4B2C-980E-493AEBFCD220}" type="pres">
+      <dgm:prSet presAssocID="{2D64325C-FE44-4CCC-ACFD-8B91E8C4A919}" presName="Name37" presStyleLbl="parChTrans1D2" presStyleIdx="0" presStyleCnt="5"/>
+      <dgm:spPr/>
+    </dgm:pt>
+    <dgm:pt modelId="{F3B689AC-DA35-46AB-8959-0BB78E7DE520}" type="pres">
+      <dgm:prSet presAssocID="{23400E73-E024-4FBE-A43E-AF0755CAFAEB}" presName="hierRoot2" presStyleCnt="0">
+        <dgm:presLayoutVars>
+          <dgm:hierBranch val="init"/>
+        </dgm:presLayoutVars>
+      </dgm:prSet>
+      <dgm:spPr/>
+    </dgm:pt>
+    <dgm:pt modelId="{22DAC16E-DA20-4F29-AD8A-8568E324B50E}" type="pres">
+      <dgm:prSet presAssocID="{23400E73-E024-4FBE-A43E-AF0755CAFAEB}" presName="rootComposite" presStyleCnt="0"/>
+      <dgm:spPr/>
+    </dgm:pt>
+    <dgm:pt modelId="{BB9241F3-D451-44D9-9295-74F2F7D16BF7}" type="pres">
+      <dgm:prSet presAssocID="{23400E73-E024-4FBE-A43E-AF0755CAFAEB}" presName="rootText" presStyleLbl="node2" presStyleIdx="0" presStyleCnt="3">
+        <dgm:presLayoutVars>
+          <dgm:chPref val="3"/>
+        </dgm:presLayoutVars>
+      </dgm:prSet>
+      <dgm:spPr/>
+    </dgm:pt>
+    <dgm:pt modelId="{63B5F6AD-240A-4C29-B4E7-BFD7678881F3}" type="pres">
+      <dgm:prSet presAssocID="{23400E73-E024-4FBE-A43E-AF0755CAFAEB}" presName="rootConnector" presStyleLbl="node2" presStyleIdx="0" presStyleCnt="3"/>
+      <dgm:spPr/>
+    </dgm:pt>
+    <dgm:pt modelId="{E914B320-2024-498C-B1D8-CE12CC79B221}" type="pres">
+      <dgm:prSet presAssocID="{23400E73-E024-4FBE-A43E-AF0755CAFAEB}" presName="hierChild4" presStyleCnt="0"/>
+      <dgm:spPr/>
+    </dgm:pt>
+    <dgm:pt modelId="{501F4CFF-514B-4E8B-AADD-F5013719D69E}" type="pres">
+      <dgm:prSet presAssocID="{23400E73-E024-4FBE-A43E-AF0755CAFAEB}" presName="hierChild5" presStyleCnt="0"/>
+      <dgm:spPr/>
+    </dgm:pt>
+    <dgm:pt modelId="{4B5A5A55-36FE-417C-BEE5-74AA0445B4E2}" type="pres">
+      <dgm:prSet presAssocID="{1447F21D-85F0-41B8-AEFE-B37C7694BA86}" presName="Name37" presStyleLbl="parChTrans1D2" presStyleIdx="1" presStyleCnt="5"/>
+      <dgm:spPr/>
+    </dgm:pt>
+    <dgm:pt modelId="{CAA47C06-1C1D-4744-8159-B2CDD5FC3D71}" type="pres">
+      <dgm:prSet presAssocID="{3D9C59B3-7BF2-4AAF-A734-7315B96EDF3F}" presName="hierRoot2" presStyleCnt="0">
+        <dgm:presLayoutVars>
+          <dgm:hierBranch val="init"/>
+        </dgm:presLayoutVars>
+      </dgm:prSet>
+      <dgm:spPr/>
+    </dgm:pt>
+    <dgm:pt modelId="{10076970-8F45-48AF-81F2-FF7A1CE29740}" type="pres">
+      <dgm:prSet presAssocID="{3D9C59B3-7BF2-4AAF-A734-7315B96EDF3F}" presName="rootComposite" presStyleCnt="0"/>
+      <dgm:spPr/>
+    </dgm:pt>
+    <dgm:pt modelId="{C2395550-BA57-4F6D-932F-ECDCA879B75C}" type="pres">
+      <dgm:prSet presAssocID="{3D9C59B3-7BF2-4AAF-A734-7315B96EDF3F}" presName="rootText" presStyleLbl="node2" presStyleIdx="1" presStyleCnt="3">
+        <dgm:presLayoutVars>
+          <dgm:chPref val="3"/>
+        </dgm:presLayoutVars>
+      </dgm:prSet>
+      <dgm:spPr/>
+    </dgm:pt>
+    <dgm:pt modelId="{96F56E6A-FF6D-48E1-B49C-4229C8A9A7AC}" type="pres">
+      <dgm:prSet presAssocID="{3D9C59B3-7BF2-4AAF-A734-7315B96EDF3F}" presName="rootConnector" presStyleLbl="node2" presStyleIdx="1" presStyleCnt="3"/>
+      <dgm:spPr/>
+    </dgm:pt>
+    <dgm:pt modelId="{39F58ECC-B9D4-45EF-8FDF-A63821D7C404}" type="pres">
+      <dgm:prSet presAssocID="{3D9C59B3-7BF2-4AAF-A734-7315B96EDF3F}" presName="hierChild4" presStyleCnt="0"/>
+      <dgm:spPr/>
+    </dgm:pt>
+    <dgm:pt modelId="{C6D7F1A4-63D1-4B36-9D20-64ABDC2A86EA}" type="pres">
+      <dgm:prSet presAssocID="{3D9C59B3-7BF2-4AAF-A734-7315B96EDF3F}" presName="hierChild5" presStyleCnt="0"/>
+      <dgm:spPr/>
+    </dgm:pt>
+    <dgm:pt modelId="{0B77FB02-08CC-46E7-A3C2-64B53DEC47F4}" type="pres">
+      <dgm:prSet presAssocID="{FE87EA1B-D716-4A67-AFA0-A7F46AFED444}" presName="Name37" presStyleLbl="parChTrans1D2" presStyleIdx="2" presStyleCnt="5"/>
+      <dgm:spPr/>
+    </dgm:pt>
+    <dgm:pt modelId="{EBB98DA7-AFA3-4E61-9C2C-FEEC40C65701}" type="pres">
+      <dgm:prSet presAssocID="{C6DB0526-BF83-4AFC-B1BF-66F14D151007}" presName="hierRoot2" presStyleCnt="0">
+        <dgm:presLayoutVars>
+          <dgm:hierBranch val="init"/>
+        </dgm:presLayoutVars>
+      </dgm:prSet>
+      <dgm:spPr/>
+    </dgm:pt>
+    <dgm:pt modelId="{FE85A5CE-248B-452F-9ADD-7C960376599D}" type="pres">
+      <dgm:prSet presAssocID="{C6DB0526-BF83-4AFC-B1BF-66F14D151007}" presName="rootComposite" presStyleCnt="0"/>
+      <dgm:spPr/>
+    </dgm:pt>
+    <dgm:pt modelId="{09BD384D-B168-4B2B-9331-CE3F22C7B10E}" type="pres">
+      <dgm:prSet presAssocID="{C6DB0526-BF83-4AFC-B1BF-66F14D151007}" presName="rootText" presStyleLbl="node2" presStyleIdx="2" presStyleCnt="3">
+        <dgm:presLayoutVars>
+          <dgm:chPref val="3"/>
+        </dgm:presLayoutVars>
+      </dgm:prSet>
+      <dgm:spPr/>
+    </dgm:pt>
+    <dgm:pt modelId="{02D17A66-05B0-45D0-B8D7-DBFFCF610D28}" type="pres">
+      <dgm:prSet presAssocID="{C6DB0526-BF83-4AFC-B1BF-66F14D151007}" presName="rootConnector" presStyleLbl="node2" presStyleIdx="2" presStyleCnt="3"/>
+      <dgm:spPr/>
+    </dgm:pt>
+    <dgm:pt modelId="{EAB952A2-5A4C-407A-9F16-24298D379C8E}" type="pres">
+      <dgm:prSet presAssocID="{C6DB0526-BF83-4AFC-B1BF-66F14D151007}" presName="hierChild4" presStyleCnt="0"/>
+      <dgm:spPr/>
+    </dgm:pt>
+    <dgm:pt modelId="{01D8E666-02C6-4F91-89D1-C5C6AE629546}" type="pres">
+      <dgm:prSet presAssocID="{C6DB0526-BF83-4AFC-B1BF-66F14D151007}" presName="hierChild5" presStyleCnt="0"/>
+      <dgm:spPr/>
+    </dgm:pt>
+    <dgm:pt modelId="{E6C84110-5D56-43DB-B199-6E0B156202B3}" type="pres">
+      <dgm:prSet presAssocID="{54BAEB75-C2C0-4876-8C7C-37C286F694CB}" presName="hierChild3" presStyleCnt="0"/>
+      <dgm:spPr/>
+    </dgm:pt>
+    <dgm:pt modelId="{3462C5D3-3643-4B19-9BF1-5385DBFC55AE}" type="pres">
+      <dgm:prSet presAssocID="{818088EE-B6FF-4C1A-ABB0-98F8553691A6}" presName="Name111" presStyleLbl="parChTrans1D2" presStyleIdx="3" presStyleCnt="5"/>
+      <dgm:spPr/>
+    </dgm:pt>
+    <dgm:pt modelId="{31FB4477-3565-4DC3-957A-C969173F77DE}" type="pres">
+      <dgm:prSet presAssocID="{6C77C817-1EC9-49B3-BDA1-02BC6EF253A0}" presName="hierRoot3" presStyleCnt="0">
+        <dgm:presLayoutVars>
+          <dgm:hierBranch val="init"/>
+        </dgm:presLayoutVars>
+      </dgm:prSet>
+      <dgm:spPr/>
+    </dgm:pt>
+    <dgm:pt modelId="{577C05F3-5368-4076-B9BC-C6DEA6AFBE0C}" type="pres">
+      <dgm:prSet presAssocID="{6C77C817-1EC9-49B3-BDA1-02BC6EF253A0}" presName="rootComposite3" presStyleCnt="0"/>
+      <dgm:spPr/>
+    </dgm:pt>
+    <dgm:pt modelId="{050443B9-36F3-493F-A16C-7D4CA918BFDD}" type="pres">
+      <dgm:prSet presAssocID="{6C77C817-1EC9-49B3-BDA1-02BC6EF253A0}" presName="rootText3" presStyleLbl="asst1" presStyleIdx="0" presStyleCnt="2">
+        <dgm:presLayoutVars>
+          <dgm:chPref val="3"/>
+        </dgm:presLayoutVars>
+      </dgm:prSet>
+      <dgm:spPr/>
+    </dgm:pt>
+    <dgm:pt modelId="{DE084FC7-E795-4486-9EF6-C132E6BEF59A}" type="pres">
+      <dgm:prSet presAssocID="{6C77C817-1EC9-49B3-BDA1-02BC6EF253A0}" presName="rootConnector3" presStyleLbl="asst1" presStyleIdx="0" presStyleCnt="2"/>
+      <dgm:spPr/>
+    </dgm:pt>
+    <dgm:pt modelId="{5B35B5C9-BD8D-4147-8B4A-2D9DC78D450E}" type="pres">
+      <dgm:prSet presAssocID="{6C77C817-1EC9-49B3-BDA1-02BC6EF253A0}" presName="hierChild6" presStyleCnt="0"/>
+      <dgm:spPr/>
+    </dgm:pt>
+    <dgm:pt modelId="{DE20EAE8-9319-488A-BA39-919F6394DD62}" type="pres">
+      <dgm:prSet presAssocID="{6C77C817-1EC9-49B3-BDA1-02BC6EF253A0}" presName="hierChild7" presStyleCnt="0"/>
+      <dgm:spPr/>
+    </dgm:pt>
+    <dgm:pt modelId="{12A4BBC7-A726-48F9-9497-1A4A4B8D426E}" type="pres">
+      <dgm:prSet presAssocID="{8B0376A9-B826-4E29-817B-D17620730B99}" presName="Name111" presStyleLbl="parChTrans1D2" presStyleIdx="4" presStyleCnt="5"/>
+      <dgm:spPr/>
+    </dgm:pt>
+    <dgm:pt modelId="{69625191-78FC-4AA8-975B-31F45AD2C164}" type="pres">
+      <dgm:prSet presAssocID="{10E427C0-3FED-4904-9A6B-2E813C390229}" presName="hierRoot3" presStyleCnt="0">
+        <dgm:presLayoutVars>
+          <dgm:hierBranch val="init"/>
+        </dgm:presLayoutVars>
+      </dgm:prSet>
+      <dgm:spPr/>
+    </dgm:pt>
+    <dgm:pt modelId="{8EDB2C84-361A-4B2E-B473-C311F10EEE91}" type="pres">
+      <dgm:prSet presAssocID="{10E427C0-3FED-4904-9A6B-2E813C390229}" presName="rootComposite3" presStyleCnt="0"/>
+      <dgm:spPr/>
+    </dgm:pt>
+    <dgm:pt modelId="{73A436AD-13AC-4E05-A1A6-5E28EEF7959E}" type="pres">
+      <dgm:prSet presAssocID="{10E427C0-3FED-4904-9A6B-2E813C390229}" presName="rootText3" presStyleLbl="asst1" presStyleIdx="1" presStyleCnt="2">
+        <dgm:presLayoutVars>
+          <dgm:chPref val="3"/>
+        </dgm:presLayoutVars>
+      </dgm:prSet>
+      <dgm:spPr/>
+    </dgm:pt>
+    <dgm:pt modelId="{5054FE1E-CA14-461F-9026-8490ECA3D2B3}" type="pres">
+      <dgm:prSet presAssocID="{10E427C0-3FED-4904-9A6B-2E813C390229}" presName="rootConnector3" presStyleLbl="asst1" presStyleIdx="1" presStyleCnt="2"/>
+      <dgm:spPr/>
+    </dgm:pt>
+    <dgm:pt modelId="{18DF9E15-2E8F-40C3-A2E1-959787A3E8E8}" type="pres">
+      <dgm:prSet presAssocID="{10E427C0-3FED-4904-9A6B-2E813C390229}" presName="hierChild6" presStyleCnt="0"/>
+      <dgm:spPr/>
+    </dgm:pt>
+    <dgm:pt modelId="{5C41333D-5EF3-46F0-9C8D-98FD0DB3BEC1}" type="pres">
+      <dgm:prSet presAssocID="{10E427C0-3FED-4904-9A6B-2E813C390229}" presName="hierChild7" presStyleCnt="0"/>
+      <dgm:spPr/>
+    </dgm:pt>
+  </dgm:ptLst>
+  <dgm:cxnLst>
+    <dgm:cxn modelId="{91516D05-C412-49C1-B0CB-EE47F1B994C8}" type="presOf" srcId="{10E427C0-3FED-4904-9A6B-2E813C390229}" destId="{73A436AD-13AC-4E05-A1A6-5E28EEF7959E}" srcOrd="0" destOrd="0" presId="urn:microsoft.com/office/officeart/2005/8/layout/orgChart1"/>
+    <dgm:cxn modelId="{D19C0616-0E2D-4FED-8E59-74182E0D70BF}" srcId="{54BAEB75-C2C0-4876-8C7C-37C286F694CB}" destId="{10E427C0-3FED-4904-9A6B-2E813C390229}" srcOrd="1" destOrd="0" parTransId="{8B0376A9-B826-4E29-817B-D17620730B99}" sibTransId="{82FF034F-274D-412C-9A8B-277D35380B97}"/>
+    <dgm:cxn modelId="{79692F1A-E8FF-445C-A3F4-38D29F5CACD9}" type="presOf" srcId="{23400E73-E024-4FBE-A43E-AF0755CAFAEB}" destId="{BB9241F3-D451-44D9-9295-74F2F7D16BF7}" srcOrd="0" destOrd="0" presId="urn:microsoft.com/office/officeart/2005/8/layout/orgChart1"/>
+    <dgm:cxn modelId="{BBC8261E-63F6-4E1F-9F2D-A72C8471CAB5}" type="presOf" srcId="{818088EE-B6FF-4C1A-ABB0-98F8553691A6}" destId="{3462C5D3-3643-4B19-9BF1-5385DBFC55AE}" srcOrd="0" destOrd="0" presId="urn:microsoft.com/office/officeart/2005/8/layout/orgChart1"/>
+    <dgm:cxn modelId="{D974EB2A-7348-42C6-B4CB-D2195115F871}" type="presOf" srcId="{C6DB0526-BF83-4AFC-B1BF-66F14D151007}" destId="{09BD384D-B168-4B2B-9331-CE3F22C7B10E}" srcOrd="0" destOrd="0" presId="urn:microsoft.com/office/officeart/2005/8/layout/orgChart1"/>
+    <dgm:cxn modelId="{D5F09133-0017-4699-B94B-8BE82D159541}" type="presOf" srcId="{6C77C817-1EC9-49B3-BDA1-02BC6EF253A0}" destId="{050443B9-36F3-493F-A16C-7D4CA918BFDD}" srcOrd="0" destOrd="0" presId="urn:microsoft.com/office/officeart/2005/8/layout/orgChart1"/>
+    <dgm:cxn modelId="{2BB2B43D-A804-49AD-B369-B8DE23B71F4C}" srcId="{4086B51F-094E-47A1-9172-18F9603B8278}" destId="{54BAEB75-C2C0-4876-8C7C-37C286F694CB}" srcOrd="0" destOrd="0" parTransId="{ED9DEE60-CB93-4D07-9355-D4A4DD883E70}" sibTransId="{F6D0304F-43D5-426E-B120-BF3577407AC7}"/>
+    <dgm:cxn modelId="{9FE5FF6E-0B18-49F5-8D7B-F2A47896C762}" type="presOf" srcId="{23400E73-E024-4FBE-A43E-AF0755CAFAEB}" destId="{63B5F6AD-240A-4C29-B4E7-BFD7678881F3}" srcOrd="1" destOrd="0" presId="urn:microsoft.com/office/officeart/2005/8/layout/orgChart1"/>
+    <dgm:cxn modelId="{35280971-1753-469E-A44E-1DA163B9D663}" srcId="{54BAEB75-C2C0-4876-8C7C-37C286F694CB}" destId="{6C77C817-1EC9-49B3-BDA1-02BC6EF253A0}" srcOrd="0" destOrd="0" parTransId="{818088EE-B6FF-4C1A-ABB0-98F8553691A6}" sibTransId="{12A3E3E7-1267-494D-945B-C306E700F128}"/>
+    <dgm:cxn modelId="{688A2871-46AF-4252-B33C-30162F20A1C0}" type="presOf" srcId="{3D9C59B3-7BF2-4AAF-A734-7315B96EDF3F}" destId="{96F56E6A-FF6D-48E1-B49C-4229C8A9A7AC}" srcOrd="1" destOrd="0" presId="urn:microsoft.com/office/officeart/2005/8/layout/orgChart1"/>
+    <dgm:cxn modelId="{CD2F3F77-4FAB-48DE-9AB7-E51EA71B99DE}" type="presOf" srcId="{54BAEB75-C2C0-4876-8C7C-37C286F694CB}" destId="{0E9FC736-B33D-431A-B7F3-66710C8FB168}" srcOrd="0" destOrd="0" presId="urn:microsoft.com/office/officeart/2005/8/layout/orgChart1"/>
+    <dgm:cxn modelId="{A83D337D-A0E3-4C91-BE04-50B12856006F}" type="presOf" srcId="{10E427C0-3FED-4904-9A6B-2E813C390229}" destId="{5054FE1E-CA14-461F-9026-8490ECA3D2B3}" srcOrd="1" destOrd="0" presId="urn:microsoft.com/office/officeart/2005/8/layout/orgChart1"/>
+    <dgm:cxn modelId="{C66C7191-1DE8-4902-8BB7-9594155D8C64}" type="presOf" srcId="{3D9C59B3-7BF2-4AAF-A734-7315B96EDF3F}" destId="{C2395550-BA57-4F6D-932F-ECDCA879B75C}" srcOrd="0" destOrd="0" presId="urn:microsoft.com/office/officeart/2005/8/layout/orgChart1"/>
+    <dgm:cxn modelId="{BB3FE792-4330-44A8-AF72-9D949F379681}" type="presOf" srcId="{54BAEB75-C2C0-4876-8C7C-37C286F694CB}" destId="{70EC49B3-DF65-4B64-84C7-1E4F9D0DC5EA}" srcOrd="1" destOrd="0" presId="urn:microsoft.com/office/officeart/2005/8/layout/orgChart1"/>
+    <dgm:cxn modelId="{515046A1-BAA1-435A-9599-9F053DE4197D}" srcId="{54BAEB75-C2C0-4876-8C7C-37C286F694CB}" destId="{23400E73-E024-4FBE-A43E-AF0755CAFAEB}" srcOrd="2" destOrd="0" parTransId="{2D64325C-FE44-4CCC-ACFD-8B91E8C4A919}" sibTransId="{74D73020-FA79-4A26-AA3F-20A74A4816A0}"/>
+    <dgm:cxn modelId="{A778D6BF-AC7F-48E4-9616-A341628EA92B}" srcId="{54BAEB75-C2C0-4876-8C7C-37C286F694CB}" destId="{3D9C59B3-7BF2-4AAF-A734-7315B96EDF3F}" srcOrd="3" destOrd="0" parTransId="{1447F21D-85F0-41B8-AEFE-B37C7694BA86}" sibTransId="{7F9AFB9F-44D0-4883-B728-74A08DF521B2}"/>
+    <dgm:cxn modelId="{7F2761C1-4976-49F2-82D6-3FDAE7C82A89}" type="presOf" srcId="{FE87EA1B-D716-4A67-AFA0-A7F46AFED444}" destId="{0B77FB02-08CC-46E7-A3C2-64B53DEC47F4}" srcOrd="0" destOrd="0" presId="urn:microsoft.com/office/officeart/2005/8/layout/orgChart1"/>
+    <dgm:cxn modelId="{575FD2C3-55DD-4C9B-889C-B9E90393FD0B}" type="presOf" srcId="{C6DB0526-BF83-4AFC-B1BF-66F14D151007}" destId="{02D17A66-05B0-45D0-B8D7-DBFFCF610D28}" srcOrd="1" destOrd="0" presId="urn:microsoft.com/office/officeart/2005/8/layout/orgChart1"/>
+    <dgm:cxn modelId="{E78623CB-B989-465F-9385-86F42E106BC1}" type="presOf" srcId="{6C77C817-1EC9-49B3-BDA1-02BC6EF253A0}" destId="{DE084FC7-E795-4486-9EF6-C132E6BEF59A}" srcOrd="1" destOrd="0" presId="urn:microsoft.com/office/officeart/2005/8/layout/orgChart1"/>
+    <dgm:cxn modelId="{4065F3DC-A98F-43DA-B1F1-59F1F838AF9E}" srcId="{54BAEB75-C2C0-4876-8C7C-37C286F694CB}" destId="{C6DB0526-BF83-4AFC-B1BF-66F14D151007}" srcOrd="4" destOrd="0" parTransId="{FE87EA1B-D716-4A67-AFA0-A7F46AFED444}" sibTransId="{ACB10522-3673-430E-9C59-7A4574B04CF8}"/>
+    <dgm:cxn modelId="{62DA37EB-DF42-45B0-8150-A4A808820724}" type="presOf" srcId="{2D64325C-FE44-4CCC-ACFD-8B91E8C4A919}" destId="{E1BA1404-707D-4B2C-980E-493AEBFCD220}" srcOrd="0" destOrd="0" presId="urn:microsoft.com/office/officeart/2005/8/layout/orgChart1"/>
+    <dgm:cxn modelId="{DE0233EE-5039-476B-9567-7EBA703519D5}" type="presOf" srcId="{4086B51F-094E-47A1-9172-18F9603B8278}" destId="{33599450-81E0-4221-B46D-A42183C8D8A4}" srcOrd="0" destOrd="0" presId="urn:microsoft.com/office/officeart/2005/8/layout/orgChart1"/>
+    <dgm:cxn modelId="{9D02B4F3-7265-49DE-8C29-27FA02BD8F12}" type="presOf" srcId="{8B0376A9-B826-4E29-817B-D17620730B99}" destId="{12A4BBC7-A726-48F9-9497-1A4A4B8D426E}" srcOrd="0" destOrd="0" presId="urn:microsoft.com/office/officeart/2005/8/layout/orgChart1"/>
+    <dgm:cxn modelId="{6DA191FC-7FF7-4168-AEEE-01792166E2FC}" type="presOf" srcId="{1447F21D-85F0-41B8-AEFE-B37C7694BA86}" destId="{4B5A5A55-36FE-417C-BEE5-74AA0445B4E2}" srcOrd="0" destOrd="0" presId="urn:microsoft.com/office/officeart/2005/8/layout/orgChart1"/>
+    <dgm:cxn modelId="{A7C8559A-4476-4F78-9133-707D628E258A}" type="presParOf" srcId="{33599450-81E0-4221-B46D-A42183C8D8A4}" destId="{CA016728-14C2-4D88-9871-E2EE57EF4782}" srcOrd="0" destOrd="0" presId="urn:microsoft.com/office/officeart/2005/8/layout/orgChart1"/>
+    <dgm:cxn modelId="{037BD1AD-2287-44E3-8B12-32BA360401F6}" type="presParOf" srcId="{CA016728-14C2-4D88-9871-E2EE57EF4782}" destId="{1685DE35-F49E-46D1-9485-F845E83019DA}" srcOrd="0" destOrd="0" presId="urn:microsoft.com/office/officeart/2005/8/layout/orgChart1"/>
+    <dgm:cxn modelId="{EB609D4F-B04B-449D-A0D6-BC7E2FC2F633}" type="presParOf" srcId="{1685DE35-F49E-46D1-9485-F845E83019DA}" destId="{0E9FC736-B33D-431A-B7F3-66710C8FB168}" srcOrd="0" destOrd="0" presId="urn:microsoft.com/office/officeart/2005/8/layout/orgChart1"/>
+    <dgm:cxn modelId="{4DD291B9-CD07-4AAF-91D8-037D72EEB6E9}" type="presParOf" srcId="{1685DE35-F49E-46D1-9485-F845E83019DA}" destId="{70EC49B3-DF65-4B64-84C7-1E4F9D0DC5EA}" srcOrd="1" destOrd="0" presId="urn:microsoft.com/office/officeart/2005/8/layout/orgChart1"/>
+    <dgm:cxn modelId="{A96DBDCE-2F50-4200-98C5-357BDC1F651F}" type="presParOf" srcId="{CA016728-14C2-4D88-9871-E2EE57EF4782}" destId="{E78353BD-77C3-472E-9CE4-9BA15CEE54CE}" srcOrd="1" destOrd="0" presId="urn:microsoft.com/office/officeart/2005/8/layout/orgChart1"/>
+    <dgm:cxn modelId="{6EB1E64D-F8EA-4891-8C6C-A79CE7C9DDA8}" type="presParOf" srcId="{E78353BD-77C3-472E-9CE4-9BA15CEE54CE}" destId="{E1BA1404-707D-4B2C-980E-493AEBFCD220}" srcOrd="0" destOrd="0" presId="urn:microsoft.com/office/officeart/2005/8/layout/orgChart1"/>
+    <dgm:cxn modelId="{D63239E3-4EE7-442F-BB38-614DA7E17D7D}" type="presParOf" srcId="{E78353BD-77C3-472E-9CE4-9BA15CEE54CE}" destId="{F3B689AC-DA35-46AB-8959-0BB78E7DE520}" srcOrd="1" destOrd="0" presId="urn:microsoft.com/office/officeart/2005/8/layout/orgChart1"/>
+    <dgm:cxn modelId="{578E1942-D7C6-4A9F-BA5D-32F7E4369166}" type="presParOf" srcId="{F3B689AC-DA35-46AB-8959-0BB78E7DE520}" destId="{22DAC16E-DA20-4F29-AD8A-8568E324B50E}" srcOrd="0" destOrd="0" presId="urn:microsoft.com/office/officeart/2005/8/layout/orgChart1"/>
+    <dgm:cxn modelId="{B3419ECA-B278-49A2-BEFA-7C6FB57B069F}" type="presParOf" srcId="{22DAC16E-DA20-4F29-AD8A-8568E324B50E}" destId="{BB9241F3-D451-44D9-9295-74F2F7D16BF7}" srcOrd="0" destOrd="0" presId="urn:microsoft.com/office/officeart/2005/8/layout/orgChart1"/>
+    <dgm:cxn modelId="{505791C6-BA9A-4B06-A028-22109CB4236A}" type="presParOf" srcId="{22DAC16E-DA20-4F29-AD8A-8568E324B50E}" destId="{63B5F6AD-240A-4C29-B4E7-BFD7678881F3}" srcOrd="1" destOrd="0" presId="urn:microsoft.com/office/officeart/2005/8/layout/orgChart1"/>
+    <dgm:cxn modelId="{DD5397ED-9657-42CF-A067-71855ACE4721}" type="presParOf" srcId="{F3B689AC-DA35-46AB-8959-0BB78E7DE520}" destId="{E914B320-2024-498C-B1D8-CE12CC79B221}" srcOrd="1" destOrd="0" presId="urn:microsoft.com/office/officeart/2005/8/layout/orgChart1"/>
+    <dgm:cxn modelId="{04431D69-2950-45AB-B947-8745EFC30693}" type="presParOf" srcId="{F3B689AC-DA35-46AB-8959-0BB78E7DE520}" destId="{501F4CFF-514B-4E8B-AADD-F5013719D69E}" srcOrd="2" destOrd="0" presId="urn:microsoft.com/office/officeart/2005/8/layout/orgChart1"/>
+    <dgm:cxn modelId="{92BABDE9-66A6-40FD-BEC9-FB1672C29774}" type="presParOf" srcId="{E78353BD-77C3-472E-9CE4-9BA15CEE54CE}" destId="{4B5A5A55-36FE-417C-BEE5-74AA0445B4E2}" srcOrd="2" destOrd="0" presId="urn:microsoft.com/office/officeart/2005/8/layout/orgChart1"/>
+    <dgm:cxn modelId="{E5ED9D5B-BDDC-4326-98C6-BAA4FFE8B649}" type="presParOf" srcId="{E78353BD-77C3-472E-9CE4-9BA15CEE54CE}" destId="{CAA47C06-1C1D-4744-8159-B2CDD5FC3D71}" srcOrd="3" destOrd="0" presId="urn:microsoft.com/office/officeart/2005/8/layout/orgChart1"/>
+    <dgm:cxn modelId="{9F733B2B-6B3C-469F-89B3-06D41318165E}" type="presParOf" srcId="{CAA47C06-1C1D-4744-8159-B2CDD5FC3D71}" destId="{10076970-8F45-48AF-81F2-FF7A1CE29740}" srcOrd="0" destOrd="0" presId="urn:microsoft.com/office/officeart/2005/8/layout/orgChart1"/>
+    <dgm:cxn modelId="{8363B77F-FC62-48CF-A7D5-BA7F65B5BB69}" type="presParOf" srcId="{10076970-8F45-48AF-81F2-FF7A1CE29740}" destId="{C2395550-BA57-4F6D-932F-ECDCA879B75C}" srcOrd="0" destOrd="0" presId="urn:microsoft.com/office/officeart/2005/8/layout/orgChart1"/>
+    <dgm:cxn modelId="{A5EF29D9-1665-43EE-99D0-ACF741D46705}" type="presParOf" srcId="{10076970-8F45-48AF-81F2-FF7A1CE29740}" destId="{96F56E6A-FF6D-48E1-B49C-4229C8A9A7AC}" srcOrd="1" destOrd="0" presId="urn:microsoft.com/office/officeart/2005/8/layout/orgChart1"/>
+    <dgm:cxn modelId="{6AB56C63-4D2E-48D5-8C9F-6578CF654F7C}" type="presParOf" srcId="{CAA47C06-1C1D-4744-8159-B2CDD5FC3D71}" destId="{39F58ECC-B9D4-45EF-8FDF-A63821D7C404}" srcOrd="1" destOrd="0" presId="urn:microsoft.com/office/officeart/2005/8/layout/orgChart1"/>
+    <dgm:cxn modelId="{349F3930-6F0A-4652-BFC4-823D862C9EB8}" type="presParOf" srcId="{CAA47C06-1C1D-4744-8159-B2CDD5FC3D71}" destId="{C6D7F1A4-63D1-4B36-9D20-64ABDC2A86EA}" srcOrd="2" destOrd="0" presId="urn:microsoft.com/office/officeart/2005/8/layout/orgChart1"/>
+    <dgm:cxn modelId="{200AE928-A090-4B7B-93D1-7178A06340F4}" type="presParOf" srcId="{E78353BD-77C3-472E-9CE4-9BA15CEE54CE}" destId="{0B77FB02-08CC-46E7-A3C2-64B53DEC47F4}" srcOrd="4" destOrd="0" presId="urn:microsoft.com/office/officeart/2005/8/layout/orgChart1"/>
+    <dgm:cxn modelId="{1D74B16A-CE7F-4D72-A207-7801E8924965}" type="presParOf" srcId="{E78353BD-77C3-472E-9CE4-9BA15CEE54CE}" destId="{EBB98DA7-AFA3-4E61-9C2C-FEEC40C65701}" srcOrd="5" destOrd="0" presId="urn:microsoft.com/office/officeart/2005/8/layout/orgChart1"/>
+    <dgm:cxn modelId="{4A8F54E0-4EAF-4670-9972-0FDA09C4BD28}" type="presParOf" srcId="{EBB98DA7-AFA3-4E61-9C2C-FEEC40C65701}" destId="{FE85A5CE-248B-452F-9ADD-7C960376599D}" srcOrd="0" destOrd="0" presId="urn:microsoft.com/office/officeart/2005/8/layout/orgChart1"/>
+    <dgm:cxn modelId="{83B93EF9-9063-454B-9E93-CE1E1885D4E5}" type="presParOf" srcId="{FE85A5CE-248B-452F-9ADD-7C960376599D}" destId="{09BD384D-B168-4B2B-9331-CE3F22C7B10E}" srcOrd="0" destOrd="0" presId="urn:microsoft.com/office/officeart/2005/8/layout/orgChart1"/>
+    <dgm:cxn modelId="{3A6030C2-E7E2-4433-AA5D-D016A8D8258C}" type="presParOf" srcId="{FE85A5CE-248B-452F-9ADD-7C960376599D}" destId="{02D17A66-05B0-45D0-B8D7-DBFFCF610D28}" srcOrd="1" destOrd="0" presId="urn:microsoft.com/office/officeart/2005/8/layout/orgChart1"/>
+    <dgm:cxn modelId="{C5B632FA-2284-4C4A-8872-A05EE0735F11}" type="presParOf" srcId="{EBB98DA7-AFA3-4E61-9C2C-FEEC40C65701}" destId="{EAB952A2-5A4C-407A-9F16-24298D379C8E}" srcOrd="1" destOrd="0" presId="urn:microsoft.com/office/officeart/2005/8/layout/orgChart1"/>
+    <dgm:cxn modelId="{2AF42B7E-B04F-4F60-9740-F511916CC7DB}" type="presParOf" srcId="{EBB98DA7-AFA3-4E61-9C2C-FEEC40C65701}" destId="{01D8E666-02C6-4F91-89D1-C5C6AE629546}" srcOrd="2" destOrd="0" presId="urn:microsoft.com/office/officeart/2005/8/layout/orgChart1"/>
+    <dgm:cxn modelId="{2FEB4F1C-BC02-48A4-866F-C935BA161CD6}" type="presParOf" srcId="{CA016728-14C2-4D88-9871-E2EE57EF4782}" destId="{E6C84110-5D56-43DB-B199-6E0B156202B3}" srcOrd="2" destOrd="0" presId="urn:microsoft.com/office/officeart/2005/8/layout/orgChart1"/>
+    <dgm:cxn modelId="{9ABF07CE-377A-45E1-AA28-19A1589BCEFC}" type="presParOf" srcId="{E6C84110-5D56-43DB-B199-6E0B156202B3}" destId="{3462C5D3-3643-4B19-9BF1-5385DBFC55AE}" srcOrd="0" destOrd="0" presId="urn:microsoft.com/office/officeart/2005/8/layout/orgChart1"/>
+    <dgm:cxn modelId="{9E77D4DC-48D0-427C-9E9E-07245FCD17EB}" type="presParOf" srcId="{E6C84110-5D56-43DB-B199-6E0B156202B3}" destId="{31FB4477-3565-4DC3-957A-C969173F77DE}" srcOrd="1" destOrd="0" presId="urn:microsoft.com/office/officeart/2005/8/layout/orgChart1"/>
+    <dgm:cxn modelId="{07E48984-4451-4789-B21D-039A2B7C300C}" type="presParOf" srcId="{31FB4477-3565-4DC3-957A-C969173F77DE}" destId="{577C05F3-5368-4076-B9BC-C6DEA6AFBE0C}" srcOrd="0" destOrd="0" presId="urn:microsoft.com/office/officeart/2005/8/layout/orgChart1"/>
+    <dgm:cxn modelId="{AB9C740C-DD81-423E-B821-B6CB4F190F7D}" type="presParOf" srcId="{577C05F3-5368-4076-B9BC-C6DEA6AFBE0C}" destId="{050443B9-36F3-493F-A16C-7D4CA918BFDD}" srcOrd="0" destOrd="0" presId="urn:microsoft.com/office/officeart/2005/8/layout/orgChart1"/>
+    <dgm:cxn modelId="{73B55577-3D5A-4C5B-BE30-0B0C29DC69DC}" type="presParOf" srcId="{577C05F3-5368-4076-B9BC-C6DEA6AFBE0C}" destId="{DE084FC7-E795-4486-9EF6-C132E6BEF59A}" srcOrd="1" destOrd="0" presId="urn:microsoft.com/office/officeart/2005/8/layout/orgChart1"/>
+    <dgm:cxn modelId="{2F23E9A6-76FD-4139-948B-3658A47F7575}" type="presParOf" srcId="{31FB4477-3565-4DC3-957A-C969173F77DE}" destId="{5B35B5C9-BD8D-4147-8B4A-2D9DC78D450E}" srcOrd="1" destOrd="0" presId="urn:microsoft.com/office/officeart/2005/8/layout/orgChart1"/>
+    <dgm:cxn modelId="{243F3A00-7F6B-40C8-A409-3EC8E6C107A7}" type="presParOf" srcId="{31FB4477-3565-4DC3-957A-C969173F77DE}" destId="{DE20EAE8-9319-488A-BA39-919F6394DD62}" srcOrd="2" destOrd="0" presId="urn:microsoft.com/office/officeart/2005/8/layout/orgChart1"/>
+    <dgm:cxn modelId="{33F74A53-9B5C-48ED-871B-B13C984661B6}" type="presParOf" srcId="{E6C84110-5D56-43DB-B199-6E0B156202B3}" destId="{12A4BBC7-A726-48F9-9497-1A4A4B8D426E}" srcOrd="2" destOrd="0" presId="urn:microsoft.com/office/officeart/2005/8/layout/orgChart1"/>
+    <dgm:cxn modelId="{36DF3732-2D16-4FB9-8A1B-F35375FC7520}" type="presParOf" srcId="{E6C84110-5D56-43DB-B199-6E0B156202B3}" destId="{69625191-78FC-4AA8-975B-31F45AD2C164}" srcOrd="3" destOrd="0" presId="urn:microsoft.com/office/officeart/2005/8/layout/orgChart1"/>
+    <dgm:cxn modelId="{C4AF5DFB-67BB-4447-A3B9-78E552C516D5}" type="presParOf" srcId="{69625191-78FC-4AA8-975B-31F45AD2C164}" destId="{8EDB2C84-361A-4B2E-B473-C311F10EEE91}" srcOrd="0" destOrd="0" presId="urn:microsoft.com/office/officeart/2005/8/layout/orgChart1"/>
+    <dgm:cxn modelId="{96070B1D-1BB5-48E3-8706-B16D6AC5AB5D}" type="presParOf" srcId="{8EDB2C84-361A-4B2E-B473-C311F10EEE91}" destId="{73A436AD-13AC-4E05-A1A6-5E28EEF7959E}" srcOrd="0" destOrd="0" presId="urn:microsoft.com/office/officeart/2005/8/layout/orgChart1"/>
+    <dgm:cxn modelId="{BEF2CE6B-D828-40FE-BC10-7A81C3D9183A}" type="presParOf" srcId="{8EDB2C84-361A-4B2E-B473-C311F10EEE91}" destId="{5054FE1E-CA14-461F-9026-8490ECA3D2B3}" srcOrd="1" destOrd="0" presId="urn:microsoft.com/office/officeart/2005/8/layout/orgChart1"/>
+    <dgm:cxn modelId="{10549861-3F6B-45F7-9C5A-9840F3700F67}" type="presParOf" srcId="{69625191-78FC-4AA8-975B-31F45AD2C164}" destId="{18DF9E15-2E8F-40C3-A2E1-959787A3E8E8}" srcOrd="1" destOrd="0" presId="urn:microsoft.com/office/officeart/2005/8/layout/orgChart1"/>
+    <dgm:cxn modelId="{FEFC6D1F-E8DA-44E2-92A8-3866DD4B2421}" type="presParOf" srcId="{69625191-78FC-4AA8-975B-31F45AD2C164}" destId="{5C41333D-5EF3-46F0-9C8D-98FD0DB3BEC1}" srcOrd="2" destOrd="0" presId="urn:microsoft.com/office/officeart/2005/8/layout/orgChart1"/>
+  </dgm:cxnLst>
+  <dgm:bg/>
+  <dgm:whole/>
+  <dgm:extLst>
+    <a:ext uri="http://schemas.microsoft.com/office/drawing/2008/diagram">
+      <dsp:dataModelExt xmlns:dsp="http://schemas.microsoft.com/office/drawing/2008/diagram" relId="rId6" minVer="http://schemas.openxmlformats.org/drawingml/2006/diagram"/>
+    </a:ext>
+  </dgm:extLst>
+</dgm:dataModel>
+</file>
+
+<file path=ppt/diagrams/drawing1.xml><?xml version="1.0" encoding="utf-8"?>
+<dsp:drawing xmlns:dgm="http://schemas.openxmlformats.org/drawingml/2006/diagram" xmlns:dsp="http://schemas.microsoft.com/office/drawing/2008/diagram" xmlns:a="http://schemas.openxmlformats.org/drawingml/2006/main">
+  <dsp:spTree>
+    <dsp:nvGrpSpPr>
+      <dsp:cNvPr id="0" name=""/>
+      <dsp:cNvGrpSpPr/>
+    </dsp:nvGrpSpPr>
+    <dsp:grpSpPr/>
+    <dsp:sp modelId="{12A4BBC7-A726-48F9-9497-1A4A4B8D426E}">
+      <dsp:nvSpPr>
+        <dsp:cNvPr id="0" name=""/>
+        <dsp:cNvSpPr/>
+      </dsp:nvSpPr>
+      <dsp:spPr>
+        <a:xfrm>
+          <a:off x="5257800" y="1133479"/>
+          <a:ext cx="237891" cy="1042189"/>
+        </a:xfrm>
+        <a:custGeom>
+          <a:avLst/>
+          <a:gdLst/>
+          <a:ahLst/>
+          <a:cxnLst/>
+          <a:rect l="0" t="0" r="0" b="0"/>
+          <a:pathLst>
+            <a:path>
+              <a:moveTo>
+                <a:pt x="0" y="0"/>
+              </a:moveTo>
+              <a:lnTo>
+                <a:pt x="0" y="1042189"/>
+              </a:lnTo>
+              <a:lnTo>
+                <a:pt x="237891" y="1042189"/>
+              </a:lnTo>
+            </a:path>
+          </a:pathLst>
+        </a:custGeom>
+        <a:noFill/>
+        <a:ln w="12700" cap="flat" cmpd="sng" algn="ctr">
+          <a:solidFill>
+            <a:schemeClr val="accent1">
+              <a:shade val="60000"/>
+              <a:hueOff val="0"/>
+              <a:satOff val="0"/>
+              <a:lumOff val="0"/>
+              <a:alphaOff val="0"/>
+            </a:schemeClr>
+          </a:solidFill>
+          <a:prstDash val="solid"/>
+          <a:miter lim="800000"/>
+        </a:ln>
+        <a:effectLst/>
+      </dsp:spPr>
+      <dsp:style>
+        <a:lnRef idx="2">
+          <a:scrgbClr r="0" g="0" b="0"/>
+        </a:lnRef>
+        <a:fillRef idx="0">
+          <a:scrgbClr r="0" g="0" b="0"/>
+        </a:fillRef>
+        <a:effectRef idx="0">
+          <a:scrgbClr r="0" g="0" b="0"/>
+        </a:effectRef>
+        <a:fontRef idx="minor"/>
+      </dsp:style>
+    </dsp:sp>
+    <dsp:sp modelId="{3462C5D3-3643-4B19-9BF1-5385DBFC55AE}">
+      <dsp:nvSpPr>
+        <dsp:cNvPr id="0" name=""/>
+        <dsp:cNvSpPr/>
+      </dsp:nvSpPr>
+      <dsp:spPr>
+        <a:xfrm>
+          <a:off x="5019908" y="1133479"/>
+          <a:ext cx="237891" cy="1042189"/>
+        </a:xfrm>
+        <a:custGeom>
+          <a:avLst/>
+          <a:gdLst/>
+          <a:ahLst/>
+          <a:cxnLst/>
+          <a:rect l="0" t="0" r="0" b="0"/>
+          <a:pathLst>
+            <a:path>
+              <a:moveTo>
+                <a:pt x="237891" y="0"/>
+              </a:moveTo>
+              <a:lnTo>
+                <a:pt x="237891" y="1042189"/>
+              </a:lnTo>
+              <a:lnTo>
+                <a:pt x="0" y="1042189"/>
+              </a:lnTo>
+            </a:path>
+          </a:pathLst>
+        </a:custGeom>
+        <a:noFill/>
+        <a:ln w="12700" cap="flat" cmpd="sng" algn="ctr">
+          <a:solidFill>
+            <a:schemeClr val="accent1">
+              <a:shade val="60000"/>
+              <a:hueOff val="0"/>
+              <a:satOff val="0"/>
+              <a:lumOff val="0"/>
+              <a:alphaOff val="0"/>
+            </a:schemeClr>
+          </a:solidFill>
+          <a:prstDash val="solid"/>
+          <a:miter lim="800000"/>
+        </a:ln>
+        <a:effectLst/>
+      </dsp:spPr>
+      <dsp:style>
+        <a:lnRef idx="2">
+          <a:scrgbClr r="0" g="0" b="0"/>
+        </a:lnRef>
+        <a:fillRef idx="0">
+          <a:scrgbClr r="0" g="0" b="0"/>
+        </a:fillRef>
+        <a:effectRef idx="0">
+          <a:scrgbClr r="0" g="0" b="0"/>
+        </a:effectRef>
+        <a:fontRef idx="minor"/>
+      </dsp:style>
+    </dsp:sp>
+    <dsp:sp modelId="{0B77FB02-08CC-46E7-A3C2-64B53DEC47F4}">
+      <dsp:nvSpPr>
+        <dsp:cNvPr id="0" name=""/>
+        <dsp:cNvSpPr/>
+      </dsp:nvSpPr>
+      <dsp:spPr>
+        <a:xfrm>
+          <a:off x="5257800" y="1133479"/>
+          <a:ext cx="2741411" cy="2084378"/>
+        </a:xfrm>
+        <a:custGeom>
+          <a:avLst/>
+          <a:gdLst/>
+          <a:ahLst/>
+          <a:cxnLst/>
+          <a:rect l="0" t="0" r="0" b="0"/>
+          <a:pathLst>
+            <a:path>
+              <a:moveTo>
+                <a:pt x="0" y="0"/>
+              </a:moveTo>
+              <a:lnTo>
+                <a:pt x="0" y="1846487"/>
+              </a:lnTo>
+              <a:lnTo>
+                <a:pt x="2741411" y="1846487"/>
+              </a:lnTo>
+              <a:lnTo>
+                <a:pt x="2741411" y="2084378"/>
+              </a:lnTo>
+            </a:path>
+          </a:pathLst>
+        </a:custGeom>
+        <a:noFill/>
+        <a:ln w="12700" cap="flat" cmpd="sng" algn="ctr">
+          <a:solidFill>
+            <a:schemeClr val="accent1">
+              <a:shade val="60000"/>
+              <a:hueOff val="0"/>
+              <a:satOff val="0"/>
+              <a:lumOff val="0"/>
+              <a:alphaOff val="0"/>
+            </a:schemeClr>
+          </a:solidFill>
+          <a:prstDash val="solid"/>
+          <a:miter lim="800000"/>
+        </a:ln>
+        <a:effectLst/>
+      </dsp:spPr>
+      <dsp:style>
+        <a:lnRef idx="2">
+          <a:scrgbClr r="0" g="0" b="0"/>
+        </a:lnRef>
+        <a:fillRef idx="0">
+          <a:scrgbClr r="0" g="0" b="0"/>
+        </a:fillRef>
+        <a:effectRef idx="0">
+          <a:scrgbClr r="0" g="0" b="0"/>
+        </a:effectRef>
+        <a:fontRef idx="minor"/>
+      </dsp:style>
+    </dsp:sp>
+    <dsp:sp modelId="{4B5A5A55-36FE-417C-BEE5-74AA0445B4E2}">
+      <dsp:nvSpPr>
+        <dsp:cNvPr id="0" name=""/>
+        <dsp:cNvSpPr/>
+      </dsp:nvSpPr>
+      <dsp:spPr>
+        <a:xfrm>
+          <a:off x="5212080" y="1133479"/>
+          <a:ext cx="91440" cy="2084378"/>
+        </a:xfrm>
+        <a:custGeom>
+          <a:avLst/>
+          <a:gdLst/>
+          <a:ahLst/>
+          <a:cxnLst/>
+          <a:rect l="0" t="0" r="0" b="0"/>
+          <a:pathLst>
+            <a:path>
+              <a:moveTo>
+                <a:pt x="45720" y="0"/>
+              </a:moveTo>
+              <a:lnTo>
+                <a:pt x="45720" y="2084378"/>
+              </a:lnTo>
+            </a:path>
+          </a:pathLst>
+        </a:custGeom>
+        <a:noFill/>
+        <a:ln w="12700" cap="flat" cmpd="sng" algn="ctr">
+          <a:solidFill>
+            <a:schemeClr val="accent1">
+              <a:shade val="60000"/>
+              <a:hueOff val="0"/>
+              <a:satOff val="0"/>
+              <a:lumOff val="0"/>
+              <a:alphaOff val="0"/>
+            </a:schemeClr>
+          </a:solidFill>
+          <a:prstDash val="solid"/>
+          <a:miter lim="800000"/>
+        </a:ln>
+        <a:effectLst/>
+      </dsp:spPr>
+      <dsp:style>
+        <a:lnRef idx="2">
+          <a:scrgbClr r="0" g="0" b="0"/>
+        </a:lnRef>
+        <a:fillRef idx="0">
+          <a:scrgbClr r="0" g="0" b="0"/>
+        </a:fillRef>
+        <a:effectRef idx="0">
+          <a:scrgbClr r="0" g="0" b="0"/>
+        </a:effectRef>
+        <a:fontRef idx="minor"/>
+      </dsp:style>
+    </dsp:sp>
+    <dsp:sp modelId="{E1BA1404-707D-4B2C-980E-493AEBFCD220}">
+      <dsp:nvSpPr>
+        <dsp:cNvPr id="0" name=""/>
+        <dsp:cNvSpPr/>
+      </dsp:nvSpPr>
+      <dsp:spPr>
+        <a:xfrm>
+          <a:off x="2516388" y="1133479"/>
+          <a:ext cx="2741411" cy="2084378"/>
+        </a:xfrm>
+        <a:custGeom>
+          <a:avLst/>
+          <a:gdLst/>
+          <a:ahLst/>
+          <a:cxnLst/>
+          <a:rect l="0" t="0" r="0" b="0"/>
+          <a:pathLst>
+            <a:path>
+              <a:moveTo>
+                <a:pt x="2741411" y="0"/>
+              </a:moveTo>
+              <a:lnTo>
+                <a:pt x="2741411" y="1846487"/>
+              </a:lnTo>
+              <a:lnTo>
+                <a:pt x="0" y="1846487"/>
+              </a:lnTo>
+              <a:lnTo>
+                <a:pt x="0" y="2084378"/>
+              </a:lnTo>
+            </a:path>
+          </a:pathLst>
+        </a:custGeom>
+        <a:noFill/>
+        <a:ln w="12700" cap="flat" cmpd="sng" algn="ctr">
+          <a:solidFill>
+            <a:schemeClr val="accent1">
+              <a:shade val="60000"/>
+              <a:hueOff val="0"/>
+              <a:satOff val="0"/>
+              <a:lumOff val="0"/>
+              <a:alphaOff val="0"/>
+            </a:schemeClr>
+          </a:solidFill>
+          <a:prstDash val="solid"/>
+          <a:miter lim="800000"/>
+        </a:ln>
+        <a:effectLst/>
+      </dsp:spPr>
+      <dsp:style>
+        <a:lnRef idx="2">
+          <a:scrgbClr r="0" g="0" b="0"/>
+        </a:lnRef>
+        <a:fillRef idx="0">
+          <a:scrgbClr r="0" g="0" b="0"/>
+        </a:fillRef>
+        <a:effectRef idx="0">
+          <a:scrgbClr r="0" g="0" b="0"/>
+        </a:effectRef>
+        <a:fontRef idx="minor"/>
+      </dsp:style>
+    </dsp:sp>
+    <dsp:sp modelId="{0E9FC736-B33D-431A-B7F3-66710C8FB168}">
+      <dsp:nvSpPr>
+        <dsp:cNvPr id="0" name=""/>
+        <dsp:cNvSpPr/>
+      </dsp:nvSpPr>
+      <dsp:spPr>
+        <a:xfrm>
+          <a:off x="4124985" y="665"/>
+          <a:ext cx="2265629" cy="1132814"/>
+        </a:xfrm>
+        <a:prstGeom prst="rect">
+          <a:avLst/>
+        </a:prstGeom>
+        <a:solidFill>
+          <a:schemeClr val="accent1">
+            <a:hueOff val="0"/>
+            <a:satOff val="0"/>
+            <a:lumOff val="0"/>
+            <a:alphaOff val="0"/>
+          </a:schemeClr>
+        </a:solidFill>
+        <a:ln w="12700" cap="flat" cmpd="sng" algn="ctr">
+          <a:solidFill>
+            <a:schemeClr val="lt1">
+              <a:hueOff val="0"/>
+              <a:satOff val="0"/>
+              <a:lumOff val="0"/>
+              <a:alphaOff val="0"/>
+            </a:schemeClr>
+          </a:solidFill>
+          <a:prstDash val="solid"/>
+          <a:miter lim="800000"/>
+        </a:ln>
+        <a:effectLst/>
+      </dsp:spPr>
+      <dsp:style>
+        <a:lnRef idx="2">
+          <a:scrgbClr r="0" g="0" b="0"/>
+        </a:lnRef>
+        <a:fillRef idx="1">
+          <a:scrgbClr r="0" g="0" b="0"/>
+        </a:fillRef>
+        <a:effectRef idx="0">
+          <a:scrgbClr r="0" g="0" b="0"/>
+        </a:effectRef>
+        <a:fontRef idx="minor">
+          <a:schemeClr val="lt1"/>
+        </a:fontRef>
+      </dsp:style>
+      <dsp:txBody>
+        <a:bodyPr spcFirstLastPara="0" vert="horz" wrap="square" lIns="21590" tIns="21590" rIns="21590" bIns="21590" numCol="1" spcCol="1270" anchor="ctr" anchorCtr="0">
+          <a:noAutofit/>
+        </a:bodyPr>
+        <a:lstStyle/>
+        <a:p>
+          <a:pPr marL="0" lvl="0" indent="0" algn="ctr" defTabSz="1511300">
+            <a:lnSpc>
+              <a:spcPct val="90000"/>
+            </a:lnSpc>
+            <a:spcBef>
+              <a:spcPct val="0"/>
+            </a:spcBef>
+            <a:spcAft>
+              <a:spcPct val="35000"/>
+            </a:spcAft>
+            <a:buNone/>
+          </a:pPr>
+          <a:r>
+            <a:rPr lang="en-US" altLang="zh-CN" sz="3400" kern="1200" dirty="0"/>
+            <a:t>Localization method</a:t>
+          </a:r>
+          <a:endParaRPr lang="fr-CA" sz="3400" kern="1200" dirty="0"/>
+        </a:p>
+      </dsp:txBody>
+      <dsp:txXfrm>
+        <a:off x="4124985" y="665"/>
+        <a:ext cx="2265629" cy="1132814"/>
+      </dsp:txXfrm>
+    </dsp:sp>
+    <dsp:sp modelId="{BB9241F3-D451-44D9-9295-74F2F7D16BF7}">
+      <dsp:nvSpPr>
+        <dsp:cNvPr id="0" name=""/>
+        <dsp:cNvSpPr/>
+      </dsp:nvSpPr>
+      <dsp:spPr>
+        <a:xfrm>
+          <a:off x="1383574" y="3217858"/>
+          <a:ext cx="2265629" cy="1132814"/>
+        </a:xfrm>
+        <a:prstGeom prst="rect">
+          <a:avLst/>
+        </a:prstGeom>
+        <a:solidFill>
+          <a:schemeClr val="accent1">
+            <a:hueOff val="0"/>
+            <a:satOff val="0"/>
+            <a:lumOff val="0"/>
+            <a:alphaOff val="0"/>
+          </a:schemeClr>
+        </a:solidFill>
+        <a:ln w="12700" cap="flat" cmpd="sng" algn="ctr">
+          <a:solidFill>
+            <a:schemeClr val="lt1">
+              <a:hueOff val="0"/>
+              <a:satOff val="0"/>
+              <a:lumOff val="0"/>
+              <a:alphaOff val="0"/>
+            </a:schemeClr>
+          </a:solidFill>
+          <a:prstDash val="solid"/>
+          <a:miter lim="800000"/>
+        </a:ln>
+        <a:effectLst/>
+      </dsp:spPr>
+      <dsp:style>
+        <a:lnRef idx="2">
+          <a:scrgbClr r="0" g="0" b="0"/>
+        </a:lnRef>
+        <a:fillRef idx="1">
+          <a:scrgbClr r="0" g="0" b="0"/>
+        </a:fillRef>
+        <a:effectRef idx="0">
+          <a:scrgbClr r="0" g="0" b="0"/>
+        </a:effectRef>
+        <a:fontRef idx="minor">
+          <a:schemeClr val="lt1"/>
+        </a:fontRef>
+      </dsp:style>
+      <dsp:txBody>
+        <a:bodyPr spcFirstLastPara="0" vert="horz" wrap="square" lIns="21590" tIns="21590" rIns="21590" bIns="21590" numCol="1" spcCol="1270" anchor="ctr" anchorCtr="0">
+          <a:noAutofit/>
+        </a:bodyPr>
+        <a:lstStyle/>
+        <a:p>
+          <a:pPr marL="0" lvl="0" indent="0" algn="ctr" defTabSz="1511300">
+            <a:lnSpc>
+              <a:spcPct val="90000"/>
+            </a:lnSpc>
+            <a:spcBef>
+              <a:spcPct val="0"/>
+            </a:spcBef>
+            <a:spcAft>
+              <a:spcPct val="35000"/>
+            </a:spcAft>
+            <a:buNone/>
+          </a:pPr>
+          <a:endParaRPr lang="fr-CA" sz="3400" kern="1200"/>
+        </a:p>
+      </dsp:txBody>
+      <dsp:txXfrm>
+        <a:off x="1383574" y="3217858"/>
+        <a:ext cx="2265629" cy="1132814"/>
+      </dsp:txXfrm>
+    </dsp:sp>
+    <dsp:sp modelId="{C2395550-BA57-4F6D-932F-ECDCA879B75C}">
+      <dsp:nvSpPr>
+        <dsp:cNvPr id="0" name=""/>
+        <dsp:cNvSpPr/>
+      </dsp:nvSpPr>
+      <dsp:spPr>
+        <a:xfrm>
+          <a:off x="4124985" y="3217858"/>
+          <a:ext cx="2265629" cy="1132814"/>
+        </a:xfrm>
+        <a:prstGeom prst="rect">
+          <a:avLst/>
+        </a:prstGeom>
+        <a:solidFill>
+          <a:schemeClr val="accent1">
+            <a:hueOff val="0"/>
+            <a:satOff val="0"/>
+            <a:lumOff val="0"/>
+            <a:alphaOff val="0"/>
+          </a:schemeClr>
+        </a:solidFill>
+        <a:ln w="12700" cap="flat" cmpd="sng" algn="ctr">
+          <a:solidFill>
+            <a:schemeClr val="lt1">
+              <a:hueOff val="0"/>
+              <a:satOff val="0"/>
+              <a:lumOff val="0"/>
+              <a:alphaOff val="0"/>
+            </a:schemeClr>
+          </a:solidFill>
+          <a:prstDash val="solid"/>
+          <a:miter lim="800000"/>
+        </a:ln>
+        <a:effectLst/>
+      </dsp:spPr>
+      <dsp:style>
+        <a:lnRef idx="2">
+          <a:scrgbClr r="0" g="0" b="0"/>
+        </a:lnRef>
+        <a:fillRef idx="1">
+          <a:scrgbClr r="0" g="0" b="0"/>
+        </a:fillRef>
+        <a:effectRef idx="0">
+          <a:scrgbClr r="0" g="0" b="0"/>
+        </a:effectRef>
+        <a:fontRef idx="minor">
+          <a:schemeClr val="lt1"/>
+        </a:fontRef>
+      </dsp:style>
+      <dsp:txBody>
+        <a:bodyPr spcFirstLastPara="0" vert="horz" wrap="square" lIns="21590" tIns="21590" rIns="21590" bIns="21590" numCol="1" spcCol="1270" anchor="ctr" anchorCtr="0">
+          <a:noAutofit/>
+        </a:bodyPr>
+        <a:lstStyle/>
+        <a:p>
+          <a:pPr marL="0" lvl="0" indent="0" algn="ctr" defTabSz="1511300">
+            <a:lnSpc>
+              <a:spcPct val="90000"/>
+            </a:lnSpc>
+            <a:spcBef>
+              <a:spcPct val="0"/>
+            </a:spcBef>
+            <a:spcAft>
+              <a:spcPct val="35000"/>
+            </a:spcAft>
+            <a:buNone/>
+          </a:pPr>
+          <a:endParaRPr lang="fr-CA" sz="3400" kern="1200"/>
+        </a:p>
+      </dsp:txBody>
+      <dsp:txXfrm>
+        <a:off x="4124985" y="3217858"/>
+        <a:ext cx="2265629" cy="1132814"/>
+      </dsp:txXfrm>
+    </dsp:sp>
+    <dsp:sp modelId="{09BD384D-B168-4B2B-9331-CE3F22C7B10E}">
+      <dsp:nvSpPr>
+        <dsp:cNvPr id="0" name=""/>
+        <dsp:cNvSpPr/>
+      </dsp:nvSpPr>
+      <dsp:spPr>
+        <a:xfrm>
+          <a:off x="6866396" y="3217858"/>
+          <a:ext cx="2265629" cy="1132814"/>
+        </a:xfrm>
+        <a:prstGeom prst="rect">
+          <a:avLst/>
+        </a:prstGeom>
+        <a:solidFill>
+          <a:schemeClr val="accent1">
+            <a:hueOff val="0"/>
+            <a:satOff val="0"/>
+            <a:lumOff val="0"/>
+            <a:alphaOff val="0"/>
+          </a:schemeClr>
+        </a:solidFill>
+        <a:ln w="12700" cap="flat" cmpd="sng" algn="ctr">
+          <a:solidFill>
+            <a:schemeClr val="lt1">
+              <a:hueOff val="0"/>
+              <a:satOff val="0"/>
+              <a:lumOff val="0"/>
+              <a:alphaOff val="0"/>
+            </a:schemeClr>
+          </a:solidFill>
+          <a:prstDash val="solid"/>
+          <a:miter lim="800000"/>
+        </a:ln>
+        <a:effectLst/>
+      </dsp:spPr>
+      <dsp:style>
+        <a:lnRef idx="2">
+          <a:scrgbClr r="0" g="0" b="0"/>
+        </a:lnRef>
+        <a:fillRef idx="1">
+          <a:scrgbClr r="0" g="0" b="0"/>
+        </a:fillRef>
+        <a:effectRef idx="0">
+          <a:scrgbClr r="0" g="0" b="0"/>
+        </a:effectRef>
+        <a:fontRef idx="minor">
+          <a:schemeClr val="lt1"/>
+        </a:fontRef>
+      </dsp:style>
+      <dsp:txBody>
+        <a:bodyPr spcFirstLastPara="0" vert="horz" wrap="square" lIns="21590" tIns="21590" rIns="21590" bIns="21590" numCol="1" spcCol="1270" anchor="ctr" anchorCtr="0">
+          <a:noAutofit/>
+        </a:bodyPr>
+        <a:lstStyle/>
+        <a:p>
+          <a:pPr marL="0" lvl="0" indent="0" algn="ctr" defTabSz="1511300">
+            <a:lnSpc>
+              <a:spcPct val="90000"/>
+            </a:lnSpc>
+            <a:spcBef>
+              <a:spcPct val="0"/>
+            </a:spcBef>
+            <a:spcAft>
+              <a:spcPct val="35000"/>
+            </a:spcAft>
+            <a:buNone/>
+          </a:pPr>
+          <a:endParaRPr lang="fr-CA" sz="3400" kern="1200"/>
+        </a:p>
+      </dsp:txBody>
+      <dsp:txXfrm>
+        <a:off x="6866396" y="3217858"/>
+        <a:ext cx="2265629" cy="1132814"/>
+      </dsp:txXfrm>
+    </dsp:sp>
+    <dsp:sp modelId="{050443B9-36F3-493F-A16C-7D4CA918BFDD}">
+      <dsp:nvSpPr>
+        <dsp:cNvPr id="0" name=""/>
+        <dsp:cNvSpPr/>
+      </dsp:nvSpPr>
+      <dsp:spPr>
+        <a:xfrm>
+          <a:off x="2754279" y="1609261"/>
+          <a:ext cx="2265629" cy="1132814"/>
+        </a:xfrm>
+        <a:prstGeom prst="rect">
+          <a:avLst/>
+        </a:prstGeom>
+        <a:solidFill>
+          <a:schemeClr val="accent1">
+            <a:hueOff val="0"/>
+            <a:satOff val="0"/>
+            <a:lumOff val="0"/>
+            <a:alphaOff val="0"/>
+          </a:schemeClr>
+        </a:solidFill>
+        <a:ln w="12700" cap="flat" cmpd="sng" algn="ctr">
+          <a:solidFill>
+            <a:schemeClr val="lt1">
+              <a:hueOff val="0"/>
+              <a:satOff val="0"/>
+              <a:lumOff val="0"/>
+              <a:alphaOff val="0"/>
+            </a:schemeClr>
+          </a:solidFill>
+          <a:prstDash val="solid"/>
+          <a:miter lim="800000"/>
+        </a:ln>
+        <a:effectLst/>
+      </dsp:spPr>
+      <dsp:style>
+        <a:lnRef idx="2">
+          <a:scrgbClr r="0" g="0" b="0"/>
+        </a:lnRef>
+        <a:fillRef idx="1">
+          <a:scrgbClr r="0" g="0" b="0"/>
+        </a:fillRef>
+        <a:effectRef idx="0">
+          <a:scrgbClr r="0" g="0" b="0"/>
+        </a:effectRef>
+        <a:fontRef idx="minor">
+          <a:schemeClr val="lt1"/>
+        </a:fontRef>
+      </dsp:style>
+      <dsp:txBody>
+        <a:bodyPr spcFirstLastPara="0" vert="horz" wrap="square" lIns="21590" tIns="21590" rIns="21590" bIns="21590" numCol="1" spcCol="1270" anchor="ctr" anchorCtr="0">
+          <a:noAutofit/>
+        </a:bodyPr>
+        <a:lstStyle/>
+        <a:p>
+          <a:pPr marL="0" lvl="0" indent="0" algn="ctr" defTabSz="1511300">
+            <a:lnSpc>
+              <a:spcPct val="90000"/>
+            </a:lnSpc>
+            <a:spcBef>
+              <a:spcPct val="0"/>
+            </a:spcBef>
+            <a:spcAft>
+              <a:spcPct val="35000"/>
+            </a:spcAft>
+            <a:buNone/>
+          </a:pPr>
+          <a:r>
+            <a:rPr lang="fr-CA" sz="3400" kern="1200" dirty="0"/>
+            <a:t>Range-free</a:t>
+          </a:r>
+        </a:p>
+      </dsp:txBody>
+      <dsp:txXfrm>
+        <a:off x="2754279" y="1609261"/>
+        <a:ext cx="2265629" cy="1132814"/>
+      </dsp:txXfrm>
+    </dsp:sp>
+    <dsp:sp modelId="{73A436AD-13AC-4E05-A1A6-5E28EEF7959E}">
+      <dsp:nvSpPr>
+        <dsp:cNvPr id="0" name=""/>
+        <dsp:cNvSpPr/>
+      </dsp:nvSpPr>
+      <dsp:spPr>
+        <a:xfrm>
+          <a:off x="5495691" y="1609261"/>
+          <a:ext cx="2265629" cy="1132814"/>
+        </a:xfrm>
+        <a:prstGeom prst="rect">
+          <a:avLst/>
+        </a:prstGeom>
+        <a:solidFill>
+          <a:schemeClr val="accent1">
+            <a:hueOff val="0"/>
+            <a:satOff val="0"/>
+            <a:lumOff val="0"/>
+            <a:alphaOff val="0"/>
+          </a:schemeClr>
+        </a:solidFill>
+        <a:ln w="12700" cap="flat" cmpd="sng" algn="ctr">
+          <a:solidFill>
+            <a:schemeClr val="lt1">
+              <a:hueOff val="0"/>
+              <a:satOff val="0"/>
+              <a:lumOff val="0"/>
+              <a:alphaOff val="0"/>
+            </a:schemeClr>
+          </a:solidFill>
+          <a:prstDash val="solid"/>
+          <a:miter lim="800000"/>
+        </a:ln>
+        <a:effectLst/>
+      </dsp:spPr>
+      <dsp:style>
+        <a:lnRef idx="2">
+          <a:scrgbClr r="0" g="0" b="0"/>
+        </a:lnRef>
+        <a:fillRef idx="1">
+          <a:scrgbClr r="0" g="0" b="0"/>
+        </a:fillRef>
+        <a:effectRef idx="0">
+          <a:scrgbClr r="0" g="0" b="0"/>
+        </a:effectRef>
+        <a:fontRef idx="minor">
+          <a:schemeClr val="lt1"/>
+        </a:fontRef>
+      </dsp:style>
+      <dsp:txBody>
+        <a:bodyPr spcFirstLastPara="0" vert="horz" wrap="square" lIns="21590" tIns="21590" rIns="21590" bIns="21590" numCol="1" spcCol="1270" anchor="ctr" anchorCtr="0">
+          <a:noAutofit/>
+        </a:bodyPr>
+        <a:lstStyle/>
+        <a:p>
+          <a:pPr marL="0" lvl="0" indent="0" algn="ctr" defTabSz="1511300">
+            <a:lnSpc>
+              <a:spcPct val="90000"/>
+            </a:lnSpc>
+            <a:spcBef>
+              <a:spcPct val="0"/>
+            </a:spcBef>
+            <a:spcAft>
+              <a:spcPct val="35000"/>
+            </a:spcAft>
+            <a:buNone/>
+          </a:pPr>
+          <a:r>
+            <a:rPr lang="fr-CA" sz="3400" kern="1200" dirty="0"/>
+            <a:t>Range based</a:t>
+          </a:r>
+        </a:p>
+      </dsp:txBody>
+      <dsp:txXfrm>
+        <a:off x="5495691" y="1609261"/>
+        <a:ext cx="2265629" cy="1132814"/>
+      </dsp:txXfrm>
+    </dsp:sp>
+  </dsp:spTree>
+</dsp:drawing>
+</file>
+
+<file path=ppt/diagrams/layout1.xml><?xml version="1.0" encoding="utf-8"?>
+<dgm:layoutDef xmlns:dgm="http://schemas.openxmlformats.org/drawingml/2006/diagram" xmlns:a="http://schemas.openxmlformats.org/drawingml/2006/main" uniqueId="urn:microsoft.com/office/officeart/2005/8/layout/orgChart1">
+  <dgm:title val=""/>
+  <dgm:desc val=""/>
+  <dgm:catLst>
+    <dgm:cat type="hierarchy" pri="1000"/>
+    <dgm:cat type="convert" pri="6000"/>
+  </dgm:catLst>
+  <dgm:sampData>
+    <dgm:dataModel>
+      <dgm:ptLst>
+        <dgm:pt modelId="0" type="doc"/>
+        <dgm:pt modelId="1">
+          <dgm:prSet phldr="1"/>
+        </dgm:pt>
+        <dgm:pt modelId="2" type="asst">
+          <dgm:prSet phldr="1"/>
+        </dgm:pt>
+        <dgm:pt modelId="3">
+          <dgm:prSet phldr="1"/>
+        </dgm:pt>
+        <dgm:pt modelId="4">
+          <dgm:prSet phldr="1"/>
+        </dgm:pt>
+        <dgm:pt modelId="5">
+          <dgm:prSet phldr="1"/>
+        </dgm:pt>
+      </dgm:ptLst>
+      <dgm:cxnLst>
+        <dgm:cxn modelId="5" srcId="0" destId="1" srcOrd="0" destOrd="0"/>
+        <dgm:cxn modelId="6" srcId="1" destId="2" srcOrd="0" destOrd="0"/>
+        <dgm:cxn modelId="7" srcId="1" destId="3" srcOrd="1" destOrd="0"/>
+        <dgm:cxn modelId="8" srcId="1" destId="4" srcOrd="2" destOrd="0"/>
+        <dgm:cxn modelId="9" srcId="1" destId="5" srcOrd="3" destOrd="0"/>
+      </dgm:cxnLst>
+      <dgm:bg/>
+      <dgm:whole/>
+    </dgm:dataModel>
+  </dgm:sampData>
+  <dgm:styleData>
+    <dgm:dataModel>
+      <dgm:ptLst>
+        <dgm:pt modelId="0" type="doc"/>
+        <dgm:pt modelId="1"/>
+        <dgm:pt modelId="12"/>
+        <dgm:pt modelId="13"/>
+      </dgm:ptLst>
+      <dgm:cxnLst>
+        <dgm:cxn modelId="2" srcId="0" destId="1" srcOrd="0" destOrd="0"/>
+        <dgm:cxn modelId="16" srcId="1" destId="12" srcOrd="1" destOrd="0"/>
+        <dgm:cxn modelId="17" srcId="1" destId="13" srcOrd="2" destOrd="0"/>
+      </dgm:cxnLst>
+      <dgm:bg/>
+      <dgm:whole/>
+    </dgm:dataModel>
+  </dgm:styleData>
+  <dgm:clrData>
+    <dgm:dataModel>
+      <dgm:ptLst>
+        <dgm:pt modelId="0" type="doc"/>
+        <dgm:pt modelId="1"/>
+        <dgm:pt modelId="11" type="asst"/>
+        <dgm:pt modelId="12"/>
+        <dgm:pt modelId="13"/>
+        <dgm:pt modelId="14"/>
+      </dgm:ptLst>
+      <dgm:cxnLst>
+        <dgm:cxn modelId="2" srcId="0" destId="1" srcOrd="0" destOrd="0"/>
+        <dgm:cxn modelId="15" srcId="1" destId="11" srcOrd="0" destOrd="0"/>
+        <dgm:cxn modelId="16" srcId="1" destId="12" srcOrd="1" destOrd="0"/>
+        <dgm:cxn modelId="17" srcId="1" destId="13" srcOrd="2" destOrd="0"/>
+        <dgm:cxn modelId="18" srcId="1" destId="14" srcOrd="2" destOrd="0"/>
+      </dgm:cxnLst>
+      <dgm:bg/>
+      <dgm:whole/>
+    </dgm:dataModel>
+  </dgm:clrData>
+  <dgm:layoutNode name="hierChild1">
+    <dgm:varLst>
+      <dgm:orgChart val="1"/>
+      <dgm:chPref val="1"/>
+      <dgm:dir/>
+      <dgm:animOne val="branch"/>
+      <dgm:animLvl val="lvl"/>
+      <dgm:resizeHandles/>
+    </dgm:varLst>
+    <dgm:choose name="Name0">
+      <dgm:if name="Name1" func="var" arg="dir" op="equ" val="norm">
+        <dgm:alg type="hierChild">
+          <dgm:param type="linDir" val="fromL"/>
+        </dgm:alg>
+      </dgm:if>
+      <dgm:else name="Name2">
+        <dgm:alg type="hierChild">
+          <dgm:param type="linDir" val="fromR"/>
+        </dgm:alg>
+      </dgm:else>
+    </dgm:choose>
+    <dgm:shape xmlns:r="http://schemas.openxmlformats.org/officeDocument/2006/relationships" r:blip="">
+      <dgm:adjLst/>
+    </dgm:shape>
+    <dgm:presOf/>
+    <dgm:constrLst>
+      <dgm:constr type="w" for="des" forName="rootComposite1" refType="w" fact="10"/>
+      <dgm:constr type="h" for="des" forName="rootComposite1" refType="w" refFor="des" refForName="rootComposite1" fact="0.5"/>
+      <dgm:constr type="w" for="des" forName="rootComposite" refType="w" fact="10"/>
+      <dgm:constr type="h" for="des" forName="rootComposite" refType="w" refFor="des" refForName="rootComposite1" fact="0.5"/>
+      <dgm:constr type="w" for="des" forName="rootComposite3" refType="w" fact="10"/>
+      <dgm:constr type="h" for="des" forName="rootComposite3" refType="w" refFor="des" refForName="rootComposite1" fact="0.5"/>
+      <dgm:constr type="primFontSz" for="des" ptType="node" op="equ"/>
+      <dgm:constr type="sp" for="des" op="equ"/>
+      <dgm:constr type="sp" for="des" forName="hierRoot1" refType="w" refFor="des" refForName="rootComposite1" fact="0.21"/>
+      <dgm:constr type="sp" for="des" forName="hierRoot2" refType="sp" refFor="des" refForName="hierRoot1"/>
+      <dgm:constr type="sp" for="des" forName="hierRoot3" refType="sp" refFor="des" refForName="hierRoot1"/>
+      <dgm:constr type="sibSp" refType="w" refFor="des" refForName="rootComposite1" fact="0.21"/>
+      <dgm:constr type="sibSp" for="des" forName="hierChild2" refType="sibSp"/>
+      <dgm:constr type="sibSp" for="des" forName="hierChild3" refType="sibSp"/>
+      <dgm:constr type="sibSp" for="des" forName="hierChild4" refType="sibSp"/>
+      <dgm:constr type="sibSp" for="des" forName="hierChild5" refType="sibSp"/>
+      <dgm:constr type="sibSp" for="des" forName="hierChild6" refType="sibSp"/>
+      <dgm:constr type="sibSp" for="des" forName="hierChild7" refType="sibSp"/>
+      <dgm:constr type="secSibSp" refType="w" refFor="des" refForName="rootComposite1" fact="0.21"/>
+      <dgm:constr type="secSibSp" for="des" forName="hierChild2" refType="secSibSp"/>
+      <dgm:constr type="secSibSp" for="des" forName="hierChild3" refType="secSibSp"/>
+      <dgm:constr type="secSibSp" for="des" forName="hierChild4" refType="secSibSp"/>
+      <dgm:constr type="secSibSp" for="des" forName="hierChild5" refType="secSibSp"/>
+      <dgm:constr type="secSibSp" for="des" forName="hierChild6" refType="secSibSp"/>
+      <dgm:constr type="secSibSp" for="des" forName="hierChild7" refType="secSibSp"/>
+    </dgm:constrLst>
+    <dgm:ruleLst/>
+    <dgm:forEach name="Name3" axis="ch">
+      <dgm:forEach name="Name4" axis="self" ptType="node">
+        <dgm:layoutNode name="hierRoot1">
+          <dgm:varLst>
+            <dgm:hierBranch val="init"/>
+          </dgm:varLst>
+          <dgm:choose name="Name5">
+            <dgm:if name="Name6" func="var" arg="hierBranch" op="equ" val="l">
+              <dgm:choose name="Name7">
+                <dgm:if name="Name8" axis="ch" ptType="asst" func="cnt" op="gte" val="1">
+                  <dgm:alg type="hierRoot">
+                    <dgm:param type="hierAlign" val="tR"/>
+                  </dgm:alg>
+                  <dgm:constrLst>
+                    <dgm:constr type="alignOff" val="0.65"/>
+                  </dgm:constrLst>
+                </dgm:if>
+                <dgm:else name="Name9">
+                  <dgm:alg type="hierRoot">
+                    <dgm:param type="hierAlign" val="tR"/>
+                  </dgm:alg>
+                  <dgm:constrLst>
+                    <dgm:constr type="alignOff" val="0.25"/>
+                  </dgm:constrLst>
+                </dgm:else>
+              </dgm:choose>
+            </dgm:if>
+            <dgm:if name="Name10" func="var" arg="hierBranch" op="equ" val="r">
+              <dgm:choose name="Name11">
+                <dgm:if name="Name12" axis="ch" ptType="asst" func="cnt" op="gte" val="1">
+                  <dgm:alg type="hierRoot">
+                    <dgm:param type="hierAlign" val="tL"/>
+                  </dgm:alg>
+                  <dgm:constrLst>
+                    <dgm:constr type="alignOff" val="0.65"/>
+                  </dgm:constrLst>
+                </dgm:if>
+                <dgm:else name="Name13">
+                  <dgm:alg type="hierRoot">
+                    <dgm:param type="hierAlign" val="tL"/>
+                  </dgm:alg>
+                  <dgm:constrLst>
+                    <dgm:constr type="alignOff" val="0.25"/>
+                  </dgm:constrLst>
+                </dgm:else>
+              </dgm:choose>
+            </dgm:if>
+            <dgm:if name="Name14" func="var" arg="hierBranch" op="equ" val="hang">
+              <dgm:alg type="hierRoot"/>
+              <dgm:constrLst>
+                <dgm:constr type="alignOff" val="0.65"/>
+              </dgm:constrLst>
+            </dgm:if>
+            <dgm:else name="Name15">
+              <dgm:alg type="hierRoot"/>
+              <dgm:constrLst>
+                <dgm:constr type="alignOff"/>
+                <dgm:constr type="bendDist" for="des" ptType="parTrans" refType="sp" fact="0.5"/>
+              </dgm:constrLst>
+            </dgm:else>
+          </dgm:choose>
+          <dgm:shape xmlns:r="http://schemas.openxmlformats.org/officeDocument/2006/relationships" r:blip="">
+            <dgm:adjLst/>
+          </dgm:shape>
+          <dgm:presOf/>
+          <dgm:ruleLst/>
+          <dgm:layoutNode name="rootComposite1">
+            <dgm:alg type="composite"/>
+            <dgm:shape xmlns:r="http://schemas.openxmlformats.org/officeDocument/2006/relationships" r:blip="">
+              <dgm:adjLst/>
+            </dgm:shape>
+            <dgm:presOf axis="self" ptType="node" cnt="1"/>
+            <dgm:choose name="Name16">
+              <dgm:if name="Name17" func="var" arg="hierBranch" op="equ" val="init">
+                <dgm:constrLst>
+                  <dgm:constr type="l" for="ch" forName="rootText1"/>
+                  <dgm:constr type="t" for="ch" forName="rootText1"/>
+                  <dgm:constr type="w" for="ch" forName="rootText1" refType="w"/>
+                  <dgm:constr type="h" for="ch" forName="rootText1" refType="h"/>
+                  <dgm:constr type="l" for="ch" forName="rootConnector1"/>
+                  <dgm:constr type="t" for="ch" forName="rootConnector1"/>
+                  <dgm:constr type="w" for="ch" forName="rootConnector1" refType="w" refFor="ch" refForName="rootText1" fact="0.2"/>
+                  <dgm:constr type="h" for="ch" forName="rootConnector1" refType="h" refFor="ch" refForName="rootText1"/>
+                </dgm:constrLst>
+              </dgm:if>
+              <dgm:if name="Name18" func="var" arg="hierBranch" op="equ" val="l">
+                <dgm:constrLst>
+                  <dgm:constr type="l" for="ch" forName="rootText1"/>
+                  <dgm:constr type="t" for="ch" forName="rootText1"/>
+                  <dgm:constr type="w" for="ch" forName="rootText1" refType="w"/>
+                  <dgm:constr type="h" for="ch" forName="rootText1" refType="h"/>
+                  <dgm:constr type="r" for="ch" forName="rootConnector1" refType="w"/>
+                  <dgm:constr type="t" for="ch" forName="rootConnector1"/>
+                  <dgm:constr type="w" for="ch" forName="rootConnector1" refType="w" refFor="ch" refForName="rootText1" fact="0.2"/>
+                  <dgm:constr type="h" for="ch" forName="rootConnector1" refType="h" refFor="ch" refForName="rootText1"/>
+                </dgm:constrLst>
+              </dgm:if>
+              <dgm:if name="Name19" func="var" arg="hierBranch" op="equ" val="r">
+                <dgm:constrLst>
+                  <dgm:constr type="l" for="ch" forName="rootText1"/>
+                  <dgm:constr type="t" for="ch" forName="rootText1"/>
+                  <dgm:constr type="w" for="ch" forName="rootText1" refType="w"/>
+                  <dgm:constr type="h" for="ch" forName="rootText1" refType="h"/>
+                  <dgm:constr type="l" for="ch" forName="rootConnector1"/>
+                  <dgm:constr type="t" for="ch" forName="rootConnector1"/>
+                  <dgm:constr type="w" for="ch" forName="rootConnector1" refType="w" refFor="ch" refForName="rootText1" fact="0.2"/>
+                  <dgm:constr type="h" for="ch" forName="rootConnector1" refType="h" refFor="ch" refForName="rootText1"/>
+                </dgm:constrLst>
+              </dgm:if>
+              <dgm:else name="Name20">
+                <dgm:constrLst>
+                  <dgm:constr type="l" for="ch" forName="rootText1"/>
+                  <dgm:constr type="t" for="ch" forName="rootText1"/>
+                  <dgm:constr type="w" for="ch" forName="rootText1" refType="w"/>
+                  <dgm:constr type="h" for="ch" forName="rootText1" refType="h"/>
+                  <dgm:constr type="r" for="ch" forName="rootConnector1" refType="w"/>
+                  <dgm:constr type="t" for="ch" forName="rootConnector1"/>
+                  <dgm:constr type="w" for="ch" forName="rootConnector1" refType="w" refFor="ch" refForName="rootText1" fact="0.2"/>
+                  <dgm:constr type="h" for="ch" forName="rootConnector1" refType="h" refFor="ch" refForName="rootText1"/>
+                </dgm:constrLst>
+              </dgm:else>
+            </dgm:choose>
+            <dgm:ruleLst/>
+            <dgm:layoutNode name="rootText1" styleLbl="node0">
+              <dgm:varLst>
+                <dgm:chPref val="3"/>
+              </dgm:varLst>
+              <dgm:alg type="tx"/>
+              <dgm:shape xmlns:r="http://schemas.openxmlformats.org/officeDocument/2006/relationships" type="rect" r:blip="">
+                <dgm:adjLst/>
+              </dgm:shape>
+              <dgm:presOf axis="self" ptType="node" cnt="1"/>
+              <dgm:constrLst>
+                <dgm:constr type="primFontSz" val="65"/>
+                <dgm:constr type="lMarg" refType="primFontSz" fact="0.05"/>
+                <dgm:constr type="rMarg" refType="primFontSz" fact="0.05"/>
+                <dgm:constr type="tMarg" refType="primFontSz" fact="0.05"/>
+                <dgm:constr type="bMarg" refType="primFontSz" fact="0.05"/>
+              </dgm:constrLst>
+              <dgm:ruleLst>
+                <dgm:rule type="primFontSz" val="5" fact="NaN" max="NaN"/>
+              </dgm:ruleLst>
+            </dgm:layoutNode>
+            <dgm:layoutNode name="rootConnector1" moveWith="rootText1">
+              <dgm:alg type="sp"/>
+              <dgm:shape xmlns:r="http://schemas.openxmlformats.org/officeDocument/2006/relationships" type="rect" r:blip="" hideGeom="1">
+                <dgm:adjLst/>
+              </dgm:shape>
+              <dgm:presOf axis="self" ptType="node" cnt="1"/>
+              <dgm:constrLst/>
+              <dgm:ruleLst/>
+            </dgm:layoutNode>
+          </dgm:layoutNode>
+          <dgm:layoutNode name="hierChild2">
+            <dgm:choose name="Name21">
+              <dgm:if name="Name22" func="var" arg="hierBranch" op="equ" val="l">
+                <dgm:alg type="hierChild">
+                  <dgm:param type="chAlign" val="r"/>
+                  <dgm:param type="linDir" val="fromT"/>
+                </dgm:alg>
+              </dgm:if>
+              <dgm:if name="Name23" func="var" arg="hierBranch" op="equ" val="r">
+                <dgm:alg type="hierChild">
+                  <dgm:param type="chAlign" val="l"/>
+                  <dgm:param type="linDir" val="fromT"/>
+                </dgm:alg>
+              </dgm:if>
+              <dgm:if name="Name24" func="var" arg="hierBranch" op="equ" val="hang">
+                <dgm:choose name="Name25">
+                  <dgm:if name="Name26" func="var" arg="dir" op="equ" val="norm">
+                    <dgm:alg type="hierChild">
+                      <dgm:param type="chAlign" val="l"/>
+                      <dgm:param type="linDir" val="fromL"/>
+                      <dgm:param type="secChAlign" val="t"/>
+                      <dgm:param type="secLinDir" val="fromT"/>
+                    </dgm:alg>
+                  </dgm:if>
+                  <dgm:else name="Name27">
+                    <dgm:alg type="hierChild">
+                      <dgm:param type="chAlign" val="l"/>
+                      <dgm:param type="linDir" val="fromR"/>
+                      <dgm:param type="secChAlign" val="t"/>
+                      <dgm:param type="secLinDir" val="fromT"/>
+                    </dgm:alg>
+                  </dgm:else>
+                </dgm:choose>
+              </dgm:if>
+              <dgm:else name="Name28">
+                <dgm:choose name="Name29">
+                  <dgm:if name="Name30" func="var" arg="dir" op="equ" val="norm">
+                    <dgm:alg type="hierChild"/>
+                  </dgm:if>
+                  <dgm:else name="Name31">
+                    <dgm:alg type="hierChild">
+                      <dgm:param type="linDir" val="fromR"/>
+                    </dgm:alg>
+                  </dgm:else>
+                </dgm:choose>
+              </dgm:else>
+            </dgm:choose>
+            <dgm:shape xmlns:r="http://schemas.openxmlformats.org/officeDocument/2006/relationships" r:blip="">
+              <dgm:adjLst/>
+            </dgm:shape>
+            <dgm:presOf/>
+            <dgm:constrLst/>
+            <dgm:ruleLst/>
+            <dgm:forEach name="rep2a" axis="ch" ptType="nonAsst">
+              <dgm:forEach name="Name32" axis="precedSib" ptType="parTrans" st="-1" cnt="1">
+                <dgm:choose name="Name33">
+                  <dgm:if name="Name34" func="var" arg="hierBranch" op="equ" val="std">
+                    <dgm:layoutNode name="Name35">
+                      <dgm:alg type="conn">
+                        <dgm:param type="connRout" val="bend"/>
+                        <dgm:param type="dim" val="1D"/>
+                        <dgm:param type="endSty" val="noArr"/>
+                        <dgm:param type="begPts" val="bCtr"/>
+                        <dgm:param type="endPts" val="tCtr"/>
+                        <dgm:param type="bendPt" val="end"/>
+                      </dgm:alg>
+                      <dgm:shape xmlns:r="http://schemas.openxmlformats.org/officeDocument/2006/relationships" type="conn" r:blip="" zOrderOff="-99999">
+                        <dgm:adjLst/>
+                      </dgm:shape>
+                      <dgm:presOf axis="self"/>
+                      <dgm:constrLst>
+                        <dgm:constr type="begPad"/>
+                        <dgm:constr type="endPad"/>
+                      </dgm:constrLst>
+                      <dgm:ruleLst/>
+                    </dgm:layoutNode>
+                  </dgm:if>
+                  <dgm:if name="Name36" func="var" arg="hierBranch" op="equ" val="init">
+                    <dgm:layoutNode name="Name37">
+                      <dgm:choose name="Name38">
+                        <dgm:if name="Name39" axis="self" func="depth" op="lte" val="2">
+                          <dgm:alg type="conn">
+                            <dgm:param type="connRout" val="bend"/>
+                            <dgm:param type="dim" val="1D"/>
+                            <dgm:param type="endSty" val="noArr"/>
+                            <dgm:param type="begPts" val="bCtr"/>
+                            <dgm:param type="endPts" val="tCtr"/>
+                            <dgm:param type="bendPt" val="end"/>
+                          </dgm:alg>
+                        </dgm:if>
+                        <dgm:else name="Name40">
+                          <dgm:choose name="Name41">
+                            <dgm:if name="Name42" axis="par des" func="maxDepth" op="lte" val="1">
+                              <dgm:choose name="Name43">
+                                <dgm:if name="Name44" axis="par ch" ptType="node asst" func="cnt" op="gte" val="1">
+                                  <dgm:alg type="conn">
+                                    <dgm:param type="connRout" val="bend"/>
+                                    <dgm:param type="dim" val="1D"/>
+                                    <dgm:param type="endSty" val="noArr"/>
+                                    <dgm:param type="begPts" val="bCtr"/>
+                                    <dgm:param type="endPts" val="midL midR"/>
+                                  </dgm:alg>
+                                </dgm:if>
+                                <dgm:else name="Name45">
+                                  <dgm:alg type="conn">
+                                    <dgm:param type="connRout" val="bend"/>
+                                    <dgm:param type="dim" val="1D"/>
+                                    <dgm:param type="endSty" val="noArr"/>
+                                    <dgm:param type="begPts" val="bCtr"/>
+                                    <dgm:param type="endPts" val="midL midR"/>
+                                    <dgm:param type="srcNode" val="rootConnector"/>
+                                  </dgm:alg>
+                                </dgm:else>
+                              </dgm:choose>
+                            </dgm:if>
+                            <dgm:else name="Name46">
+                              <dgm:alg type="conn">
+                                <dgm:param type="connRout" val="bend"/>
+                                <dgm:param type="dim" val="1D"/>
+                                <dgm:param type="endSty" val="noArr"/>
+                                <dgm:param type="begPts" val="bCtr"/>
+                                <dgm:param type="endPts" val="tCtr"/>
+                                <dgm:param type="bendPt" val="end"/>
+                              </dgm:alg>
+                            </dgm:else>
+                          </dgm:choose>
+                        </dgm:else>
+                      </dgm:choose>
+                      <dgm:shape xmlns:r="http://schemas.openxmlformats.org/officeDocument/2006/relationships" type="conn" r:blip="" zOrderOff="-99999">
+                        <dgm:adjLst/>
+                      </dgm:shape>
+                      <dgm:presOf axis="self"/>
+                      <dgm:constrLst>
+                        <dgm:constr type="begPad"/>
+                        <dgm:constr type="endPad"/>
+                      </dgm:constrLst>
+                      <dgm:ruleLst/>
+                    </dgm:layoutNode>
+                  </dgm:if>
+                  <dgm:if name="Name47" func="var" arg="hierBranch" op="equ" val="hang">
+                    <dgm:layoutNode name="Name48">
+                      <dgm:alg type="conn">
+                        <dgm:param type="connRout" val="bend"/>
+                        <dgm:param type="dim" val="1D"/>
+                        <dgm:param type="endSty" val="noArr"/>
+                        <dgm:param type="begPts" val="bCtr"/>
+                        <dgm:param type="endPts" val="midL midR"/>
+                      </dgm:alg>
+                      <dgm:shape xmlns:r="http://schemas.openxmlformats.org/officeDocument/2006/relationships" type="conn" r:blip="" zOrderOff="-99999">
+                        <dgm:adjLst/>
+                      </dgm:shape>
+                      <dgm:presOf axis="self"/>
+                      <dgm:constrLst>
+                        <dgm:constr type="begPad"/>
+                        <dgm:constr type="endPad"/>
+                      </dgm:constrLst>
+                      <dgm:ruleLst/>
+                    </dgm:layoutNode>
+                  </dgm:if>
+                  <dgm:else name="Name49">
+                    <dgm:layoutNode name="Name50">
+                      <dgm:choose name="Name51">
+                        <dgm:if name="Name52" axis="self" func="depth" op="lte" val="2">
+                          <dgm:choose name="Name53">
+                            <dgm:if name="Name54" axis="par ch" ptType="node asst" func="cnt" op="gte" val="1">
+                              <dgm:alg type="conn">
+                                <dgm:param type="connRout" val="bend"/>
+                                <dgm:param type="dim" val="1D"/>
+                                <dgm:param type="endSty" val="noArr"/>
+                                <dgm:param type="begPts" val="bCtr"/>
+                                <dgm:param type="endPts" val="midL midR"/>
+                              </dgm:alg>
+                            </dgm:if>
+                            <dgm:else name="Name55">
+                              <dgm:alg type="conn">
+                                <dgm:param type="connRout" val="bend"/>
+                                <dgm:param type="dim" val="1D"/>
+                                <dgm:param type="endSty" val="noArr"/>
+                                <dgm:param type="begPts" val="bCtr"/>
+                                <dgm:param type="endPts" val="midL midR"/>
+                                <dgm:param type="srcNode" val="rootConnector1"/>
+                              </dgm:alg>
+                            </dgm:else>
+                          </dgm:choose>
+                        </dgm:if>
+                        <dgm:else name="Name56">
+                          <dgm:choose name="Name57">
+                            <dgm:if name="Name58" axis="par ch" ptType="node asst" func="cnt" op="gte" val="1">
+                              <dgm:alg type="conn">
+                                <dgm:param type="connRout" val="bend"/>
+                                <dgm:param type="dim" val="1D"/>
+                                <dgm:param type="endSty" val="noArr"/>
+                                <dgm:param type="begPts" val="bCtr"/>
+                                <dgm:param type="endPts" val="midL midR"/>
+                              </dgm:alg>
+                            </dgm:if>
+                            <dgm:else name="Name59">
+                              <dgm:alg type="conn">
+                                <dgm:param type="connRout" val="bend"/>
+                                <dgm:param type="dim" val="1D"/>
+                                <dgm:param type="endSty" val="noArr"/>
+                                <dgm:param type="begPts" val="bCtr"/>
+                                <dgm:param type="endPts" val="midL midR"/>
+                                <dgm:param type="srcNode" val="rootConnector"/>
+                              </dgm:alg>
+                            </dgm:else>
+                          </dgm:choose>
+                        </dgm:else>
+                      </dgm:choose>
+                      <dgm:shape xmlns:r="http://schemas.openxmlformats.org/officeDocument/2006/relationships" type="conn" r:blip="" zOrderOff="-99999">
+                        <dgm:adjLst/>
+                      </dgm:shape>
+                      <dgm:presOf axis="self"/>
+                      <dgm:constrLst>
+                        <dgm:constr type="begPad"/>
+                        <dgm:constr type="endPad"/>
+                      </dgm:constrLst>
+                      <dgm:ruleLst/>
+                    </dgm:layoutNode>
+                  </dgm:else>
+                </dgm:choose>
+              </dgm:forEach>
+              <dgm:layoutNode name="hierRoot2">
+                <dgm:varLst>
+                  <dgm:hierBranch val="init"/>
+                </dgm:varLst>
+                <dgm:choose name="Name60">
+                  <dgm:if name="Name61" func="var" arg="hierBranch" op="equ" val="l">
+                    <dgm:choose name="Name62">
+                      <dgm:if name="Name63" axis="ch" ptType="asst" func="cnt" op="gte" val="1">
+                        <dgm:alg type="hierRoot">
+                          <dgm:param type="hierAlign" val="tR"/>
+                        </dgm:alg>
+                        <dgm:shape xmlns:r="http://schemas.openxmlformats.org/officeDocument/2006/relationships" r:blip="">
+                          <dgm:adjLst/>
+                        </dgm:shape>
+                        <dgm:presOf/>
+                        <dgm:constrLst>
+                          <dgm:constr type="alignOff" val="0.65"/>
+                        </dgm:constrLst>
+                      </dgm:if>
+                      <dgm:else name="Name64">
+                        <dgm:alg type="hierRoot">
+                          <dgm:param type="hierAlign" val="tR"/>
+                        </dgm:alg>
+                        <dgm:shape xmlns:r="http://schemas.openxmlformats.org/officeDocument/2006/relationships" r:blip="">
+                          <dgm:adjLst/>
+                        </dgm:shape>
+                        <dgm:presOf/>
+                        <dgm:constrLst>
+                          <dgm:constr type="alignOff" val="0.25"/>
+                        </dgm:constrLst>
+                      </dgm:else>
+                    </dgm:choose>
+                  </dgm:if>
+                  <dgm:if name="Name65" func="var" arg="hierBranch" op="equ" val="r">
+                    <dgm:choose name="Name66">
+                      <dgm:if name="Name67" axis="ch" ptType="asst" func="cnt" op="gte" val="1">
+                        <dgm:alg type="hierRoot">
+                          <dgm:param type="hierAlign" val="tL"/>
+                        </dgm:alg>
+                        <dgm:shape xmlns:r="http://schemas.openxmlformats.org/officeDocument/2006/relationships" r:blip="">
+                          <dgm:adjLst/>
+                        </dgm:shape>
+                        <dgm:presOf/>
+                        <dgm:constrLst>
+                          <dgm:constr type="alignOff" val="0.65"/>
+                        </dgm:constrLst>
+                      </dgm:if>
+                      <dgm:else name="Name68">
+                        <dgm:alg type="hierRoot">
+                          <dgm:param type="hierAlign" val="tL"/>
+                        </dgm:alg>
+                        <dgm:shape xmlns:r="http://schemas.openxmlformats.org/officeDocument/2006/relationships" r:blip="">
+                          <dgm:adjLst/>
+                        </dgm:shape>
+                        <dgm:presOf/>
+                        <dgm:constrLst>
+                          <dgm:constr type="alignOff" val="0.25"/>
+                        </dgm:constrLst>
+                      </dgm:else>
+                    </dgm:choose>
+                  </dgm:if>
+                  <dgm:if name="Name69" func="var" arg="hierBranch" op="equ" val="std">
+                    <dgm:alg type="hierRoot"/>
+                    <dgm:shape xmlns:r="http://schemas.openxmlformats.org/officeDocument/2006/relationships" r:blip="">
+                      <dgm:adjLst/>
+                    </dgm:shape>
+                    <dgm:presOf/>
+                    <dgm:constrLst>
+                      <dgm:constr type="alignOff"/>
+                      <dgm:constr type="bendDist" for="des" ptType="parTrans" refType="sp" fact="0.5"/>
+                    </dgm:constrLst>
+                  </dgm:if>
+                  <dgm:if name="Name70" func="var" arg="hierBranch" op="equ" val="init">
+                    <dgm:choose name="Name71">
+                      <dgm:if name="Name72" axis="des" func="maxDepth" op="lte" val="1">
+                        <dgm:choose name="Name73">
+                          <dgm:if name="Name74" axis="ch" ptType="asst" func="cnt" op="gte" val="1">
+                            <dgm:alg type="hierRoot">
+                              <dgm:param type="hierAlign" val="tL"/>
+                            </dgm:alg>
+                            <dgm:shape xmlns:r="http://schemas.openxmlformats.org/officeDocument/2006/relationships" r:blip="">
+                              <dgm:adjLst/>
+                            </dgm:shape>
+                            <dgm:presOf/>
+                            <dgm:constrLst>
+                              <dgm:constr type="alignOff" val="0.65"/>
+                            </dgm:constrLst>
+                          </dgm:if>
+                          <dgm:else name="Name75">
+                            <dgm:alg type="hierRoot">
+                              <dgm:param type="hierAlign" val="tL"/>
+                            </dgm:alg>
+                            <dgm:shape xmlns:r="http://schemas.openxmlformats.org/officeDocument/2006/relationships" r:blip="">
+                              <dgm:adjLst/>
+                            </dgm:shape>
+                            <dgm:presOf/>
+                            <dgm:constrLst>
+                              <dgm:constr type="alignOff" val="0.25"/>
+                            </dgm:constrLst>
+                          </dgm:else>
+                        </dgm:choose>
+                      </dgm:if>
+                      <dgm:else name="Name76">
+                        <dgm:alg type="hierRoot"/>
+                        <dgm:shape xmlns:r="http://schemas.openxmlformats.org/officeDocument/2006/relationships" r:blip="">
+                          <dgm:adjLst/>
+                        </dgm:shape>
+                        <dgm:presOf/>
+                        <dgm:constrLst>
+                          <dgm:constr type="alignOff"/>
+                          <dgm:constr type="bendDist" for="des" ptType="parTrans" refType="sp" fact="0.5"/>
+                        </dgm:constrLst>
+                      </dgm:else>
+                    </dgm:choose>
+                  </dgm:if>
+                  <dgm:else name="Name77">
+                    <dgm:alg type="hierRoot"/>
+                    <dgm:shape xmlns:r="http://schemas.openxmlformats.org/officeDocument/2006/relationships" r:blip="">
+                      <dgm:adjLst/>
+                    </dgm:shape>
+                    <dgm:presOf/>
+                    <dgm:constrLst>
+                      <dgm:constr type="alignOff" val="0.65"/>
+                    </dgm:constrLst>
+                  </dgm:else>
+                </dgm:choose>
+                <dgm:ruleLst/>
+                <dgm:layoutNode name="rootComposite">
+                  <dgm:alg type="composite"/>
+                  <dgm:shape xmlns:r="http://schemas.openxmlformats.org/officeDocument/2006/relationships" r:blip="">
+                    <dgm:adjLst/>
+                  </dgm:shape>
+                  <dgm:presOf axis="self" ptType="node" cnt="1"/>
+                  <dgm:choose name="Name78">
+                    <dgm:if name="Name79" func="var" arg="hierBranch" op="equ" val="init">
+                      <dgm:constrLst>
+                        <dgm:constr type="l" for="ch" forName="rootText"/>
+                        <dgm:constr type="t" for="ch" forName="rootText"/>
+                        <dgm:constr type="w" for="ch" forName="rootText" refType="w"/>
+                        <dgm:constr type="h" for="ch" forName="rootText" refType="h"/>
+                        <dgm:constr type="l" for="ch" forName="rootConnector"/>
+                        <dgm:constr type="t" for="ch" forName="rootConnector"/>
+                        <dgm:constr type="w" for="ch" forName="rootConnector" refType="w" refFor="ch" refForName="rootText" fact="0.2"/>
+                        <dgm:constr type="h" for="ch" forName="rootConnector" refType="h" refFor="ch" refForName="rootText"/>
+                      </dgm:constrLst>
+                    </dgm:if>
+                    <dgm:if name="Name80" func="var" arg="hierBranch" op="equ" val="l">
+                      <dgm:constrLst>
+                        <dgm:constr type="l" for="ch" forName="rootText"/>
+                        <dgm:constr type="t" for="ch" forName="rootText"/>
+                        <dgm:constr type="w" for="ch" forName="rootText" refType="w"/>
+                        <dgm:constr type="h" for="ch" forName="rootText" refType="h"/>
+                        <dgm:constr type="r" for="ch" forName="rootConnector" refType="w"/>
+                        <dgm:constr type="t" for="ch" forName="rootConnector"/>
+                        <dgm:constr type="w" for="ch" forName="rootConnector" refType="w" refFor="ch" refForName="rootText" fact="0.2"/>
+                        <dgm:constr type="h" for="ch" forName="rootConnector" refType="h" refFor="ch" refForName="rootText"/>
+                      </dgm:constrLst>
+                    </dgm:if>
+                    <dgm:if name="Name81" func="var" arg="hierBranch" op="equ" val="r">
+                      <dgm:constrLst>
+                        <dgm:constr type="l" for="ch" forName="rootText"/>
+                        <dgm:constr type="t" for="ch" forName="rootText"/>
+                        <dgm:constr type="w" for="ch" forName="rootText" refType="w"/>
+                        <dgm:constr type="h" for="ch" forName="rootText" refType="h"/>
+                        <dgm:constr type="l" for="ch" forName="rootConnector"/>
+                        <dgm:constr type="t" for="ch" forName="rootConnector"/>
+                        <dgm:constr type="w" for="ch" forName="rootConnector" refType="w" refFor="ch" refForName="rootText" fact="0.2"/>
+                        <dgm:constr type="h" for="ch" forName="rootConnector" refType="h" refFor="ch" refForName="rootText"/>
+                      </dgm:constrLst>
+                    </dgm:if>
+                    <dgm:else name="Name82">
+                      <dgm:constrLst>
+                        <dgm:constr type="l" for="ch" forName="rootText"/>
+                        <dgm:constr type="t" for="ch" forName="rootText"/>
+                        <dgm:constr type="w" for="ch" forName="rootText" refType="w"/>
+                        <dgm:constr type="h" for="ch" forName="rootText" refType="h"/>
+                        <dgm:constr type="r" for="ch" forName="rootConnector" refType="w"/>
+                        <dgm:constr type="t" for="ch" forName="rootConnector"/>
+                        <dgm:constr type="w" for="ch" forName="rootConnector" refType="w" refFor="ch" refForName="rootText" fact="0.2"/>
+                        <dgm:constr type="h" for="ch" forName="rootConnector" refType="h" refFor="ch" refForName="rootText"/>
+                      </dgm:constrLst>
+                    </dgm:else>
+                  </dgm:choose>
+                  <dgm:ruleLst/>
+                  <dgm:layoutNode name="rootText">
+                    <dgm:varLst>
+                      <dgm:chPref val="3"/>
+                    </dgm:varLst>
+                    <dgm:alg type="tx"/>
+                    <dgm:shape xmlns:r="http://schemas.openxmlformats.org/officeDocument/2006/relationships" type="rect" r:blip="">
+                      <dgm:adjLst/>
+                    </dgm:shape>
+                    <dgm:presOf axis="self" ptType="node" cnt="1"/>
+                    <dgm:constrLst>
+                      <dgm:constr type="primFontSz" val="65"/>
+                      <dgm:constr type="lMarg" refType="primFontSz" fact="0.05"/>
+                      <dgm:constr type="rMarg" refType="primFontSz" fact="0.05"/>
+                      <dgm:constr type="tMarg" refType="primFontSz" fact="0.05"/>
+                      <dgm:constr type="bMarg" refType="primFontSz" fact="0.05"/>
+                    </dgm:constrLst>
+                    <dgm:ruleLst>
+                      <dgm:rule type="primFontSz" val="5" fact="NaN" max="NaN"/>
+                    </dgm:ruleLst>
+                  </dgm:layoutNode>
+                  <dgm:layoutNode name="rootConnector" moveWith="rootText">
+                    <dgm:alg type="sp"/>
+                    <dgm:shape xmlns:r="http://schemas.openxmlformats.org/officeDocument/2006/relationships" type="rect" r:blip="" hideGeom="1">
+                      <dgm:adjLst/>
+                    </dgm:shape>
+                    <dgm:presOf axis="self" ptType="node" cnt="1"/>
+                    <dgm:constrLst/>
+                    <dgm:ruleLst/>
+                  </dgm:layoutNode>
+                </dgm:layoutNode>
+                <dgm:layoutNode name="hierChild4">
+                  <dgm:choose name="Name83">
+                    <dgm:if name="Name84" func="var" arg="hierBranch" op="equ" val="l">
+                      <dgm:alg type="hierChild">
+                        <dgm:param type="chAlign" val="r"/>
+                        <dgm:param type="linDir" val="fromT"/>
+                      </dgm:alg>
+                    </dgm:if>
+                    <dgm:if name="Name85" func="var" arg="hierBranch" op="equ" val="r">
+                      <dgm:alg type="hierChild">
+                        <dgm:param type="chAlign" val="l"/>
+                        <dgm:param type="linDir" val="fromT"/>
+                      </dgm:alg>
+                    </dgm:if>
+                    <dgm:if name="Name86" func="var" arg="hierBranch" op="equ" val="hang">
+                      <dgm:choose name="Name87">
+                        <dgm:if name="Name88" func="var" arg="dir" op="equ" val="norm">
+                          <dgm:alg type="hierChild">
+                            <dgm:param type="chAlign" val="l"/>
+                            <dgm:param type="linDir" val="fromL"/>
+                            <dgm:param type="secChAlign" val="t"/>
+                            <dgm:param type="secLinDir" val="fromT"/>
+                          </dgm:alg>
+                        </dgm:if>
+                        <dgm:else name="Name89">
+                          <dgm:alg type="hierChild">
+                            <dgm:param type="chAlign" val="l"/>
+                            <dgm:param type="linDir" val="fromR"/>
+                            <dgm:param type="secChAlign" val="t"/>
+                            <dgm:param type="secLinDir" val="fromT"/>
+                          </dgm:alg>
+                        </dgm:else>
+                      </dgm:choose>
+                    </dgm:if>
+                    <dgm:if name="Name90" func="var" arg="hierBranch" op="equ" val="std">
+                      <dgm:choose name="Name91">
+                        <dgm:if name="Name92" func="var" arg="dir" op="equ" val="norm">
+                          <dgm:alg type="hierChild"/>
+                        </dgm:if>
+                        <dgm:else name="Name93">
+                          <dgm:alg type="hierChild">
+                            <dgm:param type="linDir" val="fromR"/>
+                          </dgm:alg>
+                        </dgm:else>
+                      </dgm:choose>
+                    </dgm:if>
+                    <dgm:if name="Name94" func="var" arg="hierBranch" op="equ" val="init">
+                      <dgm:choose name="Name95">
+                        <dgm:if name="Name96" axis="des" func="maxDepth" op="lte" val="1">
+                          <dgm:alg type="hierChild">
+                            <dgm:param type="chAlign" val="l"/>
+                            <dgm:param type="linDir" val="fromT"/>
+                          </dgm:alg>
+                        </dgm:if>
+                        <dgm:else name="Name97">
+                          <dgm:choose name="Name98">
+                            <dgm:if name="Name99" func="var" arg="dir" op="equ" val="norm">
+                              <dgm:alg type="hierChild"/>
+                            </dgm:if>
+                            <dgm:else name="Name100">
+                              <dgm:alg type="hierChild">
+                                <dgm:param type="linDir" val="fromR"/>
+                              </dgm:alg>
+                            </dgm:else>
+                          </dgm:choose>
+                        </dgm:else>
+                      </dgm:choose>
+                    </dgm:if>
+                    <dgm:else name="Name101"/>
+                  </dgm:choose>
+                  <dgm:shape xmlns:r="http://schemas.openxmlformats.org/officeDocument/2006/relationships" r:blip="">
+                    <dgm:adjLst/>
+                  </dgm:shape>
+                  <dgm:presOf/>
+                  <dgm:constrLst/>
+                  <dgm:ruleLst/>
+                  <dgm:forEach name="Name102" ref="rep2a"/>
+                </dgm:layoutNode>
+                <dgm:layoutNode name="hierChild5">
+                  <dgm:choose name="Name103">
+                    <dgm:if name="Name104" func="var" arg="dir" op="equ" val="norm">
+                      <dgm:alg type="hierChild">
+                        <dgm:param type="chAlign" val="l"/>
+                        <dgm:param type="linDir" val="fromL"/>
+                        <dgm:param type="secChAlign" val="t"/>
+                        <dgm:param type="secLinDir" val="fromT"/>
+                      </dgm:alg>
+                    </dgm:if>
+                    <dgm:else name="Name105">
+                      <dgm:alg type="hierChild">
+                        <dgm:param type="chAlign" val="l"/>
+                        <dgm:param type="linDir" val="fromR"/>
+                        <dgm:param type="secChAlign" val="t"/>
+                        <dgm:param type="secLinDir" val="fromT"/>
+                      </dgm:alg>
+                    </dgm:else>
+                  </dgm:choose>
+                  <dgm:shape xmlns:r="http://schemas.openxmlformats.org/officeDocument/2006/relationships" r:blip="">
+                    <dgm:adjLst/>
+                  </dgm:shape>
+                  <dgm:presOf/>
+                  <dgm:constrLst/>
+                  <dgm:ruleLst/>
+                  <dgm:forEach name="Name106" ref="rep2b"/>
+                </dgm:layoutNode>
+              </dgm:layoutNode>
+            </dgm:forEach>
+          </dgm:layoutNode>
+          <dgm:layoutNode name="hierChild3">
+            <dgm:choose name="Name107">
+              <dgm:if name="Name108" func="var" arg="dir" op="equ" val="norm">
+                <dgm:alg type="hierChild">
+                  <dgm:param type="chAlign" val="l"/>
+                  <dgm:param type="linDir" val="fromL"/>
+                  <dgm:param type="secChAlign" val="t"/>
+                  <dgm:param type="secLinDir" val="fromT"/>
+                </dgm:alg>
+              </dgm:if>
+              <dgm:else name="Name109">
+                <dgm:alg type="hierChild">
+                  <dgm:param type="chAlign" val="l"/>
+                  <dgm:param type="linDir" val="fromR"/>
+                  <dgm:param type="secChAlign" val="t"/>
+                  <dgm:param type="secLinDir" val="fromT"/>
+                </dgm:alg>
+              </dgm:else>
+            </dgm:choose>
+            <dgm:shape xmlns:r="http://schemas.openxmlformats.org/officeDocument/2006/relationships" r:blip="">
+              <dgm:adjLst/>
+            </dgm:shape>
+            <dgm:presOf/>
+            <dgm:constrLst/>
+            <dgm:ruleLst/>
+            <dgm:forEach name="rep2b" axis="ch" ptType="asst">
+              <dgm:forEach name="Name110" axis="precedSib" ptType="parTrans" st="-1" cnt="1">
+                <dgm:layoutNode name="Name111">
+                  <dgm:alg type="conn">
+                    <dgm:param type="connRout" val="bend"/>
+                    <dgm:param type="dim" val="1D"/>
+                    <dgm:param type="endSty" val="noArr"/>
+                    <dgm:param type="begPts" val="bCtr"/>
+                    <dgm:param type="endPts" val="midL midR"/>
+                  </dgm:alg>
+                  <dgm:shape xmlns:r="http://schemas.openxmlformats.org/officeDocument/2006/relationships" type="conn" r:blip="" zOrderOff="-99999">
+                    <dgm:adjLst/>
+                  </dgm:shape>
+                  <dgm:presOf axis="self"/>
+                  <dgm:constrLst>
+                    <dgm:constr type="begPad"/>
+                    <dgm:constr type="endPad"/>
+                  </dgm:constrLst>
+                  <dgm:ruleLst/>
+                </dgm:layoutNode>
+              </dgm:forEach>
+              <dgm:layoutNode name="hierRoot3">
+                <dgm:varLst>
+                  <dgm:hierBranch val="init"/>
+                </dgm:varLst>
+                <dgm:choose name="Name112">
+                  <dgm:if name="Name113" func="var" arg="hierBranch" op="equ" val="l">
+                    <dgm:alg type="hierRoot">
+                      <dgm:param type="hierAlign" val="tR"/>
+                    </dgm:alg>
+                    <dgm:shape xmlns:r="http://schemas.openxmlformats.org/officeDocument/2006/relationships" r:blip="">
+                      <dgm:adjLst/>
+                    </dgm:shape>
+                    <dgm:presOf/>
+                    <dgm:constrLst>
+                      <dgm:constr type="alignOff" val="0.65"/>
+                    </dgm:constrLst>
+                  </dgm:if>
+                  <dgm:if name="Name114" func="var" arg="hierBranch" op="equ" val="r">
+                    <dgm:alg type="hierRoot">
+                      <dgm:param type="hierAlign" val="tL"/>
+                    </dgm:alg>
+                    <dgm:shape xmlns:r="http://schemas.openxmlformats.org/officeDocument/2006/relationships" r:blip="">
+                      <dgm:adjLst/>
+                    </dgm:shape>
+                    <dgm:presOf/>
+                    <dgm:constrLst>
+                      <dgm:constr type="alignOff" val="0.65"/>
+                    </dgm:constrLst>
+                  </dgm:if>
+                  <dgm:if name="Name115" func="var" arg="hierBranch" op="equ" val="hang">
+                    <dgm:alg type="hierRoot"/>
+                    <dgm:shape xmlns:r="http://schemas.openxmlformats.org/officeDocument/2006/relationships" r:blip="">
+                      <dgm:adjLst/>
+                    </dgm:shape>
+                    <dgm:presOf/>
+                    <dgm:constrLst>
+                      <dgm:constr type="alignOff" val="0.65"/>
+                    </dgm:constrLst>
+                  </dgm:if>
+                  <dgm:if name="Name116" func="var" arg="hierBranch" op="equ" val="std">
+                    <dgm:alg type="hierRoot"/>
+                    <dgm:shape xmlns:r="http://schemas.openxmlformats.org/officeDocument/2006/relationships" r:blip="">
+                      <dgm:adjLst/>
+                    </dgm:shape>
+                    <dgm:presOf/>
+                    <dgm:constrLst>
+                      <dgm:constr type="alignOff"/>
+                      <dgm:constr type="bendDist" for="des" ptType="parTrans" refType="sp" fact="0.5"/>
+                    </dgm:constrLst>
+                  </dgm:if>
+                  <dgm:if name="Name117" func="var" arg="hierBranch" op="equ" val="init">
+                    <dgm:choose name="Name118">
+                      <dgm:if name="Name119" axis="des" func="maxDepth" op="lte" val="1">
+                        <dgm:alg type="hierRoot">
+                          <dgm:param type="hierAlign" val="tL"/>
+                        </dgm:alg>
+                        <dgm:shape xmlns:r="http://schemas.openxmlformats.org/officeDocument/2006/relationships" r:blip="">
+                          <dgm:adjLst/>
+                        </dgm:shape>
+                        <dgm:presOf/>
+                        <dgm:constrLst>
+                          <dgm:constr type="alignOff" val="0.65"/>
+                        </dgm:constrLst>
+                      </dgm:if>
+                      <dgm:else name="Name120">
+                        <dgm:alg type="hierRoot"/>
+                        <dgm:shape xmlns:r="http://schemas.openxmlformats.org/officeDocument/2006/relationships" r:blip="">
+                          <dgm:adjLst/>
+                        </dgm:shape>
+                        <dgm:presOf/>
+                        <dgm:constrLst>
+                          <dgm:constr type="alignOff"/>
+                          <dgm:constr type="bendDist" for="des" ptType="parTrans" refType="sp" fact="0.5"/>
+                        </dgm:constrLst>
+                      </dgm:else>
+                    </dgm:choose>
+                  </dgm:if>
+                  <dgm:else name="Name121"/>
+                </dgm:choose>
+                <dgm:ruleLst/>
+                <dgm:layoutNode name="rootComposite3">
+                  <dgm:alg type="composite"/>
+                  <dgm:shape xmlns:r="http://schemas.openxmlformats.org/officeDocument/2006/relationships" r:blip="">
+                    <dgm:adjLst/>
+                  </dgm:shape>
+                  <dgm:presOf axis="self" ptType="node" cnt="1"/>
+                  <dgm:choose name="Name122">
+                    <dgm:if name="Name123" func="var" arg="hierBranch" op="equ" val="init">
+                      <dgm:constrLst>
+                        <dgm:constr type="l" for="ch" forName="rootText3"/>
+                        <dgm:constr type="t" for="ch" forName="rootText3"/>
+                        <dgm:constr type="w" for="ch" forName="rootText3" refType="w"/>
+                        <dgm:constr type="h" for="ch" forName="rootText3" refType="h"/>
+                        <dgm:constr type="l" for="ch" forName="rootConnector3"/>
+                        <dgm:constr type="t" for="ch" forName="rootConnector3"/>
+                        <dgm:constr type="w" for="ch" forName="rootConnector3" refType="w" refFor="ch" refForName="rootText3" fact="0.2"/>
+                        <dgm:constr type="h" for="ch" forName="rootConnector3" refType="h" refFor="ch" refForName="rootText3"/>
+                      </dgm:constrLst>
+                    </dgm:if>
+                    <dgm:if name="Name124" func="var" arg="hierBranch" op="equ" val="l">
+                      <dgm:constrLst>
+                        <dgm:constr type="l" for="ch" forName="rootText3"/>
+                        <dgm:constr type="t" for="ch" forName="rootText3"/>
+                        <dgm:constr type="w" for="ch" forName="rootText3" refType="w"/>
+                        <dgm:constr type="h" for="ch" forName="rootText3" refType="h"/>
+                        <dgm:constr type="r" for="ch" forName="rootConnector3" refType="w"/>
+                        <dgm:constr type="t" for="ch" forName="rootConnector3"/>
+                        <dgm:constr type="w" for="ch" forName="rootConnector3" refType="w" refFor="ch" refForName="rootText3" fact="0.2"/>
+                        <dgm:constr type="h" for="ch" forName="rootConnector3" refType="h" refFor="ch" refForName="rootText3"/>
+                      </dgm:constrLst>
+                    </dgm:if>
+                    <dgm:if name="Name125" func="var" arg="hierBranch" op="equ" val="r">
+                      <dgm:constrLst>
+                        <dgm:constr type="l" for="ch" forName="rootText3"/>
+                        <dgm:constr type="t" for="ch" forName="rootText3"/>
+                        <dgm:constr type="w" for="ch" forName="rootText3" refType="w"/>
+                        <dgm:constr type="h" for="ch" forName="rootText3" refType="h"/>
+                        <dgm:constr type="l" for="ch" forName="rootConnector3"/>
+                        <dgm:constr type="t" for="ch" forName="rootConnector3"/>
+                        <dgm:constr type="w" for="ch" forName="rootConnector3" refType="w" refFor="ch" refForName="rootText3" fact="0.2"/>
+                        <dgm:constr type="h" for="ch" forName="rootConnector3" refType="h" refFor="ch" refForName="rootText3"/>
+                      </dgm:constrLst>
+                    </dgm:if>
+                    <dgm:else name="Name126">
+                      <dgm:constrLst>
+                        <dgm:constr type="l" for="ch" forName="rootText3"/>
+                        <dgm:constr type="t" for="ch" forName="rootText3"/>
+                        <dgm:constr type="w" for="ch" forName="rootText3" refType="w"/>
+                        <dgm:constr type="h" for="ch" forName="rootText3" refType="h"/>
+                        <dgm:constr type="r" for="ch" forName="rootConnector3" refType="w"/>
+                        <dgm:constr type="t" for="ch" forName="rootConnector3"/>
+                        <dgm:constr type="w" for="ch" forName="rootConnector3" refType="w" refFor="ch" refForName="rootText3" fact="0.2"/>
+                        <dgm:constr type="h" for="ch" forName="rootConnector3" refType="h" refFor="ch" refForName="rootText3"/>
+                      </dgm:constrLst>
+                    </dgm:else>
+                  </dgm:choose>
+                  <dgm:ruleLst/>
+                  <dgm:layoutNode name="rootText3">
+                    <dgm:varLst>
+                      <dgm:chPref val="3"/>
+                    </dgm:varLst>
+                    <dgm:alg type="tx"/>
+                    <dgm:shape xmlns:r="http://schemas.openxmlformats.org/officeDocument/2006/relationships" type="rect" r:blip="">
+                      <dgm:adjLst/>
+                    </dgm:shape>
+                    <dgm:presOf axis="self" ptType="node" cnt="1"/>
+                    <dgm:constrLst>
+                      <dgm:constr type="primFontSz" val="65"/>
+                      <dgm:constr type="lMarg" refType="primFontSz" fact="0.05"/>
+                      <dgm:constr type="rMarg" refType="primFontSz" fact="0.05"/>
+                      <dgm:constr type="tMarg" refType="primFontSz" fact="0.05"/>
+                      <dgm:constr type="bMarg" refType="primFontSz" fact="0.05"/>
+                    </dgm:constrLst>
+                    <dgm:ruleLst>
+                      <dgm:rule type="primFontSz" val="5" fact="NaN" max="NaN"/>
+                    </dgm:ruleLst>
+                  </dgm:layoutNode>
+                  <dgm:layoutNode name="rootConnector3" moveWith="rootText1">
+                    <dgm:alg type="sp"/>
+                    <dgm:shape xmlns:r="http://schemas.openxmlformats.org/officeDocument/2006/relationships" type="rect" r:blip="" hideGeom="1">
+                      <dgm:adjLst/>
+                    </dgm:shape>
+                    <dgm:presOf axis="self" ptType="node" cnt="1"/>
+                    <dgm:constrLst/>
+                    <dgm:ruleLst/>
+                  </dgm:layoutNode>
+                </dgm:layoutNode>
+                <dgm:layoutNode name="hierChild6">
+                  <dgm:choose name="Name127">
+                    <dgm:if name="Name128" func="var" arg="hierBranch" op="equ" val="l">
+                      <dgm:alg type="hierChild">
+                        <dgm:param type="chAlign" val="r"/>
+                        <dgm:param type="linDir" val="fromT"/>
+                      </dgm:alg>
+                    </dgm:if>
+                    <dgm:if name="Name129" func="var" arg="hierBranch" op="equ" val="r">
+                      <dgm:alg type="hierChild">
+                        <dgm:param type="chAlign" val="l"/>
+                        <dgm:param type="linDir" val="fromT"/>
+                      </dgm:alg>
+                    </dgm:if>
+                    <dgm:if name="Name130" func="var" arg="hierBranch" op="equ" val="hang">
+                      <dgm:choose name="Name131">
+                        <dgm:if name="Name132" func="var" arg="dir" op="equ" val="norm">
+                          <dgm:alg type="hierChild">
+                            <dgm:param type="chAlign" val="l"/>
+                            <dgm:param type="linDir" val="fromL"/>
+                            <dgm:param type="secChAlign" val="t"/>
+                            <dgm:param type="secLinDir" val="fromT"/>
+                          </dgm:alg>
+                        </dgm:if>
+                        <dgm:else name="Name133">
+                          <dgm:alg type="hierChild">
+                            <dgm:param type="chAlign" val="l"/>
+                            <dgm:param type="linDir" val="fromR"/>
+                            <dgm:param type="secChAlign" val="t"/>
+                            <dgm:param type="secLinDir" val="fromT"/>
+                          </dgm:alg>
+                        </dgm:else>
+                      </dgm:choose>
+                    </dgm:if>
+                    <dgm:if name="Name134" func="var" arg="hierBranch" op="equ" val="std">
+                      <dgm:choose name="Name135">
+                        <dgm:if name="Name136" func="var" arg="dir" op="equ" val="norm">
+                          <dgm:alg type="hierChild"/>
+                        </dgm:if>
+                        <dgm:else name="Name137">
+                          <dgm:alg type="hierChild">
+                            <dgm:param type="linDir" val="fromR"/>
+                          </dgm:alg>
+                        </dgm:else>
+                      </dgm:choose>
+                    </dgm:if>
+                    <dgm:if name="Name138" func="var" arg="hierBranch" op="equ" val="init">
+                      <dgm:choose name="Name139">
+                        <dgm:if name="Name140" axis="des" func="maxDepth" op="lte" val="1">
+                          <dgm:alg type="hierChild">
+                            <dgm:param type="chAlign" val="l"/>
+                            <dgm:param type="linDir" val="fromT"/>
+                          </dgm:alg>
+                        </dgm:if>
+                        <dgm:else name="Name141">
+                          <dgm:alg type="hierChild"/>
+                        </dgm:else>
+                      </dgm:choose>
+                    </dgm:if>
+                    <dgm:else name="Name142"/>
+                  </dgm:choose>
+                  <dgm:shape xmlns:r="http://schemas.openxmlformats.org/officeDocument/2006/relationships" r:blip="">
+                    <dgm:adjLst/>
+                  </dgm:shape>
+                  <dgm:presOf/>
+                  <dgm:constrLst/>
+                  <dgm:ruleLst/>
+                  <dgm:forEach name="Name143" ref="rep2a"/>
+                </dgm:layoutNode>
+                <dgm:layoutNode name="hierChild7">
+                  <dgm:choose name="Name144">
+                    <dgm:if name="Name145" func="var" arg="dir" op="equ" val="norm">
+                      <dgm:alg type="hierChild">
+                        <dgm:param type="chAlign" val="l"/>
+                        <dgm:param type="linDir" val="fromL"/>
+                        <dgm:param type="secChAlign" val="t"/>
+                        <dgm:param type="secLinDir" val="fromT"/>
+                      </dgm:alg>
+                    </dgm:if>
+                    <dgm:else name="Name146">
+                      <dgm:alg type="hierChild">
+                        <dgm:param type="chAlign" val="l"/>
+                        <dgm:param type="linDir" val="fromR"/>
+                        <dgm:param type="secChAlign" val="t"/>
+                        <dgm:param type="secLinDir" val="fromT"/>
+                      </dgm:alg>
+                    </dgm:else>
+                  </dgm:choose>
+                  <dgm:shape xmlns:r="http://schemas.openxmlformats.org/officeDocument/2006/relationships" r:blip="">
+                    <dgm:adjLst/>
+                  </dgm:shape>
+                  <dgm:presOf/>
+                  <dgm:constrLst/>
+                  <dgm:ruleLst/>
+                  <dgm:forEach name="Name147" ref="rep2b"/>
+                </dgm:layoutNode>
+              </dgm:layoutNode>
+            </dgm:forEach>
+          </dgm:layoutNode>
+        </dgm:layoutNode>
+      </dgm:forEach>
+    </dgm:forEach>
+  </dgm:layoutNode>
+</dgm:layoutDef>
+</file>
+
+<file path=ppt/diagrams/quickStyle1.xml><?xml version="1.0" encoding="utf-8"?>
+<dgm:styleDef xmlns:dgm="http://schemas.openxmlformats.org/drawingml/2006/diagram" xmlns:a="http://schemas.openxmlformats.org/drawingml/2006/main" uniqueId="urn:microsoft.com/office/officeart/2005/8/quickstyle/simple1">
+  <dgm:title val=""/>
+  <dgm:desc val=""/>
+  <dgm:catLst>
+    <dgm:cat type="simple" pri="10100"/>
+  </dgm:catLst>
+  <dgm:scene3d>
+    <a:camera prst="orthographicFront"/>
+    <a:lightRig rig="threePt" dir="t"/>
+  </dgm:scene3d>
+  <dgm:styleLbl name="node0">
+    <dgm:scene3d>
+      <a:camera prst="orthographicFront"/>
+      <a:lightRig rig="threePt" dir="t"/>
+    </dgm:scene3d>
+    <dgm:sp3d/>
+    <dgm:txPr/>
+    <dgm:style>
+      <a:lnRef idx="2">
+        <a:scrgbClr r="0" g="0" b="0"/>
+      </a:lnRef>
+      <a:fillRef idx="1">
+        <a:scrgbClr r="0" g="0" b="0"/>
+      </a:fillRef>
+      <a:effectRef idx="0">
+        <a:scrgbClr r="0" g="0" b="0"/>
+      </a:effectRef>
+      <a:fontRef idx="minor">
+        <a:schemeClr val="lt1"/>
+      </a:fontRef>
+    </dgm:style>
+  </dgm:styleLbl>
+  <dgm:styleLbl name="lnNode1">
+    <dgm:scene3d>
+      <a:camera prst="orthographicFront"/>
+      <a:lightRig rig="threePt" dir="t"/>
+    </dgm:scene3d>
+    <dgm:sp3d/>
+    <dgm:txPr/>
+    <dgm:style>
+      <a:lnRef idx="2">
+        <a:scrgbClr r="0" g="0" b="0"/>
+      </a:lnRef>
+      <a:fillRef idx="1">
+        <a:scrgbClr r="0" g="0" b="0"/>
+      </a:fillRef>
+      <a:effectRef idx="0">
+        <a:scrgbClr r="0" g="0" b="0"/>
+      </a:effectRef>
+      <a:fontRef idx="minor">
+        <a:schemeClr val="lt1"/>
+      </a:fontRef>
+    </dgm:style>
+  </dgm:styleLbl>
+  <dgm:styleLbl name="vennNode1">
+    <dgm:scene3d>
+      <a:camera prst="orthographicFront"/>
+      <a:lightRig rig="threePt" dir="t"/>
+    </dgm:scene3d>
+    <dgm:sp3d/>
+    <dgm:txPr/>
+    <dgm:style>
+      <a:lnRef idx="2">
+        <a:scrgbClr r="0" g="0" b="0"/>
+      </a:lnRef>
+      <a:fillRef idx="1">
+        <a:scrgbClr r="0" g="0" b="0"/>
+      </a:fillRef>
+      <a:effectRef idx="0">
+        <a:scrgbClr r="0" g="0" b="0"/>
+      </a:effectRef>
+      <a:fontRef idx="minor">
+        <a:schemeClr val="tx1"/>
+      </a:fontRef>
+    </dgm:style>
+  </dgm:styleLbl>
+  <dgm:styleLbl name="alignNode1">
+    <dgm:scene3d>
+      <a:camera prst="orthographicFront"/>
+      <a:lightRig rig="threePt" dir="t"/>
+    </dgm:scene3d>
+    <dgm:sp3d/>
+    <dgm:txPr/>
+    <dgm:style>
+      <a:lnRef idx="2">
+        <a:scrgbClr r="0" g="0" b="0"/>
+      </a:lnRef>
+      <a:fillRef idx="1">
+        <a:scrgbClr r="0" g="0" b="0"/>
+      </a:fillRef>
+      <a:effectRef idx="0">
+        <a:scrgbClr r="0" g="0" b="0"/>
+      </a:effectRef>
+      <a:fontRef idx="minor">
+        <a:schemeClr val="lt1"/>
+      </a:fontRef>
+    </dgm:style>
+  </dgm:styleLbl>
+  <dgm:styleLbl name="node1">
+    <dgm:scene3d>
+      <a:camera prst="orthographicFront"/>
+      <a:lightRig rig="threePt" dir="t"/>
+    </dgm:scene3d>
+    <dgm:sp3d/>
+    <dgm:txPr/>
+    <dgm:style>
+      <a:lnRef idx="2">
+        <a:scrgbClr r="0" g="0" b="0"/>
+      </a:lnRef>
+      <a:fillRef idx="1">
+        <a:scrgbClr r="0" g="0" b="0"/>
+      </a:fillRef>
+      <a:effectRef idx="0">
+        <a:scrgbClr r="0" g="0" b="0"/>
+      </a:effectRef>
+      <a:fontRef idx="minor">
+        <a:schemeClr val="lt1"/>
+      </a:fontRef>
+    </dgm:style>
+  </dgm:styleLbl>
+  <dgm:styleLbl name="node2">
+    <dgm:scene3d>
+      <a:camera prst="orthographicFront"/>
+      <a:lightRig rig="threePt" dir="t"/>
+    </dgm:scene3d>
+    <dgm:sp3d/>
+    <dgm:txPr/>
+    <dgm:style>
+      <a:lnRef idx="2">
+        <a:scrgbClr r="0" g="0" b="0"/>
+      </a:lnRef>
+      <a:fillRef idx="1">
+        <a:scrgbClr r="0" g="0" b="0"/>
+      </a:fillRef>
+      <a:effectRef idx="0">
+        <a:scrgbClr r="0" g="0" b="0"/>
+      </a:effectRef>
+      <a:fontRef idx="minor">
+        <a:schemeClr val="lt1"/>
+      </a:fontRef>
+    </dgm:style>
+  </dgm:styleLbl>
+  <dgm:styleLbl name="node3">
+    <dgm:scene3d>
+      <a:camera prst="orthographicFront"/>
+      <a:lightRig rig="threePt" dir="t"/>
+    </dgm:scene3d>
+    <dgm:sp3d/>
+    <dgm:txPr/>
+    <dgm:style>
+      <a:lnRef idx="2">
+        <a:scrgbClr r="0" g="0" b="0"/>
+      </a:lnRef>
+      <a:fillRef idx="1">
+        <a:scrgbClr r="0" g="0" b="0"/>
+      </a:fillRef>
+      <a:effectRef idx="0">
+        <a:scrgbClr r="0" g="0" b="0"/>
+      </a:effectRef>
+      <a:fontRef idx="minor">
+        <a:schemeClr val="lt1"/>
+      </a:fontRef>
+    </dgm:style>
+  </dgm:styleLbl>
+  <dgm:styleLbl name="node4">
+    <dgm:scene3d>
+      <a:camera prst="orthographicFront"/>
+      <a:lightRig rig="threePt" dir="t"/>
+    </dgm:scene3d>
+    <dgm:sp3d/>
+    <dgm:txPr/>
+    <dgm:style>
+      <a:lnRef idx="2">
+        <a:scrgbClr r="0" g="0" b="0"/>
+      </a:lnRef>
+      <a:fillRef idx="1">
+        <a:scrgbClr r="0" g="0" b="0"/>
+      </a:fillRef>
+      <a:effectRef idx="0">
+        <a:scrgbClr r="0" g="0" b="0"/>
+      </a:effectRef>
+      <a:fontRef idx="minor">
+        <a:schemeClr val="lt1"/>
+      </a:fontRef>
+    </dgm:style>
+  </dgm:styleLbl>
+  <dgm:styleLbl name="fgImgPlace1">
+    <dgm:scene3d>
+      <a:camera prst="orthographicFront"/>
+      <a:lightRig rig="threePt" dir="t"/>
+    </dgm:scene3d>
+    <dgm:sp3d/>
+    <dgm:txPr/>
+    <dgm:style>
+      <a:lnRef idx="2">
+        <a:scrgbClr r="0" g="0" b="0"/>
+      </a:lnRef>
+      <a:fillRef idx="1">
+        <a:scrgbClr r="0" g="0" b="0"/>
+      </a:fillRef>
+      <a:effectRef idx="0">
+        <a:scrgbClr r="0" g="0" b="0"/>
+      </a:effectRef>
+      <a:fontRef idx="minor"/>
+    </dgm:style>
+  </dgm:styleLbl>
+  <dgm:styleLbl name="alignImgPlace1">
+    <dgm:scene3d>
+      <a:camera prst="orthographicFront"/>
+      <a:lightRig rig="threePt" dir="t"/>
+    </dgm:scene3d>
+    <dgm:sp3d/>
+    <dgm:txPr/>
+    <dgm:style>
+      <a:lnRef idx="2">
+        <a:scrgbClr r="0" g="0" b="0"/>
+      </a:lnRef>
+      <a:fillRef idx="1">
+        <a:scrgbClr r="0" g="0" b="0"/>
+      </a:fillRef>
+      <a:effectRef idx="0">
+        <a:scrgbClr r="0" g="0" b="0"/>
+      </a:effectRef>
+      <a:fontRef idx="minor"/>
+    </dgm:style>
+  </dgm:styleLbl>
+  <dgm:styleLbl name="bgImgPlace1">
+    <dgm:scene3d>
+      <a:camera prst="orthographicFront"/>
+      <a:lightRig rig="threePt" dir="t"/>
+    </dgm:scene3d>
+    <dgm:sp3d/>
+    <dgm:txPr/>
+    <dgm:style>
+      <a:lnRef idx="2">
+        <a:scrgbClr r="0" g="0" b="0"/>
+      </a:lnRef>
+      <a:fillRef idx="1">
+        <a:scrgbClr r="0" g="0" b="0"/>
+      </a:fillRef>
+      <a:effectRef idx="0">
+        <a:scrgbClr r="0" g="0" b="0"/>
+      </a:effectRef>
+      <a:fontRef idx="minor"/>
+    </dgm:style>
+  </dgm:styleLbl>
+  <dgm:styleLbl name="sibTrans2D1">
+    <dgm:scene3d>
+      <a:camera prst="orthographicFront"/>
+      <a:lightRig rig="threePt" dir="t"/>
+    </dgm:scene3d>
+    <dgm:sp3d/>
+    <dgm:txPr/>
+    <dgm:style>
+      <a:lnRef idx="0">
+        <a:scrgbClr r="0" g="0" b="0"/>
+      </a:lnRef>
+      <a:fillRef idx="1">
+        <a:scrgbClr r="0" g="0" b="0"/>
+      </a:fillRef>
+      <a:effectRef idx="0">
+        <a:scrgbClr r="0" g="0" b="0"/>
+      </a:effectRef>
+      <a:fontRef idx="minor">
+        <a:schemeClr val="lt1"/>
+      </a:fontRef>
+    </dgm:style>
+  </dgm:styleLbl>
+  <dgm:styleLbl name="fgSibTrans2D1">
+    <dgm:scene3d>
+      <a:camera prst="orthographicFront"/>
+      <a:lightRig rig="threePt" dir="t"/>
+    </dgm:scene3d>
+    <dgm:sp3d/>
+    <dgm:txPr/>
+    <dgm:style>
+      <a:lnRef idx="0">
+        <a:scrgbClr r="0" g="0" b="0"/>
+      </a:lnRef>
+      <a:fillRef idx="1">
+        <a:scrgbClr r="0" g="0" b="0"/>
+      </a:fillRef>
+      <a:effectRef idx="0">
+        <a:scrgbClr r="0" g="0" b="0"/>
+      </a:effectRef>
+      <a:fontRef idx="minor">
+        <a:schemeClr val="lt1"/>
+      </a:fontRef>
+    </dgm:style>
+  </dgm:styleLbl>
+  <dgm:styleLbl name="bgSibTrans2D1">
+    <dgm:scene3d>
+      <a:camera prst="orthographicFront"/>
+      <a:lightRig rig="threePt" dir="t"/>
+    </dgm:scene3d>
+    <dgm:sp3d/>
+    <dgm:txPr/>
+    <dgm:style>
+      <a:lnRef idx="0">
+        <a:scrgbClr r="0" g="0" b="0"/>
+      </a:lnRef>
+      <a:fillRef idx="1">
+        <a:scrgbClr r="0" g="0" b="0"/>
+      </a:fillRef>
+      <a:effectRef idx="0">
+        <a:scrgbClr r="0" g="0" b="0"/>
+      </a:effectRef>
+      <a:fontRef idx="minor">
+        <a:schemeClr val="lt1"/>
+      </a:fontRef>
+    </dgm:style>
+  </dgm:styleLbl>
+  <dgm:styleLbl name="sibTrans1D1">
+    <dgm:scene3d>
+      <a:camera prst="orthographicFront"/>
+      <a:lightRig rig="threePt" dir="t"/>
+    </dgm:scene3d>
+    <dgm:sp3d/>
+    <dgm:txPr/>
+    <dgm:style>
+      <a:lnRef idx="1">
+        <a:scrgbClr r="0" g="0" b="0"/>
+      </a:lnRef>
+      <a:fillRef idx="0">
+        <a:scrgbClr r="0" g="0" b="0"/>
+      </a:fillRef>
+      <a:effectRef idx="0">
+        <a:scrgbClr r="0" g="0" b="0"/>
+      </a:effectRef>
+      <a:fontRef idx="minor"/>
+    </dgm:style>
+  </dgm:styleLbl>
+  <dgm:styleLbl name="callout">
+    <dgm:scene3d>
+      <a:camera prst="orthographicFront"/>
+      <a:lightRig rig="threePt" dir="t"/>
+    </dgm:scene3d>
+    <dgm:sp3d/>
+    <dgm:txPr/>
+    <dgm:style>
+      <a:lnRef idx="2">
+        <a:scrgbClr r="0" g="0" b="0"/>
+      </a:lnRef>
+      <a:fillRef idx="1">
+        <a:scrgbClr r="0" g="0" b="0"/>
+      </a:fillRef>
+      <a:effectRef idx="0">
+        <a:scrgbClr r="0" g="0" b="0"/>
+      </a:effectRef>
+      <a:fontRef idx="minor"/>
+    </dgm:style>
+  </dgm:styleLbl>
+  <dgm:styleLbl name="asst0">
+    <dgm:scene3d>
+      <a:camera prst="orthographicFront"/>
+      <a:lightRig rig="threePt" dir="t"/>
+    </dgm:scene3d>
+    <dgm:sp3d/>
+    <dgm:txPr/>
+    <dgm:style>
+      <a:lnRef idx="2">
+        <a:scrgbClr r="0" g="0" b="0"/>
+      </a:lnRef>
+      <a:fillRef idx="1">
+        <a:scrgbClr r="0" g="0" b="0"/>
+      </a:fillRef>
+      <a:effectRef idx="0">
+        <a:scrgbClr r="0" g="0" b="0"/>
+      </a:effectRef>
+      <a:fontRef idx="minor">
+        <a:schemeClr val="lt1"/>
+      </a:fontRef>
+    </dgm:style>
+  </dgm:styleLbl>
+  <dgm:styleLbl name="asst1">
+    <dgm:scene3d>
+      <a:camera prst="orthographicFront"/>
+      <a:lightRig rig="threePt" dir="t"/>
+    </dgm:scene3d>
+    <dgm:sp3d/>
+    <dgm:txPr/>
+    <dgm:style>
+      <a:lnRef idx="2">
+        <a:scrgbClr r="0" g="0" b="0"/>
+      </a:lnRef>
+      <a:fillRef idx="1">
+        <a:scrgbClr r="0" g="0" b="0"/>
+      </a:fillRef>
+      <a:effectRef idx="0">
+        <a:scrgbClr r="0" g="0" b="0"/>
+      </a:effectRef>
+      <a:fontRef idx="minor">
+        <a:schemeClr val="lt1"/>
+      </a:fontRef>
+    </dgm:style>
+  </dgm:styleLbl>
+  <dgm:styleLbl name="asst2">
+    <dgm:scene3d>
+      <a:camera prst="orthographicFront"/>
+      <a:lightRig rig="threePt" dir="t"/>
+    </dgm:scene3d>
+    <dgm:sp3d/>
+    <dgm:txPr/>
+    <dgm:style>
+      <a:lnRef idx="2">
+        <a:scrgbClr r="0" g="0" b="0"/>
+      </a:lnRef>
+      <a:fillRef idx="1">
+        <a:scrgbClr r="0" g="0" b="0"/>
+      </a:fillRef>
+      <a:effectRef idx="0">
+        <a:scrgbClr r="0" g="0" b="0"/>
+      </a:effectRef>
+      <a:fontRef idx="minor">
+        <a:schemeClr val="lt1"/>
+      </a:fontRef>
+    </dgm:style>
+  </dgm:styleLbl>
+  <dgm:styleLbl name="asst3">
+    <dgm:scene3d>
+      <a:camera prst="orthographicFront"/>
+      <a:lightRig rig="threePt" dir="t"/>
+    </dgm:scene3d>
+    <dgm:sp3d/>
+    <dgm:txPr/>
+    <dgm:style>
+      <a:lnRef idx="2">
+        <a:scrgbClr r="0" g="0" b="0"/>
+      </a:lnRef>
+      <a:fillRef idx="1">
+        <a:scrgbClr r="0" g="0" b="0"/>
+      </a:fillRef>
+      <a:effectRef idx="0">
+        <a:scrgbClr r="0" g="0" b="0"/>
+      </a:effectRef>
+      <a:fontRef idx="minor">
+        <a:schemeClr val="lt1"/>
+      </a:fontRef>
+    </dgm:style>
+  </dgm:styleLbl>
+  <dgm:styleLbl name="asst4">
+    <dgm:scene3d>
+      <a:camera prst="orthographicFront"/>
+      <a:lightRig rig="threePt" dir="t"/>
+    </dgm:scene3d>
+    <dgm:sp3d/>
+    <dgm:txPr/>
+    <dgm:style>
+      <a:lnRef idx="2">
+        <a:scrgbClr r="0" g="0" b="0"/>
+      </a:lnRef>
+      <a:fillRef idx="1">
+        <a:scrgbClr r="0" g="0" b="0"/>
+      </a:fillRef>
+      <a:effectRef idx="0">
+        <a:scrgbClr r="0" g="0" b="0"/>
+      </a:effectRef>
+      <a:fontRef idx="minor">
+        <a:schemeClr val="lt1"/>
+      </a:fontRef>
+    </dgm:style>
+  </dgm:styleLbl>
+  <dgm:styleLbl name="parChTrans2D1">
+    <dgm:scene3d>
+      <a:camera prst="orthographicFront"/>
+      <a:lightRig rig="threePt" dir="t"/>
+    </dgm:scene3d>
+    <dgm:sp3d/>
+    <dgm:txPr/>
+    <dgm:style>
+      <a:lnRef idx="2">
+        <a:scrgbClr r="0" g="0" b="0"/>
+      </a:lnRef>
+      <a:fillRef idx="1">
+        <a:scrgbClr r="0" g="0" b="0"/>
+      </a:fillRef>
+      <a:effectRef idx="0">
+        <a:scrgbClr r="0" g="0" b="0"/>
+      </a:effectRef>
+      <a:fontRef idx="minor">
+        <a:schemeClr val="lt1"/>
+      </a:fontRef>
+    </dgm:style>
+  </dgm:styleLbl>
+  <dgm:styleLbl name="parChTrans2D2">
+    <dgm:scene3d>
+      <a:camera prst="orthographicFront"/>
+      <a:lightRig rig="threePt" dir="t"/>
+    </dgm:scene3d>
+    <dgm:sp3d/>
+    <dgm:txPr/>
+    <dgm:style>
+      <a:lnRef idx="2">
+        <a:scrgbClr r="0" g="0" b="0"/>
+      </a:lnRef>
+      <a:fillRef idx="1">
+        <a:scrgbClr r="0" g="0" b="0"/>
+      </a:fillRef>
+      <a:effectRef idx="0">
+        <a:scrgbClr r="0" g="0" b="0"/>
+      </a:effectRef>
+      <a:fontRef idx="minor">
+        <a:schemeClr val="lt1"/>
+      </a:fontRef>
+    </dgm:style>
+  </dgm:styleLbl>
+  <dgm:styleLbl name="parChTrans2D3">
+    <dgm:scene3d>
+      <a:camera prst="orthographicFront"/>
+      <a:lightRig rig="threePt" dir="t"/>
+    </dgm:scene3d>
+    <dgm:sp3d/>
+    <dgm:txPr/>
+    <dgm:style>
+      <a:lnRef idx="2">
+        <a:scrgbClr r="0" g="0" b="0"/>
+      </a:lnRef>
+      <a:fillRef idx="1">
+        <a:scrgbClr r="0" g="0" b="0"/>
+      </a:fillRef>
+      <a:effectRef idx="0">
+        <a:scrgbClr r="0" g="0" b="0"/>
+      </a:effectRef>
+      <a:fontRef idx="minor">
+        <a:schemeClr val="lt1"/>
+      </a:fontRef>
+    </dgm:style>
+  </dgm:styleLbl>
+  <dgm:styleLbl name="parChTrans2D4">
+    <dgm:scene3d>
+      <a:camera prst="orthographicFront"/>
+      <a:lightRig rig="threePt" dir="t"/>
+    </dgm:scene3d>
+    <dgm:sp3d/>
+    <dgm:txPr/>
+    <dgm:style>
+      <a:lnRef idx="2">
+        <a:scrgbClr r="0" g="0" b="0"/>
+      </a:lnRef>
+      <a:fillRef idx="1">
+        <a:scrgbClr r="0" g="0" b="0"/>
+      </a:fillRef>
+      <a:effectRef idx="0">
+        <a:scrgbClr r="0" g="0" b="0"/>
+      </a:effectRef>
+      <a:fontRef idx="minor">
+        <a:schemeClr val="lt1"/>
+      </a:fontRef>
+    </dgm:style>
+  </dgm:styleLbl>
+  <dgm:styleLbl name="parChTrans1D1">
+    <dgm:scene3d>
+      <a:camera prst="orthographicFront"/>
+      <a:lightRig rig="threePt" dir="t"/>
+    </dgm:scene3d>
+    <dgm:sp3d/>
+    <dgm:txPr/>
+    <dgm:style>
+      <a:lnRef idx="2">
+        <a:scrgbClr r="0" g="0" b="0"/>
+      </a:lnRef>
+      <a:fillRef idx="0">
+        <a:scrgbClr r="0" g="0" b="0"/>
+      </a:fillRef>
+      <a:effectRef idx="0">
+        <a:scrgbClr r="0" g="0" b="0"/>
+      </a:effectRef>
+      <a:fontRef idx="minor"/>
+    </dgm:style>
+  </dgm:styleLbl>
+  <dgm:styleLbl name="parChTrans1D2">
+    <dgm:scene3d>
+      <a:camera prst="orthographicFront"/>
+      <a:lightRig rig="threePt" dir="t"/>
+    </dgm:scene3d>
+    <dgm:sp3d/>
+    <dgm:txPr/>
+    <dgm:style>
+      <a:lnRef idx="2">
+        <a:scrgbClr r="0" g="0" b="0"/>
+      </a:lnRef>
+      <a:fillRef idx="0">
+        <a:scrgbClr r="0" g="0" b="0"/>
+      </a:fillRef>
+      <a:effectRef idx="0">
+        <a:scrgbClr r="0" g="0" b="0"/>
+      </a:effectRef>
+      <a:fontRef idx="minor"/>
+    </dgm:style>
+  </dgm:styleLbl>
+  <dgm:styleLbl name="parChTrans1D3">
+    <dgm:scene3d>
+      <a:camera prst="orthographicFront"/>
+      <a:lightRig rig="threePt" dir="t"/>
+    </dgm:scene3d>
+    <dgm:sp3d/>
+    <dgm:txPr/>
+    <dgm:style>
+      <a:lnRef idx="2">
+        <a:scrgbClr r="0" g="0" b="0"/>
+      </a:lnRef>
+      <a:fillRef idx="0">
+        <a:scrgbClr r="0" g="0" b="0"/>
+      </a:fillRef>
+      <a:effectRef idx="0">
+        <a:scrgbClr r="0" g="0" b="0"/>
+      </a:effectRef>
+      <a:fontRef idx="minor"/>
+    </dgm:style>
+  </dgm:styleLbl>
+  <dgm:styleLbl name="parChTrans1D4">
+    <dgm:scene3d>
+      <a:camera prst="orthographicFront"/>
+      <a:lightRig rig="threePt" dir="t"/>
+    </dgm:scene3d>
+    <dgm:sp3d/>
+    <dgm:txPr/>
+    <dgm:style>
+      <a:lnRef idx="2">
+        <a:scrgbClr r="0" g="0" b="0"/>
+      </a:lnRef>
+      <a:fillRef idx="0">
+        <a:scrgbClr r="0" g="0" b="0"/>
+      </a:fillRef>
+      <a:effectRef idx="0">
+        <a:scrgbClr r="0" g="0" b="0"/>
+      </a:effectRef>
+      <a:fontRef idx="minor"/>
+    </dgm:style>
+  </dgm:styleLbl>
+  <dgm:styleLbl name="fgAcc1">
+    <dgm:scene3d>
+      <a:camera prst="orthographicFront"/>
+      <a:lightRig rig="threePt" dir="t"/>
+    </dgm:scene3d>
+    <dgm:sp3d/>
+    <dgm:txPr/>
+    <dgm:style>
+      <a:lnRef idx="2">
+        <a:scrgbClr r="0" g="0" b="0"/>
+      </a:lnRef>
+      <a:fillRef idx="1">
+        <a:scrgbClr r="0" g="0" b="0"/>
+      </a:fillRef>
+      <a:effectRef idx="0">
+        <a:scrgbClr r="0" g="0" b="0"/>
+      </a:effectRef>
+      <a:fontRef idx="minor"/>
+    </dgm:style>
+  </dgm:styleLbl>
+  <dgm:styleLbl name="conFgAcc1">
+    <dgm:scene3d>
+      <a:camera prst="orthographicFront"/>
+      <a:lightRig rig="threePt" dir="t"/>
+    </dgm:scene3d>
+    <dgm:sp3d/>
+    <dgm:txPr/>
+    <dgm:style>
+      <a:lnRef idx="2">
+        <a:scrgbClr r="0" g="0" b="0"/>
+      </a:lnRef>
+      <a:fillRef idx="1">
+        <a:scrgbClr r="0" g="0" b="0"/>
+      </a:fillRef>
+      <a:effectRef idx="0">
+        <a:scrgbClr r="0" g="0" b="0"/>
+      </a:effectRef>
+      <a:fontRef idx="minor"/>
+    </dgm:style>
+  </dgm:styleLbl>
+  <dgm:styleLbl name="alignAcc1">
+    <dgm:scene3d>
+      <a:camera prst="orthographicFront"/>
+      <a:lightRig rig="threePt" dir="t"/>
+    </dgm:scene3d>
+    <dgm:sp3d/>
+    <dgm:txPr/>
+    <dgm:style>
+      <a:lnRef idx="2">
+        <a:scrgbClr r="0" g="0" b="0"/>
+      </a:lnRef>
+      <a:fillRef idx="1">
+        <a:scrgbClr r="0" g="0" b="0"/>
+      </a:fillRef>
+      <a:effectRef idx="0">
+        <a:scrgbClr r="0" g="0" b="0"/>
+      </a:effectRef>
+      <a:fontRef idx="minor"/>
+    </dgm:style>
+  </dgm:styleLbl>
+  <dgm:styleLbl name="trAlignAcc1">
+    <dgm:scene3d>
+      <a:camera prst="orthographicFront"/>
+      <a:lightRig rig="threePt" dir="t"/>
+    </dgm:scene3d>
+    <dgm:sp3d/>
+    <dgm:txPr/>
+    <dgm:style>
+      <a:lnRef idx="1">
+        <a:scrgbClr r="0" g="0" b="0"/>
+      </a:lnRef>
+      <a:fillRef idx="1">
+        <a:scrgbClr r="0" g="0" b="0"/>
+      </a:fillRef>
+      <a:effectRef idx="0">
+        <a:scrgbClr r="0" g="0" b="0"/>
+      </a:effectRef>
+      <a:fontRef idx="minor"/>
+    </dgm:style>
+  </dgm:styleLbl>
+  <dgm:styleLbl name="bgAcc1">
+    <dgm:scene3d>
+      <a:camera prst="orthographicFront"/>
+      <a:lightRig rig="threePt" dir="t"/>
+    </dgm:scene3d>
+    <dgm:sp3d/>
+    <dgm:txPr/>
+    <dgm:style>
+      <a:lnRef idx="2">
+        <a:scrgbClr r="0" g="0" b="0"/>
+      </a:lnRef>
+      <a:fillRef idx="1">
+        <a:scrgbClr r="0" g="0" b="0"/>
+      </a:fillRef>
+      <a:effectRef idx="0">
+        <a:scrgbClr r="0" g="0" b="0"/>
+      </a:effectRef>
+      <a:fontRef idx="minor"/>
+    </dgm:style>
+  </dgm:styleLbl>
+  <dgm:styleLbl name="solidFgAcc1">
+    <dgm:scene3d>
+      <a:camera prst="orthographicFront"/>
+      <a:lightRig rig="threePt" dir="t"/>
+    </dgm:scene3d>
+    <dgm:sp3d/>
+    <dgm:txPr/>
+    <dgm:style>
+      <a:lnRef idx="2">
+        <a:scrgbClr r="0" g="0" b="0"/>
+      </a:lnRef>
+      <a:fillRef idx="1">
+        <a:scrgbClr r="0" g="0" b="0"/>
+      </a:fillRef>
+      <a:effectRef idx="0">
+        <a:scrgbClr r="0" g="0" b="0"/>
+      </a:effectRef>
+      <a:fontRef idx="minor"/>
+    </dgm:style>
+  </dgm:styleLbl>
+  <dgm:styleLbl name="solidAlignAcc1">
+    <dgm:scene3d>
+      <a:camera prst="orthographicFront"/>
+      <a:lightRig rig="threePt" dir="t"/>
+    </dgm:scene3d>
+    <dgm:sp3d/>
+    <dgm:txPr/>
+    <dgm:style>
+      <a:lnRef idx="2">
+        <a:scrgbClr r="0" g="0" b="0"/>
+      </a:lnRef>
+      <a:fillRef idx="1">
+        <a:scrgbClr r="0" g="0" b="0"/>
+      </a:fillRef>
+      <a:effectRef idx="0">
+        <a:scrgbClr r="0" g="0" b="0"/>
+      </a:effectRef>
+      <a:fontRef idx="minor"/>
+    </dgm:style>
+  </dgm:styleLbl>
+  <dgm:styleLbl name="solidBgAcc1">
+    <dgm:scene3d>
+      <a:camera prst="orthographicFront"/>
+      <a:lightRig rig="threePt" dir="t"/>
+    </dgm:scene3d>
+    <dgm:sp3d/>
+    <dgm:txPr/>
+    <dgm:style>
+      <a:lnRef idx="2">
+        <a:scrgbClr r="0" g="0" b="0"/>
+      </a:lnRef>
+      <a:fillRef idx="1">
+        <a:scrgbClr r="0" g="0" b="0"/>
+      </a:fillRef>
+      <a:effectRef idx="0">
+        <a:scrgbClr r="0" g="0" b="0"/>
+      </a:effectRef>
+      <a:fontRef idx="minor"/>
+    </dgm:style>
+  </dgm:styleLbl>
+  <dgm:styleLbl name="fgAccFollowNode1">
+    <dgm:scene3d>
+      <a:camera prst="orthographicFront"/>
+      <a:lightRig rig="threePt" dir="t"/>
+    </dgm:scene3d>
+    <dgm:sp3d/>
+    <dgm:txPr/>
+    <dgm:style>
+      <a:lnRef idx="2">
+        <a:scrgbClr r="0" g="0" b="0"/>
+      </a:lnRef>
+      <a:fillRef idx="1">
+        <a:scrgbClr r="0" g="0" b="0"/>
+      </a:fillRef>
+      <a:effectRef idx="0">
+        <a:scrgbClr r="0" g="0" b="0"/>
+      </a:effectRef>
+      <a:fontRef idx="minor"/>
+    </dgm:style>
+  </dgm:styleLbl>
+  <dgm:styleLbl name="alignAccFollowNode1">
+    <dgm:scene3d>
+      <a:camera prst="orthographicFront"/>
+      <a:lightRig rig="threePt" dir="t"/>
+    </dgm:scene3d>
+    <dgm:sp3d/>
+    <dgm:txPr/>
+    <dgm:style>
+      <a:lnRef idx="2">
+        <a:scrgbClr r="0" g="0" b="0"/>
+      </a:lnRef>
+      <a:fillRef idx="1">
+        <a:scrgbClr r="0" g="0" b="0"/>
+      </a:fillRef>
+      <a:effectRef idx="0">
+        <a:scrgbClr r="0" g="0" b="0"/>
+      </a:effectRef>
+      <a:fontRef idx="minor"/>
+    </dgm:style>
+  </dgm:styleLbl>
+  <dgm:styleLbl name="bgAccFollowNode1">
+    <dgm:scene3d>
+      <a:camera prst="orthographicFront"/>
+      <a:lightRig rig="threePt" dir="t"/>
+    </dgm:scene3d>
+    <dgm:sp3d/>
+    <dgm:txPr/>
+    <dgm:style>
+      <a:lnRef idx="2">
+        <a:scrgbClr r="0" g="0" b="0"/>
+      </a:lnRef>
+      <a:fillRef idx="1">
+        <a:scrgbClr r="0" g="0" b="0"/>
+      </a:fillRef>
+      <a:effectRef idx="0">
+        <a:scrgbClr r="0" g="0" b="0"/>
+      </a:effectRef>
+      <a:fontRef idx="minor"/>
+    </dgm:style>
+  </dgm:styleLbl>
+  <dgm:styleLbl name="fgAcc0">
+    <dgm:scene3d>
+      <a:camera prst="orthographicFront"/>
+      <a:lightRig rig="threePt" dir="t"/>
+    </dgm:scene3d>
+    <dgm:sp3d/>
+    <dgm:txPr/>
+    <dgm:style>
+      <a:lnRef idx="2">
+        <a:scrgbClr r="0" g="0" b="0"/>
+      </a:lnRef>
+      <a:fillRef idx="1">
+        <a:scrgbClr r="0" g="0" b="0"/>
+      </a:fillRef>
+      <a:effectRef idx="0">
+        <a:scrgbClr r="0" g="0" b="0"/>
+      </a:effectRef>
+      <a:fontRef idx="minor"/>
+    </dgm:style>
+  </dgm:styleLbl>
+  <dgm:styleLbl name="fgAcc2">
+    <dgm:scene3d>
+      <a:camera prst="orthographicFront"/>
+      <a:lightRig rig="threePt" dir="t"/>
+    </dgm:scene3d>
+    <dgm:sp3d/>
+    <dgm:txPr/>
+    <dgm:style>
+      <a:lnRef idx="2">
+        <a:scrgbClr r="0" g="0" b="0"/>
+      </a:lnRef>
+      <a:fillRef idx="1">
+        <a:scrgbClr r="0" g="0" b="0"/>
+      </a:fillRef>
+      <a:effectRef idx="0">
+        <a:scrgbClr r="0" g="0" b="0"/>
+      </a:effectRef>
+      <a:fontRef idx="minor"/>
+    </dgm:style>
+  </dgm:styleLbl>
+  <dgm:styleLbl name="fgAcc3">
+    <dgm:scene3d>
+      <a:camera prst="orthographicFront"/>
+      <a:lightRig rig="threePt" dir="t"/>
+    </dgm:scene3d>
+    <dgm:sp3d/>
+    <dgm:txPr/>
+    <dgm:style>
+      <a:lnRef idx="2">
+        <a:scrgbClr r="0" g="0" b="0"/>
+      </a:lnRef>
+      <a:fillRef idx="1">
+        <a:scrgbClr r="0" g="0" b="0"/>
+      </a:fillRef>
+      <a:effectRef idx="0">
+        <a:scrgbClr r="0" g="0" b="0"/>
+      </a:effectRef>
+      <a:fontRef idx="minor"/>
+    </dgm:style>
+  </dgm:styleLbl>
+  <dgm:styleLbl name="fgAcc4">
+    <dgm:scene3d>
+      <a:camera prst="orthographicFront"/>
+      <a:lightRig rig="threePt" dir="t"/>
+    </dgm:scene3d>
+    <dgm:sp3d/>
+    <dgm:txPr/>
+    <dgm:style>
+      <a:lnRef idx="2">
+        <a:scrgbClr r="0" g="0" b="0"/>
+      </a:lnRef>
+      <a:fillRef idx="1">
+        <a:scrgbClr r="0" g="0" b="0"/>
+      </a:fillRef>
+      <a:effectRef idx="0">
+        <a:scrgbClr r="0" g="0" b="0"/>
+      </a:effectRef>
+      <a:fontRef idx="minor"/>
+    </dgm:style>
+  </dgm:styleLbl>
+  <dgm:styleLbl name="bgShp">
+    <dgm:scene3d>
+      <a:camera prst="orthographicFront"/>
+      <a:lightRig rig="threePt" dir="t"/>
+    </dgm:scene3d>
+    <dgm:sp3d/>
+    <dgm:txPr/>
+    <dgm:style>
+      <a:lnRef idx="0">
+        <a:scrgbClr r="0" g="0" b="0"/>
+      </a:lnRef>
+      <a:fillRef idx="1">
+        <a:scrgbClr r="0" g="0" b="0"/>
+      </a:fillRef>
+      <a:effectRef idx="0">
+        <a:scrgbClr r="0" g="0" b="0"/>
+      </a:effectRef>
+      <a:fontRef idx="minor"/>
+    </dgm:style>
+  </dgm:styleLbl>
+  <dgm:styleLbl name="dkBgShp">
+    <dgm:scene3d>
+      <a:camera prst="orthographicFront"/>
+      <a:lightRig rig="threePt" dir="t"/>
+    </dgm:scene3d>
+    <dgm:sp3d/>
+    <dgm:txPr/>
+    <dgm:style>
+      <a:lnRef idx="0">
+        <a:scrgbClr r="0" g="0" b="0"/>
+      </a:lnRef>
+      <a:fillRef idx="1">
+        <a:scrgbClr r="0" g="0" b="0"/>
+      </a:fillRef>
+      <a:effectRef idx="0">
+        <a:scrgbClr r="0" g="0" b="0"/>
+      </a:effectRef>
+      <a:fontRef idx="minor"/>
+    </dgm:style>
+  </dgm:styleLbl>
+  <dgm:styleLbl name="trBgShp">
+    <dgm:scene3d>
+      <a:camera prst="orthographicFront"/>
+      <a:lightRig rig="threePt" dir="t"/>
+    </dgm:scene3d>
+    <dgm:sp3d/>
+    <dgm:txPr/>
+    <dgm:style>
+      <a:lnRef idx="0">
+        <a:scrgbClr r="0" g="0" b="0"/>
+      </a:lnRef>
+      <a:fillRef idx="1">
+        <a:scrgbClr r="0" g="0" b="0"/>
+      </a:fillRef>
+      <a:effectRef idx="0">
+        <a:scrgbClr r="0" g="0" b="0"/>
+      </a:effectRef>
+      <a:fontRef idx="minor"/>
+    </dgm:style>
+  </dgm:styleLbl>
+  <dgm:styleLbl name="fgShp">
+    <dgm:scene3d>
+      <a:camera prst="orthographicFront"/>
+      <a:lightRig rig="threePt" dir="t"/>
+    </dgm:scene3d>
+    <dgm:sp3d/>
+    <dgm:txPr/>
+    <dgm:style>
+      <a:lnRef idx="2">
+        <a:scrgbClr r="0" g="0" b="0"/>
+      </a:lnRef>
+      <a:fillRef idx="1">
+        <a:scrgbClr r="0" g="0" b="0"/>
+      </a:fillRef>
+      <a:effectRef idx="0">
+        <a:scrgbClr r="0" g="0" b="0"/>
+      </a:effectRef>
+      <a:fontRef idx="minor"/>
+    </dgm:style>
+  </dgm:styleLbl>
+  <dgm:styleLbl name="revTx">
+    <dgm:scene3d>
+      <a:camera prst="orthographicFront"/>
+      <a:lightRig rig="threePt" dir="t"/>
+    </dgm:scene3d>
+    <dgm:sp3d/>
+    <dgm:txPr/>
+    <dgm:style>
+      <a:lnRef idx="0">
+        <a:scrgbClr r="0" g="0" b="0"/>
+      </a:lnRef>
+      <a:fillRef idx="0">
+        <a:scrgbClr r="0" g="0" b="0"/>
+      </a:fillRef>
+      <a:effectRef idx="0">
+        <a:scrgbClr r="0" g="0" b="0"/>
+      </a:effectRef>
+      <a:fontRef idx="minor"/>
+    </dgm:style>
+  </dgm:styleLbl>
+</dgm:styleDef>
+</file>
+
 <file path=ppt/notesMasters/notesMaster1.xml><?xml version="1.0" encoding="utf-8"?>
 <p:notesMaster xmlns:a="http://schemas.openxmlformats.org/drawingml/2006/main" xmlns:r="http://schemas.openxmlformats.org/officeDocument/2006/relationships" xmlns:p="http://schemas.openxmlformats.org/presentationml/2006/main">
   <p:cSld>
@@ -232,7 +4456,7 @@
           <a:p>
             <a:fld id="{CC7CB2C3-37B5-4BD6-986D-8040C072327A}" type="datetimeFigureOut">
               <a:rPr lang="fr-CA" smtClean="0"/>
-              <a:t>2022-11-04</a:t>
+              <a:t>2022-11-11</a:t>
             </a:fld>
             <a:endParaRPr lang="fr-CA"/>
           </a:p>
@@ -587,6 +4811,90 @@
 </p:notes>
 </file>
 
+<file path=ppt/notesSlides/notesSlide2.xml><?xml version="1.0" encoding="utf-8"?>
+<p:notes xmlns:a="http://schemas.openxmlformats.org/drawingml/2006/main" xmlns:r="http://schemas.openxmlformats.org/officeDocument/2006/relationships" xmlns:p="http://schemas.openxmlformats.org/presentationml/2006/main">
+  <p:cSld>
+    <p:spTree>
+      <p:nvGrpSpPr>
+        <p:cNvPr id="1" name=""/>
+        <p:cNvGrpSpPr/>
+        <p:nvPr/>
+      </p:nvGrpSpPr>
+      <p:grpSpPr>
+        <a:xfrm>
+          <a:off x="0" y="0"/>
+          <a:ext cx="0" cy="0"/>
+          <a:chOff x="0" y="0"/>
+          <a:chExt cx="0" cy="0"/>
+        </a:xfrm>
+      </p:grpSpPr>
+      <p:sp>
+        <p:nvSpPr>
+          <p:cNvPr id="2" name="幻灯片图像占位符 1"/>
+          <p:cNvSpPr>
+            <a:spLocks noGrp="1" noRot="1" noChangeAspect="1"/>
+          </p:cNvSpPr>
+          <p:nvPr>
+            <p:ph type="sldImg"/>
+          </p:nvPr>
+        </p:nvSpPr>
+        <p:spPr/>
+      </p:sp>
+      <p:sp>
+        <p:nvSpPr>
+          <p:cNvPr id="3" name="备注占位符 2"/>
+          <p:cNvSpPr>
+            <a:spLocks noGrp="1"/>
+          </p:cNvSpPr>
+          <p:nvPr>
+            <p:ph type="body" idx="1"/>
+          </p:nvPr>
+        </p:nvSpPr>
+        <p:spPr/>
+        <p:txBody>
+          <a:bodyPr/>
+          <a:lstStyle/>
+          <a:p>
+            <a:endParaRPr lang="fr-CA" dirty="0"/>
+          </a:p>
+        </p:txBody>
+      </p:sp>
+      <p:sp>
+        <p:nvSpPr>
+          <p:cNvPr id="4" name="灯片编号占位符 3"/>
+          <p:cNvSpPr>
+            <a:spLocks noGrp="1"/>
+          </p:cNvSpPr>
+          <p:nvPr>
+            <p:ph type="sldNum" sz="quarter" idx="5"/>
+          </p:nvPr>
+        </p:nvSpPr>
+        <p:spPr/>
+        <p:txBody>
+          <a:bodyPr/>
+          <a:lstStyle/>
+          <a:p>
+            <a:fld id="{2C553ADB-DCF5-4083-B0C6-071B2F503C37}" type="slidenum">
+              <a:rPr lang="fr-CA" smtClean="0"/>
+              <a:t>25</a:t>
+            </a:fld>
+            <a:endParaRPr lang="fr-CA"/>
+          </a:p>
+        </p:txBody>
+      </p:sp>
+    </p:spTree>
+    <p:extLst>
+      <p:ext uri="{BB962C8B-B14F-4D97-AF65-F5344CB8AC3E}">
+        <p14:creationId xmlns:p14="http://schemas.microsoft.com/office/powerpoint/2010/main" val="3741080961"/>
+      </p:ext>
+    </p:extLst>
+  </p:cSld>
+  <p:clrMapOvr>
+    <a:masterClrMapping/>
+  </p:clrMapOvr>
+</p:notes>
+</file>
+
 <file path=ppt/slideLayouts/slideLayout1.xml><?xml version="1.0" encoding="utf-8"?>
 <p:sldLayout xmlns:a="http://schemas.openxmlformats.org/drawingml/2006/main" xmlns:r="http://schemas.openxmlformats.org/officeDocument/2006/relationships" xmlns:p="http://schemas.openxmlformats.org/presentationml/2006/main" type="title" preserve="1">
   <p:cSld name="标题幻灯片">
@@ -736,7 +5044,7 @@
           <a:p>
             <a:fld id="{5890D0D9-284D-414C-A308-03C9872EF452}" type="datetimeFigureOut">
               <a:rPr lang="fr-CA" smtClean="0"/>
-              <a:t>2022-11-04</a:t>
+              <a:t>2022-11-11</a:t>
             </a:fld>
             <a:endParaRPr lang="fr-CA"/>
           </a:p>
@@ -936,7 +5244,7 @@
           <a:p>
             <a:fld id="{5890D0D9-284D-414C-A308-03C9872EF452}" type="datetimeFigureOut">
               <a:rPr lang="fr-CA" smtClean="0"/>
-              <a:t>2022-11-04</a:t>
+              <a:t>2022-11-11</a:t>
             </a:fld>
             <a:endParaRPr lang="fr-CA"/>
           </a:p>
@@ -1146,7 +5454,7 @@
           <a:p>
             <a:fld id="{5890D0D9-284D-414C-A308-03C9872EF452}" type="datetimeFigureOut">
               <a:rPr lang="fr-CA" smtClean="0"/>
-              <a:t>2022-11-04</a:t>
+              <a:t>2022-11-11</a:t>
             </a:fld>
             <a:endParaRPr lang="fr-CA"/>
           </a:p>
@@ -1346,7 +5654,7 @@
           <a:p>
             <a:fld id="{5890D0D9-284D-414C-A308-03C9872EF452}" type="datetimeFigureOut">
               <a:rPr lang="fr-CA" smtClean="0"/>
-              <a:t>2022-11-04</a:t>
+              <a:t>2022-11-11</a:t>
             </a:fld>
             <a:endParaRPr lang="fr-CA"/>
           </a:p>
@@ -1622,7 +5930,7 @@
           <a:p>
             <a:fld id="{5890D0D9-284D-414C-A308-03C9872EF452}" type="datetimeFigureOut">
               <a:rPr lang="fr-CA" smtClean="0"/>
-              <a:t>2022-11-04</a:t>
+              <a:t>2022-11-11</a:t>
             </a:fld>
             <a:endParaRPr lang="fr-CA"/>
           </a:p>
@@ -1890,7 +6198,7 @@
           <a:p>
             <a:fld id="{5890D0D9-284D-414C-A308-03C9872EF452}" type="datetimeFigureOut">
               <a:rPr lang="fr-CA" smtClean="0"/>
-              <a:t>2022-11-04</a:t>
+              <a:t>2022-11-11</a:t>
             </a:fld>
             <a:endParaRPr lang="fr-CA"/>
           </a:p>
@@ -2305,7 +6613,7 @@
           <a:p>
             <a:fld id="{5890D0D9-284D-414C-A308-03C9872EF452}" type="datetimeFigureOut">
               <a:rPr lang="fr-CA" smtClean="0"/>
-              <a:t>2022-11-04</a:t>
+              <a:t>2022-11-11</a:t>
             </a:fld>
             <a:endParaRPr lang="fr-CA"/>
           </a:p>
@@ -2447,7 +6755,7 @@
           <a:p>
             <a:fld id="{5890D0D9-284D-414C-A308-03C9872EF452}" type="datetimeFigureOut">
               <a:rPr lang="fr-CA" smtClean="0"/>
-              <a:t>2022-11-04</a:t>
+              <a:t>2022-11-11</a:t>
             </a:fld>
             <a:endParaRPr lang="fr-CA"/>
           </a:p>
@@ -2560,7 +6868,7 @@
           <a:p>
             <a:fld id="{5890D0D9-284D-414C-A308-03C9872EF452}" type="datetimeFigureOut">
               <a:rPr lang="fr-CA" smtClean="0"/>
-              <a:t>2022-11-04</a:t>
+              <a:t>2022-11-11</a:t>
             </a:fld>
             <a:endParaRPr lang="fr-CA"/>
           </a:p>
@@ -2873,7 +7181,7 @@
           <a:p>
             <a:fld id="{5890D0D9-284D-414C-A308-03C9872EF452}" type="datetimeFigureOut">
               <a:rPr lang="fr-CA" smtClean="0"/>
-              <a:t>2022-11-04</a:t>
+              <a:t>2022-11-11</a:t>
             </a:fld>
             <a:endParaRPr lang="fr-CA"/>
           </a:p>
@@ -3162,7 +7470,7 @@
           <a:p>
             <a:fld id="{5890D0D9-284D-414C-A308-03C9872EF452}" type="datetimeFigureOut">
               <a:rPr lang="fr-CA" smtClean="0"/>
-              <a:t>2022-11-04</a:t>
+              <a:t>2022-11-11</a:t>
             </a:fld>
             <a:endParaRPr lang="fr-CA"/>
           </a:p>
@@ -3405,7 +7713,7 @@
           <a:p>
             <a:fld id="{5890D0D9-284D-414C-A308-03C9872EF452}" type="datetimeFigureOut">
               <a:rPr lang="fr-CA" smtClean="0"/>
-              <a:t>2022-11-04</a:t>
+              <a:t>2022-11-11</a:t>
             </a:fld>
             <a:endParaRPr lang="fr-CA"/>
           </a:p>
@@ -5443,6 +9751,94 @@
           <a:chExt cx="0" cy="0"/>
         </a:xfrm>
       </p:grpSpPr>
+      <p:pic>
+        <p:nvPicPr>
+          <p:cNvPr id="3" name="图片 2">
+            <a:extLst>
+              <a:ext uri="{FF2B5EF4-FFF2-40B4-BE49-F238E27FC236}">
+                <a16:creationId xmlns:a16="http://schemas.microsoft.com/office/drawing/2014/main" id="{403C0546-8F86-CFEE-D7CF-64AB566EE309}"/>
+              </a:ext>
+            </a:extLst>
+          </p:cNvPr>
+          <p:cNvPicPr>
+            <a:picLocks noChangeAspect="1"/>
+          </p:cNvPicPr>
+          <p:nvPr/>
+        </p:nvPicPr>
+        <p:blipFill>
+          <a:blip r:embed="rId2"/>
+          <a:stretch>
+            <a:fillRect/>
+          </a:stretch>
+        </p:blipFill>
+        <p:spPr>
+          <a:xfrm>
+            <a:off x="1585912" y="1133475"/>
+            <a:ext cx="9020175" cy="4591050"/>
+          </a:xfrm>
+          <a:prstGeom prst="rect">
+            <a:avLst/>
+          </a:prstGeom>
+        </p:spPr>
+      </p:pic>
+      <p:sp>
+        <p:nvSpPr>
+          <p:cNvPr id="4" name="标题 3">
+            <a:extLst>
+              <a:ext uri="{FF2B5EF4-FFF2-40B4-BE49-F238E27FC236}">
+                <a16:creationId xmlns:a16="http://schemas.microsoft.com/office/drawing/2014/main" id="{731B4BA1-7019-EF0F-AD94-7679C8CDE2FE}"/>
+              </a:ext>
+            </a:extLst>
+          </p:cNvPr>
+          <p:cNvSpPr>
+            <a:spLocks noGrp="1"/>
+          </p:cNvSpPr>
+          <p:nvPr>
+            <p:ph type="title"/>
+          </p:nvPr>
+        </p:nvSpPr>
+        <p:spPr/>
+        <p:txBody>
+          <a:bodyPr/>
+          <a:lstStyle/>
+          <a:p>
+            <a:r>
+              <a:rPr lang="fr-CA" dirty="0"/>
+              <a:t>Square grids</a:t>
+            </a:r>
+          </a:p>
+        </p:txBody>
+      </p:sp>
+    </p:spTree>
+    <p:extLst>
+      <p:ext uri="{BB962C8B-B14F-4D97-AF65-F5344CB8AC3E}">
+        <p14:creationId xmlns:p14="http://schemas.microsoft.com/office/powerpoint/2010/main" val="3344157482"/>
+      </p:ext>
+    </p:extLst>
+  </p:cSld>
+  <p:clrMapOvr>
+    <a:masterClrMapping/>
+  </p:clrMapOvr>
+</p:sld>
+</file>
+
+<file path=ppt/slides/slide11.xml><?xml version="1.0" encoding="utf-8"?>
+<p:sld xmlns:a="http://schemas.openxmlformats.org/drawingml/2006/main" xmlns:r="http://schemas.openxmlformats.org/officeDocument/2006/relationships" xmlns:p="http://schemas.openxmlformats.org/presentationml/2006/main">
+  <p:cSld>
+    <p:spTree>
+      <p:nvGrpSpPr>
+        <p:cNvPr id="1" name=""/>
+        <p:cNvGrpSpPr/>
+        <p:nvPr/>
+      </p:nvGrpSpPr>
+      <p:grpSpPr>
+        <a:xfrm>
+          <a:off x="0" y="0"/>
+          <a:ext cx="0" cy="0"/>
+          <a:chOff x="0" y="0"/>
+          <a:chExt cx="0" cy="0"/>
+        </a:xfrm>
+      </p:grpSpPr>
       <p:sp>
         <p:nvSpPr>
           <p:cNvPr id="2" name="标题 1">
@@ -5540,7 +9936,7 @@
 </p:sld>
 </file>
 
-<file path=ppt/slides/slide11.xml><?xml version="1.0" encoding="utf-8"?>
+<file path=ppt/slides/slide12.xml><?xml version="1.0" encoding="utf-8"?>
 <p:sld xmlns:a="http://schemas.openxmlformats.org/drawingml/2006/main" xmlns:r="http://schemas.openxmlformats.org/officeDocument/2006/relationships" xmlns:p="http://schemas.openxmlformats.org/presentationml/2006/main">
   <p:cSld>
     <p:spTree>
@@ -5733,7 +10129,7 @@
 </p:sld>
 </file>
 
-<file path=ppt/slides/slide12.xml><?xml version="1.0" encoding="utf-8"?>
+<file path=ppt/slides/slide13.xml><?xml version="1.0" encoding="utf-8"?>
 <p:sld xmlns:a="http://schemas.openxmlformats.org/drawingml/2006/main" xmlns:r="http://schemas.openxmlformats.org/officeDocument/2006/relationships" xmlns:p="http://schemas.openxmlformats.org/presentationml/2006/main">
   <p:cSld>
     <p:spTree>
@@ -5883,7 +10279,7 @@
 </p:sld>
 </file>
 
-<file path=ppt/slides/slide13.xml><?xml version="1.0" encoding="utf-8"?>
+<file path=ppt/slides/slide14.xml><?xml version="1.0" encoding="utf-8"?>
 <p:sld xmlns:a="http://schemas.openxmlformats.org/drawingml/2006/main" xmlns:r="http://schemas.openxmlformats.org/officeDocument/2006/relationships" xmlns:p="http://schemas.openxmlformats.org/presentationml/2006/main">
   <p:cSld>
     <p:spTree>
@@ -5943,7 +10339,7 @@
 </p:sld>
 </file>
 
-<file path=ppt/slides/slide14.xml><?xml version="1.0" encoding="utf-8"?>
+<file path=ppt/slides/slide15.xml><?xml version="1.0" encoding="utf-8"?>
 <p:sld xmlns:a="http://schemas.openxmlformats.org/drawingml/2006/main" xmlns:r="http://schemas.openxmlformats.org/officeDocument/2006/relationships" xmlns:p="http://schemas.openxmlformats.org/presentationml/2006/main" show="0">
   <p:cSld>
     <p:spTree>
@@ -6003,7 +10399,7 @@
 </p:sld>
 </file>
 
-<file path=ppt/slides/slide15.xml><?xml version="1.0" encoding="utf-8"?>
+<file path=ppt/slides/slide16.xml><?xml version="1.0" encoding="utf-8"?>
 <p:sld xmlns:a="http://schemas.openxmlformats.org/drawingml/2006/main" xmlns:r="http://schemas.openxmlformats.org/officeDocument/2006/relationships" xmlns:p="http://schemas.openxmlformats.org/presentationml/2006/main" show="0">
   <p:cSld>
     <p:spTree>
@@ -6149,7 +10545,7 @@
 </p:sld>
 </file>
 
-<file path=ppt/slides/slide16.xml><?xml version="1.0" encoding="utf-8"?>
+<file path=ppt/slides/slide17.xml><?xml version="1.0" encoding="utf-8"?>
 <p:sld xmlns:a="http://schemas.openxmlformats.org/drawingml/2006/main" xmlns:r="http://schemas.openxmlformats.org/officeDocument/2006/relationships" xmlns:p="http://schemas.openxmlformats.org/presentationml/2006/main" show="0">
   <p:cSld>
     <p:spTree>
@@ -6270,7 +10666,7 @@
 </p:sld>
 </file>
 
-<file path=ppt/slides/slide17.xml><?xml version="1.0" encoding="utf-8"?>
+<file path=ppt/slides/slide18.xml><?xml version="1.0" encoding="utf-8"?>
 <p:sld xmlns:a="http://schemas.openxmlformats.org/drawingml/2006/main" xmlns:r="http://schemas.openxmlformats.org/officeDocument/2006/relationships" xmlns:p="http://schemas.openxmlformats.org/presentationml/2006/main" show="0">
   <p:cSld>
     <p:spTree>
@@ -6368,7 +10764,7 @@
 </p:sld>
 </file>
 
-<file path=ppt/slides/slide18.xml><?xml version="1.0" encoding="utf-8"?>
+<file path=ppt/slides/slide19.xml><?xml version="1.0" encoding="utf-8"?>
 <p:sld xmlns:a="http://schemas.openxmlformats.org/drawingml/2006/main" xmlns:r="http://schemas.openxmlformats.org/officeDocument/2006/relationships" xmlns:p="http://schemas.openxmlformats.org/presentationml/2006/main">
   <p:cSld>
     <p:spTree>
@@ -6461,113 +10857,6 @@
     <p:extLst>
       <p:ext uri="{BB962C8B-B14F-4D97-AF65-F5344CB8AC3E}">
         <p14:creationId xmlns:p14="http://schemas.microsoft.com/office/powerpoint/2010/main" val="2519280700"/>
-      </p:ext>
-    </p:extLst>
-  </p:cSld>
-  <p:clrMapOvr>
-    <a:masterClrMapping/>
-  </p:clrMapOvr>
-</p:sld>
-</file>
-
-<file path=ppt/slides/slide19.xml><?xml version="1.0" encoding="utf-8"?>
-<p:sld xmlns:a="http://schemas.openxmlformats.org/drawingml/2006/main" xmlns:r="http://schemas.openxmlformats.org/officeDocument/2006/relationships" xmlns:p="http://schemas.openxmlformats.org/presentationml/2006/main">
-  <p:cSld>
-    <p:spTree>
-      <p:nvGrpSpPr>
-        <p:cNvPr id="1" name=""/>
-        <p:cNvGrpSpPr/>
-        <p:nvPr/>
-      </p:nvGrpSpPr>
-      <p:grpSpPr>
-        <a:xfrm>
-          <a:off x="0" y="0"/>
-          <a:ext cx="0" cy="0"/>
-          <a:chOff x="0" y="0"/>
-          <a:chExt cx="0" cy="0"/>
-        </a:xfrm>
-      </p:grpSpPr>
-      <p:pic>
-        <p:nvPicPr>
-          <p:cNvPr id="5" name="图片 4">
-            <a:extLst>
-              <a:ext uri="{FF2B5EF4-FFF2-40B4-BE49-F238E27FC236}">
-                <a16:creationId xmlns:a16="http://schemas.microsoft.com/office/drawing/2014/main" id="{3A915E48-0978-FDE0-6C15-18740B233395}"/>
-              </a:ext>
-            </a:extLst>
-          </p:cNvPr>
-          <p:cNvPicPr>
-            <a:picLocks noChangeAspect="1"/>
-          </p:cNvPicPr>
-          <p:nvPr/>
-        </p:nvPicPr>
-        <p:blipFill>
-          <a:blip r:embed="rId2"/>
-          <a:stretch>
-            <a:fillRect/>
-          </a:stretch>
-        </p:blipFill>
-        <p:spPr>
-          <a:xfrm>
-            <a:off x="2455937" y="0"/>
-            <a:ext cx="7280125" cy="6858000"/>
-          </a:xfrm>
-          <a:prstGeom prst="rect">
-            <a:avLst/>
-          </a:prstGeom>
-        </p:spPr>
-      </p:pic>
-      <p:pic>
-        <p:nvPicPr>
-          <p:cNvPr id="1026" name="Picture 2">
-            <a:extLst>
-              <a:ext uri="{FF2B5EF4-FFF2-40B4-BE49-F238E27FC236}">
-                <a16:creationId xmlns:a16="http://schemas.microsoft.com/office/drawing/2014/main" id="{71BCB1EF-78A9-599A-E50A-F7FDCCA610F7}"/>
-              </a:ext>
-            </a:extLst>
-          </p:cNvPr>
-          <p:cNvPicPr>
-            <a:picLocks noChangeAspect="1" noChangeArrowheads="1"/>
-          </p:cNvPicPr>
-          <p:nvPr/>
-        </p:nvPicPr>
-        <p:blipFill>
-          <a:blip r:embed="rId3">
-            <a:extLst>
-              <a:ext uri="{28A0092B-C50C-407E-A947-70E740481C1C}">
-                <a14:useLocalDpi xmlns:a14="http://schemas.microsoft.com/office/drawing/2010/main" val="0"/>
-              </a:ext>
-            </a:extLst>
-          </a:blip>
-          <a:srcRect/>
-          <a:stretch>
-            <a:fillRect/>
-          </a:stretch>
-        </p:blipFill>
-        <p:spPr bwMode="auto">
-          <a:xfrm>
-            <a:off x="2571663" y="0"/>
-            <a:ext cx="7048671" cy="6856640"/>
-          </a:xfrm>
-          <a:prstGeom prst="rect">
-            <a:avLst/>
-          </a:prstGeom>
-          <a:noFill/>
-          <a:extLst>
-            <a:ext uri="{909E8E84-426E-40DD-AFC4-6F175D3DCCD1}">
-              <a14:hiddenFill xmlns:a14="http://schemas.microsoft.com/office/drawing/2010/main">
-                <a:solidFill>
-                  <a:srgbClr val="FFFFFF"/>
-                </a:solidFill>
-              </a14:hiddenFill>
-            </a:ext>
-          </a:extLst>
-        </p:spPr>
-      </p:pic>
-    </p:spTree>
-    <p:extLst>
-      <p:ext uri="{BB962C8B-B14F-4D97-AF65-F5344CB8AC3E}">
-        <p14:creationId xmlns:p14="http://schemas.microsoft.com/office/powerpoint/2010/main" val="1772733204"/>
       </p:ext>
     </p:extLst>
   </p:cSld>
@@ -6686,8 +10975,38 @@
         </p:blipFill>
         <p:spPr>
           <a:xfrm>
-            <a:off x="4250028" y="3447569"/>
+            <a:off x="5885645" y="3188031"/>
             <a:ext cx="5152633" cy="3045306"/>
+          </a:xfrm>
+          <a:prstGeom prst="rect">
+            <a:avLst/>
+          </a:prstGeom>
+        </p:spPr>
+      </p:pic>
+      <p:pic>
+        <p:nvPicPr>
+          <p:cNvPr id="6" name="图片 5">
+            <a:extLst>
+              <a:ext uri="{FF2B5EF4-FFF2-40B4-BE49-F238E27FC236}">
+                <a16:creationId xmlns:a16="http://schemas.microsoft.com/office/drawing/2014/main" id="{315C216C-9D79-33AD-F2BA-1A2170E4F11C}"/>
+              </a:ext>
+            </a:extLst>
+          </p:cNvPr>
+          <p:cNvPicPr>
+            <a:picLocks noChangeAspect="1"/>
+          </p:cNvPicPr>
+          <p:nvPr/>
+        </p:nvPicPr>
+        <p:blipFill>
+          <a:blip r:embed="rId4"/>
+          <a:stretch>
+            <a:fillRect/>
+          </a:stretch>
+        </p:blipFill>
+        <p:spPr>
+          <a:xfrm>
+            <a:off x="182483" y="3622967"/>
+            <a:ext cx="5703162" cy="2175433"/>
           </a:xfrm>
           <a:prstGeom prst="rect">
             <a:avLst/>
@@ -6708,6 +11027,113 @@
 </file>
 
 <file path=ppt/slides/slide20.xml><?xml version="1.0" encoding="utf-8"?>
+<p:sld xmlns:a="http://schemas.openxmlformats.org/drawingml/2006/main" xmlns:r="http://schemas.openxmlformats.org/officeDocument/2006/relationships" xmlns:p="http://schemas.openxmlformats.org/presentationml/2006/main">
+  <p:cSld>
+    <p:spTree>
+      <p:nvGrpSpPr>
+        <p:cNvPr id="1" name=""/>
+        <p:cNvGrpSpPr/>
+        <p:nvPr/>
+      </p:nvGrpSpPr>
+      <p:grpSpPr>
+        <a:xfrm>
+          <a:off x="0" y="0"/>
+          <a:ext cx="0" cy="0"/>
+          <a:chOff x="0" y="0"/>
+          <a:chExt cx="0" cy="0"/>
+        </a:xfrm>
+      </p:grpSpPr>
+      <p:pic>
+        <p:nvPicPr>
+          <p:cNvPr id="5" name="图片 4">
+            <a:extLst>
+              <a:ext uri="{FF2B5EF4-FFF2-40B4-BE49-F238E27FC236}">
+                <a16:creationId xmlns:a16="http://schemas.microsoft.com/office/drawing/2014/main" id="{3A915E48-0978-FDE0-6C15-18740B233395}"/>
+              </a:ext>
+            </a:extLst>
+          </p:cNvPr>
+          <p:cNvPicPr>
+            <a:picLocks noChangeAspect="1"/>
+          </p:cNvPicPr>
+          <p:nvPr/>
+        </p:nvPicPr>
+        <p:blipFill>
+          <a:blip r:embed="rId2"/>
+          <a:stretch>
+            <a:fillRect/>
+          </a:stretch>
+        </p:blipFill>
+        <p:spPr>
+          <a:xfrm>
+            <a:off x="2455937" y="0"/>
+            <a:ext cx="7280125" cy="6858000"/>
+          </a:xfrm>
+          <a:prstGeom prst="rect">
+            <a:avLst/>
+          </a:prstGeom>
+        </p:spPr>
+      </p:pic>
+      <p:pic>
+        <p:nvPicPr>
+          <p:cNvPr id="1026" name="Picture 2">
+            <a:extLst>
+              <a:ext uri="{FF2B5EF4-FFF2-40B4-BE49-F238E27FC236}">
+                <a16:creationId xmlns:a16="http://schemas.microsoft.com/office/drawing/2014/main" id="{71BCB1EF-78A9-599A-E50A-F7FDCCA610F7}"/>
+              </a:ext>
+            </a:extLst>
+          </p:cNvPr>
+          <p:cNvPicPr>
+            <a:picLocks noChangeAspect="1" noChangeArrowheads="1"/>
+          </p:cNvPicPr>
+          <p:nvPr/>
+        </p:nvPicPr>
+        <p:blipFill>
+          <a:blip r:embed="rId3">
+            <a:extLst>
+              <a:ext uri="{28A0092B-C50C-407E-A947-70E740481C1C}">
+                <a14:useLocalDpi xmlns:a14="http://schemas.microsoft.com/office/drawing/2010/main" val="0"/>
+              </a:ext>
+            </a:extLst>
+          </a:blip>
+          <a:srcRect/>
+          <a:stretch>
+            <a:fillRect/>
+          </a:stretch>
+        </p:blipFill>
+        <p:spPr bwMode="auto">
+          <a:xfrm>
+            <a:off x="2571663" y="0"/>
+            <a:ext cx="7048671" cy="6856640"/>
+          </a:xfrm>
+          <a:prstGeom prst="rect">
+            <a:avLst/>
+          </a:prstGeom>
+          <a:noFill/>
+          <a:extLst>
+            <a:ext uri="{909E8E84-426E-40DD-AFC4-6F175D3DCCD1}">
+              <a14:hiddenFill xmlns:a14="http://schemas.microsoft.com/office/drawing/2010/main">
+                <a:solidFill>
+                  <a:srgbClr val="FFFFFF"/>
+                </a:solidFill>
+              </a14:hiddenFill>
+            </a:ext>
+          </a:extLst>
+        </p:spPr>
+      </p:pic>
+    </p:spTree>
+    <p:extLst>
+      <p:ext uri="{BB962C8B-B14F-4D97-AF65-F5344CB8AC3E}">
+        <p14:creationId xmlns:p14="http://schemas.microsoft.com/office/powerpoint/2010/main" val="1772733204"/>
+      </p:ext>
+    </p:extLst>
+  </p:cSld>
+  <p:clrMapOvr>
+    <a:masterClrMapping/>
+  </p:clrMapOvr>
+</p:sld>
+</file>
+
+<file path=ppt/slides/slide21.xml><?xml version="1.0" encoding="utf-8"?>
 <p:sld xmlns:a="http://schemas.openxmlformats.org/drawingml/2006/main" xmlns:r="http://schemas.openxmlformats.org/officeDocument/2006/relationships" xmlns:p="http://schemas.openxmlformats.org/presentationml/2006/main">
   <p:cSld>
     <p:spTree>
@@ -6928,7 +11354,7 @@
 </p:sld>
 </file>
 
-<file path=ppt/slides/slide21.xml><?xml version="1.0" encoding="utf-8"?>
+<file path=ppt/slides/slide22.xml><?xml version="1.0" encoding="utf-8"?>
 <p:sld xmlns:a="http://schemas.openxmlformats.org/drawingml/2006/main" xmlns:r="http://schemas.openxmlformats.org/officeDocument/2006/relationships" xmlns:p="http://schemas.openxmlformats.org/presentationml/2006/main">
   <p:cSld>
     <p:spTree>
@@ -8411,7 +12837,7 @@
 </p:sld>
 </file>
 
-<file path=ppt/slides/slide22.xml><?xml version="1.0" encoding="utf-8"?>
+<file path=ppt/slides/slide23.xml><?xml version="1.0" encoding="utf-8"?>
 <p:sld xmlns:a="http://schemas.openxmlformats.org/drawingml/2006/main" xmlns:r="http://schemas.openxmlformats.org/officeDocument/2006/relationships" xmlns:p="http://schemas.openxmlformats.org/presentationml/2006/main">
   <p:cSld>
     <p:spTree>
@@ -10463,7 +14889,7 @@
 </p:sld>
 </file>
 
-<file path=ppt/slides/slide23.xml><?xml version="1.0" encoding="utf-8"?>
+<file path=ppt/slides/slide24.xml><?xml version="1.0" encoding="utf-8"?>
 <p:sld xmlns:a="http://schemas.openxmlformats.org/drawingml/2006/main" xmlns:r="http://schemas.openxmlformats.org/officeDocument/2006/relationships" xmlns:p="http://schemas.openxmlformats.org/presentationml/2006/main">
   <p:cSld>
     <p:spTree>
@@ -10494,7 +14920,7 @@
         </p:nvGrpSpPr>
         <p:grpSpPr>
           <a:xfrm>
-            <a:off x="2588614" y="940070"/>
+            <a:off x="2598477" y="973633"/>
             <a:ext cx="7105958" cy="2675661"/>
             <a:chOff x="2182929" y="1350134"/>
             <a:chExt cx="7105958" cy="2675661"/>
@@ -11396,8 +15822,8 @@
         </p:nvCxnSpPr>
         <p:spPr>
           <a:xfrm rot="16200000" flipH="1">
-            <a:off x="2409664" y="1474783"/>
-            <a:ext cx="367802" cy="1290943"/>
+            <a:off x="2397815" y="1486633"/>
+            <a:ext cx="401365" cy="1300806"/>
           </a:xfrm>
           <a:prstGeom prst="bentConnector2">
             <a:avLst/>
@@ -11439,7 +15865,7 @@
         <p:spPr>
           <a:xfrm>
             <a:off x="2509438" y="727290"/>
-            <a:ext cx="1502332" cy="1026294"/>
+            <a:ext cx="1512195" cy="1059857"/>
           </a:xfrm>
           <a:prstGeom prst="bentConnector2">
             <a:avLst/>
@@ -11525,7 +15951,1012 @@
 </p:sld>
 </file>
 
-<file path=ppt/slides/slide24.xml><?xml version="1.0" encoding="utf-8"?>
+<file path=ppt/slides/slide25.xml><?xml version="1.0" encoding="utf-8"?>
+<p:sld xmlns:a="http://schemas.openxmlformats.org/drawingml/2006/main" xmlns:r="http://schemas.openxmlformats.org/officeDocument/2006/relationships" xmlns:p="http://schemas.openxmlformats.org/presentationml/2006/main">
+  <p:cSld>
+    <p:spTree>
+      <p:nvGrpSpPr>
+        <p:cNvPr id="1" name=""/>
+        <p:cNvGrpSpPr/>
+        <p:nvPr/>
+      </p:nvGrpSpPr>
+      <p:grpSpPr>
+        <a:xfrm>
+          <a:off x="0" y="0"/>
+          <a:ext cx="0" cy="0"/>
+          <a:chOff x="0" y="0"/>
+          <a:chExt cx="0" cy="0"/>
+        </a:xfrm>
+      </p:grpSpPr>
+      <p:grpSp>
+        <p:nvGrpSpPr>
+          <p:cNvPr id="104" name="组合 103">
+            <a:extLst>
+              <a:ext uri="{FF2B5EF4-FFF2-40B4-BE49-F238E27FC236}">
+                <a16:creationId xmlns:a16="http://schemas.microsoft.com/office/drawing/2014/main" id="{1A280C47-9B28-605C-4294-346AE5B27F8B}"/>
+              </a:ext>
+            </a:extLst>
+          </p:cNvPr>
+          <p:cNvGrpSpPr/>
+          <p:nvPr/>
+        </p:nvGrpSpPr>
+        <p:grpSpPr>
+          <a:xfrm>
+            <a:off x="1365161" y="2022575"/>
+            <a:ext cx="8075903" cy="2278969"/>
+            <a:chOff x="1365161" y="2022575"/>
+            <a:chExt cx="9550457" cy="2807510"/>
+          </a:xfrm>
+        </p:grpSpPr>
+        <p:grpSp>
+          <p:nvGrpSpPr>
+            <p:cNvPr id="48" name="组合 47">
+              <a:extLst>
+                <a:ext uri="{FF2B5EF4-FFF2-40B4-BE49-F238E27FC236}">
+                  <a16:creationId xmlns:a16="http://schemas.microsoft.com/office/drawing/2014/main" id="{592B480A-CEA7-9BAD-EF85-DCFD3D188D7E}"/>
+                </a:ext>
+              </a:extLst>
+            </p:cNvPr>
+            <p:cNvGrpSpPr/>
+            <p:nvPr/>
+          </p:nvGrpSpPr>
+          <p:grpSpPr>
+            <a:xfrm>
+              <a:off x="1365161" y="2022575"/>
+              <a:ext cx="9550457" cy="2807510"/>
+              <a:chOff x="1365161" y="2022575"/>
+              <a:chExt cx="9550457" cy="2807510"/>
+            </a:xfrm>
+          </p:grpSpPr>
+          <p:grpSp>
+            <p:nvGrpSpPr>
+              <p:cNvPr id="32" name="组合 31">
+                <a:extLst>
+                  <a:ext uri="{FF2B5EF4-FFF2-40B4-BE49-F238E27FC236}">
+                    <a16:creationId xmlns:a16="http://schemas.microsoft.com/office/drawing/2014/main" id="{BF2B3790-B2EA-71F8-03DD-8B3573EC7538}"/>
+                  </a:ext>
+                </a:extLst>
+              </p:cNvPr>
+              <p:cNvGrpSpPr/>
+              <p:nvPr/>
+            </p:nvGrpSpPr>
+            <p:grpSpPr>
+              <a:xfrm>
+                <a:off x="3470838" y="3208263"/>
+                <a:ext cx="7070629" cy="1621822"/>
+                <a:chOff x="2833332" y="2167133"/>
+                <a:chExt cx="7070629" cy="1621822"/>
+              </a:xfrm>
+            </p:grpSpPr>
+            <p:sp>
+              <p:nvSpPr>
+                <p:cNvPr id="4" name="矩形 3">
+                  <a:extLst>
+                    <a:ext uri="{FF2B5EF4-FFF2-40B4-BE49-F238E27FC236}">
+                      <a16:creationId xmlns:a16="http://schemas.microsoft.com/office/drawing/2014/main" id="{FADAC763-EC73-C261-ED27-0377CDAC72A1}"/>
+                    </a:ext>
+                  </a:extLst>
+                </p:cNvPr>
+                <p:cNvSpPr/>
+                <p:nvPr/>
+              </p:nvSpPr>
+              <p:spPr>
+                <a:xfrm>
+                  <a:off x="2833332" y="2199332"/>
+                  <a:ext cx="1545465" cy="550574"/>
+                </a:xfrm>
+                <a:prstGeom prst="rect">
+                  <a:avLst/>
+                </a:prstGeom>
+                <a:solidFill>
+                  <a:schemeClr val="accent6">
+                    <a:lumMod val="75000"/>
+                  </a:schemeClr>
+                </a:solidFill>
+                <a:ln w="28575">
+                  <a:solidFill>
+                    <a:schemeClr val="tx1"/>
+                  </a:solidFill>
+                  <a:prstDash val="lgDash"/>
+                </a:ln>
+              </p:spPr>
+              <p:style>
+                <a:lnRef idx="2">
+                  <a:schemeClr val="accent1">
+                    <a:shade val="50000"/>
+                  </a:schemeClr>
+                </a:lnRef>
+                <a:fillRef idx="1">
+                  <a:schemeClr val="accent1"/>
+                </a:fillRef>
+                <a:effectRef idx="0">
+                  <a:schemeClr val="accent1"/>
+                </a:effectRef>
+                <a:fontRef idx="minor">
+                  <a:schemeClr val="lt1"/>
+                </a:fontRef>
+              </p:style>
+              <p:txBody>
+                <a:bodyPr rtlCol="0" anchor="ctr"/>
+                <a:lstStyle/>
+                <a:p>
+                  <a:pPr algn="ctr"/>
+                  <a:r>
+                    <a:rPr lang="fr-CA" dirty="0">
+                      <a:latin typeface="Times New Roman" panose="02020603050405020304" pitchFamily="18" charset="0"/>
+                      <a:cs typeface="Times New Roman" panose="02020603050405020304" pitchFamily="18" charset="0"/>
+                    </a:rPr>
+                    <a:t>Regressor</a:t>
+                  </a:r>
+                </a:p>
+              </p:txBody>
+            </p:sp>
+            <p:sp>
+              <p:nvSpPr>
+                <p:cNvPr id="5" name="矩形 4">
+                  <a:extLst>
+                    <a:ext uri="{FF2B5EF4-FFF2-40B4-BE49-F238E27FC236}">
+                      <a16:creationId xmlns:a16="http://schemas.microsoft.com/office/drawing/2014/main" id="{EAA2C583-C39E-4A74-8A75-66906B67EAA2}"/>
+                    </a:ext>
+                  </a:extLst>
+                </p:cNvPr>
+                <p:cNvSpPr/>
+                <p:nvPr/>
+              </p:nvSpPr>
+              <p:spPr>
+                <a:xfrm>
+                  <a:off x="6256980" y="2197723"/>
+                  <a:ext cx="1545465" cy="552184"/>
+                </a:xfrm>
+                <a:prstGeom prst="rect">
+                  <a:avLst/>
+                </a:prstGeom>
+                <a:solidFill>
+                  <a:schemeClr val="accent6">
+                    <a:lumMod val="75000"/>
+                  </a:schemeClr>
+                </a:solidFill>
+                <a:ln w="28575">
+                  <a:solidFill>
+                    <a:schemeClr val="tx1"/>
+                  </a:solidFill>
+                </a:ln>
+              </p:spPr>
+              <p:style>
+                <a:lnRef idx="2">
+                  <a:schemeClr val="accent1">
+                    <a:shade val="50000"/>
+                  </a:schemeClr>
+                </a:lnRef>
+                <a:fillRef idx="1">
+                  <a:schemeClr val="accent1"/>
+                </a:fillRef>
+                <a:effectRef idx="0">
+                  <a:schemeClr val="accent1"/>
+                </a:effectRef>
+                <a:fontRef idx="minor">
+                  <a:schemeClr val="lt1"/>
+                </a:fontRef>
+              </p:style>
+              <p:txBody>
+                <a:bodyPr rtlCol="0" anchor="ctr"/>
+                <a:lstStyle/>
+                <a:p>
+                  <a:pPr algn="ctr"/>
+                  <a:r>
+                    <a:rPr lang="fr-CA" dirty="0">
+                      <a:latin typeface="Times New Roman" panose="02020603050405020304" pitchFamily="18" charset="0"/>
+                      <a:cs typeface="Times New Roman" panose="02020603050405020304" pitchFamily="18" charset="0"/>
+                    </a:rPr>
+                    <a:t>Optimizer</a:t>
+                  </a:r>
+                </a:p>
+              </p:txBody>
+            </p:sp>
+            <p:sp>
+              <p:nvSpPr>
+                <p:cNvPr id="6" name="矩形: 圆角 5">
+                  <a:extLst>
+                    <a:ext uri="{FF2B5EF4-FFF2-40B4-BE49-F238E27FC236}">
+                      <a16:creationId xmlns:a16="http://schemas.microsoft.com/office/drawing/2014/main" id="{AC737E48-51C3-DA5E-978D-A7FF5F4D72E6}"/>
+                    </a:ext>
+                  </a:extLst>
+                </p:cNvPr>
+                <p:cNvSpPr/>
+                <p:nvPr/>
+              </p:nvSpPr>
+              <p:spPr>
+                <a:xfrm>
+                  <a:off x="6364450" y="3090037"/>
+                  <a:ext cx="1330524" cy="698918"/>
+                </a:xfrm>
+                <a:prstGeom prst="roundRect">
+                  <a:avLst/>
+                </a:prstGeom>
+                <a:solidFill>
+                  <a:schemeClr val="accent1"/>
+                </a:solidFill>
+              </p:spPr>
+              <p:style>
+                <a:lnRef idx="2">
+                  <a:schemeClr val="accent1">
+                    <a:shade val="50000"/>
+                  </a:schemeClr>
+                </a:lnRef>
+                <a:fillRef idx="1">
+                  <a:schemeClr val="accent1"/>
+                </a:fillRef>
+                <a:effectRef idx="0">
+                  <a:schemeClr val="accent1"/>
+                </a:effectRef>
+                <a:fontRef idx="minor">
+                  <a:schemeClr val="lt1"/>
+                </a:fontRef>
+              </p:style>
+              <p:txBody>
+                <a:bodyPr rtlCol="0" anchor="ctr"/>
+                <a:lstStyle/>
+                <a:p>
+                  <a:pPr algn="ctr"/>
+                  <a:r>
+                    <a:rPr lang="fr-CA" dirty="0">
+                      <a:latin typeface="Times New Roman" panose="02020603050405020304" pitchFamily="18" charset="0"/>
+                      <a:cs typeface="Times New Roman" panose="02020603050405020304" pitchFamily="18" charset="0"/>
+                    </a:rPr>
+                    <a:t>Rx position</a:t>
+                  </a:r>
+                </a:p>
+              </p:txBody>
+            </p:sp>
+            <p:sp>
+              <p:nvSpPr>
+                <p:cNvPr id="8" name="椭圆 7">
+                  <a:extLst>
+                    <a:ext uri="{FF2B5EF4-FFF2-40B4-BE49-F238E27FC236}">
+                      <a16:creationId xmlns:a16="http://schemas.microsoft.com/office/drawing/2014/main" id="{2FC0C9E4-E179-ACFE-354A-AB3FA44017B2}"/>
+                    </a:ext>
+                  </a:extLst>
+                </p:cNvPr>
+                <p:cNvSpPr/>
+                <p:nvPr/>
+              </p:nvSpPr>
+              <p:spPr>
+                <a:xfrm>
+                  <a:off x="4690048" y="2167133"/>
+                  <a:ext cx="1249796" cy="605308"/>
+                </a:xfrm>
+                <a:prstGeom prst="ellipse">
+                  <a:avLst/>
+                </a:prstGeom>
+                <a:solidFill>
+                  <a:schemeClr val="accent2"/>
+                </a:solidFill>
+              </p:spPr>
+              <p:style>
+                <a:lnRef idx="2">
+                  <a:schemeClr val="accent1">
+                    <a:shade val="50000"/>
+                  </a:schemeClr>
+                </a:lnRef>
+                <a:fillRef idx="1">
+                  <a:schemeClr val="accent1"/>
+                </a:fillRef>
+                <a:effectRef idx="0">
+                  <a:schemeClr val="accent1"/>
+                </a:effectRef>
+                <a:fontRef idx="minor">
+                  <a:schemeClr val="lt1"/>
+                </a:fontRef>
+              </p:style>
+              <p:txBody>
+                <a:bodyPr rtlCol="0" anchor="ctr"/>
+                <a:lstStyle/>
+                <a:p>
+                  <a:pPr algn="ctr"/>
+                  <a:r>
+                    <a:rPr lang="en-US" sz="1200" dirty="0">
+                      <a:latin typeface="Times New Roman" panose="02020603050405020304" pitchFamily="18" charset="0"/>
+                      <a:cs typeface="Times New Roman" panose="02020603050405020304" pitchFamily="18" charset="0"/>
+                    </a:rPr>
+                    <a:t>Distance</a:t>
+                  </a:r>
+                  <a:endParaRPr lang="fr-CA" sz="1200" dirty="0">
+                    <a:latin typeface="Times New Roman" panose="02020603050405020304" pitchFamily="18" charset="0"/>
+                    <a:cs typeface="Times New Roman" panose="02020603050405020304" pitchFamily="18" charset="0"/>
+                  </a:endParaRPr>
+                </a:p>
+              </p:txBody>
+            </p:sp>
+            <p:cxnSp>
+              <p:nvCxnSpPr>
+                <p:cNvPr id="10" name="直接箭头连接符 9">
+                  <a:extLst>
+                    <a:ext uri="{FF2B5EF4-FFF2-40B4-BE49-F238E27FC236}">
+                      <a16:creationId xmlns:a16="http://schemas.microsoft.com/office/drawing/2014/main" id="{2ABECB74-9516-6FC4-00CA-C28C67C826AD}"/>
+                    </a:ext>
+                  </a:extLst>
+                </p:cNvPr>
+                <p:cNvCxnSpPr>
+                  <a:cxnSpLocks/>
+                  <a:stCxn id="4" idx="3"/>
+                  <a:endCxn id="8" idx="2"/>
+                </p:cNvCxnSpPr>
+                <p:nvPr/>
+              </p:nvCxnSpPr>
+              <p:spPr>
+                <a:xfrm flipV="1">
+                  <a:off x="4378797" y="2469788"/>
+                  <a:ext cx="311251" cy="4832"/>
+                </a:xfrm>
+                <a:prstGeom prst="straightConnector1">
+                  <a:avLst/>
+                </a:prstGeom>
+                <a:ln w="12700">
+                  <a:tailEnd type="triangle"/>
+                </a:ln>
+              </p:spPr>
+              <p:style>
+                <a:lnRef idx="1">
+                  <a:schemeClr val="dk1"/>
+                </a:lnRef>
+                <a:fillRef idx="0">
+                  <a:schemeClr val="dk1"/>
+                </a:fillRef>
+                <a:effectRef idx="0">
+                  <a:schemeClr val="dk1"/>
+                </a:effectRef>
+                <a:fontRef idx="minor">
+                  <a:schemeClr val="tx1"/>
+                </a:fontRef>
+              </p:style>
+            </p:cxnSp>
+            <p:sp>
+              <p:nvSpPr>
+                <p:cNvPr id="15" name="椭圆 14">
+                  <a:extLst>
+                    <a:ext uri="{FF2B5EF4-FFF2-40B4-BE49-F238E27FC236}">
+                      <a16:creationId xmlns:a16="http://schemas.microsoft.com/office/drawing/2014/main" id="{3C0E8DC7-1DB8-7BE5-4F63-8AB324AF9EA0}"/>
+                    </a:ext>
+                  </a:extLst>
+                </p:cNvPr>
+                <p:cNvSpPr/>
+                <p:nvPr/>
+              </p:nvSpPr>
+              <p:spPr>
+                <a:xfrm>
+                  <a:off x="8596645" y="2173575"/>
+                  <a:ext cx="1307316" cy="605307"/>
+                </a:xfrm>
+                <a:prstGeom prst="ellipse">
+                  <a:avLst/>
+                </a:prstGeom>
+                <a:solidFill>
+                  <a:schemeClr val="accent2"/>
+                </a:solidFill>
+              </p:spPr>
+              <p:style>
+                <a:lnRef idx="2">
+                  <a:schemeClr val="accent1">
+                    <a:shade val="50000"/>
+                  </a:schemeClr>
+                </a:lnRef>
+                <a:fillRef idx="1">
+                  <a:schemeClr val="accent1"/>
+                </a:fillRef>
+                <a:effectRef idx="0">
+                  <a:schemeClr val="accent1"/>
+                </a:effectRef>
+                <a:fontRef idx="minor">
+                  <a:schemeClr val="lt1"/>
+                </a:fontRef>
+              </p:style>
+              <p:txBody>
+                <a:bodyPr rtlCol="0" anchor="ctr"/>
+                <a:lstStyle/>
+                <a:p>
+                  <a:pPr algn="ctr"/>
+                  <a:r>
+                    <a:rPr lang="en-US" altLang="zh-CN" sz="1100" dirty="0">
+                      <a:latin typeface="Times New Roman" panose="02020603050405020304" pitchFamily="18" charset="0"/>
+                      <a:cs typeface="Times New Roman" panose="02020603050405020304" pitchFamily="18" charset="0"/>
+                    </a:rPr>
+                    <a:t>Latitude</a:t>
+                  </a:r>
+                </a:p>
+                <a:p>
+                  <a:pPr algn="ctr"/>
+                  <a:r>
+                    <a:rPr lang="en-US" sz="1100" dirty="0">
+                      <a:latin typeface="Times New Roman" panose="02020603050405020304" pitchFamily="18" charset="0"/>
+                      <a:cs typeface="Times New Roman" panose="02020603050405020304" pitchFamily="18" charset="0"/>
+                    </a:rPr>
+                    <a:t>Longitude</a:t>
+                  </a:r>
+                  <a:endParaRPr lang="fr-CA" sz="1100" dirty="0">
+                    <a:latin typeface="Times New Roman" panose="02020603050405020304" pitchFamily="18" charset="0"/>
+                    <a:cs typeface="Times New Roman" panose="02020603050405020304" pitchFamily="18" charset="0"/>
+                  </a:endParaRPr>
+                </a:p>
+              </p:txBody>
+            </p:sp>
+            <p:cxnSp>
+              <p:nvCxnSpPr>
+                <p:cNvPr id="16" name="直接箭头连接符 15">
+                  <a:extLst>
+                    <a:ext uri="{FF2B5EF4-FFF2-40B4-BE49-F238E27FC236}">
+                      <a16:creationId xmlns:a16="http://schemas.microsoft.com/office/drawing/2014/main" id="{A95558BF-92BA-145F-339E-5E33A1426B5A}"/>
+                    </a:ext>
+                  </a:extLst>
+                </p:cNvPr>
+                <p:cNvCxnSpPr>
+                  <a:cxnSpLocks/>
+                  <a:stCxn id="8" idx="6"/>
+                  <a:endCxn id="5" idx="1"/>
+                </p:cNvCxnSpPr>
+                <p:nvPr/>
+              </p:nvCxnSpPr>
+              <p:spPr>
+                <a:xfrm>
+                  <a:off x="5939844" y="2469788"/>
+                  <a:ext cx="317137" cy="4027"/>
+                </a:xfrm>
+                <a:prstGeom prst="straightConnector1">
+                  <a:avLst/>
+                </a:prstGeom>
+                <a:ln w="12700">
+                  <a:tailEnd type="triangle"/>
+                </a:ln>
+              </p:spPr>
+              <p:style>
+                <a:lnRef idx="1">
+                  <a:schemeClr val="dk1"/>
+                </a:lnRef>
+                <a:fillRef idx="0">
+                  <a:schemeClr val="dk1"/>
+                </a:fillRef>
+                <a:effectRef idx="0">
+                  <a:schemeClr val="dk1"/>
+                </a:effectRef>
+                <a:fontRef idx="minor">
+                  <a:schemeClr val="tx1"/>
+                </a:fontRef>
+              </p:style>
+            </p:cxnSp>
+            <p:cxnSp>
+              <p:nvCxnSpPr>
+                <p:cNvPr id="19" name="直接箭头连接符 18">
+                  <a:extLst>
+                    <a:ext uri="{FF2B5EF4-FFF2-40B4-BE49-F238E27FC236}">
+                      <a16:creationId xmlns:a16="http://schemas.microsoft.com/office/drawing/2014/main" id="{C64577D5-93F5-81CA-2F27-7A40E9BBFCD6}"/>
+                    </a:ext>
+                  </a:extLst>
+                </p:cNvPr>
+                <p:cNvCxnSpPr>
+                  <a:cxnSpLocks/>
+                  <a:stCxn id="6" idx="0"/>
+                  <a:endCxn id="5" idx="2"/>
+                </p:cNvCxnSpPr>
+                <p:nvPr/>
+              </p:nvCxnSpPr>
+              <p:spPr>
+                <a:xfrm flipV="1">
+                  <a:off x="7029712" y="2749907"/>
+                  <a:ext cx="1" cy="340130"/>
+                </a:xfrm>
+                <a:prstGeom prst="straightConnector1">
+                  <a:avLst/>
+                </a:prstGeom>
+                <a:ln w="12700">
+                  <a:tailEnd type="triangle"/>
+                </a:ln>
+              </p:spPr>
+              <p:style>
+                <a:lnRef idx="1">
+                  <a:schemeClr val="dk1"/>
+                </a:lnRef>
+                <a:fillRef idx="0">
+                  <a:schemeClr val="dk1"/>
+                </a:fillRef>
+                <a:effectRef idx="0">
+                  <a:schemeClr val="dk1"/>
+                </a:effectRef>
+                <a:fontRef idx="minor">
+                  <a:schemeClr val="tx1"/>
+                </a:fontRef>
+              </p:style>
+            </p:cxnSp>
+            <p:cxnSp>
+              <p:nvCxnSpPr>
+                <p:cNvPr id="22" name="直接箭头连接符 21">
+                  <a:extLst>
+                    <a:ext uri="{FF2B5EF4-FFF2-40B4-BE49-F238E27FC236}">
+                      <a16:creationId xmlns:a16="http://schemas.microsoft.com/office/drawing/2014/main" id="{7D73D0BD-79FB-D27C-0743-5AE17A0E0223}"/>
+                    </a:ext>
+                  </a:extLst>
+                </p:cNvPr>
+                <p:cNvCxnSpPr>
+                  <a:cxnSpLocks/>
+                  <a:stCxn id="5" idx="3"/>
+                  <a:endCxn id="15" idx="2"/>
+                </p:cNvCxnSpPr>
+                <p:nvPr/>
+              </p:nvCxnSpPr>
+              <p:spPr>
+                <a:xfrm>
+                  <a:off x="7802445" y="2473815"/>
+                  <a:ext cx="794201" cy="2413"/>
+                </a:xfrm>
+                <a:prstGeom prst="straightConnector1">
+                  <a:avLst/>
+                </a:prstGeom>
+                <a:ln w="12700">
+                  <a:tailEnd type="triangle"/>
+                </a:ln>
+              </p:spPr>
+              <p:style>
+                <a:lnRef idx="1">
+                  <a:schemeClr val="dk1"/>
+                </a:lnRef>
+                <a:fillRef idx="0">
+                  <a:schemeClr val="dk1"/>
+                </a:fillRef>
+                <a:effectRef idx="0">
+                  <a:schemeClr val="dk1"/>
+                </a:effectRef>
+                <a:fontRef idx="minor">
+                  <a:schemeClr val="tx1"/>
+                </a:fontRef>
+              </p:style>
+            </p:cxnSp>
+          </p:grpSp>
+          <p:sp>
+            <p:nvSpPr>
+              <p:cNvPr id="136" name="文本框 135">
+                <a:extLst>
+                  <a:ext uri="{FF2B5EF4-FFF2-40B4-BE49-F238E27FC236}">
+                    <a16:creationId xmlns:a16="http://schemas.microsoft.com/office/drawing/2014/main" id="{2FB62D2C-BCE5-AB1A-9E38-20A01CF88595}"/>
+                  </a:ext>
+                </a:extLst>
+              </p:cNvPr>
+              <p:cNvSpPr txBox="1"/>
+              <p:nvPr/>
+            </p:nvSpPr>
+            <p:spPr>
+              <a:xfrm>
+                <a:off x="8436398" y="2333851"/>
+                <a:ext cx="2479220" cy="454988"/>
+              </a:xfrm>
+              <a:prstGeom prst="rect">
+                <a:avLst/>
+              </a:prstGeom>
+              <a:noFill/>
+            </p:spPr>
+            <p:txBody>
+              <a:bodyPr wrap="square" rtlCol="0">
+                <a:spAutoFit/>
+              </a:bodyPr>
+              <a:lstStyle/>
+              <a:p>
+                <a:r>
+                  <a:rPr lang="fr-CA" dirty="0">
+                    <a:latin typeface="Times New Roman" panose="02020603050405020304" pitchFamily="18" charset="0"/>
+                    <a:cs typeface="Times New Roman" panose="02020603050405020304" pitchFamily="18" charset="0"/>
+                  </a:rPr>
+                  <a:t>Offline t</a:t>
+                </a:r>
+                <a:r>
+                  <a:rPr lang="en-US" altLang="zh-CN" dirty="0">
+                    <a:latin typeface="Times New Roman" panose="02020603050405020304" pitchFamily="18" charset="0"/>
+                    <a:cs typeface="Times New Roman" panose="02020603050405020304" pitchFamily="18" charset="0"/>
+                  </a:rPr>
+                  <a:t>raining</a:t>
+                </a:r>
+                <a:endParaRPr lang="fr-CA" dirty="0">
+                  <a:latin typeface="Times New Roman" panose="02020603050405020304" pitchFamily="18" charset="0"/>
+                  <a:cs typeface="Times New Roman" panose="02020603050405020304" pitchFamily="18" charset="0"/>
+                </a:endParaRPr>
+              </a:p>
+            </p:txBody>
+          </p:sp>
+          <p:cxnSp>
+            <p:nvCxnSpPr>
+              <p:cNvPr id="3" name="直接连接符 2">
+                <a:extLst>
+                  <a:ext uri="{FF2B5EF4-FFF2-40B4-BE49-F238E27FC236}">
+                    <a16:creationId xmlns:a16="http://schemas.microsoft.com/office/drawing/2014/main" id="{8DCB9CF1-C7E3-E1CF-C27A-B041DF3DD956}"/>
+                  </a:ext>
+                </a:extLst>
+              </p:cNvPr>
+              <p:cNvCxnSpPr/>
+              <p:nvPr/>
+            </p:nvCxnSpPr>
+            <p:spPr>
+              <a:xfrm flipV="1">
+                <a:off x="1365161" y="2781244"/>
+                <a:ext cx="9002332" cy="45669"/>
+              </a:xfrm>
+              <a:prstGeom prst="line">
+                <a:avLst/>
+              </a:prstGeom>
+              <a:ln w="12700">
+                <a:prstDash val="dash"/>
+              </a:ln>
+            </p:spPr>
+            <p:style>
+              <a:lnRef idx="1">
+                <a:schemeClr val="dk1"/>
+              </a:lnRef>
+              <a:fillRef idx="0">
+                <a:schemeClr val="dk1"/>
+              </a:fillRef>
+              <a:effectRef idx="0">
+                <a:schemeClr val="dk1"/>
+              </a:effectRef>
+              <a:fontRef idx="minor">
+                <a:schemeClr val="tx1"/>
+              </a:fontRef>
+            </p:style>
+          </p:cxnSp>
+          <p:sp>
+            <p:nvSpPr>
+              <p:cNvPr id="11" name="文本框 10">
+                <a:extLst>
+                  <a:ext uri="{FF2B5EF4-FFF2-40B4-BE49-F238E27FC236}">
+                    <a16:creationId xmlns:a16="http://schemas.microsoft.com/office/drawing/2014/main" id="{2AFBE7D9-EA76-F76C-0411-D9C2135A146C}"/>
+                  </a:ext>
+                </a:extLst>
+              </p:cNvPr>
+              <p:cNvSpPr txBox="1"/>
+              <p:nvPr/>
+            </p:nvSpPr>
+            <p:spPr>
+              <a:xfrm>
+                <a:off x="8595615" y="2796434"/>
+                <a:ext cx="1778319" cy="369332"/>
+              </a:xfrm>
+              <a:prstGeom prst="rect">
+                <a:avLst/>
+              </a:prstGeom>
+              <a:noFill/>
+            </p:spPr>
+            <p:txBody>
+              <a:bodyPr wrap="square" rtlCol="0">
+                <a:spAutoFit/>
+              </a:bodyPr>
+              <a:lstStyle/>
+              <a:p>
+                <a:r>
+                  <a:rPr lang="fr-CA" altLang="zh-CN" dirty="0">
+                    <a:latin typeface="Times New Roman" panose="02020603050405020304" pitchFamily="18" charset="0"/>
+                    <a:cs typeface="Times New Roman" panose="02020603050405020304" pitchFamily="18" charset="0"/>
+                  </a:rPr>
+                  <a:t>Online t</a:t>
+                </a:r>
+                <a:r>
+                  <a:rPr lang="en-US" altLang="zh-CN" dirty="0" err="1">
+                    <a:latin typeface="Times New Roman" panose="02020603050405020304" pitchFamily="18" charset="0"/>
+                    <a:cs typeface="Times New Roman" panose="02020603050405020304" pitchFamily="18" charset="0"/>
+                  </a:rPr>
+                  <a:t>esting</a:t>
+                </a:r>
+                <a:endParaRPr lang="fr-CA" dirty="0">
+                  <a:latin typeface="Times New Roman" panose="02020603050405020304" pitchFamily="18" charset="0"/>
+                  <a:cs typeface="Times New Roman" panose="02020603050405020304" pitchFamily="18" charset="0"/>
+                </a:endParaRPr>
+              </a:p>
+            </p:txBody>
+          </p:sp>
+          <p:sp>
+            <p:nvSpPr>
+              <p:cNvPr id="12" name="矩形: 圆角 11">
+                <a:extLst>
+                  <a:ext uri="{FF2B5EF4-FFF2-40B4-BE49-F238E27FC236}">
+                    <a16:creationId xmlns:a16="http://schemas.microsoft.com/office/drawing/2014/main" id="{ED868B48-229E-FA27-4C1E-357DF78B0326}"/>
+                  </a:ext>
+                </a:extLst>
+              </p:cNvPr>
+              <p:cNvSpPr/>
+              <p:nvPr/>
+            </p:nvSpPr>
+            <p:spPr>
+              <a:xfrm>
+                <a:off x="1871688" y="2069394"/>
+                <a:ext cx="1122688" cy="435232"/>
+              </a:xfrm>
+              <a:prstGeom prst="roundRect">
+                <a:avLst/>
+              </a:prstGeom>
+            </p:spPr>
+            <p:style>
+              <a:lnRef idx="2">
+                <a:schemeClr val="accent1">
+                  <a:shade val="50000"/>
+                </a:schemeClr>
+              </a:lnRef>
+              <a:fillRef idx="1">
+                <a:schemeClr val="accent1"/>
+              </a:fillRef>
+              <a:effectRef idx="0">
+                <a:schemeClr val="accent1"/>
+              </a:effectRef>
+              <a:fontRef idx="minor">
+                <a:schemeClr val="lt1"/>
+              </a:fontRef>
+            </p:style>
+            <p:txBody>
+              <a:bodyPr rtlCol="0" anchor="ctr"/>
+              <a:lstStyle/>
+              <a:p>
+                <a:pPr algn="ctr"/>
+                <a:r>
+                  <a:rPr lang="fr-CA" dirty="0">
+                    <a:latin typeface="Times New Roman" panose="02020603050405020304" pitchFamily="18" charset="0"/>
+                    <a:cs typeface="Times New Roman" panose="02020603050405020304" pitchFamily="18" charset="0"/>
+                  </a:rPr>
+                  <a:t>Source</a:t>
+                </a:r>
+              </a:p>
+            </p:txBody>
+          </p:sp>
+          <p:sp>
+            <p:nvSpPr>
+              <p:cNvPr id="14" name="矩形 13">
+                <a:extLst>
+                  <a:ext uri="{FF2B5EF4-FFF2-40B4-BE49-F238E27FC236}">
+                    <a16:creationId xmlns:a16="http://schemas.microsoft.com/office/drawing/2014/main" id="{813708CF-C89A-F248-DAC8-6D5FA7251D06}"/>
+                  </a:ext>
+                </a:extLst>
+              </p:cNvPr>
+              <p:cNvSpPr/>
+              <p:nvPr/>
+            </p:nvSpPr>
+            <p:spPr>
+              <a:xfrm>
+                <a:off x="3470838" y="2022575"/>
+                <a:ext cx="1545465" cy="528871"/>
+              </a:xfrm>
+              <a:prstGeom prst="rect">
+                <a:avLst/>
+              </a:prstGeom>
+              <a:solidFill>
+                <a:schemeClr val="accent6">
+                  <a:lumMod val="75000"/>
+                </a:schemeClr>
+              </a:solidFill>
+              <a:ln w="28575">
+                <a:solidFill>
+                  <a:schemeClr val="tx1"/>
+                </a:solidFill>
+              </a:ln>
+            </p:spPr>
+            <p:style>
+              <a:lnRef idx="2">
+                <a:schemeClr val="accent1">
+                  <a:shade val="50000"/>
+                </a:schemeClr>
+              </a:lnRef>
+              <a:fillRef idx="1">
+                <a:schemeClr val="accent1"/>
+              </a:fillRef>
+              <a:effectRef idx="0">
+                <a:schemeClr val="accent1"/>
+              </a:effectRef>
+              <a:fontRef idx="minor">
+                <a:schemeClr val="lt1"/>
+              </a:fontRef>
+            </p:style>
+            <p:txBody>
+              <a:bodyPr rtlCol="0" anchor="ctr"/>
+              <a:lstStyle/>
+              <a:p>
+                <a:pPr algn="ctr"/>
+                <a:r>
+                  <a:rPr lang="fr-CA" dirty="0">
+                    <a:latin typeface="Times New Roman" panose="02020603050405020304" pitchFamily="18" charset="0"/>
+                    <a:cs typeface="Times New Roman" panose="02020603050405020304" pitchFamily="18" charset="0"/>
+                  </a:rPr>
+                  <a:t>Regressor</a:t>
+                </a:r>
+              </a:p>
+            </p:txBody>
+          </p:sp>
+          <p:sp>
+            <p:nvSpPr>
+              <p:cNvPr id="18" name="矩形: 圆角 17">
+                <a:extLst>
+                  <a:ext uri="{FF2B5EF4-FFF2-40B4-BE49-F238E27FC236}">
+                    <a16:creationId xmlns:a16="http://schemas.microsoft.com/office/drawing/2014/main" id="{0EEDD866-9D86-B01D-89D9-9AA98FB4F8D0}"/>
+                  </a:ext>
+                </a:extLst>
+              </p:cNvPr>
+              <p:cNvSpPr/>
+              <p:nvPr/>
+            </p:nvSpPr>
+            <p:spPr>
+              <a:xfrm>
+                <a:off x="1871688" y="3298133"/>
+                <a:ext cx="1122688" cy="435232"/>
+              </a:xfrm>
+              <a:prstGeom prst="roundRect">
+                <a:avLst/>
+              </a:prstGeom>
+            </p:spPr>
+            <p:style>
+              <a:lnRef idx="2">
+                <a:schemeClr val="accent1">
+                  <a:shade val="50000"/>
+                </a:schemeClr>
+              </a:lnRef>
+              <a:fillRef idx="1">
+                <a:schemeClr val="accent1"/>
+              </a:fillRef>
+              <a:effectRef idx="0">
+                <a:schemeClr val="accent1"/>
+              </a:effectRef>
+              <a:fontRef idx="minor">
+                <a:schemeClr val="lt1"/>
+              </a:fontRef>
+            </p:style>
+            <p:txBody>
+              <a:bodyPr rtlCol="0" anchor="ctr"/>
+              <a:lstStyle/>
+              <a:p>
+                <a:pPr algn="ctr"/>
+                <a:r>
+                  <a:rPr lang="fr-CA" dirty="0">
+                    <a:latin typeface="Times New Roman" panose="02020603050405020304" pitchFamily="18" charset="0"/>
+                    <a:cs typeface="Times New Roman" panose="02020603050405020304" pitchFamily="18" charset="0"/>
+                  </a:rPr>
+                  <a:t>Target</a:t>
+                </a:r>
+              </a:p>
+            </p:txBody>
+          </p:sp>
+          <p:cxnSp>
+            <p:nvCxnSpPr>
+              <p:cNvPr id="44" name="直接箭头连接符 43">
+                <a:extLst>
+                  <a:ext uri="{FF2B5EF4-FFF2-40B4-BE49-F238E27FC236}">
+                    <a16:creationId xmlns:a16="http://schemas.microsoft.com/office/drawing/2014/main" id="{D06FDD44-DA92-8C3D-FF7F-F4039C4E8AF3}"/>
+                  </a:ext>
+                </a:extLst>
+              </p:cNvPr>
+              <p:cNvCxnSpPr>
+                <a:cxnSpLocks/>
+                <a:stCxn id="12" idx="3"/>
+                <a:endCxn id="14" idx="1"/>
+              </p:cNvCxnSpPr>
+              <p:nvPr/>
+            </p:nvCxnSpPr>
+            <p:spPr>
+              <a:xfrm>
+                <a:off x="2994376" y="2287010"/>
+                <a:ext cx="476462" cy="1"/>
+              </a:xfrm>
+              <a:prstGeom prst="straightConnector1">
+                <a:avLst/>
+              </a:prstGeom>
+              <a:ln w="12700">
+                <a:tailEnd type="triangle"/>
+              </a:ln>
+            </p:spPr>
+            <p:style>
+              <a:lnRef idx="1">
+                <a:schemeClr val="dk1"/>
+              </a:lnRef>
+              <a:fillRef idx="0">
+                <a:schemeClr val="dk1"/>
+              </a:fillRef>
+              <a:effectRef idx="0">
+                <a:schemeClr val="dk1"/>
+              </a:effectRef>
+              <a:fontRef idx="minor">
+                <a:schemeClr val="tx1"/>
+              </a:fontRef>
+            </p:style>
+          </p:cxnSp>
+          <p:cxnSp>
+            <p:nvCxnSpPr>
+              <p:cNvPr id="47" name="直接箭头连接符 46">
+                <a:extLst>
+                  <a:ext uri="{FF2B5EF4-FFF2-40B4-BE49-F238E27FC236}">
+                    <a16:creationId xmlns:a16="http://schemas.microsoft.com/office/drawing/2014/main" id="{7590D807-68B3-B7D3-A432-3B60ABFC2898}"/>
+                  </a:ext>
+                </a:extLst>
+              </p:cNvPr>
+              <p:cNvCxnSpPr>
+                <a:cxnSpLocks/>
+                <a:stCxn id="18" idx="3"/>
+                <a:endCxn id="4" idx="1"/>
+              </p:cNvCxnSpPr>
+              <p:nvPr/>
+            </p:nvCxnSpPr>
+            <p:spPr>
+              <a:xfrm flipV="1">
+                <a:off x="2994375" y="3515749"/>
+                <a:ext cx="476463" cy="1"/>
+              </a:xfrm>
+              <a:prstGeom prst="straightConnector1">
+                <a:avLst/>
+              </a:prstGeom>
+              <a:ln w="12700">
+                <a:tailEnd type="triangle"/>
+              </a:ln>
+            </p:spPr>
+            <p:style>
+              <a:lnRef idx="1">
+                <a:schemeClr val="dk1"/>
+              </a:lnRef>
+              <a:fillRef idx="0">
+                <a:schemeClr val="dk1"/>
+              </a:fillRef>
+              <a:effectRef idx="0">
+                <a:schemeClr val="dk1"/>
+              </a:effectRef>
+              <a:fontRef idx="minor">
+                <a:schemeClr val="tx1"/>
+              </a:fontRef>
+            </p:style>
+          </p:cxnSp>
+        </p:grpSp>
+        <p:cxnSp>
+          <p:nvCxnSpPr>
+            <p:cNvPr id="67" name="直接箭头连接符 66">
+              <a:extLst>
+                <a:ext uri="{FF2B5EF4-FFF2-40B4-BE49-F238E27FC236}">
+                  <a16:creationId xmlns:a16="http://schemas.microsoft.com/office/drawing/2014/main" id="{4E4DB34A-54CA-8FCB-5123-1D06F11B20F9}"/>
+                </a:ext>
+              </a:extLst>
+            </p:cNvPr>
+            <p:cNvCxnSpPr>
+              <a:cxnSpLocks/>
+              <a:stCxn id="14" idx="2"/>
+              <a:endCxn id="4" idx="0"/>
+            </p:cNvCxnSpPr>
+            <p:nvPr/>
+          </p:nvCxnSpPr>
+          <p:spPr>
+            <a:xfrm>
+              <a:off x="4243572" y="2551446"/>
+              <a:ext cx="0" cy="689015"/>
+            </a:xfrm>
+            <a:prstGeom prst="straightConnector1">
+              <a:avLst/>
+            </a:prstGeom>
+            <a:ln w="12700">
+              <a:tailEnd type="triangle"/>
+            </a:ln>
+          </p:spPr>
+          <p:style>
+            <a:lnRef idx="1">
+              <a:schemeClr val="dk1"/>
+            </a:lnRef>
+            <a:fillRef idx="0">
+              <a:schemeClr val="dk1"/>
+            </a:fillRef>
+            <a:effectRef idx="0">
+              <a:schemeClr val="dk1"/>
+            </a:effectRef>
+            <a:fontRef idx="minor">
+              <a:schemeClr val="tx1"/>
+            </a:fontRef>
+          </p:style>
+        </p:cxnSp>
+      </p:grpSp>
+    </p:spTree>
+    <p:extLst>
+      <p:ext uri="{BB962C8B-B14F-4D97-AF65-F5344CB8AC3E}">
+        <p14:creationId xmlns:p14="http://schemas.microsoft.com/office/powerpoint/2010/main" val="2345186428"/>
+      </p:ext>
+    </p:extLst>
+  </p:cSld>
+  <p:clrMapOvr>
+    <a:masterClrMapping/>
+  </p:clrMapOvr>
+</p:sld>
+</file>
+
+<file path=ppt/slides/slide26.xml><?xml version="1.0" encoding="utf-8"?>
 <p:sld xmlns:a="http://schemas.openxmlformats.org/drawingml/2006/main" xmlns:r="http://schemas.openxmlformats.org/officeDocument/2006/relationships" xmlns:p="http://schemas.openxmlformats.org/presentationml/2006/main">
   <p:cSld>
     <p:spTree>
@@ -11751,7 +17182,7 @@
         </p:blipFill>
         <p:spPr>
           <a:xfrm>
-            <a:off x="664469" y="4081932"/>
+            <a:off x="1469398" y="3624732"/>
             <a:ext cx="3676650" cy="2647950"/>
           </a:xfrm>
           <a:prstGeom prst="rect">
@@ -11772,7 +17203,7 @@
 </p:sld>
 </file>
 
-<file path=ppt/slides/slide25.xml><?xml version="1.0" encoding="utf-8"?>
+<file path=ppt/slides/slide27.xml><?xml version="1.0" encoding="utf-8"?>
 <p:sld xmlns:a="http://schemas.openxmlformats.org/drawingml/2006/main" xmlns:r="http://schemas.openxmlformats.org/officeDocument/2006/relationships" xmlns:p="http://schemas.openxmlformats.org/presentationml/2006/main">
   <p:cSld>
     <p:spTree>
@@ -11900,7 +17331,7 @@
 </p:sld>
 </file>
 
-<file path=ppt/slides/slide26.xml><?xml version="1.0" encoding="utf-8"?>
+<file path=ppt/slides/slide28.xml><?xml version="1.0" encoding="utf-8"?>
 <p:sld xmlns:a="http://schemas.openxmlformats.org/drawingml/2006/main" xmlns:r="http://schemas.openxmlformats.org/officeDocument/2006/relationships" xmlns:p="http://schemas.openxmlformats.org/presentationml/2006/main">
   <p:cSld>
     <p:spTree>
@@ -12007,7 +17438,7 @@
 </p:sld>
 </file>
 
-<file path=ppt/slides/slide27.xml><?xml version="1.0" encoding="utf-8"?>
+<file path=ppt/slides/slide29.xml><?xml version="1.0" encoding="utf-8"?>
 <p:sld xmlns:a="http://schemas.openxmlformats.org/drawingml/2006/main" xmlns:r="http://schemas.openxmlformats.org/officeDocument/2006/relationships" xmlns:p="http://schemas.openxmlformats.org/presentationml/2006/main">
   <p:cSld>
     <p:spTree>
@@ -12067,7 +17498,123 @@
 </p:sld>
 </file>
 
-<file path=ppt/slides/slide28.xml><?xml version="1.0" encoding="utf-8"?>
+<file path=ppt/slides/slide3.xml><?xml version="1.0" encoding="utf-8"?>
+<p:sld xmlns:a="http://schemas.openxmlformats.org/drawingml/2006/main" xmlns:r="http://schemas.openxmlformats.org/officeDocument/2006/relationships" xmlns:p="http://schemas.openxmlformats.org/presentationml/2006/main">
+  <p:cSld>
+    <p:spTree>
+      <p:nvGrpSpPr>
+        <p:cNvPr id="1" name=""/>
+        <p:cNvGrpSpPr/>
+        <p:nvPr/>
+      </p:nvGrpSpPr>
+      <p:grpSpPr>
+        <a:xfrm>
+          <a:off x="0" y="0"/>
+          <a:ext cx="0" cy="0"/>
+          <a:chOff x="0" y="0"/>
+          <a:chExt cx="0" cy="0"/>
+        </a:xfrm>
+      </p:grpSpPr>
+      <p:sp>
+        <p:nvSpPr>
+          <p:cNvPr id="2" name="标题 1">
+            <a:extLst>
+              <a:ext uri="{FF2B5EF4-FFF2-40B4-BE49-F238E27FC236}">
+                <a16:creationId xmlns:a16="http://schemas.microsoft.com/office/drawing/2014/main" id="{64A557F0-64B5-4585-A7C4-0C7638C14271}"/>
+              </a:ext>
+            </a:extLst>
+          </p:cNvPr>
+          <p:cNvSpPr>
+            <a:spLocks noGrp="1"/>
+          </p:cNvSpPr>
+          <p:nvPr>
+            <p:ph type="title"/>
+          </p:nvPr>
+        </p:nvSpPr>
+        <p:spPr/>
+        <p:txBody>
+          <a:bodyPr/>
+          <a:lstStyle/>
+          <a:p>
+            <a:endParaRPr lang="fr-CA"/>
+          </a:p>
+        </p:txBody>
+      </p:sp>
+      <p:graphicFrame>
+        <p:nvGraphicFramePr>
+          <p:cNvPr id="4" name="内容占位符 3">
+            <a:extLst>
+              <a:ext uri="{FF2B5EF4-FFF2-40B4-BE49-F238E27FC236}">
+                <a16:creationId xmlns:a16="http://schemas.microsoft.com/office/drawing/2014/main" id="{29597E71-1BE2-B181-BFD1-0940C7B2D8BC}"/>
+              </a:ext>
+            </a:extLst>
+          </p:cNvPr>
+          <p:cNvGraphicFramePr>
+            <a:graphicFrameLocks noGrp="1"/>
+          </p:cNvGraphicFramePr>
+          <p:nvPr>
+            <p:ph idx="1"/>
+            <p:extLst>
+              <p:ext uri="{D42A27DB-BD31-4B8C-83A1-F6EECF244321}">
+                <p14:modId xmlns:p14="http://schemas.microsoft.com/office/powerpoint/2010/main" val="2237848526"/>
+              </p:ext>
+            </p:extLst>
+          </p:nvPr>
+        </p:nvGraphicFramePr>
+        <p:xfrm>
+          <a:off x="838200" y="1825625"/>
+          <a:ext cx="10515600" cy="4351338"/>
+        </p:xfrm>
+        <a:graphic>
+          <a:graphicData uri="http://schemas.openxmlformats.org/drawingml/2006/diagram">
+            <dgm:relIds xmlns:dgm="http://schemas.openxmlformats.org/drawingml/2006/diagram" xmlns:r="http://schemas.openxmlformats.org/officeDocument/2006/relationships" r:dm="rId2" r:lo="rId3" r:qs="rId4" r:cs="rId5"/>
+          </a:graphicData>
+        </a:graphic>
+      </p:graphicFrame>
+      <p:pic>
+        <p:nvPicPr>
+          <p:cNvPr id="6" name="图片 5">
+            <a:extLst>
+              <a:ext uri="{FF2B5EF4-FFF2-40B4-BE49-F238E27FC236}">
+                <a16:creationId xmlns:a16="http://schemas.microsoft.com/office/drawing/2014/main" id="{6B7AA621-1796-F4E1-2538-A1DBEC1A9D87}"/>
+              </a:ext>
+            </a:extLst>
+          </p:cNvPr>
+          <p:cNvPicPr>
+            <a:picLocks noChangeAspect="1"/>
+          </p:cNvPicPr>
+          <p:nvPr/>
+        </p:nvPicPr>
+        <p:blipFill>
+          <a:blip r:embed="rId7"/>
+          <a:stretch>
+            <a:fillRect/>
+          </a:stretch>
+        </p:blipFill>
+        <p:spPr>
+          <a:xfrm>
+            <a:off x="780308" y="1457050"/>
+            <a:ext cx="10631384" cy="3943900"/>
+          </a:xfrm>
+          <a:prstGeom prst="rect">
+            <a:avLst/>
+          </a:prstGeom>
+        </p:spPr>
+      </p:pic>
+    </p:spTree>
+    <p:extLst>
+      <p:ext uri="{BB962C8B-B14F-4D97-AF65-F5344CB8AC3E}">
+        <p14:creationId xmlns:p14="http://schemas.microsoft.com/office/powerpoint/2010/main" val="3898928879"/>
+      </p:ext>
+    </p:extLst>
+  </p:cSld>
+  <p:clrMapOvr>
+    <a:masterClrMapping/>
+  </p:clrMapOvr>
+</p:sld>
+</file>
+
+<file path=ppt/slides/slide30.xml><?xml version="1.0" encoding="utf-8"?>
 <p:sld xmlns:a="http://schemas.openxmlformats.org/drawingml/2006/main" xmlns:r="http://schemas.openxmlformats.org/officeDocument/2006/relationships" xmlns:p="http://schemas.openxmlformats.org/presentationml/2006/main" show="0">
   <p:cSld>
     <p:spTree>
@@ -12304,7 +17851,7 @@
 </p:sld>
 </file>
 
-<file path=ppt/slides/slide29.xml><?xml version="1.0" encoding="utf-8"?>
+<file path=ppt/slides/slide31.xml><?xml version="1.0" encoding="utf-8"?>
 <p:sld xmlns:a="http://schemas.openxmlformats.org/drawingml/2006/main" xmlns:r="http://schemas.openxmlformats.org/officeDocument/2006/relationships" xmlns:p="http://schemas.openxmlformats.org/presentationml/2006/main" show="0">
   <p:cSld>
     <p:spTree>
@@ -12523,7 +18070,1131 @@
 </p:sld>
 </file>
 
-<file path=ppt/slides/slide3.xml><?xml version="1.0" encoding="utf-8"?>
+<file path=ppt/slides/slide32.xml><?xml version="1.0" encoding="utf-8"?>
+<p:sld xmlns:a="http://schemas.openxmlformats.org/drawingml/2006/main" xmlns:r="http://schemas.openxmlformats.org/officeDocument/2006/relationships" xmlns:p="http://schemas.openxmlformats.org/presentationml/2006/main">
+  <p:cSld>
+    <p:spTree>
+      <p:nvGrpSpPr>
+        <p:cNvPr id="1" name=""/>
+        <p:cNvGrpSpPr/>
+        <p:nvPr/>
+      </p:nvGrpSpPr>
+      <p:grpSpPr>
+        <a:xfrm>
+          <a:off x="0" y="0"/>
+          <a:ext cx="0" cy="0"/>
+          <a:chOff x="0" y="0"/>
+          <a:chExt cx="0" cy="0"/>
+        </a:xfrm>
+      </p:grpSpPr>
+      <p:sp>
+        <p:nvSpPr>
+          <p:cNvPr id="10" name="标题 9">
+            <a:extLst>
+              <a:ext uri="{FF2B5EF4-FFF2-40B4-BE49-F238E27FC236}">
+                <a16:creationId xmlns:a16="http://schemas.microsoft.com/office/drawing/2014/main" id="{B93F8AA6-32C2-5BD7-054E-F282C6545631}"/>
+              </a:ext>
+            </a:extLst>
+          </p:cNvPr>
+          <p:cNvSpPr>
+            <a:spLocks noGrp="1"/>
+          </p:cNvSpPr>
+          <p:nvPr>
+            <p:ph type="title"/>
+          </p:nvPr>
+        </p:nvSpPr>
+        <p:spPr/>
+        <p:txBody>
+          <a:bodyPr/>
+          <a:lstStyle/>
+          <a:p>
+            <a:r>
+              <a:rPr lang="fr-CA" dirty="0">
+                <a:latin typeface="Times New Roman" panose="02020603050405020304" pitchFamily="18" charset="0"/>
+                <a:cs typeface="Times New Roman" panose="02020603050405020304" pitchFamily="18" charset="0"/>
+              </a:rPr>
+              <a:t>Sahara</a:t>
+            </a:r>
+          </a:p>
+        </p:txBody>
+      </p:sp>
+      <p:sp>
+        <p:nvSpPr>
+          <p:cNvPr id="13" name="文本框 12">
+            <a:extLst>
+              <a:ext uri="{FF2B5EF4-FFF2-40B4-BE49-F238E27FC236}">
+                <a16:creationId xmlns:a16="http://schemas.microsoft.com/office/drawing/2014/main" id="{4F6C37EB-B1ED-14EE-0710-DFD39C43CBDB}"/>
+              </a:ext>
+            </a:extLst>
+          </p:cNvPr>
+          <p:cNvSpPr txBox="1"/>
+          <p:nvPr/>
+        </p:nvSpPr>
+        <p:spPr>
+          <a:xfrm>
+            <a:off x="8983014" y="4210050"/>
+            <a:ext cx="2981592" cy="369332"/>
+          </a:xfrm>
+          <a:prstGeom prst="rect">
+            <a:avLst/>
+          </a:prstGeom>
+          <a:noFill/>
+        </p:spPr>
+        <p:txBody>
+          <a:bodyPr wrap="square" rtlCol="0">
+            <a:spAutoFit/>
+          </a:bodyPr>
+          <a:lstStyle/>
+          <a:p>
+            <a:r>
+              <a:rPr lang="fr-CA" dirty="0">
+                <a:latin typeface="Times New Roman" panose="02020603050405020304" pitchFamily="18" charset="0"/>
+                <a:cs typeface="Times New Roman" panose="02020603050405020304" pitchFamily="18" charset="0"/>
+              </a:rPr>
+              <a:t>Grid size ~ 1.1 km by 1.7 km</a:t>
+            </a:r>
+          </a:p>
+        </p:txBody>
+      </p:sp>
+      <p:pic>
+        <p:nvPicPr>
+          <p:cNvPr id="3" name="图片 2">
+            <a:extLst>
+              <a:ext uri="{FF2B5EF4-FFF2-40B4-BE49-F238E27FC236}">
+                <a16:creationId xmlns:a16="http://schemas.microsoft.com/office/drawing/2014/main" id="{54893C97-250F-E25F-1574-18CE2AA18A03}"/>
+              </a:ext>
+            </a:extLst>
+          </p:cNvPr>
+          <p:cNvPicPr>
+            <a:picLocks noChangeAspect="1"/>
+          </p:cNvPicPr>
+          <p:nvPr/>
+        </p:nvPicPr>
+        <p:blipFill>
+          <a:blip r:embed="rId2"/>
+          <a:stretch>
+            <a:fillRect/>
+          </a:stretch>
+        </p:blipFill>
+        <p:spPr>
+          <a:xfrm>
+            <a:off x="8449881" y="1626394"/>
+            <a:ext cx="3514725" cy="2647950"/>
+          </a:xfrm>
+          <a:prstGeom prst="rect">
+            <a:avLst/>
+          </a:prstGeom>
+        </p:spPr>
+      </p:pic>
+      <p:pic>
+        <p:nvPicPr>
+          <p:cNvPr id="6" name="图片 5">
+            <a:extLst>
+              <a:ext uri="{FF2B5EF4-FFF2-40B4-BE49-F238E27FC236}">
+                <a16:creationId xmlns:a16="http://schemas.microsoft.com/office/drawing/2014/main" id="{8814A3D4-8076-2548-ECFA-3E0286C96BF7}"/>
+              </a:ext>
+            </a:extLst>
+          </p:cNvPr>
+          <p:cNvPicPr>
+            <a:picLocks noChangeAspect="1"/>
+          </p:cNvPicPr>
+          <p:nvPr/>
+        </p:nvPicPr>
+        <p:blipFill>
+          <a:blip r:embed="rId3"/>
+          <a:stretch>
+            <a:fillRect/>
+          </a:stretch>
+        </p:blipFill>
+        <p:spPr>
+          <a:xfrm>
+            <a:off x="4638408" y="1649145"/>
+            <a:ext cx="3733800" cy="2886075"/>
+          </a:xfrm>
+          <a:prstGeom prst="rect">
+            <a:avLst/>
+          </a:prstGeom>
+        </p:spPr>
+      </p:pic>
+      <p:pic>
+        <p:nvPicPr>
+          <p:cNvPr id="11" name="图片 10">
+            <a:extLst>
+              <a:ext uri="{FF2B5EF4-FFF2-40B4-BE49-F238E27FC236}">
+                <a16:creationId xmlns:a16="http://schemas.microsoft.com/office/drawing/2014/main" id="{B314DA76-032E-5F4C-ED6C-AEF12488C734}"/>
+              </a:ext>
+            </a:extLst>
+          </p:cNvPr>
+          <p:cNvPicPr>
+            <a:picLocks noChangeAspect="1"/>
+          </p:cNvPicPr>
+          <p:nvPr/>
+        </p:nvPicPr>
+        <p:blipFill>
+          <a:blip r:embed="rId4"/>
+          <a:stretch>
+            <a:fillRect/>
+          </a:stretch>
+        </p:blipFill>
+        <p:spPr>
+          <a:xfrm>
+            <a:off x="866774" y="1649145"/>
+            <a:ext cx="3571875" cy="2514600"/>
+          </a:xfrm>
+          <a:prstGeom prst="rect">
+            <a:avLst/>
+          </a:prstGeom>
+        </p:spPr>
+      </p:pic>
+      <p:pic>
+        <p:nvPicPr>
+          <p:cNvPr id="15" name="图片 14">
+            <a:extLst>
+              <a:ext uri="{FF2B5EF4-FFF2-40B4-BE49-F238E27FC236}">
+                <a16:creationId xmlns:a16="http://schemas.microsoft.com/office/drawing/2014/main" id="{BD9438F1-2717-A59F-2F29-6CB69EA18CCE}"/>
+              </a:ext>
+            </a:extLst>
+          </p:cNvPr>
+          <p:cNvPicPr>
+            <a:picLocks noChangeAspect="1"/>
+          </p:cNvPicPr>
+          <p:nvPr/>
+        </p:nvPicPr>
+        <p:blipFill>
+          <a:blip r:embed="rId5"/>
+          <a:stretch>
+            <a:fillRect/>
+          </a:stretch>
+        </p:blipFill>
+        <p:spPr>
+          <a:xfrm>
+            <a:off x="838200" y="4210050"/>
+            <a:ext cx="3571875" cy="2647950"/>
+          </a:xfrm>
+          <a:prstGeom prst="rect">
+            <a:avLst/>
+          </a:prstGeom>
+        </p:spPr>
+      </p:pic>
+    </p:spTree>
+    <p:extLst>
+      <p:ext uri="{BB962C8B-B14F-4D97-AF65-F5344CB8AC3E}">
+        <p14:creationId xmlns:p14="http://schemas.microsoft.com/office/powerpoint/2010/main" val="593861142"/>
+      </p:ext>
+    </p:extLst>
+  </p:cSld>
+  <p:clrMapOvr>
+    <a:masterClrMapping/>
+  </p:clrMapOvr>
+</p:sld>
+</file>
+
+<file path=ppt/slides/slide33.xml><?xml version="1.0" encoding="utf-8"?>
+<p:sld xmlns:a="http://schemas.openxmlformats.org/drawingml/2006/main" xmlns:r="http://schemas.openxmlformats.org/officeDocument/2006/relationships" xmlns:p="http://schemas.openxmlformats.org/presentationml/2006/main">
+  <p:cSld>
+    <p:spTree>
+      <p:nvGrpSpPr>
+        <p:cNvPr id="1" name=""/>
+        <p:cNvGrpSpPr/>
+        <p:nvPr/>
+      </p:nvGrpSpPr>
+      <p:grpSpPr>
+        <a:xfrm>
+          <a:off x="0" y="0"/>
+          <a:ext cx="0" cy="0"/>
+          <a:chOff x="0" y="0"/>
+          <a:chExt cx="0" cy="0"/>
+        </a:xfrm>
+      </p:grpSpPr>
+      <p:sp>
+        <p:nvSpPr>
+          <p:cNvPr id="10" name="标题 9">
+            <a:extLst>
+              <a:ext uri="{FF2B5EF4-FFF2-40B4-BE49-F238E27FC236}">
+                <a16:creationId xmlns:a16="http://schemas.microsoft.com/office/drawing/2014/main" id="{B93F8AA6-32C2-5BD7-054E-F282C6545631}"/>
+              </a:ext>
+            </a:extLst>
+          </p:cNvPr>
+          <p:cNvSpPr>
+            <a:spLocks noGrp="1"/>
+          </p:cNvSpPr>
+          <p:nvPr>
+            <p:ph type="title"/>
+          </p:nvPr>
+        </p:nvSpPr>
+        <p:spPr/>
+        <p:txBody>
+          <a:bodyPr/>
+          <a:lstStyle/>
+          <a:p>
+            <a:r>
+              <a:rPr lang="fr-CA" dirty="0">
+                <a:latin typeface="Times New Roman" panose="02020603050405020304" pitchFamily="18" charset="0"/>
+                <a:cs typeface="Times New Roman" panose="02020603050405020304" pitchFamily="18" charset="0"/>
+              </a:rPr>
+              <a:t>Sahara small</a:t>
+            </a:r>
+          </a:p>
+        </p:txBody>
+      </p:sp>
+      <p:sp>
+        <p:nvSpPr>
+          <p:cNvPr id="13" name="文本框 12">
+            <a:extLst>
+              <a:ext uri="{FF2B5EF4-FFF2-40B4-BE49-F238E27FC236}">
+                <a16:creationId xmlns:a16="http://schemas.microsoft.com/office/drawing/2014/main" id="{4F6C37EB-B1ED-14EE-0710-DFD39C43CBDB}"/>
+              </a:ext>
+            </a:extLst>
+          </p:cNvPr>
+          <p:cNvSpPr txBox="1"/>
+          <p:nvPr/>
+        </p:nvSpPr>
+        <p:spPr>
+          <a:xfrm>
+            <a:off x="8667482" y="4210050"/>
+            <a:ext cx="3297124" cy="369332"/>
+          </a:xfrm>
+          <a:prstGeom prst="rect">
+            <a:avLst/>
+          </a:prstGeom>
+          <a:noFill/>
+        </p:spPr>
+        <p:txBody>
+          <a:bodyPr wrap="square" rtlCol="0">
+            <a:spAutoFit/>
+          </a:bodyPr>
+          <a:lstStyle/>
+          <a:p>
+            <a:r>
+              <a:rPr lang="fr-CA" dirty="0">
+                <a:latin typeface="Times New Roman" panose="02020603050405020304" pitchFamily="18" charset="0"/>
+                <a:cs typeface="Times New Roman" panose="02020603050405020304" pitchFamily="18" charset="0"/>
+              </a:rPr>
+              <a:t>Grid size ~ 0.05 km by 0.13 km</a:t>
+            </a:r>
+          </a:p>
+        </p:txBody>
+      </p:sp>
+      <p:pic>
+        <p:nvPicPr>
+          <p:cNvPr id="4" name="图片 3">
+            <a:extLst>
+              <a:ext uri="{FF2B5EF4-FFF2-40B4-BE49-F238E27FC236}">
+                <a16:creationId xmlns:a16="http://schemas.microsoft.com/office/drawing/2014/main" id="{3B6D37DC-F3B1-3985-232B-2591CE0DCC02}"/>
+              </a:ext>
+            </a:extLst>
+          </p:cNvPr>
+          <p:cNvPicPr>
+            <a:picLocks noChangeAspect="1"/>
+          </p:cNvPicPr>
+          <p:nvPr/>
+        </p:nvPicPr>
+        <p:blipFill>
+          <a:blip r:embed="rId2"/>
+          <a:stretch>
+            <a:fillRect/>
+          </a:stretch>
+        </p:blipFill>
+        <p:spPr>
+          <a:xfrm>
+            <a:off x="838200" y="1626394"/>
+            <a:ext cx="3571875" cy="2638425"/>
+          </a:xfrm>
+          <a:prstGeom prst="rect">
+            <a:avLst/>
+          </a:prstGeom>
+        </p:spPr>
+      </p:pic>
+      <p:pic>
+        <p:nvPicPr>
+          <p:cNvPr id="7" name="图片 6">
+            <a:extLst>
+              <a:ext uri="{FF2B5EF4-FFF2-40B4-BE49-F238E27FC236}">
+                <a16:creationId xmlns:a16="http://schemas.microsoft.com/office/drawing/2014/main" id="{6BF6C1AD-8540-5FEC-945E-4466D4815D6A}"/>
+              </a:ext>
+            </a:extLst>
+          </p:cNvPr>
+          <p:cNvPicPr>
+            <a:picLocks noChangeAspect="1"/>
+          </p:cNvPicPr>
+          <p:nvPr/>
+        </p:nvPicPr>
+        <p:blipFill>
+          <a:blip r:embed="rId3"/>
+          <a:stretch>
+            <a:fillRect/>
+          </a:stretch>
+        </p:blipFill>
+        <p:spPr>
+          <a:xfrm>
+            <a:off x="726183" y="4210050"/>
+            <a:ext cx="3629025" cy="2647950"/>
+          </a:xfrm>
+          <a:prstGeom prst="rect">
+            <a:avLst/>
+          </a:prstGeom>
+        </p:spPr>
+      </p:pic>
+      <p:pic>
+        <p:nvPicPr>
+          <p:cNvPr id="9" name="图片 8">
+            <a:extLst>
+              <a:ext uri="{FF2B5EF4-FFF2-40B4-BE49-F238E27FC236}">
+                <a16:creationId xmlns:a16="http://schemas.microsoft.com/office/drawing/2014/main" id="{269ADC90-BAC4-078C-666B-A045AF51F52B}"/>
+              </a:ext>
+            </a:extLst>
+          </p:cNvPr>
+          <p:cNvPicPr>
+            <a:picLocks noChangeAspect="1"/>
+          </p:cNvPicPr>
+          <p:nvPr/>
+        </p:nvPicPr>
+        <p:blipFill>
+          <a:blip r:embed="rId4"/>
+          <a:stretch>
+            <a:fillRect/>
+          </a:stretch>
+        </p:blipFill>
+        <p:spPr>
+          <a:xfrm>
+            <a:off x="4355208" y="1626394"/>
+            <a:ext cx="3790950" cy="2886075"/>
+          </a:xfrm>
+          <a:prstGeom prst="rect">
+            <a:avLst/>
+          </a:prstGeom>
+        </p:spPr>
+      </p:pic>
+      <p:pic>
+        <p:nvPicPr>
+          <p:cNvPr id="17" name="图片 16">
+            <a:extLst>
+              <a:ext uri="{FF2B5EF4-FFF2-40B4-BE49-F238E27FC236}">
+                <a16:creationId xmlns:a16="http://schemas.microsoft.com/office/drawing/2014/main" id="{889EC8F4-B045-7A48-0B84-7EA28E0D4C1A}"/>
+              </a:ext>
+            </a:extLst>
+          </p:cNvPr>
+          <p:cNvPicPr>
+            <a:picLocks noChangeAspect="1"/>
+          </p:cNvPicPr>
+          <p:nvPr/>
+        </p:nvPicPr>
+        <p:blipFill>
+          <a:blip r:embed="rId5"/>
+          <a:stretch>
+            <a:fillRect/>
+          </a:stretch>
+        </p:blipFill>
+        <p:spPr>
+          <a:xfrm>
+            <a:off x="5069017" y="4512469"/>
+            <a:ext cx="2767777" cy="2183950"/>
+          </a:xfrm>
+          <a:prstGeom prst="rect">
+            <a:avLst/>
+          </a:prstGeom>
+        </p:spPr>
+      </p:pic>
+      <p:pic>
+        <p:nvPicPr>
+          <p:cNvPr id="3" name="图片 2">
+            <a:extLst>
+              <a:ext uri="{FF2B5EF4-FFF2-40B4-BE49-F238E27FC236}">
+                <a16:creationId xmlns:a16="http://schemas.microsoft.com/office/drawing/2014/main" id="{B9518E38-7015-22F4-9DE4-4F6DD7CD614E}"/>
+              </a:ext>
+            </a:extLst>
+          </p:cNvPr>
+          <p:cNvPicPr>
+            <a:picLocks noChangeAspect="1"/>
+          </p:cNvPicPr>
+          <p:nvPr/>
+        </p:nvPicPr>
+        <p:blipFill>
+          <a:blip r:embed="rId6"/>
+          <a:stretch>
+            <a:fillRect/>
+          </a:stretch>
+        </p:blipFill>
+        <p:spPr>
+          <a:xfrm>
+            <a:off x="8269983" y="1653779"/>
+            <a:ext cx="3505200" cy="2647950"/>
+          </a:xfrm>
+          <a:prstGeom prst="rect">
+            <a:avLst/>
+          </a:prstGeom>
+        </p:spPr>
+      </p:pic>
+    </p:spTree>
+    <p:extLst>
+      <p:ext uri="{BB962C8B-B14F-4D97-AF65-F5344CB8AC3E}">
+        <p14:creationId xmlns:p14="http://schemas.microsoft.com/office/powerpoint/2010/main" val="232369418"/>
+      </p:ext>
+    </p:extLst>
+  </p:cSld>
+  <p:clrMapOvr>
+    <a:masterClrMapping/>
+  </p:clrMapOvr>
+</p:sld>
+</file>
+
+<file path=ppt/slides/slide34.xml><?xml version="1.0" encoding="utf-8"?>
+<p:sld xmlns:a="http://schemas.openxmlformats.org/drawingml/2006/main" xmlns:r="http://schemas.openxmlformats.org/officeDocument/2006/relationships" xmlns:p="http://schemas.openxmlformats.org/presentationml/2006/main">
+  <p:cSld>
+    <p:spTree>
+      <p:nvGrpSpPr>
+        <p:cNvPr id="1" name=""/>
+        <p:cNvGrpSpPr/>
+        <p:nvPr/>
+      </p:nvGrpSpPr>
+      <p:grpSpPr>
+        <a:xfrm>
+          <a:off x="0" y="0"/>
+          <a:ext cx="0" cy="0"/>
+          <a:chOff x="0" y="0"/>
+          <a:chExt cx="0" cy="0"/>
+        </a:xfrm>
+      </p:grpSpPr>
+      <p:sp>
+        <p:nvSpPr>
+          <p:cNvPr id="10" name="标题 9">
+            <a:extLst>
+              <a:ext uri="{FF2B5EF4-FFF2-40B4-BE49-F238E27FC236}">
+                <a16:creationId xmlns:a16="http://schemas.microsoft.com/office/drawing/2014/main" id="{B93F8AA6-32C2-5BD7-054E-F282C6545631}"/>
+              </a:ext>
+            </a:extLst>
+          </p:cNvPr>
+          <p:cNvSpPr>
+            <a:spLocks noGrp="1"/>
+          </p:cNvSpPr>
+          <p:nvPr>
+            <p:ph type="title"/>
+          </p:nvPr>
+        </p:nvSpPr>
+        <p:spPr/>
+        <p:txBody>
+          <a:bodyPr/>
+          <a:lstStyle/>
+          <a:p>
+            <a:r>
+              <a:rPr lang="fr-CA" dirty="0">
+                <a:latin typeface="Times New Roman" panose="02020603050405020304" pitchFamily="18" charset="0"/>
+                <a:cs typeface="Times New Roman" panose="02020603050405020304" pitchFamily="18" charset="0"/>
+              </a:rPr>
+              <a:t>Sahara small - RF</a:t>
+            </a:r>
+          </a:p>
+        </p:txBody>
+      </p:sp>
+      <p:pic>
+        <p:nvPicPr>
+          <p:cNvPr id="3" name="图片 2">
+            <a:extLst>
+              <a:ext uri="{FF2B5EF4-FFF2-40B4-BE49-F238E27FC236}">
+                <a16:creationId xmlns:a16="http://schemas.microsoft.com/office/drawing/2014/main" id="{B2582C8C-BD5C-71F5-D239-4E5BCE743FC7}"/>
+              </a:ext>
+            </a:extLst>
+          </p:cNvPr>
+          <p:cNvPicPr>
+            <a:picLocks noChangeAspect="1"/>
+          </p:cNvPicPr>
+          <p:nvPr/>
+        </p:nvPicPr>
+        <p:blipFill>
+          <a:blip r:embed="rId2"/>
+          <a:stretch>
+            <a:fillRect/>
+          </a:stretch>
+        </p:blipFill>
+        <p:spPr>
+          <a:xfrm>
+            <a:off x="414138" y="2601844"/>
+            <a:ext cx="3790950" cy="2886075"/>
+          </a:xfrm>
+          <a:prstGeom prst="rect">
+            <a:avLst/>
+          </a:prstGeom>
+        </p:spPr>
+      </p:pic>
+      <p:pic>
+        <p:nvPicPr>
+          <p:cNvPr id="6" name="图片 5">
+            <a:extLst>
+              <a:ext uri="{FF2B5EF4-FFF2-40B4-BE49-F238E27FC236}">
+                <a16:creationId xmlns:a16="http://schemas.microsoft.com/office/drawing/2014/main" id="{161AD905-7B6B-5AB9-F2E1-2B345F143BA1}"/>
+              </a:ext>
+            </a:extLst>
+          </p:cNvPr>
+          <p:cNvPicPr>
+            <a:picLocks noChangeAspect="1"/>
+          </p:cNvPicPr>
+          <p:nvPr/>
+        </p:nvPicPr>
+        <p:blipFill>
+          <a:blip r:embed="rId3"/>
+          <a:stretch>
+            <a:fillRect/>
+          </a:stretch>
+        </p:blipFill>
+        <p:spPr>
+          <a:xfrm>
+            <a:off x="3264796" y="1070745"/>
+            <a:ext cx="5097054" cy="4021894"/>
+          </a:xfrm>
+          <a:prstGeom prst="rect">
+            <a:avLst/>
+          </a:prstGeom>
+        </p:spPr>
+      </p:pic>
+      <p:pic>
+        <p:nvPicPr>
+          <p:cNvPr id="5" name="图片 4">
+            <a:extLst>
+              <a:ext uri="{FF2B5EF4-FFF2-40B4-BE49-F238E27FC236}">
+                <a16:creationId xmlns:a16="http://schemas.microsoft.com/office/drawing/2014/main" id="{DC28220A-57D8-DEE2-B1BE-1CD7A8F289D2}"/>
+              </a:ext>
+            </a:extLst>
+          </p:cNvPr>
+          <p:cNvPicPr>
+            <a:picLocks noChangeAspect="1"/>
+          </p:cNvPicPr>
+          <p:nvPr/>
+        </p:nvPicPr>
+        <p:blipFill>
+          <a:blip r:embed="rId4"/>
+          <a:stretch>
+            <a:fillRect/>
+          </a:stretch>
+        </p:blipFill>
+        <p:spPr>
+          <a:xfrm>
+            <a:off x="8030648" y="2601844"/>
+            <a:ext cx="3600450" cy="2647950"/>
+          </a:xfrm>
+          <a:prstGeom prst="rect">
+            <a:avLst/>
+          </a:prstGeom>
+        </p:spPr>
+      </p:pic>
+    </p:spTree>
+    <p:extLst>
+      <p:ext uri="{BB962C8B-B14F-4D97-AF65-F5344CB8AC3E}">
+        <p14:creationId xmlns:p14="http://schemas.microsoft.com/office/powerpoint/2010/main" val="1562518365"/>
+      </p:ext>
+    </p:extLst>
+  </p:cSld>
+  <p:clrMapOvr>
+    <a:masterClrMapping/>
+  </p:clrMapOvr>
+</p:sld>
+</file>
+
+<file path=ppt/slides/slide35.xml><?xml version="1.0" encoding="utf-8"?>
+<p:sld xmlns:a="http://schemas.openxmlformats.org/drawingml/2006/main" xmlns:r="http://schemas.openxmlformats.org/officeDocument/2006/relationships" xmlns:p="http://schemas.openxmlformats.org/presentationml/2006/main">
+  <p:cSld>
+    <p:spTree>
+      <p:nvGrpSpPr>
+        <p:cNvPr id="1" name=""/>
+        <p:cNvGrpSpPr/>
+        <p:nvPr/>
+      </p:nvGrpSpPr>
+      <p:grpSpPr>
+        <a:xfrm>
+          <a:off x="0" y="0"/>
+          <a:ext cx="0" cy="0"/>
+          <a:chOff x="0" y="0"/>
+          <a:chExt cx="0" cy="0"/>
+        </a:xfrm>
+      </p:grpSpPr>
+      <p:sp>
+        <p:nvSpPr>
+          <p:cNvPr id="2" name="标题 1">
+            <a:extLst>
+              <a:ext uri="{FF2B5EF4-FFF2-40B4-BE49-F238E27FC236}">
+                <a16:creationId xmlns:a16="http://schemas.microsoft.com/office/drawing/2014/main" id="{540B0F44-4ECD-FB35-52AE-32E8D204B181}"/>
+              </a:ext>
+            </a:extLst>
+          </p:cNvPr>
+          <p:cNvSpPr>
+            <a:spLocks noGrp="1"/>
+          </p:cNvSpPr>
+          <p:nvPr>
+            <p:ph type="title"/>
+          </p:nvPr>
+        </p:nvSpPr>
+        <p:spPr/>
+        <p:txBody>
+          <a:bodyPr/>
+          <a:lstStyle/>
+          <a:p>
+            <a:r>
+              <a:rPr lang="fr-CA" dirty="0">
+                <a:latin typeface="Times New Roman" panose="02020603050405020304" pitchFamily="18" charset="0"/>
+                <a:cs typeface="Times New Roman" panose="02020603050405020304" pitchFamily="18" charset="0"/>
+              </a:rPr>
+              <a:t>S</a:t>
+            </a:r>
+            <a:r>
+              <a:rPr lang="en-US" altLang="zh-CN" dirty="0" err="1">
+                <a:latin typeface="Times New Roman" panose="02020603050405020304" pitchFamily="18" charset="0"/>
+                <a:cs typeface="Times New Roman" panose="02020603050405020304" pitchFamily="18" charset="0"/>
+              </a:rPr>
+              <a:t>ahara</a:t>
+            </a:r>
+            <a:r>
+              <a:rPr lang="en-US" altLang="zh-CN" dirty="0">
+                <a:latin typeface="Times New Roman" panose="02020603050405020304" pitchFamily="18" charset="0"/>
+                <a:cs typeface="Times New Roman" panose="02020603050405020304" pitchFamily="18" charset="0"/>
+              </a:rPr>
+              <a:t> small – DT</a:t>
+            </a:r>
+            <a:endParaRPr lang="fr-CA" dirty="0">
+              <a:latin typeface="Times New Roman" panose="02020603050405020304" pitchFamily="18" charset="0"/>
+              <a:cs typeface="Times New Roman" panose="02020603050405020304" pitchFamily="18" charset="0"/>
+            </a:endParaRPr>
+          </a:p>
+        </p:txBody>
+      </p:sp>
+      <p:pic>
+        <p:nvPicPr>
+          <p:cNvPr id="4" name="图片 3">
+            <a:extLst>
+              <a:ext uri="{FF2B5EF4-FFF2-40B4-BE49-F238E27FC236}">
+                <a16:creationId xmlns:a16="http://schemas.microsoft.com/office/drawing/2014/main" id="{43AFBE6F-7157-5F4A-664D-9FE726B4571C}"/>
+              </a:ext>
+            </a:extLst>
+          </p:cNvPr>
+          <p:cNvPicPr>
+            <a:picLocks noChangeAspect="1"/>
+          </p:cNvPicPr>
+          <p:nvPr/>
+        </p:nvPicPr>
+        <p:blipFill>
+          <a:blip r:embed="rId2"/>
+          <a:stretch>
+            <a:fillRect/>
+          </a:stretch>
+        </p:blipFill>
+        <p:spPr>
+          <a:xfrm>
+            <a:off x="278919" y="2494677"/>
+            <a:ext cx="3790950" cy="2886075"/>
+          </a:xfrm>
+          <a:prstGeom prst="rect">
+            <a:avLst/>
+          </a:prstGeom>
+        </p:spPr>
+      </p:pic>
+      <p:pic>
+        <p:nvPicPr>
+          <p:cNvPr id="6" name="图片 5">
+            <a:extLst>
+              <a:ext uri="{FF2B5EF4-FFF2-40B4-BE49-F238E27FC236}">
+                <a16:creationId xmlns:a16="http://schemas.microsoft.com/office/drawing/2014/main" id="{941450D0-381C-A971-6E17-EF74BB980890}"/>
+              </a:ext>
+            </a:extLst>
+          </p:cNvPr>
+          <p:cNvPicPr>
+            <a:picLocks noChangeAspect="1"/>
+          </p:cNvPicPr>
+          <p:nvPr/>
+        </p:nvPicPr>
+        <p:blipFill>
+          <a:blip r:embed="rId3"/>
+          <a:stretch>
+            <a:fillRect/>
+          </a:stretch>
+        </p:blipFill>
+        <p:spPr>
+          <a:xfrm>
+            <a:off x="4366083" y="2452821"/>
+            <a:ext cx="3657600" cy="2886075"/>
+          </a:xfrm>
+          <a:prstGeom prst="rect">
+            <a:avLst/>
+          </a:prstGeom>
+        </p:spPr>
+      </p:pic>
+      <p:pic>
+        <p:nvPicPr>
+          <p:cNvPr id="10" name="图片 9">
+            <a:extLst>
+              <a:ext uri="{FF2B5EF4-FFF2-40B4-BE49-F238E27FC236}">
+                <a16:creationId xmlns:a16="http://schemas.microsoft.com/office/drawing/2014/main" id="{5AE6F441-23EF-8B13-F6AC-A3DAE42B71FD}"/>
+              </a:ext>
+            </a:extLst>
+          </p:cNvPr>
+          <p:cNvPicPr>
+            <a:picLocks noChangeAspect="1"/>
+          </p:cNvPicPr>
+          <p:nvPr/>
+        </p:nvPicPr>
+        <p:blipFill>
+          <a:blip r:embed="rId4"/>
+          <a:stretch>
+            <a:fillRect/>
+          </a:stretch>
+        </p:blipFill>
+        <p:spPr>
+          <a:xfrm>
+            <a:off x="8129789" y="2472139"/>
+            <a:ext cx="3505200" cy="2647950"/>
+          </a:xfrm>
+          <a:prstGeom prst="rect">
+            <a:avLst/>
+          </a:prstGeom>
+        </p:spPr>
+      </p:pic>
+      <p:sp>
+        <p:nvSpPr>
+          <p:cNvPr id="11" name="文本框 10">
+            <a:extLst>
+              <a:ext uri="{FF2B5EF4-FFF2-40B4-BE49-F238E27FC236}">
+                <a16:creationId xmlns:a16="http://schemas.microsoft.com/office/drawing/2014/main" id="{C965C5F8-BA4D-6B3E-1491-F4518110D644}"/>
+              </a:ext>
+            </a:extLst>
+          </p:cNvPr>
+          <p:cNvSpPr txBox="1"/>
+          <p:nvPr/>
+        </p:nvSpPr>
+        <p:spPr>
+          <a:xfrm>
+            <a:off x="8443971" y="5120089"/>
+            <a:ext cx="3297124" cy="369332"/>
+          </a:xfrm>
+          <a:prstGeom prst="rect">
+            <a:avLst/>
+          </a:prstGeom>
+          <a:noFill/>
+        </p:spPr>
+        <p:txBody>
+          <a:bodyPr wrap="square" rtlCol="0">
+            <a:spAutoFit/>
+          </a:bodyPr>
+          <a:lstStyle/>
+          <a:p>
+            <a:r>
+              <a:rPr lang="fr-CA" dirty="0">
+                <a:latin typeface="Times New Roman" panose="02020603050405020304" pitchFamily="18" charset="0"/>
+                <a:cs typeface="Times New Roman" panose="02020603050405020304" pitchFamily="18" charset="0"/>
+              </a:rPr>
+              <a:t>Grid size ~ 0.05 km by 0.13 km</a:t>
+            </a:r>
+          </a:p>
+        </p:txBody>
+      </p:sp>
+    </p:spTree>
+    <p:extLst>
+      <p:ext uri="{BB962C8B-B14F-4D97-AF65-F5344CB8AC3E}">
+        <p14:creationId xmlns:p14="http://schemas.microsoft.com/office/powerpoint/2010/main" val="2481705152"/>
+      </p:ext>
+    </p:extLst>
+  </p:cSld>
+  <p:clrMapOvr>
+    <a:masterClrMapping/>
+  </p:clrMapOvr>
+</p:sld>
+</file>
+
+<file path=ppt/slides/slide36.xml><?xml version="1.0" encoding="utf-8"?>
+<p:sld xmlns:a="http://schemas.openxmlformats.org/drawingml/2006/main" xmlns:r="http://schemas.openxmlformats.org/officeDocument/2006/relationships" xmlns:p="http://schemas.openxmlformats.org/presentationml/2006/main">
+  <p:cSld>
+    <p:spTree>
+      <p:nvGrpSpPr>
+        <p:cNvPr id="1" name=""/>
+        <p:cNvGrpSpPr/>
+        <p:nvPr/>
+      </p:nvGrpSpPr>
+      <p:grpSpPr>
+        <a:xfrm>
+          <a:off x="0" y="0"/>
+          <a:ext cx="0" cy="0"/>
+          <a:chOff x="0" y="0"/>
+          <a:chExt cx="0" cy="0"/>
+        </a:xfrm>
+      </p:grpSpPr>
+      <p:pic>
+        <p:nvPicPr>
+          <p:cNvPr id="17" name="图片 16">
+            <a:extLst>
+              <a:ext uri="{FF2B5EF4-FFF2-40B4-BE49-F238E27FC236}">
+                <a16:creationId xmlns:a16="http://schemas.microsoft.com/office/drawing/2014/main" id="{6E658AB8-02C6-29F0-2547-19B96777217E}"/>
+              </a:ext>
+            </a:extLst>
+          </p:cNvPr>
+          <p:cNvPicPr>
+            <a:picLocks noChangeAspect="1"/>
+          </p:cNvPicPr>
+          <p:nvPr/>
+        </p:nvPicPr>
+        <p:blipFill>
+          <a:blip r:embed="rId2"/>
+          <a:stretch>
+            <a:fillRect/>
+          </a:stretch>
+        </p:blipFill>
+        <p:spPr>
+          <a:xfrm>
+            <a:off x="1557337" y="1128712"/>
+            <a:ext cx="9077325" cy="4600575"/>
+          </a:xfrm>
+          <a:prstGeom prst="rect">
+            <a:avLst/>
+          </a:prstGeom>
+        </p:spPr>
+      </p:pic>
+    </p:spTree>
+    <p:extLst>
+      <p:ext uri="{BB962C8B-B14F-4D97-AF65-F5344CB8AC3E}">
+        <p14:creationId xmlns:p14="http://schemas.microsoft.com/office/powerpoint/2010/main" val="3135876988"/>
+      </p:ext>
+    </p:extLst>
+  </p:cSld>
+  <p:clrMapOvr>
+    <a:masterClrMapping/>
+  </p:clrMapOvr>
+</p:sld>
+</file>
+
+<file path=ppt/slides/slide37.xml><?xml version="1.0" encoding="utf-8"?>
+<p:sld xmlns:a="http://schemas.openxmlformats.org/drawingml/2006/main" xmlns:r="http://schemas.openxmlformats.org/officeDocument/2006/relationships" xmlns:p="http://schemas.openxmlformats.org/presentationml/2006/main">
+  <p:cSld>
+    <p:spTree>
+      <p:nvGrpSpPr>
+        <p:cNvPr id="1" name=""/>
+        <p:cNvGrpSpPr/>
+        <p:nvPr/>
+      </p:nvGrpSpPr>
+      <p:grpSpPr>
+        <a:xfrm>
+          <a:off x="0" y="0"/>
+          <a:ext cx="0" cy="0"/>
+          <a:chOff x="0" y="0"/>
+          <a:chExt cx="0" cy="0"/>
+        </a:xfrm>
+      </p:grpSpPr>
+      <p:pic>
+        <p:nvPicPr>
+          <p:cNvPr id="4" name="图片 3">
+            <a:extLst>
+              <a:ext uri="{FF2B5EF4-FFF2-40B4-BE49-F238E27FC236}">
+                <a16:creationId xmlns:a16="http://schemas.microsoft.com/office/drawing/2014/main" id="{162F3E36-522D-2284-79EE-394E17281C4C}"/>
+              </a:ext>
+            </a:extLst>
+          </p:cNvPr>
+          <p:cNvPicPr>
+            <a:picLocks noChangeAspect="1"/>
+          </p:cNvPicPr>
+          <p:nvPr/>
+        </p:nvPicPr>
+        <p:blipFill>
+          <a:blip r:embed="rId2"/>
+          <a:stretch>
+            <a:fillRect/>
+          </a:stretch>
+        </p:blipFill>
+        <p:spPr>
+          <a:xfrm>
+            <a:off x="1700078" y="1520579"/>
+            <a:ext cx="2707615" cy="1908421"/>
+          </a:xfrm>
+          <a:prstGeom prst="rect">
+            <a:avLst/>
+          </a:prstGeom>
+        </p:spPr>
+      </p:pic>
+      <p:pic>
+        <p:nvPicPr>
+          <p:cNvPr id="6" name="图片 5">
+            <a:extLst>
+              <a:ext uri="{FF2B5EF4-FFF2-40B4-BE49-F238E27FC236}">
+                <a16:creationId xmlns:a16="http://schemas.microsoft.com/office/drawing/2014/main" id="{0DB2B530-E933-030D-7D49-2C717762E8B7}"/>
+              </a:ext>
+            </a:extLst>
+          </p:cNvPr>
+          <p:cNvPicPr>
+            <a:picLocks noChangeAspect="1"/>
+          </p:cNvPicPr>
+          <p:nvPr/>
+        </p:nvPicPr>
+        <p:blipFill>
+          <a:blip r:embed="rId3"/>
+          <a:stretch>
+            <a:fillRect/>
+          </a:stretch>
+        </p:blipFill>
+        <p:spPr>
+          <a:xfrm>
+            <a:off x="7283070" y="1520578"/>
+            <a:ext cx="2707615" cy="1908421"/>
+          </a:xfrm>
+          <a:prstGeom prst="rect">
+            <a:avLst/>
+          </a:prstGeom>
+        </p:spPr>
+      </p:pic>
+      <p:pic>
+        <p:nvPicPr>
+          <p:cNvPr id="8" name="图片 7">
+            <a:extLst>
+              <a:ext uri="{FF2B5EF4-FFF2-40B4-BE49-F238E27FC236}">
+                <a16:creationId xmlns:a16="http://schemas.microsoft.com/office/drawing/2014/main" id="{B1F3C4C8-EBB5-1BE2-1DB8-E9373A3E4AF5}"/>
+              </a:ext>
+            </a:extLst>
+          </p:cNvPr>
+          <p:cNvPicPr>
+            <a:picLocks noChangeAspect="1"/>
+          </p:cNvPicPr>
+          <p:nvPr/>
+        </p:nvPicPr>
+        <p:blipFill>
+          <a:blip r:embed="rId4"/>
+          <a:stretch>
+            <a:fillRect/>
+          </a:stretch>
+        </p:blipFill>
+        <p:spPr>
+          <a:xfrm>
+            <a:off x="4407693" y="1520579"/>
+            <a:ext cx="2707615" cy="1908421"/>
+          </a:xfrm>
+          <a:prstGeom prst="rect">
+            <a:avLst/>
+          </a:prstGeom>
+        </p:spPr>
+      </p:pic>
+      <p:pic>
+        <p:nvPicPr>
+          <p:cNvPr id="10" name="图片 9">
+            <a:extLst>
+              <a:ext uri="{FF2B5EF4-FFF2-40B4-BE49-F238E27FC236}">
+                <a16:creationId xmlns:a16="http://schemas.microsoft.com/office/drawing/2014/main" id="{0B6F52FD-3031-8BC8-BCEF-FBC10A4E537C}"/>
+              </a:ext>
+            </a:extLst>
+          </p:cNvPr>
+          <p:cNvPicPr>
+            <a:picLocks noChangeAspect="1"/>
+          </p:cNvPicPr>
+          <p:nvPr/>
+        </p:nvPicPr>
+        <p:blipFill>
+          <a:blip r:embed="rId5"/>
+          <a:stretch>
+            <a:fillRect/>
+          </a:stretch>
+        </p:blipFill>
+        <p:spPr>
+          <a:xfrm>
+            <a:off x="1700078" y="3428999"/>
+            <a:ext cx="2707615" cy="1908421"/>
+          </a:xfrm>
+          <a:prstGeom prst="rect">
+            <a:avLst/>
+          </a:prstGeom>
+        </p:spPr>
+      </p:pic>
+      <p:sp>
+        <p:nvSpPr>
+          <p:cNvPr id="11" name="标题 10">
+            <a:extLst>
+              <a:ext uri="{FF2B5EF4-FFF2-40B4-BE49-F238E27FC236}">
+                <a16:creationId xmlns:a16="http://schemas.microsoft.com/office/drawing/2014/main" id="{4369D9B2-48AB-E1EF-084A-751636809DBB}"/>
+              </a:ext>
+            </a:extLst>
+          </p:cNvPr>
+          <p:cNvSpPr>
+            <a:spLocks noGrp="1"/>
+          </p:cNvSpPr>
+          <p:nvPr>
+            <p:ph type="title"/>
+          </p:nvPr>
+        </p:nvSpPr>
+        <p:spPr/>
+        <p:txBody>
+          <a:bodyPr/>
+          <a:lstStyle/>
+          <a:p>
+            <a:r>
+              <a:rPr lang="fr-CA" dirty="0"/>
+              <a:t>Outliers on sahara_small</a:t>
+            </a:r>
+          </a:p>
+        </p:txBody>
+      </p:sp>
+    </p:spTree>
+    <p:extLst>
+      <p:ext uri="{BB962C8B-B14F-4D97-AF65-F5344CB8AC3E}">
+        <p14:creationId xmlns:p14="http://schemas.microsoft.com/office/powerpoint/2010/main" val="2552617933"/>
+      </p:ext>
+    </p:extLst>
+  </p:cSld>
+  <p:clrMapOvr>
+    <a:masterClrMapping/>
+  </p:clrMapOvr>
+</p:sld>
+</file>
+
+<file path=ppt/slides/slide38.xml><?xml version="1.0" encoding="utf-8"?>
+<p:sld xmlns:a="http://schemas.openxmlformats.org/drawingml/2006/main" xmlns:r="http://schemas.openxmlformats.org/officeDocument/2006/relationships" xmlns:p="http://schemas.openxmlformats.org/presentationml/2006/main">
+  <p:cSld>
+    <p:spTree>
+      <p:nvGrpSpPr>
+        <p:cNvPr id="1" name=""/>
+        <p:cNvGrpSpPr/>
+        <p:nvPr/>
+      </p:nvGrpSpPr>
+      <p:grpSpPr>
+        <a:xfrm>
+          <a:off x="0" y="0"/>
+          <a:ext cx="0" cy="0"/>
+          <a:chOff x="0" y="0"/>
+          <a:chExt cx="0" cy="0"/>
+        </a:xfrm>
+      </p:grpSpPr>
+      <p:pic>
+        <p:nvPicPr>
+          <p:cNvPr id="4" name="图片 3">
+            <a:extLst>
+              <a:ext uri="{FF2B5EF4-FFF2-40B4-BE49-F238E27FC236}">
+                <a16:creationId xmlns:a16="http://schemas.microsoft.com/office/drawing/2014/main" id="{1D2A8960-D7FE-1217-5BDC-9728CC3F6971}"/>
+              </a:ext>
+            </a:extLst>
+          </p:cNvPr>
+          <p:cNvPicPr>
+            <a:picLocks noChangeAspect="1"/>
+          </p:cNvPicPr>
+          <p:nvPr/>
+        </p:nvPicPr>
+        <p:blipFill>
+          <a:blip r:embed="rId2"/>
+          <a:stretch>
+            <a:fillRect/>
+          </a:stretch>
+        </p:blipFill>
+        <p:spPr>
+          <a:xfrm>
+            <a:off x="1585912" y="1128712"/>
+            <a:ext cx="9020175" cy="4600575"/>
+          </a:xfrm>
+          <a:prstGeom prst="rect">
+            <a:avLst/>
+          </a:prstGeom>
+        </p:spPr>
+      </p:pic>
+    </p:spTree>
+    <p:extLst>
+      <p:ext uri="{BB962C8B-B14F-4D97-AF65-F5344CB8AC3E}">
+        <p14:creationId xmlns:p14="http://schemas.microsoft.com/office/powerpoint/2010/main" val="3389797893"/>
+      </p:ext>
+    </p:extLst>
+  </p:cSld>
+  <p:clrMapOvr>
+    <a:masterClrMapping/>
+  </p:clrMapOvr>
+</p:sld>
+</file>
+
+<file path=ppt/slides/slide4.xml><?xml version="1.0" encoding="utf-8"?>
 <p:sld xmlns:a="http://schemas.openxmlformats.org/drawingml/2006/main" xmlns:r="http://schemas.openxmlformats.org/officeDocument/2006/relationships" xmlns:p="http://schemas.openxmlformats.org/presentationml/2006/main">
   <p:cSld>
     <p:spTree>
@@ -15570,1131 +22241,7 @@
 </p:sld>
 </file>
 
-<file path=ppt/slides/slide30.xml><?xml version="1.0" encoding="utf-8"?>
-<p:sld xmlns:a="http://schemas.openxmlformats.org/drawingml/2006/main" xmlns:r="http://schemas.openxmlformats.org/officeDocument/2006/relationships" xmlns:p="http://schemas.openxmlformats.org/presentationml/2006/main">
-  <p:cSld>
-    <p:spTree>
-      <p:nvGrpSpPr>
-        <p:cNvPr id="1" name=""/>
-        <p:cNvGrpSpPr/>
-        <p:nvPr/>
-      </p:nvGrpSpPr>
-      <p:grpSpPr>
-        <a:xfrm>
-          <a:off x="0" y="0"/>
-          <a:ext cx="0" cy="0"/>
-          <a:chOff x="0" y="0"/>
-          <a:chExt cx="0" cy="0"/>
-        </a:xfrm>
-      </p:grpSpPr>
-      <p:sp>
-        <p:nvSpPr>
-          <p:cNvPr id="10" name="标题 9">
-            <a:extLst>
-              <a:ext uri="{FF2B5EF4-FFF2-40B4-BE49-F238E27FC236}">
-                <a16:creationId xmlns:a16="http://schemas.microsoft.com/office/drawing/2014/main" id="{B93F8AA6-32C2-5BD7-054E-F282C6545631}"/>
-              </a:ext>
-            </a:extLst>
-          </p:cNvPr>
-          <p:cNvSpPr>
-            <a:spLocks noGrp="1"/>
-          </p:cNvSpPr>
-          <p:nvPr>
-            <p:ph type="title"/>
-          </p:nvPr>
-        </p:nvSpPr>
-        <p:spPr/>
-        <p:txBody>
-          <a:bodyPr/>
-          <a:lstStyle/>
-          <a:p>
-            <a:r>
-              <a:rPr lang="fr-CA" dirty="0">
-                <a:latin typeface="Times New Roman" panose="02020603050405020304" pitchFamily="18" charset="0"/>
-                <a:cs typeface="Times New Roman" panose="02020603050405020304" pitchFamily="18" charset="0"/>
-              </a:rPr>
-              <a:t>Sahara</a:t>
-            </a:r>
-          </a:p>
-        </p:txBody>
-      </p:sp>
-      <p:sp>
-        <p:nvSpPr>
-          <p:cNvPr id="13" name="文本框 12">
-            <a:extLst>
-              <a:ext uri="{FF2B5EF4-FFF2-40B4-BE49-F238E27FC236}">
-                <a16:creationId xmlns:a16="http://schemas.microsoft.com/office/drawing/2014/main" id="{4F6C37EB-B1ED-14EE-0710-DFD39C43CBDB}"/>
-              </a:ext>
-            </a:extLst>
-          </p:cNvPr>
-          <p:cNvSpPr txBox="1"/>
-          <p:nvPr/>
-        </p:nvSpPr>
-        <p:spPr>
-          <a:xfrm>
-            <a:off x="8983014" y="4210050"/>
-            <a:ext cx="2981592" cy="369332"/>
-          </a:xfrm>
-          <a:prstGeom prst="rect">
-            <a:avLst/>
-          </a:prstGeom>
-          <a:noFill/>
-        </p:spPr>
-        <p:txBody>
-          <a:bodyPr wrap="square" rtlCol="0">
-            <a:spAutoFit/>
-          </a:bodyPr>
-          <a:lstStyle/>
-          <a:p>
-            <a:r>
-              <a:rPr lang="fr-CA" dirty="0">
-                <a:latin typeface="Times New Roman" panose="02020603050405020304" pitchFamily="18" charset="0"/>
-                <a:cs typeface="Times New Roman" panose="02020603050405020304" pitchFamily="18" charset="0"/>
-              </a:rPr>
-              <a:t>Grid size ~ 1.1 km by 1.7 km</a:t>
-            </a:r>
-          </a:p>
-        </p:txBody>
-      </p:sp>
-      <p:pic>
-        <p:nvPicPr>
-          <p:cNvPr id="3" name="图片 2">
-            <a:extLst>
-              <a:ext uri="{FF2B5EF4-FFF2-40B4-BE49-F238E27FC236}">
-                <a16:creationId xmlns:a16="http://schemas.microsoft.com/office/drawing/2014/main" id="{54893C97-250F-E25F-1574-18CE2AA18A03}"/>
-              </a:ext>
-            </a:extLst>
-          </p:cNvPr>
-          <p:cNvPicPr>
-            <a:picLocks noChangeAspect="1"/>
-          </p:cNvPicPr>
-          <p:nvPr/>
-        </p:nvPicPr>
-        <p:blipFill>
-          <a:blip r:embed="rId2"/>
-          <a:stretch>
-            <a:fillRect/>
-          </a:stretch>
-        </p:blipFill>
-        <p:spPr>
-          <a:xfrm>
-            <a:off x="8449881" y="1626394"/>
-            <a:ext cx="3514725" cy="2647950"/>
-          </a:xfrm>
-          <a:prstGeom prst="rect">
-            <a:avLst/>
-          </a:prstGeom>
-        </p:spPr>
-      </p:pic>
-      <p:pic>
-        <p:nvPicPr>
-          <p:cNvPr id="6" name="图片 5">
-            <a:extLst>
-              <a:ext uri="{FF2B5EF4-FFF2-40B4-BE49-F238E27FC236}">
-                <a16:creationId xmlns:a16="http://schemas.microsoft.com/office/drawing/2014/main" id="{8814A3D4-8076-2548-ECFA-3E0286C96BF7}"/>
-              </a:ext>
-            </a:extLst>
-          </p:cNvPr>
-          <p:cNvPicPr>
-            <a:picLocks noChangeAspect="1"/>
-          </p:cNvPicPr>
-          <p:nvPr/>
-        </p:nvPicPr>
-        <p:blipFill>
-          <a:blip r:embed="rId3"/>
-          <a:stretch>
-            <a:fillRect/>
-          </a:stretch>
-        </p:blipFill>
-        <p:spPr>
-          <a:xfrm>
-            <a:off x="4638408" y="1649145"/>
-            <a:ext cx="3733800" cy="2886075"/>
-          </a:xfrm>
-          <a:prstGeom prst="rect">
-            <a:avLst/>
-          </a:prstGeom>
-        </p:spPr>
-      </p:pic>
-      <p:pic>
-        <p:nvPicPr>
-          <p:cNvPr id="11" name="图片 10">
-            <a:extLst>
-              <a:ext uri="{FF2B5EF4-FFF2-40B4-BE49-F238E27FC236}">
-                <a16:creationId xmlns:a16="http://schemas.microsoft.com/office/drawing/2014/main" id="{B314DA76-032E-5F4C-ED6C-AEF12488C734}"/>
-              </a:ext>
-            </a:extLst>
-          </p:cNvPr>
-          <p:cNvPicPr>
-            <a:picLocks noChangeAspect="1"/>
-          </p:cNvPicPr>
-          <p:nvPr/>
-        </p:nvPicPr>
-        <p:blipFill>
-          <a:blip r:embed="rId4"/>
-          <a:stretch>
-            <a:fillRect/>
-          </a:stretch>
-        </p:blipFill>
-        <p:spPr>
-          <a:xfrm>
-            <a:off x="866774" y="1649145"/>
-            <a:ext cx="3571875" cy="2514600"/>
-          </a:xfrm>
-          <a:prstGeom prst="rect">
-            <a:avLst/>
-          </a:prstGeom>
-        </p:spPr>
-      </p:pic>
-      <p:pic>
-        <p:nvPicPr>
-          <p:cNvPr id="15" name="图片 14">
-            <a:extLst>
-              <a:ext uri="{FF2B5EF4-FFF2-40B4-BE49-F238E27FC236}">
-                <a16:creationId xmlns:a16="http://schemas.microsoft.com/office/drawing/2014/main" id="{BD9438F1-2717-A59F-2F29-6CB69EA18CCE}"/>
-              </a:ext>
-            </a:extLst>
-          </p:cNvPr>
-          <p:cNvPicPr>
-            <a:picLocks noChangeAspect="1"/>
-          </p:cNvPicPr>
-          <p:nvPr/>
-        </p:nvPicPr>
-        <p:blipFill>
-          <a:blip r:embed="rId5"/>
-          <a:stretch>
-            <a:fillRect/>
-          </a:stretch>
-        </p:blipFill>
-        <p:spPr>
-          <a:xfrm>
-            <a:off x="838200" y="4210050"/>
-            <a:ext cx="3571875" cy="2647950"/>
-          </a:xfrm>
-          <a:prstGeom prst="rect">
-            <a:avLst/>
-          </a:prstGeom>
-        </p:spPr>
-      </p:pic>
-    </p:spTree>
-    <p:extLst>
-      <p:ext uri="{BB962C8B-B14F-4D97-AF65-F5344CB8AC3E}">
-        <p14:creationId xmlns:p14="http://schemas.microsoft.com/office/powerpoint/2010/main" val="593861142"/>
-      </p:ext>
-    </p:extLst>
-  </p:cSld>
-  <p:clrMapOvr>
-    <a:masterClrMapping/>
-  </p:clrMapOvr>
-</p:sld>
-</file>
-
-<file path=ppt/slides/slide31.xml><?xml version="1.0" encoding="utf-8"?>
-<p:sld xmlns:a="http://schemas.openxmlformats.org/drawingml/2006/main" xmlns:r="http://schemas.openxmlformats.org/officeDocument/2006/relationships" xmlns:p="http://schemas.openxmlformats.org/presentationml/2006/main">
-  <p:cSld>
-    <p:spTree>
-      <p:nvGrpSpPr>
-        <p:cNvPr id="1" name=""/>
-        <p:cNvGrpSpPr/>
-        <p:nvPr/>
-      </p:nvGrpSpPr>
-      <p:grpSpPr>
-        <a:xfrm>
-          <a:off x="0" y="0"/>
-          <a:ext cx="0" cy="0"/>
-          <a:chOff x="0" y="0"/>
-          <a:chExt cx="0" cy="0"/>
-        </a:xfrm>
-      </p:grpSpPr>
-      <p:sp>
-        <p:nvSpPr>
-          <p:cNvPr id="10" name="标题 9">
-            <a:extLst>
-              <a:ext uri="{FF2B5EF4-FFF2-40B4-BE49-F238E27FC236}">
-                <a16:creationId xmlns:a16="http://schemas.microsoft.com/office/drawing/2014/main" id="{B93F8AA6-32C2-5BD7-054E-F282C6545631}"/>
-              </a:ext>
-            </a:extLst>
-          </p:cNvPr>
-          <p:cNvSpPr>
-            <a:spLocks noGrp="1"/>
-          </p:cNvSpPr>
-          <p:nvPr>
-            <p:ph type="title"/>
-          </p:nvPr>
-        </p:nvSpPr>
-        <p:spPr/>
-        <p:txBody>
-          <a:bodyPr/>
-          <a:lstStyle/>
-          <a:p>
-            <a:r>
-              <a:rPr lang="fr-CA" dirty="0">
-                <a:latin typeface="Times New Roman" panose="02020603050405020304" pitchFamily="18" charset="0"/>
-                <a:cs typeface="Times New Roman" panose="02020603050405020304" pitchFamily="18" charset="0"/>
-              </a:rPr>
-              <a:t>Sahara small</a:t>
-            </a:r>
-          </a:p>
-        </p:txBody>
-      </p:sp>
-      <p:sp>
-        <p:nvSpPr>
-          <p:cNvPr id="13" name="文本框 12">
-            <a:extLst>
-              <a:ext uri="{FF2B5EF4-FFF2-40B4-BE49-F238E27FC236}">
-                <a16:creationId xmlns:a16="http://schemas.microsoft.com/office/drawing/2014/main" id="{4F6C37EB-B1ED-14EE-0710-DFD39C43CBDB}"/>
-              </a:ext>
-            </a:extLst>
-          </p:cNvPr>
-          <p:cNvSpPr txBox="1"/>
-          <p:nvPr/>
-        </p:nvSpPr>
-        <p:spPr>
-          <a:xfrm>
-            <a:off x="8667482" y="4210050"/>
-            <a:ext cx="3297124" cy="369332"/>
-          </a:xfrm>
-          <a:prstGeom prst="rect">
-            <a:avLst/>
-          </a:prstGeom>
-          <a:noFill/>
-        </p:spPr>
-        <p:txBody>
-          <a:bodyPr wrap="square" rtlCol="0">
-            <a:spAutoFit/>
-          </a:bodyPr>
-          <a:lstStyle/>
-          <a:p>
-            <a:r>
-              <a:rPr lang="fr-CA" dirty="0">
-                <a:latin typeface="Times New Roman" panose="02020603050405020304" pitchFamily="18" charset="0"/>
-                <a:cs typeface="Times New Roman" panose="02020603050405020304" pitchFamily="18" charset="0"/>
-              </a:rPr>
-              <a:t>Grid size ~ 0.05 km by 0.13 km</a:t>
-            </a:r>
-          </a:p>
-        </p:txBody>
-      </p:sp>
-      <p:pic>
-        <p:nvPicPr>
-          <p:cNvPr id="4" name="图片 3">
-            <a:extLst>
-              <a:ext uri="{FF2B5EF4-FFF2-40B4-BE49-F238E27FC236}">
-                <a16:creationId xmlns:a16="http://schemas.microsoft.com/office/drawing/2014/main" id="{3B6D37DC-F3B1-3985-232B-2591CE0DCC02}"/>
-              </a:ext>
-            </a:extLst>
-          </p:cNvPr>
-          <p:cNvPicPr>
-            <a:picLocks noChangeAspect="1"/>
-          </p:cNvPicPr>
-          <p:nvPr/>
-        </p:nvPicPr>
-        <p:blipFill>
-          <a:blip r:embed="rId2"/>
-          <a:stretch>
-            <a:fillRect/>
-          </a:stretch>
-        </p:blipFill>
-        <p:spPr>
-          <a:xfrm>
-            <a:off x="838200" y="1626394"/>
-            <a:ext cx="3571875" cy="2638425"/>
-          </a:xfrm>
-          <a:prstGeom prst="rect">
-            <a:avLst/>
-          </a:prstGeom>
-        </p:spPr>
-      </p:pic>
-      <p:pic>
-        <p:nvPicPr>
-          <p:cNvPr id="7" name="图片 6">
-            <a:extLst>
-              <a:ext uri="{FF2B5EF4-FFF2-40B4-BE49-F238E27FC236}">
-                <a16:creationId xmlns:a16="http://schemas.microsoft.com/office/drawing/2014/main" id="{6BF6C1AD-8540-5FEC-945E-4466D4815D6A}"/>
-              </a:ext>
-            </a:extLst>
-          </p:cNvPr>
-          <p:cNvPicPr>
-            <a:picLocks noChangeAspect="1"/>
-          </p:cNvPicPr>
-          <p:nvPr/>
-        </p:nvPicPr>
-        <p:blipFill>
-          <a:blip r:embed="rId3"/>
-          <a:stretch>
-            <a:fillRect/>
-          </a:stretch>
-        </p:blipFill>
-        <p:spPr>
-          <a:xfrm>
-            <a:off x="726183" y="4210050"/>
-            <a:ext cx="3629025" cy="2647950"/>
-          </a:xfrm>
-          <a:prstGeom prst="rect">
-            <a:avLst/>
-          </a:prstGeom>
-        </p:spPr>
-      </p:pic>
-      <p:pic>
-        <p:nvPicPr>
-          <p:cNvPr id="9" name="图片 8">
-            <a:extLst>
-              <a:ext uri="{FF2B5EF4-FFF2-40B4-BE49-F238E27FC236}">
-                <a16:creationId xmlns:a16="http://schemas.microsoft.com/office/drawing/2014/main" id="{269ADC90-BAC4-078C-666B-A045AF51F52B}"/>
-              </a:ext>
-            </a:extLst>
-          </p:cNvPr>
-          <p:cNvPicPr>
-            <a:picLocks noChangeAspect="1"/>
-          </p:cNvPicPr>
-          <p:nvPr/>
-        </p:nvPicPr>
-        <p:blipFill>
-          <a:blip r:embed="rId4"/>
-          <a:stretch>
-            <a:fillRect/>
-          </a:stretch>
-        </p:blipFill>
-        <p:spPr>
-          <a:xfrm>
-            <a:off x="4355208" y="1626394"/>
-            <a:ext cx="3790950" cy="2886075"/>
-          </a:xfrm>
-          <a:prstGeom prst="rect">
-            <a:avLst/>
-          </a:prstGeom>
-        </p:spPr>
-      </p:pic>
-      <p:pic>
-        <p:nvPicPr>
-          <p:cNvPr id="17" name="图片 16">
-            <a:extLst>
-              <a:ext uri="{FF2B5EF4-FFF2-40B4-BE49-F238E27FC236}">
-                <a16:creationId xmlns:a16="http://schemas.microsoft.com/office/drawing/2014/main" id="{889EC8F4-B045-7A48-0B84-7EA28E0D4C1A}"/>
-              </a:ext>
-            </a:extLst>
-          </p:cNvPr>
-          <p:cNvPicPr>
-            <a:picLocks noChangeAspect="1"/>
-          </p:cNvPicPr>
-          <p:nvPr/>
-        </p:nvPicPr>
-        <p:blipFill>
-          <a:blip r:embed="rId5"/>
-          <a:stretch>
-            <a:fillRect/>
-          </a:stretch>
-        </p:blipFill>
-        <p:spPr>
-          <a:xfrm>
-            <a:off x="5069017" y="4512469"/>
-            <a:ext cx="2767777" cy="2183950"/>
-          </a:xfrm>
-          <a:prstGeom prst="rect">
-            <a:avLst/>
-          </a:prstGeom>
-        </p:spPr>
-      </p:pic>
-      <p:pic>
-        <p:nvPicPr>
-          <p:cNvPr id="3" name="图片 2">
-            <a:extLst>
-              <a:ext uri="{FF2B5EF4-FFF2-40B4-BE49-F238E27FC236}">
-                <a16:creationId xmlns:a16="http://schemas.microsoft.com/office/drawing/2014/main" id="{B9518E38-7015-22F4-9DE4-4F6DD7CD614E}"/>
-              </a:ext>
-            </a:extLst>
-          </p:cNvPr>
-          <p:cNvPicPr>
-            <a:picLocks noChangeAspect="1"/>
-          </p:cNvPicPr>
-          <p:nvPr/>
-        </p:nvPicPr>
-        <p:blipFill>
-          <a:blip r:embed="rId6"/>
-          <a:stretch>
-            <a:fillRect/>
-          </a:stretch>
-        </p:blipFill>
-        <p:spPr>
-          <a:xfrm>
-            <a:off x="8269983" y="1653779"/>
-            <a:ext cx="3505200" cy="2647950"/>
-          </a:xfrm>
-          <a:prstGeom prst="rect">
-            <a:avLst/>
-          </a:prstGeom>
-        </p:spPr>
-      </p:pic>
-    </p:spTree>
-    <p:extLst>
-      <p:ext uri="{BB962C8B-B14F-4D97-AF65-F5344CB8AC3E}">
-        <p14:creationId xmlns:p14="http://schemas.microsoft.com/office/powerpoint/2010/main" val="232369418"/>
-      </p:ext>
-    </p:extLst>
-  </p:cSld>
-  <p:clrMapOvr>
-    <a:masterClrMapping/>
-  </p:clrMapOvr>
-</p:sld>
-</file>
-
-<file path=ppt/slides/slide32.xml><?xml version="1.0" encoding="utf-8"?>
-<p:sld xmlns:a="http://schemas.openxmlformats.org/drawingml/2006/main" xmlns:r="http://schemas.openxmlformats.org/officeDocument/2006/relationships" xmlns:p="http://schemas.openxmlformats.org/presentationml/2006/main">
-  <p:cSld>
-    <p:spTree>
-      <p:nvGrpSpPr>
-        <p:cNvPr id="1" name=""/>
-        <p:cNvGrpSpPr/>
-        <p:nvPr/>
-      </p:nvGrpSpPr>
-      <p:grpSpPr>
-        <a:xfrm>
-          <a:off x="0" y="0"/>
-          <a:ext cx="0" cy="0"/>
-          <a:chOff x="0" y="0"/>
-          <a:chExt cx="0" cy="0"/>
-        </a:xfrm>
-      </p:grpSpPr>
-      <p:sp>
-        <p:nvSpPr>
-          <p:cNvPr id="10" name="标题 9">
-            <a:extLst>
-              <a:ext uri="{FF2B5EF4-FFF2-40B4-BE49-F238E27FC236}">
-                <a16:creationId xmlns:a16="http://schemas.microsoft.com/office/drawing/2014/main" id="{B93F8AA6-32C2-5BD7-054E-F282C6545631}"/>
-              </a:ext>
-            </a:extLst>
-          </p:cNvPr>
-          <p:cNvSpPr>
-            <a:spLocks noGrp="1"/>
-          </p:cNvSpPr>
-          <p:nvPr>
-            <p:ph type="title"/>
-          </p:nvPr>
-        </p:nvSpPr>
-        <p:spPr/>
-        <p:txBody>
-          <a:bodyPr/>
-          <a:lstStyle/>
-          <a:p>
-            <a:r>
-              <a:rPr lang="fr-CA" dirty="0">
-                <a:latin typeface="Times New Roman" panose="02020603050405020304" pitchFamily="18" charset="0"/>
-                <a:cs typeface="Times New Roman" panose="02020603050405020304" pitchFamily="18" charset="0"/>
-              </a:rPr>
-              <a:t>Sahara small - RF</a:t>
-            </a:r>
-          </a:p>
-        </p:txBody>
-      </p:sp>
-      <p:pic>
-        <p:nvPicPr>
-          <p:cNvPr id="3" name="图片 2">
-            <a:extLst>
-              <a:ext uri="{FF2B5EF4-FFF2-40B4-BE49-F238E27FC236}">
-                <a16:creationId xmlns:a16="http://schemas.microsoft.com/office/drawing/2014/main" id="{B2582C8C-BD5C-71F5-D239-4E5BCE743FC7}"/>
-              </a:ext>
-            </a:extLst>
-          </p:cNvPr>
-          <p:cNvPicPr>
-            <a:picLocks noChangeAspect="1"/>
-          </p:cNvPicPr>
-          <p:nvPr/>
-        </p:nvPicPr>
-        <p:blipFill>
-          <a:blip r:embed="rId2"/>
-          <a:stretch>
-            <a:fillRect/>
-          </a:stretch>
-        </p:blipFill>
-        <p:spPr>
-          <a:xfrm>
-            <a:off x="414138" y="2601844"/>
-            <a:ext cx="3790950" cy="2886075"/>
-          </a:xfrm>
-          <a:prstGeom prst="rect">
-            <a:avLst/>
-          </a:prstGeom>
-        </p:spPr>
-      </p:pic>
-      <p:pic>
-        <p:nvPicPr>
-          <p:cNvPr id="6" name="图片 5">
-            <a:extLst>
-              <a:ext uri="{FF2B5EF4-FFF2-40B4-BE49-F238E27FC236}">
-                <a16:creationId xmlns:a16="http://schemas.microsoft.com/office/drawing/2014/main" id="{161AD905-7B6B-5AB9-F2E1-2B345F143BA1}"/>
-              </a:ext>
-            </a:extLst>
-          </p:cNvPr>
-          <p:cNvPicPr>
-            <a:picLocks noChangeAspect="1"/>
-          </p:cNvPicPr>
-          <p:nvPr/>
-        </p:nvPicPr>
-        <p:blipFill>
-          <a:blip r:embed="rId3"/>
-          <a:stretch>
-            <a:fillRect/>
-          </a:stretch>
-        </p:blipFill>
-        <p:spPr>
-          <a:xfrm>
-            <a:off x="3264796" y="1070745"/>
-            <a:ext cx="5097054" cy="4021894"/>
-          </a:xfrm>
-          <a:prstGeom prst="rect">
-            <a:avLst/>
-          </a:prstGeom>
-        </p:spPr>
-      </p:pic>
-      <p:pic>
-        <p:nvPicPr>
-          <p:cNvPr id="5" name="图片 4">
-            <a:extLst>
-              <a:ext uri="{FF2B5EF4-FFF2-40B4-BE49-F238E27FC236}">
-                <a16:creationId xmlns:a16="http://schemas.microsoft.com/office/drawing/2014/main" id="{DC28220A-57D8-DEE2-B1BE-1CD7A8F289D2}"/>
-              </a:ext>
-            </a:extLst>
-          </p:cNvPr>
-          <p:cNvPicPr>
-            <a:picLocks noChangeAspect="1"/>
-          </p:cNvPicPr>
-          <p:nvPr/>
-        </p:nvPicPr>
-        <p:blipFill>
-          <a:blip r:embed="rId4"/>
-          <a:stretch>
-            <a:fillRect/>
-          </a:stretch>
-        </p:blipFill>
-        <p:spPr>
-          <a:xfrm>
-            <a:off x="8030648" y="2601844"/>
-            <a:ext cx="3600450" cy="2647950"/>
-          </a:xfrm>
-          <a:prstGeom prst="rect">
-            <a:avLst/>
-          </a:prstGeom>
-        </p:spPr>
-      </p:pic>
-    </p:spTree>
-    <p:extLst>
-      <p:ext uri="{BB962C8B-B14F-4D97-AF65-F5344CB8AC3E}">
-        <p14:creationId xmlns:p14="http://schemas.microsoft.com/office/powerpoint/2010/main" val="1562518365"/>
-      </p:ext>
-    </p:extLst>
-  </p:cSld>
-  <p:clrMapOvr>
-    <a:masterClrMapping/>
-  </p:clrMapOvr>
-</p:sld>
-</file>
-
-<file path=ppt/slides/slide33.xml><?xml version="1.0" encoding="utf-8"?>
-<p:sld xmlns:a="http://schemas.openxmlformats.org/drawingml/2006/main" xmlns:r="http://schemas.openxmlformats.org/officeDocument/2006/relationships" xmlns:p="http://schemas.openxmlformats.org/presentationml/2006/main">
-  <p:cSld>
-    <p:spTree>
-      <p:nvGrpSpPr>
-        <p:cNvPr id="1" name=""/>
-        <p:cNvGrpSpPr/>
-        <p:nvPr/>
-      </p:nvGrpSpPr>
-      <p:grpSpPr>
-        <a:xfrm>
-          <a:off x="0" y="0"/>
-          <a:ext cx="0" cy="0"/>
-          <a:chOff x="0" y="0"/>
-          <a:chExt cx="0" cy="0"/>
-        </a:xfrm>
-      </p:grpSpPr>
-      <p:sp>
-        <p:nvSpPr>
-          <p:cNvPr id="2" name="标题 1">
-            <a:extLst>
-              <a:ext uri="{FF2B5EF4-FFF2-40B4-BE49-F238E27FC236}">
-                <a16:creationId xmlns:a16="http://schemas.microsoft.com/office/drawing/2014/main" id="{540B0F44-4ECD-FB35-52AE-32E8D204B181}"/>
-              </a:ext>
-            </a:extLst>
-          </p:cNvPr>
-          <p:cNvSpPr>
-            <a:spLocks noGrp="1"/>
-          </p:cNvSpPr>
-          <p:nvPr>
-            <p:ph type="title"/>
-          </p:nvPr>
-        </p:nvSpPr>
-        <p:spPr/>
-        <p:txBody>
-          <a:bodyPr/>
-          <a:lstStyle/>
-          <a:p>
-            <a:r>
-              <a:rPr lang="fr-CA" dirty="0">
-                <a:latin typeface="Times New Roman" panose="02020603050405020304" pitchFamily="18" charset="0"/>
-                <a:cs typeface="Times New Roman" panose="02020603050405020304" pitchFamily="18" charset="0"/>
-              </a:rPr>
-              <a:t>S</a:t>
-            </a:r>
-            <a:r>
-              <a:rPr lang="en-US" altLang="zh-CN" dirty="0" err="1">
-                <a:latin typeface="Times New Roman" panose="02020603050405020304" pitchFamily="18" charset="0"/>
-                <a:cs typeface="Times New Roman" panose="02020603050405020304" pitchFamily="18" charset="0"/>
-              </a:rPr>
-              <a:t>ahara</a:t>
-            </a:r>
-            <a:r>
-              <a:rPr lang="en-US" altLang="zh-CN" dirty="0">
-                <a:latin typeface="Times New Roman" panose="02020603050405020304" pitchFamily="18" charset="0"/>
-                <a:cs typeface="Times New Roman" panose="02020603050405020304" pitchFamily="18" charset="0"/>
-              </a:rPr>
-              <a:t> small – DT</a:t>
-            </a:r>
-            <a:endParaRPr lang="fr-CA" dirty="0">
-              <a:latin typeface="Times New Roman" panose="02020603050405020304" pitchFamily="18" charset="0"/>
-              <a:cs typeface="Times New Roman" panose="02020603050405020304" pitchFamily="18" charset="0"/>
-            </a:endParaRPr>
-          </a:p>
-        </p:txBody>
-      </p:sp>
-      <p:pic>
-        <p:nvPicPr>
-          <p:cNvPr id="4" name="图片 3">
-            <a:extLst>
-              <a:ext uri="{FF2B5EF4-FFF2-40B4-BE49-F238E27FC236}">
-                <a16:creationId xmlns:a16="http://schemas.microsoft.com/office/drawing/2014/main" id="{43AFBE6F-7157-5F4A-664D-9FE726B4571C}"/>
-              </a:ext>
-            </a:extLst>
-          </p:cNvPr>
-          <p:cNvPicPr>
-            <a:picLocks noChangeAspect="1"/>
-          </p:cNvPicPr>
-          <p:nvPr/>
-        </p:nvPicPr>
-        <p:blipFill>
-          <a:blip r:embed="rId2"/>
-          <a:stretch>
-            <a:fillRect/>
-          </a:stretch>
-        </p:blipFill>
-        <p:spPr>
-          <a:xfrm>
-            <a:off x="278919" y="2494677"/>
-            <a:ext cx="3790950" cy="2886075"/>
-          </a:xfrm>
-          <a:prstGeom prst="rect">
-            <a:avLst/>
-          </a:prstGeom>
-        </p:spPr>
-      </p:pic>
-      <p:pic>
-        <p:nvPicPr>
-          <p:cNvPr id="6" name="图片 5">
-            <a:extLst>
-              <a:ext uri="{FF2B5EF4-FFF2-40B4-BE49-F238E27FC236}">
-                <a16:creationId xmlns:a16="http://schemas.microsoft.com/office/drawing/2014/main" id="{941450D0-381C-A971-6E17-EF74BB980890}"/>
-              </a:ext>
-            </a:extLst>
-          </p:cNvPr>
-          <p:cNvPicPr>
-            <a:picLocks noChangeAspect="1"/>
-          </p:cNvPicPr>
-          <p:nvPr/>
-        </p:nvPicPr>
-        <p:blipFill>
-          <a:blip r:embed="rId3"/>
-          <a:stretch>
-            <a:fillRect/>
-          </a:stretch>
-        </p:blipFill>
-        <p:spPr>
-          <a:xfrm>
-            <a:off x="4366083" y="2452821"/>
-            <a:ext cx="3657600" cy="2886075"/>
-          </a:xfrm>
-          <a:prstGeom prst="rect">
-            <a:avLst/>
-          </a:prstGeom>
-        </p:spPr>
-      </p:pic>
-      <p:pic>
-        <p:nvPicPr>
-          <p:cNvPr id="10" name="图片 9">
-            <a:extLst>
-              <a:ext uri="{FF2B5EF4-FFF2-40B4-BE49-F238E27FC236}">
-                <a16:creationId xmlns:a16="http://schemas.microsoft.com/office/drawing/2014/main" id="{5AE6F441-23EF-8B13-F6AC-A3DAE42B71FD}"/>
-              </a:ext>
-            </a:extLst>
-          </p:cNvPr>
-          <p:cNvPicPr>
-            <a:picLocks noChangeAspect="1"/>
-          </p:cNvPicPr>
-          <p:nvPr/>
-        </p:nvPicPr>
-        <p:blipFill>
-          <a:blip r:embed="rId4"/>
-          <a:stretch>
-            <a:fillRect/>
-          </a:stretch>
-        </p:blipFill>
-        <p:spPr>
-          <a:xfrm>
-            <a:off x="8129789" y="2472139"/>
-            <a:ext cx="3505200" cy="2647950"/>
-          </a:xfrm>
-          <a:prstGeom prst="rect">
-            <a:avLst/>
-          </a:prstGeom>
-        </p:spPr>
-      </p:pic>
-      <p:sp>
-        <p:nvSpPr>
-          <p:cNvPr id="11" name="文本框 10">
-            <a:extLst>
-              <a:ext uri="{FF2B5EF4-FFF2-40B4-BE49-F238E27FC236}">
-                <a16:creationId xmlns:a16="http://schemas.microsoft.com/office/drawing/2014/main" id="{C965C5F8-BA4D-6B3E-1491-F4518110D644}"/>
-              </a:ext>
-            </a:extLst>
-          </p:cNvPr>
-          <p:cNvSpPr txBox="1"/>
-          <p:nvPr/>
-        </p:nvSpPr>
-        <p:spPr>
-          <a:xfrm>
-            <a:off x="8443971" y="5120089"/>
-            <a:ext cx="3297124" cy="369332"/>
-          </a:xfrm>
-          <a:prstGeom prst="rect">
-            <a:avLst/>
-          </a:prstGeom>
-          <a:noFill/>
-        </p:spPr>
-        <p:txBody>
-          <a:bodyPr wrap="square" rtlCol="0">
-            <a:spAutoFit/>
-          </a:bodyPr>
-          <a:lstStyle/>
-          <a:p>
-            <a:r>
-              <a:rPr lang="fr-CA" dirty="0">
-                <a:latin typeface="Times New Roman" panose="02020603050405020304" pitchFamily="18" charset="0"/>
-                <a:cs typeface="Times New Roman" panose="02020603050405020304" pitchFamily="18" charset="0"/>
-              </a:rPr>
-              <a:t>Grid size ~ 0.05 km by 0.13 km</a:t>
-            </a:r>
-          </a:p>
-        </p:txBody>
-      </p:sp>
-    </p:spTree>
-    <p:extLst>
-      <p:ext uri="{BB962C8B-B14F-4D97-AF65-F5344CB8AC3E}">
-        <p14:creationId xmlns:p14="http://schemas.microsoft.com/office/powerpoint/2010/main" val="2481705152"/>
-      </p:ext>
-    </p:extLst>
-  </p:cSld>
-  <p:clrMapOvr>
-    <a:masterClrMapping/>
-  </p:clrMapOvr>
-</p:sld>
-</file>
-
-<file path=ppt/slides/slide34.xml><?xml version="1.0" encoding="utf-8"?>
-<p:sld xmlns:a="http://schemas.openxmlformats.org/drawingml/2006/main" xmlns:r="http://schemas.openxmlformats.org/officeDocument/2006/relationships" xmlns:p="http://schemas.openxmlformats.org/presentationml/2006/main">
-  <p:cSld>
-    <p:spTree>
-      <p:nvGrpSpPr>
-        <p:cNvPr id="1" name=""/>
-        <p:cNvGrpSpPr/>
-        <p:nvPr/>
-      </p:nvGrpSpPr>
-      <p:grpSpPr>
-        <a:xfrm>
-          <a:off x="0" y="0"/>
-          <a:ext cx="0" cy="0"/>
-          <a:chOff x="0" y="0"/>
-          <a:chExt cx="0" cy="0"/>
-        </a:xfrm>
-      </p:grpSpPr>
-      <p:pic>
-        <p:nvPicPr>
-          <p:cNvPr id="17" name="图片 16">
-            <a:extLst>
-              <a:ext uri="{FF2B5EF4-FFF2-40B4-BE49-F238E27FC236}">
-                <a16:creationId xmlns:a16="http://schemas.microsoft.com/office/drawing/2014/main" id="{6E658AB8-02C6-29F0-2547-19B96777217E}"/>
-              </a:ext>
-            </a:extLst>
-          </p:cNvPr>
-          <p:cNvPicPr>
-            <a:picLocks noChangeAspect="1"/>
-          </p:cNvPicPr>
-          <p:nvPr/>
-        </p:nvPicPr>
-        <p:blipFill>
-          <a:blip r:embed="rId2"/>
-          <a:stretch>
-            <a:fillRect/>
-          </a:stretch>
-        </p:blipFill>
-        <p:spPr>
-          <a:xfrm>
-            <a:off x="1557337" y="1128712"/>
-            <a:ext cx="9077325" cy="4600575"/>
-          </a:xfrm>
-          <a:prstGeom prst="rect">
-            <a:avLst/>
-          </a:prstGeom>
-        </p:spPr>
-      </p:pic>
-    </p:spTree>
-    <p:extLst>
-      <p:ext uri="{BB962C8B-B14F-4D97-AF65-F5344CB8AC3E}">
-        <p14:creationId xmlns:p14="http://schemas.microsoft.com/office/powerpoint/2010/main" val="3135876988"/>
-      </p:ext>
-    </p:extLst>
-  </p:cSld>
-  <p:clrMapOvr>
-    <a:masterClrMapping/>
-  </p:clrMapOvr>
-</p:sld>
-</file>
-
-<file path=ppt/slides/slide35.xml><?xml version="1.0" encoding="utf-8"?>
-<p:sld xmlns:a="http://schemas.openxmlformats.org/drawingml/2006/main" xmlns:r="http://schemas.openxmlformats.org/officeDocument/2006/relationships" xmlns:p="http://schemas.openxmlformats.org/presentationml/2006/main">
-  <p:cSld>
-    <p:spTree>
-      <p:nvGrpSpPr>
-        <p:cNvPr id="1" name=""/>
-        <p:cNvGrpSpPr/>
-        <p:nvPr/>
-      </p:nvGrpSpPr>
-      <p:grpSpPr>
-        <a:xfrm>
-          <a:off x="0" y="0"/>
-          <a:ext cx="0" cy="0"/>
-          <a:chOff x="0" y="0"/>
-          <a:chExt cx="0" cy="0"/>
-        </a:xfrm>
-      </p:grpSpPr>
-      <p:pic>
-        <p:nvPicPr>
-          <p:cNvPr id="4" name="图片 3">
-            <a:extLst>
-              <a:ext uri="{FF2B5EF4-FFF2-40B4-BE49-F238E27FC236}">
-                <a16:creationId xmlns:a16="http://schemas.microsoft.com/office/drawing/2014/main" id="{162F3E36-522D-2284-79EE-394E17281C4C}"/>
-              </a:ext>
-            </a:extLst>
-          </p:cNvPr>
-          <p:cNvPicPr>
-            <a:picLocks noChangeAspect="1"/>
-          </p:cNvPicPr>
-          <p:nvPr/>
-        </p:nvPicPr>
-        <p:blipFill>
-          <a:blip r:embed="rId2"/>
-          <a:stretch>
-            <a:fillRect/>
-          </a:stretch>
-        </p:blipFill>
-        <p:spPr>
-          <a:xfrm>
-            <a:off x="1700078" y="1520579"/>
-            <a:ext cx="2707615" cy="1908421"/>
-          </a:xfrm>
-          <a:prstGeom prst="rect">
-            <a:avLst/>
-          </a:prstGeom>
-        </p:spPr>
-      </p:pic>
-      <p:pic>
-        <p:nvPicPr>
-          <p:cNvPr id="6" name="图片 5">
-            <a:extLst>
-              <a:ext uri="{FF2B5EF4-FFF2-40B4-BE49-F238E27FC236}">
-                <a16:creationId xmlns:a16="http://schemas.microsoft.com/office/drawing/2014/main" id="{0DB2B530-E933-030D-7D49-2C717762E8B7}"/>
-              </a:ext>
-            </a:extLst>
-          </p:cNvPr>
-          <p:cNvPicPr>
-            <a:picLocks noChangeAspect="1"/>
-          </p:cNvPicPr>
-          <p:nvPr/>
-        </p:nvPicPr>
-        <p:blipFill>
-          <a:blip r:embed="rId3"/>
-          <a:stretch>
-            <a:fillRect/>
-          </a:stretch>
-        </p:blipFill>
-        <p:spPr>
-          <a:xfrm>
-            <a:off x="7283070" y="1520578"/>
-            <a:ext cx="2707615" cy="1908421"/>
-          </a:xfrm>
-          <a:prstGeom prst="rect">
-            <a:avLst/>
-          </a:prstGeom>
-        </p:spPr>
-      </p:pic>
-      <p:pic>
-        <p:nvPicPr>
-          <p:cNvPr id="8" name="图片 7">
-            <a:extLst>
-              <a:ext uri="{FF2B5EF4-FFF2-40B4-BE49-F238E27FC236}">
-                <a16:creationId xmlns:a16="http://schemas.microsoft.com/office/drawing/2014/main" id="{B1F3C4C8-EBB5-1BE2-1DB8-E9373A3E4AF5}"/>
-              </a:ext>
-            </a:extLst>
-          </p:cNvPr>
-          <p:cNvPicPr>
-            <a:picLocks noChangeAspect="1"/>
-          </p:cNvPicPr>
-          <p:nvPr/>
-        </p:nvPicPr>
-        <p:blipFill>
-          <a:blip r:embed="rId4"/>
-          <a:stretch>
-            <a:fillRect/>
-          </a:stretch>
-        </p:blipFill>
-        <p:spPr>
-          <a:xfrm>
-            <a:off x="4407693" y="1520579"/>
-            <a:ext cx="2707615" cy="1908421"/>
-          </a:xfrm>
-          <a:prstGeom prst="rect">
-            <a:avLst/>
-          </a:prstGeom>
-        </p:spPr>
-      </p:pic>
-      <p:pic>
-        <p:nvPicPr>
-          <p:cNvPr id="10" name="图片 9">
-            <a:extLst>
-              <a:ext uri="{FF2B5EF4-FFF2-40B4-BE49-F238E27FC236}">
-                <a16:creationId xmlns:a16="http://schemas.microsoft.com/office/drawing/2014/main" id="{0B6F52FD-3031-8BC8-BCEF-FBC10A4E537C}"/>
-              </a:ext>
-            </a:extLst>
-          </p:cNvPr>
-          <p:cNvPicPr>
-            <a:picLocks noChangeAspect="1"/>
-          </p:cNvPicPr>
-          <p:nvPr/>
-        </p:nvPicPr>
-        <p:blipFill>
-          <a:blip r:embed="rId5"/>
-          <a:stretch>
-            <a:fillRect/>
-          </a:stretch>
-        </p:blipFill>
-        <p:spPr>
-          <a:xfrm>
-            <a:off x="1700078" y="3428999"/>
-            <a:ext cx="2707615" cy="1908421"/>
-          </a:xfrm>
-          <a:prstGeom prst="rect">
-            <a:avLst/>
-          </a:prstGeom>
-        </p:spPr>
-      </p:pic>
-      <p:sp>
-        <p:nvSpPr>
-          <p:cNvPr id="11" name="标题 10">
-            <a:extLst>
-              <a:ext uri="{FF2B5EF4-FFF2-40B4-BE49-F238E27FC236}">
-                <a16:creationId xmlns:a16="http://schemas.microsoft.com/office/drawing/2014/main" id="{4369D9B2-48AB-E1EF-084A-751636809DBB}"/>
-              </a:ext>
-            </a:extLst>
-          </p:cNvPr>
-          <p:cNvSpPr>
-            <a:spLocks noGrp="1"/>
-          </p:cNvSpPr>
-          <p:nvPr>
-            <p:ph type="title"/>
-          </p:nvPr>
-        </p:nvSpPr>
-        <p:spPr/>
-        <p:txBody>
-          <a:bodyPr/>
-          <a:lstStyle/>
-          <a:p>
-            <a:r>
-              <a:rPr lang="fr-CA" dirty="0"/>
-              <a:t>Outliers on sahara_small</a:t>
-            </a:r>
-          </a:p>
-        </p:txBody>
-      </p:sp>
-    </p:spTree>
-    <p:extLst>
-      <p:ext uri="{BB962C8B-B14F-4D97-AF65-F5344CB8AC3E}">
-        <p14:creationId xmlns:p14="http://schemas.microsoft.com/office/powerpoint/2010/main" val="2552617933"/>
-      </p:ext>
-    </p:extLst>
-  </p:cSld>
-  <p:clrMapOvr>
-    <a:masterClrMapping/>
-  </p:clrMapOvr>
-</p:sld>
-</file>
-
-<file path=ppt/slides/slide36.xml><?xml version="1.0" encoding="utf-8"?>
-<p:sld xmlns:a="http://schemas.openxmlformats.org/drawingml/2006/main" xmlns:r="http://schemas.openxmlformats.org/officeDocument/2006/relationships" xmlns:p="http://schemas.openxmlformats.org/presentationml/2006/main">
-  <p:cSld>
-    <p:spTree>
-      <p:nvGrpSpPr>
-        <p:cNvPr id="1" name=""/>
-        <p:cNvGrpSpPr/>
-        <p:nvPr/>
-      </p:nvGrpSpPr>
-      <p:grpSpPr>
-        <a:xfrm>
-          <a:off x="0" y="0"/>
-          <a:ext cx="0" cy="0"/>
-          <a:chOff x="0" y="0"/>
-          <a:chExt cx="0" cy="0"/>
-        </a:xfrm>
-      </p:grpSpPr>
-      <p:pic>
-        <p:nvPicPr>
-          <p:cNvPr id="4" name="图片 3">
-            <a:extLst>
-              <a:ext uri="{FF2B5EF4-FFF2-40B4-BE49-F238E27FC236}">
-                <a16:creationId xmlns:a16="http://schemas.microsoft.com/office/drawing/2014/main" id="{1D2A8960-D7FE-1217-5BDC-9728CC3F6971}"/>
-              </a:ext>
-            </a:extLst>
-          </p:cNvPr>
-          <p:cNvPicPr>
-            <a:picLocks noChangeAspect="1"/>
-          </p:cNvPicPr>
-          <p:nvPr/>
-        </p:nvPicPr>
-        <p:blipFill>
-          <a:blip r:embed="rId2"/>
-          <a:stretch>
-            <a:fillRect/>
-          </a:stretch>
-        </p:blipFill>
-        <p:spPr>
-          <a:xfrm>
-            <a:off x="1585912" y="1128712"/>
-            <a:ext cx="9020175" cy="4600575"/>
-          </a:xfrm>
-          <a:prstGeom prst="rect">
-            <a:avLst/>
-          </a:prstGeom>
-        </p:spPr>
-      </p:pic>
-    </p:spTree>
-    <p:extLst>
-      <p:ext uri="{BB962C8B-B14F-4D97-AF65-F5344CB8AC3E}">
-        <p14:creationId xmlns:p14="http://schemas.microsoft.com/office/powerpoint/2010/main" val="3389797893"/>
-      </p:ext>
-    </p:extLst>
-  </p:cSld>
-  <p:clrMapOvr>
-    <a:masterClrMapping/>
-  </p:clrMapOvr>
-</p:sld>
-</file>
-
-<file path=ppt/slides/slide4.xml><?xml version="1.0" encoding="utf-8"?>
+<file path=ppt/slides/slide5.xml><?xml version="1.0" encoding="utf-8"?>
 <p:sld xmlns:a="http://schemas.openxmlformats.org/drawingml/2006/main" xmlns:r="http://schemas.openxmlformats.org/officeDocument/2006/relationships" xmlns:p="http://schemas.openxmlformats.org/presentationml/2006/main" show="0">
   <p:cSld>
     <p:spTree>
@@ -16924,7 +22471,7 @@
 </p:sld>
 </file>
 
-<file path=ppt/slides/slide5.xml><?xml version="1.0" encoding="utf-8"?>
+<file path=ppt/slides/slide6.xml><?xml version="1.0" encoding="utf-8"?>
 <p:sld xmlns:a="http://schemas.openxmlformats.org/drawingml/2006/main" xmlns:r="http://schemas.openxmlformats.org/officeDocument/2006/relationships" xmlns:p="http://schemas.openxmlformats.org/presentationml/2006/main">
   <p:cSld>
     <p:spTree>
@@ -17131,7 +22678,7 @@
 </p:sld>
 </file>
 
-<file path=ppt/slides/slide6.xml><?xml version="1.0" encoding="utf-8"?>
+<file path=ppt/slides/slide7.xml><?xml version="1.0" encoding="utf-8"?>
 <p:sld xmlns:a="http://schemas.openxmlformats.org/drawingml/2006/main" xmlns:r="http://schemas.openxmlformats.org/officeDocument/2006/relationships" xmlns:p="http://schemas.openxmlformats.org/presentationml/2006/main">
   <p:cSld>
     <p:spTree>
@@ -17338,7 +22885,7 @@
 </p:sld>
 </file>
 
-<file path=ppt/slides/slide7.xml><?xml version="1.0" encoding="utf-8"?>
+<file path=ppt/slides/slide8.xml><?xml version="1.0" encoding="utf-8"?>
 <p:sld xmlns:a="http://schemas.openxmlformats.org/drawingml/2006/main" xmlns:r="http://schemas.openxmlformats.org/officeDocument/2006/relationships" xmlns:p="http://schemas.openxmlformats.org/presentationml/2006/main">
   <p:cSld>
     <p:spTree>
@@ -17398,7 +22945,7 @@
 </p:sld>
 </file>
 
-<file path=ppt/slides/slide8.xml><?xml version="1.0" encoding="utf-8"?>
+<file path=ppt/slides/slide9.xml><?xml version="1.0" encoding="utf-8"?>
 <p:sld xmlns:a="http://schemas.openxmlformats.org/drawingml/2006/main" xmlns:r="http://schemas.openxmlformats.org/officeDocument/2006/relationships" xmlns:p="http://schemas.openxmlformats.org/presentationml/2006/main">
   <p:cSld>
     <p:spTree>
@@ -17449,94 +22996,6 @@
     <p:extLst>
       <p:ext uri="{BB962C8B-B14F-4D97-AF65-F5344CB8AC3E}">
         <p14:creationId xmlns:p14="http://schemas.microsoft.com/office/powerpoint/2010/main" val="2367294668"/>
-      </p:ext>
-    </p:extLst>
-  </p:cSld>
-  <p:clrMapOvr>
-    <a:masterClrMapping/>
-  </p:clrMapOvr>
-</p:sld>
-</file>
-
-<file path=ppt/slides/slide9.xml><?xml version="1.0" encoding="utf-8"?>
-<p:sld xmlns:a="http://schemas.openxmlformats.org/drawingml/2006/main" xmlns:r="http://schemas.openxmlformats.org/officeDocument/2006/relationships" xmlns:p="http://schemas.openxmlformats.org/presentationml/2006/main">
-  <p:cSld>
-    <p:spTree>
-      <p:nvGrpSpPr>
-        <p:cNvPr id="1" name=""/>
-        <p:cNvGrpSpPr/>
-        <p:nvPr/>
-      </p:nvGrpSpPr>
-      <p:grpSpPr>
-        <a:xfrm>
-          <a:off x="0" y="0"/>
-          <a:ext cx="0" cy="0"/>
-          <a:chOff x="0" y="0"/>
-          <a:chExt cx="0" cy="0"/>
-        </a:xfrm>
-      </p:grpSpPr>
-      <p:pic>
-        <p:nvPicPr>
-          <p:cNvPr id="3" name="图片 2">
-            <a:extLst>
-              <a:ext uri="{FF2B5EF4-FFF2-40B4-BE49-F238E27FC236}">
-                <a16:creationId xmlns:a16="http://schemas.microsoft.com/office/drawing/2014/main" id="{403C0546-8F86-CFEE-D7CF-64AB566EE309}"/>
-              </a:ext>
-            </a:extLst>
-          </p:cNvPr>
-          <p:cNvPicPr>
-            <a:picLocks noChangeAspect="1"/>
-          </p:cNvPicPr>
-          <p:nvPr/>
-        </p:nvPicPr>
-        <p:blipFill>
-          <a:blip r:embed="rId2"/>
-          <a:stretch>
-            <a:fillRect/>
-          </a:stretch>
-        </p:blipFill>
-        <p:spPr>
-          <a:xfrm>
-            <a:off x="1585912" y="1133475"/>
-            <a:ext cx="9020175" cy="4591050"/>
-          </a:xfrm>
-          <a:prstGeom prst="rect">
-            <a:avLst/>
-          </a:prstGeom>
-        </p:spPr>
-      </p:pic>
-      <p:sp>
-        <p:nvSpPr>
-          <p:cNvPr id="4" name="标题 3">
-            <a:extLst>
-              <a:ext uri="{FF2B5EF4-FFF2-40B4-BE49-F238E27FC236}">
-                <a16:creationId xmlns:a16="http://schemas.microsoft.com/office/drawing/2014/main" id="{731B4BA1-7019-EF0F-AD94-7679C8CDE2FE}"/>
-              </a:ext>
-            </a:extLst>
-          </p:cNvPr>
-          <p:cNvSpPr>
-            <a:spLocks noGrp="1"/>
-          </p:cNvSpPr>
-          <p:nvPr>
-            <p:ph type="title"/>
-          </p:nvPr>
-        </p:nvSpPr>
-        <p:spPr/>
-        <p:txBody>
-          <a:bodyPr/>
-          <a:lstStyle/>
-          <a:p>
-            <a:r>
-              <a:rPr lang="fr-CA" dirty="0"/>
-              <a:t>Square grids</a:t>
-            </a:r>
-          </a:p>
-        </p:txBody>
-      </p:sp>
-    </p:spTree>
-    <p:extLst>
-      <p:ext uri="{BB962C8B-B14F-4D97-AF65-F5344CB8AC3E}">
-        <p14:creationId xmlns:p14="http://schemas.microsoft.com/office/powerpoint/2010/main" val="3344157482"/>
       </p:ext>
     </p:extLst>
   </p:cSld>

--- a/presentation.pptx
+++ b/presentation.pptx
@@ -5,7 +5,7 @@
     <p:sldMasterId id="2147483648" r:id="rId1"/>
   </p:sldMasterIdLst>
   <p:notesMasterIdLst>
-    <p:notesMasterId r:id="rId40"/>
+    <p:notesMasterId r:id="rId41"/>
   </p:notesMasterIdLst>
   <p:sldIdLst>
     <p:sldId id="286" r:id="rId2"/>
@@ -32,20 +32,21 @@
     <p:sldId id="302" r:id="rId23"/>
     <p:sldId id="301" r:id="rId24"/>
     <p:sldId id="300" r:id="rId25"/>
-    <p:sldId id="304" r:id="rId26"/>
-    <p:sldId id="298" r:id="rId27"/>
-    <p:sldId id="297" r:id="rId28"/>
-    <p:sldId id="292" r:id="rId29"/>
-    <p:sldId id="296" r:id="rId30"/>
-    <p:sldId id="266" r:id="rId31"/>
-    <p:sldId id="262" r:id="rId32"/>
-    <p:sldId id="265" r:id="rId33"/>
-    <p:sldId id="267" r:id="rId34"/>
-    <p:sldId id="269" r:id="rId35"/>
-    <p:sldId id="270" r:id="rId36"/>
-    <p:sldId id="276" r:id="rId37"/>
-    <p:sldId id="282" r:id="rId38"/>
-    <p:sldId id="279" r:id="rId39"/>
+    <p:sldId id="305" r:id="rId26"/>
+    <p:sldId id="304" r:id="rId27"/>
+    <p:sldId id="298" r:id="rId28"/>
+    <p:sldId id="297" r:id="rId29"/>
+    <p:sldId id="292" r:id="rId30"/>
+    <p:sldId id="296" r:id="rId31"/>
+    <p:sldId id="266" r:id="rId32"/>
+    <p:sldId id="262" r:id="rId33"/>
+    <p:sldId id="265" r:id="rId34"/>
+    <p:sldId id="267" r:id="rId35"/>
+    <p:sldId id="269" r:id="rId36"/>
+    <p:sldId id="270" r:id="rId37"/>
+    <p:sldId id="276" r:id="rId38"/>
+    <p:sldId id="282" r:id="rId39"/>
+    <p:sldId id="279" r:id="rId40"/>
   </p:sldIdLst>
   <p:sldSz cx="12192000" cy="6858000"/>
   <p:notesSz cx="6858000" cy="9144000"/>
@@ -4456,7 +4457,7 @@
           <a:p>
             <a:fld id="{CC7CB2C3-37B5-4BD6-986D-8040C072327A}" type="datetimeFigureOut">
               <a:rPr lang="fr-CA" smtClean="0"/>
-              <a:t>2022-11-11</a:t>
+              <a:t>2022-11-21</a:t>
             </a:fld>
             <a:endParaRPr lang="fr-CA"/>
           </a:p>
@@ -4876,7 +4877,7 @@
           <a:p>
             <a:fld id="{2C553ADB-DCF5-4083-B0C6-071B2F503C37}" type="slidenum">
               <a:rPr lang="fr-CA" smtClean="0"/>
-              <a:t>25</a:t>
+              <a:t>26</a:t>
             </a:fld>
             <a:endParaRPr lang="fr-CA"/>
           </a:p>
@@ -5044,7 +5045,7 @@
           <a:p>
             <a:fld id="{5890D0D9-284D-414C-A308-03C9872EF452}" type="datetimeFigureOut">
               <a:rPr lang="fr-CA" smtClean="0"/>
-              <a:t>2022-11-11</a:t>
+              <a:t>2022-11-21</a:t>
             </a:fld>
             <a:endParaRPr lang="fr-CA"/>
           </a:p>
@@ -5244,7 +5245,7 @@
           <a:p>
             <a:fld id="{5890D0D9-284D-414C-A308-03C9872EF452}" type="datetimeFigureOut">
               <a:rPr lang="fr-CA" smtClean="0"/>
-              <a:t>2022-11-11</a:t>
+              <a:t>2022-11-21</a:t>
             </a:fld>
             <a:endParaRPr lang="fr-CA"/>
           </a:p>
@@ -5454,7 +5455,7 @@
           <a:p>
             <a:fld id="{5890D0D9-284D-414C-A308-03C9872EF452}" type="datetimeFigureOut">
               <a:rPr lang="fr-CA" smtClean="0"/>
-              <a:t>2022-11-11</a:t>
+              <a:t>2022-11-21</a:t>
             </a:fld>
             <a:endParaRPr lang="fr-CA"/>
           </a:p>
@@ -5654,7 +5655,7 @@
           <a:p>
             <a:fld id="{5890D0D9-284D-414C-A308-03C9872EF452}" type="datetimeFigureOut">
               <a:rPr lang="fr-CA" smtClean="0"/>
-              <a:t>2022-11-11</a:t>
+              <a:t>2022-11-21</a:t>
             </a:fld>
             <a:endParaRPr lang="fr-CA"/>
           </a:p>
@@ -5930,7 +5931,7 @@
           <a:p>
             <a:fld id="{5890D0D9-284D-414C-A308-03C9872EF452}" type="datetimeFigureOut">
               <a:rPr lang="fr-CA" smtClean="0"/>
-              <a:t>2022-11-11</a:t>
+              <a:t>2022-11-21</a:t>
             </a:fld>
             <a:endParaRPr lang="fr-CA"/>
           </a:p>
@@ -6198,7 +6199,7 @@
           <a:p>
             <a:fld id="{5890D0D9-284D-414C-A308-03C9872EF452}" type="datetimeFigureOut">
               <a:rPr lang="fr-CA" smtClean="0"/>
-              <a:t>2022-11-11</a:t>
+              <a:t>2022-11-21</a:t>
             </a:fld>
             <a:endParaRPr lang="fr-CA"/>
           </a:p>
@@ -6613,7 +6614,7 @@
           <a:p>
             <a:fld id="{5890D0D9-284D-414C-A308-03C9872EF452}" type="datetimeFigureOut">
               <a:rPr lang="fr-CA" smtClean="0"/>
-              <a:t>2022-11-11</a:t>
+              <a:t>2022-11-21</a:t>
             </a:fld>
             <a:endParaRPr lang="fr-CA"/>
           </a:p>
@@ -6755,7 +6756,7 @@
           <a:p>
             <a:fld id="{5890D0D9-284D-414C-A308-03C9872EF452}" type="datetimeFigureOut">
               <a:rPr lang="fr-CA" smtClean="0"/>
-              <a:t>2022-11-11</a:t>
+              <a:t>2022-11-21</a:t>
             </a:fld>
             <a:endParaRPr lang="fr-CA"/>
           </a:p>
@@ -6868,7 +6869,7 @@
           <a:p>
             <a:fld id="{5890D0D9-284D-414C-A308-03C9872EF452}" type="datetimeFigureOut">
               <a:rPr lang="fr-CA" smtClean="0"/>
-              <a:t>2022-11-11</a:t>
+              <a:t>2022-11-21</a:t>
             </a:fld>
             <a:endParaRPr lang="fr-CA"/>
           </a:p>
@@ -7181,7 +7182,7 @@
           <a:p>
             <a:fld id="{5890D0D9-284D-414C-A308-03C9872EF452}" type="datetimeFigureOut">
               <a:rPr lang="fr-CA" smtClean="0"/>
-              <a:t>2022-11-11</a:t>
+              <a:t>2022-11-21</a:t>
             </a:fld>
             <a:endParaRPr lang="fr-CA"/>
           </a:p>
@@ -7470,7 +7471,7 @@
           <a:p>
             <a:fld id="{5890D0D9-284D-414C-A308-03C9872EF452}" type="datetimeFigureOut">
               <a:rPr lang="fr-CA" smtClean="0"/>
-              <a:t>2022-11-11</a:t>
+              <a:t>2022-11-21</a:t>
             </a:fld>
             <a:endParaRPr lang="fr-CA"/>
           </a:p>
@@ -7713,7 +7714,7 @@
           <a:p>
             <a:fld id="{5890D0D9-284D-414C-A308-03C9872EF452}" type="datetimeFigureOut">
               <a:rPr lang="fr-CA" smtClean="0"/>
-              <a:t>2022-11-11</a:t>
+              <a:t>2022-11-21</a:t>
             </a:fld>
             <a:endParaRPr lang="fr-CA"/>
           </a:p>
@@ -10975,7 +10976,7 @@
         </p:blipFill>
         <p:spPr>
           <a:xfrm>
-            <a:off x="5885645" y="3188031"/>
+            <a:off x="6147515" y="3342576"/>
             <a:ext cx="5152633" cy="3045306"/>
           </a:xfrm>
           <a:prstGeom prst="rect">
@@ -11005,7 +11006,7 @@
         </p:blipFill>
         <p:spPr>
           <a:xfrm>
-            <a:off x="182483" y="3622967"/>
+            <a:off x="60134" y="3777513"/>
             <a:ext cx="5703162" cy="2175433"/>
           </a:xfrm>
           <a:prstGeom prst="rect">
@@ -15968,6 +15969,1049 @@
           <a:chExt cx="0" cy="0"/>
         </a:xfrm>
       </p:grpSpPr>
+      <p:sp>
+        <p:nvSpPr>
+          <p:cNvPr id="3" name="矩形 2">
+            <a:extLst>
+              <a:ext uri="{FF2B5EF4-FFF2-40B4-BE49-F238E27FC236}">
+                <a16:creationId xmlns:a16="http://schemas.microsoft.com/office/drawing/2014/main" id="{98E03770-CBEC-ECAA-0933-49898ED1721A}"/>
+              </a:ext>
+            </a:extLst>
+          </p:cNvPr>
+          <p:cNvSpPr/>
+          <p:nvPr/>
+        </p:nvSpPr>
+        <p:spPr>
+          <a:xfrm>
+            <a:off x="1320084" y="5065690"/>
+            <a:ext cx="940157" cy="463639"/>
+          </a:xfrm>
+          <a:prstGeom prst="rect">
+            <a:avLst/>
+          </a:prstGeom>
+          <a:noFill/>
+          <a:ln w="19050">
+            <a:solidFill>
+              <a:schemeClr val="tx1"/>
+            </a:solidFill>
+          </a:ln>
+        </p:spPr>
+        <p:style>
+          <a:lnRef idx="2">
+            <a:schemeClr val="accent1">
+              <a:shade val="50000"/>
+            </a:schemeClr>
+          </a:lnRef>
+          <a:fillRef idx="1">
+            <a:schemeClr val="accent1"/>
+          </a:fillRef>
+          <a:effectRef idx="0">
+            <a:schemeClr val="accent1"/>
+          </a:effectRef>
+          <a:fontRef idx="minor">
+            <a:schemeClr val="lt1"/>
+          </a:fontRef>
+        </p:style>
+        <p:txBody>
+          <a:bodyPr rtlCol="0" anchor="ctr"/>
+          <a:lstStyle/>
+          <a:p>
+            <a:pPr algn="ctr"/>
+            <a:endParaRPr lang="fr-CA">
+              <a:latin typeface="Times New Roman" panose="02020603050405020304" pitchFamily="18" charset="0"/>
+              <a:cs typeface="Times New Roman" panose="02020603050405020304" pitchFamily="18" charset="0"/>
+            </a:endParaRPr>
+          </a:p>
+        </p:txBody>
+      </p:sp>
+      <p:sp>
+        <p:nvSpPr>
+          <p:cNvPr id="4" name="矩形 3">
+            <a:extLst>
+              <a:ext uri="{FF2B5EF4-FFF2-40B4-BE49-F238E27FC236}">
+                <a16:creationId xmlns:a16="http://schemas.microsoft.com/office/drawing/2014/main" id="{7D3D314E-D0EE-6A64-43D6-547AE49D2F64}"/>
+              </a:ext>
+            </a:extLst>
+          </p:cNvPr>
+          <p:cNvSpPr/>
+          <p:nvPr/>
+        </p:nvSpPr>
+        <p:spPr>
+          <a:xfrm>
+            <a:off x="2734614" y="5065690"/>
+            <a:ext cx="940157" cy="463639"/>
+          </a:xfrm>
+          <a:prstGeom prst="rect">
+            <a:avLst/>
+          </a:prstGeom>
+          <a:noFill/>
+          <a:ln w="19050">
+            <a:solidFill>
+              <a:schemeClr val="tx1"/>
+            </a:solidFill>
+          </a:ln>
+        </p:spPr>
+        <p:style>
+          <a:lnRef idx="2">
+            <a:schemeClr val="accent1">
+              <a:shade val="50000"/>
+            </a:schemeClr>
+          </a:lnRef>
+          <a:fillRef idx="1">
+            <a:schemeClr val="accent1"/>
+          </a:fillRef>
+          <a:effectRef idx="0">
+            <a:schemeClr val="accent1"/>
+          </a:effectRef>
+          <a:fontRef idx="minor">
+            <a:schemeClr val="lt1"/>
+          </a:fontRef>
+        </p:style>
+        <p:txBody>
+          <a:bodyPr rtlCol="0" anchor="ctr"/>
+          <a:lstStyle/>
+          <a:p>
+            <a:pPr algn="ctr"/>
+            <a:endParaRPr lang="fr-CA">
+              <a:latin typeface="Times New Roman" panose="02020603050405020304" pitchFamily="18" charset="0"/>
+              <a:cs typeface="Times New Roman" panose="02020603050405020304" pitchFamily="18" charset="0"/>
+            </a:endParaRPr>
+          </a:p>
+        </p:txBody>
+      </p:sp>
+      <p:sp>
+        <p:nvSpPr>
+          <p:cNvPr id="5" name="矩形 4">
+            <a:extLst>
+              <a:ext uri="{FF2B5EF4-FFF2-40B4-BE49-F238E27FC236}">
+                <a16:creationId xmlns:a16="http://schemas.microsoft.com/office/drawing/2014/main" id="{E03A2E67-5063-D427-B4C2-75635A6FD781}"/>
+              </a:ext>
+            </a:extLst>
+          </p:cNvPr>
+          <p:cNvSpPr/>
+          <p:nvPr/>
+        </p:nvSpPr>
+        <p:spPr>
+          <a:xfrm>
+            <a:off x="3674771" y="5065689"/>
+            <a:ext cx="940157" cy="463639"/>
+          </a:xfrm>
+          <a:prstGeom prst="rect">
+            <a:avLst/>
+          </a:prstGeom>
+          <a:noFill/>
+          <a:ln w="19050">
+            <a:solidFill>
+              <a:schemeClr val="tx1"/>
+            </a:solidFill>
+          </a:ln>
+        </p:spPr>
+        <p:style>
+          <a:lnRef idx="2">
+            <a:schemeClr val="accent1">
+              <a:shade val="50000"/>
+            </a:schemeClr>
+          </a:lnRef>
+          <a:fillRef idx="1">
+            <a:schemeClr val="accent1"/>
+          </a:fillRef>
+          <a:effectRef idx="0">
+            <a:schemeClr val="accent1"/>
+          </a:effectRef>
+          <a:fontRef idx="minor">
+            <a:schemeClr val="lt1"/>
+          </a:fontRef>
+        </p:style>
+        <p:txBody>
+          <a:bodyPr rtlCol="0" anchor="ctr"/>
+          <a:lstStyle/>
+          <a:p>
+            <a:pPr algn="ctr"/>
+            <a:r>
+              <a:rPr lang="fr-CA" dirty="0">
+                <a:latin typeface="Times New Roman" panose="02020603050405020304" pitchFamily="18" charset="0"/>
+                <a:cs typeface="Times New Roman" panose="02020603050405020304" pitchFamily="18" charset="0"/>
+              </a:rPr>
+              <a:t>position</a:t>
+            </a:r>
+          </a:p>
+        </p:txBody>
+      </p:sp>
+      <p:grpSp>
+        <p:nvGrpSpPr>
+          <p:cNvPr id="26" name="组合 25">
+            <a:extLst>
+              <a:ext uri="{FF2B5EF4-FFF2-40B4-BE49-F238E27FC236}">
+                <a16:creationId xmlns:a16="http://schemas.microsoft.com/office/drawing/2014/main" id="{6F130D42-5D01-CD96-962A-172FF4963B24}"/>
+              </a:ext>
+            </a:extLst>
+          </p:cNvPr>
+          <p:cNvGrpSpPr/>
+          <p:nvPr/>
+        </p:nvGrpSpPr>
+        <p:grpSpPr>
+          <a:xfrm>
+            <a:off x="1892122" y="2341807"/>
+            <a:ext cx="9895796" cy="1914658"/>
+            <a:chOff x="1892122" y="2341807"/>
+            <a:chExt cx="9895796" cy="1914658"/>
+          </a:xfrm>
+        </p:grpSpPr>
+        <p:sp>
+          <p:nvSpPr>
+            <p:cNvPr id="6" name="矩形 5">
+              <a:extLst>
+                <a:ext uri="{FF2B5EF4-FFF2-40B4-BE49-F238E27FC236}">
+                  <a16:creationId xmlns:a16="http://schemas.microsoft.com/office/drawing/2014/main" id="{0A3D9523-E555-0434-4C79-7A165435840A}"/>
+                </a:ext>
+              </a:extLst>
+            </p:cNvPr>
+            <p:cNvSpPr/>
+            <p:nvPr/>
+          </p:nvSpPr>
+          <p:spPr>
+            <a:xfrm>
+              <a:off x="3998890" y="2470597"/>
+              <a:ext cx="1989786" cy="463639"/>
+            </a:xfrm>
+            <a:prstGeom prst="rect">
+              <a:avLst/>
+            </a:prstGeom>
+            <a:noFill/>
+            <a:ln w="19050">
+              <a:solidFill>
+                <a:schemeClr val="tx1"/>
+              </a:solidFill>
+            </a:ln>
+          </p:spPr>
+          <p:style>
+            <a:lnRef idx="2">
+              <a:schemeClr val="accent1">
+                <a:shade val="50000"/>
+              </a:schemeClr>
+            </a:lnRef>
+            <a:fillRef idx="1">
+              <a:schemeClr val="accent1"/>
+            </a:fillRef>
+            <a:effectRef idx="0">
+              <a:schemeClr val="accent1"/>
+            </a:effectRef>
+            <a:fontRef idx="minor">
+              <a:schemeClr val="lt1"/>
+            </a:fontRef>
+          </p:style>
+          <p:txBody>
+            <a:bodyPr rtlCol="0" anchor="ctr"/>
+            <a:lstStyle/>
+            <a:p>
+              <a:pPr algn="ctr"/>
+              <a:r>
+                <a:rPr lang="en-US" altLang="zh-CN" dirty="0">
+                  <a:solidFill>
+                    <a:schemeClr val="tx1"/>
+                  </a:solidFill>
+                  <a:latin typeface="Times New Roman" panose="02020603050405020304" pitchFamily="18" charset="0"/>
+                  <a:cs typeface="Times New Roman" panose="02020603050405020304" pitchFamily="18" charset="0"/>
+                </a:rPr>
+                <a:t>preprocessing</a:t>
+              </a:r>
+              <a:endParaRPr lang="fr-CA" dirty="0">
+                <a:solidFill>
+                  <a:schemeClr val="tx1"/>
+                </a:solidFill>
+                <a:latin typeface="Times New Roman" panose="02020603050405020304" pitchFamily="18" charset="0"/>
+                <a:cs typeface="Times New Roman" panose="02020603050405020304" pitchFamily="18" charset="0"/>
+              </a:endParaRPr>
+            </a:p>
+          </p:txBody>
+        </p:sp>
+        <p:sp>
+          <p:nvSpPr>
+            <p:cNvPr id="7" name="矩形 6">
+              <a:extLst>
+                <a:ext uri="{FF2B5EF4-FFF2-40B4-BE49-F238E27FC236}">
+                  <a16:creationId xmlns:a16="http://schemas.microsoft.com/office/drawing/2014/main" id="{38ACCCBD-F1EB-18EE-0042-00D41E82D195}"/>
+                </a:ext>
+              </a:extLst>
+            </p:cNvPr>
+            <p:cNvSpPr/>
+            <p:nvPr/>
+          </p:nvSpPr>
+          <p:spPr>
+            <a:xfrm>
+              <a:off x="3977423" y="3776728"/>
+              <a:ext cx="1989786" cy="463639"/>
+            </a:xfrm>
+            <a:prstGeom prst="rect">
+              <a:avLst/>
+            </a:prstGeom>
+            <a:noFill/>
+            <a:ln w="19050">
+              <a:solidFill>
+                <a:schemeClr val="tx1"/>
+              </a:solidFill>
+            </a:ln>
+          </p:spPr>
+          <p:style>
+            <a:lnRef idx="2">
+              <a:schemeClr val="accent1">
+                <a:shade val="50000"/>
+              </a:schemeClr>
+            </a:lnRef>
+            <a:fillRef idx="1">
+              <a:schemeClr val="accent1"/>
+            </a:fillRef>
+            <a:effectRef idx="0">
+              <a:schemeClr val="accent1"/>
+            </a:effectRef>
+            <a:fontRef idx="minor">
+              <a:schemeClr val="lt1"/>
+            </a:fontRef>
+          </p:style>
+          <p:txBody>
+            <a:bodyPr rtlCol="0" anchor="ctr"/>
+            <a:lstStyle/>
+            <a:p>
+              <a:pPr algn="ctr"/>
+              <a:r>
+                <a:rPr lang="en-US" altLang="zh-CN" dirty="0">
+                  <a:solidFill>
+                    <a:schemeClr val="tx1"/>
+                  </a:solidFill>
+                  <a:latin typeface="Times New Roman" panose="02020603050405020304" pitchFamily="18" charset="0"/>
+                  <a:cs typeface="Times New Roman" panose="02020603050405020304" pitchFamily="18" charset="0"/>
+                </a:rPr>
+                <a:t>preprocessing</a:t>
+              </a:r>
+              <a:endParaRPr lang="fr-CA" dirty="0">
+                <a:solidFill>
+                  <a:schemeClr val="tx1"/>
+                </a:solidFill>
+                <a:latin typeface="Times New Roman" panose="02020603050405020304" pitchFamily="18" charset="0"/>
+                <a:cs typeface="Times New Roman" panose="02020603050405020304" pitchFamily="18" charset="0"/>
+              </a:endParaRPr>
+            </a:p>
+          </p:txBody>
+        </p:sp>
+        <p:sp>
+          <p:nvSpPr>
+            <p:cNvPr id="8" name="矩形 7">
+              <a:extLst>
+                <a:ext uri="{FF2B5EF4-FFF2-40B4-BE49-F238E27FC236}">
+                  <a16:creationId xmlns:a16="http://schemas.microsoft.com/office/drawing/2014/main" id="{93800F13-CC7B-BAF4-B4A1-1F16A148D485}"/>
+                </a:ext>
+              </a:extLst>
+            </p:cNvPr>
+            <p:cNvSpPr/>
+            <p:nvPr/>
+          </p:nvSpPr>
+          <p:spPr>
+            <a:xfrm>
+              <a:off x="6697011" y="3792826"/>
+              <a:ext cx="2464157" cy="463639"/>
+            </a:xfrm>
+            <a:prstGeom prst="rect">
+              <a:avLst/>
+            </a:prstGeom>
+            <a:noFill/>
+            <a:ln w="19050">
+              <a:solidFill>
+                <a:schemeClr val="tx1"/>
+              </a:solidFill>
+            </a:ln>
+          </p:spPr>
+          <p:style>
+            <a:lnRef idx="2">
+              <a:schemeClr val="accent1">
+                <a:shade val="50000"/>
+              </a:schemeClr>
+            </a:lnRef>
+            <a:fillRef idx="1">
+              <a:schemeClr val="accent1"/>
+            </a:fillRef>
+            <a:effectRef idx="0">
+              <a:schemeClr val="accent1"/>
+            </a:effectRef>
+            <a:fontRef idx="minor">
+              <a:schemeClr val="lt1"/>
+            </a:fontRef>
+          </p:style>
+          <p:txBody>
+            <a:bodyPr rtlCol="0" anchor="ctr"/>
+            <a:lstStyle/>
+            <a:p>
+              <a:pPr algn="ctr"/>
+              <a:r>
+                <a:rPr lang="en-US" altLang="zh-CN" dirty="0">
+                  <a:solidFill>
+                    <a:schemeClr val="tx1"/>
+                  </a:solidFill>
+                  <a:latin typeface="Times New Roman" panose="02020603050405020304" pitchFamily="18" charset="0"/>
+                  <a:cs typeface="Times New Roman" panose="02020603050405020304" pitchFamily="18" charset="0"/>
+                </a:rPr>
+                <a:t>Positioning algorithm</a:t>
+              </a:r>
+              <a:endParaRPr lang="fr-CA" dirty="0">
+                <a:solidFill>
+                  <a:schemeClr val="tx1"/>
+                </a:solidFill>
+                <a:latin typeface="Times New Roman" panose="02020603050405020304" pitchFamily="18" charset="0"/>
+                <a:cs typeface="Times New Roman" panose="02020603050405020304" pitchFamily="18" charset="0"/>
+              </a:endParaRPr>
+            </a:p>
+          </p:txBody>
+        </p:sp>
+        <p:sp>
+          <p:nvSpPr>
+            <p:cNvPr id="9" name="圆柱体 8">
+              <a:extLst>
+                <a:ext uri="{FF2B5EF4-FFF2-40B4-BE49-F238E27FC236}">
+                  <a16:creationId xmlns:a16="http://schemas.microsoft.com/office/drawing/2014/main" id="{84888B9B-3A7A-60D2-3B73-72C6759DFBD0}"/>
+                </a:ext>
+              </a:extLst>
+            </p:cNvPr>
+            <p:cNvSpPr/>
+            <p:nvPr/>
+          </p:nvSpPr>
+          <p:spPr>
+            <a:xfrm>
+              <a:off x="6671256" y="2341807"/>
+              <a:ext cx="2464157" cy="721217"/>
+            </a:xfrm>
+            <a:prstGeom prst="can">
+              <a:avLst/>
+            </a:prstGeom>
+            <a:noFill/>
+            <a:ln w="19050">
+              <a:solidFill>
+                <a:schemeClr val="tx1"/>
+              </a:solidFill>
+            </a:ln>
+          </p:spPr>
+          <p:style>
+            <a:lnRef idx="2">
+              <a:schemeClr val="accent1">
+                <a:shade val="50000"/>
+              </a:schemeClr>
+            </a:lnRef>
+            <a:fillRef idx="1">
+              <a:schemeClr val="accent1"/>
+            </a:fillRef>
+            <a:effectRef idx="0">
+              <a:schemeClr val="accent1"/>
+            </a:effectRef>
+            <a:fontRef idx="minor">
+              <a:schemeClr val="lt1"/>
+            </a:fontRef>
+          </p:style>
+          <p:txBody>
+            <a:bodyPr rtlCol="0" anchor="ctr"/>
+            <a:lstStyle/>
+            <a:p>
+              <a:pPr algn="ctr"/>
+              <a:r>
+                <a:rPr lang="fr-CA" dirty="0">
+                  <a:solidFill>
+                    <a:schemeClr val="tx1"/>
+                  </a:solidFill>
+                  <a:latin typeface="Times New Roman" panose="02020603050405020304" pitchFamily="18" charset="0"/>
+                  <a:cs typeface="Times New Roman" panose="02020603050405020304" pitchFamily="18" charset="0"/>
+                </a:rPr>
+                <a:t>Fingerprint database</a:t>
+              </a:r>
+            </a:p>
+          </p:txBody>
+        </p:sp>
+        <p:sp>
+          <p:nvSpPr>
+            <p:cNvPr id="10" name="箭头: 右 9">
+              <a:extLst>
+                <a:ext uri="{FF2B5EF4-FFF2-40B4-BE49-F238E27FC236}">
+                  <a16:creationId xmlns:a16="http://schemas.microsoft.com/office/drawing/2014/main" id="{331C1443-25B4-24E9-C350-4C09280F720D}"/>
+                </a:ext>
+              </a:extLst>
+            </p:cNvPr>
+            <p:cNvSpPr/>
+            <p:nvPr/>
+          </p:nvSpPr>
+          <p:spPr>
+            <a:xfrm>
+              <a:off x="6096000" y="2515671"/>
+              <a:ext cx="495836" cy="373487"/>
+            </a:xfrm>
+            <a:prstGeom prst="rightArrow">
+              <a:avLst/>
+            </a:prstGeom>
+            <a:noFill/>
+            <a:ln w="19050">
+              <a:solidFill>
+                <a:schemeClr val="tx1"/>
+              </a:solidFill>
+            </a:ln>
+          </p:spPr>
+          <p:style>
+            <a:lnRef idx="2">
+              <a:schemeClr val="accent1">
+                <a:shade val="50000"/>
+              </a:schemeClr>
+            </a:lnRef>
+            <a:fillRef idx="1">
+              <a:schemeClr val="accent1"/>
+            </a:fillRef>
+            <a:effectRef idx="0">
+              <a:schemeClr val="accent1"/>
+            </a:effectRef>
+            <a:fontRef idx="minor">
+              <a:schemeClr val="lt1"/>
+            </a:fontRef>
+          </p:style>
+          <p:txBody>
+            <a:bodyPr rtlCol="0" anchor="ctr"/>
+            <a:lstStyle/>
+            <a:p>
+              <a:pPr algn="ctr"/>
+              <a:endParaRPr lang="fr-CA">
+                <a:latin typeface="Times New Roman" panose="02020603050405020304" pitchFamily="18" charset="0"/>
+                <a:cs typeface="Times New Roman" panose="02020603050405020304" pitchFamily="18" charset="0"/>
+              </a:endParaRPr>
+            </a:p>
+          </p:txBody>
+        </p:sp>
+        <p:sp>
+          <p:nvSpPr>
+            <p:cNvPr id="11" name="箭头: 右 10">
+              <a:extLst>
+                <a:ext uri="{FF2B5EF4-FFF2-40B4-BE49-F238E27FC236}">
+                  <a16:creationId xmlns:a16="http://schemas.microsoft.com/office/drawing/2014/main" id="{356FB7EC-D588-A3A2-E0F1-A80A1F01B1C0}"/>
+                </a:ext>
+              </a:extLst>
+            </p:cNvPr>
+            <p:cNvSpPr/>
+            <p:nvPr/>
+          </p:nvSpPr>
+          <p:spPr>
+            <a:xfrm>
+              <a:off x="6114243" y="3837901"/>
+              <a:ext cx="495836" cy="373487"/>
+            </a:xfrm>
+            <a:prstGeom prst="rightArrow">
+              <a:avLst/>
+            </a:prstGeom>
+            <a:noFill/>
+            <a:ln w="19050">
+              <a:solidFill>
+                <a:schemeClr val="tx1"/>
+              </a:solidFill>
+            </a:ln>
+          </p:spPr>
+          <p:style>
+            <a:lnRef idx="2">
+              <a:schemeClr val="accent1">
+                <a:shade val="50000"/>
+              </a:schemeClr>
+            </a:lnRef>
+            <a:fillRef idx="1">
+              <a:schemeClr val="accent1"/>
+            </a:fillRef>
+            <a:effectRef idx="0">
+              <a:schemeClr val="accent1"/>
+            </a:effectRef>
+            <a:fontRef idx="minor">
+              <a:schemeClr val="lt1"/>
+            </a:fontRef>
+          </p:style>
+          <p:txBody>
+            <a:bodyPr rtlCol="0" anchor="ctr"/>
+            <a:lstStyle/>
+            <a:p>
+              <a:pPr algn="ctr"/>
+              <a:endParaRPr lang="fr-CA">
+                <a:latin typeface="Times New Roman" panose="02020603050405020304" pitchFamily="18" charset="0"/>
+                <a:cs typeface="Times New Roman" panose="02020603050405020304" pitchFamily="18" charset="0"/>
+              </a:endParaRPr>
+            </a:p>
+          </p:txBody>
+        </p:sp>
+        <p:sp>
+          <p:nvSpPr>
+            <p:cNvPr id="12" name="箭头: 右 11">
+              <a:extLst>
+                <a:ext uri="{FF2B5EF4-FFF2-40B4-BE49-F238E27FC236}">
+                  <a16:creationId xmlns:a16="http://schemas.microsoft.com/office/drawing/2014/main" id="{BBD032BA-3719-1DAD-1F53-95158923B982}"/>
+                </a:ext>
+              </a:extLst>
+            </p:cNvPr>
+            <p:cNvSpPr/>
+            <p:nvPr/>
+          </p:nvSpPr>
+          <p:spPr>
+            <a:xfrm rot="5400000">
+              <a:off x="7655415" y="3273379"/>
+              <a:ext cx="495836" cy="373487"/>
+            </a:xfrm>
+            <a:prstGeom prst="rightArrow">
+              <a:avLst/>
+            </a:prstGeom>
+            <a:noFill/>
+            <a:ln w="19050">
+              <a:solidFill>
+                <a:schemeClr val="tx1"/>
+              </a:solidFill>
+            </a:ln>
+          </p:spPr>
+          <p:style>
+            <a:lnRef idx="2">
+              <a:schemeClr val="accent1">
+                <a:shade val="50000"/>
+              </a:schemeClr>
+            </a:lnRef>
+            <a:fillRef idx="1">
+              <a:schemeClr val="accent1"/>
+            </a:fillRef>
+            <a:effectRef idx="0">
+              <a:schemeClr val="accent1"/>
+            </a:effectRef>
+            <a:fontRef idx="minor">
+              <a:schemeClr val="lt1"/>
+            </a:fontRef>
+          </p:style>
+          <p:txBody>
+            <a:bodyPr rtlCol="0" anchor="ctr"/>
+            <a:lstStyle/>
+            <a:p>
+              <a:pPr algn="ctr"/>
+              <a:endParaRPr lang="fr-CA">
+                <a:latin typeface="Times New Roman" panose="02020603050405020304" pitchFamily="18" charset="0"/>
+                <a:cs typeface="Times New Roman" panose="02020603050405020304" pitchFamily="18" charset="0"/>
+              </a:endParaRPr>
+            </a:p>
+          </p:txBody>
+        </p:sp>
+        <p:cxnSp>
+          <p:nvCxnSpPr>
+            <p:cNvPr id="17" name="直接连接符 16">
+              <a:extLst>
+                <a:ext uri="{FF2B5EF4-FFF2-40B4-BE49-F238E27FC236}">
+                  <a16:creationId xmlns:a16="http://schemas.microsoft.com/office/drawing/2014/main" id="{31AE2086-7F88-2763-DBCB-81DA72A35D7A}"/>
+                </a:ext>
+              </a:extLst>
+            </p:cNvPr>
+            <p:cNvCxnSpPr/>
+            <p:nvPr/>
+          </p:nvCxnSpPr>
+          <p:spPr>
+            <a:xfrm>
+              <a:off x="2734614" y="3360311"/>
+              <a:ext cx="8615966" cy="0"/>
+            </a:xfrm>
+            <a:prstGeom prst="line">
+              <a:avLst/>
+            </a:prstGeom>
+            <a:ln w="19050">
+              <a:prstDash val="lgDash"/>
+            </a:ln>
+          </p:spPr>
+          <p:style>
+            <a:lnRef idx="1">
+              <a:schemeClr val="dk1"/>
+            </a:lnRef>
+            <a:fillRef idx="0">
+              <a:schemeClr val="dk1"/>
+            </a:fillRef>
+            <a:effectRef idx="0">
+              <a:schemeClr val="dk1"/>
+            </a:effectRef>
+            <a:fontRef idx="minor">
+              <a:schemeClr val="tx1"/>
+            </a:fontRef>
+          </p:style>
+        </p:cxnSp>
+        <p:sp>
+          <p:nvSpPr>
+            <p:cNvPr id="18" name="文本框 17">
+              <a:extLst>
+                <a:ext uri="{FF2B5EF4-FFF2-40B4-BE49-F238E27FC236}">
+                  <a16:creationId xmlns:a16="http://schemas.microsoft.com/office/drawing/2014/main" id="{182C149E-E4BF-4E98-61BB-31DF38F3EC91}"/>
+                </a:ext>
+              </a:extLst>
+            </p:cNvPr>
+            <p:cNvSpPr txBox="1"/>
+            <p:nvPr/>
+          </p:nvSpPr>
+          <p:spPr>
+            <a:xfrm>
+              <a:off x="10547798" y="3027538"/>
+              <a:ext cx="1063150" cy="369332"/>
+            </a:xfrm>
+            <a:prstGeom prst="rect">
+              <a:avLst/>
+            </a:prstGeom>
+            <a:noFill/>
+          </p:spPr>
+          <p:txBody>
+            <a:bodyPr wrap="square" rtlCol="0">
+              <a:spAutoFit/>
+            </a:bodyPr>
+            <a:lstStyle/>
+            <a:p>
+              <a:r>
+                <a:rPr lang="fr-CA" dirty="0">
+                  <a:latin typeface="Times New Roman" panose="02020603050405020304" pitchFamily="18" charset="0"/>
+                  <a:cs typeface="Times New Roman" panose="02020603050405020304" pitchFamily="18" charset="0"/>
+                </a:rPr>
+                <a:t>Offline</a:t>
+              </a:r>
+            </a:p>
+          </p:txBody>
+        </p:sp>
+        <p:sp>
+          <p:nvSpPr>
+            <p:cNvPr id="19" name="文本框 18">
+              <a:extLst>
+                <a:ext uri="{FF2B5EF4-FFF2-40B4-BE49-F238E27FC236}">
+                  <a16:creationId xmlns:a16="http://schemas.microsoft.com/office/drawing/2014/main" id="{04DEC88D-F54D-5213-029F-63D1B5EBC0F5}"/>
+                </a:ext>
+              </a:extLst>
+            </p:cNvPr>
+            <p:cNvSpPr txBox="1"/>
+            <p:nvPr/>
+          </p:nvSpPr>
+          <p:spPr>
+            <a:xfrm>
+              <a:off x="10560676" y="3307651"/>
+              <a:ext cx="1063150" cy="369332"/>
+            </a:xfrm>
+            <a:prstGeom prst="rect">
+              <a:avLst/>
+            </a:prstGeom>
+            <a:noFill/>
+          </p:spPr>
+          <p:txBody>
+            <a:bodyPr wrap="square" rtlCol="0">
+              <a:spAutoFit/>
+            </a:bodyPr>
+            <a:lstStyle/>
+            <a:p>
+              <a:r>
+                <a:rPr lang="fr-CA" dirty="0">
+                  <a:latin typeface="Times New Roman" panose="02020603050405020304" pitchFamily="18" charset="0"/>
+                  <a:cs typeface="Times New Roman" panose="02020603050405020304" pitchFamily="18" charset="0"/>
+                </a:rPr>
+                <a:t>Online</a:t>
+              </a:r>
+            </a:p>
+          </p:txBody>
+        </p:sp>
+        <p:sp>
+          <p:nvSpPr>
+            <p:cNvPr id="20" name="箭头: 右 19">
+              <a:extLst>
+                <a:ext uri="{FF2B5EF4-FFF2-40B4-BE49-F238E27FC236}">
+                  <a16:creationId xmlns:a16="http://schemas.microsoft.com/office/drawing/2014/main" id="{889DE6F9-0EF9-CF98-7AFD-5A784AF70FFD}"/>
+                </a:ext>
+              </a:extLst>
+            </p:cNvPr>
+            <p:cNvSpPr/>
+            <p:nvPr/>
+          </p:nvSpPr>
+          <p:spPr>
+            <a:xfrm>
+              <a:off x="3423634" y="2519963"/>
+              <a:ext cx="495836" cy="373487"/>
+            </a:xfrm>
+            <a:prstGeom prst="rightArrow">
+              <a:avLst/>
+            </a:prstGeom>
+            <a:noFill/>
+            <a:ln w="19050">
+              <a:solidFill>
+                <a:schemeClr val="tx1"/>
+              </a:solidFill>
+            </a:ln>
+          </p:spPr>
+          <p:style>
+            <a:lnRef idx="2">
+              <a:schemeClr val="accent1">
+                <a:shade val="50000"/>
+              </a:schemeClr>
+            </a:lnRef>
+            <a:fillRef idx="1">
+              <a:schemeClr val="accent1"/>
+            </a:fillRef>
+            <a:effectRef idx="0">
+              <a:schemeClr val="accent1"/>
+            </a:effectRef>
+            <a:fontRef idx="minor">
+              <a:schemeClr val="lt1"/>
+            </a:fontRef>
+          </p:style>
+          <p:txBody>
+            <a:bodyPr rtlCol="0" anchor="ctr"/>
+            <a:lstStyle/>
+            <a:p>
+              <a:pPr algn="ctr"/>
+              <a:endParaRPr lang="fr-CA">
+                <a:latin typeface="Times New Roman" panose="02020603050405020304" pitchFamily="18" charset="0"/>
+                <a:cs typeface="Times New Roman" panose="02020603050405020304" pitchFamily="18" charset="0"/>
+              </a:endParaRPr>
+            </a:p>
+          </p:txBody>
+        </p:sp>
+        <p:sp>
+          <p:nvSpPr>
+            <p:cNvPr id="21" name="箭头: 右 20">
+              <a:extLst>
+                <a:ext uri="{FF2B5EF4-FFF2-40B4-BE49-F238E27FC236}">
+                  <a16:creationId xmlns:a16="http://schemas.microsoft.com/office/drawing/2014/main" id="{F9888880-6FA3-8B7A-E6DC-56F8E8E95BC0}"/>
+                </a:ext>
+              </a:extLst>
+            </p:cNvPr>
+            <p:cNvSpPr/>
+            <p:nvPr/>
+          </p:nvSpPr>
+          <p:spPr>
+            <a:xfrm>
+              <a:off x="3394655" y="3792826"/>
+              <a:ext cx="495836" cy="373487"/>
+            </a:xfrm>
+            <a:prstGeom prst="rightArrow">
+              <a:avLst/>
+            </a:prstGeom>
+            <a:noFill/>
+            <a:ln w="19050">
+              <a:solidFill>
+                <a:schemeClr val="tx1"/>
+              </a:solidFill>
+            </a:ln>
+          </p:spPr>
+          <p:style>
+            <a:lnRef idx="2">
+              <a:schemeClr val="accent1">
+                <a:shade val="50000"/>
+              </a:schemeClr>
+            </a:lnRef>
+            <a:fillRef idx="1">
+              <a:schemeClr val="accent1"/>
+            </a:fillRef>
+            <a:effectRef idx="0">
+              <a:schemeClr val="accent1"/>
+            </a:effectRef>
+            <a:fontRef idx="minor">
+              <a:schemeClr val="lt1"/>
+            </a:fontRef>
+          </p:style>
+          <p:txBody>
+            <a:bodyPr rtlCol="0" anchor="ctr"/>
+            <a:lstStyle/>
+            <a:p>
+              <a:pPr algn="ctr"/>
+              <a:endParaRPr lang="fr-CA">
+                <a:latin typeface="Times New Roman" panose="02020603050405020304" pitchFamily="18" charset="0"/>
+                <a:cs typeface="Times New Roman" panose="02020603050405020304" pitchFamily="18" charset="0"/>
+              </a:endParaRPr>
+            </a:p>
+          </p:txBody>
+        </p:sp>
+        <p:sp>
+          <p:nvSpPr>
+            <p:cNvPr id="22" name="文本框 21">
+              <a:extLst>
+                <a:ext uri="{FF2B5EF4-FFF2-40B4-BE49-F238E27FC236}">
+                  <a16:creationId xmlns:a16="http://schemas.microsoft.com/office/drawing/2014/main" id="{C89A6926-CFE5-E946-9DF4-7E52C426E972}"/>
+                </a:ext>
+              </a:extLst>
+            </p:cNvPr>
+            <p:cNvSpPr txBox="1"/>
+            <p:nvPr/>
+          </p:nvSpPr>
+          <p:spPr>
+            <a:xfrm>
+              <a:off x="1957589" y="2513317"/>
+              <a:ext cx="1684984" cy="369332"/>
+            </a:xfrm>
+            <a:prstGeom prst="rect">
+              <a:avLst/>
+            </a:prstGeom>
+            <a:noFill/>
+          </p:spPr>
+          <p:txBody>
+            <a:bodyPr wrap="square" rtlCol="0">
+              <a:spAutoFit/>
+            </a:bodyPr>
+            <a:lstStyle/>
+            <a:p>
+              <a:r>
+                <a:rPr lang="fr-CA" dirty="0">
+                  <a:latin typeface="Times New Roman" panose="02020603050405020304" pitchFamily="18" charset="0"/>
+                  <a:cs typeface="Times New Roman" panose="02020603050405020304" pitchFamily="18" charset="0"/>
+                </a:rPr>
+                <a:t>Measurements</a:t>
+              </a:r>
+            </a:p>
+          </p:txBody>
+        </p:sp>
+        <p:sp>
+          <p:nvSpPr>
+            <p:cNvPr id="23" name="文本框 22">
+              <a:extLst>
+                <a:ext uri="{FF2B5EF4-FFF2-40B4-BE49-F238E27FC236}">
+                  <a16:creationId xmlns:a16="http://schemas.microsoft.com/office/drawing/2014/main" id="{55E2931F-E56A-264E-838E-A000FCE06C69}"/>
+                </a:ext>
+              </a:extLst>
+            </p:cNvPr>
+            <p:cNvSpPr txBox="1"/>
+            <p:nvPr/>
+          </p:nvSpPr>
+          <p:spPr>
+            <a:xfrm>
+              <a:off x="1892122" y="3776728"/>
+              <a:ext cx="1684984" cy="369332"/>
+            </a:xfrm>
+            <a:prstGeom prst="rect">
+              <a:avLst/>
+            </a:prstGeom>
+            <a:noFill/>
+          </p:spPr>
+          <p:txBody>
+            <a:bodyPr wrap="square" rtlCol="0">
+              <a:spAutoFit/>
+            </a:bodyPr>
+            <a:lstStyle/>
+            <a:p>
+              <a:r>
+                <a:rPr lang="fr-CA" dirty="0">
+                  <a:latin typeface="Times New Roman" panose="02020603050405020304" pitchFamily="18" charset="0"/>
+                  <a:cs typeface="Times New Roman" panose="02020603050405020304" pitchFamily="18" charset="0"/>
+                </a:rPr>
+                <a:t>Measurements</a:t>
+              </a:r>
+            </a:p>
+          </p:txBody>
+        </p:sp>
+        <p:sp>
+          <p:nvSpPr>
+            <p:cNvPr id="24" name="箭头: 右 23">
+              <a:extLst>
+                <a:ext uri="{FF2B5EF4-FFF2-40B4-BE49-F238E27FC236}">
+                  <a16:creationId xmlns:a16="http://schemas.microsoft.com/office/drawing/2014/main" id="{43292FB9-1708-CB28-CD83-FA2617BD56BB}"/>
+                </a:ext>
+              </a:extLst>
+            </p:cNvPr>
+            <p:cNvSpPr/>
+            <p:nvPr/>
+          </p:nvSpPr>
+          <p:spPr>
+            <a:xfrm>
+              <a:off x="9395134" y="3821803"/>
+              <a:ext cx="495836" cy="373487"/>
+            </a:xfrm>
+            <a:prstGeom prst="rightArrow">
+              <a:avLst/>
+            </a:prstGeom>
+            <a:noFill/>
+            <a:ln w="19050">
+              <a:solidFill>
+                <a:schemeClr val="tx1"/>
+              </a:solidFill>
+            </a:ln>
+          </p:spPr>
+          <p:style>
+            <a:lnRef idx="2">
+              <a:schemeClr val="accent1">
+                <a:shade val="50000"/>
+              </a:schemeClr>
+            </a:lnRef>
+            <a:fillRef idx="1">
+              <a:schemeClr val="accent1"/>
+            </a:fillRef>
+            <a:effectRef idx="0">
+              <a:schemeClr val="accent1"/>
+            </a:effectRef>
+            <a:fontRef idx="minor">
+              <a:schemeClr val="lt1"/>
+            </a:fontRef>
+          </p:style>
+          <p:txBody>
+            <a:bodyPr rtlCol="0" anchor="ctr"/>
+            <a:lstStyle/>
+            <a:p>
+              <a:pPr algn="ctr"/>
+              <a:endParaRPr lang="fr-CA">
+                <a:latin typeface="Times New Roman" panose="02020603050405020304" pitchFamily="18" charset="0"/>
+                <a:cs typeface="Times New Roman" panose="02020603050405020304" pitchFamily="18" charset="0"/>
+              </a:endParaRPr>
+            </a:p>
+          </p:txBody>
+        </p:sp>
+        <p:sp>
+          <p:nvSpPr>
+            <p:cNvPr id="25" name="文本框 24">
+              <a:extLst>
+                <a:ext uri="{FF2B5EF4-FFF2-40B4-BE49-F238E27FC236}">
+                  <a16:creationId xmlns:a16="http://schemas.microsoft.com/office/drawing/2014/main" id="{7204C15C-2E44-49CC-ABC9-04BB6BB92458}"/>
+                </a:ext>
+              </a:extLst>
+            </p:cNvPr>
+            <p:cNvSpPr txBox="1"/>
+            <p:nvPr/>
+          </p:nvSpPr>
+          <p:spPr>
+            <a:xfrm>
+              <a:off x="10102934" y="3821803"/>
+              <a:ext cx="1684984" cy="369332"/>
+            </a:xfrm>
+            <a:prstGeom prst="rect">
+              <a:avLst/>
+            </a:prstGeom>
+            <a:noFill/>
+          </p:spPr>
+          <p:txBody>
+            <a:bodyPr wrap="square" rtlCol="0">
+              <a:spAutoFit/>
+            </a:bodyPr>
+            <a:lstStyle/>
+            <a:p>
+              <a:r>
+                <a:rPr lang="fr-CA" dirty="0">
+                  <a:latin typeface="Times New Roman" panose="02020603050405020304" pitchFamily="18" charset="0"/>
+                  <a:cs typeface="Times New Roman" panose="02020603050405020304" pitchFamily="18" charset="0"/>
+                </a:rPr>
+                <a:t>Location</a:t>
+              </a:r>
+            </a:p>
+          </p:txBody>
+        </p:sp>
+      </p:grpSp>
+    </p:spTree>
+    <p:extLst>
+      <p:ext uri="{BB962C8B-B14F-4D97-AF65-F5344CB8AC3E}">
+        <p14:creationId xmlns:p14="http://schemas.microsoft.com/office/powerpoint/2010/main" val="3553251015"/>
+      </p:ext>
+    </p:extLst>
+  </p:cSld>
+  <p:clrMapOvr>
+    <a:masterClrMapping/>
+  </p:clrMapOvr>
+</p:sld>
+</file>
+
+<file path=ppt/slides/slide26.xml><?xml version="1.0" encoding="utf-8"?>
+<p:sld xmlns:a="http://schemas.openxmlformats.org/drawingml/2006/main" xmlns:r="http://schemas.openxmlformats.org/officeDocument/2006/relationships" xmlns:p="http://schemas.openxmlformats.org/presentationml/2006/main">
+  <p:cSld>
+    <p:spTree>
+      <p:nvGrpSpPr>
+        <p:cNvPr id="1" name=""/>
+        <p:cNvGrpSpPr/>
+        <p:nvPr/>
+      </p:nvGrpSpPr>
+      <p:grpSpPr>
+        <a:xfrm>
+          <a:off x="0" y="0"/>
+          <a:ext cx="0" cy="0"/>
+          <a:chOff x="0" y="0"/>
+          <a:chExt cx="0" cy="0"/>
+        </a:xfrm>
+      </p:grpSpPr>
       <p:grpSp>
         <p:nvGrpSpPr>
           <p:cNvPr id="104" name="组合 103">
@@ -15982,7 +17026,7 @@
         </p:nvGrpSpPr>
         <p:grpSpPr>
           <a:xfrm>
-            <a:off x="1365161" y="2022575"/>
+            <a:off x="1687132" y="1150031"/>
             <a:ext cx="8075903" cy="2278969"/>
             <a:chOff x="1365161" y="2022575"/>
             <a:chExt cx="9550457" cy="2807510"/>
@@ -16943,6 +17987,183 @@
           </p:style>
         </p:cxnSp>
       </p:grpSp>
+      <p:grpSp>
+        <p:nvGrpSpPr>
+          <p:cNvPr id="2" name="组合 1">
+            <a:extLst>
+              <a:ext uri="{FF2B5EF4-FFF2-40B4-BE49-F238E27FC236}">
+                <a16:creationId xmlns:a16="http://schemas.microsoft.com/office/drawing/2014/main" id="{A3C6549E-5B64-D4E0-1946-CFD9741A5DE6}"/>
+              </a:ext>
+            </a:extLst>
+          </p:cNvPr>
+          <p:cNvGrpSpPr/>
+          <p:nvPr/>
+        </p:nvGrpSpPr>
+        <p:grpSpPr>
+          <a:xfrm>
+            <a:off x="1759279" y="3460050"/>
+            <a:ext cx="4694349" cy="2071698"/>
+            <a:chOff x="2319964" y="4125704"/>
+            <a:chExt cx="4694349" cy="2071698"/>
+          </a:xfrm>
+        </p:grpSpPr>
+        <p:pic>
+          <p:nvPicPr>
+            <p:cNvPr id="7" name="图片 6">
+              <a:extLst>
+                <a:ext uri="{FF2B5EF4-FFF2-40B4-BE49-F238E27FC236}">
+                  <a16:creationId xmlns:a16="http://schemas.microsoft.com/office/drawing/2014/main" id="{FC4B7800-F67B-1120-3C15-058EC2231A56}"/>
+                </a:ext>
+              </a:extLst>
+            </p:cNvPr>
+            <p:cNvPicPr>
+              <a:picLocks noChangeAspect="1"/>
+            </p:cNvPicPr>
+            <p:nvPr/>
+          </p:nvPicPr>
+          <p:blipFill>
+            <a:blip r:embed="rId3"/>
+            <a:stretch>
+              <a:fillRect/>
+            </a:stretch>
+          </p:blipFill>
+          <p:spPr>
+            <a:xfrm>
+              <a:off x="5608087" y="4358595"/>
+              <a:ext cx="560071" cy="1566125"/>
+            </a:xfrm>
+            <a:prstGeom prst="rect">
+              <a:avLst/>
+            </a:prstGeom>
+          </p:spPr>
+        </p:pic>
+        <p:pic>
+          <p:nvPicPr>
+            <p:cNvPr id="9" name="图片 8">
+              <a:extLst>
+                <a:ext uri="{FF2B5EF4-FFF2-40B4-BE49-F238E27FC236}">
+                  <a16:creationId xmlns:a16="http://schemas.microsoft.com/office/drawing/2014/main" id="{162C17A2-F6A6-1509-7A3F-EBD42C68CD88}"/>
+                </a:ext>
+              </a:extLst>
+            </p:cNvPr>
+            <p:cNvPicPr>
+              <a:picLocks noChangeAspect="1"/>
+            </p:cNvPicPr>
+            <p:nvPr/>
+          </p:nvPicPr>
+          <p:blipFill>
+            <a:blip r:embed="rId4"/>
+            <a:stretch>
+              <a:fillRect/>
+            </a:stretch>
+          </p:blipFill>
+          <p:spPr>
+            <a:xfrm>
+              <a:off x="2920622" y="4293288"/>
+              <a:ext cx="2186441" cy="1515014"/>
+            </a:xfrm>
+            <a:prstGeom prst="rect">
+              <a:avLst/>
+            </a:prstGeom>
+          </p:spPr>
+        </p:pic>
+        <p:sp>
+          <p:nvSpPr>
+            <p:cNvPr id="13" name="椭圆 12">
+              <a:extLst>
+                <a:ext uri="{FF2B5EF4-FFF2-40B4-BE49-F238E27FC236}">
+                  <a16:creationId xmlns:a16="http://schemas.microsoft.com/office/drawing/2014/main" id="{C911F214-6CFC-1510-CB71-97FBD15CC259}"/>
+                </a:ext>
+              </a:extLst>
+            </p:cNvPr>
+            <p:cNvSpPr/>
+            <p:nvPr/>
+          </p:nvSpPr>
+          <p:spPr>
+            <a:xfrm>
+              <a:off x="2319964" y="4125704"/>
+              <a:ext cx="4694349" cy="2071698"/>
+            </a:xfrm>
+            <a:prstGeom prst="ellipse">
+              <a:avLst/>
+            </a:prstGeom>
+            <a:noFill/>
+            <a:ln>
+              <a:solidFill>
+                <a:schemeClr val="tx1"/>
+              </a:solidFill>
+              <a:prstDash val="dash"/>
+            </a:ln>
+          </p:spPr>
+          <p:style>
+            <a:lnRef idx="2">
+              <a:schemeClr val="accent1">
+                <a:shade val="50000"/>
+              </a:schemeClr>
+            </a:lnRef>
+            <a:fillRef idx="1">
+              <a:schemeClr val="accent1"/>
+            </a:fillRef>
+            <a:effectRef idx="0">
+              <a:schemeClr val="accent1"/>
+            </a:effectRef>
+            <a:fontRef idx="minor">
+              <a:schemeClr val="lt1"/>
+            </a:fontRef>
+          </p:style>
+          <p:txBody>
+            <a:bodyPr rtlCol="0" anchor="ctr"/>
+            <a:lstStyle/>
+            <a:p>
+              <a:pPr algn="ctr"/>
+              <a:endParaRPr lang="fr-CA"/>
+            </a:p>
+          </p:txBody>
+        </p:sp>
+      </p:grpSp>
+      <p:cxnSp>
+        <p:nvCxnSpPr>
+          <p:cNvPr id="17" name="直接箭头连接符 16">
+            <a:extLst>
+              <a:ext uri="{FF2B5EF4-FFF2-40B4-BE49-F238E27FC236}">
+                <a16:creationId xmlns:a16="http://schemas.microsoft.com/office/drawing/2014/main" id="{E1B20952-02F9-375A-4BC2-E03C242AF109}"/>
+              </a:ext>
+            </a:extLst>
+          </p:cNvPr>
+          <p:cNvCxnSpPr>
+            <a:cxnSpLocks/>
+            <a:stCxn id="8" idx="4"/>
+            <a:endCxn id="13" idx="0"/>
+          </p:cNvCxnSpPr>
+          <p:nvPr/>
+        </p:nvCxnSpPr>
+        <p:spPr>
+          <a:xfrm flipH="1">
+            <a:off x="4106454" y="2603855"/>
+            <a:ext cx="1459709" cy="856195"/>
+          </a:xfrm>
+          <a:prstGeom prst="straightConnector1">
+            <a:avLst/>
+          </a:prstGeom>
+          <a:ln w="12700">
+            <a:tailEnd type="triangle"/>
+          </a:ln>
+        </p:spPr>
+        <p:style>
+          <a:lnRef idx="1">
+            <a:schemeClr val="dk1"/>
+          </a:lnRef>
+          <a:fillRef idx="0">
+            <a:schemeClr val="dk1"/>
+          </a:fillRef>
+          <a:effectRef idx="0">
+            <a:schemeClr val="dk1"/>
+          </a:effectRef>
+          <a:fontRef idx="minor">
+            <a:schemeClr val="tx1"/>
+          </a:fontRef>
+        </p:style>
+      </p:cxnSp>
     </p:spTree>
     <p:extLst>
       <p:ext uri="{BB962C8B-B14F-4D97-AF65-F5344CB8AC3E}">
@@ -16956,7 +18177,7 @@
 </p:sld>
 </file>
 
-<file path=ppt/slides/slide26.xml><?xml version="1.0" encoding="utf-8"?>
+<file path=ppt/slides/slide27.xml><?xml version="1.0" encoding="utf-8"?>
 <p:sld xmlns:a="http://schemas.openxmlformats.org/drawingml/2006/main" xmlns:r="http://schemas.openxmlformats.org/officeDocument/2006/relationships" xmlns:p="http://schemas.openxmlformats.org/presentationml/2006/main">
   <p:cSld>
     <p:spTree>
@@ -17055,7 +18276,7 @@
         </p:blipFill>
         <p:spPr>
           <a:xfrm>
-            <a:off x="6142342" y="3429000"/>
+            <a:off x="5891204" y="3495207"/>
             <a:ext cx="5800725" cy="3171825"/>
           </a:xfrm>
           <a:prstGeom prst="rect">
@@ -17203,7 +18424,7 @@
 </p:sld>
 </file>
 
-<file path=ppt/slides/slide27.xml><?xml version="1.0" encoding="utf-8"?>
+<file path=ppt/slides/slide28.xml><?xml version="1.0" encoding="utf-8"?>
 <p:sld xmlns:a="http://schemas.openxmlformats.org/drawingml/2006/main" xmlns:r="http://schemas.openxmlformats.org/officeDocument/2006/relationships" xmlns:p="http://schemas.openxmlformats.org/presentationml/2006/main">
   <p:cSld>
     <p:spTree>
@@ -17331,7 +18552,7 @@
 </p:sld>
 </file>
 
-<file path=ppt/slides/slide28.xml><?xml version="1.0" encoding="utf-8"?>
+<file path=ppt/slides/slide29.xml><?xml version="1.0" encoding="utf-8"?>
 <p:sld xmlns:a="http://schemas.openxmlformats.org/drawingml/2006/main" xmlns:r="http://schemas.openxmlformats.org/officeDocument/2006/relationships" xmlns:p="http://schemas.openxmlformats.org/presentationml/2006/main">
   <p:cSld>
     <p:spTree>
@@ -17438,66 +18659,6 @@
 </p:sld>
 </file>
 
-<file path=ppt/slides/slide29.xml><?xml version="1.0" encoding="utf-8"?>
-<p:sld xmlns:a="http://schemas.openxmlformats.org/drawingml/2006/main" xmlns:r="http://schemas.openxmlformats.org/officeDocument/2006/relationships" xmlns:p="http://schemas.openxmlformats.org/presentationml/2006/main">
-  <p:cSld>
-    <p:spTree>
-      <p:nvGrpSpPr>
-        <p:cNvPr id="1" name=""/>
-        <p:cNvGrpSpPr/>
-        <p:nvPr/>
-      </p:nvGrpSpPr>
-      <p:grpSpPr>
-        <a:xfrm>
-          <a:off x="0" y="0"/>
-          <a:ext cx="0" cy="0"/>
-          <a:chOff x="0" y="0"/>
-          <a:chExt cx="0" cy="0"/>
-        </a:xfrm>
-      </p:grpSpPr>
-      <p:pic>
-        <p:nvPicPr>
-          <p:cNvPr id="4" name="图片 3">
-            <a:extLst>
-              <a:ext uri="{FF2B5EF4-FFF2-40B4-BE49-F238E27FC236}">
-                <a16:creationId xmlns:a16="http://schemas.microsoft.com/office/drawing/2014/main" id="{7003EEEC-DCF6-99AC-B247-DB95EBDA9540}"/>
-              </a:ext>
-            </a:extLst>
-          </p:cNvPr>
-          <p:cNvPicPr>
-            <a:picLocks noChangeAspect="1"/>
-          </p:cNvPicPr>
-          <p:nvPr/>
-        </p:nvPicPr>
-        <p:blipFill>
-          <a:blip r:embed="rId2"/>
-          <a:stretch>
-            <a:fillRect/>
-          </a:stretch>
-        </p:blipFill>
-        <p:spPr>
-          <a:xfrm>
-            <a:off x="1793315" y="2189945"/>
-            <a:ext cx="3724275" cy="2362200"/>
-          </a:xfrm>
-          <a:prstGeom prst="rect">
-            <a:avLst/>
-          </a:prstGeom>
-        </p:spPr>
-      </p:pic>
-    </p:spTree>
-    <p:extLst>
-      <p:ext uri="{BB962C8B-B14F-4D97-AF65-F5344CB8AC3E}">
-        <p14:creationId xmlns:p14="http://schemas.microsoft.com/office/powerpoint/2010/main" val="4191976539"/>
-      </p:ext>
-    </p:extLst>
-  </p:cSld>
-  <p:clrMapOvr>
-    <a:masterClrMapping/>
-  </p:clrMapOvr>
-</p:sld>
-</file>
-
 <file path=ppt/slides/slide3.xml><?xml version="1.0" encoding="utf-8"?>
 <p:sld xmlns:a="http://schemas.openxmlformats.org/drawingml/2006/main" xmlns:r="http://schemas.openxmlformats.org/officeDocument/2006/relationships" xmlns:p="http://schemas.openxmlformats.org/presentationml/2006/main">
   <p:cSld>
@@ -17536,7 +18697,7 @@
           <a:bodyPr/>
           <a:lstStyle/>
           <a:p>
-            <a:endParaRPr lang="fr-CA"/>
+            <a:endParaRPr lang="fr-CA" dirty="0"/>
           </a:p>
         </p:txBody>
       </p:sp>
@@ -17615,6 +18776,66 @@
 </file>
 
 <file path=ppt/slides/slide30.xml><?xml version="1.0" encoding="utf-8"?>
+<p:sld xmlns:a="http://schemas.openxmlformats.org/drawingml/2006/main" xmlns:r="http://schemas.openxmlformats.org/officeDocument/2006/relationships" xmlns:p="http://schemas.openxmlformats.org/presentationml/2006/main">
+  <p:cSld>
+    <p:spTree>
+      <p:nvGrpSpPr>
+        <p:cNvPr id="1" name=""/>
+        <p:cNvGrpSpPr/>
+        <p:nvPr/>
+      </p:nvGrpSpPr>
+      <p:grpSpPr>
+        <a:xfrm>
+          <a:off x="0" y="0"/>
+          <a:ext cx="0" cy="0"/>
+          <a:chOff x="0" y="0"/>
+          <a:chExt cx="0" cy="0"/>
+        </a:xfrm>
+      </p:grpSpPr>
+      <p:pic>
+        <p:nvPicPr>
+          <p:cNvPr id="4" name="图片 3">
+            <a:extLst>
+              <a:ext uri="{FF2B5EF4-FFF2-40B4-BE49-F238E27FC236}">
+                <a16:creationId xmlns:a16="http://schemas.microsoft.com/office/drawing/2014/main" id="{7003EEEC-DCF6-99AC-B247-DB95EBDA9540}"/>
+              </a:ext>
+            </a:extLst>
+          </p:cNvPr>
+          <p:cNvPicPr>
+            <a:picLocks noChangeAspect="1"/>
+          </p:cNvPicPr>
+          <p:nvPr/>
+        </p:nvPicPr>
+        <p:blipFill>
+          <a:blip r:embed="rId2"/>
+          <a:stretch>
+            <a:fillRect/>
+          </a:stretch>
+        </p:blipFill>
+        <p:spPr>
+          <a:xfrm>
+            <a:off x="1793315" y="2189945"/>
+            <a:ext cx="3724275" cy="2362200"/>
+          </a:xfrm>
+          <a:prstGeom prst="rect">
+            <a:avLst/>
+          </a:prstGeom>
+        </p:spPr>
+      </p:pic>
+    </p:spTree>
+    <p:extLst>
+      <p:ext uri="{BB962C8B-B14F-4D97-AF65-F5344CB8AC3E}">
+        <p14:creationId xmlns:p14="http://schemas.microsoft.com/office/powerpoint/2010/main" val="4191976539"/>
+      </p:ext>
+    </p:extLst>
+  </p:cSld>
+  <p:clrMapOvr>
+    <a:masterClrMapping/>
+  </p:clrMapOvr>
+</p:sld>
+</file>
+
+<file path=ppt/slides/slide31.xml><?xml version="1.0" encoding="utf-8"?>
 <p:sld xmlns:a="http://schemas.openxmlformats.org/drawingml/2006/main" xmlns:r="http://schemas.openxmlformats.org/officeDocument/2006/relationships" xmlns:p="http://schemas.openxmlformats.org/presentationml/2006/main" show="0">
   <p:cSld>
     <p:spTree>
@@ -17851,7 +19072,7 @@
 </p:sld>
 </file>
 
-<file path=ppt/slides/slide31.xml><?xml version="1.0" encoding="utf-8"?>
+<file path=ppt/slides/slide32.xml><?xml version="1.0" encoding="utf-8"?>
 <p:sld xmlns:a="http://schemas.openxmlformats.org/drawingml/2006/main" xmlns:r="http://schemas.openxmlformats.org/officeDocument/2006/relationships" xmlns:p="http://schemas.openxmlformats.org/presentationml/2006/main" show="0">
   <p:cSld>
     <p:spTree>
@@ -18070,7 +19291,7 @@
 </p:sld>
 </file>
 
-<file path=ppt/slides/slide32.xml><?xml version="1.0" encoding="utf-8"?>
+<file path=ppt/slides/slide33.xml><?xml version="1.0" encoding="utf-8"?>
 <p:sld xmlns:a="http://schemas.openxmlformats.org/drawingml/2006/main" xmlns:r="http://schemas.openxmlformats.org/officeDocument/2006/relationships" xmlns:p="http://schemas.openxmlformats.org/presentationml/2006/main">
   <p:cSld>
     <p:spTree>
@@ -18289,7 +19510,7 @@
 </p:sld>
 </file>
 
-<file path=ppt/slides/slide33.xml><?xml version="1.0" encoding="utf-8"?>
+<file path=ppt/slides/slide34.xml><?xml version="1.0" encoding="utf-8"?>
 <p:sld xmlns:a="http://schemas.openxmlformats.org/drawingml/2006/main" xmlns:r="http://schemas.openxmlformats.org/officeDocument/2006/relationships" xmlns:p="http://schemas.openxmlformats.org/presentationml/2006/main">
   <p:cSld>
     <p:spTree>
@@ -18538,7 +19759,7 @@
 </p:sld>
 </file>
 
-<file path=ppt/slides/slide34.xml><?xml version="1.0" encoding="utf-8"?>
+<file path=ppt/slides/slide35.xml><?xml version="1.0" encoding="utf-8"?>
 <p:sld xmlns:a="http://schemas.openxmlformats.org/drawingml/2006/main" xmlns:r="http://schemas.openxmlformats.org/officeDocument/2006/relationships" xmlns:p="http://schemas.openxmlformats.org/presentationml/2006/main">
   <p:cSld>
     <p:spTree>
@@ -18689,7 +19910,7 @@
 </p:sld>
 </file>
 
-<file path=ppt/slides/slide35.xml><?xml version="1.0" encoding="utf-8"?>
+<file path=ppt/slides/slide36.xml><?xml version="1.0" encoding="utf-8"?>
 <p:sld xmlns:a="http://schemas.openxmlformats.org/drawingml/2006/main" xmlns:r="http://schemas.openxmlformats.org/officeDocument/2006/relationships" xmlns:p="http://schemas.openxmlformats.org/presentationml/2006/main">
   <p:cSld>
     <p:spTree>
@@ -18896,7 +20117,7 @@
 </p:sld>
 </file>
 
-<file path=ppt/slides/slide36.xml><?xml version="1.0" encoding="utf-8"?>
+<file path=ppt/slides/slide37.xml><?xml version="1.0" encoding="utf-8"?>
 <p:sld xmlns:a="http://schemas.openxmlformats.org/drawingml/2006/main" xmlns:r="http://schemas.openxmlformats.org/officeDocument/2006/relationships" xmlns:p="http://schemas.openxmlformats.org/presentationml/2006/main">
   <p:cSld>
     <p:spTree>
@@ -18956,7 +20177,7 @@
 </p:sld>
 </file>
 
-<file path=ppt/slides/slide37.xml><?xml version="1.0" encoding="utf-8"?>
+<file path=ppt/slides/slide38.xml><?xml version="1.0" encoding="utf-8"?>
 <p:sld xmlns:a="http://schemas.openxmlformats.org/drawingml/2006/main" xmlns:r="http://schemas.openxmlformats.org/officeDocument/2006/relationships" xmlns:p="http://schemas.openxmlformats.org/presentationml/2006/main">
   <p:cSld>
     <p:spTree>
@@ -19134,7 +20355,7 @@
 </p:sld>
 </file>
 
-<file path=ppt/slides/slide38.xml><?xml version="1.0" encoding="utf-8"?>
+<file path=ppt/slides/slide39.xml><?xml version="1.0" encoding="utf-8"?>
 <p:sld xmlns:a="http://schemas.openxmlformats.org/drawingml/2006/main" xmlns:r="http://schemas.openxmlformats.org/officeDocument/2006/relationships" xmlns:p="http://schemas.openxmlformats.org/presentationml/2006/main">
   <p:cSld>
     <p:spTree>
@@ -19211,64 +20432,12 @@
           <a:chExt cx="0" cy="0"/>
         </a:xfrm>
       </p:grpSpPr>
-      <p:sp>
-        <p:nvSpPr>
-          <p:cNvPr id="27" name="文本框 26">
+      <p:grpSp>
+        <p:nvGrpSpPr>
+          <p:cNvPr id="16" name="组合 15">
             <a:extLst>
               <a:ext uri="{FF2B5EF4-FFF2-40B4-BE49-F238E27FC236}">
-                <a16:creationId xmlns:a16="http://schemas.microsoft.com/office/drawing/2014/main" id="{412B4C09-93C5-55DB-8C38-2EC1B1EB50DD}"/>
-              </a:ext>
-            </a:extLst>
-          </p:cNvPr>
-          <p:cNvSpPr txBox="1"/>
-          <p:nvPr/>
-        </p:nvSpPr>
-        <p:spPr>
-          <a:xfrm>
-            <a:off x="8140649" y="4596692"/>
-            <a:ext cx="3297124" cy="369332"/>
-          </a:xfrm>
-          <a:prstGeom prst="rect">
-            <a:avLst/>
-          </a:prstGeom>
-          <a:noFill/>
-        </p:spPr>
-        <p:txBody>
-          <a:bodyPr wrap="square" rtlCol="0">
-            <a:spAutoFit/>
-          </a:bodyPr>
-          <a:lstStyle/>
-          <a:p>
-            <a:r>
-              <a:rPr lang="fr-CA" dirty="0">
-                <a:latin typeface="Times New Roman" panose="02020603050405020304" pitchFamily="18" charset="0"/>
-                <a:cs typeface="Times New Roman" panose="02020603050405020304" pitchFamily="18" charset="0"/>
-              </a:rPr>
-              <a:t>Dataset: T </a:t>
-            </a:r>
-            <a:r>
-              <a:rPr lang="en-US" altLang="zh-CN" dirty="0">
-                <a:latin typeface="Times New Roman" panose="02020603050405020304" pitchFamily="18" charset="0"/>
-                <a:cs typeface="Times New Roman" panose="02020603050405020304" pitchFamily="18" charset="0"/>
-              </a:rPr>
-              <a:t>×</a:t>
-            </a:r>
-            <a:r>
-              <a:rPr lang="fr-CA" dirty="0">
-                <a:latin typeface="Times New Roman" panose="02020603050405020304" pitchFamily="18" charset="0"/>
-                <a:cs typeface="Times New Roman" panose="02020603050405020304" pitchFamily="18" charset="0"/>
-              </a:rPr>
-              <a:t> (S*(max_len*2))</a:t>
-            </a:r>
-          </a:p>
-        </p:txBody>
-      </p:sp>
-      <p:grpSp>
-        <p:nvGrpSpPr>
-          <p:cNvPr id="1047" name="组合 1046">
-            <a:extLst>
-              <a:ext uri="{FF2B5EF4-FFF2-40B4-BE49-F238E27FC236}">
-                <a16:creationId xmlns:a16="http://schemas.microsoft.com/office/drawing/2014/main" id="{06F6EB05-928E-DC70-C4FA-738BD659D553}"/>
+                <a16:creationId xmlns:a16="http://schemas.microsoft.com/office/drawing/2014/main" id="{446BF06D-586F-B95D-F4F1-0C21417A764F}"/>
               </a:ext>
             </a:extLst>
           </p:cNvPr>
@@ -19277,18 +20446,70 @@
         </p:nvGrpSpPr>
         <p:grpSpPr>
           <a:xfrm>
-            <a:off x="613610" y="269285"/>
-            <a:ext cx="6947939" cy="6263232"/>
+            <a:off x="613610" y="237088"/>
+            <a:ext cx="10824163" cy="6265591"/>
             <a:chOff x="613610" y="269285"/>
-            <a:chExt cx="6947939" cy="6263232"/>
+            <a:chExt cx="10824163" cy="6265591"/>
           </a:xfrm>
         </p:grpSpPr>
+        <p:sp>
+          <p:nvSpPr>
+            <p:cNvPr id="27" name="文本框 26">
+              <a:extLst>
+                <a:ext uri="{FF2B5EF4-FFF2-40B4-BE49-F238E27FC236}">
+                  <a16:creationId xmlns:a16="http://schemas.microsoft.com/office/drawing/2014/main" id="{412B4C09-93C5-55DB-8C38-2EC1B1EB50DD}"/>
+                </a:ext>
+              </a:extLst>
+            </p:cNvPr>
+            <p:cNvSpPr txBox="1"/>
+            <p:nvPr/>
+          </p:nvSpPr>
+          <p:spPr>
+            <a:xfrm>
+              <a:off x="8140649" y="4596692"/>
+              <a:ext cx="3297124" cy="369332"/>
+            </a:xfrm>
+            <a:prstGeom prst="rect">
+              <a:avLst/>
+            </a:prstGeom>
+            <a:noFill/>
+          </p:spPr>
+          <p:txBody>
+            <a:bodyPr wrap="square" rtlCol="0">
+              <a:spAutoFit/>
+            </a:bodyPr>
+            <a:lstStyle/>
+            <a:p>
+              <a:r>
+                <a:rPr lang="fr-CA" dirty="0">
+                  <a:latin typeface="Times New Roman" panose="02020603050405020304" pitchFamily="18" charset="0"/>
+                  <a:cs typeface="Times New Roman" panose="02020603050405020304" pitchFamily="18" charset="0"/>
+                </a:rPr>
+                <a:t>Dataset: T </a:t>
+              </a:r>
+              <a:r>
+                <a:rPr lang="en-US" altLang="zh-CN" dirty="0">
+                  <a:latin typeface="Times New Roman" panose="02020603050405020304" pitchFamily="18" charset="0"/>
+                  <a:cs typeface="Times New Roman" panose="02020603050405020304" pitchFamily="18" charset="0"/>
+                </a:rPr>
+                <a:t>×</a:t>
+              </a:r>
+              <a:r>
+                <a:rPr lang="fr-CA" dirty="0">
+                  <a:latin typeface="Times New Roman" panose="02020603050405020304" pitchFamily="18" charset="0"/>
+                  <a:cs typeface="Times New Roman" panose="02020603050405020304" pitchFamily="18" charset="0"/>
+                </a:rPr>
+                <a:t> (R*(M*2))</a:t>
+              </a:r>
+            </a:p>
+          </p:txBody>
+        </p:sp>
         <p:grpSp>
           <p:nvGrpSpPr>
-            <p:cNvPr id="11" name="组合 10">
+            <p:cNvPr id="1047" name="组合 1046">
               <a:extLst>
                 <a:ext uri="{FF2B5EF4-FFF2-40B4-BE49-F238E27FC236}">
-                  <a16:creationId xmlns:a16="http://schemas.microsoft.com/office/drawing/2014/main" id="{2EC6188E-66CA-4DC5-18B3-0E13AA9F26E7}"/>
+                  <a16:creationId xmlns:a16="http://schemas.microsoft.com/office/drawing/2014/main" id="{06F6EB05-928E-DC70-C4FA-738BD659D553}"/>
                 </a:ext>
               </a:extLst>
             </p:cNvPr>
@@ -19297,56 +20518,18 @@
           </p:nvGrpSpPr>
           <p:grpSpPr>
             <a:xfrm>
-              <a:off x="613610" y="2028352"/>
-              <a:ext cx="3058732" cy="2545862"/>
-              <a:chOff x="1706451" y="1420831"/>
-              <a:chExt cx="3058732" cy="2545862"/>
+              <a:off x="613610" y="269285"/>
+              <a:ext cx="6947939" cy="6265591"/>
+              <a:chOff x="613610" y="269285"/>
+              <a:chExt cx="6947939" cy="6265591"/>
             </a:xfrm>
           </p:grpSpPr>
-          <p:sp>
-            <p:nvSpPr>
-              <p:cNvPr id="3" name="文本框 2">
+          <p:grpSp>
+            <p:nvGrpSpPr>
+              <p:cNvPr id="11" name="组合 10">
                 <a:extLst>
                   <a:ext uri="{FF2B5EF4-FFF2-40B4-BE49-F238E27FC236}">
-                    <a16:creationId xmlns:a16="http://schemas.microsoft.com/office/drawing/2014/main" id="{7ED07546-7C75-F33F-1BD1-E8FBC7E84F7C}"/>
-                  </a:ext>
-                </a:extLst>
-              </p:cNvPr>
-              <p:cNvSpPr txBox="1"/>
-              <p:nvPr/>
-            </p:nvSpPr>
-            <p:spPr>
-              <a:xfrm>
-                <a:off x="1706451" y="2678543"/>
-                <a:ext cx="45719" cy="369332"/>
-              </a:xfrm>
-              <a:prstGeom prst="rect">
-                <a:avLst/>
-              </a:prstGeom>
-              <a:noFill/>
-            </p:spPr>
-            <p:txBody>
-              <a:bodyPr wrap="square" rtlCol="0">
-                <a:spAutoFit/>
-              </a:bodyPr>
-              <a:lstStyle/>
-              <a:p>
-                <a:r>
-                  <a:rPr lang="fr-CA" dirty="0">
-                    <a:latin typeface="Times New Roman" panose="02020603050405020304" pitchFamily="18" charset="0"/>
-                    <a:cs typeface="Times New Roman" panose="02020603050405020304" pitchFamily="18" charset="0"/>
-                  </a:rPr>
-                  <a:t>T</a:t>
-                </a:r>
-              </a:p>
-            </p:txBody>
-          </p:sp>
-          <p:grpSp>
-            <p:nvGrpSpPr>
-              <p:cNvPr id="10" name="组合 9">
-                <a:extLst>
-                  <a:ext uri="{FF2B5EF4-FFF2-40B4-BE49-F238E27FC236}">
-                    <a16:creationId xmlns:a16="http://schemas.microsoft.com/office/drawing/2014/main" id="{8BB0D0AF-6585-C371-4C0A-0705768C0944}"/>
+                    <a16:creationId xmlns:a16="http://schemas.microsoft.com/office/drawing/2014/main" id="{2EC6188E-66CA-4DC5-18B3-0E13AA9F26E7}"/>
                   </a:ext>
                 </a:extLst>
               </p:cNvPr>
@@ -19355,62 +20538,18 @@
             </p:nvGrpSpPr>
             <p:grpSpPr>
               <a:xfrm>
-                <a:off x="2105695" y="1420831"/>
-                <a:ext cx="2659488" cy="2545862"/>
-                <a:chOff x="2292439" y="1195451"/>
-                <a:chExt cx="2659488" cy="2545862"/>
+                <a:off x="613610" y="2028352"/>
+                <a:ext cx="3058732" cy="2545862"/>
+                <a:chOff x="1706451" y="1420831"/>
+                <a:chExt cx="3058732" cy="2545862"/>
               </a:xfrm>
             </p:grpSpPr>
             <p:sp>
               <p:nvSpPr>
-                <p:cNvPr id="2" name="双括号 1">
+                <p:cNvPr id="3" name="文本框 2">
                   <a:extLst>
                     <a:ext uri="{FF2B5EF4-FFF2-40B4-BE49-F238E27FC236}">
-                      <a16:creationId xmlns:a16="http://schemas.microsoft.com/office/drawing/2014/main" id="{3154EFFB-0C32-C996-A425-F9C2CDD385C3}"/>
-                    </a:ext>
-                  </a:extLst>
-                </p:cNvPr>
-                <p:cNvSpPr/>
-                <p:nvPr/>
-              </p:nvSpPr>
-              <p:spPr>
-                <a:xfrm>
-                  <a:off x="2292439" y="1564783"/>
-                  <a:ext cx="2659488" cy="2176530"/>
-                </a:xfrm>
-                <a:prstGeom prst="bracketPair">
-                  <a:avLst/>
-                </a:prstGeom>
-              </p:spPr>
-              <p:style>
-                <a:lnRef idx="1">
-                  <a:schemeClr val="dk1"/>
-                </a:lnRef>
-                <a:fillRef idx="0">
-                  <a:schemeClr val="dk1"/>
-                </a:fillRef>
-                <a:effectRef idx="0">
-                  <a:schemeClr val="dk1"/>
-                </a:effectRef>
-                <a:fontRef idx="minor">
-                  <a:schemeClr val="tx1"/>
-                </a:fontRef>
-              </p:style>
-              <p:txBody>
-                <a:bodyPr rtlCol="0" anchor="ctr"/>
-                <a:lstStyle/>
-                <a:p>
-                  <a:pPr algn="ctr"/>
-                  <a:endParaRPr lang="fr-CA"/>
-                </a:p>
-              </p:txBody>
-            </p:sp>
-            <p:sp>
-              <p:nvSpPr>
-                <p:cNvPr id="4" name="文本框 3">
-                  <a:extLst>
-                    <a:ext uri="{FF2B5EF4-FFF2-40B4-BE49-F238E27FC236}">
-                      <a16:creationId xmlns:a16="http://schemas.microsoft.com/office/drawing/2014/main" id="{72DF73CA-49C4-9C0C-D58E-855238EC6C03}"/>
+                      <a16:creationId xmlns:a16="http://schemas.microsoft.com/office/drawing/2014/main" id="{7ED07546-7C75-F33F-1BD1-E8FBC7E84F7C}"/>
                     </a:ext>
                   </a:extLst>
                 </p:cNvPr>
@@ -19419,8 +20558,8 @@
               </p:nvSpPr>
               <p:spPr>
                 <a:xfrm>
-                  <a:off x="3394871" y="1195451"/>
-                  <a:ext cx="454624" cy="369332"/>
+                  <a:off x="1706451" y="2678543"/>
+                  <a:ext cx="45719" cy="369332"/>
                 </a:xfrm>
                 <a:prstGeom prst="rect">
                   <a:avLst/>
@@ -19438,288 +20577,370 @@
                       <a:latin typeface="Times New Roman" panose="02020603050405020304" pitchFamily="18" charset="0"/>
                       <a:cs typeface="Times New Roman" panose="02020603050405020304" pitchFamily="18" charset="0"/>
                     </a:rPr>
-                    <a:t>S</a:t>
+                    <a:t>T</a:t>
                   </a:r>
                 </a:p>
               </p:txBody>
             </p:sp>
-            <p:pic>
-              <p:nvPicPr>
-                <p:cNvPr id="1026" name="Picture 2" descr="ECE 429">
+            <p:grpSp>
+              <p:nvGrpSpPr>
+                <p:cNvPr id="10" name="组合 9">
                   <a:extLst>
                     <a:ext uri="{FF2B5EF4-FFF2-40B4-BE49-F238E27FC236}">
-                      <a16:creationId xmlns:a16="http://schemas.microsoft.com/office/drawing/2014/main" id="{7CB509D4-2380-6A4E-A8D5-AF3460AAABA8}"/>
+                      <a16:creationId xmlns:a16="http://schemas.microsoft.com/office/drawing/2014/main" id="{8BB0D0AF-6585-C371-4C0A-0705768C0944}"/>
                     </a:ext>
                   </a:extLst>
                 </p:cNvPr>
-                <p:cNvPicPr>
-                  <a:picLocks noChangeAspect="1" noChangeArrowheads="1"/>
-                </p:cNvPicPr>
+                <p:cNvGrpSpPr/>
                 <p:nvPr/>
-              </p:nvPicPr>
-              <p:blipFill>
-                <a:blip r:embed="rId2">
+              </p:nvGrpSpPr>
+              <p:grpSpPr>
+                <a:xfrm>
+                  <a:off x="2105695" y="1420831"/>
+                  <a:ext cx="2659488" cy="2545862"/>
+                  <a:chOff x="2292439" y="1195451"/>
+                  <a:chExt cx="2659488" cy="2545862"/>
+                </a:xfrm>
+              </p:grpSpPr>
+              <p:sp>
+                <p:nvSpPr>
+                  <p:cNvPr id="2" name="双括号 1">
+                    <a:extLst>
+                      <a:ext uri="{FF2B5EF4-FFF2-40B4-BE49-F238E27FC236}">
+                        <a16:creationId xmlns:a16="http://schemas.microsoft.com/office/drawing/2014/main" id="{3154EFFB-0C32-C996-A425-F9C2CDD385C3}"/>
+                      </a:ext>
+                    </a:extLst>
+                  </p:cNvPr>
+                  <p:cNvSpPr/>
+                  <p:nvPr/>
+                </p:nvSpPr>
+                <p:spPr>
+                  <a:xfrm>
+                    <a:off x="2292439" y="1564783"/>
+                    <a:ext cx="2659488" cy="2176530"/>
+                  </a:xfrm>
+                  <a:prstGeom prst="bracketPair">
+                    <a:avLst/>
+                  </a:prstGeom>
+                </p:spPr>
+                <p:style>
+                  <a:lnRef idx="1">
+                    <a:schemeClr val="dk1"/>
+                  </a:lnRef>
+                  <a:fillRef idx="0">
+                    <a:schemeClr val="dk1"/>
+                  </a:fillRef>
+                  <a:effectRef idx="0">
+                    <a:schemeClr val="dk1"/>
+                  </a:effectRef>
+                  <a:fontRef idx="minor">
+                    <a:schemeClr val="tx1"/>
+                  </a:fontRef>
+                </p:style>
+                <p:txBody>
+                  <a:bodyPr rtlCol="0" anchor="ctr"/>
+                  <a:lstStyle/>
+                  <a:p>
+                    <a:pPr algn="ctr"/>
+                    <a:endParaRPr lang="fr-CA"/>
+                  </a:p>
+                </p:txBody>
+              </p:sp>
+              <p:sp>
+                <p:nvSpPr>
+                  <p:cNvPr id="4" name="文本框 3">
+                    <a:extLst>
+                      <a:ext uri="{FF2B5EF4-FFF2-40B4-BE49-F238E27FC236}">
+                        <a16:creationId xmlns:a16="http://schemas.microsoft.com/office/drawing/2014/main" id="{72DF73CA-49C4-9C0C-D58E-855238EC6C03}"/>
+                      </a:ext>
+                    </a:extLst>
+                  </p:cNvPr>
+                  <p:cNvSpPr txBox="1"/>
+                  <p:nvPr/>
+                </p:nvSpPr>
+                <p:spPr>
+                  <a:xfrm>
+                    <a:off x="3394871" y="1195451"/>
+                    <a:ext cx="454624" cy="369332"/>
+                  </a:xfrm>
+                  <a:prstGeom prst="rect">
+                    <a:avLst/>
+                  </a:prstGeom>
+                  <a:noFill/>
+                </p:spPr>
+                <p:txBody>
+                  <a:bodyPr wrap="square" rtlCol="0">
+                    <a:spAutoFit/>
+                  </a:bodyPr>
+                  <a:lstStyle/>
+                  <a:p>
+                    <a:r>
+                      <a:rPr lang="fr-CA" dirty="0">
+                        <a:latin typeface="Times New Roman" panose="02020603050405020304" pitchFamily="18" charset="0"/>
+                        <a:cs typeface="Times New Roman" panose="02020603050405020304" pitchFamily="18" charset="0"/>
+                      </a:rPr>
+                      <a:t>R</a:t>
+                    </a:r>
+                  </a:p>
+                </p:txBody>
+              </p:sp>
+              <p:pic>
+                <p:nvPicPr>
+                  <p:cNvPr id="1026" name="Picture 2" descr="ECE 429">
+                    <a:extLst>
+                      <a:ext uri="{FF2B5EF4-FFF2-40B4-BE49-F238E27FC236}">
+                        <a16:creationId xmlns:a16="http://schemas.microsoft.com/office/drawing/2014/main" id="{7CB509D4-2380-6A4E-A8D5-AF3460AAABA8}"/>
+                      </a:ext>
+                    </a:extLst>
+                  </p:cNvPr>
+                  <p:cNvPicPr>
+                    <a:picLocks noChangeAspect="1" noChangeArrowheads="1"/>
+                  </p:cNvPicPr>
+                  <p:nvPr/>
+                </p:nvPicPr>
+                <p:blipFill>
+                  <a:blip r:embed="rId2">
+                    <a:extLst>
+                      <a:ext uri="{28A0092B-C50C-407E-A947-70E740481C1C}">
+                        <a14:useLocalDpi xmlns:a14="http://schemas.microsoft.com/office/drawing/2010/main" val="0"/>
+                      </a:ext>
+                    </a:extLst>
+                  </a:blip>
+                  <a:srcRect/>
+                  <a:stretch>
+                    <a:fillRect/>
+                  </a:stretch>
+                </p:blipFill>
+                <p:spPr bwMode="auto">
+                  <a:xfrm>
+                    <a:off x="2498690" y="1674388"/>
+                    <a:ext cx="661788" cy="495702"/>
+                  </a:xfrm>
+                  <a:prstGeom prst="rect">
+                    <a:avLst/>
+                  </a:prstGeom>
+                  <a:noFill/>
                   <a:extLst>
-                    <a:ext uri="{28A0092B-C50C-407E-A947-70E740481C1C}">
-                      <a14:useLocalDpi xmlns:a14="http://schemas.microsoft.com/office/drawing/2010/main" val="0"/>
+                    <a:ext uri="{909E8E84-426E-40DD-AFC4-6F175D3DCCD1}">
+                      <a14:hiddenFill xmlns:a14="http://schemas.microsoft.com/office/drawing/2010/main">
+                        <a:solidFill>
+                          <a:srgbClr val="FFFFFF"/>
+                        </a:solidFill>
+                      </a14:hiddenFill>
                     </a:ext>
                   </a:extLst>
-                </a:blip>
-                <a:srcRect/>
-                <a:stretch>
-                  <a:fillRect/>
-                </a:stretch>
-              </p:blipFill>
-              <p:spPr bwMode="auto">
-                <a:xfrm>
-                  <a:off x="2498690" y="1674388"/>
-                  <a:ext cx="661788" cy="495702"/>
-                </a:xfrm>
-                <a:prstGeom prst="rect">
-                  <a:avLst/>
-                </a:prstGeom>
-                <a:noFill/>
-                <a:extLst>
-                  <a:ext uri="{909E8E84-426E-40DD-AFC4-6F175D3DCCD1}">
-                    <a14:hiddenFill xmlns:a14="http://schemas.microsoft.com/office/drawing/2010/main">
-                      <a:solidFill>
-                        <a:srgbClr val="FFFFFF"/>
-                      </a:solidFill>
-                    </a14:hiddenFill>
-                  </a:ext>
-                </a:extLst>
-              </p:spPr>
-            </p:pic>
-            <p:pic>
-              <p:nvPicPr>
-                <p:cNvPr id="1028" name="Picture 4" descr="Impulse response of non-causal filter ψ(z) = 6/(z + 4 + z −1 ) | Download  Scientific Diagram">
+                </p:spPr>
+              </p:pic>
+              <p:pic>
+                <p:nvPicPr>
+                  <p:cNvPr id="1028" name="Picture 4" descr="Impulse response of non-causal filter ψ(z) = 6/(z + 4 + z −1 ) | Download  Scientific Diagram">
+                    <a:extLst>
+                      <a:ext uri="{FF2B5EF4-FFF2-40B4-BE49-F238E27FC236}">
+                        <a16:creationId xmlns:a16="http://schemas.microsoft.com/office/drawing/2014/main" id="{41F210B3-B840-BFF3-9EA1-6515BD6CDB70}"/>
+                      </a:ext>
+                    </a:extLst>
+                  </p:cNvPr>
+                  <p:cNvPicPr>
+                    <a:picLocks noChangeAspect="1" noChangeArrowheads="1"/>
+                  </p:cNvPicPr>
+                  <p:nvPr/>
+                </p:nvPicPr>
+                <p:blipFill>
+                  <a:blip r:embed="rId3">
+                    <a:extLst>
+                      <a:ext uri="{28A0092B-C50C-407E-A947-70E740481C1C}">
+                        <a14:useLocalDpi xmlns:a14="http://schemas.microsoft.com/office/drawing/2010/main" val="0"/>
+                      </a:ext>
+                    </a:extLst>
+                  </a:blip>
+                  <a:srcRect/>
+                  <a:stretch>
+                    <a:fillRect/>
+                  </a:stretch>
+                </p:blipFill>
+                <p:spPr bwMode="auto">
+                  <a:xfrm>
+                    <a:off x="4160432" y="3076040"/>
+                    <a:ext cx="678892" cy="508514"/>
+                  </a:xfrm>
+                  <a:prstGeom prst="rect">
+                    <a:avLst/>
+                  </a:prstGeom>
+                  <a:noFill/>
                   <a:extLst>
-                    <a:ext uri="{FF2B5EF4-FFF2-40B4-BE49-F238E27FC236}">
-                      <a16:creationId xmlns:a16="http://schemas.microsoft.com/office/drawing/2014/main" id="{41F210B3-B840-BFF3-9EA1-6515BD6CDB70}"/>
+                    <a:ext uri="{909E8E84-426E-40DD-AFC4-6F175D3DCCD1}">
+                      <a14:hiddenFill xmlns:a14="http://schemas.microsoft.com/office/drawing/2010/main">
+                        <a:solidFill>
+                          <a:srgbClr val="FFFFFF"/>
+                        </a:solidFill>
+                      </a14:hiddenFill>
                     </a:ext>
                   </a:extLst>
-                </p:cNvPr>
-                <p:cNvPicPr>
-                  <a:picLocks noChangeAspect="1" noChangeArrowheads="1"/>
-                </p:cNvPicPr>
-                <p:nvPr/>
-              </p:nvPicPr>
-              <p:blipFill>
-                <a:blip r:embed="rId3">
+                </p:spPr>
+              </p:pic>
+              <p:pic>
+                <p:nvPicPr>
+                  <p:cNvPr id="1030" name="Picture 6">
+                    <a:extLst>
+                      <a:ext uri="{FF2B5EF4-FFF2-40B4-BE49-F238E27FC236}">
+                        <a16:creationId xmlns:a16="http://schemas.microsoft.com/office/drawing/2014/main" id="{3C140B33-D77A-A5A5-1CFB-E281986D8428}"/>
+                      </a:ext>
+                    </a:extLst>
+                  </p:cNvPr>
+                  <p:cNvPicPr>
+                    <a:picLocks noChangeAspect="1" noChangeArrowheads="1"/>
+                  </p:cNvPicPr>
+                  <p:nvPr/>
+                </p:nvPicPr>
+                <p:blipFill>
+                  <a:blip r:embed="rId4">
+                    <a:extLst>
+                      <a:ext uri="{28A0092B-C50C-407E-A947-70E740481C1C}">
+                        <a14:useLocalDpi xmlns:a14="http://schemas.microsoft.com/office/drawing/2010/main" val="0"/>
+                      </a:ext>
+                    </a:extLst>
+                  </a:blip>
+                  <a:srcRect/>
+                  <a:stretch>
+                    <a:fillRect/>
+                  </a:stretch>
+                </p:blipFill>
+                <p:spPr bwMode="auto">
+                  <a:xfrm>
+                    <a:off x="2499542" y="3076040"/>
+                    <a:ext cx="660936" cy="495702"/>
+                  </a:xfrm>
+                  <a:prstGeom prst="rect">
+                    <a:avLst/>
+                  </a:prstGeom>
+                  <a:noFill/>
                   <a:extLst>
-                    <a:ext uri="{28A0092B-C50C-407E-A947-70E740481C1C}">
-                      <a14:useLocalDpi xmlns:a14="http://schemas.microsoft.com/office/drawing/2010/main" val="0"/>
+                    <a:ext uri="{909E8E84-426E-40DD-AFC4-6F175D3DCCD1}">
+                      <a14:hiddenFill xmlns:a14="http://schemas.microsoft.com/office/drawing/2010/main">
+                        <a:solidFill>
+                          <a:srgbClr val="FFFFFF"/>
+                        </a:solidFill>
+                      </a14:hiddenFill>
                     </a:ext>
                   </a:extLst>
-                </a:blip>
-                <a:srcRect/>
-                <a:stretch>
-                  <a:fillRect/>
-                </a:stretch>
-              </p:blipFill>
-              <p:spPr bwMode="auto">
-                <a:xfrm>
-                  <a:off x="4160432" y="3076040"/>
-                  <a:ext cx="678892" cy="508514"/>
-                </a:xfrm>
-                <a:prstGeom prst="rect">
-                  <a:avLst/>
-                </a:prstGeom>
-                <a:noFill/>
-                <a:extLst>
-                  <a:ext uri="{909E8E84-426E-40DD-AFC4-6F175D3DCCD1}">
-                    <a14:hiddenFill xmlns:a14="http://schemas.microsoft.com/office/drawing/2010/main">
-                      <a:solidFill>
-                        <a:srgbClr val="FFFFFF"/>
-                      </a:solidFill>
-                    </a14:hiddenFill>
-                  </a:ext>
-                </a:extLst>
-              </p:spPr>
-            </p:pic>
-            <p:pic>
-              <p:nvPicPr>
-                <p:cNvPr id="1030" name="Picture 6">
-                  <a:extLst>
-                    <a:ext uri="{FF2B5EF4-FFF2-40B4-BE49-F238E27FC236}">
-                      <a16:creationId xmlns:a16="http://schemas.microsoft.com/office/drawing/2014/main" id="{3C140B33-D77A-A5A5-1CFB-E281986D8428}"/>
-                    </a:ext>
-                  </a:extLst>
-                </p:cNvPr>
-                <p:cNvPicPr>
-                  <a:picLocks noChangeAspect="1" noChangeArrowheads="1"/>
-                </p:cNvPicPr>
-                <p:nvPr/>
-              </p:nvPicPr>
-              <p:blipFill>
-                <a:blip r:embed="rId4">
-                  <a:extLst>
-                    <a:ext uri="{28A0092B-C50C-407E-A947-70E740481C1C}">
-                      <a14:useLocalDpi xmlns:a14="http://schemas.microsoft.com/office/drawing/2010/main" val="0"/>
-                    </a:ext>
-                  </a:extLst>
-                </a:blip>
-                <a:srcRect/>
-                <a:stretch>
-                  <a:fillRect/>
-                </a:stretch>
-              </p:blipFill>
-              <p:spPr bwMode="auto">
-                <a:xfrm>
-                  <a:off x="2499542" y="3076040"/>
-                  <a:ext cx="660936" cy="495702"/>
-                </a:xfrm>
-                <a:prstGeom prst="rect">
-                  <a:avLst/>
-                </a:prstGeom>
-                <a:noFill/>
-                <a:extLst>
-                  <a:ext uri="{909E8E84-426E-40DD-AFC4-6F175D3DCCD1}">
-                    <a14:hiddenFill xmlns:a14="http://schemas.microsoft.com/office/drawing/2010/main">
-                      <a:solidFill>
-                        <a:srgbClr val="FFFFFF"/>
-                      </a:solidFill>
-                    </a14:hiddenFill>
-                  </a:ext>
-                </a:extLst>
-              </p:spPr>
-            </p:pic>
-            <p:sp>
-              <p:nvSpPr>
-                <p:cNvPr id="7" name="文本框 6">
-                  <a:extLst>
-                    <a:ext uri="{FF2B5EF4-FFF2-40B4-BE49-F238E27FC236}">
-                      <a16:creationId xmlns:a16="http://schemas.microsoft.com/office/drawing/2014/main" id="{B13241C6-0989-1BBB-B23B-9CC2AF567FCC}"/>
-                    </a:ext>
-                  </a:extLst>
-                </p:cNvPr>
-                <p:cNvSpPr txBox="1"/>
-                <p:nvPr/>
-              </p:nvSpPr>
-              <p:spPr>
-                <a:xfrm>
-                  <a:off x="3520441" y="3145631"/>
-                  <a:ext cx="444321" cy="369332"/>
-                </a:xfrm>
-                <a:prstGeom prst="rect">
-                  <a:avLst/>
-                </a:prstGeom>
-                <a:noFill/>
-              </p:spPr>
-              <p:txBody>
-                <a:bodyPr wrap="square" rtlCol="0">
-                  <a:spAutoFit/>
-                </a:bodyPr>
-                <a:lstStyle/>
-                <a:p>
-                  <a:r>
-                    <a:rPr lang="en-US" altLang="zh-CN" dirty="0"/>
-                    <a:t>…</a:t>
-                  </a:r>
-                  <a:endParaRPr lang="fr-CA" dirty="0"/>
-                </a:p>
-              </p:txBody>
-            </p:sp>
-            <p:sp>
-              <p:nvSpPr>
-                <p:cNvPr id="8" name="文本框 7">
-                  <a:extLst>
-                    <a:ext uri="{FF2B5EF4-FFF2-40B4-BE49-F238E27FC236}">
-                      <a16:creationId xmlns:a16="http://schemas.microsoft.com/office/drawing/2014/main" id="{72F1C536-1ED5-8659-75DB-4C3539BCD653}"/>
-                    </a:ext>
-                  </a:extLst>
-                </p:cNvPr>
-                <p:cNvSpPr txBox="1"/>
-                <p:nvPr/>
-              </p:nvSpPr>
-              <p:spPr>
-                <a:xfrm rot="2076893">
-                  <a:off x="3520442" y="2406967"/>
-                  <a:ext cx="444321" cy="369332"/>
-                </a:xfrm>
-                <a:prstGeom prst="rect">
-                  <a:avLst/>
-                </a:prstGeom>
-                <a:noFill/>
-              </p:spPr>
-              <p:txBody>
-                <a:bodyPr wrap="square" rtlCol="0">
-                  <a:spAutoFit/>
-                </a:bodyPr>
-                <a:lstStyle/>
-                <a:p>
-                  <a:r>
-                    <a:rPr lang="en-US" altLang="zh-CN" dirty="0"/>
-                    <a:t>…</a:t>
-                  </a:r>
-                  <a:endParaRPr lang="fr-CA" dirty="0"/>
-                </a:p>
-              </p:txBody>
-            </p:sp>
-            <p:sp>
-              <p:nvSpPr>
-                <p:cNvPr id="9" name="文本框 8">
-                  <a:extLst>
-                    <a:ext uri="{FF2B5EF4-FFF2-40B4-BE49-F238E27FC236}">
-                      <a16:creationId xmlns:a16="http://schemas.microsoft.com/office/drawing/2014/main" id="{BAA6B680-EF04-7F11-CFD9-20442886F06B}"/>
-                    </a:ext>
-                  </a:extLst>
-                </p:cNvPr>
-                <p:cNvSpPr txBox="1"/>
-                <p:nvPr/>
-              </p:nvSpPr>
-              <p:spPr>
-                <a:xfrm>
-                  <a:off x="4277717" y="1800758"/>
-                  <a:ext cx="444321" cy="369332"/>
-                </a:xfrm>
-                <a:prstGeom prst="rect">
-                  <a:avLst/>
-                </a:prstGeom>
-                <a:noFill/>
-              </p:spPr>
-              <p:txBody>
-                <a:bodyPr wrap="square" rtlCol="0">
-                  <a:spAutoFit/>
-                </a:bodyPr>
-                <a:lstStyle/>
-                <a:p>
-                  <a:r>
-                    <a:rPr lang="en-US" altLang="zh-CN" dirty="0"/>
-                    <a:t>…</a:t>
-                  </a:r>
-                  <a:endParaRPr lang="fr-CA" dirty="0"/>
-                </a:p>
-              </p:txBody>
-            </p:sp>
+                </p:spPr>
+              </p:pic>
+              <p:sp>
+                <p:nvSpPr>
+                  <p:cNvPr id="7" name="文本框 6">
+                    <a:extLst>
+                      <a:ext uri="{FF2B5EF4-FFF2-40B4-BE49-F238E27FC236}">
+                        <a16:creationId xmlns:a16="http://schemas.microsoft.com/office/drawing/2014/main" id="{B13241C6-0989-1BBB-B23B-9CC2AF567FCC}"/>
+                      </a:ext>
+                    </a:extLst>
+                  </p:cNvPr>
+                  <p:cNvSpPr txBox="1"/>
+                  <p:nvPr/>
+                </p:nvSpPr>
+                <p:spPr>
+                  <a:xfrm>
+                    <a:off x="3520441" y="3145631"/>
+                    <a:ext cx="444321" cy="369332"/>
+                  </a:xfrm>
+                  <a:prstGeom prst="rect">
+                    <a:avLst/>
+                  </a:prstGeom>
+                  <a:noFill/>
+                </p:spPr>
+                <p:txBody>
+                  <a:bodyPr wrap="square" rtlCol="0">
+                    <a:spAutoFit/>
+                  </a:bodyPr>
+                  <a:lstStyle/>
+                  <a:p>
+                    <a:r>
+                      <a:rPr lang="en-US" altLang="zh-CN" dirty="0"/>
+                      <a:t>…</a:t>
+                    </a:r>
+                    <a:endParaRPr lang="fr-CA" dirty="0"/>
+                  </a:p>
+                </p:txBody>
+              </p:sp>
+              <p:sp>
+                <p:nvSpPr>
+                  <p:cNvPr id="8" name="文本框 7">
+                    <a:extLst>
+                      <a:ext uri="{FF2B5EF4-FFF2-40B4-BE49-F238E27FC236}">
+                        <a16:creationId xmlns:a16="http://schemas.microsoft.com/office/drawing/2014/main" id="{72F1C536-1ED5-8659-75DB-4C3539BCD653}"/>
+                      </a:ext>
+                    </a:extLst>
+                  </p:cNvPr>
+                  <p:cNvSpPr txBox="1"/>
+                  <p:nvPr/>
+                </p:nvSpPr>
+                <p:spPr>
+                  <a:xfrm rot="2076893">
+                    <a:off x="3520442" y="2406967"/>
+                    <a:ext cx="444321" cy="369332"/>
+                  </a:xfrm>
+                  <a:prstGeom prst="rect">
+                    <a:avLst/>
+                  </a:prstGeom>
+                  <a:noFill/>
+                </p:spPr>
+                <p:txBody>
+                  <a:bodyPr wrap="square" rtlCol="0">
+                    <a:spAutoFit/>
+                  </a:bodyPr>
+                  <a:lstStyle/>
+                  <a:p>
+                    <a:r>
+                      <a:rPr lang="en-US" altLang="zh-CN" dirty="0"/>
+                      <a:t>…</a:t>
+                    </a:r>
+                    <a:endParaRPr lang="fr-CA" dirty="0"/>
+                  </a:p>
+                </p:txBody>
+              </p:sp>
+              <p:sp>
+                <p:nvSpPr>
+                  <p:cNvPr id="9" name="文本框 8">
+                    <a:extLst>
+                      <a:ext uri="{FF2B5EF4-FFF2-40B4-BE49-F238E27FC236}">
+                        <a16:creationId xmlns:a16="http://schemas.microsoft.com/office/drawing/2014/main" id="{BAA6B680-EF04-7F11-CFD9-20442886F06B}"/>
+                      </a:ext>
+                    </a:extLst>
+                  </p:cNvPr>
+                  <p:cNvSpPr txBox="1"/>
+                  <p:nvPr/>
+                </p:nvSpPr>
+                <p:spPr>
+                  <a:xfrm>
+                    <a:off x="4277717" y="1800758"/>
+                    <a:ext cx="444321" cy="369332"/>
+                  </a:xfrm>
+                  <a:prstGeom prst="rect">
+                    <a:avLst/>
+                  </a:prstGeom>
+                  <a:noFill/>
+                </p:spPr>
+                <p:txBody>
+                  <a:bodyPr wrap="square" rtlCol="0">
+                    <a:spAutoFit/>
+                  </a:bodyPr>
+                  <a:lstStyle/>
+                  <a:p>
+                    <a:r>
+                      <a:rPr lang="en-US" altLang="zh-CN" dirty="0"/>
+                      <a:t>…</a:t>
+                    </a:r>
+                    <a:endParaRPr lang="fr-CA" dirty="0"/>
+                  </a:p>
+                </p:txBody>
+              </p:sp>
+            </p:grpSp>
           </p:grpSp>
-        </p:grpSp>
-        <p:grpSp>
-          <p:nvGrpSpPr>
-            <p:cNvPr id="31" name="组合 30">
-              <a:extLst>
-                <a:ext uri="{FF2B5EF4-FFF2-40B4-BE49-F238E27FC236}">
-                  <a16:creationId xmlns:a16="http://schemas.microsoft.com/office/drawing/2014/main" id="{CF96FC14-3CF9-4382-61C4-17E215201044}"/>
-                </a:ext>
-              </a:extLst>
-            </p:cNvPr>
-            <p:cNvGrpSpPr/>
-            <p:nvPr/>
-          </p:nvGrpSpPr>
-          <p:grpSpPr>
-            <a:xfrm>
-              <a:off x="1696878" y="269285"/>
-              <a:ext cx="4185632" cy="1480238"/>
-              <a:chOff x="3802574" y="95139"/>
-              <a:chExt cx="4185632" cy="1480238"/>
-            </a:xfrm>
-          </p:grpSpPr>
           <p:grpSp>
             <p:nvGrpSpPr>
-              <p:cNvPr id="23" name="组合 22">
+              <p:cNvPr id="31" name="组合 30">
                 <a:extLst>
                   <a:ext uri="{FF2B5EF4-FFF2-40B4-BE49-F238E27FC236}">
-                    <a16:creationId xmlns:a16="http://schemas.microsoft.com/office/drawing/2014/main" id="{F3B20B7D-C662-6E18-7FA2-26F8A7C4F2E6}"/>
+                    <a16:creationId xmlns:a16="http://schemas.microsoft.com/office/drawing/2014/main" id="{CF96FC14-3CF9-4382-61C4-17E215201044}"/>
                   </a:ext>
                 </a:extLst>
               </p:cNvPr>
@@ -19728,489 +20949,18 @@
             </p:nvGrpSpPr>
             <p:grpSpPr>
               <a:xfrm>
-                <a:off x="3802574" y="706053"/>
-                <a:ext cx="4185632" cy="869324"/>
-                <a:chOff x="5512159" y="1448874"/>
-                <a:chExt cx="4185632" cy="869324"/>
-              </a:xfrm>
-            </p:grpSpPr>
-            <p:sp>
-              <p:nvSpPr>
-                <p:cNvPr id="5" name="椭圆 4">
-                  <a:extLst>
-                    <a:ext uri="{FF2B5EF4-FFF2-40B4-BE49-F238E27FC236}">
-                      <a16:creationId xmlns:a16="http://schemas.microsoft.com/office/drawing/2014/main" id="{8510C33A-2E30-0F02-149D-5FD74D9E15EF}"/>
-                    </a:ext>
-                  </a:extLst>
-                </p:cNvPr>
-                <p:cNvSpPr/>
-                <p:nvPr/>
-              </p:nvSpPr>
-              <p:spPr>
-                <a:xfrm>
-                  <a:off x="5673145" y="1545466"/>
-                  <a:ext cx="682580" cy="682580"/>
-                </a:xfrm>
-                <a:prstGeom prst="ellipse">
-                  <a:avLst/>
-                </a:prstGeom>
-                <a:solidFill>
-                  <a:schemeClr val="accent2"/>
-                </a:solidFill>
-              </p:spPr>
-              <p:style>
-                <a:lnRef idx="2">
-                  <a:schemeClr val="accent1">
-                    <a:shade val="50000"/>
-                  </a:schemeClr>
-                </a:lnRef>
-                <a:fillRef idx="1">
-                  <a:schemeClr val="accent1"/>
-                </a:fillRef>
-                <a:effectRef idx="0">
-                  <a:schemeClr val="accent1"/>
-                </a:effectRef>
-                <a:fontRef idx="minor">
-                  <a:schemeClr val="lt1"/>
-                </a:fontRef>
-              </p:style>
-              <p:txBody>
-                <a:bodyPr rtlCol="0" anchor="ctr"/>
-                <a:lstStyle/>
-                <a:p>
-                  <a:pPr algn="ctr"/>
-                  <a:r>
-                    <a:rPr lang="el-GR" altLang="zh-CN" dirty="0"/>
-                    <a:t>Τ</a:t>
-                  </a:r>
-                  <a:r>
-                    <a:rPr lang="en-US" altLang="zh-CN" baseline="-25000" dirty="0"/>
-                    <a:t>11</a:t>
-                  </a:r>
-                  <a:r>
-                    <a:rPr lang="zh-CN" altLang="en-US" dirty="0"/>
-                    <a:t> </a:t>
-                  </a:r>
-                  <a:r>
-                    <a:rPr lang="en-US" altLang="zh-CN" dirty="0"/>
-                    <a:t>a</a:t>
-                  </a:r>
-                  <a:r>
-                    <a:rPr lang="en-US" altLang="zh-CN" baseline="-25000" dirty="0"/>
-                    <a:t>11</a:t>
-                  </a:r>
-                  <a:endParaRPr lang="fr-CA" baseline="-25000" dirty="0"/>
-                </a:p>
-              </p:txBody>
-            </p:sp>
-            <p:sp>
-              <p:nvSpPr>
-                <p:cNvPr id="6" name="椭圆 5">
-                  <a:extLst>
-                    <a:ext uri="{FF2B5EF4-FFF2-40B4-BE49-F238E27FC236}">
-                      <a16:creationId xmlns:a16="http://schemas.microsoft.com/office/drawing/2014/main" id="{FCA7210E-EFD8-9443-DDC2-1B9D79D3A427}"/>
-                    </a:ext>
-                  </a:extLst>
-                </p:cNvPr>
-                <p:cNvSpPr/>
-                <p:nvPr/>
-              </p:nvSpPr>
-              <p:spPr>
-                <a:xfrm>
-                  <a:off x="6545688" y="1560213"/>
-                  <a:ext cx="682580" cy="682580"/>
-                </a:xfrm>
-                <a:prstGeom prst="ellipse">
-                  <a:avLst/>
-                </a:prstGeom>
-                <a:solidFill>
-                  <a:schemeClr val="accent2"/>
-                </a:solidFill>
-              </p:spPr>
-              <p:style>
-                <a:lnRef idx="2">
-                  <a:schemeClr val="accent1">
-                    <a:shade val="50000"/>
-                  </a:schemeClr>
-                </a:lnRef>
-                <a:fillRef idx="1">
-                  <a:schemeClr val="accent1"/>
-                </a:fillRef>
-                <a:effectRef idx="0">
-                  <a:schemeClr val="accent1"/>
-                </a:effectRef>
-                <a:fontRef idx="minor">
-                  <a:schemeClr val="lt1"/>
-                </a:fontRef>
-              </p:style>
-              <p:txBody>
-                <a:bodyPr rtlCol="0" anchor="ctr"/>
-                <a:lstStyle/>
-                <a:p>
-                  <a:pPr algn="ctr"/>
-                  <a:r>
-                    <a:rPr lang="el-GR" altLang="zh-CN" dirty="0"/>
-                    <a:t>Τ</a:t>
-                  </a:r>
-                  <a:r>
-                    <a:rPr lang="en-US" altLang="zh-CN" baseline="-25000" dirty="0"/>
-                    <a:t>12</a:t>
-                  </a:r>
-                  <a:r>
-                    <a:rPr lang="zh-CN" altLang="en-US" dirty="0"/>
-                    <a:t> </a:t>
-                  </a:r>
-                  <a:r>
-                    <a:rPr lang="en-US" altLang="zh-CN" dirty="0"/>
-                    <a:t>a</a:t>
-                  </a:r>
-                  <a:r>
-                    <a:rPr lang="en-US" altLang="zh-CN" baseline="-25000" dirty="0"/>
-                    <a:t>12</a:t>
-                  </a:r>
-                  <a:endParaRPr lang="fr-CA" baseline="-25000" dirty="0"/>
-                </a:p>
-              </p:txBody>
-            </p:sp>
-            <p:sp>
-              <p:nvSpPr>
-                <p:cNvPr id="17" name="椭圆 16">
-                  <a:extLst>
-                    <a:ext uri="{FF2B5EF4-FFF2-40B4-BE49-F238E27FC236}">
-                      <a16:creationId xmlns:a16="http://schemas.microsoft.com/office/drawing/2014/main" id="{D46166D1-19F9-1ACB-368E-F08A08BFC947}"/>
-                    </a:ext>
-                  </a:extLst>
-                </p:cNvPr>
-                <p:cNvSpPr/>
-                <p:nvPr/>
-              </p:nvSpPr>
-              <p:spPr>
-                <a:xfrm>
-                  <a:off x="7431113" y="1562706"/>
-                  <a:ext cx="682580" cy="682580"/>
-                </a:xfrm>
-                <a:prstGeom prst="ellipse">
-                  <a:avLst/>
-                </a:prstGeom>
-                <a:solidFill>
-                  <a:schemeClr val="accent1"/>
-                </a:solidFill>
-              </p:spPr>
-              <p:style>
-                <a:lnRef idx="2">
-                  <a:schemeClr val="accent1">
-                    <a:shade val="50000"/>
-                  </a:schemeClr>
-                </a:lnRef>
-                <a:fillRef idx="1">
-                  <a:schemeClr val="accent1"/>
-                </a:fillRef>
-                <a:effectRef idx="0">
-                  <a:schemeClr val="accent1"/>
-                </a:effectRef>
-                <a:fontRef idx="minor">
-                  <a:schemeClr val="lt1"/>
-                </a:fontRef>
-              </p:style>
-              <p:txBody>
-                <a:bodyPr rtlCol="0" anchor="ctr"/>
-                <a:lstStyle/>
-                <a:p>
-                  <a:pPr algn="ctr"/>
-                  <a:r>
-                    <a:rPr lang="en-US" altLang="zh-CN" dirty="0"/>
-                    <a:t>0</a:t>
-                  </a:r>
-                </a:p>
-                <a:p>
-                  <a:pPr algn="ctr"/>
-                  <a:r>
-                    <a:rPr lang="en-US" altLang="zh-CN" dirty="0"/>
-                    <a:t>0</a:t>
-                  </a:r>
-                </a:p>
-              </p:txBody>
-            </p:sp>
-            <p:sp>
-              <p:nvSpPr>
-                <p:cNvPr id="18" name="椭圆 17">
-                  <a:extLst>
-                    <a:ext uri="{FF2B5EF4-FFF2-40B4-BE49-F238E27FC236}">
-                      <a16:creationId xmlns:a16="http://schemas.microsoft.com/office/drawing/2014/main" id="{A3ED7C0F-B34B-4156-38E8-42F148D7B66C}"/>
-                    </a:ext>
-                  </a:extLst>
-                </p:cNvPr>
-                <p:cNvSpPr/>
-                <p:nvPr/>
-              </p:nvSpPr>
-              <p:spPr>
-                <a:xfrm>
-                  <a:off x="8800566" y="1545466"/>
-                  <a:ext cx="682580" cy="682580"/>
-                </a:xfrm>
-                <a:prstGeom prst="ellipse">
-                  <a:avLst/>
-                </a:prstGeom>
-                <a:solidFill>
-                  <a:schemeClr val="accent1"/>
-                </a:solidFill>
-              </p:spPr>
-              <p:style>
-                <a:lnRef idx="2">
-                  <a:schemeClr val="accent1">
-                    <a:shade val="50000"/>
-                  </a:schemeClr>
-                </a:lnRef>
-                <a:fillRef idx="1">
-                  <a:schemeClr val="accent1"/>
-                </a:fillRef>
-                <a:effectRef idx="0">
-                  <a:schemeClr val="accent1"/>
-                </a:effectRef>
-                <a:fontRef idx="minor">
-                  <a:schemeClr val="lt1"/>
-                </a:fontRef>
-              </p:style>
-              <p:txBody>
-                <a:bodyPr rtlCol="0" anchor="ctr"/>
-                <a:lstStyle/>
-                <a:p>
-                  <a:pPr algn="ctr"/>
-                  <a:r>
-                    <a:rPr lang="en-US" altLang="zh-CN" dirty="0"/>
-                    <a:t>0</a:t>
-                  </a:r>
-                </a:p>
-                <a:p>
-                  <a:pPr algn="ctr"/>
-                  <a:r>
-                    <a:rPr lang="en-US" altLang="zh-CN" dirty="0"/>
-                    <a:t>0</a:t>
-                  </a:r>
-                </a:p>
-              </p:txBody>
-            </p:sp>
-            <p:sp>
-              <p:nvSpPr>
-                <p:cNvPr id="21" name="文本框 20">
-                  <a:extLst>
-                    <a:ext uri="{FF2B5EF4-FFF2-40B4-BE49-F238E27FC236}">
-                      <a16:creationId xmlns:a16="http://schemas.microsoft.com/office/drawing/2014/main" id="{01A5894A-C321-EDBB-BAFA-3702B6898AFE}"/>
-                    </a:ext>
-                  </a:extLst>
-                </p:cNvPr>
-                <p:cNvSpPr txBox="1"/>
-                <p:nvPr/>
-              </p:nvSpPr>
-              <p:spPr>
-                <a:xfrm>
-                  <a:off x="8295927" y="1760043"/>
-                  <a:ext cx="444321" cy="369332"/>
-                </a:xfrm>
-                <a:prstGeom prst="rect">
-                  <a:avLst/>
-                </a:prstGeom>
-                <a:noFill/>
-              </p:spPr>
-              <p:txBody>
-                <a:bodyPr wrap="square" rtlCol="0">
-                  <a:spAutoFit/>
-                </a:bodyPr>
-                <a:lstStyle/>
-                <a:p>
-                  <a:r>
-                    <a:rPr lang="en-US" altLang="zh-CN" dirty="0"/>
-                    <a:t>…</a:t>
-                  </a:r>
-                  <a:endParaRPr lang="fr-CA" dirty="0"/>
-                </a:p>
-              </p:txBody>
-            </p:sp>
-            <p:sp>
-              <p:nvSpPr>
-                <p:cNvPr id="22" name="矩形: 圆角 21">
-                  <a:extLst>
-                    <a:ext uri="{FF2B5EF4-FFF2-40B4-BE49-F238E27FC236}">
-                      <a16:creationId xmlns:a16="http://schemas.microsoft.com/office/drawing/2014/main" id="{274FBFB9-8872-D2F8-797D-AFBF090699B8}"/>
-                    </a:ext>
-                  </a:extLst>
-                </p:cNvPr>
-                <p:cNvSpPr/>
-                <p:nvPr/>
-              </p:nvSpPr>
-              <p:spPr>
-                <a:xfrm>
-                  <a:off x="5512159" y="1448874"/>
-                  <a:ext cx="4185632" cy="869324"/>
-                </a:xfrm>
-                <a:prstGeom prst="roundRect">
-                  <a:avLst/>
-                </a:prstGeom>
-                <a:noFill/>
-                <a:ln>
-                  <a:solidFill>
-                    <a:schemeClr val="tx1"/>
-                  </a:solidFill>
-                  <a:prstDash val="dash"/>
-                </a:ln>
-              </p:spPr>
-              <p:style>
-                <a:lnRef idx="2">
-                  <a:schemeClr val="accent6"/>
-                </a:lnRef>
-                <a:fillRef idx="1">
-                  <a:schemeClr val="lt1"/>
-                </a:fillRef>
-                <a:effectRef idx="0">
-                  <a:schemeClr val="accent6"/>
-                </a:effectRef>
-                <a:fontRef idx="minor">
-                  <a:schemeClr val="dk1"/>
-                </a:fontRef>
-              </p:style>
-              <p:txBody>
-                <a:bodyPr rtlCol="0" anchor="ctr"/>
-                <a:lstStyle/>
-                <a:p>
-                  <a:pPr algn="ctr"/>
-                  <a:endParaRPr lang="fr-CA" dirty="0"/>
-                </a:p>
-              </p:txBody>
-            </p:sp>
-          </p:grpSp>
-          <p:sp>
-            <p:nvSpPr>
-              <p:cNvPr id="29" name="文本框 28">
-                <a:extLst>
-                  <a:ext uri="{FF2B5EF4-FFF2-40B4-BE49-F238E27FC236}">
-                    <a16:creationId xmlns:a16="http://schemas.microsoft.com/office/drawing/2014/main" id="{E5849036-6D67-EE34-34A7-ABFEA325B2C3}"/>
-                  </a:ext>
-                </a:extLst>
-              </p:cNvPr>
-              <p:cNvSpPr txBox="1"/>
-              <p:nvPr/>
-            </p:nvSpPr>
-            <p:spPr>
-              <a:xfrm>
-                <a:off x="5400910" y="95139"/>
-                <a:ext cx="1501093" cy="369332"/>
-              </a:xfrm>
-              <a:prstGeom prst="rect">
-                <a:avLst/>
-              </a:prstGeom>
-              <a:noFill/>
-            </p:spPr>
-            <p:txBody>
-              <a:bodyPr wrap="square" rtlCol="0">
-                <a:spAutoFit/>
-              </a:bodyPr>
-              <a:lstStyle/>
-              <a:p>
-                <a:r>
-                  <a:rPr lang="en-US" altLang="zh-CN" dirty="0">
-                    <a:latin typeface="Times New Roman" panose="02020603050405020304" pitchFamily="18" charset="0"/>
-                    <a:cs typeface="Times New Roman" panose="02020603050405020304" pitchFamily="18" charset="0"/>
-                  </a:rPr>
-                  <a:t>Max length</a:t>
-                </a:r>
-                <a:endParaRPr lang="fr-CA" dirty="0">
-                  <a:latin typeface="Times New Roman" panose="02020603050405020304" pitchFamily="18" charset="0"/>
-                  <a:cs typeface="Times New Roman" panose="02020603050405020304" pitchFamily="18" charset="0"/>
-                </a:endParaRPr>
-              </a:p>
-            </p:txBody>
-          </p:sp>
-          <p:sp>
-            <p:nvSpPr>
-              <p:cNvPr id="30" name="左大括号 29">
-                <a:extLst>
-                  <a:ext uri="{FF2B5EF4-FFF2-40B4-BE49-F238E27FC236}">
-                    <a16:creationId xmlns:a16="http://schemas.microsoft.com/office/drawing/2014/main" id="{1FC73122-E856-2C55-00E1-DA36D55465D0}"/>
-                  </a:ext>
-                </a:extLst>
-              </p:cNvPr>
-              <p:cNvSpPr/>
-              <p:nvPr/>
-            </p:nvSpPr>
-            <p:spPr>
-              <a:xfrm rot="5400000">
-                <a:off x="5779975" y="-1531154"/>
-                <a:ext cx="343433" cy="4073029"/>
-              </a:xfrm>
-              <a:prstGeom prst="leftBrace">
-                <a:avLst/>
-              </a:prstGeom>
-            </p:spPr>
-            <p:style>
-              <a:lnRef idx="1">
-                <a:schemeClr val="dk1"/>
-              </a:lnRef>
-              <a:fillRef idx="0">
-                <a:schemeClr val="dk1"/>
-              </a:fillRef>
-              <a:effectRef idx="0">
-                <a:schemeClr val="dk1"/>
-              </a:effectRef>
-              <a:fontRef idx="minor">
-                <a:schemeClr val="tx1"/>
-              </a:fontRef>
-            </p:style>
-            <p:txBody>
-              <a:bodyPr rtlCol="0" anchor="ctr"/>
-              <a:lstStyle/>
-              <a:p>
-                <a:pPr algn="ctr"/>
-                <a:endParaRPr lang="fr-CA"/>
-              </a:p>
-            </p:txBody>
-          </p:sp>
-        </p:grpSp>
-        <p:grpSp>
-          <p:nvGrpSpPr>
-            <p:cNvPr id="43" name="组合 42">
-              <a:extLst>
-                <a:ext uri="{FF2B5EF4-FFF2-40B4-BE49-F238E27FC236}">
-                  <a16:creationId xmlns:a16="http://schemas.microsoft.com/office/drawing/2014/main" id="{CF5E160E-F6F3-46BD-84C8-2BB215B5D79D}"/>
-                </a:ext>
-              </a:extLst>
-            </p:cNvPr>
-            <p:cNvGrpSpPr/>
-            <p:nvPr/>
-          </p:nvGrpSpPr>
-          <p:grpSpPr>
-            <a:xfrm>
-              <a:off x="2824544" y="3760757"/>
-              <a:ext cx="4737005" cy="2771760"/>
-              <a:chOff x="2824544" y="3760757"/>
-              <a:chExt cx="4737005" cy="2771760"/>
-            </a:xfrm>
-          </p:grpSpPr>
-          <p:grpSp>
-            <p:nvGrpSpPr>
-              <p:cNvPr id="33" name="组合 32">
-                <a:extLst>
-                  <a:ext uri="{FF2B5EF4-FFF2-40B4-BE49-F238E27FC236}">
-                    <a16:creationId xmlns:a16="http://schemas.microsoft.com/office/drawing/2014/main" id="{9578CD9F-AA6F-E750-91DA-EDB0DCE8E93F}"/>
-                  </a:ext>
-                </a:extLst>
-              </p:cNvPr>
-              <p:cNvGrpSpPr/>
-              <p:nvPr/>
-            </p:nvGrpSpPr>
-            <p:grpSpPr>
-              <a:xfrm>
-                <a:off x="3375917" y="5033063"/>
-                <a:ext cx="4185632" cy="1499454"/>
-                <a:chOff x="3240967" y="5027189"/>
-                <a:chExt cx="4185632" cy="1499454"/>
+                <a:off x="1696878" y="269285"/>
+                <a:ext cx="4185632" cy="1480238"/>
+                <a:chOff x="3802574" y="95139"/>
+                <a:chExt cx="4185632" cy="1480238"/>
               </a:xfrm>
             </p:grpSpPr>
             <p:grpSp>
               <p:nvGrpSpPr>
-                <p:cNvPr id="26" name="组合 25">
+                <p:cNvPr id="23" name="组合 22">
                   <a:extLst>
                     <a:ext uri="{FF2B5EF4-FFF2-40B4-BE49-F238E27FC236}">
-                      <a16:creationId xmlns:a16="http://schemas.microsoft.com/office/drawing/2014/main" id="{AECEC30C-8BC3-BDC8-EB16-A6F51559BE2B}"/>
+                      <a16:creationId xmlns:a16="http://schemas.microsoft.com/office/drawing/2014/main" id="{F3B20B7D-C662-6E18-7FA2-26F8A7C4F2E6}"/>
                     </a:ext>
                   </a:extLst>
                 </p:cNvPr>
@@ -20219,18 +20969,18 @@
               </p:nvGrpSpPr>
               <p:grpSpPr>
                 <a:xfrm>
-                  <a:off x="3240967" y="5027189"/>
+                  <a:off x="3802574" y="706053"/>
                   <a:ext cx="4185632" cy="869324"/>
-                  <a:chOff x="5528045" y="2289218"/>
+                  <a:chOff x="5512159" y="1448874"/>
                   <a:chExt cx="4185632" cy="869324"/>
                 </a:xfrm>
               </p:grpSpPr>
               <p:sp>
                 <p:nvSpPr>
-                  <p:cNvPr id="12" name="椭圆 11">
+                  <p:cNvPr id="5" name="椭圆 4">
                     <a:extLst>
                       <a:ext uri="{FF2B5EF4-FFF2-40B4-BE49-F238E27FC236}">
-                        <a16:creationId xmlns:a16="http://schemas.microsoft.com/office/drawing/2014/main" id="{9FE5077D-7524-2F7B-6BB0-A8EEC332FB2F}"/>
+                        <a16:creationId xmlns:a16="http://schemas.microsoft.com/office/drawing/2014/main" id="{8510C33A-2E30-0F02-149D-5FD74D9E15EF}"/>
                       </a:ext>
                     </a:extLst>
                   </p:cNvPr>
@@ -20239,7 +20989,7 @@
                 </p:nvSpPr>
                 <p:spPr>
                   <a:xfrm>
-                    <a:off x="5673145" y="2365350"/>
+                    <a:off x="5673145" y="1545466"/>
                     <a:ext cx="682580" cy="682580"/>
                   </a:xfrm>
                   <a:prstGeom prst="ellipse">
@@ -20276,7 +21026,7 @@
                     </a:r>
                     <a:r>
                       <a:rPr lang="en-US" altLang="zh-CN" baseline="-25000" dirty="0"/>
-                      <a:t>21</a:t>
+                      <a:t>11</a:t>
                     </a:r>
                     <a:r>
                       <a:rPr lang="zh-CN" altLang="en-US" dirty="0"/>
@@ -20288,7 +21038,7 @@
                     </a:r>
                     <a:r>
                       <a:rPr lang="en-US" altLang="zh-CN" baseline="-25000" dirty="0"/>
-                      <a:t>21</a:t>
+                      <a:t>11</a:t>
                     </a:r>
                     <a:endParaRPr lang="fr-CA" baseline="-25000" dirty="0"/>
                   </a:p>
@@ -20296,10 +21046,10 @@
               </p:sp>
               <p:sp>
                 <p:nvSpPr>
-                  <p:cNvPr id="13" name="椭圆 12">
+                  <p:cNvPr id="6" name="椭圆 5">
                     <a:extLst>
                       <a:ext uri="{FF2B5EF4-FFF2-40B4-BE49-F238E27FC236}">
-                        <a16:creationId xmlns:a16="http://schemas.microsoft.com/office/drawing/2014/main" id="{A9591625-AA15-013C-0E00-4938845110DA}"/>
+                        <a16:creationId xmlns:a16="http://schemas.microsoft.com/office/drawing/2014/main" id="{FCA7210E-EFD8-9443-DDC2-1B9D79D3A427}"/>
                       </a:ext>
                     </a:extLst>
                   </p:cNvPr>
@@ -20308,7 +21058,7 @@
                 </p:nvSpPr>
                 <p:spPr>
                   <a:xfrm>
-                    <a:off x="6545688" y="2365350"/>
+                    <a:off x="6545688" y="1560213"/>
                     <a:ext cx="682580" cy="682580"/>
                   </a:xfrm>
                   <a:prstGeom prst="ellipse">
@@ -20345,7 +21095,7 @@
                     </a:r>
                     <a:r>
                       <a:rPr lang="en-US" altLang="zh-CN" baseline="-25000" dirty="0"/>
-                      <a:t>22</a:t>
+                      <a:t>12</a:t>
                     </a:r>
                     <a:r>
                       <a:rPr lang="zh-CN" altLang="en-US" dirty="0"/>
@@ -20357,7 +21107,7 @@
                     </a:r>
                     <a:r>
                       <a:rPr lang="en-US" altLang="zh-CN" baseline="-25000" dirty="0"/>
-                      <a:t>22</a:t>
+                      <a:t>12</a:t>
                     </a:r>
                     <a:endParaRPr lang="fr-CA" baseline="-25000" dirty="0"/>
                   </a:p>
@@ -20365,10 +21115,10 @@
               </p:sp>
               <p:sp>
                 <p:nvSpPr>
-                  <p:cNvPr id="14" name="椭圆 13">
+                  <p:cNvPr id="17" name="椭圆 16">
                     <a:extLst>
                       <a:ext uri="{FF2B5EF4-FFF2-40B4-BE49-F238E27FC236}">
-                        <a16:creationId xmlns:a16="http://schemas.microsoft.com/office/drawing/2014/main" id="{638CD329-AF57-2FC3-3BED-94EFAC8E4579}"/>
+                        <a16:creationId xmlns:a16="http://schemas.microsoft.com/office/drawing/2014/main" id="{D46166D1-19F9-1ACB-368E-F08A08BFC947}"/>
                       </a:ext>
                     </a:extLst>
                   </p:cNvPr>
@@ -20377,76 +21127,7 @@
                 </p:nvSpPr>
                 <p:spPr>
                   <a:xfrm>
-                    <a:off x="7431113" y="2382590"/>
-                    <a:ext cx="682580" cy="682580"/>
-                  </a:xfrm>
-                  <a:prstGeom prst="ellipse">
-                    <a:avLst/>
-                  </a:prstGeom>
-                  <a:solidFill>
-                    <a:schemeClr val="accent2"/>
-                  </a:solidFill>
-                </p:spPr>
-                <p:style>
-                  <a:lnRef idx="2">
-                    <a:schemeClr val="accent1">
-                      <a:shade val="50000"/>
-                    </a:schemeClr>
-                  </a:lnRef>
-                  <a:fillRef idx="1">
-                    <a:schemeClr val="accent1"/>
-                  </a:fillRef>
-                  <a:effectRef idx="0">
-                    <a:schemeClr val="accent1"/>
-                  </a:effectRef>
-                  <a:fontRef idx="minor">
-                    <a:schemeClr val="lt1"/>
-                  </a:fontRef>
-                </p:style>
-                <p:txBody>
-                  <a:bodyPr rtlCol="0" anchor="ctr"/>
-                  <a:lstStyle/>
-                  <a:p>
-                    <a:pPr algn="ctr"/>
-                    <a:r>
-                      <a:rPr lang="el-GR" altLang="zh-CN" dirty="0"/>
-                      <a:t>Τ</a:t>
-                    </a:r>
-                    <a:r>
-                      <a:rPr lang="en-US" altLang="zh-CN" baseline="-25000" dirty="0"/>
-                      <a:t>23</a:t>
-                    </a:r>
-                    <a:r>
-                      <a:rPr lang="zh-CN" altLang="en-US" dirty="0"/>
-                      <a:t> </a:t>
-                    </a:r>
-                    <a:r>
-                      <a:rPr lang="en-US" altLang="zh-CN" dirty="0"/>
-                      <a:t>a</a:t>
-                    </a:r>
-                    <a:r>
-                      <a:rPr lang="en-US" altLang="zh-CN" baseline="-25000" dirty="0"/>
-                      <a:t>23</a:t>
-                    </a:r>
-                    <a:endParaRPr lang="fr-CA" baseline="-25000" dirty="0"/>
-                  </a:p>
-                </p:txBody>
-              </p:sp>
-              <p:sp>
-                <p:nvSpPr>
-                  <p:cNvPr id="19" name="椭圆 18">
-                    <a:extLst>
-                      <a:ext uri="{FF2B5EF4-FFF2-40B4-BE49-F238E27FC236}">
-                        <a16:creationId xmlns:a16="http://schemas.microsoft.com/office/drawing/2014/main" id="{CB927E2C-493D-D941-6647-31F4AAF241C1}"/>
-                      </a:ext>
-                    </a:extLst>
-                  </p:cNvPr>
-                  <p:cNvSpPr/>
-                  <p:nvPr/>
-                </p:nvSpPr>
-                <p:spPr>
-                  <a:xfrm>
-                    <a:off x="8847791" y="2350394"/>
+                    <a:off x="7431113" y="1562706"/>
                     <a:ext cx="682580" cy="682580"/>
                   </a:xfrm>
                   <a:prstGeom prst="ellipse">
@@ -20493,10 +21174,69 @@
               </p:sp>
               <p:sp>
                 <p:nvSpPr>
-                  <p:cNvPr id="20" name="文本框 19">
+                  <p:cNvPr id="18" name="椭圆 17">
                     <a:extLst>
                       <a:ext uri="{FF2B5EF4-FFF2-40B4-BE49-F238E27FC236}">
-                        <a16:creationId xmlns:a16="http://schemas.microsoft.com/office/drawing/2014/main" id="{B41F5B72-ADA9-61F5-F7AF-6B558C1D1750}"/>
+                        <a16:creationId xmlns:a16="http://schemas.microsoft.com/office/drawing/2014/main" id="{A3ED7C0F-B34B-4156-38E8-42F148D7B66C}"/>
+                      </a:ext>
+                    </a:extLst>
+                  </p:cNvPr>
+                  <p:cNvSpPr/>
+                  <p:nvPr/>
+                </p:nvSpPr>
+                <p:spPr>
+                  <a:xfrm>
+                    <a:off x="8800566" y="1545466"/>
+                    <a:ext cx="682580" cy="682580"/>
+                  </a:xfrm>
+                  <a:prstGeom prst="ellipse">
+                    <a:avLst/>
+                  </a:prstGeom>
+                  <a:solidFill>
+                    <a:schemeClr val="accent1"/>
+                  </a:solidFill>
+                </p:spPr>
+                <p:style>
+                  <a:lnRef idx="2">
+                    <a:schemeClr val="accent1">
+                      <a:shade val="50000"/>
+                    </a:schemeClr>
+                  </a:lnRef>
+                  <a:fillRef idx="1">
+                    <a:schemeClr val="accent1"/>
+                  </a:fillRef>
+                  <a:effectRef idx="0">
+                    <a:schemeClr val="accent1"/>
+                  </a:effectRef>
+                  <a:fontRef idx="minor">
+                    <a:schemeClr val="lt1"/>
+                  </a:fontRef>
+                </p:style>
+                <p:txBody>
+                  <a:bodyPr rtlCol="0" anchor="ctr"/>
+                  <a:lstStyle/>
+                  <a:p>
+                    <a:pPr algn="ctr"/>
+                    <a:r>
+                      <a:rPr lang="en-US" altLang="zh-CN" dirty="0"/>
+                      <a:t>0</a:t>
+                    </a:r>
+                  </a:p>
+                  <a:p>
+                    <a:pPr algn="ctr"/>
+                    <a:r>
+                      <a:rPr lang="en-US" altLang="zh-CN" dirty="0"/>
+                      <a:t>0</a:t>
+                    </a:r>
+                  </a:p>
+                </p:txBody>
+              </p:sp>
+              <p:sp>
+                <p:nvSpPr>
+                  <p:cNvPr id="21" name="文本框 20">
+                    <a:extLst>
+                      <a:ext uri="{FF2B5EF4-FFF2-40B4-BE49-F238E27FC236}">
+                        <a16:creationId xmlns:a16="http://schemas.microsoft.com/office/drawing/2014/main" id="{01A5894A-C321-EDBB-BAFA-3702B6898AFE}"/>
                       </a:ext>
                     </a:extLst>
                   </p:cNvPr>
@@ -20505,7 +21245,7 @@
                 </p:nvSpPr>
                 <p:spPr>
                   <a:xfrm>
-                    <a:off x="8295928" y="2550016"/>
+                    <a:off x="8295927" y="1760043"/>
                     <a:ext cx="444321" cy="369332"/>
                   </a:xfrm>
                   <a:prstGeom prst="rect">
@@ -20529,10 +21269,10 @@
               </p:sp>
               <p:sp>
                 <p:nvSpPr>
-                  <p:cNvPr id="25" name="矩形: 圆角 24">
+                  <p:cNvPr id="22" name="矩形: 圆角 21">
                     <a:extLst>
                       <a:ext uri="{FF2B5EF4-FFF2-40B4-BE49-F238E27FC236}">
-                        <a16:creationId xmlns:a16="http://schemas.microsoft.com/office/drawing/2014/main" id="{15DFB9F9-911B-0DE9-B928-D7F9DBEA62AC}"/>
+                        <a16:creationId xmlns:a16="http://schemas.microsoft.com/office/drawing/2014/main" id="{274FBFB9-8872-D2F8-797D-AFBF090699B8}"/>
                       </a:ext>
                     </a:extLst>
                   </p:cNvPr>
@@ -20541,7 +21281,7 @@
                 </p:nvSpPr>
                 <p:spPr>
                   <a:xfrm>
-                    <a:off x="5528045" y="2289218"/>
+                    <a:off x="5512159" y="1448874"/>
                     <a:ext cx="4185632" cy="869324"/>
                   </a:xfrm>
                   <a:prstGeom prst="roundRect">
@@ -20581,10 +21321,52 @@
             </p:grpSp>
             <p:sp>
               <p:nvSpPr>
-                <p:cNvPr id="28" name="左大括号 27">
+                <p:cNvPr id="29" name="文本框 28">
                   <a:extLst>
                     <a:ext uri="{FF2B5EF4-FFF2-40B4-BE49-F238E27FC236}">
-                      <a16:creationId xmlns:a16="http://schemas.microsoft.com/office/drawing/2014/main" id="{E857288A-FE05-B682-0168-B9AAF9F55DC8}"/>
+                      <a16:creationId xmlns:a16="http://schemas.microsoft.com/office/drawing/2014/main" id="{E5849036-6D67-EE34-34A7-ABFEA325B2C3}"/>
+                    </a:ext>
+                  </a:extLst>
+                </p:cNvPr>
+                <p:cNvSpPr txBox="1"/>
+                <p:nvPr/>
+              </p:nvSpPr>
+              <p:spPr>
+                <a:xfrm>
+                  <a:off x="5400910" y="95139"/>
+                  <a:ext cx="1501093" cy="369332"/>
+                </a:xfrm>
+                <a:prstGeom prst="rect">
+                  <a:avLst/>
+                </a:prstGeom>
+                <a:noFill/>
+              </p:spPr>
+              <p:txBody>
+                <a:bodyPr wrap="square" rtlCol="0">
+                  <a:spAutoFit/>
+                </a:bodyPr>
+                <a:lstStyle/>
+                <a:p>
+                  <a:r>
+                    <a:rPr lang="en-US" altLang="zh-CN" dirty="0">
+                      <a:latin typeface="Times New Roman" panose="02020603050405020304" pitchFamily="18" charset="0"/>
+                      <a:cs typeface="Times New Roman" panose="02020603050405020304" pitchFamily="18" charset="0"/>
+                    </a:rPr>
+                    <a:t>Max length</a:t>
+                  </a:r>
+                  <a:endParaRPr lang="fr-CA" dirty="0">
+                    <a:latin typeface="Times New Roman" panose="02020603050405020304" pitchFamily="18" charset="0"/>
+                    <a:cs typeface="Times New Roman" panose="02020603050405020304" pitchFamily="18" charset="0"/>
+                  </a:endParaRPr>
+                </a:p>
+              </p:txBody>
+            </p:sp>
+            <p:sp>
+              <p:nvSpPr>
+                <p:cNvPr id="30" name="左大括号 29">
+                  <a:extLst>
+                    <a:ext uri="{FF2B5EF4-FFF2-40B4-BE49-F238E27FC236}">
+                      <a16:creationId xmlns:a16="http://schemas.microsoft.com/office/drawing/2014/main" id="{1FC73122-E856-2C55-00E1-DA36D55465D0}"/>
                     </a:ext>
                   </a:extLst>
                 </p:cNvPr>
@@ -20592,8 +21374,8 @@
                 <p:nvPr/>
               </p:nvSpPr>
               <p:spPr>
-                <a:xfrm rot="16200000">
-                  <a:off x="5162066" y="4070283"/>
+                <a:xfrm rot="5400000">
+                  <a:off x="5779975" y="-1531154"/>
                   <a:ext cx="343433" cy="4073029"/>
                 </a:xfrm>
                 <a:prstGeom prst="leftBrace">
@@ -20623,55 +21405,646 @@
                 </a:p>
               </p:txBody>
             </p:sp>
-            <p:sp>
-              <p:nvSpPr>
-                <p:cNvPr id="32" name="文本框 31">
+          </p:grpSp>
+          <p:grpSp>
+            <p:nvGrpSpPr>
+              <p:cNvPr id="43" name="组合 42">
+                <a:extLst>
+                  <a:ext uri="{FF2B5EF4-FFF2-40B4-BE49-F238E27FC236}">
+                    <a16:creationId xmlns:a16="http://schemas.microsoft.com/office/drawing/2014/main" id="{CF5E160E-F6F3-46BD-84C8-2BB215B5D79D}"/>
+                  </a:ext>
+                </a:extLst>
+              </p:cNvPr>
+              <p:cNvGrpSpPr/>
+              <p:nvPr/>
+            </p:nvGrpSpPr>
+            <p:grpSpPr>
+              <a:xfrm>
+                <a:off x="2824544" y="3760757"/>
+                <a:ext cx="4737005" cy="2774119"/>
+                <a:chOff x="2824544" y="3760757"/>
+                <a:chExt cx="4737005" cy="2774119"/>
+              </a:xfrm>
+            </p:grpSpPr>
+            <p:grpSp>
+              <p:nvGrpSpPr>
+                <p:cNvPr id="33" name="组合 32">
                   <a:extLst>
                     <a:ext uri="{FF2B5EF4-FFF2-40B4-BE49-F238E27FC236}">
-                      <a16:creationId xmlns:a16="http://schemas.microsoft.com/office/drawing/2014/main" id="{AACE65AD-7E07-07C4-5121-0C7E4E481317}"/>
+                      <a16:creationId xmlns:a16="http://schemas.microsoft.com/office/drawing/2014/main" id="{9578CD9F-AA6F-E750-91DA-EDB0DCE8E93F}"/>
                     </a:ext>
                   </a:extLst>
                 </p:cNvPr>
-                <p:cNvSpPr txBox="1"/>
+                <p:cNvGrpSpPr/>
+                <p:nvPr/>
+              </p:nvGrpSpPr>
+              <p:grpSpPr>
+                <a:xfrm>
+                  <a:off x="3375917" y="5033063"/>
+                  <a:ext cx="4185632" cy="1501813"/>
+                  <a:chOff x="3240967" y="5027189"/>
+                  <a:chExt cx="4185632" cy="1501813"/>
+                </a:xfrm>
+              </p:grpSpPr>
+              <p:grpSp>
+                <p:nvGrpSpPr>
+                  <p:cNvPr id="26" name="组合 25">
+                    <a:extLst>
+                      <a:ext uri="{FF2B5EF4-FFF2-40B4-BE49-F238E27FC236}">
+                        <a16:creationId xmlns:a16="http://schemas.microsoft.com/office/drawing/2014/main" id="{AECEC30C-8BC3-BDC8-EB16-A6F51559BE2B}"/>
+                      </a:ext>
+                    </a:extLst>
+                  </p:cNvPr>
+                  <p:cNvGrpSpPr/>
+                  <p:nvPr/>
+                </p:nvGrpSpPr>
+                <p:grpSpPr>
+                  <a:xfrm>
+                    <a:off x="3240967" y="5027189"/>
+                    <a:ext cx="4185632" cy="869324"/>
+                    <a:chOff x="5528045" y="2289218"/>
+                    <a:chExt cx="4185632" cy="869324"/>
+                  </a:xfrm>
+                </p:grpSpPr>
+                <p:sp>
+                  <p:nvSpPr>
+                    <p:cNvPr id="12" name="椭圆 11">
+                      <a:extLst>
+                        <a:ext uri="{FF2B5EF4-FFF2-40B4-BE49-F238E27FC236}">
+                          <a16:creationId xmlns:a16="http://schemas.microsoft.com/office/drawing/2014/main" id="{9FE5077D-7524-2F7B-6BB0-A8EEC332FB2F}"/>
+                        </a:ext>
+                      </a:extLst>
+                    </p:cNvPr>
+                    <p:cNvSpPr/>
+                    <p:nvPr/>
+                  </p:nvSpPr>
+                  <p:spPr>
+                    <a:xfrm>
+                      <a:off x="5673145" y="2365350"/>
+                      <a:ext cx="682580" cy="682580"/>
+                    </a:xfrm>
+                    <a:prstGeom prst="ellipse">
+                      <a:avLst/>
+                    </a:prstGeom>
+                    <a:solidFill>
+                      <a:schemeClr val="accent2"/>
+                    </a:solidFill>
+                  </p:spPr>
+                  <p:style>
+                    <a:lnRef idx="2">
+                      <a:schemeClr val="accent1">
+                        <a:shade val="50000"/>
+                      </a:schemeClr>
+                    </a:lnRef>
+                    <a:fillRef idx="1">
+                      <a:schemeClr val="accent1"/>
+                    </a:fillRef>
+                    <a:effectRef idx="0">
+                      <a:schemeClr val="accent1"/>
+                    </a:effectRef>
+                    <a:fontRef idx="minor">
+                      <a:schemeClr val="lt1"/>
+                    </a:fontRef>
+                  </p:style>
+                  <p:txBody>
+                    <a:bodyPr rtlCol="0" anchor="ctr"/>
+                    <a:lstStyle/>
+                    <a:p>
+                      <a:pPr algn="ctr"/>
+                      <a:r>
+                        <a:rPr lang="el-GR" altLang="zh-CN" dirty="0"/>
+                        <a:t>Τ</a:t>
+                      </a:r>
+                      <a:r>
+                        <a:rPr lang="en-US" altLang="zh-CN" baseline="-25000" dirty="0"/>
+                        <a:t>21</a:t>
+                      </a:r>
+                      <a:r>
+                        <a:rPr lang="zh-CN" altLang="en-US" dirty="0"/>
+                        <a:t> </a:t>
+                      </a:r>
+                      <a:r>
+                        <a:rPr lang="en-US" altLang="zh-CN" dirty="0"/>
+                        <a:t>a</a:t>
+                      </a:r>
+                      <a:r>
+                        <a:rPr lang="en-US" altLang="zh-CN" baseline="-25000" dirty="0"/>
+                        <a:t>21</a:t>
+                      </a:r>
+                      <a:endParaRPr lang="fr-CA" baseline="-25000" dirty="0"/>
+                    </a:p>
+                  </p:txBody>
+                </p:sp>
+                <p:sp>
+                  <p:nvSpPr>
+                    <p:cNvPr id="13" name="椭圆 12">
+                      <a:extLst>
+                        <a:ext uri="{FF2B5EF4-FFF2-40B4-BE49-F238E27FC236}">
+                          <a16:creationId xmlns:a16="http://schemas.microsoft.com/office/drawing/2014/main" id="{A9591625-AA15-013C-0E00-4938845110DA}"/>
+                        </a:ext>
+                      </a:extLst>
+                    </p:cNvPr>
+                    <p:cNvSpPr/>
+                    <p:nvPr/>
+                  </p:nvSpPr>
+                  <p:spPr>
+                    <a:xfrm>
+                      <a:off x="6545688" y="2365350"/>
+                      <a:ext cx="682580" cy="682580"/>
+                    </a:xfrm>
+                    <a:prstGeom prst="ellipse">
+                      <a:avLst/>
+                    </a:prstGeom>
+                    <a:solidFill>
+                      <a:schemeClr val="accent2"/>
+                    </a:solidFill>
+                  </p:spPr>
+                  <p:style>
+                    <a:lnRef idx="2">
+                      <a:schemeClr val="accent1">
+                        <a:shade val="50000"/>
+                      </a:schemeClr>
+                    </a:lnRef>
+                    <a:fillRef idx="1">
+                      <a:schemeClr val="accent1"/>
+                    </a:fillRef>
+                    <a:effectRef idx="0">
+                      <a:schemeClr val="accent1"/>
+                    </a:effectRef>
+                    <a:fontRef idx="minor">
+                      <a:schemeClr val="lt1"/>
+                    </a:fontRef>
+                  </p:style>
+                  <p:txBody>
+                    <a:bodyPr rtlCol="0" anchor="ctr"/>
+                    <a:lstStyle/>
+                    <a:p>
+                      <a:pPr algn="ctr"/>
+                      <a:r>
+                        <a:rPr lang="el-GR" altLang="zh-CN" dirty="0"/>
+                        <a:t>Τ</a:t>
+                      </a:r>
+                      <a:r>
+                        <a:rPr lang="en-US" altLang="zh-CN" baseline="-25000" dirty="0"/>
+                        <a:t>22</a:t>
+                      </a:r>
+                      <a:r>
+                        <a:rPr lang="zh-CN" altLang="en-US" dirty="0"/>
+                        <a:t> </a:t>
+                      </a:r>
+                      <a:r>
+                        <a:rPr lang="en-US" altLang="zh-CN" dirty="0"/>
+                        <a:t>a</a:t>
+                      </a:r>
+                      <a:r>
+                        <a:rPr lang="en-US" altLang="zh-CN" baseline="-25000" dirty="0"/>
+                        <a:t>22</a:t>
+                      </a:r>
+                      <a:endParaRPr lang="fr-CA" baseline="-25000" dirty="0"/>
+                    </a:p>
+                  </p:txBody>
+                </p:sp>
+                <p:sp>
+                  <p:nvSpPr>
+                    <p:cNvPr id="14" name="椭圆 13">
+                      <a:extLst>
+                        <a:ext uri="{FF2B5EF4-FFF2-40B4-BE49-F238E27FC236}">
+                          <a16:creationId xmlns:a16="http://schemas.microsoft.com/office/drawing/2014/main" id="{638CD329-AF57-2FC3-3BED-94EFAC8E4579}"/>
+                        </a:ext>
+                      </a:extLst>
+                    </p:cNvPr>
+                    <p:cNvSpPr/>
+                    <p:nvPr/>
+                  </p:nvSpPr>
+                  <p:spPr>
+                    <a:xfrm>
+                      <a:off x="7431113" y="2382590"/>
+                      <a:ext cx="682580" cy="682580"/>
+                    </a:xfrm>
+                    <a:prstGeom prst="ellipse">
+                      <a:avLst/>
+                    </a:prstGeom>
+                    <a:solidFill>
+                      <a:schemeClr val="accent2"/>
+                    </a:solidFill>
+                  </p:spPr>
+                  <p:style>
+                    <a:lnRef idx="2">
+                      <a:schemeClr val="accent1">
+                        <a:shade val="50000"/>
+                      </a:schemeClr>
+                    </a:lnRef>
+                    <a:fillRef idx="1">
+                      <a:schemeClr val="accent1"/>
+                    </a:fillRef>
+                    <a:effectRef idx="0">
+                      <a:schemeClr val="accent1"/>
+                    </a:effectRef>
+                    <a:fontRef idx="minor">
+                      <a:schemeClr val="lt1"/>
+                    </a:fontRef>
+                  </p:style>
+                  <p:txBody>
+                    <a:bodyPr rtlCol="0" anchor="ctr"/>
+                    <a:lstStyle/>
+                    <a:p>
+                      <a:pPr algn="ctr"/>
+                      <a:r>
+                        <a:rPr lang="el-GR" altLang="zh-CN" dirty="0"/>
+                        <a:t>Τ</a:t>
+                      </a:r>
+                      <a:r>
+                        <a:rPr lang="en-US" altLang="zh-CN" baseline="-25000" dirty="0"/>
+                        <a:t>23</a:t>
+                      </a:r>
+                      <a:r>
+                        <a:rPr lang="zh-CN" altLang="en-US" dirty="0"/>
+                        <a:t> </a:t>
+                      </a:r>
+                      <a:r>
+                        <a:rPr lang="en-US" altLang="zh-CN" dirty="0"/>
+                        <a:t>a</a:t>
+                      </a:r>
+                      <a:r>
+                        <a:rPr lang="en-US" altLang="zh-CN" baseline="-25000" dirty="0"/>
+                        <a:t>23</a:t>
+                      </a:r>
+                      <a:endParaRPr lang="fr-CA" baseline="-25000" dirty="0"/>
+                    </a:p>
+                  </p:txBody>
+                </p:sp>
+                <p:sp>
+                  <p:nvSpPr>
+                    <p:cNvPr id="19" name="椭圆 18">
+                      <a:extLst>
+                        <a:ext uri="{FF2B5EF4-FFF2-40B4-BE49-F238E27FC236}">
+                          <a16:creationId xmlns:a16="http://schemas.microsoft.com/office/drawing/2014/main" id="{CB927E2C-493D-D941-6647-31F4AAF241C1}"/>
+                        </a:ext>
+                      </a:extLst>
+                    </p:cNvPr>
+                    <p:cNvSpPr/>
+                    <p:nvPr/>
+                  </p:nvSpPr>
+                  <p:spPr>
+                    <a:xfrm>
+                      <a:off x="8847791" y="2350394"/>
+                      <a:ext cx="682580" cy="682580"/>
+                    </a:xfrm>
+                    <a:prstGeom prst="ellipse">
+                      <a:avLst/>
+                    </a:prstGeom>
+                    <a:solidFill>
+                      <a:schemeClr val="accent1"/>
+                    </a:solidFill>
+                  </p:spPr>
+                  <p:style>
+                    <a:lnRef idx="2">
+                      <a:schemeClr val="accent1">
+                        <a:shade val="50000"/>
+                      </a:schemeClr>
+                    </a:lnRef>
+                    <a:fillRef idx="1">
+                      <a:schemeClr val="accent1"/>
+                    </a:fillRef>
+                    <a:effectRef idx="0">
+                      <a:schemeClr val="accent1"/>
+                    </a:effectRef>
+                    <a:fontRef idx="minor">
+                      <a:schemeClr val="lt1"/>
+                    </a:fontRef>
+                  </p:style>
+                  <p:txBody>
+                    <a:bodyPr rtlCol="0" anchor="ctr"/>
+                    <a:lstStyle/>
+                    <a:p>
+                      <a:pPr algn="ctr"/>
+                      <a:r>
+                        <a:rPr lang="en-US" altLang="zh-CN" dirty="0"/>
+                        <a:t>0</a:t>
+                      </a:r>
+                    </a:p>
+                    <a:p>
+                      <a:pPr algn="ctr"/>
+                      <a:r>
+                        <a:rPr lang="en-US" altLang="zh-CN" dirty="0"/>
+                        <a:t>0</a:t>
+                      </a:r>
+                    </a:p>
+                  </p:txBody>
+                </p:sp>
+                <p:sp>
+                  <p:nvSpPr>
+                    <p:cNvPr id="20" name="文本框 19">
+                      <a:extLst>
+                        <a:ext uri="{FF2B5EF4-FFF2-40B4-BE49-F238E27FC236}">
+                          <a16:creationId xmlns:a16="http://schemas.microsoft.com/office/drawing/2014/main" id="{B41F5B72-ADA9-61F5-F7AF-6B558C1D1750}"/>
+                        </a:ext>
+                      </a:extLst>
+                    </p:cNvPr>
+                    <p:cNvSpPr txBox="1"/>
+                    <p:nvPr/>
+                  </p:nvSpPr>
+                  <p:spPr>
+                    <a:xfrm>
+                      <a:off x="8295928" y="2550016"/>
+                      <a:ext cx="444321" cy="369332"/>
+                    </a:xfrm>
+                    <a:prstGeom prst="rect">
+                      <a:avLst/>
+                    </a:prstGeom>
+                    <a:noFill/>
+                  </p:spPr>
+                  <p:txBody>
+                    <a:bodyPr wrap="square" rtlCol="0">
+                      <a:spAutoFit/>
+                    </a:bodyPr>
+                    <a:lstStyle/>
+                    <a:p>
+                      <a:r>
+                        <a:rPr lang="en-US" altLang="zh-CN" dirty="0"/>
+                        <a:t>…</a:t>
+                      </a:r>
+                      <a:endParaRPr lang="fr-CA" dirty="0"/>
+                    </a:p>
+                  </p:txBody>
+                </p:sp>
+                <p:sp>
+                  <p:nvSpPr>
+                    <p:cNvPr id="25" name="矩形: 圆角 24">
+                      <a:extLst>
+                        <a:ext uri="{FF2B5EF4-FFF2-40B4-BE49-F238E27FC236}">
+                          <a16:creationId xmlns:a16="http://schemas.microsoft.com/office/drawing/2014/main" id="{15DFB9F9-911B-0DE9-B928-D7F9DBEA62AC}"/>
+                        </a:ext>
+                      </a:extLst>
+                    </p:cNvPr>
+                    <p:cNvSpPr/>
+                    <p:nvPr/>
+                  </p:nvSpPr>
+                  <p:spPr>
+                    <a:xfrm>
+                      <a:off x="5528045" y="2289218"/>
+                      <a:ext cx="4185632" cy="869324"/>
+                    </a:xfrm>
+                    <a:prstGeom prst="roundRect">
+                      <a:avLst/>
+                    </a:prstGeom>
+                    <a:noFill/>
+                    <a:ln>
+                      <a:solidFill>
+                        <a:schemeClr val="tx1"/>
+                      </a:solidFill>
+                      <a:prstDash val="dash"/>
+                    </a:ln>
+                  </p:spPr>
+                  <p:style>
+                    <a:lnRef idx="2">
+                      <a:schemeClr val="accent6"/>
+                    </a:lnRef>
+                    <a:fillRef idx="1">
+                      <a:schemeClr val="lt1"/>
+                    </a:fillRef>
+                    <a:effectRef idx="0">
+                      <a:schemeClr val="accent6"/>
+                    </a:effectRef>
+                    <a:fontRef idx="minor">
+                      <a:schemeClr val="dk1"/>
+                    </a:fontRef>
+                  </p:style>
+                  <p:txBody>
+                    <a:bodyPr rtlCol="0" anchor="ctr"/>
+                    <a:lstStyle/>
+                    <a:p>
+                      <a:pPr algn="ctr"/>
+                      <a:endParaRPr lang="fr-CA" dirty="0"/>
+                    </a:p>
+                  </p:txBody>
+                </p:sp>
+              </p:grpSp>
+              <p:sp>
+                <p:nvSpPr>
+                  <p:cNvPr id="28" name="左大括号 27">
+                    <a:extLst>
+                      <a:ext uri="{FF2B5EF4-FFF2-40B4-BE49-F238E27FC236}">
+                        <a16:creationId xmlns:a16="http://schemas.microsoft.com/office/drawing/2014/main" id="{E857288A-FE05-B682-0168-B9AAF9F55DC8}"/>
+                      </a:ext>
+                    </a:extLst>
+                  </p:cNvPr>
+                  <p:cNvSpPr/>
+                  <p:nvPr/>
+                </p:nvSpPr>
+                <p:spPr>
+                  <a:xfrm rot="16200000">
+                    <a:off x="5162066" y="4070283"/>
+                    <a:ext cx="343433" cy="4073029"/>
+                  </a:xfrm>
+                  <a:prstGeom prst="leftBrace">
+                    <a:avLst/>
+                  </a:prstGeom>
+                </p:spPr>
+                <p:style>
+                  <a:lnRef idx="1">
+                    <a:schemeClr val="dk1"/>
+                  </a:lnRef>
+                  <a:fillRef idx="0">
+                    <a:schemeClr val="dk1"/>
+                  </a:fillRef>
+                  <a:effectRef idx="0">
+                    <a:schemeClr val="dk1"/>
+                  </a:effectRef>
+                  <a:fontRef idx="minor">
+                    <a:schemeClr val="tx1"/>
+                  </a:fontRef>
+                </p:style>
+                <p:txBody>
+                  <a:bodyPr rtlCol="0" anchor="ctr"/>
+                  <a:lstStyle/>
+                  <a:p>
+                    <a:pPr algn="ctr"/>
+                    <a:endParaRPr lang="fr-CA"/>
+                  </a:p>
+                </p:txBody>
+              </p:sp>
+              <p:sp>
+                <p:nvSpPr>
+                  <p:cNvPr id="32" name="文本框 31">
+                    <a:extLst>
+                      <a:ext uri="{FF2B5EF4-FFF2-40B4-BE49-F238E27FC236}">
+                        <a16:creationId xmlns:a16="http://schemas.microsoft.com/office/drawing/2014/main" id="{AACE65AD-7E07-07C4-5121-0C7E4E481317}"/>
+                      </a:ext>
+                    </a:extLst>
+                  </p:cNvPr>
+                  <p:cNvSpPr txBox="1"/>
+                  <p:nvPr/>
+                </p:nvSpPr>
+                <p:spPr>
+                  <a:xfrm>
+                    <a:off x="4662521" y="6159670"/>
+                    <a:ext cx="1501093" cy="369332"/>
+                  </a:xfrm>
+                  <a:prstGeom prst="rect">
+                    <a:avLst/>
+                  </a:prstGeom>
+                  <a:noFill/>
+                </p:spPr>
+                <p:txBody>
+                  <a:bodyPr wrap="square" rtlCol="0">
+                    <a:spAutoFit/>
+                  </a:bodyPr>
+                  <a:lstStyle/>
+                  <a:p>
+                    <a:r>
+                      <a:rPr lang="en-US" altLang="zh-CN" dirty="0">
+                        <a:latin typeface="Times New Roman" panose="02020603050405020304" pitchFamily="18" charset="0"/>
+                        <a:cs typeface="Times New Roman" panose="02020603050405020304" pitchFamily="18" charset="0"/>
+                      </a:rPr>
+                      <a:t>Max length M</a:t>
+                    </a:r>
+                    <a:endParaRPr lang="fr-CA" dirty="0">
+                      <a:latin typeface="Times New Roman" panose="02020603050405020304" pitchFamily="18" charset="0"/>
+                      <a:cs typeface="Times New Roman" panose="02020603050405020304" pitchFamily="18" charset="0"/>
+                    </a:endParaRPr>
+                  </a:p>
+                </p:txBody>
+              </p:sp>
+            </p:grpSp>
+            <p:sp>
+              <p:nvSpPr>
+                <p:cNvPr id="15" name="椭圆 14">
+                  <a:extLst>
+                    <a:ext uri="{FF2B5EF4-FFF2-40B4-BE49-F238E27FC236}">
+                      <a16:creationId xmlns:a16="http://schemas.microsoft.com/office/drawing/2014/main" id="{867A5D82-DAC2-8653-8E44-E52C0CF541A4}"/>
+                    </a:ext>
+                  </a:extLst>
+                </p:cNvPr>
+                <p:cNvSpPr/>
                 <p:nvPr/>
               </p:nvSpPr>
               <p:spPr>
                 <a:xfrm>
-                  <a:off x="4671107" y="6157311"/>
-                  <a:ext cx="1501093" cy="369332"/>
+                  <a:off x="2824544" y="3760757"/>
+                  <a:ext cx="791495" cy="791495"/>
                 </a:xfrm>
-                <a:prstGeom prst="rect">
+                <a:prstGeom prst="ellipse">
                   <a:avLst/>
                 </a:prstGeom>
                 <a:noFill/>
+                <a:ln>
+                  <a:solidFill>
+                    <a:schemeClr val="tx1"/>
+                  </a:solidFill>
+                  <a:prstDash val="dash"/>
+                </a:ln>
               </p:spPr>
+              <p:style>
+                <a:lnRef idx="2">
+                  <a:schemeClr val="accent1">
+                    <a:shade val="50000"/>
+                  </a:schemeClr>
+                </a:lnRef>
+                <a:fillRef idx="1">
+                  <a:schemeClr val="accent1"/>
+                </a:fillRef>
+                <a:effectRef idx="0">
+                  <a:schemeClr val="accent1"/>
+                </a:effectRef>
+                <a:fontRef idx="minor">
+                  <a:schemeClr val="lt1"/>
+                </a:fontRef>
+              </p:style>
               <p:txBody>
-                <a:bodyPr wrap="square" rtlCol="0">
-                  <a:spAutoFit/>
-                </a:bodyPr>
+                <a:bodyPr rtlCol="0" anchor="ctr"/>
                 <a:lstStyle/>
                 <a:p>
-                  <a:r>
-                    <a:rPr lang="en-US" altLang="zh-CN" dirty="0">
-                      <a:latin typeface="Times New Roman" panose="02020603050405020304" pitchFamily="18" charset="0"/>
-                      <a:cs typeface="Times New Roman" panose="02020603050405020304" pitchFamily="18" charset="0"/>
-                    </a:rPr>
-                    <a:t>Max length</a:t>
-                  </a:r>
-                  <a:endParaRPr lang="fr-CA" dirty="0">
-                    <a:latin typeface="Times New Roman" panose="02020603050405020304" pitchFamily="18" charset="0"/>
-                    <a:cs typeface="Times New Roman" panose="02020603050405020304" pitchFamily="18" charset="0"/>
-                  </a:endParaRPr>
+                  <a:pPr algn="ctr"/>
+                  <a:endParaRPr lang="fr-CA"/>
                 </a:p>
               </p:txBody>
             </p:sp>
+            <p:cxnSp>
+              <p:nvCxnSpPr>
+                <p:cNvPr id="24" name="直接连接符 23">
+                  <a:extLst>
+                    <a:ext uri="{FF2B5EF4-FFF2-40B4-BE49-F238E27FC236}">
+                      <a16:creationId xmlns:a16="http://schemas.microsoft.com/office/drawing/2014/main" id="{B195BC18-6493-3CDC-313F-AACBEF640087}"/>
+                    </a:ext>
+                  </a:extLst>
+                </p:cNvPr>
+                <p:cNvCxnSpPr>
+                  <a:stCxn id="15" idx="4"/>
+                  <a:endCxn id="25" idx="1"/>
+                </p:cNvCxnSpPr>
+                <p:nvPr/>
+              </p:nvCxnSpPr>
+              <p:spPr>
+                <a:xfrm>
+                  <a:off x="3220292" y="4552252"/>
+                  <a:ext cx="155625" cy="915473"/>
+                </a:xfrm>
+                <a:prstGeom prst="line">
+                  <a:avLst/>
+                </a:prstGeom>
+              </p:spPr>
+              <p:style>
+                <a:lnRef idx="1">
+                  <a:schemeClr val="dk1"/>
+                </a:lnRef>
+                <a:fillRef idx="0">
+                  <a:schemeClr val="dk1"/>
+                </a:fillRef>
+                <a:effectRef idx="0">
+                  <a:schemeClr val="dk1"/>
+                </a:effectRef>
+                <a:fontRef idx="minor">
+                  <a:schemeClr val="tx1"/>
+                </a:fontRef>
+              </p:style>
+            </p:cxnSp>
+            <p:cxnSp>
+              <p:nvCxnSpPr>
+                <p:cNvPr id="35" name="直接连接符 34">
+                  <a:extLst>
+                    <a:ext uri="{FF2B5EF4-FFF2-40B4-BE49-F238E27FC236}">
+                      <a16:creationId xmlns:a16="http://schemas.microsoft.com/office/drawing/2014/main" id="{1DA7D863-1064-DB67-3C2B-D648080F1274}"/>
+                    </a:ext>
+                  </a:extLst>
+                </p:cNvPr>
+                <p:cNvCxnSpPr>
+                  <a:stCxn id="15" idx="6"/>
+                  <a:endCxn id="25" idx="0"/>
+                </p:cNvCxnSpPr>
+                <p:nvPr/>
+              </p:nvCxnSpPr>
+              <p:spPr>
+                <a:xfrm>
+                  <a:off x="3616039" y="4156505"/>
+                  <a:ext cx="1852694" cy="876558"/>
+                </a:xfrm>
+                <a:prstGeom prst="line">
+                  <a:avLst/>
+                </a:prstGeom>
+              </p:spPr>
+              <p:style>
+                <a:lnRef idx="1">
+                  <a:schemeClr val="dk1"/>
+                </a:lnRef>
+                <a:fillRef idx="0">
+                  <a:schemeClr val="dk1"/>
+                </a:fillRef>
+                <a:effectRef idx="0">
+                  <a:schemeClr val="dk1"/>
+                </a:effectRef>
+                <a:fontRef idx="minor">
+                  <a:schemeClr val="tx1"/>
+                </a:fontRef>
+              </p:style>
+            </p:cxnSp>
           </p:grpSp>
           <p:sp>
             <p:nvSpPr>
-              <p:cNvPr id="15" name="椭圆 14">
+              <p:cNvPr id="38" name="椭圆 37">
                 <a:extLst>
                   <a:ext uri="{FF2B5EF4-FFF2-40B4-BE49-F238E27FC236}">
-                    <a16:creationId xmlns:a16="http://schemas.microsoft.com/office/drawing/2014/main" id="{867A5D82-DAC2-8653-8E44-E52C0CF541A4}"/>
+                    <a16:creationId xmlns:a16="http://schemas.microsoft.com/office/drawing/2014/main" id="{916E6FD1-BE6E-8770-68BC-8E23405842B0}"/>
                   </a:ext>
                 </a:extLst>
               </p:cNvPr>
@@ -20680,7 +22053,7 @@
             </p:nvSpPr>
             <p:spPr>
               <a:xfrm>
-                <a:off x="2824544" y="3760757"/>
+                <a:off x="1138326" y="2354860"/>
                 <a:ext cx="791495" cy="791495"/>
               </a:xfrm>
               <a:prstGeom prst="ellipse">
@@ -20721,23 +22094,23 @@
           </p:sp>
           <p:cxnSp>
             <p:nvCxnSpPr>
-              <p:cNvPr id="24" name="直接连接符 23">
+              <p:cNvPr id="40" name="直接连接符 39">
                 <a:extLst>
                   <a:ext uri="{FF2B5EF4-FFF2-40B4-BE49-F238E27FC236}">
-                    <a16:creationId xmlns:a16="http://schemas.microsoft.com/office/drawing/2014/main" id="{B195BC18-6493-3CDC-313F-AACBEF640087}"/>
+                    <a16:creationId xmlns:a16="http://schemas.microsoft.com/office/drawing/2014/main" id="{DDF1ADE5-CB73-E1D3-56A2-F785B6558F7F}"/>
                   </a:ext>
                 </a:extLst>
               </p:cNvPr>
               <p:cNvCxnSpPr>
-                <a:stCxn id="15" idx="4"/>
-                <a:endCxn id="25" idx="1"/>
+                <a:stCxn id="38" idx="1"/>
+                <a:endCxn id="22" idx="1"/>
               </p:cNvCxnSpPr>
               <p:nvPr/>
             </p:nvCxnSpPr>
             <p:spPr>
-              <a:xfrm>
-                <a:off x="3220292" y="4552252"/>
-                <a:ext cx="155625" cy="915473"/>
+              <a:xfrm flipV="1">
+                <a:off x="1254238" y="1314861"/>
+                <a:ext cx="442640" cy="1155911"/>
               </a:xfrm>
               <a:prstGeom prst="line">
                 <a:avLst/>
@@ -20760,23 +22133,23 @@
           </p:cxnSp>
           <p:cxnSp>
             <p:nvCxnSpPr>
-              <p:cNvPr id="35" name="直接连接符 34">
+              <p:cNvPr id="42" name="直接连接符 41">
                 <a:extLst>
                   <a:ext uri="{FF2B5EF4-FFF2-40B4-BE49-F238E27FC236}">
-                    <a16:creationId xmlns:a16="http://schemas.microsoft.com/office/drawing/2014/main" id="{1DA7D863-1064-DB67-3C2B-D648080F1274}"/>
+                    <a16:creationId xmlns:a16="http://schemas.microsoft.com/office/drawing/2014/main" id="{20D95CB5-77D9-BB1A-2CAC-7684CCB5A98B}"/>
                   </a:ext>
                 </a:extLst>
               </p:cNvPr>
               <p:cNvCxnSpPr>
-                <a:stCxn id="15" idx="6"/>
-                <a:endCxn id="25" idx="0"/>
+                <a:stCxn id="38" idx="6"/>
+                <a:endCxn id="22" idx="2"/>
               </p:cNvCxnSpPr>
               <p:nvPr/>
             </p:nvCxnSpPr>
             <p:spPr>
-              <a:xfrm>
-                <a:off x="3616039" y="4156505"/>
-                <a:ext cx="1852694" cy="876558"/>
+              <a:xfrm flipV="1">
+                <a:off x="1929821" y="1749523"/>
+                <a:ext cx="1859873" cy="1001085"/>
               </a:xfrm>
               <a:prstGeom prst="line">
                 <a:avLst/>
@@ -20800,10 +22173,10 @@
         </p:grpSp>
         <p:sp>
           <p:nvSpPr>
-            <p:cNvPr id="38" name="椭圆 37">
+            <p:cNvPr id="1080" name="箭头: 右 1079">
               <a:extLst>
                 <a:ext uri="{FF2B5EF4-FFF2-40B4-BE49-F238E27FC236}">
-                  <a16:creationId xmlns:a16="http://schemas.microsoft.com/office/drawing/2014/main" id="{916E6FD1-BE6E-8770-68BC-8E23405842B0}"/>
+                  <a16:creationId xmlns:a16="http://schemas.microsoft.com/office/drawing/2014/main" id="{F78A341E-D72C-05F1-B7D6-447818E1E87E}"/>
                 </a:ext>
               </a:extLst>
             </p:cNvPr>
@@ -20811,20 +22184,16 @@
             <p:nvPr/>
           </p:nvSpPr>
           <p:spPr>
-            <a:xfrm>
-              <a:off x="1138326" y="2354860"/>
-              <a:ext cx="791495" cy="791495"/>
+            <a:xfrm rot="16200000">
+              <a:off x="6010362" y="4597118"/>
+              <a:ext cx="1003990" cy="199247"/>
             </a:xfrm>
-            <a:prstGeom prst="ellipse">
+            <a:prstGeom prst="rightArrow">
               <a:avLst/>
             </a:prstGeom>
-            <a:noFill/>
-            <a:ln>
-              <a:solidFill>
-                <a:schemeClr val="tx1"/>
-              </a:solidFill>
-              <a:prstDash val="dash"/>
-            </a:ln>
+            <a:solidFill>
+              <a:schemeClr val="accent6"/>
+            </a:solidFill>
           </p:spPr>
           <p:style>
             <a:lnRef idx="2">
@@ -20847,219 +22216,71 @@
             <a:lstStyle/>
             <a:p>
               <a:pPr algn="ctr"/>
-              <a:endParaRPr lang="fr-CA"/>
+              <a:r>
+                <a:rPr lang="fr-CA" sz="1100" dirty="0"/>
+                <a:t>flatten</a:t>
+              </a:r>
             </a:p>
           </p:txBody>
         </p:sp>
-        <p:cxnSp>
-          <p:nvCxnSpPr>
-            <p:cNvPr id="40" name="直接连接符 39">
+        <p:sp>
+          <p:nvSpPr>
+            <p:cNvPr id="1078" name="箭头: 右 1077">
               <a:extLst>
                 <a:ext uri="{FF2B5EF4-FFF2-40B4-BE49-F238E27FC236}">
-                  <a16:creationId xmlns:a16="http://schemas.microsoft.com/office/drawing/2014/main" id="{DDF1ADE5-CB73-E1D3-56A2-F785B6558F7F}"/>
+                  <a16:creationId xmlns:a16="http://schemas.microsoft.com/office/drawing/2014/main" id="{7EA88FAC-A222-8595-8646-514A71E69FEA}"/>
                 </a:ext>
               </a:extLst>
             </p:cNvPr>
-            <p:cNvCxnSpPr>
-              <a:stCxn id="38" idx="1"/>
-              <a:endCxn id="22" idx="1"/>
-            </p:cNvCxnSpPr>
+            <p:cNvSpPr/>
             <p:nvPr/>
-          </p:nvCxnSpPr>
+          </p:nvSpPr>
           <p:spPr>
-            <a:xfrm flipV="1">
-              <a:off x="1254238" y="1314861"/>
-              <a:ext cx="442640" cy="1155911"/>
+            <a:xfrm rot="3766732">
+              <a:off x="5389959" y="2098252"/>
+              <a:ext cx="880871" cy="181973"/>
             </a:xfrm>
-            <a:prstGeom prst="line">
+            <a:prstGeom prst="rightArrow">
               <a:avLst/>
             </a:prstGeom>
+            <a:solidFill>
+              <a:schemeClr val="accent6"/>
+            </a:solidFill>
           </p:spPr>
           <p:style>
-            <a:lnRef idx="1">
-              <a:schemeClr val="dk1"/>
+            <a:lnRef idx="2">
+              <a:schemeClr val="accent1">
+                <a:shade val="50000"/>
+              </a:schemeClr>
             </a:lnRef>
-            <a:fillRef idx="0">
-              <a:schemeClr val="dk1"/>
+            <a:fillRef idx="1">
+              <a:schemeClr val="accent1"/>
             </a:fillRef>
             <a:effectRef idx="0">
-              <a:schemeClr val="dk1"/>
+              <a:schemeClr val="accent1"/>
             </a:effectRef>
             <a:fontRef idx="minor">
-              <a:schemeClr val="tx1"/>
+              <a:schemeClr val="lt1"/>
             </a:fontRef>
           </p:style>
-        </p:cxnSp>
-        <p:cxnSp>
-          <p:nvCxnSpPr>
-            <p:cNvPr id="42" name="直接连接符 41">
+          <p:txBody>
+            <a:bodyPr rtlCol="0" anchor="ctr"/>
+            <a:lstStyle/>
+            <a:p>
+              <a:pPr algn="ctr"/>
+              <a:r>
+                <a:rPr lang="fr-CA" sz="1100" dirty="0"/>
+                <a:t>flatten</a:t>
+              </a:r>
+            </a:p>
+          </p:txBody>
+        </p:sp>
+        <p:grpSp>
+          <p:nvGrpSpPr>
+            <p:cNvPr id="1101" name="组合 1100">
               <a:extLst>
                 <a:ext uri="{FF2B5EF4-FFF2-40B4-BE49-F238E27FC236}">
-                  <a16:creationId xmlns:a16="http://schemas.microsoft.com/office/drawing/2014/main" id="{20D95CB5-77D9-BB1A-2CAC-7684CCB5A98B}"/>
-                </a:ext>
-              </a:extLst>
-            </p:cNvPr>
-            <p:cNvCxnSpPr>
-              <a:stCxn id="38" idx="6"/>
-              <a:endCxn id="22" idx="2"/>
-            </p:cNvCxnSpPr>
-            <p:nvPr/>
-          </p:nvCxnSpPr>
-          <p:spPr>
-            <a:xfrm flipV="1">
-              <a:off x="1929821" y="1749523"/>
-              <a:ext cx="1859873" cy="1001085"/>
-            </a:xfrm>
-            <a:prstGeom prst="line">
-              <a:avLst/>
-            </a:prstGeom>
-          </p:spPr>
-          <p:style>
-            <a:lnRef idx="1">
-              <a:schemeClr val="dk1"/>
-            </a:lnRef>
-            <a:fillRef idx="0">
-              <a:schemeClr val="dk1"/>
-            </a:fillRef>
-            <a:effectRef idx="0">
-              <a:schemeClr val="dk1"/>
-            </a:effectRef>
-            <a:fontRef idx="minor">
-              <a:schemeClr val="tx1"/>
-            </a:fontRef>
-          </p:style>
-        </p:cxnSp>
-      </p:grpSp>
-      <p:sp>
-        <p:nvSpPr>
-          <p:cNvPr id="1080" name="箭头: 右 1079">
-            <a:extLst>
-              <a:ext uri="{FF2B5EF4-FFF2-40B4-BE49-F238E27FC236}">
-                <a16:creationId xmlns:a16="http://schemas.microsoft.com/office/drawing/2014/main" id="{F78A341E-D72C-05F1-B7D6-447818E1E87E}"/>
-              </a:ext>
-            </a:extLst>
-          </p:cNvPr>
-          <p:cNvSpPr/>
-          <p:nvPr/>
-        </p:nvSpPr>
-        <p:spPr>
-          <a:xfrm rot="16200000">
-            <a:off x="6010362" y="4597118"/>
-            <a:ext cx="1003990" cy="199247"/>
-          </a:xfrm>
-          <a:prstGeom prst="rightArrow">
-            <a:avLst/>
-          </a:prstGeom>
-          <a:solidFill>
-            <a:schemeClr val="accent6"/>
-          </a:solidFill>
-        </p:spPr>
-        <p:style>
-          <a:lnRef idx="2">
-            <a:schemeClr val="accent1">
-              <a:shade val="50000"/>
-            </a:schemeClr>
-          </a:lnRef>
-          <a:fillRef idx="1">
-            <a:schemeClr val="accent1"/>
-          </a:fillRef>
-          <a:effectRef idx="0">
-            <a:schemeClr val="accent1"/>
-          </a:effectRef>
-          <a:fontRef idx="minor">
-            <a:schemeClr val="lt1"/>
-          </a:fontRef>
-        </p:style>
-        <p:txBody>
-          <a:bodyPr rtlCol="0" anchor="ctr"/>
-          <a:lstStyle/>
-          <a:p>
-            <a:pPr algn="ctr"/>
-            <a:r>
-              <a:rPr lang="fr-CA" sz="1100" dirty="0"/>
-              <a:t>flatten</a:t>
-            </a:r>
-          </a:p>
-        </p:txBody>
-      </p:sp>
-      <p:sp>
-        <p:nvSpPr>
-          <p:cNvPr id="1078" name="箭头: 右 1077">
-            <a:extLst>
-              <a:ext uri="{FF2B5EF4-FFF2-40B4-BE49-F238E27FC236}">
-                <a16:creationId xmlns:a16="http://schemas.microsoft.com/office/drawing/2014/main" id="{7EA88FAC-A222-8595-8646-514A71E69FEA}"/>
-              </a:ext>
-            </a:extLst>
-          </p:cNvPr>
-          <p:cNvSpPr/>
-          <p:nvPr/>
-        </p:nvSpPr>
-        <p:spPr>
-          <a:xfrm rot="3766732">
-            <a:off x="5389959" y="2098252"/>
-            <a:ext cx="880871" cy="181973"/>
-          </a:xfrm>
-          <a:prstGeom prst="rightArrow">
-            <a:avLst/>
-          </a:prstGeom>
-          <a:solidFill>
-            <a:schemeClr val="accent6"/>
-          </a:solidFill>
-        </p:spPr>
-        <p:style>
-          <a:lnRef idx="2">
-            <a:schemeClr val="accent1">
-              <a:shade val="50000"/>
-            </a:schemeClr>
-          </a:lnRef>
-          <a:fillRef idx="1">
-            <a:schemeClr val="accent1"/>
-          </a:fillRef>
-          <a:effectRef idx="0">
-            <a:schemeClr val="accent1"/>
-          </a:effectRef>
-          <a:fontRef idx="minor">
-            <a:schemeClr val="lt1"/>
-          </a:fontRef>
-        </p:style>
-        <p:txBody>
-          <a:bodyPr rtlCol="0" anchor="ctr"/>
-          <a:lstStyle/>
-          <a:p>
-            <a:pPr algn="ctr"/>
-            <a:r>
-              <a:rPr lang="fr-CA" sz="1100" dirty="0"/>
-              <a:t>flatten</a:t>
-            </a:r>
-          </a:p>
-        </p:txBody>
-      </p:sp>
-      <p:grpSp>
-        <p:nvGrpSpPr>
-          <p:cNvPr id="1101" name="组合 1100">
-            <a:extLst>
-              <a:ext uri="{FF2B5EF4-FFF2-40B4-BE49-F238E27FC236}">
-                <a16:creationId xmlns:a16="http://schemas.microsoft.com/office/drawing/2014/main" id="{0AA30FC2-A133-9982-B8D4-422A69A8B1D0}"/>
-              </a:ext>
-            </a:extLst>
-          </p:cNvPr>
-          <p:cNvGrpSpPr/>
-          <p:nvPr/>
-        </p:nvGrpSpPr>
-        <p:grpSpPr>
-          <a:xfrm>
-            <a:off x="5034011" y="2389480"/>
-            <a:ext cx="4327301" cy="2128153"/>
-            <a:chOff x="7328079" y="2028353"/>
-            <a:chExt cx="4327301" cy="2128153"/>
-          </a:xfrm>
-        </p:grpSpPr>
-        <p:grpSp>
-          <p:nvGrpSpPr>
-            <p:cNvPr id="1084" name="组合 1083">
-              <a:extLst>
-                <a:ext uri="{FF2B5EF4-FFF2-40B4-BE49-F238E27FC236}">
-                  <a16:creationId xmlns:a16="http://schemas.microsoft.com/office/drawing/2014/main" id="{E30420BD-738F-7D66-02F7-3E1140B4A44E}"/>
+                  <a16:creationId xmlns:a16="http://schemas.microsoft.com/office/drawing/2014/main" id="{0AA30FC2-A133-9982-B8D4-422A69A8B1D0}"/>
                 </a:ext>
               </a:extLst>
             </p:cNvPr>
@@ -21068,18 +22289,18 @@
           </p:nvGrpSpPr>
           <p:grpSpPr>
             <a:xfrm>
-              <a:off x="7454807" y="3448259"/>
-              <a:ext cx="4082603" cy="418563"/>
-              <a:chOff x="7378243" y="3986080"/>
-              <a:chExt cx="4082603" cy="418563"/>
+              <a:off x="5034011" y="2389480"/>
+              <a:ext cx="4327301" cy="2128153"/>
+              <a:chOff x="7328079" y="2028353"/>
+              <a:chExt cx="4327301" cy="2128153"/>
             </a:xfrm>
           </p:grpSpPr>
           <p:grpSp>
             <p:nvGrpSpPr>
-              <p:cNvPr id="1063" name="组合 1062">
+              <p:cNvPr id="1084" name="组合 1083">
                 <a:extLst>
                   <a:ext uri="{FF2B5EF4-FFF2-40B4-BE49-F238E27FC236}">
-                    <a16:creationId xmlns:a16="http://schemas.microsoft.com/office/drawing/2014/main" id="{9D98E444-C14C-93E9-1493-FE8E236FF07A}"/>
+                    <a16:creationId xmlns:a16="http://schemas.microsoft.com/office/drawing/2014/main" id="{E30420BD-738F-7D66-02F7-3E1140B4A44E}"/>
                   </a:ext>
                 </a:extLst>
               </p:cNvPr>
@@ -21088,18 +22309,436 @@
             </p:nvGrpSpPr>
             <p:grpSpPr>
               <a:xfrm>
-                <a:off x="7378243" y="3986080"/>
+                <a:off x="7454807" y="3448259"/>
                 <a:ext cx="4082603" cy="418563"/>
-                <a:chOff x="7662929" y="1867437"/>
+                <a:chOff x="7378243" y="3986080"/>
                 <a:chExt cx="4082603" cy="418563"/>
               </a:xfrm>
             </p:grpSpPr>
+            <p:grpSp>
+              <p:nvGrpSpPr>
+                <p:cNvPr id="1063" name="组合 1062">
+                  <a:extLst>
+                    <a:ext uri="{FF2B5EF4-FFF2-40B4-BE49-F238E27FC236}">
+                      <a16:creationId xmlns:a16="http://schemas.microsoft.com/office/drawing/2014/main" id="{9D98E444-C14C-93E9-1493-FE8E236FF07A}"/>
+                    </a:ext>
+                  </a:extLst>
+                </p:cNvPr>
+                <p:cNvGrpSpPr/>
+                <p:nvPr/>
+              </p:nvGrpSpPr>
+              <p:grpSpPr>
+                <a:xfrm>
+                  <a:off x="7378243" y="3986080"/>
+                  <a:ext cx="4082603" cy="418563"/>
+                  <a:chOff x="7662929" y="1867437"/>
+                  <a:chExt cx="4082603" cy="418563"/>
+                </a:xfrm>
+              </p:grpSpPr>
+              <p:sp>
+                <p:nvSpPr>
+                  <p:cNvPr id="1064" name="矩形: 圆角 1063">
+                    <a:extLst>
+                      <a:ext uri="{FF2B5EF4-FFF2-40B4-BE49-F238E27FC236}">
+                        <a16:creationId xmlns:a16="http://schemas.microsoft.com/office/drawing/2014/main" id="{EEA0B23A-FB46-7F7D-863A-CF6AFE2B9EAF}"/>
+                      </a:ext>
+                    </a:extLst>
+                  </p:cNvPr>
+                  <p:cNvSpPr/>
+                  <p:nvPr/>
+                </p:nvSpPr>
+                <p:spPr>
+                  <a:xfrm>
+                    <a:off x="7662929" y="1867437"/>
+                    <a:ext cx="4082603" cy="418563"/>
+                  </a:xfrm>
+                  <a:prstGeom prst="roundRect">
+                    <a:avLst/>
+                  </a:prstGeom>
+                  <a:noFill/>
+                  <a:ln>
+                    <a:solidFill>
+                      <a:schemeClr val="tx1"/>
+                    </a:solidFill>
+                    <a:prstDash val="dash"/>
+                  </a:ln>
+                </p:spPr>
+                <p:style>
+                  <a:lnRef idx="2">
+                    <a:schemeClr val="accent6"/>
+                  </a:lnRef>
+                  <a:fillRef idx="1">
+                    <a:schemeClr val="lt1"/>
+                  </a:fillRef>
+                  <a:effectRef idx="0">
+                    <a:schemeClr val="accent6"/>
+                  </a:effectRef>
+                  <a:fontRef idx="minor">
+                    <a:schemeClr val="dk1"/>
+                  </a:fontRef>
+                </p:style>
+                <p:txBody>
+                  <a:bodyPr rtlCol="0" anchor="ctr"/>
+                  <a:lstStyle/>
+                  <a:p>
+                    <a:pPr algn="ctr"/>
+                    <a:endParaRPr lang="fr-CA" dirty="0"/>
+                  </a:p>
+                </p:txBody>
+              </p:sp>
+              <p:sp>
+                <p:nvSpPr>
+                  <p:cNvPr id="1065" name="矩形 1064">
+                    <a:extLst>
+                      <a:ext uri="{FF2B5EF4-FFF2-40B4-BE49-F238E27FC236}">
+                        <a16:creationId xmlns:a16="http://schemas.microsoft.com/office/drawing/2014/main" id="{8668A017-1B02-3BD0-BB44-056BB15ED778}"/>
+                      </a:ext>
+                    </a:extLst>
+                  </p:cNvPr>
+                  <p:cNvSpPr/>
+                  <p:nvPr/>
+                </p:nvSpPr>
+                <p:spPr>
+                  <a:xfrm>
+                    <a:off x="7796859" y="1963250"/>
+                    <a:ext cx="276896" cy="186744"/>
+                  </a:xfrm>
+                  <a:prstGeom prst="rect">
+                    <a:avLst/>
+                  </a:prstGeom>
+                  <a:solidFill>
+                    <a:schemeClr val="accent2"/>
+                  </a:solidFill>
+                </p:spPr>
+                <p:style>
+                  <a:lnRef idx="2">
+                    <a:schemeClr val="accent1">
+                      <a:shade val="50000"/>
+                    </a:schemeClr>
+                  </a:lnRef>
+                  <a:fillRef idx="1">
+                    <a:schemeClr val="accent1"/>
+                  </a:fillRef>
+                  <a:effectRef idx="0">
+                    <a:schemeClr val="accent1"/>
+                  </a:effectRef>
+                  <a:fontRef idx="minor">
+                    <a:schemeClr val="lt1"/>
+                  </a:fontRef>
+                </p:style>
+                <p:txBody>
+                  <a:bodyPr rtlCol="0" anchor="ctr"/>
+                  <a:lstStyle/>
+                  <a:p>
+                    <a:pPr algn="ctr"/>
+                    <a:r>
+                      <a:rPr lang="fr-CA" sz="700" dirty="0"/>
+                      <a:t>T1</a:t>
+                    </a:r>
+                  </a:p>
+                </p:txBody>
+              </p:sp>
+              <p:sp>
+                <p:nvSpPr>
+                  <p:cNvPr id="1066" name="矩形 1065">
+                    <a:extLst>
+                      <a:ext uri="{FF2B5EF4-FFF2-40B4-BE49-F238E27FC236}">
+                        <a16:creationId xmlns:a16="http://schemas.microsoft.com/office/drawing/2014/main" id="{8771B658-1340-CA78-F2BE-F6486FE0A6EE}"/>
+                      </a:ext>
+                    </a:extLst>
+                  </p:cNvPr>
+                  <p:cNvSpPr/>
+                  <p:nvPr/>
+                </p:nvSpPr>
+                <p:spPr>
+                  <a:xfrm>
+                    <a:off x="10937762" y="1974760"/>
+                    <a:ext cx="276896" cy="186744"/>
+                  </a:xfrm>
+                  <a:prstGeom prst="rect">
+                    <a:avLst/>
+                  </a:prstGeom>
+                </p:spPr>
+                <p:style>
+                  <a:lnRef idx="2">
+                    <a:schemeClr val="accent1">
+                      <a:shade val="50000"/>
+                    </a:schemeClr>
+                  </a:lnRef>
+                  <a:fillRef idx="1">
+                    <a:schemeClr val="accent1"/>
+                  </a:fillRef>
+                  <a:effectRef idx="0">
+                    <a:schemeClr val="accent1"/>
+                  </a:effectRef>
+                  <a:fontRef idx="minor">
+                    <a:schemeClr val="lt1"/>
+                  </a:fontRef>
+                </p:style>
+                <p:txBody>
+                  <a:bodyPr rtlCol="0" anchor="ctr"/>
+                  <a:lstStyle/>
+                  <a:p>
+                    <a:pPr algn="ctr"/>
+                    <a:endParaRPr lang="fr-CA"/>
+                  </a:p>
+                </p:txBody>
+              </p:sp>
+              <p:sp>
+                <p:nvSpPr>
+                  <p:cNvPr id="1067" name="矩形 1066">
+                    <a:extLst>
+                      <a:ext uri="{FF2B5EF4-FFF2-40B4-BE49-F238E27FC236}">
+                        <a16:creationId xmlns:a16="http://schemas.microsoft.com/office/drawing/2014/main" id="{E327220E-C781-9AF7-F7E3-5511B2A3C8DD}"/>
+                      </a:ext>
+                    </a:extLst>
+                  </p:cNvPr>
+                  <p:cNvSpPr/>
+                  <p:nvPr/>
+                </p:nvSpPr>
+                <p:spPr>
+                  <a:xfrm>
+                    <a:off x="11322676" y="1974760"/>
+                    <a:ext cx="276896" cy="186744"/>
+                  </a:xfrm>
+                  <a:prstGeom prst="rect">
+                    <a:avLst/>
+                  </a:prstGeom>
+                </p:spPr>
+                <p:style>
+                  <a:lnRef idx="2">
+                    <a:schemeClr val="accent1">
+                      <a:shade val="50000"/>
+                    </a:schemeClr>
+                  </a:lnRef>
+                  <a:fillRef idx="1">
+                    <a:schemeClr val="accent1"/>
+                  </a:fillRef>
+                  <a:effectRef idx="0">
+                    <a:schemeClr val="accent1"/>
+                  </a:effectRef>
+                  <a:fontRef idx="minor">
+                    <a:schemeClr val="lt1"/>
+                  </a:fontRef>
+                </p:style>
+                <p:txBody>
+                  <a:bodyPr rtlCol="0" anchor="ctr"/>
+                  <a:lstStyle/>
+                  <a:p>
+                    <a:pPr algn="ctr"/>
+                    <a:endParaRPr lang="fr-CA"/>
+                  </a:p>
+                </p:txBody>
+              </p:sp>
+              <p:sp>
+                <p:nvSpPr>
+                  <p:cNvPr id="1068" name="矩形 1067">
+                    <a:extLst>
+                      <a:ext uri="{FF2B5EF4-FFF2-40B4-BE49-F238E27FC236}">
+                        <a16:creationId xmlns:a16="http://schemas.microsoft.com/office/drawing/2014/main" id="{2D94F0E2-0A08-C752-5AD7-F91763CDFDF4}"/>
+                      </a:ext>
+                    </a:extLst>
+                  </p:cNvPr>
+                  <p:cNvSpPr/>
+                  <p:nvPr/>
+                </p:nvSpPr>
+                <p:spPr>
+                  <a:xfrm>
+                    <a:off x="8207378" y="1963250"/>
+                    <a:ext cx="276896" cy="186744"/>
+                  </a:xfrm>
+                  <a:prstGeom prst="rect">
+                    <a:avLst/>
+                  </a:prstGeom>
+                  <a:solidFill>
+                    <a:schemeClr val="accent2"/>
+                  </a:solidFill>
+                </p:spPr>
+                <p:style>
+                  <a:lnRef idx="2">
+                    <a:schemeClr val="accent1">
+                      <a:shade val="50000"/>
+                    </a:schemeClr>
+                  </a:lnRef>
+                  <a:fillRef idx="1">
+                    <a:schemeClr val="accent1"/>
+                  </a:fillRef>
+                  <a:effectRef idx="0">
+                    <a:schemeClr val="accent1"/>
+                  </a:effectRef>
+                  <a:fontRef idx="minor">
+                    <a:schemeClr val="lt1"/>
+                  </a:fontRef>
+                </p:style>
+                <p:txBody>
+                  <a:bodyPr rtlCol="0" anchor="ctr"/>
+                  <a:lstStyle/>
+                  <a:p>
+                    <a:pPr algn="ctr"/>
+                    <a:r>
+                      <a:rPr lang="fr-CA" altLang="zh-CN" sz="700" dirty="0"/>
+                      <a:t>T2</a:t>
+                    </a:r>
+                  </a:p>
+                </p:txBody>
+              </p:sp>
+              <p:sp>
+                <p:nvSpPr>
+                  <p:cNvPr id="1069" name="矩形 1068">
+                    <a:extLst>
+                      <a:ext uri="{FF2B5EF4-FFF2-40B4-BE49-F238E27FC236}">
+                        <a16:creationId xmlns:a16="http://schemas.microsoft.com/office/drawing/2014/main" id="{63706A6B-B709-C26D-922B-B0CC4231A841}"/>
+                      </a:ext>
+                    </a:extLst>
+                  </p:cNvPr>
+                  <p:cNvSpPr/>
+                  <p:nvPr/>
+                </p:nvSpPr>
+                <p:spPr>
+                  <a:xfrm>
+                    <a:off x="9729941" y="1974760"/>
+                    <a:ext cx="276896" cy="186744"/>
+                  </a:xfrm>
+                  <a:prstGeom prst="rect">
+                    <a:avLst/>
+                  </a:prstGeom>
+                  <a:solidFill>
+                    <a:schemeClr val="accent2"/>
+                  </a:solidFill>
+                </p:spPr>
+                <p:style>
+                  <a:lnRef idx="2">
+                    <a:schemeClr val="accent1">
+                      <a:shade val="50000"/>
+                    </a:schemeClr>
+                  </a:lnRef>
+                  <a:fillRef idx="1">
+                    <a:schemeClr val="accent1"/>
+                  </a:fillRef>
+                  <a:effectRef idx="0">
+                    <a:schemeClr val="accent1"/>
+                  </a:effectRef>
+                  <a:fontRef idx="minor">
+                    <a:schemeClr val="lt1"/>
+                  </a:fontRef>
+                </p:style>
+                <p:txBody>
+                  <a:bodyPr rtlCol="0" anchor="ctr"/>
+                  <a:lstStyle/>
+                  <a:p>
+                    <a:pPr algn="ctr"/>
+                    <a:r>
+                      <a:rPr lang="fr-CA" altLang="zh-CN" sz="700" dirty="0"/>
+                      <a:t>a1</a:t>
+                    </a:r>
+                  </a:p>
+                </p:txBody>
+              </p:sp>
+              <p:sp>
+                <p:nvSpPr>
+                  <p:cNvPr id="1070" name="矩形 1069">
+                    <a:extLst>
+                      <a:ext uri="{FF2B5EF4-FFF2-40B4-BE49-F238E27FC236}">
+                        <a16:creationId xmlns:a16="http://schemas.microsoft.com/office/drawing/2014/main" id="{509C93C5-63C6-DDDC-D409-81862C23F9E5}"/>
+                      </a:ext>
+                    </a:extLst>
+                  </p:cNvPr>
+                  <p:cNvSpPr/>
+                  <p:nvPr/>
+                </p:nvSpPr>
+                <p:spPr>
+                  <a:xfrm>
+                    <a:off x="10123731" y="1974760"/>
+                    <a:ext cx="276896" cy="186744"/>
+                  </a:xfrm>
+                  <a:prstGeom prst="rect">
+                    <a:avLst/>
+                  </a:prstGeom>
+                  <a:solidFill>
+                    <a:schemeClr val="accent2"/>
+                  </a:solidFill>
+                </p:spPr>
+                <p:style>
+                  <a:lnRef idx="2">
+                    <a:schemeClr val="accent1">
+                      <a:shade val="50000"/>
+                    </a:schemeClr>
+                  </a:lnRef>
+                  <a:fillRef idx="1">
+                    <a:schemeClr val="accent1"/>
+                  </a:fillRef>
+                  <a:effectRef idx="0">
+                    <a:schemeClr val="accent1"/>
+                  </a:effectRef>
+                  <a:fontRef idx="minor">
+                    <a:schemeClr val="lt1"/>
+                  </a:fontRef>
+                </p:style>
+                <p:txBody>
+                  <a:bodyPr rtlCol="0" anchor="ctr"/>
+                  <a:lstStyle/>
+                  <a:p>
+                    <a:pPr algn="ctr"/>
+                    <a:r>
+                      <a:rPr lang="fr-CA" altLang="zh-CN" sz="700" dirty="0"/>
+                      <a:t>a2</a:t>
+                    </a:r>
+                  </a:p>
+                </p:txBody>
+              </p:sp>
+              <p:sp>
+                <p:nvSpPr>
+                  <p:cNvPr id="1071" name="矩形 1070">
+                    <a:extLst>
+                      <a:ext uri="{FF2B5EF4-FFF2-40B4-BE49-F238E27FC236}">
+                        <a16:creationId xmlns:a16="http://schemas.microsoft.com/office/drawing/2014/main" id="{A55A08CE-0424-34D4-BC21-5E983A458842}"/>
+                      </a:ext>
+                    </a:extLst>
+                  </p:cNvPr>
+                  <p:cNvSpPr/>
+                  <p:nvPr/>
+                </p:nvSpPr>
+                <p:spPr>
+                  <a:xfrm>
+                    <a:off x="9319422" y="1974760"/>
+                    <a:ext cx="276896" cy="186744"/>
+                  </a:xfrm>
+                  <a:prstGeom prst="rect">
+                    <a:avLst/>
+                  </a:prstGeom>
+                </p:spPr>
+                <p:style>
+                  <a:lnRef idx="2">
+                    <a:schemeClr val="accent1">
+                      <a:shade val="50000"/>
+                    </a:schemeClr>
+                  </a:lnRef>
+                  <a:fillRef idx="1">
+                    <a:schemeClr val="accent1"/>
+                  </a:fillRef>
+                  <a:effectRef idx="0">
+                    <a:schemeClr val="accent1"/>
+                  </a:effectRef>
+                  <a:fontRef idx="minor">
+                    <a:schemeClr val="lt1"/>
+                  </a:fontRef>
+                </p:style>
+                <p:txBody>
+                  <a:bodyPr rtlCol="0" anchor="ctr"/>
+                  <a:lstStyle/>
+                  <a:p>
+                    <a:pPr algn="ctr"/>
+                    <a:endParaRPr lang="fr-CA"/>
+                  </a:p>
+                </p:txBody>
+              </p:sp>
+            </p:grpSp>
             <p:sp>
               <p:nvSpPr>
-                <p:cNvPr id="1064" name="矩形: 圆角 1063">
+                <p:cNvPr id="1072" name="矩形 1071">
                   <a:extLst>
                     <a:ext uri="{FF2B5EF4-FFF2-40B4-BE49-F238E27FC236}">
-                      <a16:creationId xmlns:a16="http://schemas.microsoft.com/office/drawing/2014/main" id="{EEA0B23A-FB46-7F7D-863A-CF6AFE2B9EAF}"/>
+                      <a16:creationId xmlns:a16="http://schemas.microsoft.com/office/drawing/2014/main" id="{E46C39FE-92BA-07EC-43F6-C267B37B9ABC}"/>
                     </a:ext>
                   </a:extLst>
                 </p:cNvPr>
@@ -21108,202 +22747,7 @@
               </p:nvSpPr>
               <p:spPr>
                 <a:xfrm>
-                  <a:off x="7662929" y="1867437"/>
-                  <a:ext cx="4082603" cy="418563"/>
-                </a:xfrm>
-                <a:prstGeom prst="roundRect">
-                  <a:avLst/>
-                </a:prstGeom>
-                <a:noFill/>
-                <a:ln>
-                  <a:solidFill>
-                    <a:schemeClr val="tx1"/>
-                  </a:solidFill>
-                  <a:prstDash val="dash"/>
-                </a:ln>
-              </p:spPr>
-              <p:style>
-                <a:lnRef idx="2">
-                  <a:schemeClr val="accent6"/>
-                </a:lnRef>
-                <a:fillRef idx="1">
-                  <a:schemeClr val="lt1"/>
-                </a:fillRef>
-                <a:effectRef idx="0">
-                  <a:schemeClr val="accent6"/>
-                </a:effectRef>
-                <a:fontRef idx="minor">
-                  <a:schemeClr val="dk1"/>
-                </a:fontRef>
-              </p:style>
-              <p:txBody>
-                <a:bodyPr rtlCol="0" anchor="ctr"/>
-                <a:lstStyle/>
-                <a:p>
-                  <a:pPr algn="ctr"/>
-                  <a:endParaRPr lang="fr-CA" dirty="0"/>
-                </a:p>
-              </p:txBody>
-            </p:sp>
-            <p:sp>
-              <p:nvSpPr>
-                <p:cNvPr id="1065" name="矩形 1064">
-                  <a:extLst>
-                    <a:ext uri="{FF2B5EF4-FFF2-40B4-BE49-F238E27FC236}">
-                      <a16:creationId xmlns:a16="http://schemas.microsoft.com/office/drawing/2014/main" id="{8668A017-1B02-3BD0-BB44-056BB15ED778}"/>
-                    </a:ext>
-                  </a:extLst>
-                </p:cNvPr>
-                <p:cNvSpPr/>
-                <p:nvPr/>
-              </p:nvSpPr>
-              <p:spPr>
-                <a:xfrm>
-                  <a:off x="7796859" y="1963250"/>
-                  <a:ext cx="276896" cy="186744"/>
-                </a:xfrm>
-                <a:prstGeom prst="rect">
-                  <a:avLst/>
-                </a:prstGeom>
-                <a:solidFill>
-                  <a:schemeClr val="accent2"/>
-                </a:solidFill>
-              </p:spPr>
-              <p:style>
-                <a:lnRef idx="2">
-                  <a:schemeClr val="accent1">
-                    <a:shade val="50000"/>
-                  </a:schemeClr>
-                </a:lnRef>
-                <a:fillRef idx="1">
-                  <a:schemeClr val="accent1"/>
-                </a:fillRef>
-                <a:effectRef idx="0">
-                  <a:schemeClr val="accent1"/>
-                </a:effectRef>
-                <a:fontRef idx="minor">
-                  <a:schemeClr val="lt1"/>
-                </a:fontRef>
-              </p:style>
-              <p:txBody>
-                <a:bodyPr rtlCol="0" anchor="ctr"/>
-                <a:lstStyle/>
-                <a:p>
-                  <a:pPr algn="ctr"/>
-                  <a:r>
-                    <a:rPr lang="fr-CA" sz="700" dirty="0"/>
-                    <a:t>T1</a:t>
-                  </a:r>
-                </a:p>
-              </p:txBody>
-            </p:sp>
-            <p:sp>
-              <p:nvSpPr>
-                <p:cNvPr id="1066" name="矩形 1065">
-                  <a:extLst>
-                    <a:ext uri="{FF2B5EF4-FFF2-40B4-BE49-F238E27FC236}">
-                      <a16:creationId xmlns:a16="http://schemas.microsoft.com/office/drawing/2014/main" id="{8771B658-1340-CA78-F2BE-F6486FE0A6EE}"/>
-                    </a:ext>
-                  </a:extLst>
-                </p:cNvPr>
-                <p:cNvSpPr/>
-                <p:nvPr/>
-              </p:nvSpPr>
-              <p:spPr>
-                <a:xfrm>
-                  <a:off x="10937762" y="1974760"/>
-                  <a:ext cx="276896" cy="186744"/>
-                </a:xfrm>
-                <a:prstGeom prst="rect">
-                  <a:avLst/>
-                </a:prstGeom>
-              </p:spPr>
-              <p:style>
-                <a:lnRef idx="2">
-                  <a:schemeClr val="accent1">
-                    <a:shade val="50000"/>
-                  </a:schemeClr>
-                </a:lnRef>
-                <a:fillRef idx="1">
-                  <a:schemeClr val="accent1"/>
-                </a:fillRef>
-                <a:effectRef idx="0">
-                  <a:schemeClr val="accent1"/>
-                </a:effectRef>
-                <a:fontRef idx="minor">
-                  <a:schemeClr val="lt1"/>
-                </a:fontRef>
-              </p:style>
-              <p:txBody>
-                <a:bodyPr rtlCol="0" anchor="ctr"/>
-                <a:lstStyle/>
-                <a:p>
-                  <a:pPr algn="ctr"/>
-                  <a:endParaRPr lang="fr-CA"/>
-                </a:p>
-              </p:txBody>
-            </p:sp>
-            <p:sp>
-              <p:nvSpPr>
-                <p:cNvPr id="1067" name="矩形 1066">
-                  <a:extLst>
-                    <a:ext uri="{FF2B5EF4-FFF2-40B4-BE49-F238E27FC236}">
-                      <a16:creationId xmlns:a16="http://schemas.microsoft.com/office/drawing/2014/main" id="{E327220E-C781-9AF7-F7E3-5511B2A3C8DD}"/>
-                    </a:ext>
-                  </a:extLst>
-                </p:cNvPr>
-                <p:cNvSpPr/>
-                <p:nvPr/>
-              </p:nvSpPr>
-              <p:spPr>
-                <a:xfrm>
-                  <a:off x="11322676" y="1974760"/>
-                  <a:ext cx="276896" cy="186744"/>
-                </a:xfrm>
-                <a:prstGeom prst="rect">
-                  <a:avLst/>
-                </a:prstGeom>
-              </p:spPr>
-              <p:style>
-                <a:lnRef idx="2">
-                  <a:schemeClr val="accent1">
-                    <a:shade val="50000"/>
-                  </a:schemeClr>
-                </a:lnRef>
-                <a:fillRef idx="1">
-                  <a:schemeClr val="accent1"/>
-                </a:fillRef>
-                <a:effectRef idx="0">
-                  <a:schemeClr val="accent1"/>
-                </a:effectRef>
-                <a:fontRef idx="minor">
-                  <a:schemeClr val="lt1"/>
-                </a:fontRef>
-              </p:style>
-              <p:txBody>
-                <a:bodyPr rtlCol="0" anchor="ctr"/>
-                <a:lstStyle/>
-                <a:p>
-                  <a:pPr algn="ctr"/>
-                  <a:endParaRPr lang="fr-CA"/>
-                </a:p>
-              </p:txBody>
-            </p:sp>
-            <p:sp>
-              <p:nvSpPr>
-                <p:cNvPr id="1068" name="矩形 1067">
-                  <a:extLst>
-                    <a:ext uri="{FF2B5EF4-FFF2-40B4-BE49-F238E27FC236}">
-                      <a16:creationId xmlns:a16="http://schemas.microsoft.com/office/drawing/2014/main" id="{2D94F0E2-0A08-C752-5AD7-F91763CDFDF4}"/>
-                    </a:ext>
-                  </a:extLst>
-                </p:cNvPr>
-                <p:cNvSpPr/>
-                <p:nvPr/>
-              </p:nvSpPr>
-              <p:spPr>
-                <a:xfrm>
-                  <a:off x="8207378" y="1963250"/>
+                  <a:off x="8316482" y="4082704"/>
                   <a:ext cx="276896" cy="186744"/>
                 </a:xfrm>
                 <a:prstGeom prst="rect">
@@ -21336,17 +22780,17 @@
                   <a:pPr algn="ctr"/>
                   <a:r>
                     <a:rPr lang="fr-CA" altLang="zh-CN" sz="700" dirty="0"/>
-                    <a:t>T2</a:t>
+                    <a:t>T3</a:t>
                   </a:r>
                 </a:p>
               </p:txBody>
             </p:sp>
             <p:sp>
               <p:nvSpPr>
-                <p:cNvPr id="1069" name="矩形 1068">
+                <p:cNvPr id="1073" name="矩形 1072">
                   <a:extLst>
                     <a:ext uri="{FF2B5EF4-FFF2-40B4-BE49-F238E27FC236}">
-                      <a16:creationId xmlns:a16="http://schemas.microsoft.com/office/drawing/2014/main" id="{63706A6B-B709-C26D-922B-B0CC4231A841}"/>
+                      <a16:creationId xmlns:a16="http://schemas.microsoft.com/office/drawing/2014/main" id="{DCD0F3AF-1211-A882-1FAF-08A207AF4D0E}"/>
                     </a:ext>
                   </a:extLst>
                 </p:cNvPr>
@@ -21355,7 +22799,7 @@
               </p:nvSpPr>
               <p:spPr>
                 <a:xfrm>
-                  <a:off x="9729941" y="1974760"/>
+                  <a:off x="10219705" y="4101318"/>
                   <a:ext cx="276896" cy="186744"/>
                 </a:xfrm>
                 <a:prstGeom prst="rect">
@@ -21388,116 +22832,565 @@
                   <a:pPr algn="ctr"/>
                   <a:r>
                     <a:rPr lang="fr-CA" altLang="zh-CN" sz="700" dirty="0"/>
-                    <a:t>a1</a:t>
+                    <a:t>a3</a:t>
                   </a:r>
                 </a:p>
               </p:txBody>
             </p:sp>
             <p:sp>
               <p:nvSpPr>
-                <p:cNvPr id="1070" name="矩形 1069">
+                <p:cNvPr id="1083" name="文本框 1082">
                   <a:extLst>
                     <a:ext uri="{FF2B5EF4-FFF2-40B4-BE49-F238E27FC236}">
-                      <a16:creationId xmlns:a16="http://schemas.microsoft.com/office/drawing/2014/main" id="{509C93C5-63C6-DDDC-D409-81862C23F9E5}"/>
+                      <a16:creationId xmlns:a16="http://schemas.microsoft.com/office/drawing/2014/main" id="{84114D88-EADF-4426-84C6-00D9738BA67C}"/>
                     </a:ext>
                   </a:extLst>
                 </p:cNvPr>
-                <p:cNvSpPr/>
+                <p:cNvSpPr txBox="1"/>
                 <p:nvPr/>
               </p:nvSpPr>
               <p:spPr>
                 <a:xfrm>
-                  <a:off x="10123731" y="1974760"/>
-                  <a:ext cx="276896" cy="186744"/>
+                  <a:off x="8646611" y="4002109"/>
+                  <a:ext cx="444321" cy="369332"/>
                 </a:xfrm>
                 <a:prstGeom prst="rect">
                   <a:avLst/>
                 </a:prstGeom>
-                <a:solidFill>
-                  <a:schemeClr val="accent2"/>
-                </a:solidFill>
+                <a:noFill/>
               </p:spPr>
-              <p:style>
-                <a:lnRef idx="2">
-                  <a:schemeClr val="accent1">
-                    <a:shade val="50000"/>
-                  </a:schemeClr>
-                </a:lnRef>
-                <a:fillRef idx="1">
-                  <a:schemeClr val="accent1"/>
-                </a:fillRef>
-                <a:effectRef idx="0">
-                  <a:schemeClr val="accent1"/>
-                </a:effectRef>
-                <a:fontRef idx="minor">
-                  <a:schemeClr val="lt1"/>
-                </a:fontRef>
-              </p:style>
               <p:txBody>
-                <a:bodyPr rtlCol="0" anchor="ctr"/>
+                <a:bodyPr wrap="square" rtlCol="0">
+                  <a:spAutoFit/>
+                </a:bodyPr>
                 <a:lstStyle/>
                 <a:p>
-                  <a:pPr algn="ctr"/>
                   <a:r>
-                    <a:rPr lang="fr-CA" altLang="zh-CN" sz="700" dirty="0"/>
-                    <a:t>a2</a:t>
+                    <a:rPr lang="en-US" altLang="zh-CN" dirty="0"/>
+                    <a:t>…</a:t>
                   </a:r>
+                  <a:endParaRPr lang="fr-CA" dirty="0"/>
+                </a:p>
+              </p:txBody>
+            </p:sp>
+          </p:grpSp>
+          <p:grpSp>
+            <p:nvGrpSpPr>
+              <p:cNvPr id="1087" name="组合 1086">
+                <a:extLst>
+                  <a:ext uri="{FF2B5EF4-FFF2-40B4-BE49-F238E27FC236}">
+                    <a16:creationId xmlns:a16="http://schemas.microsoft.com/office/drawing/2014/main" id="{29C9AAB4-433C-0D24-B770-16DAC7A8DC06}"/>
+                  </a:ext>
+                </a:extLst>
+              </p:cNvPr>
+              <p:cNvGrpSpPr/>
+              <p:nvPr/>
+            </p:nvGrpSpPr>
+            <p:grpSpPr>
+              <a:xfrm>
+                <a:off x="7454807" y="2249547"/>
+                <a:ext cx="4082603" cy="421081"/>
+                <a:chOff x="7454808" y="1200171"/>
+                <a:chExt cx="4082603" cy="421081"/>
+              </a:xfrm>
+            </p:grpSpPr>
+            <p:grpSp>
+              <p:nvGrpSpPr>
+                <p:cNvPr id="1088" name="组合 1087">
+                  <a:extLst>
+                    <a:ext uri="{FF2B5EF4-FFF2-40B4-BE49-F238E27FC236}">
+                      <a16:creationId xmlns:a16="http://schemas.microsoft.com/office/drawing/2014/main" id="{4025C2B0-65FA-BC2B-FA4E-271EAB416CCA}"/>
+                    </a:ext>
+                  </a:extLst>
+                </p:cNvPr>
+                <p:cNvGrpSpPr/>
+                <p:nvPr/>
+              </p:nvGrpSpPr>
+              <p:grpSpPr>
+                <a:xfrm>
+                  <a:off x="7454808" y="1200171"/>
+                  <a:ext cx="4082603" cy="418563"/>
+                  <a:chOff x="7662929" y="1867437"/>
+                  <a:chExt cx="4082603" cy="418563"/>
+                </a:xfrm>
+              </p:grpSpPr>
+              <p:sp>
+                <p:nvSpPr>
+                  <p:cNvPr id="1091" name="矩形: 圆角 1090">
+                    <a:extLst>
+                      <a:ext uri="{FF2B5EF4-FFF2-40B4-BE49-F238E27FC236}">
+                        <a16:creationId xmlns:a16="http://schemas.microsoft.com/office/drawing/2014/main" id="{3257AD40-1453-75D7-C04C-23B8C9E96BAC}"/>
+                      </a:ext>
+                    </a:extLst>
+                  </p:cNvPr>
+                  <p:cNvSpPr/>
+                  <p:nvPr/>
+                </p:nvSpPr>
+                <p:spPr>
+                  <a:xfrm>
+                    <a:off x="7662929" y="1867437"/>
+                    <a:ext cx="4082603" cy="418563"/>
+                  </a:xfrm>
+                  <a:prstGeom prst="roundRect">
+                    <a:avLst/>
+                  </a:prstGeom>
+                  <a:noFill/>
+                  <a:ln>
+                    <a:solidFill>
+                      <a:schemeClr val="tx1"/>
+                    </a:solidFill>
+                    <a:prstDash val="dash"/>
+                  </a:ln>
+                </p:spPr>
+                <p:style>
+                  <a:lnRef idx="2">
+                    <a:schemeClr val="accent6"/>
+                  </a:lnRef>
+                  <a:fillRef idx="1">
+                    <a:schemeClr val="lt1"/>
+                  </a:fillRef>
+                  <a:effectRef idx="0">
+                    <a:schemeClr val="accent6"/>
+                  </a:effectRef>
+                  <a:fontRef idx="minor">
+                    <a:schemeClr val="dk1"/>
+                  </a:fontRef>
+                </p:style>
+                <p:txBody>
+                  <a:bodyPr rtlCol="0" anchor="ctr"/>
+                  <a:lstStyle/>
+                  <a:p>
+                    <a:pPr algn="ctr"/>
+                    <a:endParaRPr lang="fr-CA" dirty="0"/>
+                  </a:p>
+                </p:txBody>
+              </p:sp>
+              <p:sp>
+                <p:nvSpPr>
+                  <p:cNvPr id="1092" name="矩形 1091">
+                    <a:extLst>
+                      <a:ext uri="{FF2B5EF4-FFF2-40B4-BE49-F238E27FC236}">
+                        <a16:creationId xmlns:a16="http://schemas.microsoft.com/office/drawing/2014/main" id="{8F480B73-7BD7-AB27-824F-FA3ED1543BCF}"/>
+                      </a:ext>
+                    </a:extLst>
+                  </p:cNvPr>
+                  <p:cNvSpPr/>
+                  <p:nvPr/>
+                </p:nvSpPr>
+                <p:spPr>
+                  <a:xfrm>
+                    <a:off x="7796859" y="1963250"/>
+                    <a:ext cx="276896" cy="186744"/>
+                  </a:xfrm>
+                  <a:prstGeom prst="rect">
+                    <a:avLst/>
+                  </a:prstGeom>
+                  <a:solidFill>
+                    <a:schemeClr val="accent2"/>
+                  </a:solidFill>
+                </p:spPr>
+                <p:style>
+                  <a:lnRef idx="2">
+                    <a:schemeClr val="accent1">
+                      <a:shade val="50000"/>
+                    </a:schemeClr>
+                  </a:lnRef>
+                  <a:fillRef idx="1">
+                    <a:schemeClr val="accent1"/>
+                  </a:fillRef>
+                  <a:effectRef idx="0">
+                    <a:schemeClr val="accent1"/>
+                  </a:effectRef>
+                  <a:fontRef idx="minor">
+                    <a:schemeClr val="lt1"/>
+                  </a:fontRef>
+                </p:style>
+                <p:txBody>
+                  <a:bodyPr rtlCol="0" anchor="ctr"/>
+                  <a:lstStyle/>
+                  <a:p>
+                    <a:pPr algn="ctr"/>
+                    <a:r>
+                      <a:rPr lang="fr-CA" sz="700" dirty="0"/>
+                      <a:t>T1</a:t>
+                    </a:r>
+                  </a:p>
+                </p:txBody>
+              </p:sp>
+              <p:sp>
+                <p:nvSpPr>
+                  <p:cNvPr id="1093" name="矩形 1092">
+                    <a:extLst>
+                      <a:ext uri="{FF2B5EF4-FFF2-40B4-BE49-F238E27FC236}">
+                        <a16:creationId xmlns:a16="http://schemas.microsoft.com/office/drawing/2014/main" id="{1CB75011-5362-1370-DDF9-9B18DB70EBB2}"/>
+                      </a:ext>
+                    </a:extLst>
+                  </p:cNvPr>
+                  <p:cNvSpPr/>
+                  <p:nvPr/>
+                </p:nvSpPr>
+                <p:spPr>
+                  <a:xfrm>
+                    <a:off x="10937762" y="1974760"/>
+                    <a:ext cx="276896" cy="186744"/>
+                  </a:xfrm>
+                  <a:prstGeom prst="rect">
+                    <a:avLst/>
+                  </a:prstGeom>
+                </p:spPr>
+                <p:style>
+                  <a:lnRef idx="2">
+                    <a:schemeClr val="accent1">
+                      <a:shade val="50000"/>
+                    </a:schemeClr>
+                  </a:lnRef>
+                  <a:fillRef idx="1">
+                    <a:schemeClr val="accent1"/>
+                  </a:fillRef>
+                  <a:effectRef idx="0">
+                    <a:schemeClr val="accent1"/>
+                  </a:effectRef>
+                  <a:fontRef idx="minor">
+                    <a:schemeClr val="lt1"/>
+                  </a:fontRef>
+                </p:style>
+                <p:txBody>
+                  <a:bodyPr rtlCol="0" anchor="ctr"/>
+                  <a:lstStyle/>
+                  <a:p>
+                    <a:pPr algn="ctr"/>
+                    <a:endParaRPr lang="fr-CA"/>
+                  </a:p>
+                </p:txBody>
+              </p:sp>
+              <p:sp>
+                <p:nvSpPr>
+                  <p:cNvPr id="1094" name="矩形 1093">
+                    <a:extLst>
+                      <a:ext uri="{FF2B5EF4-FFF2-40B4-BE49-F238E27FC236}">
+                        <a16:creationId xmlns:a16="http://schemas.microsoft.com/office/drawing/2014/main" id="{865A16DF-AD1F-9FB0-84B6-CAE7145A5DAB}"/>
+                      </a:ext>
+                    </a:extLst>
+                  </p:cNvPr>
+                  <p:cNvSpPr/>
+                  <p:nvPr/>
+                </p:nvSpPr>
+                <p:spPr>
+                  <a:xfrm>
+                    <a:off x="11322676" y="1974760"/>
+                    <a:ext cx="276896" cy="186744"/>
+                  </a:xfrm>
+                  <a:prstGeom prst="rect">
+                    <a:avLst/>
+                  </a:prstGeom>
+                </p:spPr>
+                <p:style>
+                  <a:lnRef idx="2">
+                    <a:schemeClr val="accent1">
+                      <a:shade val="50000"/>
+                    </a:schemeClr>
+                  </a:lnRef>
+                  <a:fillRef idx="1">
+                    <a:schemeClr val="accent1"/>
+                  </a:fillRef>
+                  <a:effectRef idx="0">
+                    <a:schemeClr val="accent1"/>
+                  </a:effectRef>
+                  <a:fontRef idx="minor">
+                    <a:schemeClr val="lt1"/>
+                  </a:fontRef>
+                </p:style>
+                <p:txBody>
+                  <a:bodyPr rtlCol="0" anchor="ctr"/>
+                  <a:lstStyle/>
+                  <a:p>
+                    <a:pPr algn="ctr"/>
+                    <a:endParaRPr lang="fr-CA"/>
+                  </a:p>
+                </p:txBody>
+              </p:sp>
+              <p:sp>
+                <p:nvSpPr>
+                  <p:cNvPr id="1095" name="矩形 1094">
+                    <a:extLst>
+                      <a:ext uri="{FF2B5EF4-FFF2-40B4-BE49-F238E27FC236}">
+                        <a16:creationId xmlns:a16="http://schemas.microsoft.com/office/drawing/2014/main" id="{26D9A2F6-4955-48DA-E1F6-6C6813ABEE0F}"/>
+                      </a:ext>
+                    </a:extLst>
+                  </p:cNvPr>
+                  <p:cNvSpPr/>
+                  <p:nvPr/>
+                </p:nvSpPr>
+                <p:spPr>
+                  <a:xfrm>
+                    <a:off x="8207378" y="1963250"/>
+                    <a:ext cx="276896" cy="186744"/>
+                  </a:xfrm>
+                  <a:prstGeom prst="rect">
+                    <a:avLst/>
+                  </a:prstGeom>
+                  <a:solidFill>
+                    <a:schemeClr val="accent2"/>
+                  </a:solidFill>
+                </p:spPr>
+                <p:style>
+                  <a:lnRef idx="2">
+                    <a:schemeClr val="accent1">
+                      <a:shade val="50000"/>
+                    </a:schemeClr>
+                  </a:lnRef>
+                  <a:fillRef idx="1">
+                    <a:schemeClr val="accent1"/>
+                  </a:fillRef>
+                  <a:effectRef idx="0">
+                    <a:schemeClr val="accent1"/>
+                  </a:effectRef>
+                  <a:fontRef idx="minor">
+                    <a:schemeClr val="lt1"/>
+                  </a:fontRef>
+                </p:style>
+                <p:txBody>
+                  <a:bodyPr rtlCol="0" anchor="ctr"/>
+                  <a:lstStyle/>
+                  <a:p>
+                    <a:pPr algn="ctr"/>
+                    <a:r>
+                      <a:rPr lang="fr-CA" altLang="zh-CN" sz="700" dirty="0"/>
+                      <a:t>T2</a:t>
+                    </a:r>
+                  </a:p>
+                </p:txBody>
+              </p:sp>
+              <p:sp>
+                <p:nvSpPr>
+                  <p:cNvPr id="1096" name="矩形 1095">
+                    <a:extLst>
+                      <a:ext uri="{FF2B5EF4-FFF2-40B4-BE49-F238E27FC236}">
+                        <a16:creationId xmlns:a16="http://schemas.microsoft.com/office/drawing/2014/main" id="{40291439-2E05-836C-0994-12F28906C9CB}"/>
+                      </a:ext>
+                    </a:extLst>
+                  </p:cNvPr>
+                  <p:cNvSpPr/>
+                  <p:nvPr/>
+                </p:nvSpPr>
+                <p:spPr>
+                  <a:xfrm>
+                    <a:off x="9729941" y="1974760"/>
+                    <a:ext cx="276896" cy="186744"/>
+                  </a:xfrm>
+                  <a:prstGeom prst="rect">
+                    <a:avLst/>
+                  </a:prstGeom>
+                  <a:solidFill>
+                    <a:schemeClr val="accent2"/>
+                  </a:solidFill>
+                </p:spPr>
+                <p:style>
+                  <a:lnRef idx="2">
+                    <a:schemeClr val="accent1">
+                      <a:shade val="50000"/>
+                    </a:schemeClr>
+                  </a:lnRef>
+                  <a:fillRef idx="1">
+                    <a:schemeClr val="accent1"/>
+                  </a:fillRef>
+                  <a:effectRef idx="0">
+                    <a:schemeClr val="accent1"/>
+                  </a:effectRef>
+                  <a:fontRef idx="minor">
+                    <a:schemeClr val="lt1"/>
+                  </a:fontRef>
+                </p:style>
+                <p:txBody>
+                  <a:bodyPr rtlCol="0" anchor="ctr"/>
+                  <a:lstStyle/>
+                  <a:p>
+                    <a:pPr algn="ctr"/>
+                    <a:r>
+                      <a:rPr lang="fr-CA" altLang="zh-CN" sz="700" dirty="0"/>
+                      <a:t>a1</a:t>
+                    </a:r>
+                  </a:p>
+                </p:txBody>
+              </p:sp>
+              <p:sp>
+                <p:nvSpPr>
+                  <p:cNvPr id="1097" name="矩形 1096">
+                    <a:extLst>
+                      <a:ext uri="{FF2B5EF4-FFF2-40B4-BE49-F238E27FC236}">
+                        <a16:creationId xmlns:a16="http://schemas.microsoft.com/office/drawing/2014/main" id="{F5A09768-5E67-B45F-9335-5D862D0ED09A}"/>
+                      </a:ext>
+                    </a:extLst>
+                  </p:cNvPr>
+                  <p:cNvSpPr/>
+                  <p:nvPr/>
+                </p:nvSpPr>
+                <p:spPr>
+                  <a:xfrm>
+                    <a:off x="10123731" y="1974760"/>
+                    <a:ext cx="276896" cy="186744"/>
+                  </a:xfrm>
+                  <a:prstGeom prst="rect">
+                    <a:avLst/>
+                  </a:prstGeom>
+                  <a:solidFill>
+                    <a:schemeClr val="accent2"/>
+                  </a:solidFill>
+                </p:spPr>
+                <p:style>
+                  <a:lnRef idx="2">
+                    <a:schemeClr val="accent1">
+                      <a:shade val="50000"/>
+                    </a:schemeClr>
+                  </a:lnRef>
+                  <a:fillRef idx="1">
+                    <a:schemeClr val="accent1"/>
+                  </a:fillRef>
+                  <a:effectRef idx="0">
+                    <a:schemeClr val="accent1"/>
+                  </a:effectRef>
+                  <a:fontRef idx="minor">
+                    <a:schemeClr val="lt1"/>
+                  </a:fontRef>
+                </p:style>
+                <p:txBody>
+                  <a:bodyPr rtlCol="0" anchor="ctr"/>
+                  <a:lstStyle/>
+                  <a:p>
+                    <a:pPr algn="ctr"/>
+                    <a:r>
+                      <a:rPr lang="fr-CA" altLang="zh-CN" sz="700" dirty="0"/>
+                      <a:t>a2</a:t>
+                    </a:r>
+                  </a:p>
+                </p:txBody>
+              </p:sp>
+              <p:sp>
+                <p:nvSpPr>
+                  <p:cNvPr id="1098" name="矩形 1097">
+                    <a:extLst>
+                      <a:ext uri="{FF2B5EF4-FFF2-40B4-BE49-F238E27FC236}">
+                        <a16:creationId xmlns:a16="http://schemas.microsoft.com/office/drawing/2014/main" id="{ACD7829B-0F1F-E67A-A172-2BBB9BA82F46}"/>
+                      </a:ext>
+                    </a:extLst>
+                  </p:cNvPr>
+                  <p:cNvSpPr/>
+                  <p:nvPr/>
+                </p:nvSpPr>
+                <p:spPr>
+                  <a:xfrm>
+                    <a:off x="9319422" y="1974760"/>
+                    <a:ext cx="276896" cy="186744"/>
+                  </a:xfrm>
+                  <a:prstGeom prst="rect">
+                    <a:avLst/>
+                  </a:prstGeom>
+                </p:spPr>
+                <p:style>
+                  <a:lnRef idx="2">
+                    <a:schemeClr val="accent1">
+                      <a:shade val="50000"/>
+                    </a:schemeClr>
+                  </a:lnRef>
+                  <a:fillRef idx="1">
+                    <a:schemeClr val="accent1"/>
+                  </a:fillRef>
+                  <a:effectRef idx="0">
+                    <a:schemeClr val="accent1"/>
+                  </a:effectRef>
+                  <a:fontRef idx="minor">
+                    <a:schemeClr val="lt1"/>
+                  </a:fontRef>
+                </p:style>
+                <p:txBody>
+                  <a:bodyPr rtlCol="0" anchor="ctr"/>
+                  <a:lstStyle/>
+                  <a:p>
+                    <a:pPr algn="ctr"/>
+                    <a:endParaRPr lang="fr-CA"/>
+                  </a:p>
+                </p:txBody>
+              </p:sp>
+            </p:grpSp>
+            <p:sp>
+              <p:nvSpPr>
+                <p:cNvPr id="1089" name="文本框 1088">
+                  <a:extLst>
+                    <a:ext uri="{FF2B5EF4-FFF2-40B4-BE49-F238E27FC236}">
+                      <a16:creationId xmlns:a16="http://schemas.microsoft.com/office/drawing/2014/main" id="{7CAFD0B7-CB7E-6CC8-F237-60CEDB244ADE}"/>
+                    </a:ext>
+                  </a:extLst>
+                </p:cNvPr>
+                <p:cNvSpPr txBox="1"/>
+                <p:nvPr/>
+              </p:nvSpPr>
+              <p:spPr>
+                <a:xfrm>
+                  <a:off x="8513511" y="1249402"/>
+                  <a:ext cx="444321" cy="369332"/>
+                </a:xfrm>
+                <a:prstGeom prst="rect">
+                  <a:avLst/>
+                </a:prstGeom>
+                <a:noFill/>
+              </p:spPr>
+              <p:txBody>
+                <a:bodyPr wrap="square" rtlCol="0">
+                  <a:spAutoFit/>
+                </a:bodyPr>
+                <a:lstStyle/>
+                <a:p>
+                  <a:r>
+                    <a:rPr lang="en-US" altLang="zh-CN" dirty="0"/>
+                    <a:t>…</a:t>
+                  </a:r>
+                  <a:endParaRPr lang="fr-CA" dirty="0"/>
                 </a:p>
               </p:txBody>
             </p:sp>
             <p:sp>
               <p:nvSpPr>
-                <p:cNvPr id="1071" name="矩形 1070">
+                <p:cNvPr id="1090" name="文本框 1089">
                   <a:extLst>
                     <a:ext uri="{FF2B5EF4-FFF2-40B4-BE49-F238E27FC236}">
-                      <a16:creationId xmlns:a16="http://schemas.microsoft.com/office/drawing/2014/main" id="{A55A08CE-0424-34D4-BC21-5E983A458842}"/>
+                      <a16:creationId xmlns:a16="http://schemas.microsoft.com/office/drawing/2014/main" id="{17FCD39F-1196-54D0-4710-B268869EF10E}"/>
                     </a:ext>
                   </a:extLst>
                 </p:cNvPr>
-                <p:cNvSpPr/>
+                <p:cNvSpPr txBox="1"/>
                 <p:nvPr/>
               </p:nvSpPr>
               <p:spPr>
                 <a:xfrm>
-                  <a:off x="9319422" y="1974760"/>
-                  <a:ext cx="276896" cy="186744"/>
+                  <a:off x="10300524" y="1251920"/>
+                  <a:ext cx="444321" cy="369332"/>
                 </a:xfrm>
                 <a:prstGeom prst="rect">
                   <a:avLst/>
                 </a:prstGeom>
+                <a:noFill/>
               </p:spPr>
-              <p:style>
-                <a:lnRef idx="2">
-                  <a:schemeClr val="accent1">
-                    <a:shade val="50000"/>
-                  </a:schemeClr>
-                </a:lnRef>
-                <a:fillRef idx="1">
-                  <a:schemeClr val="accent1"/>
-                </a:fillRef>
-                <a:effectRef idx="0">
-                  <a:schemeClr val="accent1"/>
-                </a:effectRef>
-                <a:fontRef idx="minor">
-                  <a:schemeClr val="lt1"/>
-                </a:fontRef>
-              </p:style>
               <p:txBody>
-                <a:bodyPr rtlCol="0" anchor="ctr"/>
+                <a:bodyPr wrap="square" rtlCol="0">
+                  <a:spAutoFit/>
+                </a:bodyPr>
                 <a:lstStyle/>
                 <a:p>
-                  <a:pPr algn="ctr"/>
-                  <a:endParaRPr lang="fr-CA"/>
+                  <a:r>
+                    <a:rPr lang="en-US" altLang="zh-CN" dirty="0"/>
+                    <a:t>…</a:t>
+                  </a:r>
+                  <a:endParaRPr lang="fr-CA" dirty="0"/>
                 </a:p>
               </p:txBody>
             </p:sp>
           </p:grpSp>
           <p:sp>
             <p:nvSpPr>
-              <p:cNvPr id="1072" name="矩形 1071">
+              <p:cNvPr id="1099" name="矩形 1098">
                 <a:extLst>
                   <a:ext uri="{FF2B5EF4-FFF2-40B4-BE49-F238E27FC236}">
-                    <a16:creationId xmlns:a16="http://schemas.microsoft.com/office/drawing/2014/main" id="{E46C39FE-92BA-07EC-43F6-C267B37B9ABC}"/>
+                    <a16:creationId xmlns:a16="http://schemas.microsoft.com/office/drawing/2014/main" id="{34D26DF2-93AA-ACCA-AFAC-C8CBB42846C1}"/>
                   </a:ext>
                 </a:extLst>
               </p:cNvPr>
@@ -21506,15 +23399,13 @@
             </p:nvSpPr>
             <p:spPr>
               <a:xfrm>
-                <a:off x="8316482" y="4082704"/>
-                <a:ext cx="276896" cy="186744"/>
+                <a:off x="7328079" y="2028353"/>
+                <a:ext cx="4327301" cy="2128153"/>
               </a:xfrm>
               <a:prstGeom prst="rect">
                 <a:avLst/>
               </a:prstGeom>
-              <a:solidFill>
-                <a:schemeClr val="accent2"/>
-              </a:solidFill>
+              <a:noFill/>
             </p:spPr>
             <p:style>
               <a:lnRef idx="2">
@@ -21537,71 +23428,16 @@
               <a:lstStyle/>
               <a:p>
                 <a:pPr algn="ctr"/>
-                <a:r>
-                  <a:rPr lang="fr-CA" altLang="zh-CN" sz="700" dirty="0"/>
-                  <a:t>T3</a:t>
-                </a:r>
+                <a:endParaRPr lang="fr-CA"/>
               </a:p>
             </p:txBody>
           </p:sp>
           <p:sp>
             <p:nvSpPr>
-              <p:cNvPr id="1073" name="矩形 1072">
+              <p:cNvPr id="1100" name="文本框 1099">
                 <a:extLst>
                   <a:ext uri="{FF2B5EF4-FFF2-40B4-BE49-F238E27FC236}">
-                    <a16:creationId xmlns:a16="http://schemas.microsoft.com/office/drawing/2014/main" id="{DCD0F3AF-1211-A882-1FAF-08A207AF4D0E}"/>
-                  </a:ext>
-                </a:extLst>
-              </p:cNvPr>
-              <p:cNvSpPr/>
-              <p:nvPr/>
-            </p:nvSpPr>
-            <p:spPr>
-              <a:xfrm>
-                <a:off x="10219705" y="4101318"/>
-                <a:ext cx="276896" cy="186744"/>
-              </a:xfrm>
-              <a:prstGeom prst="rect">
-                <a:avLst/>
-              </a:prstGeom>
-              <a:solidFill>
-                <a:schemeClr val="accent2"/>
-              </a:solidFill>
-            </p:spPr>
-            <p:style>
-              <a:lnRef idx="2">
-                <a:schemeClr val="accent1">
-                  <a:shade val="50000"/>
-                </a:schemeClr>
-              </a:lnRef>
-              <a:fillRef idx="1">
-                <a:schemeClr val="accent1"/>
-              </a:fillRef>
-              <a:effectRef idx="0">
-                <a:schemeClr val="accent1"/>
-              </a:effectRef>
-              <a:fontRef idx="minor">
-                <a:schemeClr val="lt1"/>
-              </a:fontRef>
-            </p:style>
-            <p:txBody>
-              <a:bodyPr rtlCol="0" anchor="ctr"/>
-              <a:lstStyle/>
-              <a:p>
-                <a:pPr algn="ctr"/>
-                <a:r>
-                  <a:rPr lang="fr-CA" altLang="zh-CN" sz="700" dirty="0"/>
-                  <a:t>a3</a:t>
-                </a:r>
-              </a:p>
-            </p:txBody>
-          </p:sp>
-          <p:sp>
-            <p:nvSpPr>
-              <p:cNvPr id="1083" name="文本框 1082">
-                <a:extLst>
-                  <a:ext uri="{FF2B5EF4-FFF2-40B4-BE49-F238E27FC236}">
-                    <a16:creationId xmlns:a16="http://schemas.microsoft.com/office/drawing/2014/main" id="{84114D88-EADF-4426-84C6-00D9738BA67C}"/>
+                    <a16:creationId xmlns:a16="http://schemas.microsoft.com/office/drawing/2014/main" id="{2775944E-38DB-B9B6-5C40-3E743DAEC9FE}"/>
                   </a:ext>
                 </a:extLst>
               </p:cNvPr>
@@ -21609,8 +23445,8 @@
               <p:nvPr/>
             </p:nvSpPr>
             <p:spPr>
-              <a:xfrm>
-                <a:off x="8646611" y="4002109"/>
+              <a:xfrm rot="5400000">
+                <a:off x="9299658" y="2887442"/>
                 <a:ext cx="444321" cy="369332"/>
               </a:xfrm>
               <a:prstGeom prst="rect">
@@ -21633,600 +23469,6 @@
             </p:txBody>
           </p:sp>
         </p:grpSp>
-        <p:grpSp>
-          <p:nvGrpSpPr>
-            <p:cNvPr id="1087" name="组合 1086">
-              <a:extLst>
-                <a:ext uri="{FF2B5EF4-FFF2-40B4-BE49-F238E27FC236}">
-                  <a16:creationId xmlns:a16="http://schemas.microsoft.com/office/drawing/2014/main" id="{29C9AAB4-433C-0D24-B770-16DAC7A8DC06}"/>
-                </a:ext>
-              </a:extLst>
-            </p:cNvPr>
-            <p:cNvGrpSpPr/>
-            <p:nvPr/>
-          </p:nvGrpSpPr>
-          <p:grpSpPr>
-            <a:xfrm>
-              <a:off x="7454807" y="2249547"/>
-              <a:ext cx="4082603" cy="421081"/>
-              <a:chOff x="7454808" y="1200171"/>
-              <a:chExt cx="4082603" cy="421081"/>
-            </a:xfrm>
-          </p:grpSpPr>
-          <p:grpSp>
-            <p:nvGrpSpPr>
-              <p:cNvPr id="1088" name="组合 1087">
-                <a:extLst>
-                  <a:ext uri="{FF2B5EF4-FFF2-40B4-BE49-F238E27FC236}">
-                    <a16:creationId xmlns:a16="http://schemas.microsoft.com/office/drawing/2014/main" id="{4025C2B0-65FA-BC2B-FA4E-271EAB416CCA}"/>
-                  </a:ext>
-                </a:extLst>
-              </p:cNvPr>
-              <p:cNvGrpSpPr/>
-              <p:nvPr/>
-            </p:nvGrpSpPr>
-            <p:grpSpPr>
-              <a:xfrm>
-                <a:off x="7454808" y="1200171"/>
-                <a:ext cx="4082603" cy="418563"/>
-                <a:chOff x="7662929" y="1867437"/>
-                <a:chExt cx="4082603" cy="418563"/>
-              </a:xfrm>
-            </p:grpSpPr>
-            <p:sp>
-              <p:nvSpPr>
-                <p:cNvPr id="1091" name="矩形: 圆角 1090">
-                  <a:extLst>
-                    <a:ext uri="{FF2B5EF4-FFF2-40B4-BE49-F238E27FC236}">
-                      <a16:creationId xmlns:a16="http://schemas.microsoft.com/office/drawing/2014/main" id="{3257AD40-1453-75D7-C04C-23B8C9E96BAC}"/>
-                    </a:ext>
-                  </a:extLst>
-                </p:cNvPr>
-                <p:cNvSpPr/>
-                <p:nvPr/>
-              </p:nvSpPr>
-              <p:spPr>
-                <a:xfrm>
-                  <a:off x="7662929" y="1867437"/>
-                  <a:ext cx="4082603" cy="418563"/>
-                </a:xfrm>
-                <a:prstGeom prst="roundRect">
-                  <a:avLst/>
-                </a:prstGeom>
-                <a:noFill/>
-                <a:ln>
-                  <a:solidFill>
-                    <a:schemeClr val="tx1"/>
-                  </a:solidFill>
-                  <a:prstDash val="dash"/>
-                </a:ln>
-              </p:spPr>
-              <p:style>
-                <a:lnRef idx="2">
-                  <a:schemeClr val="accent6"/>
-                </a:lnRef>
-                <a:fillRef idx="1">
-                  <a:schemeClr val="lt1"/>
-                </a:fillRef>
-                <a:effectRef idx="0">
-                  <a:schemeClr val="accent6"/>
-                </a:effectRef>
-                <a:fontRef idx="minor">
-                  <a:schemeClr val="dk1"/>
-                </a:fontRef>
-              </p:style>
-              <p:txBody>
-                <a:bodyPr rtlCol="0" anchor="ctr"/>
-                <a:lstStyle/>
-                <a:p>
-                  <a:pPr algn="ctr"/>
-                  <a:endParaRPr lang="fr-CA" dirty="0"/>
-                </a:p>
-              </p:txBody>
-            </p:sp>
-            <p:sp>
-              <p:nvSpPr>
-                <p:cNvPr id="1092" name="矩形 1091">
-                  <a:extLst>
-                    <a:ext uri="{FF2B5EF4-FFF2-40B4-BE49-F238E27FC236}">
-                      <a16:creationId xmlns:a16="http://schemas.microsoft.com/office/drawing/2014/main" id="{8F480B73-7BD7-AB27-824F-FA3ED1543BCF}"/>
-                    </a:ext>
-                  </a:extLst>
-                </p:cNvPr>
-                <p:cNvSpPr/>
-                <p:nvPr/>
-              </p:nvSpPr>
-              <p:spPr>
-                <a:xfrm>
-                  <a:off x="7796859" y="1963250"/>
-                  <a:ext cx="276896" cy="186744"/>
-                </a:xfrm>
-                <a:prstGeom prst="rect">
-                  <a:avLst/>
-                </a:prstGeom>
-                <a:solidFill>
-                  <a:schemeClr val="accent2"/>
-                </a:solidFill>
-              </p:spPr>
-              <p:style>
-                <a:lnRef idx="2">
-                  <a:schemeClr val="accent1">
-                    <a:shade val="50000"/>
-                  </a:schemeClr>
-                </a:lnRef>
-                <a:fillRef idx="1">
-                  <a:schemeClr val="accent1"/>
-                </a:fillRef>
-                <a:effectRef idx="0">
-                  <a:schemeClr val="accent1"/>
-                </a:effectRef>
-                <a:fontRef idx="minor">
-                  <a:schemeClr val="lt1"/>
-                </a:fontRef>
-              </p:style>
-              <p:txBody>
-                <a:bodyPr rtlCol="0" anchor="ctr"/>
-                <a:lstStyle/>
-                <a:p>
-                  <a:pPr algn="ctr"/>
-                  <a:r>
-                    <a:rPr lang="fr-CA" sz="700" dirty="0"/>
-                    <a:t>T1</a:t>
-                  </a:r>
-                </a:p>
-              </p:txBody>
-            </p:sp>
-            <p:sp>
-              <p:nvSpPr>
-                <p:cNvPr id="1093" name="矩形 1092">
-                  <a:extLst>
-                    <a:ext uri="{FF2B5EF4-FFF2-40B4-BE49-F238E27FC236}">
-                      <a16:creationId xmlns:a16="http://schemas.microsoft.com/office/drawing/2014/main" id="{1CB75011-5362-1370-DDF9-9B18DB70EBB2}"/>
-                    </a:ext>
-                  </a:extLst>
-                </p:cNvPr>
-                <p:cNvSpPr/>
-                <p:nvPr/>
-              </p:nvSpPr>
-              <p:spPr>
-                <a:xfrm>
-                  <a:off x="10937762" y="1974760"/>
-                  <a:ext cx="276896" cy="186744"/>
-                </a:xfrm>
-                <a:prstGeom prst="rect">
-                  <a:avLst/>
-                </a:prstGeom>
-              </p:spPr>
-              <p:style>
-                <a:lnRef idx="2">
-                  <a:schemeClr val="accent1">
-                    <a:shade val="50000"/>
-                  </a:schemeClr>
-                </a:lnRef>
-                <a:fillRef idx="1">
-                  <a:schemeClr val="accent1"/>
-                </a:fillRef>
-                <a:effectRef idx="0">
-                  <a:schemeClr val="accent1"/>
-                </a:effectRef>
-                <a:fontRef idx="minor">
-                  <a:schemeClr val="lt1"/>
-                </a:fontRef>
-              </p:style>
-              <p:txBody>
-                <a:bodyPr rtlCol="0" anchor="ctr"/>
-                <a:lstStyle/>
-                <a:p>
-                  <a:pPr algn="ctr"/>
-                  <a:endParaRPr lang="fr-CA"/>
-                </a:p>
-              </p:txBody>
-            </p:sp>
-            <p:sp>
-              <p:nvSpPr>
-                <p:cNvPr id="1094" name="矩形 1093">
-                  <a:extLst>
-                    <a:ext uri="{FF2B5EF4-FFF2-40B4-BE49-F238E27FC236}">
-                      <a16:creationId xmlns:a16="http://schemas.microsoft.com/office/drawing/2014/main" id="{865A16DF-AD1F-9FB0-84B6-CAE7145A5DAB}"/>
-                    </a:ext>
-                  </a:extLst>
-                </p:cNvPr>
-                <p:cNvSpPr/>
-                <p:nvPr/>
-              </p:nvSpPr>
-              <p:spPr>
-                <a:xfrm>
-                  <a:off x="11322676" y="1974760"/>
-                  <a:ext cx="276896" cy="186744"/>
-                </a:xfrm>
-                <a:prstGeom prst="rect">
-                  <a:avLst/>
-                </a:prstGeom>
-              </p:spPr>
-              <p:style>
-                <a:lnRef idx="2">
-                  <a:schemeClr val="accent1">
-                    <a:shade val="50000"/>
-                  </a:schemeClr>
-                </a:lnRef>
-                <a:fillRef idx="1">
-                  <a:schemeClr val="accent1"/>
-                </a:fillRef>
-                <a:effectRef idx="0">
-                  <a:schemeClr val="accent1"/>
-                </a:effectRef>
-                <a:fontRef idx="minor">
-                  <a:schemeClr val="lt1"/>
-                </a:fontRef>
-              </p:style>
-              <p:txBody>
-                <a:bodyPr rtlCol="0" anchor="ctr"/>
-                <a:lstStyle/>
-                <a:p>
-                  <a:pPr algn="ctr"/>
-                  <a:endParaRPr lang="fr-CA"/>
-                </a:p>
-              </p:txBody>
-            </p:sp>
-            <p:sp>
-              <p:nvSpPr>
-                <p:cNvPr id="1095" name="矩形 1094">
-                  <a:extLst>
-                    <a:ext uri="{FF2B5EF4-FFF2-40B4-BE49-F238E27FC236}">
-                      <a16:creationId xmlns:a16="http://schemas.microsoft.com/office/drawing/2014/main" id="{26D9A2F6-4955-48DA-E1F6-6C6813ABEE0F}"/>
-                    </a:ext>
-                  </a:extLst>
-                </p:cNvPr>
-                <p:cNvSpPr/>
-                <p:nvPr/>
-              </p:nvSpPr>
-              <p:spPr>
-                <a:xfrm>
-                  <a:off x="8207378" y="1963250"/>
-                  <a:ext cx="276896" cy="186744"/>
-                </a:xfrm>
-                <a:prstGeom prst="rect">
-                  <a:avLst/>
-                </a:prstGeom>
-                <a:solidFill>
-                  <a:schemeClr val="accent2"/>
-                </a:solidFill>
-              </p:spPr>
-              <p:style>
-                <a:lnRef idx="2">
-                  <a:schemeClr val="accent1">
-                    <a:shade val="50000"/>
-                  </a:schemeClr>
-                </a:lnRef>
-                <a:fillRef idx="1">
-                  <a:schemeClr val="accent1"/>
-                </a:fillRef>
-                <a:effectRef idx="0">
-                  <a:schemeClr val="accent1"/>
-                </a:effectRef>
-                <a:fontRef idx="minor">
-                  <a:schemeClr val="lt1"/>
-                </a:fontRef>
-              </p:style>
-              <p:txBody>
-                <a:bodyPr rtlCol="0" anchor="ctr"/>
-                <a:lstStyle/>
-                <a:p>
-                  <a:pPr algn="ctr"/>
-                  <a:r>
-                    <a:rPr lang="fr-CA" altLang="zh-CN" sz="700" dirty="0"/>
-                    <a:t>T2</a:t>
-                  </a:r>
-                </a:p>
-              </p:txBody>
-            </p:sp>
-            <p:sp>
-              <p:nvSpPr>
-                <p:cNvPr id="1096" name="矩形 1095">
-                  <a:extLst>
-                    <a:ext uri="{FF2B5EF4-FFF2-40B4-BE49-F238E27FC236}">
-                      <a16:creationId xmlns:a16="http://schemas.microsoft.com/office/drawing/2014/main" id="{40291439-2E05-836C-0994-12F28906C9CB}"/>
-                    </a:ext>
-                  </a:extLst>
-                </p:cNvPr>
-                <p:cNvSpPr/>
-                <p:nvPr/>
-              </p:nvSpPr>
-              <p:spPr>
-                <a:xfrm>
-                  <a:off x="9729941" y="1974760"/>
-                  <a:ext cx="276896" cy="186744"/>
-                </a:xfrm>
-                <a:prstGeom prst="rect">
-                  <a:avLst/>
-                </a:prstGeom>
-                <a:solidFill>
-                  <a:schemeClr val="accent2"/>
-                </a:solidFill>
-              </p:spPr>
-              <p:style>
-                <a:lnRef idx="2">
-                  <a:schemeClr val="accent1">
-                    <a:shade val="50000"/>
-                  </a:schemeClr>
-                </a:lnRef>
-                <a:fillRef idx="1">
-                  <a:schemeClr val="accent1"/>
-                </a:fillRef>
-                <a:effectRef idx="0">
-                  <a:schemeClr val="accent1"/>
-                </a:effectRef>
-                <a:fontRef idx="minor">
-                  <a:schemeClr val="lt1"/>
-                </a:fontRef>
-              </p:style>
-              <p:txBody>
-                <a:bodyPr rtlCol="0" anchor="ctr"/>
-                <a:lstStyle/>
-                <a:p>
-                  <a:pPr algn="ctr"/>
-                  <a:r>
-                    <a:rPr lang="fr-CA" altLang="zh-CN" sz="700" dirty="0"/>
-                    <a:t>a1</a:t>
-                  </a:r>
-                </a:p>
-              </p:txBody>
-            </p:sp>
-            <p:sp>
-              <p:nvSpPr>
-                <p:cNvPr id="1097" name="矩形 1096">
-                  <a:extLst>
-                    <a:ext uri="{FF2B5EF4-FFF2-40B4-BE49-F238E27FC236}">
-                      <a16:creationId xmlns:a16="http://schemas.microsoft.com/office/drawing/2014/main" id="{F5A09768-5E67-B45F-9335-5D862D0ED09A}"/>
-                    </a:ext>
-                  </a:extLst>
-                </p:cNvPr>
-                <p:cNvSpPr/>
-                <p:nvPr/>
-              </p:nvSpPr>
-              <p:spPr>
-                <a:xfrm>
-                  <a:off x="10123731" y="1974760"/>
-                  <a:ext cx="276896" cy="186744"/>
-                </a:xfrm>
-                <a:prstGeom prst="rect">
-                  <a:avLst/>
-                </a:prstGeom>
-                <a:solidFill>
-                  <a:schemeClr val="accent2"/>
-                </a:solidFill>
-              </p:spPr>
-              <p:style>
-                <a:lnRef idx="2">
-                  <a:schemeClr val="accent1">
-                    <a:shade val="50000"/>
-                  </a:schemeClr>
-                </a:lnRef>
-                <a:fillRef idx="1">
-                  <a:schemeClr val="accent1"/>
-                </a:fillRef>
-                <a:effectRef idx="0">
-                  <a:schemeClr val="accent1"/>
-                </a:effectRef>
-                <a:fontRef idx="minor">
-                  <a:schemeClr val="lt1"/>
-                </a:fontRef>
-              </p:style>
-              <p:txBody>
-                <a:bodyPr rtlCol="0" anchor="ctr"/>
-                <a:lstStyle/>
-                <a:p>
-                  <a:pPr algn="ctr"/>
-                  <a:r>
-                    <a:rPr lang="fr-CA" altLang="zh-CN" sz="700" dirty="0"/>
-                    <a:t>a2</a:t>
-                  </a:r>
-                </a:p>
-              </p:txBody>
-            </p:sp>
-            <p:sp>
-              <p:nvSpPr>
-                <p:cNvPr id="1098" name="矩形 1097">
-                  <a:extLst>
-                    <a:ext uri="{FF2B5EF4-FFF2-40B4-BE49-F238E27FC236}">
-                      <a16:creationId xmlns:a16="http://schemas.microsoft.com/office/drawing/2014/main" id="{ACD7829B-0F1F-E67A-A172-2BBB9BA82F46}"/>
-                    </a:ext>
-                  </a:extLst>
-                </p:cNvPr>
-                <p:cNvSpPr/>
-                <p:nvPr/>
-              </p:nvSpPr>
-              <p:spPr>
-                <a:xfrm>
-                  <a:off x="9319422" y="1974760"/>
-                  <a:ext cx="276896" cy="186744"/>
-                </a:xfrm>
-                <a:prstGeom prst="rect">
-                  <a:avLst/>
-                </a:prstGeom>
-              </p:spPr>
-              <p:style>
-                <a:lnRef idx="2">
-                  <a:schemeClr val="accent1">
-                    <a:shade val="50000"/>
-                  </a:schemeClr>
-                </a:lnRef>
-                <a:fillRef idx="1">
-                  <a:schemeClr val="accent1"/>
-                </a:fillRef>
-                <a:effectRef idx="0">
-                  <a:schemeClr val="accent1"/>
-                </a:effectRef>
-                <a:fontRef idx="minor">
-                  <a:schemeClr val="lt1"/>
-                </a:fontRef>
-              </p:style>
-              <p:txBody>
-                <a:bodyPr rtlCol="0" anchor="ctr"/>
-                <a:lstStyle/>
-                <a:p>
-                  <a:pPr algn="ctr"/>
-                  <a:endParaRPr lang="fr-CA"/>
-                </a:p>
-              </p:txBody>
-            </p:sp>
-          </p:grpSp>
-          <p:sp>
-            <p:nvSpPr>
-              <p:cNvPr id="1089" name="文本框 1088">
-                <a:extLst>
-                  <a:ext uri="{FF2B5EF4-FFF2-40B4-BE49-F238E27FC236}">
-                    <a16:creationId xmlns:a16="http://schemas.microsoft.com/office/drawing/2014/main" id="{7CAFD0B7-CB7E-6CC8-F237-60CEDB244ADE}"/>
-                  </a:ext>
-                </a:extLst>
-              </p:cNvPr>
-              <p:cNvSpPr txBox="1"/>
-              <p:nvPr/>
-            </p:nvSpPr>
-            <p:spPr>
-              <a:xfrm>
-                <a:off x="8513511" y="1249402"/>
-                <a:ext cx="444321" cy="369332"/>
-              </a:xfrm>
-              <a:prstGeom prst="rect">
-                <a:avLst/>
-              </a:prstGeom>
-              <a:noFill/>
-            </p:spPr>
-            <p:txBody>
-              <a:bodyPr wrap="square" rtlCol="0">
-                <a:spAutoFit/>
-              </a:bodyPr>
-              <a:lstStyle/>
-              <a:p>
-                <a:r>
-                  <a:rPr lang="en-US" altLang="zh-CN" dirty="0"/>
-                  <a:t>…</a:t>
-                </a:r>
-                <a:endParaRPr lang="fr-CA" dirty="0"/>
-              </a:p>
-            </p:txBody>
-          </p:sp>
-          <p:sp>
-            <p:nvSpPr>
-              <p:cNvPr id="1090" name="文本框 1089">
-                <a:extLst>
-                  <a:ext uri="{FF2B5EF4-FFF2-40B4-BE49-F238E27FC236}">
-                    <a16:creationId xmlns:a16="http://schemas.microsoft.com/office/drawing/2014/main" id="{17FCD39F-1196-54D0-4710-B268869EF10E}"/>
-                  </a:ext>
-                </a:extLst>
-              </p:cNvPr>
-              <p:cNvSpPr txBox="1"/>
-              <p:nvPr/>
-            </p:nvSpPr>
-            <p:spPr>
-              <a:xfrm>
-                <a:off x="10300524" y="1251920"/>
-                <a:ext cx="444321" cy="369332"/>
-              </a:xfrm>
-              <a:prstGeom prst="rect">
-                <a:avLst/>
-              </a:prstGeom>
-              <a:noFill/>
-            </p:spPr>
-            <p:txBody>
-              <a:bodyPr wrap="square" rtlCol="0">
-                <a:spAutoFit/>
-              </a:bodyPr>
-              <a:lstStyle/>
-              <a:p>
-                <a:r>
-                  <a:rPr lang="en-US" altLang="zh-CN" dirty="0"/>
-                  <a:t>…</a:t>
-                </a:r>
-                <a:endParaRPr lang="fr-CA" dirty="0"/>
-              </a:p>
-            </p:txBody>
-          </p:sp>
-        </p:grpSp>
-        <p:sp>
-          <p:nvSpPr>
-            <p:cNvPr id="1099" name="矩形 1098">
-              <a:extLst>
-                <a:ext uri="{FF2B5EF4-FFF2-40B4-BE49-F238E27FC236}">
-                  <a16:creationId xmlns:a16="http://schemas.microsoft.com/office/drawing/2014/main" id="{34D26DF2-93AA-ACCA-AFAC-C8CBB42846C1}"/>
-                </a:ext>
-              </a:extLst>
-            </p:cNvPr>
-            <p:cNvSpPr/>
-            <p:nvPr/>
-          </p:nvSpPr>
-          <p:spPr>
-            <a:xfrm>
-              <a:off x="7328079" y="2028353"/>
-              <a:ext cx="4327301" cy="2128153"/>
-            </a:xfrm>
-            <a:prstGeom prst="rect">
-              <a:avLst/>
-            </a:prstGeom>
-            <a:noFill/>
-          </p:spPr>
-          <p:style>
-            <a:lnRef idx="2">
-              <a:schemeClr val="accent1">
-                <a:shade val="50000"/>
-              </a:schemeClr>
-            </a:lnRef>
-            <a:fillRef idx="1">
-              <a:schemeClr val="accent1"/>
-            </a:fillRef>
-            <a:effectRef idx="0">
-              <a:schemeClr val="accent1"/>
-            </a:effectRef>
-            <a:fontRef idx="minor">
-              <a:schemeClr val="lt1"/>
-            </a:fontRef>
-          </p:style>
-          <p:txBody>
-            <a:bodyPr rtlCol="0" anchor="ctr"/>
-            <a:lstStyle/>
-            <a:p>
-              <a:pPr algn="ctr"/>
-              <a:endParaRPr lang="fr-CA"/>
-            </a:p>
-          </p:txBody>
-        </p:sp>
-        <p:sp>
-          <p:nvSpPr>
-            <p:cNvPr id="1100" name="文本框 1099">
-              <a:extLst>
-                <a:ext uri="{FF2B5EF4-FFF2-40B4-BE49-F238E27FC236}">
-                  <a16:creationId xmlns:a16="http://schemas.microsoft.com/office/drawing/2014/main" id="{2775944E-38DB-B9B6-5C40-3E743DAEC9FE}"/>
-                </a:ext>
-              </a:extLst>
-            </p:cNvPr>
-            <p:cNvSpPr txBox="1"/>
-            <p:nvPr/>
-          </p:nvSpPr>
-          <p:spPr>
-            <a:xfrm rot="5400000">
-              <a:off x="9299658" y="2887442"/>
-              <a:ext cx="444321" cy="369332"/>
-            </a:xfrm>
-            <a:prstGeom prst="rect">
-              <a:avLst/>
-            </a:prstGeom>
-            <a:noFill/>
-          </p:spPr>
-          <p:txBody>
-            <a:bodyPr wrap="square" rtlCol="0">
-              <a:spAutoFit/>
-            </a:bodyPr>
-            <a:lstStyle/>
-            <a:p>
-              <a:r>
-                <a:rPr lang="en-US" altLang="zh-CN" dirty="0"/>
-                <a:t>…</a:t>
-              </a:r>
-              <a:endParaRPr lang="fr-CA" dirty="0"/>
-            </a:p>
-          </p:txBody>
-        </p:sp>
       </p:grpSp>
     </p:spTree>
     <p:extLst>

--- a/presentation.pptx
+++ b/presentation.pptx
@@ -4457,7 +4457,7 @@
           <a:p>
             <a:fld id="{CC7CB2C3-37B5-4BD6-986D-8040C072327A}" type="datetimeFigureOut">
               <a:rPr lang="fr-CA" smtClean="0"/>
-              <a:t>2022-11-21</a:t>
+              <a:t>2023-03-14</a:t>
             </a:fld>
             <a:endParaRPr lang="fr-CA"/>
           </a:p>
@@ -5045,7 +5045,7 @@
           <a:p>
             <a:fld id="{5890D0D9-284D-414C-A308-03C9872EF452}" type="datetimeFigureOut">
               <a:rPr lang="fr-CA" smtClean="0"/>
-              <a:t>2022-11-21</a:t>
+              <a:t>2023-03-14</a:t>
             </a:fld>
             <a:endParaRPr lang="fr-CA"/>
           </a:p>
@@ -5245,7 +5245,7 @@
           <a:p>
             <a:fld id="{5890D0D9-284D-414C-A308-03C9872EF452}" type="datetimeFigureOut">
               <a:rPr lang="fr-CA" smtClean="0"/>
-              <a:t>2022-11-21</a:t>
+              <a:t>2023-03-14</a:t>
             </a:fld>
             <a:endParaRPr lang="fr-CA"/>
           </a:p>
@@ -5455,7 +5455,7 @@
           <a:p>
             <a:fld id="{5890D0D9-284D-414C-A308-03C9872EF452}" type="datetimeFigureOut">
               <a:rPr lang="fr-CA" smtClean="0"/>
-              <a:t>2022-11-21</a:t>
+              <a:t>2023-03-14</a:t>
             </a:fld>
             <a:endParaRPr lang="fr-CA"/>
           </a:p>
@@ -5655,7 +5655,7 @@
           <a:p>
             <a:fld id="{5890D0D9-284D-414C-A308-03C9872EF452}" type="datetimeFigureOut">
               <a:rPr lang="fr-CA" smtClean="0"/>
-              <a:t>2022-11-21</a:t>
+              <a:t>2023-03-14</a:t>
             </a:fld>
             <a:endParaRPr lang="fr-CA"/>
           </a:p>
@@ -5931,7 +5931,7 @@
           <a:p>
             <a:fld id="{5890D0D9-284D-414C-A308-03C9872EF452}" type="datetimeFigureOut">
               <a:rPr lang="fr-CA" smtClean="0"/>
-              <a:t>2022-11-21</a:t>
+              <a:t>2023-03-14</a:t>
             </a:fld>
             <a:endParaRPr lang="fr-CA"/>
           </a:p>
@@ -6199,7 +6199,7 @@
           <a:p>
             <a:fld id="{5890D0D9-284D-414C-A308-03C9872EF452}" type="datetimeFigureOut">
               <a:rPr lang="fr-CA" smtClean="0"/>
-              <a:t>2022-11-21</a:t>
+              <a:t>2023-03-14</a:t>
             </a:fld>
             <a:endParaRPr lang="fr-CA"/>
           </a:p>
@@ -6614,7 +6614,7 @@
           <a:p>
             <a:fld id="{5890D0D9-284D-414C-A308-03C9872EF452}" type="datetimeFigureOut">
               <a:rPr lang="fr-CA" smtClean="0"/>
-              <a:t>2022-11-21</a:t>
+              <a:t>2023-03-14</a:t>
             </a:fld>
             <a:endParaRPr lang="fr-CA"/>
           </a:p>
@@ -6756,7 +6756,7 @@
           <a:p>
             <a:fld id="{5890D0D9-284D-414C-A308-03C9872EF452}" type="datetimeFigureOut">
               <a:rPr lang="fr-CA" smtClean="0"/>
-              <a:t>2022-11-21</a:t>
+              <a:t>2023-03-14</a:t>
             </a:fld>
             <a:endParaRPr lang="fr-CA"/>
           </a:p>
@@ -6869,7 +6869,7 @@
           <a:p>
             <a:fld id="{5890D0D9-284D-414C-A308-03C9872EF452}" type="datetimeFigureOut">
               <a:rPr lang="fr-CA" smtClean="0"/>
-              <a:t>2022-11-21</a:t>
+              <a:t>2023-03-14</a:t>
             </a:fld>
             <a:endParaRPr lang="fr-CA"/>
           </a:p>
@@ -7182,7 +7182,7 @@
           <a:p>
             <a:fld id="{5890D0D9-284D-414C-A308-03C9872EF452}" type="datetimeFigureOut">
               <a:rPr lang="fr-CA" smtClean="0"/>
-              <a:t>2022-11-21</a:t>
+              <a:t>2023-03-14</a:t>
             </a:fld>
             <a:endParaRPr lang="fr-CA"/>
           </a:p>
@@ -7471,7 +7471,7 @@
           <a:p>
             <a:fld id="{5890D0D9-284D-414C-A308-03C9872EF452}" type="datetimeFigureOut">
               <a:rPr lang="fr-CA" smtClean="0"/>
-              <a:t>2022-11-21</a:t>
+              <a:t>2023-03-14</a:t>
             </a:fld>
             <a:endParaRPr lang="fr-CA"/>
           </a:p>
@@ -7714,7 +7714,7 @@
           <a:p>
             <a:fld id="{5890D0D9-284D-414C-A308-03C9872EF452}" type="datetimeFigureOut">
               <a:rPr lang="fr-CA" smtClean="0"/>
-              <a:t>2022-11-21</a:t>
+              <a:t>2023-03-14</a:t>
             </a:fld>
             <a:endParaRPr lang="fr-CA"/>
           </a:p>
@@ -20446,7 +20446,7 @@
         </p:nvGrpSpPr>
         <p:grpSpPr>
           <a:xfrm>
-            <a:off x="613610" y="237088"/>
+            <a:off x="613610" y="204891"/>
             <a:ext cx="10824163" cy="6265591"/>
             <a:chOff x="613610" y="269285"/>
             <a:chExt cx="10824163" cy="6265591"/>
